--- a/apresentacao doutorado.pptx
+++ b/apresentacao doutorado.pptx
@@ -73,12 +73,14 @@
     <p:sldId id="328" r:id="rId67"/>
     <p:sldId id="329" r:id="rId68"/>
     <p:sldId id="330" r:id="rId69"/>
-    <p:sldId id="323" r:id="rId70"/>
-    <p:sldId id="276" r:id="rId71"/>
-    <p:sldId id="277" r:id="rId72"/>
-    <p:sldId id="279" r:id="rId73"/>
-    <p:sldId id="278" r:id="rId74"/>
-    <p:sldId id="280" r:id="rId75"/>
+    <p:sldId id="279" r:id="rId70"/>
+    <p:sldId id="331" r:id="rId71"/>
+    <p:sldId id="332" r:id="rId72"/>
+    <p:sldId id="278" r:id="rId73"/>
+    <p:sldId id="333" r:id="rId74"/>
+    <p:sldId id="334" r:id="rId75"/>
+    <p:sldId id="335" r:id="rId76"/>
+    <p:sldId id="280" r:id="rId77"/>
   </p:sldIdLst>
   <p:sldSz cx="9144000" cy="6858000" type="screen4x3"/>
   <p:notesSz cx="6858000" cy="9144000"/>
@@ -1026,7 +1028,7 @@
           <a:p>
             <a:fld id="{32E3DEF6-3213-4E1F-BF11-F9A2367C79DC}" type="datetimeFigureOut">
               <a:rPr lang="pt-BR" smtClean="0"/>
-              <a:t>27/11/2020</a:t>
+              <a:t>30/11/2020</a:t>
             </a:fld>
             <a:endParaRPr lang="pt-BR"/>
           </a:p>
@@ -2944,10 +2946,67 @@
         </p:nvSpPr>
         <p:spPr/>
         <p:txBody>
-          <a:bodyPr/>
-          <a:lstStyle/>
-          <a:p>
-            <a:endParaRPr lang="pt-BR"/>
+          <a:bodyPr>
+            <a:normAutofit lnSpcReduction="10000"/>
+          </a:bodyPr>
+          <a:lstStyle/>
+          <a:p>
+            <a:r>
+              <a:rPr lang="pt-BR" dirty="0"/>
+              <a:t>Introdução</a:t>
+            </a:r>
+          </a:p>
+          <a:p>
+            <a:r>
+              <a:rPr lang="pt-BR" dirty="0"/>
+              <a:t>Objetivos</a:t>
+            </a:r>
+          </a:p>
+          <a:p>
+            <a:r>
+              <a:rPr lang="pt-BR" dirty="0"/>
+              <a:t>Referencial</a:t>
+            </a:r>
+          </a:p>
+          <a:p>
+            <a:r>
+              <a:rPr lang="pt-BR" dirty="0"/>
+              <a:t>Hipótese </a:t>
+            </a:r>
+          </a:p>
+          <a:p>
+            <a:r>
+              <a:rPr lang="pt-BR" dirty="0"/>
+              <a:t>Procedimentos metodológicos</a:t>
+            </a:r>
+          </a:p>
+          <a:p>
+            <a:r>
+              <a:rPr lang="pt-BR" dirty="0"/>
+              <a:t>Resultados</a:t>
+            </a:r>
+          </a:p>
+          <a:p>
+            <a:r>
+              <a:rPr lang="pt-BR" dirty="0"/>
+              <a:t>Conclusões </a:t>
+            </a:r>
+          </a:p>
+          <a:p>
+            <a:r>
+              <a:rPr lang="pt-BR"/>
+              <a:t>Trabalhos futuros</a:t>
+            </a:r>
+            <a:endParaRPr lang="pt-BR" dirty="0"/>
+          </a:p>
+          <a:p>
+            <a:endParaRPr lang="pt-BR" dirty="0"/>
+          </a:p>
+          <a:p>
+            <a:endParaRPr lang="pt-BR" dirty="0"/>
+          </a:p>
+          <a:p>
+            <a:endParaRPr lang="pt-BR" dirty="0"/>
           </a:p>
         </p:txBody>
       </p:sp>
@@ -10941,7 +11000,7 @@
           <p:cNvPr id="2" name="Título 1">
             <a:extLst>
               <a:ext uri="{FF2B5EF4-FFF2-40B4-BE49-F238E27FC236}">
-                <a16:creationId xmlns:a16="http://schemas.microsoft.com/office/drawing/2014/main" id="{0031A4F1-101C-4A09-8CBF-394BD64F2BA5}"/>
+                <a16:creationId xmlns:a16="http://schemas.microsoft.com/office/drawing/2014/main" id="{8771F9BF-C74A-4E88-BDC8-C54DDF995CB1}"/>
               </a:ext>
             </a:extLst>
           </p:cNvPr>
@@ -10957,7 +11016,10 @@
           <a:bodyPr/>
           <a:lstStyle/>
           <a:p>
-            <a:endParaRPr lang="pt-BR"/>
+            <a:r>
+              <a:rPr lang="pt-BR" dirty="0"/>
+              <a:t>Conclusões</a:t>
+            </a:r>
           </a:p>
         </p:txBody>
       </p:sp>
@@ -10966,7 +11028,7 @@
           <p:cNvPr id="3" name="Espaço Reservado para Conteúdo 2">
             <a:extLst>
               <a:ext uri="{FF2B5EF4-FFF2-40B4-BE49-F238E27FC236}">
-                <a16:creationId xmlns:a16="http://schemas.microsoft.com/office/drawing/2014/main" id="{E87DA1DD-BB6B-49BD-A699-1BE4BB91C08E}"/>
+                <a16:creationId xmlns:a16="http://schemas.microsoft.com/office/drawing/2014/main" id="{DEE167A3-9181-498D-AF08-4F6D7EA43C65}"/>
               </a:ext>
             </a:extLst>
           </p:cNvPr>
@@ -10982,14 +11044,51 @@
           <a:bodyPr/>
           <a:lstStyle/>
           <a:p>
-            <a:endParaRPr lang="pt-BR"/>
+            <a:r>
+              <a:rPr lang="pt-BR" sz="1800" b="1" dirty="0">
+                <a:effectLst/>
+                <a:latin typeface="Arial" panose="020B0604020202020204" pitchFamily="34" charset="0"/>
+                <a:ea typeface="Times New Roman" panose="02020603050405020304" pitchFamily="18" charset="0"/>
+                <a:cs typeface="Times New Roman" panose="02020603050405020304" pitchFamily="18" charset="0"/>
+              </a:rPr>
+              <a:t>Existe relação significativa entre cada uma das dimensões da adaptabilidade individual com a satisfação com o trabalho na percepção dos Engenheiros de Software? Essas relações são positivas ou negativas?</a:t>
+            </a:r>
+            <a:endParaRPr lang="pt-BR" sz="1800" dirty="0">
+              <a:effectLst/>
+              <a:latin typeface="Times" panose="02020603050405020304" pitchFamily="18" charset="0"/>
+              <a:ea typeface="Times New Roman" panose="02020603050405020304" pitchFamily="18" charset="0"/>
+              <a:cs typeface="Times New Roman" panose="02020603050405020304" pitchFamily="18" charset="0"/>
+            </a:endParaRPr>
+          </a:p>
+          <a:p>
+            <a:endParaRPr lang="pt-BR" dirty="0"/>
+          </a:p>
+          <a:p>
+            <a:r>
+              <a:rPr lang="pt-BR" sz="1800" b="1" dirty="0">
+                <a:effectLst/>
+                <a:latin typeface="Arial" panose="020B0604020202020204" pitchFamily="34" charset="0"/>
+                <a:ea typeface="Calibri" panose="020F0502020204030204" pitchFamily="34" charset="0"/>
+                <a:cs typeface="Times New Roman" panose="02020603050405020304" pitchFamily="18" charset="0"/>
+              </a:rPr>
+              <a:t>Existe relação de cada uma das dimensões da adaptabilidade individual e de cada uma das dimensões do burnout na percepção dos Engenheiros de Software? Mais do que isso, elas são positivas ou negativas? </a:t>
+            </a:r>
+            <a:endParaRPr lang="pt-BR" sz="1800" dirty="0">
+              <a:effectLst/>
+              <a:latin typeface="Times" panose="02020603050405020304" pitchFamily="18" charset="0"/>
+              <a:ea typeface="Times New Roman" panose="02020603050405020304" pitchFamily="18" charset="0"/>
+              <a:cs typeface="Times New Roman" panose="02020603050405020304" pitchFamily="18" charset="0"/>
+            </a:endParaRPr>
+          </a:p>
+          <a:p>
+            <a:endParaRPr lang="pt-BR" dirty="0"/>
           </a:p>
         </p:txBody>
       </p:sp>
     </p:spTree>
     <p:extLst>
       <p:ext uri="{BB962C8B-B14F-4D97-AF65-F5344CB8AC3E}">
-        <p14:creationId xmlns:p14="http://schemas.microsoft.com/office/powerpoint/2010/main" val="2578580914"/>
+        <p14:creationId xmlns:p14="http://schemas.microsoft.com/office/powerpoint/2010/main" val="1706008652"/>
       </p:ext>
     </p:extLst>
   </p:cSld>
@@ -11182,7 +11281,7 @@
           <p:cNvPr id="2" name="Título 1">
             <a:extLst>
               <a:ext uri="{FF2B5EF4-FFF2-40B4-BE49-F238E27FC236}">
-                <a16:creationId xmlns:a16="http://schemas.microsoft.com/office/drawing/2014/main" id="{16511E84-3337-4EEF-9D7F-702A3951403D}"/>
+                <a16:creationId xmlns:a16="http://schemas.microsoft.com/office/drawing/2014/main" id="{8771F9BF-C74A-4E88-BDC8-C54DDF995CB1}"/>
               </a:ext>
             </a:extLst>
           </p:cNvPr>
@@ -11200,7 +11299,7 @@
           <a:p>
             <a:r>
               <a:rPr lang="pt-BR" dirty="0"/>
-              <a:t>Implicações</a:t>
+              <a:t>Conclusões</a:t>
             </a:r>
           </a:p>
         </p:txBody>
@@ -11210,7 +11309,7 @@
           <p:cNvPr id="3" name="Espaço Reservado para Conteúdo 2">
             <a:extLst>
               <a:ext uri="{FF2B5EF4-FFF2-40B4-BE49-F238E27FC236}">
-                <a16:creationId xmlns:a16="http://schemas.microsoft.com/office/drawing/2014/main" id="{E050FF96-01FD-47B2-8824-6DA2E79D7C38}"/>
+                <a16:creationId xmlns:a16="http://schemas.microsoft.com/office/drawing/2014/main" id="{DEE167A3-9181-498D-AF08-4F6D7EA43C65}"/>
               </a:ext>
             </a:extLst>
           </p:cNvPr>
@@ -11226,14 +11325,67 @@
           <a:bodyPr/>
           <a:lstStyle/>
           <a:p>
-            <a:endParaRPr lang="pt-BR"/>
+            <a:pPr indent="270510" algn="just">
+              <a:lnSpc>
+                <a:spcPct val="150000"/>
+              </a:lnSpc>
+              <a:spcAft>
+                <a:spcPts val="600"/>
+              </a:spcAft>
+            </a:pPr>
+            <a:r>
+              <a:rPr lang="pt-BR" sz="1800" b="1" dirty="0">
+                <a:effectLst/>
+                <a:latin typeface="Arial" panose="020B0604020202020204" pitchFamily="34" charset="0"/>
+                <a:ea typeface="Calibri" panose="020F0502020204030204" pitchFamily="34" charset="0"/>
+                <a:cs typeface="Times New Roman" panose="02020603050405020304" pitchFamily="18" charset="0"/>
+              </a:rPr>
+              <a:t>Existe a relação entre o burnout e a percepção de satisfação na Engenharia de Software? Essa relação é positiva ou negativa?</a:t>
+            </a:r>
+            <a:endParaRPr lang="pt-BR" sz="1800" dirty="0">
+              <a:effectLst/>
+              <a:latin typeface="Times" panose="02020603050405020304" pitchFamily="18" charset="0"/>
+              <a:ea typeface="Times New Roman" panose="02020603050405020304" pitchFamily="18" charset="0"/>
+              <a:cs typeface="Times New Roman" panose="02020603050405020304" pitchFamily="18" charset="0"/>
+            </a:endParaRPr>
+          </a:p>
+          <a:p>
+            <a:endParaRPr lang="pt-BR" dirty="0"/>
+          </a:p>
+          <a:p>
+            <a:pPr indent="228600" algn="just">
+              <a:lnSpc>
+                <a:spcPct val="150000"/>
+              </a:lnSpc>
+              <a:spcAft>
+                <a:spcPts val="600"/>
+              </a:spcAft>
+            </a:pPr>
+            <a:r>
+              <a:rPr lang="pt-BR" sz="1800" b="1" dirty="0">
+                <a:effectLst/>
+                <a:latin typeface="Arial" panose="020B0604020202020204" pitchFamily="34" charset="0"/>
+                <a:ea typeface="Times New Roman" panose="02020603050405020304" pitchFamily="18" charset="0"/>
+                <a:cs typeface="Times New Roman" panose="02020603050405020304" pitchFamily="18" charset="0"/>
+              </a:rPr>
+              <a:t>Existe relação entre a percepção de instabilidade dos indivíduos com a percepção de satisfação na Engenharia de Software? E com o burnout? Essas relações são positivas ou negativas?</a:t>
+            </a:r>
+            <a:endParaRPr lang="pt-BR" sz="1800" dirty="0">
+              <a:effectLst/>
+              <a:latin typeface="Times" panose="02020603050405020304" pitchFamily="18" charset="0"/>
+              <a:ea typeface="Times New Roman" panose="02020603050405020304" pitchFamily="18" charset="0"/>
+              <a:cs typeface="Times New Roman" panose="02020603050405020304" pitchFamily="18" charset="0"/>
+            </a:endParaRPr>
+          </a:p>
+          <a:p>
+            <a:endParaRPr lang="pt-BR" dirty="0"/>
           </a:p>
         </p:txBody>
       </p:sp>
     </p:spTree>
     <p:extLst>
       <p:ext uri="{BB962C8B-B14F-4D97-AF65-F5344CB8AC3E}">
-        <p14:creationId xmlns:p14="http://schemas.microsoft.com/office/powerpoint/2010/main" val="1220354272"/>
+        <p14:creationId xmlns:p14="http://schemas.microsoft.com/office/powerpoint/2010/main" val="2618388783"/>
       </p:ext>
     </p:extLst>
   </p:cSld>
@@ -11265,7 +11417,7 @@
           <p:cNvPr id="2" name="Título 1">
             <a:extLst>
               <a:ext uri="{FF2B5EF4-FFF2-40B4-BE49-F238E27FC236}">
-                <a16:creationId xmlns:a16="http://schemas.microsoft.com/office/drawing/2014/main" id="{16511E84-3337-4EEF-9D7F-702A3951403D}"/>
+                <a16:creationId xmlns:a16="http://schemas.microsoft.com/office/drawing/2014/main" id="{8771F9BF-C74A-4E88-BDC8-C54DDF995CB1}"/>
               </a:ext>
             </a:extLst>
           </p:cNvPr>
@@ -11283,7 +11435,7 @@
           <a:p>
             <a:r>
               <a:rPr lang="pt-BR" dirty="0"/>
-              <a:t>Limitações</a:t>
+              <a:t>Conclusões</a:t>
             </a:r>
           </a:p>
         </p:txBody>
@@ -11293,7 +11445,7 @@
           <p:cNvPr id="3" name="Espaço Reservado para Conteúdo 2">
             <a:extLst>
               <a:ext uri="{FF2B5EF4-FFF2-40B4-BE49-F238E27FC236}">
-                <a16:creationId xmlns:a16="http://schemas.microsoft.com/office/drawing/2014/main" id="{E050FF96-01FD-47B2-8824-6DA2E79D7C38}"/>
+                <a16:creationId xmlns:a16="http://schemas.microsoft.com/office/drawing/2014/main" id="{DEE167A3-9181-498D-AF08-4F6D7EA43C65}"/>
               </a:ext>
             </a:extLst>
           </p:cNvPr>
@@ -11306,17 +11458,155 @@
         </p:nvSpPr>
         <p:spPr/>
         <p:txBody>
-          <a:bodyPr/>
-          <a:lstStyle/>
-          <a:p>
-            <a:endParaRPr lang="pt-BR"/>
+          <a:bodyPr>
+            <a:normAutofit fontScale="85000" lnSpcReduction="10000"/>
+          </a:bodyPr>
+          <a:lstStyle/>
+          <a:p>
+            <a:pPr marL="457200" algn="just">
+              <a:lnSpc>
+                <a:spcPct val="150000"/>
+              </a:lnSpc>
+              <a:spcAft>
+                <a:spcPts val="600"/>
+              </a:spcAft>
+            </a:pPr>
+            <a:r>
+              <a:rPr lang="pt-BR" sz="1800" dirty="0">
+                <a:effectLst/>
+                <a:latin typeface="Arial" panose="020B0604020202020204" pitchFamily="34" charset="0"/>
+                <a:ea typeface="Times New Roman" panose="02020603050405020304" pitchFamily="18" charset="0"/>
+                <a:cs typeface="Times New Roman" panose="02020603050405020304" pitchFamily="18" charset="0"/>
+              </a:rPr>
+              <a:t>Tradução de uma escala de adaptabilidade individual produzida por </a:t>
+            </a:r>
+            <a:r>
+              <a:rPr lang="pt-BR" sz="1800" dirty="0" err="1">
+                <a:effectLst/>
+                <a:latin typeface="Arial" panose="020B0604020202020204" pitchFamily="34" charset="0"/>
+                <a:ea typeface="Times New Roman" panose="02020603050405020304" pitchFamily="18" charset="0"/>
+                <a:cs typeface="Times New Roman" panose="02020603050405020304" pitchFamily="18" charset="0"/>
+              </a:rPr>
+              <a:t>Charbonnier-voirin</a:t>
+            </a:r>
+            <a:r>
+              <a:rPr lang="pt-BR" sz="1800" dirty="0">
+                <a:effectLst/>
+                <a:latin typeface="Arial" panose="020B0604020202020204" pitchFamily="34" charset="0"/>
+                <a:ea typeface="Times New Roman" panose="02020603050405020304" pitchFamily="18" charset="0"/>
+                <a:cs typeface="Times New Roman" panose="02020603050405020304" pitchFamily="18" charset="0"/>
+              </a:rPr>
+              <a:t>; Roussel (2012);</a:t>
+            </a:r>
+            <a:endParaRPr lang="pt-BR" sz="1800" dirty="0">
+              <a:effectLst/>
+              <a:latin typeface="Times" panose="02020603050405020304" pitchFamily="18" charset="0"/>
+              <a:ea typeface="Times New Roman" panose="02020603050405020304" pitchFamily="18" charset="0"/>
+              <a:cs typeface="Times New Roman" panose="02020603050405020304" pitchFamily="18" charset="0"/>
+            </a:endParaRPr>
+          </a:p>
+          <a:p>
+            <a:pPr marL="457200" algn="just">
+              <a:lnSpc>
+                <a:spcPct val="150000"/>
+              </a:lnSpc>
+              <a:spcAft>
+                <a:spcPts val="600"/>
+              </a:spcAft>
+            </a:pPr>
+            <a:r>
+              <a:rPr lang="pt-BR" sz="1800" dirty="0">
+                <a:effectLst/>
+                <a:latin typeface="Arial" panose="020B0604020202020204" pitchFamily="34" charset="0"/>
+                <a:ea typeface="Times New Roman" panose="02020603050405020304" pitchFamily="18" charset="0"/>
+                <a:cs typeface="Times New Roman" panose="02020603050405020304" pitchFamily="18" charset="0"/>
+              </a:rPr>
+              <a:t>-Validação de uma escala de adaptabilidade individual através de análise confirmatória;</a:t>
+            </a:r>
+            <a:endParaRPr lang="pt-BR" sz="1800" dirty="0">
+              <a:effectLst/>
+              <a:latin typeface="Times" panose="02020603050405020304" pitchFamily="18" charset="0"/>
+              <a:ea typeface="Times New Roman" panose="02020603050405020304" pitchFamily="18" charset="0"/>
+              <a:cs typeface="Times New Roman" panose="02020603050405020304" pitchFamily="18" charset="0"/>
+            </a:endParaRPr>
+          </a:p>
+          <a:p>
+            <a:pPr marL="457200" algn="just">
+              <a:lnSpc>
+                <a:spcPct val="150000"/>
+              </a:lnSpc>
+              <a:spcAft>
+                <a:spcPts val="600"/>
+              </a:spcAft>
+            </a:pPr>
+            <a:r>
+              <a:rPr lang="pt-BR" sz="1800" dirty="0">
+                <a:effectLst/>
+                <a:latin typeface="Arial" panose="020B0604020202020204" pitchFamily="34" charset="0"/>
+                <a:ea typeface="Times New Roman" panose="02020603050405020304" pitchFamily="18" charset="0"/>
+                <a:cs typeface="Times New Roman" panose="02020603050405020304" pitchFamily="18" charset="0"/>
+              </a:rPr>
+              <a:t>-Validação da escala de burnout já utilizada na Engenharia de Software em português através de análise fatorial confirmatória. Ela tinha sido validada e traduzida por Da Silva et al. (2016), utilizando apenas o Alfa de </a:t>
+            </a:r>
+            <a:r>
+              <a:rPr lang="pt-BR" sz="1800" dirty="0" err="1">
+                <a:effectLst/>
+                <a:latin typeface="Arial" panose="020B0604020202020204" pitchFamily="34" charset="0"/>
+                <a:ea typeface="Times New Roman" panose="02020603050405020304" pitchFamily="18" charset="0"/>
+                <a:cs typeface="Times New Roman" panose="02020603050405020304" pitchFamily="18" charset="0"/>
+              </a:rPr>
+              <a:t>Cronbach</a:t>
+            </a:r>
+            <a:r>
+              <a:rPr lang="pt-BR" sz="1800" dirty="0">
+                <a:effectLst/>
+                <a:latin typeface="Arial" panose="020B0604020202020204" pitchFamily="34" charset="0"/>
+                <a:ea typeface="Times New Roman" panose="02020603050405020304" pitchFamily="18" charset="0"/>
+                <a:cs typeface="Times New Roman" panose="02020603050405020304" pitchFamily="18" charset="0"/>
+              </a:rPr>
+              <a:t>;</a:t>
+            </a:r>
+            <a:endParaRPr lang="pt-BR" sz="1800" dirty="0">
+              <a:effectLst/>
+              <a:latin typeface="Times" panose="02020603050405020304" pitchFamily="18" charset="0"/>
+              <a:ea typeface="Times New Roman" panose="02020603050405020304" pitchFamily="18" charset="0"/>
+              <a:cs typeface="Times New Roman" panose="02020603050405020304" pitchFamily="18" charset="0"/>
+            </a:endParaRPr>
+          </a:p>
+          <a:p>
+            <a:pPr marL="457200" algn="just">
+              <a:lnSpc>
+                <a:spcPct val="150000"/>
+              </a:lnSpc>
+              <a:spcAft>
+                <a:spcPts val="600"/>
+              </a:spcAft>
+            </a:pPr>
+            <a:r>
+              <a:rPr lang="pt-BR" sz="1800" dirty="0">
+                <a:effectLst/>
+                <a:latin typeface="Arial" panose="020B0604020202020204" pitchFamily="34" charset="0"/>
+                <a:ea typeface="Times New Roman" panose="02020603050405020304" pitchFamily="18" charset="0"/>
+                <a:cs typeface="Times New Roman" panose="02020603050405020304" pitchFamily="18" charset="0"/>
+              </a:rPr>
+              <a:t>-Desenvolvimento da escala de instabilidade de tarefas e de equipes, utilizando análise fatorial exploratória;</a:t>
+            </a:r>
+            <a:endParaRPr lang="pt-BR" sz="1800" dirty="0">
+              <a:effectLst/>
+              <a:latin typeface="Times" panose="02020603050405020304" pitchFamily="18" charset="0"/>
+              <a:ea typeface="Times New Roman" panose="02020603050405020304" pitchFamily="18" charset="0"/>
+              <a:cs typeface="Times New Roman" panose="02020603050405020304" pitchFamily="18" charset="0"/>
+            </a:endParaRPr>
+          </a:p>
+          <a:p>
+            <a:endParaRPr lang="pt-BR" dirty="0"/>
           </a:p>
         </p:txBody>
       </p:sp>
     </p:spTree>
     <p:extLst>
       <p:ext uri="{BB962C8B-B14F-4D97-AF65-F5344CB8AC3E}">
-        <p14:creationId xmlns:p14="http://schemas.microsoft.com/office/powerpoint/2010/main" val="2150750480"/>
+        <p14:creationId xmlns:p14="http://schemas.microsoft.com/office/powerpoint/2010/main" val="3858827323"/>
       </p:ext>
     </p:extLst>
   </p:cSld>
@@ -11348,7 +11638,7 @@
           <p:cNvPr id="2" name="Título 1">
             <a:extLst>
               <a:ext uri="{FF2B5EF4-FFF2-40B4-BE49-F238E27FC236}">
-                <a16:creationId xmlns:a16="http://schemas.microsoft.com/office/drawing/2014/main" id="{8771F9BF-C74A-4E88-BDC8-C54DDF995CB1}"/>
+                <a16:creationId xmlns:a16="http://schemas.microsoft.com/office/drawing/2014/main" id="{16511E84-3337-4EEF-9D7F-702A3951403D}"/>
               </a:ext>
             </a:extLst>
           </p:cNvPr>
@@ -11366,7 +11656,7 @@
           <a:p>
             <a:r>
               <a:rPr lang="pt-BR" dirty="0"/>
-              <a:t>Conclusões</a:t>
+              <a:t>Trabalhos futuros</a:t>
             </a:r>
           </a:p>
         </p:txBody>
@@ -11376,7 +11666,7 @@
           <p:cNvPr id="3" name="Espaço Reservado para Conteúdo 2">
             <a:extLst>
               <a:ext uri="{FF2B5EF4-FFF2-40B4-BE49-F238E27FC236}">
-                <a16:creationId xmlns:a16="http://schemas.microsoft.com/office/drawing/2014/main" id="{DEE167A3-9181-498D-AF08-4F6D7EA43C65}"/>
+                <a16:creationId xmlns:a16="http://schemas.microsoft.com/office/drawing/2014/main" id="{E050FF96-01FD-47B2-8824-6DA2E79D7C38}"/>
               </a:ext>
             </a:extLst>
           </p:cNvPr>
@@ -11392,14 +11682,57 @@
           <a:bodyPr/>
           <a:lstStyle/>
           <a:p>
-            <a:endParaRPr lang="pt-BR"/>
+            <a:r>
+              <a:rPr lang="pt-BR" sz="1800" dirty="0">
+                <a:effectLst/>
+                <a:latin typeface="Arial" panose="020B0604020202020204" pitchFamily="34" charset="0"/>
+                <a:ea typeface="Calibri" panose="020F0502020204030204" pitchFamily="34" charset="0"/>
+                <a:cs typeface="Times New Roman" panose="02020603050405020304" pitchFamily="18" charset="0"/>
+              </a:rPr>
+              <a:t>: </a:t>
+            </a:r>
+            <a:r>
+              <a:rPr lang="pt-BR" sz="1800" dirty="0">
+                <a:effectLst/>
+                <a:latin typeface="Arial" panose="020B0604020202020204" pitchFamily="34" charset="0"/>
+                <a:ea typeface="Times New Roman" panose="02020603050405020304" pitchFamily="18" charset="0"/>
+                <a:cs typeface="Times New Roman" panose="02020603050405020304" pitchFamily="18" charset="0"/>
+              </a:rPr>
+              <a:t>O que faz indivíduos na computação se sentirem tão eficazes? Os resultados encontrados apontam para o fato de eles se perceberem mais adaptáveis a possíveis situações, e que isso tem relação com sua eficácia percebida. </a:t>
+            </a:r>
+            <a:endParaRPr lang="pt-BR" sz="1800" dirty="0">
+              <a:effectLst/>
+              <a:latin typeface="Times" panose="02020603050405020304" pitchFamily="18" charset="0"/>
+              <a:ea typeface="Times New Roman" panose="02020603050405020304" pitchFamily="18" charset="0"/>
+              <a:cs typeface="Times New Roman" panose="02020603050405020304" pitchFamily="18" charset="0"/>
+            </a:endParaRPr>
+          </a:p>
+          <a:p>
+            <a:r>
+              <a:rPr lang="pt-BR" sz="1800" dirty="0">
+                <a:effectLst/>
+                <a:latin typeface="Arial" panose="020B0604020202020204" pitchFamily="34" charset="0"/>
+                <a:ea typeface="Times New Roman" panose="02020603050405020304" pitchFamily="18" charset="0"/>
+                <a:cs typeface="Times New Roman" panose="02020603050405020304" pitchFamily="18" charset="0"/>
+              </a:rPr>
+              <a:t>). Entender como o processo se manifesta no nível coletivo também é importante, pois existem outros fatores como o suporte mútuo e liderança, que também afetam as relações da adaptabilidade individual, assim como a satisfação e o burnout (BARNETT; BRADLEY, 2007; HOEGL; GEMUENDEN, 2001; NELSON; COOPRIDER, 1996; WEIMAR, 2013). </a:t>
+            </a:r>
+            <a:endParaRPr lang="pt-BR" sz="1800" dirty="0">
+              <a:effectLst/>
+              <a:latin typeface="Times" panose="02020603050405020304" pitchFamily="18" charset="0"/>
+              <a:ea typeface="Times New Roman" panose="02020603050405020304" pitchFamily="18" charset="0"/>
+              <a:cs typeface="Times New Roman" panose="02020603050405020304" pitchFamily="18" charset="0"/>
+            </a:endParaRPr>
+          </a:p>
+          <a:p>
+            <a:endParaRPr lang="pt-BR" dirty="0"/>
           </a:p>
         </p:txBody>
       </p:sp>
     </p:spTree>
     <p:extLst>
       <p:ext uri="{BB962C8B-B14F-4D97-AF65-F5344CB8AC3E}">
-        <p14:creationId xmlns:p14="http://schemas.microsoft.com/office/powerpoint/2010/main" val="1706008652"/>
+        <p14:creationId xmlns:p14="http://schemas.microsoft.com/office/powerpoint/2010/main" val="3923117369"/>
       </p:ext>
     </p:extLst>
   </p:cSld>
@@ -11475,14 +11808,45 @@
           <a:bodyPr/>
           <a:lstStyle/>
           <a:p>
-            <a:endParaRPr lang="pt-BR"/>
+            <a:pPr indent="274320" algn="just">
+              <a:lnSpc>
+                <a:spcPct val="150000"/>
+              </a:lnSpc>
+              <a:spcAft>
+                <a:spcPts val="600"/>
+              </a:spcAft>
+            </a:pPr>
+            <a:r>
+              <a:rPr lang="pt-BR" sz="1800" dirty="0">
+                <a:effectLst/>
+                <a:latin typeface="Arial" panose="020B0604020202020204" pitchFamily="34" charset="0"/>
+                <a:ea typeface="Calibri" panose="020F0502020204030204" pitchFamily="34" charset="0"/>
+                <a:cs typeface="Times New Roman" panose="02020603050405020304" pitchFamily="18" charset="0"/>
+              </a:rPr>
+              <a:t>É importante entender também a direção da relação entre o burnout e a adaptabilidade individual e os motivos de ela ocorrer. </a:t>
+            </a:r>
+            <a:r>
+              <a:rPr lang="pt-BR" sz="1800" dirty="0">
+                <a:effectLst/>
+                <a:latin typeface="Arial" panose="020B0604020202020204" pitchFamily="34" charset="0"/>
+                <a:ea typeface="Times New Roman" panose="02020603050405020304" pitchFamily="18" charset="0"/>
+                <a:cs typeface="Times New Roman" panose="02020603050405020304" pitchFamily="18" charset="0"/>
+              </a:rPr>
+              <a:t>Uma possível suposição a ser investigada é que a adaptabilidade individual leva indivíduos a se sentirem mais adequados para suas funções e, por isso, com menores índices de burnout. </a:t>
+            </a:r>
+            <a:endParaRPr lang="pt-BR" sz="1800" dirty="0">
+              <a:effectLst/>
+              <a:latin typeface="Times" panose="02020603050405020304" pitchFamily="18" charset="0"/>
+              <a:ea typeface="Times New Roman" panose="02020603050405020304" pitchFamily="18" charset="0"/>
+              <a:cs typeface="Times New Roman" panose="02020603050405020304" pitchFamily="18" charset="0"/>
+            </a:endParaRPr>
           </a:p>
         </p:txBody>
       </p:sp>
     </p:spTree>
     <p:extLst>
       <p:ext uri="{BB962C8B-B14F-4D97-AF65-F5344CB8AC3E}">
-        <p14:creationId xmlns:p14="http://schemas.microsoft.com/office/powerpoint/2010/main" val="3923117369"/>
+        <p14:creationId xmlns:p14="http://schemas.microsoft.com/office/powerpoint/2010/main" val="3232340228"/>
       </p:ext>
     </p:extLst>
   </p:cSld>
@@ -11493,6 +11857,258 @@
 </file>
 
 <file path=ppt/slides/slide74.xml><?xml version="1.0" encoding="utf-8"?>
+<p:sld xmlns:a="http://schemas.openxmlformats.org/drawingml/2006/main" xmlns:r="http://schemas.openxmlformats.org/officeDocument/2006/relationships" xmlns:p="http://schemas.openxmlformats.org/presentationml/2006/main">
+  <p:cSld>
+    <p:spTree>
+      <p:nvGrpSpPr>
+        <p:cNvPr id="1" name=""/>
+        <p:cNvGrpSpPr/>
+        <p:nvPr/>
+      </p:nvGrpSpPr>
+      <p:grpSpPr>
+        <a:xfrm>
+          <a:off x="0" y="0"/>
+          <a:ext cx="0" cy="0"/>
+          <a:chOff x="0" y="0"/>
+          <a:chExt cx="0" cy="0"/>
+        </a:xfrm>
+      </p:grpSpPr>
+      <p:sp>
+        <p:nvSpPr>
+          <p:cNvPr id="2" name="Título 1">
+            <a:extLst>
+              <a:ext uri="{FF2B5EF4-FFF2-40B4-BE49-F238E27FC236}">
+                <a16:creationId xmlns:a16="http://schemas.microsoft.com/office/drawing/2014/main" id="{16511E84-3337-4EEF-9D7F-702A3951403D}"/>
+              </a:ext>
+            </a:extLst>
+          </p:cNvPr>
+          <p:cNvSpPr>
+            <a:spLocks noGrp="1"/>
+          </p:cNvSpPr>
+          <p:nvPr>
+            <p:ph type="title"/>
+          </p:nvPr>
+        </p:nvSpPr>
+        <p:spPr/>
+        <p:txBody>
+          <a:bodyPr/>
+          <a:lstStyle/>
+          <a:p>
+            <a:r>
+              <a:rPr lang="pt-BR" dirty="0"/>
+              <a:t>Trabalhos futuros</a:t>
+            </a:r>
+          </a:p>
+        </p:txBody>
+      </p:sp>
+      <p:sp>
+        <p:nvSpPr>
+          <p:cNvPr id="3" name="Espaço Reservado para Conteúdo 2">
+            <a:extLst>
+              <a:ext uri="{FF2B5EF4-FFF2-40B4-BE49-F238E27FC236}">
+                <a16:creationId xmlns:a16="http://schemas.microsoft.com/office/drawing/2014/main" id="{E050FF96-01FD-47B2-8824-6DA2E79D7C38}"/>
+              </a:ext>
+            </a:extLst>
+          </p:cNvPr>
+          <p:cNvSpPr>
+            <a:spLocks noGrp="1"/>
+          </p:cNvSpPr>
+          <p:nvPr>
+            <p:ph idx="1"/>
+          </p:nvPr>
+        </p:nvSpPr>
+        <p:spPr/>
+        <p:txBody>
+          <a:bodyPr/>
+          <a:lstStyle/>
+          <a:p>
+            <a:pPr indent="274320" algn="just">
+              <a:lnSpc>
+                <a:spcPct val="150000"/>
+              </a:lnSpc>
+              <a:spcAft>
+                <a:spcPts val="600"/>
+              </a:spcAft>
+            </a:pPr>
+            <a:r>
+              <a:rPr lang="pt-BR" sz="1800" dirty="0">
+                <a:effectLst/>
+                <a:latin typeface="Arial" panose="020B0604020202020204" pitchFamily="34" charset="0"/>
+                <a:ea typeface="Times New Roman" panose="02020603050405020304" pitchFamily="18" charset="0"/>
+                <a:cs typeface="Times New Roman" panose="02020603050405020304" pitchFamily="18" charset="0"/>
+              </a:rPr>
+              <a:t>Mas, de acordo com o modelo de Franca, Da Silva e Sharp (2018), as características individuais moderam a relação da característica do trabalho com a satisfação. Outra possível investigação é entender se esses resultados, de fato, acorrem com a adaptabilidade individual. </a:t>
+            </a:r>
+            <a:endParaRPr lang="pt-BR" sz="1800" dirty="0">
+              <a:effectLst/>
+              <a:latin typeface="Times" panose="02020603050405020304" pitchFamily="18" charset="0"/>
+              <a:ea typeface="Times New Roman" panose="02020603050405020304" pitchFamily="18" charset="0"/>
+              <a:cs typeface="Times New Roman" panose="02020603050405020304" pitchFamily="18" charset="0"/>
+            </a:endParaRPr>
+          </a:p>
+        </p:txBody>
+      </p:sp>
+    </p:spTree>
+    <p:extLst>
+      <p:ext uri="{BB962C8B-B14F-4D97-AF65-F5344CB8AC3E}">
+        <p14:creationId xmlns:p14="http://schemas.microsoft.com/office/powerpoint/2010/main" val="3470994100"/>
+      </p:ext>
+    </p:extLst>
+  </p:cSld>
+  <p:clrMapOvr>
+    <a:masterClrMapping/>
+  </p:clrMapOvr>
+</p:sld>
+</file>
+
+<file path=ppt/slides/slide75.xml><?xml version="1.0" encoding="utf-8"?>
+<p:sld xmlns:a="http://schemas.openxmlformats.org/drawingml/2006/main" xmlns:r="http://schemas.openxmlformats.org/officeDocument/2006/relationships" xmlns:p="http://schemas.openxmlformats.org/presentationml/2006/main">
+  <p:cSld>
+    <p:spTree>
+      <p:nvGrpSpPr>
+        <p:cNvPr id="1" name=""/>
+        <p:cNvGrpSpPr/>
+        <p:nvPr/>
+      </p:nvGrpSpPr>
+      <p:grpSpPr>
+        <a:xfrm>
+          <a:off x="0" y="0"/>
+          <a:ext cx="0" cy="0"/>
+          <a:chOff x="0" y="0"/>
+          <a:chExt cx="0" cy="0"/>
+        </a:xfrm>
+      </p:grpSpPr>
+      <p:sp>
+        <p:nvSpPr>
+          <p:cNvPr id="2" name="Título 1">
+            <a:extLst>
+              <a:ext uri="{FF2B5EF4-FFF2-40B4-BE49-F238E27FC236}">
+                <a16:creationId xmlns:a16="http://schemas.microsoft.com/office/drawing/2014/main" id="{16511E84-3337-4EEF-9D7F-702A3951403D}"/>
+              </a:ext>
+            </a:extLst>
+          </p:cNvPr>
+          <p:cNvSpPr>
+            <a:spLocks noGrp="1"/>
+          </p:cNvSpPr>
+          <p:nvPr>
+            <p:ph type="title"/>
+          </p:nvPr>
+        </p:nvSpPr>
+        <p:spPr/>
+        <p:txBody>
+          <a:bodyPr/>
+          <a:lstStyle/>
+          <a:p>
+            <a:r>
+              <a:rPr lang="pt-BR" dirty="0"/>
+              <a:t>Trabalhos futuros</a:t>
+            </a:r>
+          </a:p>
+        </p:txBody>
+      </p:sp>
+      <p:sp>
+        <p:nvSpPr>
+          <p:cNvPr id="3" name="Espaço Reservado para Conteúdo 2">
+            <a:extLst>
+              <a:ext uri="{FF2B5EF4-FFF2-40B4-BE49-F238E27FC236}">
+                <a16:creationId xmlns:a16="http://schemas.microsoft.com/office/drawing/2014/main" id="{E050FF96-01FD-47B2-8824-6DA2E79D7C38}"/>
+              </a:ext>
+            </a:extLst>
+          </p:cNvPr>
+          <p:cNvSpPr>
+            <a:spLocks noGrp="1"/>
+          </p:cNvSpPr>
+          <p:nvPr>
+            <p:ph idx="1"/>
+          </p:nvPr>
+        </p:nvSpPr>
+        <p:spPr/>
+        <p:txBody>
+          <a:bodyPr>
+            <a:normAutofit fontScale="92500" lnSpcReduction="20000"/>
+          </a:bodyPr>
+          <a:lstStyle/>
+          <a:p>
+            <a:pPr indent="274320" algn="just">
+              <a:lnSpc>
+                <a:spcPct val="150000"/>
+              </a:lnSpc>
+              <a:spcAft>
+                <a:spcPts val="600"/>
+              </a:spcAft>
+            </a:pPr>
+            <a:r>
+              <a:rPr lang="pt-BR" sz="1800" dirty="0" err="1">
+                <a:effectLst/>
+                <a:latin typeface="Arial" panose="020B0604020202020204" pitchFamily="34" charset="0"/>
+                <a:ea typeface="Times New Roman" panose="02020603050405020304" pitchFamily="18" charset="0"/>
+              </a:rPr>
+              <a:t>Charbonnier-voirin</a:t>
+            </a:r>
+            <a:r>
+              <a:rPr lang="pt-BR" sz="1800" dirty="0">
+                <a:effectLst/>
+                <a:latin typeface="Arial" panose="020B0604020202020204" pitchFamily="34" charset="0"/>
+                <a:ea typeface="Times New Roman" panose="02020603050405020304" pitchFamily="18" charset="0"/>
+              </a:rPr>
+              <a:t> e Roussel (2012) sugerem que, com pequenas mudanças no texto, a escala de adaptabilidade poderia ser modificada para uso por um supervisor imediato na avaliação de seus subordinados.</a:t>
+            </a:r>
+          </a:p>
+          <a:p>
+            <a:pPr indent="274320" algn="just">
+              <a:lnSpc>
+                <a:spcPct val="150000"/>
+              </a:lnSpc>
+              <a:spcAft>
+                <a:spcPts val="600"/>
+              </a:spcAft>
+            </a:pPr>
+            <a:endParaRPr lang="pt-BR" sz="1800" dirty="0">
+              <a:latin typeface="Arial" panose="020B0604020202020204" pitchFamily="34" charset="0"/>
+              <a:ea typeface="Times New Roman" panose="02020603050405020304" pitchFamily="18" charset="0"/>
+              <a:cs typeface="Times New Roman" panose="02020603050405020304" pitchFamily="18" charset="0"/>
+            </a:endParaRPr>
+          </a:p>
+          <a:p>
+            <a:pPr indent="274320" algn="just">
+              <a:lnSpc>
+                <a:spcPct val="150000"/>
+              </a:lnSpc>
+              <a:spcAft>
+                <a:spcPts val="600"/>
+              </a:spcAft>
+            </a:pPr>
+            <a:r>
+              <a:rPr lang="pt-BR" sz="1800" dirty="0">
+                <a:effectLst/>
+                <a:latin typeface="Arial" panose="020B0604020202020204" pitchFamily="34" charset="0"/>
+                <a:ea typeface="Times New Roman" panose="02020603050405020304" pitchFamily="18" charset="0"/>
+              </a:rPr>
+              <a:t>Outro estudo é investigar se existe relação entre a função do respondente e os níveis de adaptabilidade individual que ele tem. Por exemplo, será que um gerente tende a ser mais adaptável de maneira interpessoal do que um desenvolvedor? Será que um desenvolvedor tende a ser mais adaptável ao aprendizado que um gerente?</a:t>
+            </a:r>
+            <a:endParaRPr lang="pt-BR" sz="1800" dirty="0">
+              <a:effectLst/>
+              <a:latin typeface="Times" panose="02020603050405020304" pitchFamily="18" charset="0"/>
+              <a:ea typeface="Times New Roman" panose="02020603050405020304" pitchFamily="18" charset="0"/>
+              <a:cs typeface="Times New Roman" panose="02020603050405020304" pitchFamily="18" charset="0"/>
+            </a:endParaRPr>
+          </a:p>
+        </p:txBody>
+      </p:sp>
+    </p:spTree>
+    <p:extLst>
+      <p:ext uri="{BB962C8B-B14F-4D97-AF65-F5344CB8AC3E}">
+        <p14:creationId xmlns:p14="http://schemas.microsoft.com/office/powerpoint/2010/main" val="3945958157"/>
+      </p:ext>
+    </p:extLst>
+  </p:cSld>
+  <p:clrMapOvr>
+    <a:masterClrMapping/>
+  </p:clrMapOvr>
+</p:sld>
+</file>
+
+<file path=ppt/slides/slide76.xml><?xml version="1.0" encoding="utf-8"?>
 <p:sld xmlns:a="http://schemas.openxmlformats.org/drawingml/2006/main" xmlns:r="http://schemas.openxmlformats.org/officeDocument/2006/relationships" xmlns:p="http://schemas.openxmlformats.org/presentationml/2006/main">
   <p:cSld>
     <p:spTree>

--- a/apresentacao doutorado.pptx
+++ b/apresentacao doutorado.pptx
@@ -4,83 +4,89 @@
   <p:sldMasterIdLst>
     <p:sldMasterId id="2147483648" r:id="rId1"/>
   </p:sldMasterIdLst>
+  <p:notesMasterIdLst>
+    <p:notesMasterId r:id="rId81"/>
+  </p:notesMasterIdLst>
   <p:sldIdLst>
     <p:sldId id="256" r:id="rId2"/>
     <p:sldId id="258" r:id="rId3"/>
     <p:sldId id="257" r:id="rId4"/>
-    <p:sldId id="281" r:id="rId5"/>
-    <p:sldId id="282" r:id="rId6"/>
-    <p:sldId id="283" r:id="rId7"/>
-    <p:sldId id="284" r:id="rId8"/>
-    <p:sldId id="285" r:id="rId9"/>
-    <p:sldId id="286" r:id="rId10"/>
-    <p:sldId id="287" r:id="rId11"/>
-    <p:sldId id="288" r:id="rId12"/>
-    <p:sldId id="289" r:id="rId13"/>
-    <p:sldId id="290" r:id="rId14"/>
-    <p:sldId id="260" r:id="rId15"/>
-    <p:sldId id="261" r:id="rId16"/>
-    <p:sldId id="291" r:id="rId17"/>
-    <p:sldId id="262" r:id="rId18"/>
-    <p:sldId id="292" r:id="rId19"/>
-    <p:sldId id="263" r:id="rId20"/>
-    <p:sldId id="293" r:id="rId21"/>
-    <p:sldId id="264" r:id="rId22"/>
-    <p:sldId id="294" r:id="rId23"/>
-    <p:sldId id="265" r:id="rId24"/>
-    <p:sldId id="266" r:id="rId25"/>
-    <p:sldId id="296" r:id="rId26"/>
-    <p:sldId id="295" r:id="rId27"/>
-    <p:sldId id="297" r:id="rId28"/>
-    <p:sldId id="298" r:id="rId29"/>
-    <p:sldId id="299" r:id="rId30"/>
-    <p:sldId id="300" r:id="rId31"/>
-    <p:sldId id="267" r:id="rId32"/>
-    <p:sldId id="301" r:id="rId33"/>
-    <p:sldId id="302" r:id="rId34"/>
-    <p:sldId id="268" r:id="rId35"/>
-    <p:sldId id="303" r:id="rId36"/>
-    <p:sldId id="304" r:id="rId37"/>
-    <p:sldId id="305" r:id="rId38"/>
-    <p:sldId id="306" r:id="rId39"/>
-    <p:sldId id="307" r:id="rId40"/>
-    <p:sldId id="308" r:id="rId41"/>
-    <p:sldId id="269" r:id="rId42"/>
-    <p:sldId id="309" r:id="rId43"/>
-    <p:sldId id="270" r:id="rId44"/>
-    <p:sldId id="310" r:id="rId45"/>
-    <p:sldId id="311" r:id="rId46"/>
-    <p:sldId id="272" r:id="rId47"/>
-    <p:sldId id="271" r:id="rId48"/>
-    <p:sldId id="312" r:id="rId49"/>
-    <p:sldId id="313" r:id="rId50"/>
-    <p:sldId id="314" r:id="rId51"/>
-    <p:sldId id="273" r:id="rId52"/>
-    <p:sldId id="319" r:id="rId53"/>
-    <p:sldId id="320" r:id="rId54"/>
-    <p:sldId id="321" r:id="rId55"/>
-    <p:sldId id="322" r:id="rId56"/>
-    <p:sldId id="274" r:id="rId57"/>
-    <p:sldId id="315" r:id="rId58"/>
-    <p:sldId id="316" r:id="rId59"/>
-    <p:sldId id="317" r:id="rId60"/>
-    <p:sldId id="318" r:id="rId61"/>
-    <p:sldId id="275" r:id="rId62"/>
-    <p:sldId id="324" r:id="rId63"/>
-    <p:sldId id="325" r:id="rId64"/>
-    <p:sldId id="326" r:id="rId65"/>
-    <p:sldId id="327" r:id="rId66"/>
-    <p:sldId id="328" r:id="rId67"/>
-    <p:sldId id="329" r:id="rId68"/>
-    <p:sldId id="330" r:id="rId69"/>
-    <p:sldId id="279" r:id="rId70"/>
-    <p:sldId id="331" r:id="rId71"/>
-    <p:sldId id="332" r:id="rId72"/>
-    <p:sldId id="278" r:id="rId73"/>
-    <p:sldId id="333" r:id="rId74"/>
-    <p:sldId id="334" r:id="rId75"/>
-    <p:sldId id="335" r:id="rId76"/>
-    <p:sldId id="280" r:id="rId77"/>
+    <p:sldId id="336" r:id="rId5"/>
+    <p:sldId id="337" r:id="rId6"/>
+    <p:sldId id="282" r:id="rId7"/>
+    <p:sldId id="283" r:id="rId8"/>
+    <p:sldId id="284" r:id="rId9"/>
+    <p:sldId id="285" r:id="rId10"/>
+    <p:sldId id="286" r:id="rId11"/>
+    <p:sldId id="287" r:id="rId12"/>
+    <p:sldId id="288" r:id="rId13"/>
+    <p:sldId id="289" r:id="rId14"/>
+    <p:sldId id="290" r:id="rId15"/>
+    <p:sldId id="339" r:id="rId16"/>
+    <p:sldId id="338" r:id="rId17"/>
+    <p:sldId id="260" r:id="rId18"/>
+    <p:sldId id="261" r:id="rId19"/>
+    <p:sldId id="291" r:id="rId20"/>
+    <p:sldId id="262" r:id="rId21"/>
+    <p:sldId id="292" r:id="rId22"/>
+    <p:sldId id="263" r:id="rId23"/>
+    <p:sldId id="293" r:id="rId24"/>
+    <p:sldId id="264" r:id="rId25"/>
+    <p:sldId id="294" r:id="rId26"/>
+    <p:sldId id="265" r:id="rId27"/>
+    <p:sldId id="266" r:id="rId28"/>
+    <p:sldId id="296" r:id="rId29"/>
+    <p:sldId id="295" r:id="rId30"/>
+    <p:sldId id="297" r:id="rId31"/>
+    <p:sldId id="298" r:id="rId32"/>
+    <p:sldId id="299" r:id="rId33"/>
+    <p:sldId id="300" r:id="rId34"/>
+    <p:sldId id="267" r:id="rId35"/>
+    <p:sldId id="301" r:id="rId36"/>
+    <p:sldId id="302" r:id="rId37"/>
+    <p:sldId id="268" r:id="rId38"/>
+    <p:sldId id="303" r:id="rId39"/>
+    <p:sldId id="304" r:id="rId40"/>
+    <p:sldId id="305" r:id="rId41"/>
+    <p:sldId id="306" r:id="rId42"/>
+    <p:sldId id="307" r:id="rId43"/>
+    <p:sldId id="308" r:id="rId44"/>
+    <p:sldId id="269" r:id="rId45"/>
+    <p:sldId id="309" r:id="rId46"/>
+    <p:sldId id="270" r:id="rId47"/>
+    <p:sldId id="310" r:id="rId48"/>
+    <p:sldId id="311" r:id="rId49"/>
+    <p:sldId id="272" r:id="rId50"/>
+    <p:sldId id="271" r:id="rId51"/>
+    <p:sldId id="312" r:id="rId52"/>
+    <p:sldId id="313" r:id="rId53"/>
+    <p:sldId id="314" r:id="rId54"/>
+    <p:sldId id="273" r:id="rId55"/>
+    <p:sldId id="319" r:id="rId56"/>
+    <p:sldId id="320" r:id="rId57"/>
+    <p:sldId id="321" r:id="rId58"/>
+    <p:sldId id="322" r:id="rId59"/>
+    <p:sldId id="274" r:id="rId60"/>
+    <p:sldId id="315" r:id="rId61"/>
+    <p:sldId id="316" r:id="rId62"/>
+    <p:sldId id="317" r:id="rId63"/>
+    <p:sldId id="318" r:id="rId64"/>
+    <p:sldId id="275" r:id="rId65"/>
+    <p:sldId id="324" r:id="rId66"/>
+    <p:sldId id="325" r:id="rId67"/>
+    <p:sldId id="326" r:id="rId68"/>
+    <p:sldId id="327" r:id="rId69"/>
+    <p:sldId id="328" r:id="rId70"/>
+    <p:sldId id="329" r:id="rId71"/>
+    <p:sldId id="330" r:id="rId72"/>
+    <p:sldId id="279" r:id="rId73"/>
+    <p:sldId id="331" r:id="rId74"/>
+    <p:sldId id="332" r:id="rId75"/>
+    <p:sldId id="278" r:id="rId76"/>
+    <p:sldId id="333" r:id="rId77"/>
+    <p:sldId id="334" r:id="rId78"/>
+    <p:sldId id="335" r:id="rId79"/>
+    <p:sldId id="280" r:id="rId80"/>
   </p:sldIdLst>
   <p:sldSz cx="9144000" cy="6858000" type="screen4x3"/>
   <p:notesSz cx="6858000" cy="9144000"/>
@@ -198,6 +204,684 @@
 </p:presentation>
 </file>
 
+<file path=ppt/notesMasters/notesMaster1.xml><?xml version="1.0" encoding="utf-8"?>
+<p:notesMaster xmlns:a="http://schemas.openxmlformats.org/drawingml/2006/main" xmlns:r="http://schemas.openxmlformats.org/officeDocument/2006/relationships" xmlns:p="http://schemas.openxmlformats.org/presentationml/2006/main">
+  <p:cSld>
+    <p:bg>
+      <p:bgRef idx="1001">
+        <a:schemeClr val="bg1"/>
+      </p:bgRef>
+    </p:bg>
+    <p:spTree>
+      <p:nvGrpSpPr>
+        <p:cNvPr id="1" name=""/>
+        <p:cNvGrpSpPr/>
+        <p:nvPr/>
+      </p:nvGrpSpPr>
+      <p:grpSpPr>
+        <a:xfrm>
+          <a:off x="0" y="0"/>
+          <a:ext cx="0" cy="0"/>
+          <a:chOff x="0" y="0"/>
+          <a:chExt cx="0" cy="0"/>
+        </a:xfrm>
+      </p:grpSpPr>
+      <p:sp>
+        <p:nvSpPr>
+          <p:cNvPr id="2" name="Espaço Reservado para Cabeçalho 1"/>
+          <p:cNvSpPr>
+            <a:spLocks noGrp="1"/>
+          </p:cNvSpPr>
+          <p:nvPr>
+            <p:ph type="hdr" sz="quarter"/>
+          </p:nvPr>
+        </p:nvSpPr>
+        <p:spPr>
+          <a:xfrm>
+            <a:off x="0" y="0"/>
+            <a:ext cx="2971800" cy="458788"/>
+          </a:xfrm>
+          <a:prstGeom prst="rect">
+            <a:avLst/>
+          </a:prstGeom>
+        </p:spPr>
+        <p:txBody>
+          <a:bodyPr vert="horz" lIns="91440" tIns="45720" rIns="91440" bIns="45720" rtlCol="0"/>
+          <a:lstStyle>
+            <a:lvl1pPr algn="l">
+              <a:defRPr sz="1200"/>
+            </a:lvl1pPr>
+          </a:lstStyle>
+          <a:p>
+            <a:endParaRPr lang="pt-BR"/>
+          </a:p>
+        </p:txBody>
+      </p:sp>
+      <p:sp>
+        <p:nvSpPr>
+          <p:cNvPr id="3" name="Espaço Reservado para Data 2"/>
+          <p:cNvSpPr>
+            <a:spLocks noGrp="1"/>
+          </p:cNvSpPr>
+          <p:nvPr>
+            <p:ph type="dt" idx="1"/>
+          </p:nvPr>
+        </p:nvSpPr>
+        <p:spPr>
+          <a:xfrm>
+            <a:off x="3884613" y="0"/>
+            <a:ext cx="2971800" cy="458788"/>
+          </a:xfrm>
+          <a:prstGeom prst="rect">
+            <a:avLst/>
+          </a:prstGeom>
+        </p:spPr>
+        <p:txBody>
+          <a:bodyPr vert="horz" lIns="91440" tIns="45720" rIns="91440" bIns="45720" rtlCol="0"/>
+          <a:lstStyle>
+            <a:lvl1pPr algn="r">
+              <a:defRPr sz="1200"/>
+            </a:lvl1pPr>
+          </a:lstStyle>
+          <a:p>
+            <a:fld id="{4FBCF2B5-875D-4003-895D-F40CEBB778A9}" type="datetimeFigureOut">
+              <a:rPr lang="pt-BR" smtClean="0"/>
+              <a:t>01/12/2020</a:t>
+            </a:fld>
+            <a:endParaRPr lang="pt-BR"/>
+          </a:p>
+        </p:txBody>
+      </p:sp>
+      <p:sp>
+        <p:nvSpPr>
+          <p:cNvPr id="4" name="Espaço Reservado para Imagem de Slide 3"/>
+          <p:cNvSpPr>
+            <a:spLocks noGrp="1" noRot="1" noChangeAspect="1"/>
+          </p:cNvSpPr>
+          <p:nvPr>
+            <p:ph type="sldImg" idx="2"/>
+          </p:nvPr>
+        </p:nvSpPr>
+        <p:spPr>
+          <a:xfrm>
+            <a:off x="1371600" y="1143000"/>
+            <a:ext cx="4114800" cy="3086100"/>
+          </a:xfrm>
+          <a:prstGeom prst="rect">
+            <a:avLst/>
+          </a:prstGeom>
+          <a:noFill/>
+          <a:ln w="12700">
+            <a:solidFill>
+              <a:prstClr val="black"/>
+            </a:solidFill>
+          </a:ln>
+        </p:spPr>
+        <p:txBody>
+          <a:bodyPr vert="horz" lIns="91440" tIns="45720" rIns="91440" bIns="45720" rtlCol="0" anchor="ctr"/>
+          <a:lstStyle/>
+          <a:p>
+            <a:endParaRPr lang="pt-BR"/>
+          </a:p>
+        </p:txBody>
+      </p:sp>
+      <p:sp>
+        <p:nvSpPr>
+          <p:cNvPr id="5" name="Espaço Reservado para Anotações 4"/>
+          <p:cNvSpPr>
+            <a:spLocks noGrp="1"/>
+          </p:cNvSpPr>
+          <p:nvPr>
+            <p:ph type="body" sz="quarter" idx="3"/>
+          </p:nvPr>
+        </p:nvSpPr>
+        <p:spPr>
+          <a:xfrm>
+            <a:off x="685800" y="4400550"/>
+            <a:ext cx="5486400" cy="3600450"/>
+          </a:xfrm>
+          <a:prstGeom prst="rect">
+            <a:avLst/>
+          </a:prstGeom>
+        </p:spPr>
+        <p:txBody>
+          <a:bodyPr vert="horz" lIns="91440" tIns="45720" rIns="91440" bIns="45720" rtlCol="0"/>
+          <a:lstStyle/>
+          <a:p>
+            <a:pPr lvl="0"/>
+            <a:r>
+              <a:rPr lang="pt-BR"/>
+              <a:t>Clique para editar os estilos de texto Mestres</a:t>
+            </a:r>
+          </a:p>
+          <a:p>
+            <a:pPr lvl="1"/>
+            <a:r>
+              <a:rPr lang="pt-BR"/>
+              <a:t>Segundo nível</a:t>
+            </a:r>
+          </a:p>
+          <a:p>
+            <a:pPr lvl="2"/>
+            <a:r>
+              <a:rPr lang="pt-BR"/>
+              <a:t>Terceiro nível</a:t>
+            </a:r>
+          </a:p>
+          <a:p>
+            <a:pPr lvl="3"/>
+            <a:r>
+              <a:rPr lang="pt-BR"/>
+              <a:t>Quarto nível</a:t>
+            </a:r>
+          </a:p>
+          <a:p>
+            <a:pPr lvl="4"/>
+            <a:r>
+              <a:rPr lang="pt-BR"/>
+              <a:t>Quinto nível</a:t>
+            </a:r>
+          </a:p>
+        </p:txBody>
+      </p:sp>
+      <p:sp>
+        <p:nvSpPr>
+          <p:cNvPr id="6" name="Espaço Reservado para Rodapé 5"/>
+          <p:cNvSpPr>
+            <a:spLocks noGrp="1"/>
+          </p:cNvSpPr>
+          <p:nvPr>
+            <p:ph type="ftr" sz="quarter" idx="4"/>
+          </p:nvPr>
+        </p:nvSpPr>
+        <p:spPr>
+          <a:xfrm>
+            <a:off x="0" y="8685213"/>
+            <a:ext cx="2971800" cy="458787"/>
+          </a:xfrm>
+          <a:prstGeom prst="rect">
+            <a:avLst/>
+          </a:prstGeom>
+        </p:spPr>
+        <p:txBody>
+          <a:bodyPr vert="horz" lIns="91440" tIns="45720" rIns="91440" bIns="45720" rtlCol="0" anchor="b"/>
+          <a:lstStyle>
+            <a:lvl1pPr algn="l">
+              <a:defRPr sz="1200"/>
+            </a:lvl1pPr>
+          </a:lstStyle>
+          <a:p>
+            <a:endParaRPr lang="pt-BR"/>
+          </a:p>
+        </p:txBody>
+      </p:sp>
+      <p:sp>
+        <p:nvSpPr>
+          <p:cNvPr id="7" name="Espaço Reservado para Número de Slide 6"/>
+          <p:cNvSpPr>
+            <a:spLocks noGrp="1"/>
+          </p:cNvSpPr>
+          <p:nvPr>
+            <p:ph type="sldNum" sz="quarter" idx="5"/>
+          </p:nvPr>
+        </p:nvSpPr>
+        <p:spPr>
+          <a:xfrm>
+            <a:off x="3884613" y="8685213"/>
+            <a:ext cx="2971800" cy="458787"/>
+          </a:xfrm>
+          <a:prstGeom prst="rect">
+            <a:avLst/>
+          </a:prstGeom>
+        </p:spPr>
+        <p:txBody>
+          <a:bodyPr vert="horz" lIns="91440" tIns="45720" rIns="91440" bIns="45720" rtlCol="0" anchor="b"/>
+          <a:lstStyle>
+            <a:lvl1pPr algn="r">
+              <a:defRPr sz="1200"/>
+            </a:lvl1pPr>
+          </a:lstStyle>
+          <a:p>
+            <a:fld id="{8D0A50E8-F985-49B9-B26F-7854039BF0DF}" type="slidenum">
+              <a:rPr lang="pt-BR" smtClean="0"/>
+              <a:t>‹nº›</a:t>
+            </a:fld>
+            <a:endParaRPr lang="pt-BR"/>
+          </a:p>
+        </p:txBody>
+      </p:sp>
+    </p:spTree>
+    <p:extLst>
+      <p:ext uri="{BB962C8B-B14F-4D97-AF65-F5344CB8AC3E}">
+        <p14:creationId xmlns:p14="http://schemas.microsoft.com/office/powerpoint/2010/main" val="66155234"/>
+      </p:ext>
+    </p:extLst>
+  </p:cSld>
+  <p:clrMap bg1="lt1" tx1="dk1" bg2="lt2" tx2="dk2" accent1="accent1" accent2="accent2" accent3="accent3" accent4="accent4" accent5="accent5" accent6="accent6" hlink="hlink" folHlink="folHlink"/>
+  <p:notesStyle>
+    <a:lvl1pPr marL="0" algn="l" defTabSz="914400" rtl="0" eaLnBrk="1" latinLnBrk="0" hangingPunct="1">
+      <a:defRPr sz="1200" kern="1200">
+        <a:solidFill>
+          <a:schemeClr val="tx1"/>
+        </a:solidFill>
+        <a:latin typeface="+mn-lt"/>
+        <a:ea typeface="+mn-ea"/>
+        <a:cs typeface="+mn-cs"/>
+      </a:defRPr>
+    </a:lvl1pPr>
+    <a:lvl2pPr marL="457200" algn="l" defTabSz="914400" rtl="0" eaLnBrk="1" latinLnBrk="0" hangingPunct="1">
+      <a:defRPr sz="1200" kern="1200">
+        <a:solidFill>
+          <a:schemeClr val="tx1"/>
+        </a:solidFill>
+        <a:latin typeface="+mn-lt"/>
+        <a:ea typeface="+mn-ea"/>
+        <a:cs typeface="+mn-cs"/>
+      </a:defRPr>
+    </a:lvl2pPr>
+    <a:lvl3pPr marL="914400" algn="l" defTabSz="914400" rtl="0" eaLnBrk="1" latinLnBrk="0" hangingPunct="1">
+      <a:defRPr sz="1200" kern="1200">
+        <a:solidFill>
+          <a:schemeClr val="tx1"/>
+        </a:solidFill>
+        <a:latin typeface="+mn-lt"/>
+        <a:ea typeface="+mn-ea"/>
+        <a:cs typeface="+mn-cs"/>
+      </a:defRPr>
+    </a:lvl3pPr>
+    <a:lvl4pPr marL="1371600" algn="l" defTabSz="914400" rtl="0" eaLnBrk="1" latinLnBrk="0" hangingPunct="1">
+      <a:defRPr sz="1200" kern="1200">
+        <a:solidFill>
+          <a:schemeClr val="tx1"/>
+        </a:solidFill>
+        <a:latin typeface="+mn-lt"/>
+        <a:ea typeface="+mn-ea"/>
+        <a:cs typeface="+mn-cs"/>
+      </a:defRPr>
+    </a:lvl4pPr>
+    <a:lvl5pPr marL="1828800" algn="l" defTabSz="914400" rtl="0" eaLnBrk="1" latinLnBrk="0" hangingPunct="1">
+      <a:defRPr sz="1200" kern="1200">
+        <a:solidFill>
+          <a:schemeClr val="tx1"/>
+        </a:solidFill>
+        <a:latin typeface="+mn-lt"/>
+        <a:ea typeface="+mn-ea"/>
+        <a:cs typeface="+mn-cs"/>
+      </a:defRPr>
+    </a:lvl5pPr>
+    <a:lvl6pPr marL="2286000" algn="l" defTabSz="914400" rtl="0" eaLnBrk="1" latinLnBrk="0" hangingPunct="1">
+      <a:defRPr sz="1200" kern="1200">
+        <a:solidFill>
+          <a:schemeClr val="tx1"/>
+        </a:solidFill>
+        <a:latin typeface="+mn-lt"/>
+        <a:ea typeface="+mn-ea"/>
+        <a:cs typeface="+mn-cs"/>
+      </a:defRPr>
+    </a:lvl6pPr>
+    <a:lvl7pPr marL="2743200" algn="l" defTabSz="914400" rtl="0" eaLnBrk="1" latinLnBrk="0" hangingPunct="1">
+      <a:defRPr sz="1200" kern="1200">
+        <a:solidFill>
+          <a:schemeClr val="tx1"/>
+        </a:solidFill>
+        <a:latin typeface="+mn-lt"/>
+        <a:ea typeface="+mn-ea"/>
+        <a:cs typeface="+mn-cs"/>
+      </a:defRPr>
+    </a:lvl7pPr>
+    <a:lvl8pPr marL="3200400" algn="l" defTabSz="914400" rtl="0" eaLnBrk="1" latinLnBrk="0" hangingPunct="1">
+      <a:defRPr sz="1200" kern="1200">
+        <a:solidFill>
+          <a:schemeClr val="tx1"/>
+        </a:solidFill>
+        <a:latin typeface="+mn-lt"/>
+        <a:ea typeface="+mn-ea"/>
+        <a:cs typeface="+mn-cs"/>
+      </a:defRPr>
+    </a:lvl8pPr>
+    <a:lvl9pPr marL="3657600" algn="l" defTabSz="914400" rtl="0" eaLnBrk="1" latinLnBrk="0" hangingPunct="1">
+      <a:defRPr sz="1200" kern="1200">
+        <a:solidFill>
+          <a:schemeClr val="tx1"/>
+        </a:solidFill>
+        <a:latin typeface="+mn-lt"/>
+        <a:ea typeface="+mn-ea"/>
+        <a:cs typeface="+mn-cs"/>
+      </a:defRPr>
+    </a:lvl9pPr>
+  </p:notesStyle>
+</p:notesMaster>
+</file>
+
+<file path=ppt/notesSlides/notesSlide1.xml><?xml version="1.0" encoding="utf-8"?>
+<p:notes xmlns:a="http://schemas.openxmlformats.org/drawingml/2006/main" xmlns:r="http://schemas.openxmlformats.org/officeDocument/2006/relationships" xmlns:p="http://schemas.openxmlformats.org/presentationml/2006/main">
+  <p:cSld>
+    <p:spTree>
+      <p:nvGrpSpPr>
+        <p:cNvPr id="1" name=""/>
+        <p:cNvGrpSpPr/>
+        <p:nvPr/>
+      </p:nvGrpSpPr>
+      <p:grpSpPr>
+        <a:xfrm>
+          <a:off x="0" y="0"/>
+          <a:ext cx="0" cy="0"/>
+          <a:chOff x="0" y="0"/>
+          <a:chExt cx="0" cy="0"/>
+        </a:xfrm>
+      </p:grpSpPr>
+      <p:sp>
+        <p:nvSpPr>
+          <p:cNvPr id="2" name="Espaço Reservado para Imagem de Slide 1"/>
+          <p:cNvSpPr>
+            <a:spLocks noGrp="1" noRot="1" noChangeAspect="1"/>
+          </p:cNvSpPr>
+          <p:nvPr>
+            <p:ph type="sldImg"/>
+          </p:nvPr>
+        </p:nvSpPr>
+        <p:spPr/>
+      </p:sp>
+      <p:sp>
+        <p:nvSpPr>
+          <p:cNvPr id="3" name="Espaço Reservado para Anotações 2"/>
+          <p:cNvSpPr>
+            <a:spLocks noGrp="1"/>
+          </p:cNvSpPr>
+          <p:nvPr>
+            <p:ph type="body" idx="1"/>
+          </p:nvPr>
+        </p:nvSpPr>
+        <p:spPr/>
+        <p:txBody>
+          <a:bodyPr/>
+          <a:lstStyle/>
+          <a:p>
+            <a:pPr marL="0" marR="0" lvl="0" indent="0" algn="l" defTabSz="914400" rtl="0" eaLnBrk="1" fontAlgn="auto" latinLnBrk="0" hangingPunct="1">
+              <a:lnSpc>
+                <a:spcPct val="100000"/>
+              </a:lnSpc>
+              <a:spcBef>
+                <a:spcPts val="0"/>
+              </a:spcBef>
+              <a:spcAft>
+                <a:spcPts val="0"/>
+              </a:spcAft>
+              <a:buClrTx/>
+              <a:buSzTx/>
+              <a:buFontTx/>
+              <a:buNone/>
+              <a:tabLst/>
+              <a:defRPr/>
+            </a:pPr>
+            <a:r>
+              <a:rPr lang="pt-BR" sz="1200" dirty="0">
+                <a:effectLst/>
+                <a:latin typeface="Arial" panose="020B0604020202020204" pitchFamily="34" charset="0"/>
+                <a:ea typeface="Times New Roman" panose="02020603050405020304" pitchFamily="18" charset="0"/>
+                <a:cs typeface="Times New Roman" panose="02020603050405020304" pitchFamily="18" charset="0"/>
+              </a:rPr>
+              <a:t>em intervalos de tempo regulares, a equipe reflete sobre como se tornar mais efetiva e, então, refina e ajusta seu comportamento de acordo.”(MANIFESTO, 2001).</a:t>
+            </a:r>
+            <a:endParaRPr lang="pt-BR" sz="1200" dirty="0">
+              <a:effectLst/>
+              <a:latin typeface="Times" panose="02020603050405020304" pitchFamily="18" charset="0"/>
+              <a:ea typeface="Times New Roman" panose="02020603050405020304" pitchFamily="18" charset="0"/>
+              <a:cs typeface="Times New Roman" panose="02020603050405020304" pitchFamily="18" charset="0"/>
+            </a:endParaRPr>
+          </a:p>
+          <a:p>
+            <a:endParaRPr lang="pt-BR" dirty="0"/>
+          </a:p>
+        </p:txBody>
+      </p:sp>
+      <p:sp>
+        <p:nvSpPr>
+          <p:cNvPr id="4" name="Espaço Reservado para Número de Slide 3"/>
+          <p:cNvSpPr>
+            <a:spLocks noGrp="1"/>
+          </p:cNvSpPr>
+          <p:nvPr>
+            <p:ph type="sldNum" sz="quarter" idx="5"/>
+          </p:nvPr>
+        </p:nvSpPr>
+        <p:spPr/>
+        <p:txBody>
+          <a:bodyPr/>
+          <a:lstStyle/>
+          <a:p>
+            <a:fld id="{8D0A50E8-F985-49B9-B26F-7854039BF0DF}" type="slidenum">
+              <a:rPr lang="pt-BR" smtClean="0"/>
+              <a:t>5</a:t>
+            </a:fld>
+            <a:endParaRPr lang="pt-BR"/>
+          </a:p>
+        </p:txBody>
+      </p:sp>
+    </p:spTree>
+    <p:extLst>
+      <p:ext uri="{BB962C8B-B14F-4D97-AF65-F5344CB8AC3E}">
+        <p14:creationId xmlns:p14="http://schemas.microsoft.com/office/powerpoint/2010/main" val="1427827557"/>
+      </p:ext>
+    </p:extLst>
+  </p:cSld>
+  <p:clrMapOvr>
+    <a:masterClrMapping/>
+  </p:clrMapOvr>
+</p:notes>
+</file>
+
+<file path=ppt/notesSlides/notesSlide2.xml><?xml version="1.0" encoding="utf-8"?>
+<p:notes xmlns:a="http://schemas.openxmlformats.org/drawingml/2006/main" xmlns:r="http://schemas.openxmlformats.org/officeDocument/2006/relationships" xmlns:p="http://schemas.openxmlformats.org/presentationml/2006/main">
+  <p:cSld>
+    <p:spTree>
+      <p:nvGrpSpPr>
+        <p:cNvPr id="1" name=""/>
+        <p:cNvGrpSpPr/>
+        <p:nvPr/>
+      </p:nvGrpSpPr>
+      <p:grpSpPr>
+        <a:xfrm>
+          <a:off x="0" y="0"/>
+          <a:ext cx="0" cy="0"/>
+          <a:chOff x="0" y="0"/>
+          <a:chExt cx="0" cy="0"/>
+        </a:xfrm>
+      </p:grpSpPr>
+      <p:sp>
+        <p:nvSpPr>
+          <p:cNvPr id="2" name="Espaço Reservado para Imagem de Slide 1"/>
+          <p:cNvSpPr>
+            <a:spLocks noGrp="1" noRot="1" noChangeAspect="1"/>
+          </p:cNvSpPr>
+          <p:nvPr>
+            <p:ph type="sldImg"/>
+          </p:nvPr>
+        </p:nvSpPr>
+        <p:spPr/>
+      </p:sp>
+      <p:sp>
+        <p:nvSpPr>
+          <p:cNvPr id="3" name="Espaço Reservado para Anotações 2"/>
+          <p:cNvSpPr>
+            <a:spLocks noGrp="1"/>
+          </p:cNvSpPr>
+          <p:nvPr>
+            <p:ph type="body" idx="1"/>
+          </p:nvPr>
+        </p:nvSpPr>
+        <p:spPr/>
+        <p:txBody>
+          <a:bodyPr/>
+          <a:lstStyle/>
+          <a:p>
+            <a:pPr marL="0" marR="0" lvl="0" indent="0" algn="l" defTabSz="914400" rtl="0" eaLnBrk="1" fontAlgn="auto" latinLnBrk="0" hangingPunct="1">
+              <a:lnSpc>
+                <a:spcPct val="100000"/>
+              </a:lnSpc>
+              <a:spcBef>
+                <a:spcPts val="0"/>
+              </a:spcBef>
+              <a:spcAft>
+                <a:spcPts val="0"/>
+              </a:spcAft>
+              <a:buClrTx/>
+              <a:buSzTx/>
+              <a:buFontTx/>
+              <a:buNone/>
+              <a:tabLst/>
+              <a:defRPr/>
+            </a:pPr>
+            <a:r>
+              <a:rPr lang="pt-BR" sz="1200" dirty="0">
+                <a:effectLst/>
+                <a:latin typeface="Arial" panose="020B0604020202020204" pitchFamily="34" charset="0"/>
+                <a:ea typeface="Times New Roman" panose="02020603050405020304" pitchFamily="18" charset="0"/>
+                <a:cs typeface="Times New Roman" panose="02020603050405020304" pitchFamily="18" charset="0"/>
+              </a:rPr>
+              <a:t>o qual menciona que uma das competências a serem desenvolvidas nos egressos é: “adequar-se rapidamente às mudanças tecnológicas e aos novos ambientes de trabalho”(MINISTÉRIO DA EDUCAÇÃO, 2016).</a:t>
+            </a:r>
+            <a:endParaRPr lang="pt-BR" sz="1200" dirty="0">
+              <a:effectLst/>
+              <a:latin typeface="Times" panose="02020603050405020304" pitchFamily="18" charset="0"/>
+              <a:ea typeface="Times New Roman" panose="02020603050405020304" pitchFamily="18" charset="0"/>
+              <a:cs typeface="Times New Roman" panose="02020603050405020304" pitchFamily="18" charset="0"/>
+            </a:endParaRPr>
+          </a:p>
+          <a:p>
+            <a:endParaRPr lang="pt-BR" dirty="0"/>
+          </a:p>
+        </p:txBody>
+      </p:sp>
+      <p:sp>
+        <p:nvSpPr>
+          <p:cNvPr id="4" name="Espaço Reservado para Número de Slide 3"/>
+          <p:cNvSpPr>
+            <a:spLocks noGrp="1"/>
+          </p:cNvSpPr>
+          <p:nvPr>
+            <p:ph type="sldNum" sz="quarter" idx="5"/>
+          </p:nvPr>
+        </p:nvSpPr>
+        <p:spPr/>
+        <p:txBody>
+          <a:bodyPr/>
+          <a:lstStyle/>
+          <a:p>
+            <a:fld id="{8D0A50E8-F985-49B9-B26F-7854039BF0DF}" type="slidenum">
+              <a:rPr lang="pt-BR" smtClean="0"/>
+              <a:t>7</a:t>
+            </a:fld>
+            <a:endParaRPr lang="pt-BR"/>
+          </a:p>
+        </p:txBody>
+      </p:sp>
+    </p:spTree>
+    <p:extLst>
+      <p:ext uri="{BB962C8B-B14F-4D97-AF65-F5344CB8AC3E}">
+        <p14:creationId xmlns:p14="http://schemas.microsoft.com/office/powerpoint/2010/main" val="2084217597"/>
+      </p:ext>
+    </p:extLst>
+  </p:cSld>
+  <p:clrMapOvr>
+    <a:masterClrMapping/>
+  </p:clrMapOvr>
+</p:notes>
+</file>
+
+<file path=ppt/notesSlides/notesSlide3.xml><?xml version="1.0" encoding="utf-8"?>
+<p:notes xmlns:a="http://schemas.openxmlformats.org/drawingml/2006/main" xmlns:r="http://schemas.openxmlformats.org/officeDocument/2006/relationships" xmlns:p="http://schemas.openxmlformats.org/presentationml/2006/main">
+  <p:cSld>
+    <p:spTree>
+      <p:nvGrpSpPr>
+        <p:cNvPr id="1" name=""/>
+        <p:cNvGrpSpPr/>
+        <p:nvPr/>
+      </p:nvGrpSpPr>
+      <p:grpSpPr>
+        <a:xfrm>
+          <a:off x="0" y="0"/>
+          <a:ext cx="0" cy="0"/>
+          <a:chOff x="0" y="0"/>
+          <a:chExt cx="0" cy="0"/>
+        </a:xfrm>
+      </p:grpSpPr>
+      <p:sp>
+        <p:nvSpPr>
+          <p:cNvPr id="2" name="Espaço Reservado para Imagem de Slide 1"/>
+          <p:cNvSpPr>
+            <a:spLocks noGrp="1" noRot="1" noChangeAspect="1"/>
+          </p:cNvSpPr>
+          <p:nvPr>
+            <p:ph type="sldImg"/>
+          </p:nvPr>
+        </p:nvSpPr>
+        <p:spPr/>
+      </p:sp>
+      <p:sp>
+        <p:nvSpPr>
+          <p:cNvPr id="3" name="Espaço Reservado para Anotações 2"/>
+          <p:cNvSpPr>
+            <a:spLocks noGrp="1"/>
+          </p:cNvSpPr>
+          <p:nvPr>
+            <p:ph type="body" idx="1"/>
+          </p:nvPr>
+        </p:nvSpPr>
+        <p:spPr/>
+        <p:txBody>
+          <a:bodyPr/>
+          <a:lstStyle/>
+          <a:p>
+            <a:r>
+              <a:rPr lang="pt-BR" sz="1200" dirty="0">
+                <a:effectLst/>
+                <a:latin typeface="Arial" panose="020B0604020202020204" pitchFamily="34" charset="0"/>
+                <a:ea typeface="Times New Roman" panose="02020603050405020304" pitchFamily="18" charset="0"/>
+                <a:cs typeface="Times New Roman" panose="02020603050405020304" pitchFamily="18" charset="0"/>
+              </a:rPr>
+              <a:t>Outra questão que gestores das equipes de software enfrentam é a manutenção da satisfação dos seus membros com o trabalho. </a:t>
+            </a:r>
+            <a:endParaRPr lang="pt-BR" dirty="0"/>
+          </a:p>
+        </p:txBody>
+      </p:sp>
+      <p:sp>
+        <p:nvSpPr>
+          <p:cNvPr id="4" name="Espaço Reservado para Número de Slide 3"/>
+          <p:cNvSpPr>
+            <a:spLocks noGrp="1"/>
+          </p:cNvSpPr>
+          <p:nvPr>
+            <p:ph type="sldNum" sz="quarter" idx="5"/>
+          </p:nvPr>
+        </p:nvSpPr>
+        <p:spPr/>
+        <p:txBody>
+          <a:bodyPr/>
+          <a:lstStyle/>
+          <a:p>
+            <a:fld id="{8D0A50E8-F985-49B9-B26F-7854039BF0DF}" type="slidenum">
+              <a:rPr lang="pt-BR" smtClean="0"/>
+              <a:t>9</a:t>
+            </a:fld>
+            <a:endParaRPr lang="pt-BR"/>
+          </a:p>
+        </p:txBody>
+      </p:sp>
+    </p:spTree>
+    <p:extLst>
+      <p:ext uri="{BB962C8B-B14F-4D97-AF65-F5344CB8AC3E}">
+        <p14:creationId xmlns:p14="http://schemas.microsoft.com/office/powerpoint/2010/main" val="2180901292"/>
+      </p:ext>
+    </p:extLst>
+  </p:cSld>
+  <p:clrMapOvr>
+    <a:masterClrMapping/>
+  </p:clrMapOvr>
+</p:notes>
+</file>
+
 <file path=ppt/slideLayouts/slideLayout1.xml><?xml version="1.0" encoding="utf-8"?>
 <p:sldLayout xmlns:a="http://schemas.openxmlformats.org/drawingml/2006/main" xmlns:r="http://schemas.openxmlformats.org/officeDocument/2006/relationships" xmlns:p="http://schemas.openxmlformats.org/presentationml/2006/main" type="title" preserve="1">
   <p:cSld name="Slide de título">
@@ -1028,7 +1712,7 @@
           <a:p>
             <a:fld id="{32E3DEF6-3213-4E1F-BF11-F9A2367C79DC}" type="datetimeFigureOut">
               <a:rPr lang="pt-BR" smtClean="0"/>
-              <a:t>30/11/2020</a:t>
+              <a:t>01/12/2020</a:t>
             </a:fld>
             <a:endParaRPr lang="pt-BR"/>
           </a:p>
@@ -1622,53 +2306,86 @@
               <a:buNone/>
             </a:pPr>
             <a:r>
-              <a:rPr lang="pt-BR" sz="1800" dirty="0">
-                <a:effectLst/>
-                <a:latin typeface="Arial" panose="020B0604020202020204" pitchFamily="34" charset="0"/>
-                <a:ea typeface="Calibri" panose="020F0502020204030204" pitchFamily="34" charset="0"/>
-              </a:rPr>
-              <a:t>Um dos conceitos estudados na literatura sobre gestão é o de </a:t>
-            </a:r>
-            <a:r>
-              <a:rPr lang="pt-BR" sz="1800" dirty="0" err="1">
-                <a:effectLst/>
-                <a:latin typeface="Arial" panose="020B0604020202020204" pitchFamily="34" charset="0"/>
-                <a:ea typeface="Calibri" panose="020F0502020204030204" pitchFamily="34" charset="0"/>
-              </a:rPr>
-              <a:t>burnout</a:t>
-            </a:r>
-            <a:r>
-              <a:rPr lang="pt-BR" sz="1800" dirty="0">
-                <a:effectLst/>
-                <a:latin typeface="Arial" panose="020B0604020202020204" pitchFamily="34" charset="0"/>
-                <a:ea typeface="Calibri" panose="020F0502020204030204" pitchFamily="34" charset="0"/>
-              </a:rPr>
-              <a:t> de trabalho, que é uma síndrome em que os estressores de um trabalho alteram as respostas às atribuições de tarefas de maneiras negativas (MASLACH; SCHAUFELI; LEITER, 2001). Como consequência do </a:t>
-            </a:r>
-            <a:r>
-              <a:rPr lang="pt-BR" sz="1800" dirty="0" err="1">
-                <a:effectLst/>
-                <a:latin typeface="Arial" panose="020B0604020202020204" pitchFamily="34" charset="0"/>
-                <a:ea typeface="Calibri" panose="020F0502020204030204" pitchFamily="34" charset="0"/>
-              </a:rPr>
-              <a:t>burnout</a:t>
-            </a:r>
-            <a:r>
-              <a:rPr lang="pt-BR" sz="1800" dirty="0">
-                <a:effectLst/>
-                <a:latin typeface="Arial" panose="020B0604020202020204" pitchFamily="34" charset="0"/>
-                <a:ea typeface="Calibri" panose="020F0502020204030204" pitchFamily="34" charset="0"/>
-              </a:rPr>
-              <a:t>, os indivíduos têm comportamentos destrutivos como conflitos pessoais, cansaço, bem como eventos organizacionais, tal qual a rotatividade, o absenteísmo e a redução do desempenho no trabalho (SWIDER; ZIMMERMAN, 2010)</a:t>
-            </a:r>
+              <a:rPr lang="pt-BR" sz="1800" b="1" dirty="0">
+                <a:effectLst/>
+                <a:latin typeface="Arial" panose="020B0604020202020204" pitchFamily="34" charset="0"/>
+                <a:ea typeface="Times New Roman" panose="02020603050405020304" pitchFamily="18" charset="0"/>
+                <a:cs typeface="Times New Roman" panose="02020603050405020304" pitchFamily="18" charset="0"/>
+              </a:rPr>
+              <a:t>Existe relação significativa entre cada uma das dimensões da adaptabilidade individual com a satisfação com o trabalho na percepção dos Engenheiros de Software? Essas relações são positivas ou negativas?</a:t>
+            </a:r>
+            <a:endParaRPr lang="pt-BR" sz="1800" dirty="0">
+              <a:effectLst/>
+              <a:latin typeface="Times" panose="02020603050405020304" pitchFamily="18" charset="0"/>
+              <a:ea typeface="Times New Roman" panose="02020603050405020304" pitchFamily="18" charset="0"/>
+              <a:cs typeface="Times New Roman" panose="02020603050405020304" pitchFamily="18" charset="0"/>
+            </a:endParaRPr>
+          </a:p>
+          <a:p>
+            <a:pPr indent="0" algn="just">
+              <a:lnSpc>
+                <a:spcPct val="150000"/>
+              </a:lnSpc>
+              <a:spcAft>
+                <a:spcPts val="600"/>
+              </a:spcAft>
+              <a:buNone/>
+            </a:pPr>
             <a:endParaRPr lang="pt-BR" dirty="0"/>
           </a:p>
         </p:txBody>
       </p:sp>
+      <p:pic>
+        <p:nvPicPr>
+          <p:cNvPr id="4" name="Picture 2" descr="question mark - Wiktionary">
+            <a:extLst>
+              <a:ext uri="{FF2B5EF4-FFF2-40B4-BE49-F238E27FC236}">
+                <a16:creationId xmlns:a16="http://schemas.microsoft.com/office/drawing/2014/main" id="{54E6BE30-E63A-4935-A4F1-ED28C6DBE953}"/>
+              </a:ext>
+            </a:extLst>
+          </p:cNvPr>
+          <p:cNvPicPr>
+            <a:picLocks noChangeAspect="1" noChangeArrowheads="1"/>
+          </p:cNvPicPr>
+          <p:nvPr/>
+        </p:nvPicPr>
+        <p:blipFill>
+          <a:blip r:embed="rId2" cstate="print">
+            <a:extLst>
+              <a:ext uri="{28A0092B-C50C-407E-A947-70E740481C1C}">
+                <a14:useLocalDpi xmlns:a14="http://schemas.microsoft.com/office/drawing/2010/main" val="0"/>
+              </a:ext>
+            </a:extLst>
+          </a:blip>
+          <a:srcRect/>
+          <a:stretch>
+            <a:fillRect/>
+          </a:stretch>
+        </p:blipFill>
+        <p:spPr bwMode="auto">
+          <a:xfrm>
+            <a:off x="3707904" y="4237272"/>
+            <a:ext cx="2186269" cy="2186269"/>
+          </a:xfrm>
+          <a:prstGeom prst="rect">
+            <a:avLst/>
+          </a:prstGeom>
+          <a:noFill/>
+          <a:extLst>
+            <a:ext uri="{909E8E84-426E-40DD-AFC4-6F175D3DCCD1}">
+              <a14:hiddenFill xmlns:a14="http://schemas.microsoft.com/office/drawing/2010/main">
+                <a:solidFill>
+                  <a:srgbClr val="FFFFFF"/>
+                </a:solidFill>
+              </a14:hiddenFill>
+            </a:ext>
+          </a:extLst>
+        </p:spPr>
+      </p:pic>
     </p:spTree>
     <p:extLst>
       <p:ext uri="{BB962C8B-B14F-4D97-AF65-F5344CB8AC3E}">
-        <p14:creationId xmlns:p14="http://schemas.microsoft.com/office/powerpoint/2010/main" val="2705051018"/>
+        <p14:creationId xmlns:p14="http://schemas.microsoft.com/office/powerpoint/2010/main" val="1310371271"/>
       </p:ext>
     </p:extLst>
   </p:cSld>
@@ -1734,63 +2451,97 @@
           </a:bodyPr>
           <a:lstStyle/>
           <a:p>
-            <a:pPr indent="270510" algn="just">
+            <a:pPr indent="0" algn="just">
               <a:lnSpc>
                 <a:spcPct val="150000"/>
               </a:lnSpc>
               <a:spcAft>
                 <a:spcPts val="600"/>
               </a:spcAft>
+              <a:buNone/>
             </a:pPr>
             <a:r>
               <a:rPr lang="pt-BR" sz="1800" dirty="0">
                 <a:effectLst/>
                 <a:latin typeface="Arial" panose="020B0604020202020204" pitchFamily="34" charset="0"/>
                 <a:ea typeface="Calibri" panose="020F0502020204030204" pitchFamily="34" charset="0"/>
-                <a:cs typeface="Times New Roman" panose="02020603050405020304" pitchFamily="18" charset="0"/>
-              </a:rPr>
-              <a:t>Desta forma, </a:t>
-            </a:r>
-            <a:r>
-              <a:rPr lang="pt-BR" sz="1800" b="1" dirty="0">
+              </a:rPr>
+              <a:t>burnout de trabalho, que é uma síndrome em que os estressores de um trabalho alteram as respostas às atribuições de tarefas de maneiras negativas (MASLACH; SCHAUFELI; LEITER, 2001). </a:t>
+            </a:r>
+          </a:p>
+          <a:p>
+            <a:pPr indent="0" algn="just">
+              <a:lnSpc>
+                <a:spcPct val="150000"/>
+              </a:lnSpc>
+              <a:spcAft>
+                <a:spcPts val="600"/>
+              </a:spcAft>
+              <a:buNone/>
+            </a:pPr>
+            <a:r>
+              <a:rPr lang="pt-BR" sz="1800" dirty="0">
                 <a:effectLst/>
                 <a:latin typeface="Arial" panose="020B0604020202020204" pitchFamily="34" charset="0"/>
                 <a:ea typeface="Calibri" panose="020F0502020204030204" pitchFamily="34" charset="0"/>
-                <a:cs typeface="Times New Roman" panose="02020603050405020304" pitchFamily="18" charset="0"/>
-              </a:rPr>
-              <a:t>existe relação de cada uma das dimensões da adaptabilidade individual e de cada uma das dimensões do </a:t>
-            </a:r>
-            <a:r>
-              <a:rPr lang="pt-BR" sz="1800" b="1" dirty="0" err="1">
-                <a:effectLst/>
-                <a:latin typeface="Arial" panose="020B0604020202020204" pitchFamily="34" charset="0"/>
-                <a:ea typeface="Calibri" panose="020F0502020204030204" pitchFamily="34" charset="0"/>
-                <a:cs typeface="Times New Roman" panose="02020603050405020304" pitchFamily="18" charset="0"/>
-              </a:rPr>
-              <a:t>burnout</a:t>
-            </a:r>
-            <a:r>
-              <a:rPr lang="pt-BR" sz="1800" b="1" dirty="0">
-                <a:effectLst/>
-                <a:latin typeface="Arial" panose="020B0604020202020204" pitchFamily="34" charset="0"/>
-                <a:ea typeface="Calibri" panose="020F0502020204030204" pitchFamily="34" charset="0"/>
-                <a:cs typeface="Times New Roman" panose="02020603050405020304" pitchFamily="18" charset="0"/>
-              </a:rPr>
-              <a:t> na percepção dos Engenheiros de Software? Mais do que isso, elas são positivas ou negativas? </a:t>
-            </a:r>
-            <a:endParaRPr lang="pt-BR" sz="1800" dirty="0">
-              <a:effectLst/>
-              <a:latin typeface="Times" panose="02020603050405020304" pitchFamily="18" charset="0"/>
-              <a:ea typeface="Times New Roman" panose="02020603050405020304" pitchFamily="18" charset="0"/>
-              <a:cs typeface="Times New Roman" panose="02020603050405020304" pitchFamily="18" charset="0"/>
-            </a:endParaRPr>
-          </a:p>
-        </p:txBody>
-      </p:sp>
+              </a:rPr>
+              <a:t>indivíduos têm comportamentos destrutivos como conflitos pessoais, cansaço, bem como eventos organizacionais, tal qual a rotatividade, o absenteísmo e a redução do desempenho no trabalho (SWIDER; ZIMMERMAN, 2010)</a:t>
+            </a:r>
+            <a:endParaRPr lang="pt-BR" dirty="0"/>
+          </a:p>
+        </p:txBody>
+      </p:sp>
+      <p:pic>
+        <p:nvPicPr>
+          <p:cNvPr id="6146" name="Picture 2" descr="Home Office: cuidado com a Síndrome de Burnout em tempos de crise | Imagem  da Ilha | Florianópolis">
+            <a:extLst>
+              <a:ext uri="{FF2B5EF4-FFF2-40B4-BE49-F238E27FC236}">
+                <a16:creationId xmlns:a16="http://schemas.microsoft.com/office/drawing/2014/main" id="{CF80139E-25A2-40DD-87AC-D2C651E86AA6}"/>
+              </a:ext>
+            </a:extLst>
+          </p:cNvPr>
+          <p:cNvPicPr>
+            <a:picLocks noChangeAspect="1" noChangeArrowheads="1"/>
+          </p:cNvPicPr>
+          <p:nvPr/>
+        </p:nvPicPr>
+        <p:blipFill>
+          <a:blip r:embed="rId2">
+            <a:extLst>
+              <a:ext uri="{28A0092B-C50C-407E-A947-70E740481C1C}">
+                <a14:useLocalDpi xmlns:a14="http://schemas.microsoft.com/office/drawing/2010/main" val="0"/>
+              </a:ext>
+            </a:extLst>
+          </a:blip>
+          <a:srcRect/>
+          <a:stretch>
+            <a:fillRect/>
+          </a:stretch>
+        </p:blipFill>
+        <p:spPr bwMode="auto">
+          <a:xfrm>
+            <a:off x="4860032" y="177372"/>
+            <a:ext cx="4036538" cy="2399729"/>
+          </a:xfrm>
+          <a:prstGeom prst="rect">
+            <a:avLst/>
+          </a:prstGeom>
+          <a:noFill/>
+          <a:extLst>
+            <a:ext uri="{909E8E84-426E-40DD-AFC4-6F175D3DCCD1}">
+              <a14:hiddenFill xmlns:a14="http://schemas.microsoft.com/office/drawing/2010/main">
+                <a:solidFill>
+                  <a:srgbClr val="FFFFFF"/>
+                </a:solidFill>
+              </a14:hiddenFill>
+            </a:ext>
+          </a:extLst>
+        </p:spPr>
+      </p:pic>
     </p:spTree>
     <p:extLst>
       <p:ext uri="{BB962C8B-B14F-4D97-AF65-F5344CB8AC3E}">
-        <p14:creationId xmlns:p14="http://schemas.microsoft.com/office/powerpoint/2010/main" val="1368835633"/>
+        <p14:creationId xmlns:p14="http://schemas.microsoft.com/office/powerpoint/2010/main" val="2705051018"/>
       </p:ext>
     </p:extLst>
   </p:cSld>
@@ -1865,58 +2616,13 @@
               </a:spcAft>
             </a:pPr>
             <a:r>
-              <a:rPr lang="pt-BR" sz="1800" dirty="0">
+              <a:rPr lang="pt-BR" sz="1800" b="1" dirty="0">
                 <a:effectLst/>
                 <a:latin typeface="Arial" panose="020B0604020202020204" pitchFamily="34" charset="0"/>
                 <a:ea typeface="Calibri" panose="020F0502020204030204" pitchFamily="34" charset="0"/>
                 <a:cs typeface="Times New Roman" panose="02020603050405020304" pitchFamily="18" charset="0"/>
               </a:rPr>
-              <a:t>Ademais, apesar de o </a:t>
-            </a:r>
-            <a:r>
-              <a:rPr lang="pt-BR" sz="1800" dirty="0" err="1">
-                <a:effectLst/>
-                <a:latin typeface="Arial" panose="020B0604020202020204" pitchFamily="34" charset="0"/>
-                <a:ea typeface="Calibri" panose="020F0502020204030204" pitchFamily="34" charset="0"/>
-                <a:cs typeface="Times New Roman" panose="02020603050405020304" pitchFamily="18" charset="0"/>
-              </a:rPr>
-              <a:t>burnout</a:t>
-            </a:r>
-            <a:r>
-              <a:rPr lang="pt-BR" sz="1800" dirty="0">
-                <a:effectLst/>
-                <a:latin typeface="Arial" panose="020B0604020202020204" pitchFamily="34" charset="0"/>
-                <a:ea typeface="Calibri" panose="020F0502020204030204" pitchFamily="34" charset="0"/>
-                <a:cs typeface="Times New Roman" panose="02020603050405020304" pitchFamily="18" charset="0"/>
-              </a:rPr>
-              <a:t> e de a satisfação com o trabalho serem fatores importantes e que já estão sendo estudados na Engenharia de Software há um bom tempo (LENBERG; FELDT; WALLGREN, 2015), outra pergunta que surge é: </a:t>
-            </a:r>
-            <a:r>
-              <a:rPr lang="pt-BR" sz="1800" b="1" dirty="0">
-                <a:effectLst/>
-                <a:latin typeface="Arial" panose="020B0604020202020204" pitchFamily="34" charset="0"/>
-                <a:ea typeface="Calibri" panose="020F0502020204030204" pitchFamily="34" charset="0"/>
-                <a:cs typeface="Times New Roman" panose="02020603050405020304" pitchFamily="18" charset="0"/>
-              </a:rPr>
-              <a:t>existe a relação entre o </a:t>
-            </a:r>
-            <a:r>
-              <a:rPr lang="pt-BR" sz="1800" b="1" dirty="0" err="1">
-                <a:effectLst/>
-                <a:latin typeface="Arial" panose="020B0604020202020204" pitchFamily="34" charset="0"/>
-                <a:ea typeface="Calibri" panose="020F0502020204030204" pitchFamily="34" charset="0"/>
-                <a:cs typeface="Times New Roman" panose="02020603050405020304" pitchFamily="18" charset="0"/>
-              </a:rPr>
-              <a:t>burnout</a:t>
-            </a:r>
-            <a:r>
-              <a:rPr lang="pt-BR" sz="1800" b="1" dirty="0">
-                <a:effectLst/>
-                <a:latin typeface="Arial" panose="020B0604020202020204" pitchFamily="34" charset="0"/>
-                <a:ea typeface="Calibri" panose="020F0502020204030204" pitchFamily="34" charset="0"/>
-                <a:cs typeface="Times New Roman" panose="02020603050405020304" pitchFamily="18" charset="0"/>
-              </a:rPr>
-              <a:t> e a percepção de satisfação na Engenharia de Software? Essa relação é positiva ou negativa?</a:t>
+              <a:t>Existe relação de cada uma das dimensões da adaptabilidade individual e de cada uma das dimensões do burnout na percepção dos Engenheiros de Software? Mais do que isso, elas são positivas ou negativas? </a:t>
             </a:r>
             <a:endParaRPr lang="pt-BR" sz="1800" dirty="0">
               <a:effectLst/>
@@ -1927,10 +2633,57 @@
           </a:p>
         </p:txBody>
       </p:sp>
+      <p:pic>
+        <p:nvPicPr>
+          <p:cNvPr id="4" name="Picture 2" descr="question mark - Wiktionary">
+            <a:extLst>
+              <a:ext uri="{FF2B5EF4-FFF2-40B4-BE49-F238E27FC236}">
+                <a16:creationId xmlns:a16="http://schemas.microsoft.com/office/drawing/2014/main" id="{BAE04285-8F1E-42EB-B331-29AEACE569C7}"/>
+              </a:ext>
+            </a:extLst>
+          </p:cNvPr>
+          <p:cNvPicPr>
+            <a:picLocks noChangeAspect="1" noChangeArrowheads="1"/>
+          </p:cNvPicPr>
+          <p:nvPr/>
+        </p:nvPicPr>
+        <p:blipFill>
+          <a:blip r:embed="rId2" cstate="print">
+            <a:extLst>
+              <a:ext uri="{28A0092B-C50C-407E-A947-70E740481C1C}">
+                <a14:useLocalDpi xmlns:a14="http://schemas.microsoft.com/office/drawing/2010/main" val="0"/>
+              </a:ext>
+            </a:extLst>
+          </a:blip>
+          <a:srcRect/>
+          <a:stretch>
+            <a:fillRect/>
+          </a:stretch>
+        </p:blipFill>
+        <p:spPr bwMode="auto">
+          <a:xfrm>
+            <a:off x="3923928" y="4213714"/>
+            <a:ext cx="2160242" cy="2160242"/>
+          </a:xfrm>
+          <a:prstGeom prst="rect">
+            <a:avLst/>
+          </a:prstGeom>
+          <a:noFill/>
+          <a:extLst>
+            <a:ext uri="{909E8E84-426E-40DD-AFC4-6F175D3DCCD1}">
+              <a14:hiddenFill xmlns:a14="http://schemas.microsoft.com/office/drawing/2010/main">
+                <a:solidFill>
+                  <a:srgbClr val="FFFFFF"/>
+                </a:solidFill>
+              </a14:hiddenFill>
+            </a:ext>
+          </a:extLst>
+        </p:spPr>
+      </p:pic>
     </p:spTree>
     <p:extLst>
       <p:ext uri="{BB962C8B-B14F-4D97-AF65-F5344CB8AC3E}">
-        <p14:creationId xmlns:p14="http://schemas.microsoft.com/office/powerpoint/2010/main" val="2124857202"/>
+        <p14:creationId xmlns:p14="http://schemas.microsoft.com/office/powerpoint/2010/main" val="1368835633"/>
       </p:ext>
     </p:extLst>
   </p:cSld>
@@ -1996,7 +2749,7 @@
           </a:bodyPr>
           <a:lstStyle/>
           <a:p>
-            <a:pPr indent="228600" algn="just">
+            <a:pPr indent="270510" algn="just">
               <a:lnSpc>
                 <a:spcPct val="150000"/>
               </a:lnSpc>
@@ -2005,42 +2758,15 @@
               </a:spcAft>
             </a:pPr>
             <a:r>
-              <a:rPr lang="pt-BR" sz="1800" dirty="0">
-                <a:effectLst/>
-                <a:latin typeface="Arial" panose="020B0604020202020204" pitchFamily="34" charset="0"/>
-                <a:ea typeface="Times New Roman" panose="02020603050405020304" pitchFamily="18" charset="0"/>
-                <a:cs typeface="Times New Roman" panose="02020603050405020304" pitchFamily="18" charset="0"/>
-              </a:rPr>
-              <a:t>Por fim, o outro constructo investigado nesta pesquisa é a percepção da instabilidade. Como comentado anteriormente, o processo de desenvolvimento de software pode sofrer com as mudanças, mas elas são inerentes ao processo (BOEHM, 2007; MELNIK; MAURER, 2006; WILLIAMS; COCKBURN, 2003). Nesse contexto, será que: </a:t>
-            </a:r>
-            <a:r>
               <a:rPr lang="pt-BR" sz="1800" b="1" dirty="0">
                 <a:effectLst/>
                 <a:latin typeface="Arial" panose="020B0604020202020204" pitchFamily="34" charset="0"/>
-                <a:ea typeface="Times New Roman" panose="02020603050405020304" pitchFamily="18" charset="0"/>
-                <a:cs typeface="Times New Roman" panose="02020603050405020304" pitchFamily="18" charset="0"/>
-              </a:rPr>
-              <a:t>existe relação entre a percepção de instabilidade dos indivíduos com a percepção de satisfação na Engenharia de Software? E com o </a:t>
-            </a:r>
-            <a:r>
-              <a:rPr lang="pt-BR" sz="1800" b="1" dirty="0" err="1">
-                <a:effectLst/>
-                <a:latin typeface="Arial" panose="020B0604020202020204" pitchFamily="34" charset="0"/>
-                <a:ea typeface="Times New Roman" panose="02020603050405020304" pitchFamily="18" charset="0"/>
-                <a:cs typeface="Times New Roman" panose="02020603050405020304" pitchFamily="18" charset="0"/>
-              </a:rPr>
-              <a:t>burnout</a:t>
-            </a:r>
-            <a:r>
-              <a:rPr lang="pt-BR" sz="1800" b="1" dirty="0">
-                <a:effectLst/>
-                <a:latin typeface="Arial" panose="020B0604020202020204" pitchFamily="34" charset="0"/>
-                <a:ea typeface="Times New Roman" panose="02020603050405020304" pitchFamily="18" charset="0"/>
-                <a:cs typeface="Times New Roman" panose="02020603050405020304" pitchFamily="18" charset="0"/>
-              </a:rPr>
-              <a:t>? Essas relações são positivas ou negativas?</a:t>
-            </a:r>
-            <a:endParaRPr lang="pt-BR" sz="1800" dirty="0">
+                <a:ea typeface="Calibri" panose="020F0502020204030204" pitchFamily="34" charset="0"/>
+                <a:cs typeface="Times New Roman" panose="02020603050405020304" pitchFamily="18" charset="0"/>
+              </a:rPr>
+              <a:t>Existe a relação entre o burnout e a percepção de satisfação na Engenharia de Software? Essa relação é positiva ou negativa?</a:t>
+            </a:r>
+            <a:endParaRPr lang="pt-BR" sz="1800" b="1" dirty="0">
               <a:effectLst/>
               <a:latin typeface="Times" panose="02020603050405020304" pitchFamily="18" charset="0"/>
               <a:ea typeface="Times New Roman" panose="02020603050405020304" pitchFamily="18" charset="0"/>
@@ -2049,10 +2775,57 @@
           </a:p>
         </p:txBody>
       </p:sp>
+      <p:pic>
+        <p:nvPicPr>
+          <p:cNvPr id="5122" name="Picture 2" descr="question mark - Wiktionary">
+            <a:extLst>
+              <a:ext uri="{FF2B5EF4-FFF2-40B4-BE49-F238E27FC236}">
+                <a16:creationId xmlns:a16="http://schemas.microsoft.com/office/drawing/2014/main" id="{60274AFB-7FCC-4D3B-992A-E006363FDB08}"/>
+              </a:ext>
+            </a:extLst>
+          </p:cNvPr>
+          <p:cNvPicPr>
+            <a:picLocks noChangeAspect="1" noChangeArrowheads="1"/>
+          </p:cNvPicPr>
+          <p:nvPr/>
+        </p:nvPicPr>
+        <p:blipFill>
+          <a:blip r:embed="rId2" cstate="print">
+            <a:extLst>
+              <a:ext uri="{28A0092B-C50C-407E-A947-70E740481C1C}">
+                <a14:useLocalDpi xmlns:a14="http://schemas.microsoft.com/office/drawing/2010/main" val="0"/>
+              </a:ext>
+            </a:extLst>
+          </a:blip>
+          <a:srcRect/>
+          <a:stretch>
+            <a:fillRect/>
+          </a:stretch>
+        </p:blipFill>
+        <p:spPr bwMode="auto">
+          <a:xfrm>
+            <a:off x="3851920" y="3933056"/>
+            <a:ext cx="2102124" cy="2102124"/>
+          </a:xfrm>
+          <a:prstGeom prst="rect">
+            <a:avLst/>
+          </a:prstGeom>
+          <a:noFill/>
+          <a:extLst>
+            <a:ext uri="{909E8E84-426E-40DD-AFC4-6F175D3DCCD1}">
+              <a14:hiddenFill xmlns:a14="http://schemas.microsoft.com/office/drawing/2010/main">
+                <a:solidFill>
+                  <a:srgbClr val="FFFFFF"/>
+                </a:solidFill>
+              </a14:hiddenFill>
+            </a:ext>
+          </a:extLst>
+        </p:spPr>
+      </p:pic>
     </p:spTree>
     <p:extLst>
       <p:ext uri="{BB962C8B-B14F-4D97-AF65-F5344CB8AC3E}">
-        <p14:creationId xmlns:p14="http://schemas.microsoft.com/office/powerpoint/2010/main" val="2977466202"/>
+        <p14:creationId xmlns:p14="http://schemas.microsoft.com/office/powerpoint/2010/main" val="2124857202"/>
       </p:ext>
     </p:extLst>
   </p:cSld>
@@ -2081,13 +2854,7 @@
       </p:grpSpPr>
       <p:sp>
         <p:nvSpPr>
-          <p:cNvPr id="2" name="Título 1">
-            <a:extLst>
-              <a:ext uri="{FF2B5EF4-FFF2-40B4-BE49-F238E27FC236}">
-                <a16:creationId xmlns:a16="http://schemas.microsoft.com/office/drawing/2014/main" id="{1AC5E6FF-D9E3-41C4-9A2E-BA1B07FD1BB3}"/>
-              </a:ext>
-            </a:extLst>
-          </p:cNvPr>
+          <p:cNvPr id="2" name="Título 1"/>
           <p:cNvSpPr>
             <a:spLocks noGrp="1"/>
           </p:cNvSpPr>
@@ -2102,20 +2869,14 @@
           <a:p>
             <a:r>
               <a:rPr lang="pt-BR" dirty="0"/>
-              <a:t>Objetivos</a:t>
-            </a:r>
-          </a:p>
-        </p:txBody>
-      </p:sp>
-      <p:sp>
-        <p:nvSpPr>
-          <p:cNvPr id="3" name="Espaço Reservado para Conteúdo 2">
-            <a:extLst>
-              <a:ext uri="{FF2B5EF4-FFF2-40B4-BE49-F238E27FC236}">
-                <a16:creationId xmlns:a16="http://schemas.microsoft.com/office/drawing/2014/main" id="{40F53813-4243-4409-AB7E-EB368A0479E2}"/>
-              </a:ext>
-            </a:extLst>
-          </p:cNvPr>
+              <a:t>Introdução</a:t>
+            </a:r>
+          </a:p>
+        </p:txBody>
+      </p:sp>
+      <p:sp>
+        <p:nvSpPr>
+          <p:cNvPr id="3" name="Espaço Reservado para Conteúdo 2"/>
           <p:cNvSpPr>
             <a:spLocks noGrp="1"/>
           </p:cNvSpPr>
@@ -2126,7 +2887,7 @@
         <p:spPr/>
         <p:txBody>
           <a:bodyPr>
-            <a:normAutofit fontScale="77500" lnSpcReduction="20000"/>
+            <a:normAutofit/>
           </a:bodyPr>
           <a:lstStyle/>
           <a:p>
@@ -2145,151 +2906,62 @@
                 <a:ea typeface="Times New Roman" panose="02020603050405020304" pitchFamily="18" charset="0"/>
                 <a:cs typeface="Times New Roman" panose="02020603050405020304" pitchFamily="18" charset="0"/>
               </a:rPr>
-              <a:t>OG: </a:t>
-            </a:r>
-            <a:r>
-              <a:rPr lang="pt-BR" sz="1800" b="1" dirty="0">
-                <a:effectLst/>
-                <a:latin typeface="Arial" panose="020B0604020202020204" pitchFamily="34" charset="0"/>
-                <a:ea typeface="Times New Roman" panose="02020603050405020304" pitchFamily="18" charset="0"/>
-                <a:cs typeface="Times New Roman" panose="02020603050405020304" pitchFamily="18" charset="0"/>
-              </a:rPr>
-              <a:t>Investigar as relações entre a adaptabilidade individual, a satisfação com o trabalho, a instabilidade e o </a:t>
-            </a:r>
-            <a:r>
-              <a:rPr lang="pt-BR" sz="1800" b="1" dirty="0" err="1">
-                <a:effectLst/>
-                <a:latin typeface="Arial" panose="020B0604020202020204" pitchFamily="34" charset="0"/>
-                <a:ea typeface="Times New Roman" panose="02020603050405020304" pitchFamily="18" charset="0"/>
-                <a:cs typeface="Times New Roman" panose="02020603050405020304" pitchFamily="18" charset="0"/>
-              </a:rPr>
-              <a:t>burnout</a:t>
-            </a:r>
-            <a:r>
-              <a:rPr lang="pt-BR" sz="1800" b="1" dirty="0">
-                <a:effectLst/>
-                <a:latin typeface="Arial" panose="020B0604020202020204" pitchFamily="34" charset="0"/>
-                <a:ea typeface="Times New Roman" panose="02020603050405020304" pitchFamily="18" charset="0"/>
-                <a:cs typeface="Times New Roman" panose="02020603050405020304" pitchFamily="18" charset="0"/>
-              </a:rPr>
-              <a:t> na percepção dos membros de equipes de software.</a:t>
-            </a:r>
-            <a:endParaRPr lang="pt-BR" sz="1800" dirty="0">
-              <a:effectLst/>
-              <a:latin typeface="Times" panose="02020603050405020304" pitchFamily="18" charset="0"/>
-              <a:ea typeface="Times New Roman" panose="02020603050405020304" pitchFamily="18" charset="0"/>
-              <a:cs typeface="Times New Roman" panose="02020603050405020304" pitchFamily="18" charset="0"/>
-            </a:endParaRPr>
-          </a:p>
-          <a:p>
-            <a:pPr indent="228600" algn="just">
-              <a:lnSpc>
-                <a:spcPct val="150000"/>
-              </a:lnSpc>
-              <a:spcAft>
-                <a:spcPts val="600"/>
-              </a:spcAft>
-            </a:pPr>
-            <a:r>
-              <a:rPr lang="pt-BR" sz="1800" dirty="0">
-                <a:effectLst/>
-                <a:latin typeface="Arial" panose="020B0604020202020204" pitchFamily="34" charset="0"/>
-                <a:ea typeface="Times New Roman" panose="02020603050405020304" pitchFamily="18" charset="0"/>
-                <a:cs typeface="Times New Roman" panose="02020603050405020304" pitchFamily="18" charset="0"/>
-              </a:rPr>
-              <a:t>Para responder a esta questão, este trabalho se propõe a realizar os seguintes objetivos específicos (OE): </a:t>
-            </a:r>
-            <a:endParaRPr lang="pt-BR" sz="1800" dirty="0">
-              <a:effectLst/>
-              <a:latin typeface="Times" panose="02020603050405020304" pitchFamily="18" charset="0"/>
-              <a:ea typeface="Times New Roman" panose="02020603050405020304" pitchFamily="18" charset="0"/>
-              <a:cs typeface="Times New Roman" panose="02020603050405020304" pitchFamily="18" charset="0"/>
-            </a:endParaRPr>
-          </a:p>
-          <a:p>
-            <a:pPr indent="228600" algn="just">
-              <a:lnSpc>
-                <a:spcPct val="150000"/>
-              </a:lnSpc>
-              <a:spcAft>
-                <a:spcPts val="600"/>
-              </a:spcAft>
-            </a:pPr>
-            <a:r>
-              <a:rPr lang="pt-BR" sz="1800" i="1" dirty="0">
-                <a:effectLst/>
-                <a:latin typeface="Arial" panose="020B0604020202020204" pitchFamily="34" charset="0"/>
-                <a:ea typeface="Times New Roman" panose="02020603050405020304" pitchFamily="18" charset="0"/>
-                <a:cs typeface="Times New Roman" panose="02020603050405020304" pitchFamily="18" charset="0"/>
-              </a:rPr>
-              <a:t>OE1.Traduzir para o português e validar uma escala sobre adaptabilidade individual na Engenharia de Software;</a:t>
-            </a:r>
-            <a:endParaRPr lang="pt-BR" sz="1800" dirty="0">
-              <a:effectLst/>
-              <a:latin typeface="Times" panose="02020603050405020304" pitchFamily="18" charset="0"/>
-              <a:ea typeface="Times New Roman" panose="02020603050405020304" pitchFamily="18" charset="0"/>
-              <a:cs typeface="Times New Roman" panose="02020603050405020304" pitchFamily="18" charset="0"/>
-            </a:endParaRPr>
-          </a:p>
-          <a:p>
-            <a:pPr indent="228600" algn="just">
-              <a:lnSpc>
-                <a:spcPct val="150000"/>
-              </a:lnSpc>
-              <a:spcAft>
-                <a:spcPts val="600"/>
-              </a:spcAft>
-            </a:pPr>
-            <a:r>
-              <a:rPr lang="pt-BR" sz="1800" i="1" dirty="0">
-                <a:effectLst/>
-                <a:latin typeface="Arial" panose="020B0604020202020204" pitchFamily="34" charset="0"/>
-                <a:ea typeface="Times New Roman" panose="02020603050405020304" pitchFamily="18" charset="0"/>
-                <a:cs typeface="Times New Roman" panose="02020603050405020304" pitchFamily="18" charset="0"/>
-              </a:rPr>
-              <a:t>OE2. Desenvolver e validar uma escala sobre instabilidade para a Engenharia de Software;</a:t>
-            </a:r>
-            <a:endParaRPr lang="pt-BR" sz="1800" dirty="0">
-              <a:effectLst/>
-              <a:latin typeface="Times" panose="02020603050405020304" pitchFamily="18" charset="0"/>
-              <a:ea typeface="Times New Roman" panose="02020603050405020304" pitchFamily="18" charset="0"/>
-              <a:cs typeface="Times New Roman" panose="02020603050405020304" pitchFamily="18" charset="0"/>
-            </a:endParaRPr>
-          </a:p>
-          <a:p>
-            <a:pPr indent="228600" algn="just">
-              <a:lnSpc>
-                <a:spcPct val="150000"/>
-              </a:lnSpc>
-              <a:spcAft>
-                <a:spcPts val="600"/>
-              </a:spcAft>
-            </a:pPr>
-            <a:r>
-              <a:rPr lang="pt-BR" sz="1800" i="1" dirty="0">
-                <a:effectLst/>
-                <a:latin typeface="Arial" panose="020B0604020202020204" pitchFamily="34" charset="0"/>
-                <a:ea typeface="Times New Roman" panose="02020603050405020304" pitchFamily="18" charset="0"/>
-                <a:cs typeface="Times New Roman" panose="02020603050405020304" pitchFamily="18" charset="0"/>
-              </a:rPr>
-              <a:t>OE3. Avaliar a significância das relações entre a adaptabilidade individual, satisfação com o trabalho, instabilidade, Burnout na Engenharia de Software e suas respectivas positividades e negatividades.</a:t>
-            </a:r>
-            <a:endParaRPr lang="pt-BR" sz="1800" dirty="0">
-              <a:effectLst/>
-              <a:latin typeface="Times" panose="02020603050405020304" pitchFamily="18" charset="0"/>
-              <a:ea typeface="Times New Roman" panose="02020603050405020304" pitchFamily="18" charset="0"/>
-              <a:cs typeface="Times New Roman" panose="02020603050405020304" pitchFamily="18" charset="0"/>
-            </a:endParaRPr>
-          </a:p>
-          <a:p>
-            <a:endParaRPr lang="pt-BR" dirty="0"/>
-          </a:p>
-        </p:txBody>
-      </p:sp>
+              <a:t>Por fim, o outro constructo investigado nesta pesquisa é a percepção da instabilidade. </a:t>
+            </a:r>
+          </a:p>
+        </p:txBody>
+      </p:sp>
+      <p:pic>
+        <p:nvPicPr>
+          <p:cNvPr id="4098" name="Picture 2" descr="Political Instability - Baker Tilly">
+            <a:extLst>
+              <a:ext uri="{FF2B5EF4-FFF2-40B4-BE49-F238E27FC236}">
+                <a16:creationId xmlns:a16="http://schemas.microsoft.com/office/drawing/2014/main" id="{B2F38AC6-6A79-4B00-B24E-32F4F60AD30B}"/>
+              </a:ext>
+            </a:extLst>
+          </p:cNvPr>
+          <p:cNvPicPr>
+            <a:picLocks noChangeAspect="1" noChangeArrowheads="1"/>
+          </p:cNvPicPr>
+          <p:nvPr/>
+        </p:nvPicPr>
+        <p:blipFill>
+          <a:blip r:embed="rId2">
+            <a:extLst>
+              <a:ext uri="{28A0092B-C50C-407E-A947-70E740481C1C}">
+                <a14:useLocalDpi xmlns:a14="http://schemas.microsoft.com/office/drawing/2010/main" val="0"/>
+              </a:ext>
+            </a:extLst>
+          </a:blip>
+          <a:srcRect/>
+          <a:stretch>
+            <a:fillRect/>
+          </a:stretch>
+        </p:blipFill>
+        <p:spPr bwMode="auto">
+          <a:xfrm>
+            <a:off x="4224057" y="3429000"/>
+            <a:ext cx="4462743" cy="2376266"/>
+          </a:xfrm>
+          <a:prstGeom prst="rect">
+            <a:avLst/>
+          </a:prstGeom>
+          <a:noFill/>
+          <a:extLst>
+            <a:ext uri="{909E8E84-426E-40DD-AFC4-6F175D3DCCD1}">
+              <a14:hiddenFill xmlns:a14="http://schemas.microsoft.com/office/drawing/2010/main">
+                <a:solidFill>
+                  <a:srgbClr val="FFFFFF"/>
+                </a:solidFill>
+              </a14:hiddenFill>
+            </a:ext>
+          </a:extLst>
+        </p:spPr>
+      </p:pic>
     </p:spTree>
     <p:extLst>
       <p:ext uri="{BB962C8B-B14F-4D97-AF65-F5344CB8AC3E}">
-        <p14:creationId xmlns:p14="http://schemas.microsoft.com/office/powerpoint/2010/main" val="1103949343"/>
+        <p14:creationId xmlns:p14="http://schemas.microsoft.com/office/powerpoint/2010/main" val="2977466202"/>
       </p:ext>
     </p:extLst>
   </p:cSld>
@@ -2318,13 +2990,7 @@
       </p:grpSpPr>
       <p:sp>
         <p:nvSpPr>
-          <p:cNvPr id="2" name="Título 1">
-            <a:extLst>
-              <a:ext uri="{FF2B5EF4-FFF2-40B4-BE49-F238E27FC236}">
-                <a16:creationId xmlns:a16="http://schemas.microsoft.com/office/drawing/2014/main" id="{1AC5E6FF-D9E3-41C4-9A2E-BA1B07FD1BB3}"/>
-              </a:ext>
-            </a:extLst>
-          </p:cNvPr>
+          <p:cNvPr id="2" name="Título 1"/>
           <p:cNvSpPr>
             <a:spLocks noGrp="1"/>
           </p:cNvSpPr>
@@ -2339,20 +3005,14 @@
           <a:p>
             <a:r>
               <a:rPr lang="pt-BR" dirty="0"/>
-              <a:t>Referencial teórico - Adaptação</a:t>
-            </a:r>
-          </a:p>
-        </p:txBody>
-      </p:sp>
-      <p:sp>
-        <p:nvSpPr>
-          <p:cNvPr id="3" name="Espaço Reservado para Conteúdo 2">
-            <a:extLst>
-              <a:ext uri="{FF2B5EF4-FFF2-40B4-BE49-F238E27FC236}">
-                <a16:creationId xmlns:a16="http://schemas.microsoft.com/office/drawing/2014/main" id="{40F53813-4243-4409-AB7E-EB368A0479E2}"/>
-              </a:ext>
-            </a:extLst>
-          </p:cNvPr>
+              <a:t>Introdução</a:t>
+            </a:r>
+          </a:p>
+        </p:txBody>
+      </p:sp>
+      <p:sp>
+        <p:nvSpPr>
+          <p:cNvPr id="3" name="Espaço Reservado para Conteúdo 2"/>
           <p:cNvSpPr>
             <a:spLocks noGrp="1"/>
           </p:cNvSpPr>
@@ -2362,17 +3022,106 @@
         </p:nvSpPr>
         <p:spPr/>
         <p:txBody>
-          <a:bodyPr/>
-          <a:lstStyle/>
-          <a:p>
-            <a:endParaRPr lang="pt-BR"/>
-          </a:p>
-        </p:txBody>
-      </p:sp>
+          <a:bodyPr>
+            <a:normAutofit/>
+          </a:bodyPr>
+          <a:lstStyle/>
+          <a:p>
+            <a:pPr indent="228600" algn="just">
+              <a:lnSpc>
+                <a:spcPct val="150000"/>
+              </a:lnSpc>
+              <a:spcAft>
+                <a:spcPts val="600"/>
+              </a:spcAft>
+            </a:pPr>
+            <a:r>
+              <a:rPr lang="pt-BR" sz="1800" dirty="0">
+                <a:solidFill>
+                  <a:srgbClr val="FF0000"/>
+                </a:solidFill>
+                <a:effectLst/>
+                <a:latin typeface="Arial" panose="020B0604020202020204" pitchFamily="34" charset="0"/>
+                <a:ea typeface="Times New Roman" panose="02020603050405020304" pitchFamily="18" charset="0"/>
+                <a:cs typeface="Times New Roman" panose="02020603050405020304" pitchFamily="18" charset="0"/>
+              </a:rPr>
+              <a:t>FALTA UM slide definindo e falando da </a:t>
+            </a:r>
+            <a:r>
+              <a:rPr lang="pt-BR" sz="1800" dirty="0" err="1">
+                <a:solidFill>
+                  <a:srgbClr val="FF0000"/>
+                </a:solidFill>
+                <a:effectLst/>
+                <a:latin typeface="Arial" panose="020B0604020202020204" pitchFamily="34" charset="0"/>
+                <a:ea typeface="Times New Roman" panose="02020603050405020304" pitchFamily="18" charset="0"/>
+                <a:cs typeface="Times New Roman" panose="02020603050405020304" pitchFamily="18" charset="0"/>
+              </a:rPr>
+              <a:t>importancia</a:t>
+            </a:r>
+            <a:endParaRPr lang="pt-BR" sz="1800" dirty="0">
+              <a:solidFill>
+                <a:srgbClr val="FF0000"/>
+              </a:solidFill>
+              <a:effectLst/>
+              <a:latin typeface="Arial" panose="020B0604020202020204" pitchFamily="34" charset="0"/>
+              <a:ea typeface="Times New Roman" panose="02020603050405020304" pitchFamily="18" charset="0"/>
+              <a:cs typeface="Times New Roman" panose="02020603050405020304" pitchFamily="18" charset="0"/>
+            </a:endParaRPr>
+          </a:p>
+        </p:txBody>
+      </p:sp>
+      <p:pic>
+        <p:nvPicPr>
+          <p:cNvPr id="4098" name="Picture 2" descr="Political Instability - Baker Tilly">
+            <a:extLst>
+              <a:ext uri="{FF2B5EF4-FFF2-40B4-BE49-F238E27FC236}">
+                <a16:creationId xmlns:a16="http://schemas.microsoft.com/office/drawing/2014/main" id="{B2F38AC6-6A79-4B00-B24E-32F4F60AD30B}"/>
+              </a:ext>
+            </a:extLst>
+          </p:cNvPr>
+          <p:cNvPicPr>
+            <a:picLocks noChangeAspect="1" noChangeArrowheads="1"/>
+          </p:cNvPicPr>
+          <p:nvPr/>
+        </p:nvPicPr>
+        <p:blipFill>
+          <a:blip r:embed="rId2">
+            <a:extLst>
+              <a:ext uri="{28A0092B-C50C-407E-A947-70E740481C1C}">
+                <a14:useLocalDpi xmlns:a14="http://schemas.microsoft.com/office/drawing/2010/main" val="0"/>
+              </a:ext>
+            </a:extLst>
+          </a:blip>
+          <a:srcRect/>
+          <a:stretch>
+            <a:fillRect/>
+          </a:stretch>
+        </p:blipFill>
+        <p:spPr bwMode="auto">
+          <a:xfrm>
+            <a:off x="4224057" y="3429000"/>
+            <a:ext cx="4462743" cy="2376266"/>
+          </a:xfrm>
+          <a:prstGeom prst="rect">
+            <a:avLst/>
+          </a:prstGeom>
+          <a:noFill/>
+          <a:extLst>
+            <a:ext uri="{909E8E84-426E-40DD-AFC4-6F175D3DCCD1}">
+              <a14:hiddenFill xmlns:a14="http://schemas.microsoft.com/office/drawing/2010/main">
+                <a:solidFill>
+                  <a:srgbClr val="FFFFFF"/>
+                </a:solidFill>
+              </a14:hiddenFill>
+            </a:ext>
+          </a:extLst>
+        </p:spPr>
+      </p:pic>
     </p:spTree>
     <p:extLst>
       <p:ext uri="{BB962C8B-B14F-4D97-AF65-F5344CB8AC3E}">
-        <p14:creationId xmlns:p14="http://schemas.microsoft.com/office/powerpoint/2010/main" val="2364961408"/>
+        <p14:creationId xmlns:p14="http://schemas.microsoft.com/office/powerpoint/2010/main" val="2141427308"/>
       </p:ext>
     </p:extLst>
   </p:cSld>
@@ -2401,6 +3150,524 @@
       </p:grpSpPr>
       <p:sp>
         <p:nvSpPr>
+          <p:cNvPr id="2" name="Título 1"/>
+          <p:cNvSpPr>
+            <a:spLocks noGrp="1"/>
+          </p:cNvSpPr>
+          <p:nvPr>
+            <p:ph type="title"/>
+          </p:nvPr>
+        </p:nvSpPr>
+        <p:spPr/>
+        <p:txBody>
+          <a:bodyPr/>
+          <a:lstStyle/>
+          <a:p>
+            <a:r>
+              <a:rPr lang="pt-BR" dirty="0"/>
+              <a:t>Introdução</a:t>
+            </a:r>
+          </a:p>
+        </p:txBody>
+      </p:sp>
+      <p:sp>
+        <p:nvSpPr>
+          <p:cNvPr id="3" name="Espaço Reservado para Conteúdo 2"/>
+          <p:cNvSpPr>
+            <a:spLocks noGrp="1"/>
+          </p:cNvSpPr>
+          <p:nvPr>
+            <p:ph idx="1"/>
+          </p:nvPr>
+        </p:nvSpPr>
+        <p:spPr/>
+        <p:txBody>
+          <a:bodyPr>
+            <a:normAutofit/>
+          </a:bodyPr>
+          <a:lstStyle/>
+          <a:p>
+            <a:pPr indent="228600" algn="just">
+              <a:lnSpc>
+                <a:spcPct val="150000"/>
+              </a:lnSpc>
+              <a:spcAft>
+                <a:spcPts val="600"/>
+              </a:spcAft>
+            </a:pPr>
+            <a:r>
+              <a:rPr lang="pt-BR" sz="1800" dirty="0">
+                <a:effectLst/>
+                <a:latin typeface="Arial" panose="020B0604020202020204" pitchFamily="34" charset="0"/>
+                <a:ea typeface="Times New Roman" panose="02020603050405020304" pitchFamily="18" charset="0"/>
+                <a:cs typeface="Times New Roman" panose="02020603050405020304" pitchFamily="18" charset="0"/>
+              </a:rPr>
+              <a:t>Nesse contexto, será que: </a:t>
+            </a:r>
+            <a:r>
+              <a:rPr lang="pt-BR" sz="1800" b="1" dirty="0">
+                <a:effectLst/>
+                <a:latin typeface="Arial" panose="020B0604020202020204" pitchFamily="34" charset="0"/>
+                <a:ea typeface="Times New Roman" panose="02020603050405020304" pitchFamily="18" charset="0"/>
+                <a:cs typeface="Times New Roman" panose="02020603050405020304" pitchFamily="18" charset="0"/>
+              </a:rPr>
+              <a:t>existe relação entre a percepção de instabilidade dos indivíduos com a percepção de satisfação na Engenharia de Software? E com o burnout? Essas relações são positivas ou negativas?</a:t>
+            </a:r>
+            <a:endParaRPr lang="pt-BR" sz="1800" dirty="0">
+              <a:effectLst/>
+              <a:latin typeface="Times" panose="02020603050405020304" pitchFamily="18" charset="0"/>
+              <a:ea typeface="Times New Roman" panose="02020603050405020304" pitchFamily="18" charset="0"/>
+              <a:cs typeface="Times New Roman" panose="02020603050405020304" pitchFamily="18" charset="0"/>
+            </a:endParaRPr>
+          </a:p>
+        </p:txBody>
+      </p:sp>
+      <p:pic>
+        <p:nvPicPr>
+          <p:cNvPr id="4" name="Picture 2" descr="question mark - Wiktionary">
+            <a:extLst>
+              <a:ext uri="{FF2B5EF4-FFF2-40B4-BE49-F238E27FC236}">
+                <a16:creationId xmlns:a16="http://schemas.microsoft.com/office/drawing/2014/main" id="{F321575D-7898-40BA-8DD0-AAA643F35747}"/>
+              </a:ext>
+            </a:extLst>
+          </p:cNvPr>
+          <p:cNvPicPr>
+            <a:picLocks noChangeAspect="1" noChangeArrowheads="1"/>
+          </p:cNvPicPr>
+          <p:nvPr/>
+        </p:nvPicPr>
+        <p:blipFill>
+          <a:blip r:embed="rId2" cstate="print">
+            <a:extLst>
+              <a:ext uri="{28A0092B-C50C-407E-A947-70E740481C1C}">
+                <a14:useLocalDpi xmlns:a14="http://schemas.microsoft.com/office/drawing/2010/main" val="0"/>
+              </a:ext>
+            </a:extLst>
+          </a:blip>
+          <a:srcRect/>
+          <a:stretch>
+            <a:fillRect/>
+          </a:stretch>
+        </p:blipFill>
+        <p:spPr bwMode="auto">
+          <a:xfrm>
+            <a:off x="4067944" y="4293316"/>
+            <a:ext cx="2079105" cy="2079105"/>
+          </a:xfrm>
+          <a:prstGeom prst="rect">
+            <a:avLst/>
+          </a:prstGeom>
+          <a:noFill/>
+          <a:extLst>
+            <a:ext uri="{909E8E84-426E-40DD-AFC4-6F175D3DCCD1}">
+              <a14:hiddenFill xmlns:a14="http://schemas.microsoft.com/office/drawing/2010/main">
+                <a:solidFill>
+                  <a:srgbClr val="FFFFFF"/>
+                </a:solidFill>
+              </a14:hiddenFill>
+            </a:ext>
+          </a:extLst>
+        </p:spPr>
+      </p:pic>
+    </p:spTree>
+    <p:extLst>
+      <p:ext uri="{BB962C8B-B14F-4D97-AF65-F5344CB8AC3E}">
+        <p14:creationId xmlns:p14="http://schemas.microsoft.com/office/powerpoint/2010/main" val="1177293194"/>
+      </p:ext>
+    </p:extLst>
+  </p:cSld>
+  <p:clrMapOvr>
+    <a:masterClrMapping/>
+  </p:clrMapOvr>
+</p:sld>
+</file>
+
+<file path=ppt/slides/slide17.xml><?xml version="1.0" encoding="utf-8"?>
+<p:sld xmlns:a="http://schemas.openxmlformats.org/drawingml/2006/main" xmlns:r="http://schemas.openxmlformats.org/officeDocument/2006/relationships" xmlns:p="http://schemas.openxmlformats.org/presentationml/2006/main">
+  <p:cSld>
+    <p:spTree>
+      <p:nvGrpSpPr>
+        <p:cNvPr id="1" name=""/>
+        <p:cNvGrpSpPr/>
+        <p:nvPr/>
+      </p:nvGrpSpPr>
+      <p:grpSpPr>
+        <a:xfrm>
+          <a:off x="0" y="0"/>
+          <a:ext cx="0" cy="0"/>
+          <a:chOff x="0" y="0"/>
+          <a:chExt cx="0" cy="0"/>
+        </a:xfrm>
+      </p:grpSpPr>
+      <p:sp>
+        <p:nvSpPr>
+          <p:cNvPr id="2" name="Título 1">
+            <a:extLst>
+              <a:ext uri="{FF2B5EF4-FFF2-40B4-BE49-F238E27FC236}">
+                <a16:creationId xmlns:a16="http://schemas.microsoft.com/office/drawing/2014/main" id="{1AC5E6FF-D9E3-41C4-9A2E-BA1B07FD1BB3}"/>
+              </a:ext>
+            </a:extLst>
+          </p:cNvPr>
+          <p:cNvSpPr>
+            <a:spLocks noGrp="1"/>
+          </p:cNvSpPr>
+          <p:nvPr>
+            <p:ph type="title"/>
+          </p:nvPr>
+        </p:nvSpPr>
+        <p:spPr/>
+        <p:txBody>
+          <a:bodyPr/>
+          <a:lstStyle/>
+          <a:p>
+            <a:r>
+              <a:rPr lang="pt-BR" dirty="0"/>
+              <a:t>Objetivos</a:t>
+            </a:r>
+          </a:p>
+        </p:txBody>
+      </p:sp>
+      <p:sp>
+        <p:nvSpPr>
+          <p:cNvPr id="3" name="Espaço Reservado para Conteúdo 2">
+            <a:extLst>
+              <a:ext uri="{FF2B5EF4-FFF2-40B4-BE49-F238E27FC236}">
+                <a16:creationId xmlns:a16="http://schemas.microsoft.com/office/drawing/2014/main" id="{40F53813-4243-4409-AB7E-EB368A0479E2}"/>
+              </a:ext>
+            </a:extLst>
+          </p:cNvPr>
+          <p:cNvSpPr>
+            <a:spLocks noGrp="1"/>
+          </p:cNvSpPr>
+          <p:nvPr>
+            <p:ph idx="1"/>
+          </p:nvPr>
+        </p:nvSpPr>
+        <p:spPr/>
+        <p:txBody>
+          <a:bodyPr>
+            <a:normAutofit fontScale="77500" lnSpcReduction="20000"/>
+          </a:bodyPr>
+          <a:lstStyle/>
+          <a:p>
+            <a:pPr indent="228600" algn="just">
+              <a:lnSpc>
+                <a:spcPct val="150000"/>
+              </a:lnSpc>
+              <a:spcAft>
+                <a:spcPts val="600"/>
+              </a:spcAft>
+            </a:pPr>
+            <a:r>
+              <a:rPr lang="pt-BR" sz="1800" dirty="0">
+                <a:effectLst/>
+                <a:latin typeface="Arial" panose="020B0604020202020204" pitchFamily="34" charset="0"/>
+                <a:ea typeface="Times New Roman" panose="02020603050405020304" pitchFamily="18" charset="0"/>
+                <a:cs typeface="Times New Roman" panose="02020603050405020304" pitchFamily="18" charset="0"/>
+              </a:rPr>
+              <a:t>OG: </a:t>
+            </a:r>
+            <a:r>
+              <a:rPr lang="pt-BR" sz="1800" b="1" dirty="0">
+                <a:effectLst/>
+                <a:latin typeface="Arial" panose="020B0604020202020204" pitchFamily="34" charset="0"/>
+                <a:ea typeface="Times New Roman" panose="02020603050405020304" pitchFamily="18" charset="0"/>
+                <a:cs typeface="Times New Roman" panose="02020603050405020304" pitchFamily="18" charset="0"/>
+              </a:rPr>
+              <a:t>Investigar as relações entre a adaptabilidade individual, a satisfação com o trabalho, a instabilidade e o </a:t>
+            </a:r>
+            <a:r>
+              <a:rPr lang="pt-BR" sz="1800" b="1" dirty="0" err="1">
+                <a:effectLst/>
+                <a:latin typeface="Arial" panose="020B0604020202020204" pitchFamily="34" charset="0"/>
+                <a:ea typeface="Times New Roman" panose="02020603050405020304" pitchFamily="18" charset="0"/>
+                <a:cs typeface="Times New Roman" panose="02020603050405020304" pitchFamily="18" charset="0"/>
+              </a:rPr>
+              <a:t>burnout</a:t>
+            </a:r>
+            <a:r>
+              <a:rPr lang="pt-BR" sz="1800" b="1" dirty="0">
+                <a:effectLst/>
+                <a:latin typeface="Arial" panose="020B0604020202020204" pitchFamily="34" charset="0"/>
+                <a:ea typeface="Times New Roman" panose="02020603050405020304" pitchFamily="18" charset="0"/>
+                <a:cs typeface="Times New Roman" panose="02020603050405020304" pitchFamily="18" charset="0"/>
+              </a:rPr>
+              <a:t> na percepção dos membros de equipes de software.</a:t>
+            </a:r>
+            <a:endParaRPr lang="pt-BR" sz="1800" dirty="0">
+              <a:effectLst/>
+              <a:latin typeface="Times" panose="02020603050405020304" pitchFamily="18" charset="0"/>
+              <a:ea typeface="Times New Roman" panose="02020603050405020304" pitchFamily="18" charset="0"/>
+              <a:cs typeface="Times New Roman" panose="02020603050405020304" pitchFamily="18" charset="0"/>
+            </a:endParaRPr>
+          </a:p>
+          <a:p>
+            <a:pPr indent="228600" algn="just">
+              <a:lnSpc>
+                <a:spcPct val="150000"/>
+              </a:lnSpc>
+              <a:spcAft>
+                <a:spcPts val="600"/>
+              </a:spcAft>
+            </a:pPr>
+            <a:r>
+              <a:rPr lang="pt-BR" sz="1800" dirty="0">
+                <a:effectLst/>
+                <a:latin typeface="Arial" panose="020B0604020202020204" pitchFamily="34" charset="0"/>
+                <a:ea typeface="Times New Roman" panose="02020603050405020304" pitchFamily="18" charset="0"/>
+                <a:cs typeface="Times New Roman" panose="02020603050405020304" pitchFamily="18" charset="0"/>
+              </a:rPr>
+              <a:t>Para responder a esta questão, este trabalho se propõe a realizar os seguintes objetivos específicos (OE): </a:t>
+            </a:r>
+            <a:endParaRPr lang="pt-BR" sz="1800" dirty="0">
+              <a:effectLst/>
+              <a:latin typeface="Times" panose="02020603050405020304" pitchFamily="18" charset="0"/>
+              <a:ea typeface="Times New Roman" panose="02020603050405020304" pitchFamily="18" charset="0"/>
+              <a:cs typeface="Times New Roman" panose="02020603050405020304" pitchFamily="18" charset="0"/>
+            </a:endParaRPr>
+          </a:p>
+          <a:p>
+            <a:pPr indent="228600" algn="just">
+              <a:lnSpc>
+                <a:spcPct val="150000"/>
+              </a:lnSpc>
+              <a:spcAft>
+                <a:spcPts val="600"/>
+              </a:spcAft>
+            </a:pPr>
+            <a:r>
+              <a:rPr lang="pt-BR" sz="1800" i="1" dirty="0">
+                <a:effectLst/>
+                <a:latin typeface="Arial" panose="020B0604020202020204" pitchFamily="34" charset="0"/>
+                <a:ea typeface="Times New Roman" panose="02020603050405020304" pitchFamily="18" charset="0"/>
+                <a:cs typeface="Times New Roman" panose="02020603050405020304" pitchFamily="18" charset="0"/>
+              </a:rPr>
+              <a:t>OE1.Traduzir para o português e validar uma escala sobre adaptabilidade individual na Engenharia de Software;</a:t>
+            </a:r>
+            <a:endParaRPr lang="pt-BR" sz="1800" dirty="0">
+              <a:effectLst/>
+              <a:latin typeface="Times" panose="02020603050405020304" pitchFamily="18" charset="0"/>
+              <a:ea typeface="Times New Roman" panose="02020603050405020304" pitchFamily="18" charset="0"/>
+              <a:cs typeface="Times New Roman" panose="02020603050405020304" pitchFamily="18" charset="0"/>
+            </a:endParaRPr>
+          </a:p>
+          <a:p>
+            <a:pPr indent="228600" algn="just">
+              <a:lnSpc>
+                <a:spcPct val="150000"/>
+              </a:lnSpc>
+              <a:spcAft>
+                <a:spcPts val="600"/>
+              </a:spcAft>
+            </a:pPr>
+            <a:r>
+              <a:rPr lang="pt-BR" sz="1800" i="1" dirty="0">
+                <a:effectLst/>
+                <a:latin typeface="Arial" panose="020B0604020202020204" pitchFamily="34" charset="0"/>
+                <a:ea typeface="Times New Roman" panose="02020603050405020304" pitchFamily="18" charset="0"/>
+                <a:cs typeface="Times New Roman" panose="02020603050405020304" pitchFamily="18" charset="0"/>
+              </a:rPr>
+              <a:t>OE2. Desenvolver e validar uma escala sobre instabilidade para a Engenharia de Software;</a:t>
+            </a:r>
+            <a:endParaRPr lang="pt-BR" sz="1800" dirty="0">
+              <a:effectLst/>
+              <a:latin typeface="Times" panose="02020603050405020304" pitchFamily="18" charset="0"/>
+              <a:ea typeface="Times New Roman" panose="02020603050405020304" pitchFamily="18" charset="0"/>
+              <a:cs typeface="Times New Roman" panose="02020603050405020304" pitchFamily="18" charset="0"/>
+            </a:endParaRPr>
+          </a:p>
+          <a:p>
+            <a:pPr indent="228600" algn="just">
+              <a:lnSpc>
+                <a:spcPct val="150000"/>
+              </a:lnSpc>
+              <a:spcAft>
+                <a:spcPts val="600"/>
+              </a:spcAft>
+            </a:pPr>
+            <a:r>
+              <a:rPr lang="pt-BR" sz="1800" i="1" dirty="0">
+                <a:effectLst/>
+                <a:latin typeface="Arial" panose="020B0604020202020204" pitchFamily="34" charset="0"/>
+                <a:ea typeface="Times New Roman" panose="02020603050405020304" pitchFamily="18" charset="0"/>
+                <a:cs typeface="Times New Roman" panose="02020603050405020304" pitchFamily="18" charset="0"/>
+              </a:rPr>
+              <a:t>OE3. Avaliar a significância das relações entre a adaptabilidade individual, satisfação com o trabalho, instabilidade, Burnout na Engenharia de Software e suas respectivas positividades e negatividades.</a:t>
+            </a:r>
+            <a:endParaRPr lang="pt-BR" sz="1800" dirty="0">
+              <a:effectLst/>
+              <a:latin typeface="Times" panose="02020603050405020304" pitchFamily="18" charset="0"/>
+              <a:ea typeface="Times New Roman" panose="02020603050405020304" pitchFamily="18" charset="0"/>
+              <a:cs typeface="Times New Roman" panose="02020603050405020304" pitchFamily="18" charset="0"/>
+            </a:endParaRPr>
+          </a:p>
+          <a:p>
+            <a:endParaRPr lang="pt-BR" dirty="0"/>
+          </a:p>
+        </p:txBody>
+      </p:sp>
+      <p:pic>
+        <p:nvPicPr>
+          <p:cNvPr id="12290" name="Picture 2" descr="Strategic Objectives | BDO Ideas at work">
+            <a:extLst>
+              <a:ext uri="{FF2B5EF4-FFF2-40B4-BE49-F238E27FC236}">
+                <a16:creationId xmlns:a16="http://schemas.microsoft.com/office/drawing/2014/main" id="{4F71832A-9026-4A18-AE2F-615CC90F8459}"/>
+              </a:ext>
+            </a:extLst>
+          </p:cNvPr>
+          <p:cNvPicPr>
+            <a:picLocks noChangeAspect="1" noChangeArrowheads="1"/>
+          </p:cNvPicPr>
+          <p:nvPr/>
+        </p:nvPicPr>
+        <p:blipFill>
+          <a:blip r:embed="rId2">
+            <a:extLst>
+              <a:ext uri="{28A0092B-C50C-407E-A947-70E740481C1C}">
+                <a14:useLocalDpi xmlns:a14="http://schemas.microsoft.com/office/drawing/2010/main" val="0"/>
+              </a:ext>
+            </a:extLst>
+          </a:blip>
+          <a:srcRect/>
+          <a:stretch>
+            <a:fillRect/>
+          </a:stretch>
+        </p:blipFill>
+        <p:spPr bwMode="auto">
+          <a:xfrm>
+            <a:off x="6732240" y="163462"/>
+            <a:ext cx="2047875" cy="2228850"/>
+          </a:xfrm>
+          <a:prstGeom prst="rect">
+            <a:avLst/>
+          </a:prstGeom>
+          <a:noFill/>
+          <a:extLst>
+            <a:ext uri="{909E8E84-426E-40DD-AFC4-6F175D3DCCD1}">
+              <a14:hiddenFill xmlns:a14="http://schemas.microsoft.com/office/drawing/2010/main">
+                <a:solidFill>
+                  <a:srgbClr val="FFFFFF"/>
+                </a:solidFill>
+              </a14:hiddenFill>
+            </a:ext>
+          </a:extLst>
+        </p:spPr>
+      </p:pic>
+    </p:spTree>
+    <p:extLst>
+      <p:ext uri="{BB962C8B-B14F-4D97-AF65-F5344CB8AC3E}">
+        <p14:creationId xmlns:p14="http://schemas.microsoft.com/office/powerpoint/2010/main" val="1103949343"/>
+      </p:ext>
+    </p:extLst>
+  </p:cSld>
+  <p:clrMapOvr>
+    <a:masterClrMapping/>
+  </p:clrMapOvr>
+</p:sld>
+</file>
+
+<file path=ppt/slides/slide18.xml><?xml version="1.0" encoding="utf-8"?>
+<p:sld xmlns:a="http://schemas.openxmlformats.org/drawingml/2006/main" xmlns:r="http://schemas.openxmlformats.org/officeDocument/2006/relationships" xmlns:p="http://schemas.openxmlformats.org/presentationml/2006/main">
+  <p:cSld>
+    <p:spTree>
+      <p:nvGrpSpPr>
+        <p:cNvPr id="1" name=""/>
+        <p:cNvGrpSpPr/>
+        <p:nvPr/>
+      </p:nvGrpSpPr>
+      <p:grpSpPr>
+        <a:xfrm>
+          <a:off x="0" y="0"/>
+          <a:ext cx="0" cy="0"/>
+          <a:chOff x="0" y="0"/>
+          <a:chExt cx="0" cy="0"/>
+        </a:xfrm>
+      </p:grpSpPr>
+      <p:sp>
+        <p:nvSpPr>
+          <p:cNvPr id="2" name="Título 1">
+            <a:extLst>
+              <a:ext uri="{FF2B5EF4-FFF2-40B4-BE49-F238E27FC236}">
+                <a16:creationId xmlns:a16="http://schemas.microsoft.com/office/drawing/2014/main" id="{1AC5E6FF-D9E3-41C4-9A2E-BA1B07FD1BB3}"/>
+              </a:ext>
+            </a:extLst>
+          </p:cNvPr>
+          <p:cNvSpPr>
+            <a:spLocks noGrp="1"/>
+          </p:cNvSpPr>
+          <p:nvPr>
+            <p:ph type="title"/>
+          </p:nvPr>
+        </p:nvSpPr>
+        <p:spPr/>
+        <p:txBody>
+          <a:bodyPr/>
+          <a:lstStyle/>
+          <a:p>
+            <a:r>
+              <a:rPr lang="pt-BR" dirty="0"/>
+              <a:t>Referencial teórico - Adaptação</a:t>
+            </a:r>
+          </a:p>
+        </p:txBody>
+      </p:sp>
+      <p:sp>
+        <p:nvSpPr>
+          <p:cNvPr id="3" name="Espaço Reservado para Conteúdo 2">
+            <a:extLst>
+              <a:ext uri="{FF2B5EF4-FFF2-40B4-BE49-F238E27FC236}">
+                <a16:creationId xmlns:a16="http://schemas.microsoft.com/office/drawing/2014/main" id="{40F53813-4243-4409-AB7E-EB368A0479E2}"/>
+              </a:ext>
+            </a:extLst>
+          </p:cNvPr>
+          <p:cNvSpPr>
+            <a:spLocks noGrp="1"/>
+          </p:cNvSpPr>
+          <p:nvPr>
+            <p:ph idx="1"/>
+          </p:nvPr>
+        </p:nvSpPr>
+        <p:spPr/>
+        <p:txBody>
+          <a:bodyPr/>
+          <a:lstStyle/>
+          <a:p>
+            <a:endParaRPr lang="pt-BR"/>
+          </a:p>
+        </p:txBody>
+      </p:sp>
+    </p:spTree>
+    <p:extLst>
+      <p:ext uri="{BB962C8B-B14F-4D97-AF65-F5344CB8AC3E}">
+        <p14:creationId xmlns:p14="http://schemas.microsoft.com/office/powerpoint/2010/main" val="2364961408"/>
+      </p:ext>
+    </p:extLst>
+  </p:cSld>
+  <p:clrMapOvr>
+    <a:masterClrMapping/>
+  </p:clrMapOvr>
+</p:sld>
+</file>
+
+<file path=ppt/slides/slide19.xml><?xml version="1.0" encoding="utf-8"?>
+<p:sld xmlns:a="http://schemas.openxmlformats.org/drawingml/2006/main" xmlns:r="http://schemas.openxmlformats.org/officeDocument/2006/relationships" xmlns:p="http://schemas.openxmlformats.org/presentationml/2006/main">
+  <p:cSld>
+    <p:spTree>
+      <p:nvGrpSpPr>
+        <p:cNvPr id="1" name=""/>
+        <p:cNvGrpSpPr/>
+        <p:nvPr/>
+      </p:nvGrpSpPr>
+      <p:grpSpPr>
+        <a:xfrm>
+          <a:off x="0" y="0"/>
+          <a:ext cx="0" cy="0"/>
+          <a:chOff x="0" y="0"/>
+          <a:chExt cx="0" cy="0"/>
+        </a:xfrm>
+      </p:grpSpPr>
+      <p:sp>
+        <p:nvSpPr>
           <p:cNvPr id="2" name="Título 1">
             <a:extLst>
               <a:ext uri="{FF2B5EF4-FFF2-40B4-BE49-F238E27FC236}">
@@ -2520,7 +3787,147 @@
 </p:sld>
 </file>
 
-<file path=ppt/slides/slide17.xml><?xml version="1.0" encoding="utf-8"?>
+<file path=ppt/slides/slide2.xml><?xml version="1.0" encoding="utf-8"?>
+<p:sld xmlns:a="http://schemas.openxmlformats.org/drawingml/2006/main" xmlns:r="http://schemas.openxmlformats.org/officeDocument/2006/relationships" xmlns:p="http://schemas.openxmlformats.org/presentationml/2006/main">
+  <p:cSld>
+    <p:spTree>
+      <p:nvGrpSpPr>
+        <p:cNvPr id="1" name=""/>
+        <p:cNvGrpSpPr/>
+        <p:nvPr/>
+      </p:nvGrpSpPr>
+      <p:grpSpPr>
+        <a:xfrm>
+          <a:off x="0" y="0"/>
+          <a:ext cx="0" cy="0"/>
+          <a:chOff x="0" y="0"/>
+          <a:chExt cx="0" cy="0"/>
+        </a:xfrm>
+      </p:grpSpPr>
+      <p:sp>
+        <p:nvSpPr>
+          <p:cNvPr id="2" name="Título 1">
+            <a:extLst>
+              <a:ext uri="{FF2B5EF4-FFF2-40B4-BE49-F238E27FC236}">
+                <a16:creationId xmlns:a16="http://schemas.microsoft.com/office/drawing/2014/main" id="{604D2A8D-3E6A-4B10-B358-19015E394F5A}"/>
+              </a:ext>
+            </a:extLst>
+          </p:cNvPr>
+          <p:cNvSpPr>
+            <a:spLocks noGrp="1"/>
+          </p:cNvSpPr>
+          <p:nvPr>
+            <p:ph type="title"/>
+          </p:nvPr>
+        </p:nvSpPr>
+        <p:spPr/>
+        <p:txBody>
+          <a:bodyPr/>
+          <a:lstStyle/>
+          <a:p>
+            <a:r>
+              <a:rPr lang="pt-BR" dirty="0"/>
+              <a:t>Sumário</a:t>
+            </a:r>
+          </a:p>
+        </p:txBody>
+      </p:sp>
+      <p:sp>
+        <p:nvSpPr>
+          <p:cNvPr id="3" name="Espaço Reservado para Conteúdo 2">
+            <a:extLst>
+              <a:ext uri="{FF2B5EF4-FFF2-40B4-BE49-F238E27FC236}">
+                <a16:creationId xmlns:a16="http://schemas.microsoft.com/office/drawing/2014/main" id="{43C87612-A7C4-42B9-866F-4AEB293A5B70}"/>
+              </a:ext>
+            </a:extLst>
+          </p:cNvPr>
+          <p:cNvSpPr>
+            <a:spLocks noGrp="1"/>
+          </p:cNvSpPr>
+          <p:nvPr>
+            <p:ph idx="1"/>
+          </p:nvPr>
+        </p:nvSpPr>
+        <p:spPr/>
+        <p:txBody>
+          <a:bodyPr>
+            <a:normAutofit lnSpcReduction="10000"/>
+          </a:bodyPr>
+          <a:lstStyle/>
+          <a:p>
+            <a:r>
+              <a:rPr lang="pt-BR" dirty="0"/>
+              <a:t>Introdução</a:t>
+            </a:r>
+          </a:p>
+          <a:p>
+            <a:r>
+              <a:rPr lang="pt-BR" dirty="0"/>
+              <a:t>Objetivos</a:t>
+            </a:r>
+          </a:p>
+          <a:p>
+            <a:r>
+              <a:rPr lang="pt-BR" dirty="0"/>
+              <a:t>Referencial</a:t>
+            </a:r>
+          </a:p>
+          <a:p>
+            <a:r>
+              <a:rPr lang="pt-BR" dirty="0"/>
+              <a:t>Hipótese </a:t>
+            </a:r>
+          </a:p>
+          <a:p>
+            <a:r>
+              <a:rPr lang="pt-BR" dirty="0"/>
+              <a:t>Procedimentos metodológicos</a:t>
+            </a:r>
+          </a:p>
+          <a:p>
+            <a:r>
+              <a:rPr lang="pt-BR" dirty="0"/>
+              <a:t>Resultados</a:t>
+            </a:r>
+          </a:p>
+          <a:p>
+            <a:r>
+              <a:rPr lang="pt-BR" dirty="0"/>
+              <a:t>Conclusões </a:t>
+            </a:r>
+          </a:p>
+          <a:p>
+            <a:r>
+              <a:rPr lang="pt-BR"/>
+              <a:t>Trabalhos futuros</a:t>
+            </a:r>
+            <a:endParaRPr lang="pt-BR" dirty="0"/>
+          </a:p>
+          <a:p>
+            <a:endParaRPr lang="pt-BR" dirty="0"/>
+          </a:p>
+          <a:p>
+            <a:endParaRPr lang="pt-BR" dirty="0"/>
+          </a:p>
+          <a:p>
+            <a:endParaRPr lang="pt-BR" dirty="0"/>
+          </a:p>
+        </p:txBody>
+      </p:sp>
+    </p:spTree>
+    <p:extLst>
+      <p:ext uri="{BB962C8B-B14F-4D97-AF65-F5344CB8AC3E}">
+        <p14:creationId xmlns:p14="http://schemas.microsoft.com/office/powerpoint/2010/main" val="2327405242"/>
+      </p:ext>
+    </p:extLst>
+  </p:cSld>
+  <p:clrMapOvr>
+    <a:masterClrMapping/>
+  </p:clrMapOvr>
+</p:sld>
+</file>
+
+<file path=ppt/slides/slide20.xml><?xml version="1.0" encoding="utf-8"?>
 <p:sld xmlns:a="http://schemas.openxmlformats.org/drawingml/2006/main" xmlns:r="http://schemas.openxmlformats.org/officeDocument/2006/relationships" xmlns:p="http://schemas.openxmlformats.org/presentationml/2006/main">
   <p:cSld>
     <p:spTree>
@@ -2606,7 +4013,7 @@
 </p:sld>
 </file>
 
-<file path=ppt/slides/slide18.xml><?xml version="1.0" encoding="utf-8"?>
+<file path=ppt/slides/slide21.xml><?xml version="1.0" encoding="utf-8"?>
 <p:sld xmlns:a="http://schemas.openxmlformats.org/drawingml/2006/main" xmlns:r="http://schemas.openxmlformats.org/officeDocument/2006/relationships" xmlns:p="http://schemas.openxmlformats.org/presentationml/2006/main">
   <p:cSld>
     <p:spTree>
@@ -2800,7 +4207,7 @@
 </p:sld>
 </file>
 
-<file path=ppt/slides/slide19.xml><?xml version="1.0" encoding="utf-8"?>
+<file path=ppt/slides/slide22.xml><?xml version="1.0" encoding="utf-8"?>
 <p:sld xmlns:a="http://schemas.openxmlformats.org/drawingml/2006/main" xmlns:r="http://schemas.openxmlformats.org/officeDocument/2006/relationships" xmlns:p="http://schemas.openxmlformats.org/presentationml/2006/main">
   <p:cSld>
     <p:spTree>
@@ -2883,147 +4290,7 @@
 </p:sld>
 </file>
 
-<file path=ppt/slides/slide2.xml><?xml version="1.0" encoding="utf-8"?>
-<p:sld xmlns:a="http://schemas.openxmlformats.org/drawingml/2006/main" xmlns:r="http://schemas.openxmlformats.org/officeDocument/2006/relationships" xmlns:p="http://schemas.openxmlformats.org/presentationml/2006/main">
-  <p:cSld>
-    <p:spTree>
-      <p:nvGrpSpPr>
-        <p:cNvPr id="1" name=""/>
-        <p:cNvGrpSpPr/>
-        <p:nvPr/>
-      </p:nvGrpSpPr>
-      <p:grpSpPr>
-        <a:xfrm>
-          <a:off x="0" y="0"/>
-          <a:ext cx="0" cy="0"/>
-          <a:chOff x="0" y="0"/>
-          <a:chExt cx="0" cy="0"/>
-        </a:xfrm>
-      </p:grpSpPr>
-      <p:sp>
-        <p:nvSpPr>
-          <p:cNvPr id="2" name="Título 1">
-            <a:extLst>
-              <a:ext uri="{FF2B5EF4-FFF2-40B4-BE49-F238E27FC236}">
-                <a16:creationId xmlns:a16="http://schemas.microsoft.com/office/drawing/2014/main" id="{604D2A8D-3E6A-4B10-B358-19015E394F5A}"/>
-              </a:ext>
-            </a:extLst>
-          </p:cNvPr>
-          <p:cNvSpPr>
-            <a:spLocks noGrp="1"/>
-          </p:cNvSpPr>
-          <p:nvPr>
-            <p:ph type="title"/>
-          </p:nvPr>
-        </p:nvSpPr>
-        <p:spPr/>
-        <p:txBody>
-          <a:bodyPr/>
-          <a:lstStyle/>
-          <a:p>
-            <a:r>
-              <a:rPr lang="pt-BR" dirty="0"/>
-              <a:t>Sumário</a:t>
-            </a:r>
-          </a:p>
-        </p:txBody>
-      </p:sp>
-      <p:sp>
-        <p:nvSpPr>
-          <p:cNvPr id="3" name="Espaço Reservado para Conteúdo 2">
-            <a:extLst>
-              <a:ext uri="{FF2B5EF4-FFF2-40B4-BE49-F238E27FC236}">
-                <a16:creationId xmlns:a16="http://schemas.microsoft.com/office/drawing/2014/main" id="{43C87612-A7C4-42B9-866F-4AEB293A5B70}"/>
-              </a:ext>
-            </a:extLst>
-          </p:cNvPr>
-          <p:cNvSpPr>
-            <a:spLocks noGrp="1"/>
-          </p:cNvSpPr>
-          <p:nvPr>
-            <p:ph idx="1"/>
-          </p:nvPr>
-        </p:nvSpPr>
-        <p:spPr/>
-        <p:txBody>
-          <a:bodyPr>
-            <a:normAutofit lnSpcReduction="10000"/>
-          </a:bodyPr>
-          <a:lstStyle/>
-          <a:p>
-            <a:r>
-              <a:rPr lang="pt-BR" dirty="0"/>
-              <a:t>Introdução</a:t>
-            </a:r>
-          </a:p>
-          <a:p>
-            <a:r>
-              <a:rPr lang="pt-BR" dirty="0"/>
-              <a:t>Objetivos</a:t>
-            </a:r>
-          </a:p>
-          <a:p>
-            <a:r>
-              <a:rPr lang="pt-BR" dirty="0"/>
-              <a:t>Referencial</a:t>
-            </a:r>
-          </a:p>
-          <a:p>
-            <a:r>
-              <a:rPr lang="pt-BR" dirty="0"/>
-              <a:t>Hipótese </a:t>
-            </a:r>
-          </a:p>
-          <a:p>
-            <a:r>
-              <a:rPr lang="pt-BR" dirty="0"/>
-              <a:t>Procedimentos metodológicos</a:t>
-            </a:r>
-          </a:p>
-          <a:p>
-            <a:r>
-              <a:rPr lang="pt-BR" dirty="0"/>
-              <a:t>Resultados</a:t>
-            </a:r>
-          </a:p>
-          <a:p>
-            <a:r>
-              <a:rPr lang="pt-BR" dirty="0"/>
-              <a:t>Conclusões </a:t>
-            </a:r>
-          </a:p>
-          <a:p>
-            <a:r>
-              <a:rPr lang="pt-BR"/>
-              <a:t>Trabalhos futuros</a:t>
-            </a:r>
-            <a:endParaRPr lang="pt-BR" dirty="0"/>
-          </a:p>
-          <a:p>
-            <a:endParaRPr lang="pt-BR" dirty="0"/>
-          </a:p>
-          <a:p>
-            <a:endParaRPr lang="pt-BR" dirty="0"/>
-          </a:p>
-          <a:p>
-            <a:endParaRPr lang="pt-BR" dirty="0"/>
-          </a:p>
-        </p:txBody>
-      </p:sp>
-    </p:spTree>
-    <p:extLst>
-      <p:ext uri="{BB962C8B-B14F-4D97-AF65-F5344CB8AC3E}">
-        <p14:creationId xmlns:p14="http://schemas.microsoft.com/office/powerpoint/2010/main" val="2327405242"/>
-      </p:ext>
-    </p:extLst>
-  </p:cSld>
-  <p:clrMapOvr>
-    <a:masterClrMapping/>
-  </p:clrMapOvr>
-</p:sld>
-</file>
-
-<file path=ppt/slides/slide20.xml><?xml version="1.0" encoding="utf-8"?>
+<file path=ppt/slides/slide23.xml><?xml version="1.0" encoding="utf-8"?>
 <p:sld xmlns:a="http://schemas.openxmlformats.org/drawingml/2006/main" xmlns:r="http://schemas.openxmlformats.org/officeDocument/2006/relationships" xmlns:p="http://schemas.openxmlformats.org/presentationml/2006/main">
   <p:cSld>
     <p:spTree>
@@ -3113,7 +4380,7 @@
 </p:sld>
 </file>
 
-<file path=ppt/slides/slide21.xml><?xml version="1.0" encoding="utf-8"?>
+<file path=ppt/slides/slide24.xml><?xml version="1.0" encoding="utf-8"?>
 <p:sld xmlns:a="http://schemas.openxmlformats.org/drawingml/2006/main" xmlns:r="http://schemas.openxmlformats.org/officeDocument/2006/relationships" xmlns:p="http://schemas.openxmlformats.org/presentationml/2006/main">
   <p:cSld>
     <p:spTree>
@@ -3196,7 +4463,7 @@
 </p:sld>
 </file>
 
-<file path=ppt/slides/slide22.xml><?xml version="1.0" encoding="utf-8"?>
+<file path=ppt/slides/slide25.xml><?xml version="1.0" encoding="utf-8"?>
 <p:sld xmlns:a="http://schemas.openxmlformats.org/drawingml/2006/main" xmlns:r="http://schemas.openxmlformats.org/officeDocument/2006/relationships" xmlns:p="http://schemas.openxmlformats.org/presentationml/2006/main">
   <p:cSld>
     <p:spTree>
@@ -3457,7 +4724,7 @@
 </p:sld>
 </file>
 
-<file path=ppt/slides/slide23.xml><?xml version="1.0" encoding="utf-8"?>
+<file path=ppt/slides/slide26.xml><?xml version="1.0" encoding="utf-8"?>
 <p:sld xmlns:a="http://schemas.openxmlformats.org/drawingml/2006/main" xmlns:r="http://schemas.openxmlformats.org/officeDocument/2006/relationships" xmlns:p="http://schemas.openxmlformats.org/presentationml/2006/main">
   <p:cSld>
     <p:spTree>
@@ -3547,479 +4814,6 @@
 </p:sld>
 </file>
 
-<file path=ppt/slides/slide24.xml><?xml version="1.0" encoding="utf-8"?>
-<p:sld xmlns:a="http://schemas.openxmlformats.org/drawingml/2006/main" xmlns:r="http://schemas.openxmlformats.org/officeDocument/2006/relationships" xmlns:p="http://schemas.openxmlformats.org/presentationml/2006/main">
-  <p:cSld>
-    <p:spTree>
-      <p:nvGrpSpPr>
-        <p:cNvPr id="1" name=""/>
-        <p:cNvGrpSpPr/>
-        <p:nvPr/>
-      </p:nvGrpSpPr>
-      <p:grpSpPr>
-        <a:xfrm>
-          <a:off x="0" y="0"/>
-          <a:ext cx="0" cy="0"/>
-          <a:chOff x="0" y="0"/>
-          <a:chExt cx="0" cy="0"/>
-        </a:xfrm>
-      </p:grpSpPr>
-      <p:sp>
-        <p:nvSpPr>
-          <p:cNvPr id="2" name="Título 1">
-            <a:extLst>
-              <a:ext uri="{FF2B5EF4-FFF2-40B4-BE49-F238E27FC236}">
-                <a16:creationId xmlns:a16="http://schemas.microsoft.com/office/drawing/2014/main" id="{1AC5E6FF-D9E3-41C4-9A2E-BA1B07FD1BB3}"/>
-              </a:ext>
-            </a:extLst>
-          </p:cNvPr>
-          <p:cNvSpPr>
-            <a:spLocks noGrp="1"/>
-          </p:cNvSpPr>
-          <p:nvPr>
-            <p:ph type="title"/>
-          </p:nvPr>
-        </p:nvSpPr>
-        <p:spPr/>
-        <p:txBody>
-          <a:bodyPr/>
-          <a:lstStyle/>
-          <a:p>
-            <a:r>
-              <a:rPr lang="pt-BR" dirty="0"/>
-              <a:t>Referencial teórico – Burnout</a:t>
-            </a:r>
-          </a:p>
-        </p:txBody>
-      </p:sp>
-      <p:sp>
-        <p:nvSpPr>
-          <p:cNvPr id="3" name="Espaço Reservado para Conteúdo 2">
-            <a:extLst>
-              <a:ext uri="{FF2B5EF4-FFF2-40B4-BE49-F238E27FC236}">
-                <a16:creationId xmlns:a16="http://schemas.microsoft.com/office/drawing/2014/main" id="{40F53813-4243-4409-AB7E-EB368A0479E2}"/>
-              </a:ext>
-            </a:extLst>
-          </p:cNvPr>
-          <p:cNvSpPr>
-            <a:spLocks noGrp="1"/>
-          </p:cNvSpPr>
-          <p:nvPr>
-            <p:ph idx="1"/>
-          </p:nvPr>
-        </p:nvSpPr>
-        <p:spPr/>
-        <p:txBody>
-          <a:bodyPr/>
-          <a:lstStyle/>
-          <a:p>
-            <a:r>
-              <a:rPr lang="pt-BR" sz="1800" dirty="0" err="1">
-                <a:effectLst/>
-                <a:latin typeface="Arial" panose="020B0604020202020204" pitchFamily="34" charset="0"/>
-                <a:ea typeface="Times New Roman" panose="02020603050405020304" pitchFamily="18" charset="0"/>
-                <a:cs typeface="Times New Roman" panose="02020603050405020304" pitchFamily="18" charset="0"/>
-              </a:rPr>
-              <a:t>Freudenberger</a:t>
-            </a:r>
-            <a:r>
-              <a:rPr lang="pt-BR" sz="1800" dirty="0">
-                <a:effectLst/>
-                <a:latin typeface="Arial" panose="020B0604020202020204" pitchFamily="34" charset="0"/>
-                <a:ea typeface="Times New Roman" panose="02020603050405020304" pitchFamily="18" charset="0"/>
-                <a:cs typeface="Times New Roman" panose="02020603050405020304" pitchFamily="18" charset="0"/>
-              </a:rPr>
-              <a:t> realizou um dos primeiros estudos sobre o fenômeno e o definiu como um sentimento de fracasso e exaustão causado por um excessivo desgaste de energia e recursos (FREUDENBERGER, 1974). Posteriormente, </a:t>
-            </a:r>
-            <a:r>
-              <a:rPr lang="pt-BR" sz="1800" dirty="0" err="1">
-                <a:effectLst/>
-                <a:latin typeface="Arial" panose="020B0604020202020204" pitchFamily="34" charset="0"/>
-                <a:ea typeface="Times New Roman" panose="02020603050405020304" pitchFamily="18" charset="0"/>
-                <a:cs typeface="Times New Roman" panose="02020603050405020304" pitchFamily="18" charset="0"/>
-              </a:rPr>
-              <a:t>Freudenberger</a:t>
-            </a:r>
-            <a:r>
-              <a:rPr lang="pt-BR" sz="1800" dirty="0">
-                <a:effectLst/>
-                <a:latin typeface="Arial" panose="020B0604020202020204" pitchFamily="34" charset="0"/>
-                <a:ea typeface="Times New Roman" panose="02020603050405020304" pitchFamily="18" charset="0"/>
-                <a:cs typeface="Times New Roman" panose="02020603050405020304" pitchFamily="18" charset="0"/>
-              </a:rPr>
-              <a:t> complementou seus estudos, incluindo em sua definição comportamentos de fadiga, depressão, irritabilidade, aborrecimento, sobrecarga de trabalho, rigidez e inflexibilidade.</a:t>
-            </a:r>
-            <a:endParaRPr lang="pt-BR" sz="1800" dirty="0">
-              <a:effectLst/>
-              <a:latin typeface="Times" panose="02020603050405020304" pitchFamily="18" charset="0"/>
-              <a:ea typeface="Times New Roman" panose="02020603050405020304" pitchFamily="18" charset="0"/>
-              <a:cs typeface="Times New Roman" panose="02020603050405020304" pitchFamily="18" charset="0"/>
-            </a:endParaRPr>
-          </a:p>
-          <a:p>
-            <a:endParaRPr lang="pt-BR" dirty="0"/>
-          </a:p>
-        </p:txBody>
-      </p:sp>
-    </p:spTree>
-    <p:extLst>
-      <p:ext uri="{BB962C8B-B14F-4D97-AF65-F5344CB8AC3E}">
-        <p14:creationId xmlns:p14="http://schemas.microsoft.com/office/powerpoint/2010/main" val="2707072824"/>
-      </p:ext>
-    </p:extLst>
-  </p:cSld>
-  <p:clrMapOvr>
-    <a:masterClrMapping/>
-  </p:clrMapOvr>
-</p:sld>
-</file>
-
-<file path=ppt/slides/slide25.xml><?xml version="1.0" encoding="utf-8"?>
-<p:sld xmlns:a="http://schemas.openxmlformats.org/drawingml/2006/main" xmlns:r="http://schemas.openxmlformats.org/officeDocument/2006/relationships" xmlns:p="http://schemas.openxmlformats.org/presentationml/2006/main">
-  <p:cSld>
-    <p:spTree>
-      <p:nvGrpSpPr>
-        <p:cNvPr id="1" name=""/>
-        <p:cNvGrpSpPr/>
-        <p:nvPr/>
-      </p:nvGrpSpPr>
-      <p:grpSpPr>
-        <a:xfrm>
-          <a:off x="0" y="0"/>
-          <a:ext cx="0" cy="0"/>
-          <a:chOff x="0" y="0"/>
-          <a:chExt cx="0" cy="0"/>
-        </a:xfrm>
-      </p:grpSpPr>
-      <p:sp>
-        <p:nvSpPr>
-          <p:cNvPr id="2" name="Título 1">
-            <a:extLst>
-              <a:ext uri="{FF2B5EF4-FFF2-40B4-BE49-F238E27FC236}">
-                <a16:creationId xmlns:a16="http://schemas.microsoft.com/office/drawing/2014/main" id="{1AC5E6FF-D9E3-41C4-9A2E-BA1B07FD1BB3}"/>
-              </a:ext>
-            </a:extLst>
-          </p:cNvPr>
-          <p:cNvSpPr>
-            <a:spLocks noGrp="1"/>
-          </p:cNvSpPr>
-          <p:nvPr>
-            <p:ph type="title"/>
-          </p:nvPr>
-        </p:nvSpPr>
-        <p:spPr/>
-        <p:txBody>
-          <a:bodyPr/>
-          <a:lstStyle/>
-          <a:p>
-            <a:r>
-              <a:rPr lang="pt-BR" dirty="0"/>
-              <a:t>Referencial teórico – Burnout</a:t>
-            </a:r>
-          </a:p>
-        </p:txBody>
-      </p:sp>
-      <p:sp>
-        <p:nvSpPr>
-          <p:cNvPr id="3" name="Espaço Reservado para Conteúdo 2">
-            <a:extLst>
-              <a:ext uri="{FF2B5EF4-FFF2-40B4-BE49-F238E27FC236}">
-                <a16:creationId xmlns:a16="http://schemas.microsoft.com/office/drawing/2014/main" id="{40F53813-4243-4409-AB7E-EB368A0479E2}"/>
-              </a:ext>
-            </a:extLst>
-          </p:cNvPr>
-          <p:cNvSpPr>
-            <a:spLocks noGrp="1"/>
-          </p:cNvSpPr>
-          <p:nvPr>
-            <p:ph idx="1"/>
-          </p:nvPr>
-        </p:nvSpPr>
-        <p:spPr/>
-        <p:txBody>
-          <a:bodyPr/>
-          <a:lstStyle/>
-          <a:p>
-            <a:r>
-              <a:rPr lang="en-US" sz="1800" dirty="0">
-                <a:effectLst/>
-                <a:latin typeface="Arial" panose="020B0604020202020204" pitchFamily="34" charset="0"/>
-                <a:ea typeface="Times New Roman" panose="02020603050405020304" pitchFamily="18" charset="0"/>
-              </a:rPr>
-              <a:t>Para Maslach, Schaufeli, Leiter (2001), o burnout é </a:t>
-            </a:r>
-            <a:r>
-              <a:rPr lang="en-US" sz="1800" dirty="0" err="1">
-                <a:effectLst/>
-                <a:latin typeface="Arial" panose="020B0604020202020204" pitchFamily="34" charset="0"/>
-                <a:ea typeface="Times New Roman" panose="02020603050405020304" pitchFamily="18" charset="0"/>
-              </a:rPr>
-              <a:t>constituído</a:t>
-            </a:r>
-            <a:r>
-              <a:rPr lang="en-US" sz="1800" dirty="0">
-                <a:effectLst/>
-                <a:latin typeface="Arial" panose="020B0604020202020204" pitchFamily="34" charset="0"/>
-                <a:ea typeface="Times New Roman" panose="02020603050405020304" pitchFamily="18" charset="0"/>
-              </a:rPr>
-              <a:t> por </a:t>
-            </a:r>
-            <a:r>
-              <a:rPr lang="en-US" sz="1800" dirty="0" err="1">
-                <a:effectLst/>
-                <a:latin typeface="Arial" panose="020B0604020202020204" pitchFamily="34" charset="0"/>
-                <a:ea typeface="Times New Roman" panose="02020603050405020304" pitchFamily="18" charset="0"/>
-              </a:rPr>
-              <a:t>três</a:t>
-            </a:r>
-            <a:r>
-              <a:rPr lang="en-US" sz="1800" dirty="0">
-                <a:effectLst/>
-                <a:latin typeface="Arial" panose="020B0604020202020204" pitchFamily="34" charset="0"/>
-                <a:ea typeface="Times New Roman" panose="02020603050405020304" pitchFamily="18" charset="0"/>
-              </a:rPr>
-              <a:t> </a:t>
-            </a:r>
-            <a:r>
-              <a:rPr lang="en-US" sz="1800" dirty="0" err="1">
-                <a:effectLst/>
-                <a:latin typeface="Arial" panose="020B0604020202020204" pitchFamily="34" charset="0"/>
-                <a:ea typeface="Times New Roman" panose="02020603050405020304" pitchFamily="18" charset="0"/>
-              </a:rPr>
-              <a:t>dimensões</a:t>
-            </a:r>
-            <a:r>
-              <a:rPr lang="en-US" sz="1800" dirty="0">
-                <a:effectLst/>
-                <a:latin typeface="Arial" panose="020B0604020202020204" pitchFamily="34" charset="0"/>
-                <a:ea typeface="Times New Roman" panose="02020603050405020304" pitchFamily="18" charset="0"/>
-              </a:rPr>
-              <a:t> que </a:t>
-            </a:r>
-            <a:r>
-              <a:rPr lang="en-US" sz="1800" dirty="0" err="1">
-                <a:effectLst/>
-                <a:latin typeface="Arial" panose="020B0604020202020204" pitchFamily="34" charset="0"/>
-                <a:ea typeface="Times New Roman" panose="02020603050405020304" pitchFamily="18" charset="0"/>
-              </a:rPr>
-              <a:t>estão</a:t>
-            </a:r>
-            <a:r>
-              <a:rPr lang="en-US" sz="1800" dirty="0">
-                <a:effectLst/>
-                <a:latin typeface="Arial" panose="020B0604020202020204" pitchFamily="34" charset="0"/>
-                <a:ea typeface="Times New Roman" panose="02020603050405020304" pitchFamily="18" charset="0"/>
-              </a:rPr>
-              <a:t> </a:t>
-            </a:r>
-            <a:r>
-              <a:rPr lang="en-US" sz="1800" dirty="0" err="1">
-                <a:effectLst/>
-                <a:latin typeface="Arial" panose="020B0604020202020204" pitchFamily="34" charset="0"/>
-                <a:ea typeface="Times New Roman" panose="02020603050405020304" pitchFamily="18" charset="0"/>
-              </a:rPr>
-              <a:t>relacionadas</a:t>
-            </a:r>
-            <a:r>
-              <a:rPr lang="en-US" sz="1800" dirty="0">
-                <a:effectLst/>
-                <a:latin typeface="Arial" panose="020B0604020202020204" pitchFamily="34" charset="0"/>
-                <a:ea typeface="Times New Roman" panose="02020603050405020304" pitchFamily="18" charset="0"/>
-              </a:rPr>
-              <a:t>, mas </a:t>
-            </a:r>
-            <a:r>
-              <a:rPr lang="en-US" sz="1800" dirty="0" err="1">
-                <a:effectLst/>
-                <a:latin typeface="Arial" panose="020B0604020202020204" pitchFamily="34" charset="0"/>
-                <a:ea typeface="Times New Roman" panose="02020603050405020304" pitchFamily="18" charset="0"/>
-              </a:rPr>
-              <a:t>atuam</a:t>
-            </a:r>
-            <a:r>
-              <a:rPr lang="en-US" sz="1800" dirty="0">
-                <a:effectLst/>
-                <a:latin typeface="Arial" panose="020B0604020202020204" pitchFamily="34" charset="0"/>
-                <a:ea typeface="Times New Roman" panose="02020603050405020304" pitchFamily="18" charset="0"/>
-              </a:rPr>
-              <a:t> de forma </a:t>
-            </a:r>
-            <a:r>
-              <a:rPr lang="en-US" sz="1800" dirty="0" err="1">
-                <a:effectLst/>
-                <a:latin typeface="Arial" panose="020B0604020202020204" pitchFamily="34" charset="0"/>
-                <a:ea typeface="Times New Roman" panose="02020603050405020304" pitchFamily="18" charset="0"/>
-              </a:rPr>
-              <a:t>independente</a:t>
-            </a:r>
-            <a:r>
-              <a:rPr lang="en-US" sz="1800" dirty="0">
-                <a:effectLst/>
-                <a:latin typeface="Arial" panose="020B0604020202020204" pitchFamily="34" charset="0"/>
-                <a:ea typeface="Times New Roman" panose="02020603050405020304" pitchFamily="18" charset="0"/>
-              </a:rPr>
-              <a:t>. </a:t>
-            </a:r>
-            <a:r>
-              <a:rPr lang="pt-BR" sz="1800" dirty="0">
-                <a:effectLst/>
-                <a:latin typeface="Arial" panose="020B0604020202020204" pitchFamily="34" charset="0"/>
-                <a:ea typeface="Times New Roman" panose="02020603050405020304" pitchFamily="18" charset="0"/>
-              </a:rPr>
-              <a:t>A primeira dimensão é a de exaustão emocional que tem como principal característica a ausência ou carência de entusiasmo e energia, além de sentimento de esgotamento de recursos pelo indivíduo.</a:t>
-            </a:r>
-            <a:endParaRPr lang="pt-BR" dirty="0"/>
-          </a:p>
-        </p:txBody>
-      </p:sp>
-    </p:spTree>
-    <p:extLst>
-      <p:ext uri="{BB962C8B-B14F-4D97-AF65-F5344CB8AC3E}">
-        <p14:creationId xmlns:p14="http://schemas.microsoft.com/office/powerpoint/2010/main" val="2548549935"/>
-      </p:ext>
-    </p:extLst>
-  </p:cSld>
-  <p:clrMapOvr>
-    <a:masterClrMapping/>
-  </p:clrMapOvr>
-</p:sld>
-</file>
-
-<file path=ppt/slides/slide26.xml><?xml version="1.0" encoding="utf-8"?>
-<p:sld xmlns:a="http://schemas.openxmlformats.org/drawingml/2006/main" xmlns:r="http://schemas.openxmlformats.org/officeDocument/2006/relationships" xmlns:p="http://schemas.openxmlformats.org/presentationml/2006/main">
-  <p:cSld>
-    <p:spTree>
-      <p:nvGrpSpPr>
-        <p:cNvPr id="1" name=""/>
-        <p:cNvGrpSpPr/>
-        <p:nvPr/>
-      </p:nvGrpSpPr>
-      <p:grpSpPr>
-        <a:xfrm>
-          <a:off x="0" y="0"/>
-          <a:ext cx="0" cy="0"/>
-          <a:chOff x="0" y="0"/>
-          <a:chExt cx="0" cy="0"/>
-        </a:xfrm>
-      </p:grpSpPr>
-      <p:sp>
-        <p:nvSpPr>
-          <p:cNvPr id="2" name="Título 1">
-            <a:extLst>
-              <a:ext uri="{FF2B5EF4-FFF2-40B4-BE49-F238E27FC236}">
-                <a16:creationId xmlns:a16="http://schemas.microsoft.com/office/drawing/2014/main" id="{1AC5E6FF-D9E3-41C4-9A2E-BA1B07FD1BB3}"/>
-              </a:ext>
-            </a:extLst>
-          </p:cNvPr>
-          <p:cNvSpPr>
-            <a:spLocks noGrp="1"/>
-          </p:cNvSpPr>
-          <p:nvPr>
-            <p:ph type="title"/>
-          </p:nvPr>
-        </p:nvSpPr>
-        <p:spPr/>
-        <p:txBody>
-          <a:bodyPr/>
-          <a:lstStyle/>
-          <a:p>
-            <a:r>
-              <a:rPr lang="pt-BR" dirty="0"/>
-              <a:t>Referencial teórico – Burnout</a:t>
-            </a:r>
-          </a:p>
-        </p:txBody>
-      </p:sp>
-      <p:sp>
-        <p:nvSpPr>
-          <p:cNvPr id="3" name="Espaço Reservado para Conteúdo 2">
-            <a:extLst>
-              <a:ext uri="{FF2B5EF4-FFF2-40B4-BE49-F238E27FC236}">
-                <a16:creationId xmlns:a16="http://schemas.microsoft.com/office/drawing/2014/main" id="{40F53813-4243-4409-AB7E-EB368A0479E2}"/>
-              </a:ext>
-            </a:extLst>
-          </p:cNvPr>
-          <p:cNvSpPr>
-            <a:spLocks noGrp="1"/>
-          </p:cNvSpPr>
-          <p:nvPr>
-            <p:ph idx="1"/>
-          </p:nvPr>
-        </p:nvSpPr>
-        <p:spPr/>
-        <p:txBody>
-          <a:bodyPr/>
-          <a:lstStyle/>
-          <a:p>
-            <a:pPr indent="270510" algn="just">
-              <a:lnSpc>
-                <a:spcPct val="150000"/>
-              </a:lnSpc>
-              <a:spcAft>
-                <a:spcPts val="600"/>
-              </a:spcAft>
-            </a:pPr>
-            <a:r>
-              <a:rPr lang="pt-BR" sz="1800" dirty="0">
-                <a:effectLst/>
-                <a:latin typeface="Arial" panose="020B0604020202020204" pitchFamily="34" charset="0"/>
-                <a:ea typeface="Times New Roman" panose="02020603050405020304" pitchFamily="18" charset="0"/>
-                <a:cs typeface="Times New Roman" panose="02020603050405020304" pitchFamily="18" charset="0"/>
-              </a:rPr>
-              <a:t>A segunda dimensão é a de despersonalização, também chamada de cinismo, que é caracterizada pela situação em que o indivíduo passa a tratar os outros indivíduos ao redor do seu trabalho, como clientes e colegas de trabalho, como objetos, desenvolvendo, assim, uma insensibilidade emocional. Isso ocorre porque g</a:t>
-            </a:r>
-            <a:r>
-              <a:rPr lang="pt-BR" sz="1800" dirty="0">
-                <a:effectLst/>
-                <a:latin typeface="Arial" panose="020B0604020202020204" pitchFamily="34" charset="0"/>
-                <a:ea typeface="Calibri" panose="020F0502020204030204" pitchFamily="34" charset="0"/>
-                <a:cs typeface="Times New Roman" panose="02020603050405020304" pitchFamily="18" charset="0"/>
-              </a:rPr>
-              <a:t>eralmente se desenvolve uma resposta à sobrecarga de exaustão emocional que leva ao desapego ao outro, desenvolvendo, assim, a segunda dimensão do </a:t>
-            </a:r>
-            <a:r>
-              <a:rPr lang="pt-BR" sz="1800" dirty="0" err="1">
-                <a:effectLst/>
-                <a:latin typeface="Arial" panose="020B0604020202020204" pitchFamily="34" charset="0"/>
-                <a:ea typeface="Calibri" panose="020F0502020204030204" pitchFamily="34" charset="0"/>
-                <a:cs typeface="Times New Roman" panose="02020603050405020304" pitchFamily="18" charset="0"/>
-              </a:rPr>
-              <a:t>burnout</a:t>
-            </a:r>
-            <a:r>
-              <a:rPr lang="pt-BR" sz="1800" dirty="0">
-                <a:effectLst/>
-                <a:latin typeface="Arial" panose="020B0604020202020204" pitchFamily="34" charset="0"/>
-                <a:ea typeface="Calibri" panose="020F0502020204030204" pitchFamily="34" charset="0"/>
-                <a:cs typeface="Times New Roman" panose="02020603050405020304" pitchFamily="18" charset="0"/>
-              </a:rPr>
-              <a:t> (MASLACH; LEITER, 2016).</a:t>
-            </a:r>
-            <a:endParaRPr lang="pt-BR" sz="1800" dirty="0">
-              <a:effectLst/>
-              <a:latin typeface="Times" panose="02020603050405020304" pitchFamily="18" charset="0"/>
-              <a:ea typeface="Times New Roman" panose="02020603050405020304" pitchFamily="18" charset="0"/>
-              <a:cs typeface="Times New Roman" panose="02020603050405020304" pitchFamily="18" charset="0"/>
-            </a:endParaRPr>
-          </a:p>
-          <a:p>
-            <a:endParaRPr lang="pt-BR" dirty="0"/>
-          </a:p>
-        </p:txBody>
-      </p:sp>
-    </p:spTree>
-    <p:extLst>
-      <p:ext uri="{BB962C8B-B14F-4D97-AF65-F5344CB8AC3E}">
-        <p14:creationId xmlns:p14="http://schemas.microsoft.com/office/powerpoint/2010/main" val="1990910908"/>
-      </p:ext>
-    </p:extLst>
-  </p:cSld>
-  <p:clrMapOvr>
-    <a:masterClrMapping/>
-  </p:clrMapOvr>
-</p:sld>
-</file>
-
 <file path=ppt/slides/slide27.xml><?xml version="1.0" encoding="utf-8"?>
 <p:sld xmlns:a="http://schemas.openxmlformats.org/drawingml/2006/main" xmlns:r="http://schemas.openxmlformats.org/officeDocument/2006/relationships" xmlns:p="http://schemas.openxmlformats.org/presentationml/2006/main">
   <p:cSld>
@@ -4086,14 +4880,15 @@
           <a:bodyPr/>
           <a:lstStyle/>
           <a:p>
-            <a:pPr indent="270510" algn="just">
-              <a:lnSpc>
-                <a:spcPct val="150000"/>
-              </a:lnSpc>
-              <a:spcAft>
-                <a:spcPts val="600"/>
-              </a:spcAft>
-            </a:pPr>
+            <a:r>
+              <a:rPr lang="pt-BR" sz="1800" dirty="0" err="1">
+                <a:effectLst/>
+                <a:latin typeface="Arial" panose="020B0604020202020204" pitchFamily="34" charset="0"/>
+                <a:ea typeface="Times New Roman" panose="02020603050405020304" pitchFamily="18" charset="0"/>
+                <a:cs typeface="Times New Roman" panose="02020603050405020304" pitchFamily="18" charset="0"/>
+              </a:rPr>
+              <a:t>Freudenberger</a:t>
+            </a:r>
             <a:r>
               <a:rPr lang="pt-BR" sz="1800" dirty="0">
                 <a:effectLst/>
@@ -4101,34 +4896,25 @@
                 <a:ea typeface="Times New Roman" panose="02020603050405020304" pitchFamily="18" charset="0"/>
                 <a:cs typeface="Times New Roman" panose="02020603050405020304" pitchFamily="18" charset="0"/>
               </a:rPr>
-              <a:t>A segunda dimensão é a de despersonalização, também chamada de cinismo, que é caracterizada pela situação em que o indivíduo passa a tratar os outros indivíduos ao redor do seu trabalho, como clientes e colegas de trabalho, como objetos, desenvolvendo, assim, uma insensibilidade emocional. Isso ocorre porque g</a:t>
+              <a:t> realizou um dos primeiros estudos sobre o fenômeno e o definiu como um sentimento de fracasso e exaustão causado por um excessivo desgaste de energia e recursos (FREUDENBERGER, 1974). Posteriormente, </a:t>
+            </a:r>
+            <a:r>
+              <a:rPr lang="pt-BR" sz="1800" dirty="0" err="1">
+                <a:effectLst/>
+                <a:latin typeface="Arial" panose="020B0604020202020204" pitchFamily="34" charset="0"/>
+                <a:ea typeface="Times New Roman" panose="02020603050405020304" pitchFamily="18" charset="0"/>
+                <a:cs typeface="Times New Roman" panose="02020603050405020304" pitchFamily="18" charset="0"/>
+              </a:rPr>
+              <a:t>Freudenberger</a:t>
             </a:r>
             <a:r>
               <a:rPr lang="pt-BR" sz="1800" dirty="0">
                 <a:effectLst/>
                 <a:latin typeface="Arial" panose="020B0604020202020204" pitchFamily="34" charset="0"/>
-                <a:ea typeface="Calibri" panose="020F0502020204030204" pitchFamily="34" charset="0"/>
-                <a:cs typeface="Times New Roman" panose="02020603050405020304" pitchFamily="18" charset="0"/>
-              </a:rPr>
-              <a:t>eralmente se desenvolve uma resposta à sobrecarga de exaustão emocional que leva ao desapego ao outro, desenvolvendo, assim, a segunda dimensão do </a:t>
-            </a:r>
-            <a:r>
-              <a:rPr lang="pt-BR" sz="1800" dirty="0" err="1">
-                <a:effectLst/>
-                <a:latin typeface="Arial" panose="020B0604020202020204" pitchFamily="34" charset="0"/>
-                <a:ea typeface="Calibri" panose="020F0502020204030204" pitchFamily="34" charset="0"/>
-                <a:cs typeface="Times New Roman" panose="02020603050405020304" pitchFamily="18" charset="0"/>
-              </a:rPr>
-              <a:t>burnout</a:t>
-            </a:r>
-            <a:r>
-              <a:rPr lang="pt-BR" sz="1800" dirty="0">
-                <a:effectLst/>
-                <a:latin typeface="Arial" panose="020B0604020202020204" pitchFamily="34" charset="0"/>
-                <a:ea typeface="Calibri" panose="020F0502020204030204" pitchFamily="34" charset="0"/>
-                <a:cs typeface="Times New Roman" panose="02020603050405020304" pitchFamily="18" charset="0"/>
-              </a:rPr>
-              <a:t> (MASLACH; LEITER, 2016).</a:t>
+                <a:ea typeface="Times New Roman" panose="02020603050405020304" pitchFamily="18" charset="0"/>
+                <a:cs typeface="Times New Roman" panose="02020603050405020304" pitchFamily="18" charset="0"/>
+              </a:rPr>
+              <a:t> complementou seus estudos, incluindo em sua definição comportamentos de fadiga, depressão, irritabilidade, aborrecimento, sobrecarga de trabalho, rigidez e inflexibilidade.</a:t>
             </a:r>
             <a:endParaRPr lang="pt-BR" sz="1800" dirty="0">
               <a:effectLst/>
@@ -4145,7 +4931,7 @@
     </p:spTree>
     <p:extLst>
       <p:ext uri="{BB962C8B-B14F-4D97-AF65-F5344CB8AC3E}">
-        <p14:creationId xmlns:p14="http://schemas.microsoft.com/office/powerpoint/2010/main" val="2109176160"/>
+        <p14:creationId xmlns:p14="http://schemas.microsoft.com/office/powerpoint/2010/main" val="2707072824"/>
       </p:ext>
     </p:extLst>
   </p:cSld>
@@ -4218,115 +5004,137 @@
         </p:nvSpPr>
         <p:spPr/>
         <p:txBody>
-          <a:bodyPr>
-            <a:normAutofit fontScale="77500" lnSpcReduction="20000"/>
-          </a:bodyPr>
-          <a:lstStyle/>
-          <a:p>
-            <a:pPr indent="270510" algn="just">
-              <a:lnSpc>
-                <a:spcPct val="150000"/>
-              </a:lnSpc>
-              <a:spcAft>
-                <a:spcPts val="600"/>
-              </a:spcAft>
-            </a:pPr>
+          <a:bodyPr/>
+          <a:lstStyle/>
+          <a:p>
+            <a:r>
+              <a:rPr lang="en-US" sz="1800" dirty="0">
+                <a:effectLst/>
+                <a:latin typeface="Arial" panose="020B0604020202020204" pitchFamily="34" charset="0"/>
+                <a:ea typeface="Times New Roman" panose="02020603050405020304" pitchFamily="18" charset="0"/>
+              </a:rPr>
+              <a:t>Para Maslach, Schaufeli, Leiter (2001), o burnout é </a:t>
+            </a:r>
+            <a:r>
+              <a:rPr lang="en-US" sz="1800" dirty="0" err="1">
+                <a:effectLst/>
+                <a:latin typeface="Arial" panose="020B0604020202020204" pitchFamily="34" charset="0"/>
+                <a:ea typeface="Times New Roman" panose="02020603050405020304" pitchFamily="18" charset="0"/>
+              </a:rPr>
+              <a:t>constituído</a:t>
+            </a:r>
+            <a:r>
+              <a:rPr lang="en-US" sz="1800" dirty="0">
+                <a:effectLst/>
+                <a:latin typeface="Arial" panose="020B0604020202020204" pitchFamily="34" charset="0"/>
+                <a:ea typeface="Times New Roman" panose="02020603050405020304" pitchFamily="18" charset="0"/>
+              </a:rPr>
+              <a:t> por </a:t>
+            </a:r>
+            <a:r>
+              <a:rPr lang="en-US" sz="1800" dirty="0" err="1">
+                <a:effectLst/>
+                <a:latin typeface="Arial" panose="020B0604020202020204" pitchFamily="34" charset="0"/>
+                <a:ea typeface="Times New Roman" panose="02020603050405020304" pitchFamily="18" charset="0"/>
+              </a:rPr>
+              <a:t>três</a:t>
+            </a:r>
+            <a:r>
+              <a:rPr lang="en-US" sz="1800" dirty="0">
+                <a:effectLst/>
+                <a:latin typeface="Arial" panose="020B0604020202020204" pitchFamily="34" charset="0"/>
+                <a:ea typeface="Times New Roman" panose="02020603050405020304" pitchFamily="18" charset="0"/>
+              </a:rPr>
+              <a:t> </a:t>
+            </a:r>
+            <a:r>
+              <a:rPr lang="en-US" sz="1800" dirty="0" err="1">
+                <a:effectLst/>
+                <a:latin typeface="Arial" panose="020B0604020202020204" pitchFamily="34" charset="0"/>
+                <a:ea typeface="Times New Roman" panose="02020603050405020304" pitchFamily="18" charset="0"/>
+              </a:rPr>
+              <a:t>dimensões</a:t>
+            </a:r>
+            <a:r>
+              <a:rPr lang="en-US" sz="1800" dirty="0">
+                <a:effectLst/>
+                <a:latin typeface="Arial" panose="020B0604020202020204" pitchFamily="34" charset="0"/>
+                <a:ea typeface="Times New Roman" panose="02020603050405020304" pitchFamily="18" charset="0"/>
+              </a:rPr>
+              <a:t> que </a:t>
+            </a:r>
+            <a:r>
+              <a:rPr lang="en-US" sz="1800" dirty="0" err="1">
+                <a:effectLst/>
+                <a:latin typeface="Arial" panose="020B0604020202020204" pitchFamily="34" charset="0"/>
+                <a:ea typeface="Times New Roman" panose="02020603050405020304" pitchFamily="18" charset="0"/>
+              </a:rPr>
+              <a:t>estão</a:t>
+            </a:r>
+            <a:r>
+              <a:rPr lang="en-US" sz="1800" dirty="0">
+                <a:effectLst/>
+                <a:latin typeface="Arial" panose="020B0604020202020204" pitchFamily="34" charset="0"/>
+                <a:ea typeface="Times New Roman" panose="02020603050405020304" pitchFamily="18" charset="0"/>
+              </a:rPr>
+              <a:t> </a:t>
+            </a:r>
+            <a:r>
+              <a:rPr lang="en-US" sz="1800" dirty="0" err="1">
+                <a:effectLst/>
+                <a:latin typeface="Arial" panose="020B0604020202020204" pitchFamily="34" charset="0"/>
+                <a:ea typeface="Times New Roman" panose="02020603050405020304" pitchFamily="18" charset="0"/>
+              </a:rPr>
+              <a:t>relacionadas</a:t>
+            </a:r>
+            <a:r>
+              <a:rPr lang="en-US" sz="1800" dirty="0">
+                <a:effectLst/>
+                <a:latin typeface="Arial" panose="020B0604020202020204" pitchFamily="34" charset="0"/>
+                <a:ea typeface="Times New Roman" panose="02020603050405020304" pitchFamily="18" charset="0"/>
+              </a:rPr>
+              <a:t>, mas </a:t>
+            </a:r>
+            <a:r>
+              <a:rPr lang="en-US" sz="1800" dirty="0" err="1">
+                <a:effectLst/>
+                <a:latin typeface="Arial" panose="020B0604020202020204" pitchFamily="34" charset="0"/>
+                <a:ea typeface="Times New Roman" panose="02020603050405020304" pitchFamily="18" charset="0"/>
+              </a:rPr>
+              <a:t>atuam</a:t>
+            </a:r>
+            <a:r>
+              <a:rPr lang="en-US" sz="1800" dirty="0">
+                <a:effectLst/>
+                <a:latin typeface="Arial" panose="020B0604020202020204" pitchFamily="34" charset="0"/>
+                <a:ea typeface="Times New Roman" panose="02020603050405020304" pitchFamily="18" charset="0"/>
+              </a:rPr>
+              <a:t> de forma </a:t>
+            </a:r>
+            <a:r>
+              <a:rPr lang="en-US" sz="1800" dirty="0" err="1">
+                <a:effectLst/>
+                <a:latin typeface="Arial" panose="020B0604020202020204" pitchFamily="34" charset="0"/>
+                <a:ea typeface="Times New Roman" panose="02020603050405020304" pitchFamily="18" charset="0"/>
+              </a:rPr>
+              <a:t>independente</a:t>
+            </a:r>
+            <a:r>
+              <a:rPr lang="en-US" sz="1800" dirty="0">
+                <a:effectLst/>
+                <a:latin typeface="Arial" panose="020B0604020202020204" pitchFamily="34" charset="0"/>
+                <a:ea typeface="Times New Roman" panose="02020603050405020304" pitchFamily="18" charset="0"/>
+              </a:rPr>
+              <a:t>. </a:t>
+            </a:r>
             <a:r>
               <a:rPr lang="pt-BR" sz="1800" dirty="0">
                 <a:effectLst/>
                 <a:latin typeface="Arial" panose="020B0604020202020204" pitchFamily="34" charset="0"/>
                 <a:ea typeface="Times New Roman" panose="02020603050405020304" pitchFamily="18" charset="0"/>
-                <a:cs typeface="Times New Roman" panose="02020603050405020304" pitchFamily="18" charset="0"/>
-              </a:rPr>
-              <a:t>A segunda dimensão é a de despersonalização, também chamada de cinismo, que é caracterizada pela situação em que o indivíduo passa a tratar os outros indivíduos ao redor do seu trabalho, como clientes e colegas de trabalho, como objetos, desenvolvendo, assim, uma insensibilidade emocional. Isso ocorre porque g</a:t>
-            </a:r>
-            <a:r>
-              <a:rPr lang="pt-BR" sz="1800" dirty="0">
-                <a:effectLst/>
-                <a:latin typeface="Arial" panose="020B0604020202020204" pitchFamily="34" charset="0"/>
-                <a:ea typeface="Calibri" panose="020F0502020204030204" pitchFamily="34" charset="0"/>
-                <a:cs typeface="Times New Roman" panose="02020603050405020304" pitchFamily="18" charset="0"/>
-              </a:rPr>
-              <a:t>eralmente se desenvolve uma resposta à sobrecarga de exaustão emocional que leva ao desapego ao outro, desenvolvendo, assim, a segunda dimensão do </a:t>
-            </a:r>
-            <a:r>
-              <a:rPr lang="pt-BR" sz="1800" dirty="0" err="1">
-                <a:effectLst/>
-                <a:latin typeface="Arial" panose="020B0604020202020204" pitchFamily="34" charset="0"/>
-                <a:ea typeface="Calibri" panose="020F0502020204030204" pitchFamily="34" charset="0"/>
-                <a:cs typeface="Times New Roman" panose="02020603050405020304" pitchFamily="18" charset="0"/>
-              </a:rPr>
-              <a:t>burnout</a:t>
-            </a:r>
-            <a:r>
-              <a:rPr lang="pt-BR" sz="1800" dirty="0">
-                <a:effectLst/>
-                <a:latin typeface="Arial" panose="020B0604020202020204" pitchFamily="34" charset="0"/>
-                <a:ea typeface="Calibri" panose="020F0502020204030204" pitchFamily="34" charset="0"/>
-                <a:cs typeface="Times New Roman" panose="02020603050405020304" pitchFamily="18" charset="0"/>
-              </a:rPr>
-              <a:t> (MASLACH; LEITER, 2016).</a:t>
-            </a:r>
-            <a:r>
-              <a:rPr lang="pt-BR" sz="1800" dirty="0">
-                <a:effectLst/>
-                <a:latin typeface="Arial" panose="020B0604020202020204" pitchFamily="34" charset="0"/>
-                <a:ea typeface="Times New Roman" panose="02020603050405020304" pitchFamily="18" charset="0"/>
-                <a:cs typeface="Times New Roman" panose="02020603050405020304" pitchFamily="18" charset="0"/>
-              </a:rPr>
-              <a:t> A terceira dimensão é da baixa realização pessoal no trabalho, também chamada de eficácia, que pode ser definida como uma tendência do trabalhador a se autoavaliar de forma negativa </a:t>
-            </a:r>
-            <a:r>
-              <a:rPr lang="pt-BR" sz="1800" dirty="0">
-                <a:effectLst/>
-                <a:latin typeface="Arial" panose="020B0604020202020204" pitchFamily="34" charset="0"/>
-                <a:ea typeface="Calibri" panose="020F0502020204030204" pitchFamily="34" charset="0"/>
-                <a:cs typeface="Times New Roman" panose="02020603050405020304" pitchFamily="18" charset="0"/>
-              </a:rPr>
-              <a:t>(MASLACH; LEITER, 2016)</a:t>
-            </a:r>
-            <a:r>
-              <a:rPr lang="pt-BR" sz="1800" dirty="0">
-                <a:effectLst/>
-                <a:latin typeface="Arial" panose="020B0604020202020204" pitchFamily="34" charset="0"/>
-                <a:ea typeface="Times New Roman" panose="02020603050405020304" pitchFamily="18" charset="0"/>
-                <a:cs typeface="Times New Roman" panose="02020603050405020304" pitchFamily="18" charset="0"/>
-              </a:rPr>
-              <a:t>. Os indivíduos se sentem insatisfeitos com seu desenvolvimento profissional e, infelizes consigo, experimentando um sentimento de que são incompetentes ao realizar seu trabalho, o</a:t>
-            </a:r>
-            <a:r>
-              <a:rPr lang="pt-BR" sz="1800" dirty="0">
-                <a:effectLst/>
-                <a:latin typeface="Arial" panose="020B0604020202020204" pitchFamily="34" charset="0"/>
-                <a:ea typeface="Calibri" panose="020F0502020204030204" pitchFamily="34" charset="0"/>
-                <a:cs typeface="Times New Roman" panose="02020603050405020304" pitchFamily="18" charset="0"/>
-              </a:rPr>
-              <a:t>u seja, as pessoas experimentam um sentimento crescente de que não têm habilidades e capacidades para realizar adequadamente seu trabalho. </a:t>
-            </a:r>
-            <a:endParaRPr lang="pt-BR" sz="1800" dirty="0">
-              <a:effectLst/>
-              <a:latin typeface="Times" panose="02020603050405020304" pitchFamily="18" charset="0"/>
-              <a:ea typeface="Times New Roman" panose="02020603050405020304" pitchFamily="18" charset="0"/>
-              <a:cs typeface="Times New Roman" panose="02020603050405020304" pitchFamily="18" charset="0"/>
-            </a:endParaRPr>
-          </a:p>
-          <a:p>
-            <a:pPr indent="270510" algn="just">
-              <a:lnSpc>
-                <a:spcPct val="150000"/>
-              </a:lnSpc>
-              <a:spcAft>
-                <a:spcPts val="600"/>
-              </a:spcAft>
-            </a:pPr>
-            <a:endParaRPr lang="pt-BR" sz="1800" dirty="0">
-              <a:effectLst/>
-              <a:latin typeface="Times" panose="02020603050405020304" pitchFamily="18" charset="0"/>
-              <a:ea typeface="Times New Roman" panose="02020603050405020304" pitchFamily="18" charset="0"/>
-              <a:cs typeface="Times New Roman" panose="02020603050405020304" pitchFamily="18" charset="0"/>
-            </a:endParaRPr>
-          </a:p>
-          <a:p>
+              </a:rPr>
+              <a:t>A primeira dimensão é a de exaustão emocional que tem como principal característica a ausência ou carência de entusiasmo e energia, além de sentimento de esgotamento de recursos pelo indivíduo.</a:t>
+            </a:r>
             <a:endParaRPr lang="pt-BR" dirty="0"/>
           </a:p>
         </p:txBody>
@@ -4334,7 +5142,7 @@
     </p:spTree>
     <p:extLst>
       <p:ext uri="{BB962C8B-B14F-4D97-AF65-F5344CB8AC3E}">
-        <p14:creationId xmlns:p14="http://schemas.microsoft.com/office/powerpoint/2010/main" val="3781356111"/>
+        <p14:creationId xmlns:p14="http://schemas.microsoft.com/office/powerpoint/2010/main" val="2548549935"/>
       </p:ext>
     </p:extLst>
   </p:cSld>
@@ -4407,19 +5215,16 @@
         </p:nvSpPr>
         <p:spPr/>
         <p:txBody>
-          <a:bodyPr>
-            <a:normAutofit/>
-          </a:bodyPr>
-          <a:lstStyle/>
-          <a:p>
-            <a:pPr indent="0" algn="just">
+          <a:bodyPr/>
+          <a:lstStyle/>
+          <a:p>
+            <a:pPr indent="270510" algn="just">
               <a:lnSpc>
                 <a:spcPct val="150000"/>
               </a:lnSpc>
               <a:spcAft>
                 <a:spcPts val="600"/>
               </a:spcAft>
-              <a:buNone/>
             </a:pPr>
             <a:r>
               <a:rPr lang="pt-BR" sz="1800" dirty="0">
@@ -4428,88 +5233,34 @@
                 <a:ea typeface="Times New Roman" panose="02020603050405020304" pitchFamily="18" charset="0"/>
                 <a:cs typeface="Times New Roman" panose="02020603050405020304" pitchFamily="18" charset="0"/>
               </a:rPr>
-              <a:t>De acordo com </a:t>
+              <a:t>A segunda dimensão é a de despersonalização, também chamada de cinismo, que é caracterizada pela situação em que o indivíduo passa a tratar os outros indivíduos ao redor do seu trabalho, como clientes e colegas de trabalho, como objetos, desenvolvendo, assim, uma insensibilidade emocional. Isso ocorre porque g</a:t>
+            </a:r>
+            <a:r>
+              <a:rPr lang="pt-BR" sz="1800" dirty="0">
+                <a:effectLst/>
+                <a:latin typeface="Arial" panose="020B0604020202020204" pitchFamily="34" charset="0"/>
+                <a:ea typeface="Calibri" panose="020F0502020204030204" pitchFamily="34" charset="0"/>
+                <a:cs typeface="Times New Roman" panose="02020603050405020304" pitchFamily="18" charset="0"/>
+              </a:rPr>
+              <a:t>eralmente se desenvolve uma resposta à sobrecarga de exaustão emocional que leva ao desapego ao outro, desenvolvendo, assim, a segunda dimensão do </a:t>
             </a:r>
             <a:r>
               <a:rPr lang="pt-BR" sz="1800" dirty="0" err="1">
                 <a:effectLst/>
                 <a:latin typeface="Arial" panose="020B0604020202020204" pitchFamily="34" charset="0"/>
-                <a:ea typeface="Times New Roman" panose="02020603050405020304" pitchFamily="18" charset="0"/>
-                <a:cs typeface="Times New Roman" panose="02020603050405020304" pitchFamily="18" charset="0"/>
-              </a:rPr>
-              <a:t>Maslach</a:t>
+                <a:ea typeface="Calibri" panose="020F0502020204030204" pitchFamily="34" charset="0"/>
+                <a:cs typeface="Times New Roman" panose="02020603050405020304" pitchFamily="18" charset="0"/>
+              </a:rPr>
+              <a:t>burnout</a:t>
             </a:r>
             <a:r>
               <a:rPr lang="pt-BR" sz="1800" dirty="0">
                 <a:effectLst/>
                 <a:latin typeface="Arial" panose="020B0604020202020204" pitchFamily="34" charset="0"/>
-                <a:ea typeface="Times New Roman" panose="02020603050405020304" pitchFamily="18" charset="0"/>
-                <a:cs typeface="Times New Roman" panose="02020603050405020304" pitchFamily="18" charset="0"/>
-              </a:rPr>
-              <a:t>, </a:t>
-            </a:r>
-            <a:r>
-              <a:rPr lang="pt-BR" sz="1800" dirty="0" err="1">
-                <a:effectLst/>
-                <a:latin typeface="Arial" panose="020B0604020202020204" pitchFamily="34" charset="0"/>
-                <a:ea typeface="Times New Roman" panose="02020603050405020304" pitchFamily="18" charset="0"/>
-                <a:cs typeface="Times New Roman" panose="02020603050405020304" pitchFamily="18" charset="0"/>
-              </a:rPr>
-              <a:t>Schaufeli</a:t>
-            </a:r>
-            <a:r>
-              <a:rPr lang="pt-BR" sz="1800" dirty="0">
-                <a:effectLst/>
-                <a:latin typeface="Arial" panose="020B0604020202020204" pitchFamily="34" charset="0"/>
-                <a:ea typeface="Times New Roman" panose="02020603050405020304" pitchFamily="18" charset="0"/>
-                <a:cs typeface="Times New Roman" panose="02020603050405020304" pitchFamily="18" charset="0"/>
-              </a:rPr>
-              <a:t> e </a:t>
-            </a:r>
-            <a:r>
-              <a:rPr lang="pt-BR" sz="1800" dirty="0" err="1">
-                <a:effectLst/>
-                <a:latin typeface="Arial" panose="020B0604020202020204" pitchFamily="34" charset="0"/>
-                <a:ea typeface="Times New Roman" panose="02020603050405020304" pitchFamily="18" charset="0"/>
-                <a:cs typeface="Times New Roman" panose="02020603050405020304" pitchFamily="18" charset="0"/>
-              </a:rPr>
-              <a:t>Leiter</a:t>
-            </a:r>
-            <a:r>
-              <a:rPr lang="pt-BR" sz="1800" dirty="0">
-                <a:effectLst/>
-                <a:latin typeface="Arial" panose="020B0604020202020204" pitchFamily="34" charset="0"/>
-                <a:ea typeface="Times New Roman" panose="02020603050405020304" pitchFamily="18" charset="0"/>
-                <a:cs typeface="Times New Roman" panose="02020603050405020304" pitchFamily="18" charset="0"/>
-              </a:rPr>
-              <a:t> (2001), o </a:t>
-            </a:r>
-            <a:r>
-              <a:rPr lang="pt-BR" sz="1800" dirty="0" err="1">
-                <a:effectLst/>
-                <a:latin typeface="Arial" panose="020B0604020202020204" pitchFamily="34" charset="0"/>
-                <a:ea typeface="Times New Roman" panose="02020603050405020304" pitchFamily="18" charset="0"/>
-                <a:cs typeface="Times New Roman" panose="02020603050405020304" pitchFamily="18" charset="0"/>
-              </a:rPr>
-              <a:t>burnout</a:t>
-            </a:r>
-            <a:r>
-              <a:rPr lang="pt-BR" sz="1800" dirty="0">
-                <a:effectLst/>
-                <a:latin typeface="Arial" panose="020B0604020202020204" pitchFamily="34" charset="0"/>
-                <a:ea typeface="Times New Roman" panose="02020603050405020304" pitchFamily="18" charset="0"/>
-                <a:cs typeface="Times New Roman" panose="02020603050405020304" pitchFamily="18" charset="0"/>
-              </a:rPr>
-              <a:t> é uma síndrome que surge como uma resposta crônica, principalmente aos estressores interpessoais que ocorrem em situações do trabalho. Uma situação acontece no ambiente de trabalho e o indivíduo não consegue se ajustar a ela, seja pessoa/trabalho, seja pessoa/organização (MASLACH; LEITER, 2016). Isso significa que </a:t>
-            </a:r>
-            <a:r>
-              <a:rPr lang="pt-BR" sz="1800" dirty="0">
-                <a:effectLst/>
-                <a:latin typeface="Arial" panose="020B0604020202020204" pitchFamily="34" charset="0"/>
                 <a:ea typeface="Calibri" panose="020F0502020204030204" pitchFamily="34" charset="0"/>
                 <a:cs typeface="Times New Roman" panose="02020603050405020304" pitchFamily="18" charset="0"/>
               </a:rPr>
-              <a:t>pode existir uma discrepância entre as habilidades dos funcionários e as expectativas de trabalho, necessitando, assim, que o indivíduo mude. </a:t>
+              <a:t> (MASLACH; LEITER, 2016).</a:t>
             </a:r>
             <a:endParaRPr lang="pt-BR" sz="1800" dirty="0">
               <a:effectLst/>
@@ -4519,23 +5270,6 @@
             </a:endParaRPr>
           </a:p>
           <a:p>
-            <a:pPr indent="0" algn="just">
-              <a:lnSpc>
-                <a:spcPct val="150000"/>
-              </a:lnSpc>
-              <a:spcAft>
-                <a:spcPts val="600"/>
-              </a:spcAft>
-              <a:buNone/>
-            </a:pPr>
-            <a:endParaRPr lang="pt-BR" sz="1800" dirty="0">
-              <a:effectLst/>
-              <a:latin typeface="Times" panose="02020603050405020304" pitchFamily="18" charset="0"/>
-              <a:ea typeface="Times New Roman" panose="02020603050405020304" pitchFamily="18" charset="0"/>
-              <a:cs typeface="Times New Roman" panose="02020603050405020304" pitchFamily="18" charset="0"/>
-            </a:endParaRPr>
-          </a:p>
-          <a:p>
             <a:endParaRPr lang="pt-BR" dirty="0"/>
           </a:p>
         </p:txBody>
@@ -4543,7 +5277,7 @@
     </p:spTree>
     <p:extLst>
       <p:ext uri="{BB962C8B-B14F-4D97-AF65-F5344CB8AC3E}">
-        <p14:creationId xmlns:p14="http://schemas.microsoft.com/office/powerpoint/2010/main" val="4067695819"/>
+        <p14:creationId xmlns:p14="http://schemas.microsoft.com/office/powerpoint/2010/main" val="1990910908"/>
       </p:ext>
     </p:extLst>
   </p:cSld>
@@ -4613,31 +5347,88 @@
                 <a:latin typeface="Arial" panose="020B0604020202020204" pitchFamily="34" charset="0"/>
                 <a:ea typeface="Times New Roman" panose="02020603050405020304" pitchFamily="18" charset="0"/>
               </a:rPr>
-              <a:t>De fato, a mudança faz parte do desenvolvimento de software. Williams e Cockburn (2003) acreditam que a mudança é inevitável durante o processo de desenvolvimento de software.</a:t>
-            </a:r>
-          </a:p>
-          <a:p>
-            <a:r>
-              <a:rPr lang="pt-BR" sz="1800" dirty="0">
-                <a:effectLst/>
-                <a:latin typeface="Arial" panose="020B0604020202020204" pitchFamily="34" charset="0"/>
-                <a:ea typeface="Times New Roman" panose="02020603050405020304" pitchFamily="18" charset="0"/>
-                <a:cs typeface="Times New Roman" panose="02020603050405020304" pitchFamily="18" charset="0"/>
-              </a:rPr>
-              <a:t>Parte desses desafios surgem a partir das mudanças que ocorrem no ambiente em que a equipe e seus membros estão inseridos, como mudanças de membros, de requisitos, atualizações na linguagem de programação e pressão no cronograma (BOEHM, 2007; MELNIK; MAURER, 2006). </a:t>
-            </a:r>
-            <a:endParaRPr lang="pt-BR" sz="1800" dirty="0">
-              <a:effectLst/>
-              <a:latin typeface="Times" panose="02020603050405020304" pitchFamily="18" charset="0"/>
-              <a:ea typeface="Times New Roman" panose="02020603050405020304" pitchFamily="18" charset="0"/>
-              <a:cs typeface="Times New Roman" panose="02020603050405020304" pitchFamily="18" charset="0"/>
-            </a:endParaRPr>
-          </a:p>
-          <a:p>
-            <a:endParaRPr lang="pt-BR" dirty="0"/>
-          </a:p>
-        </p:txBody>
-      </p:sp>
+              <a:t>Williams e Cockburn (2003) é algo comum no desenvolvimento;</a:t>
+            </a:r>
+          </a:p>
+        </p:txBody>
+      </p:sp>
+      <p:pic>
+        <p:nvPicPr>
+          <p:cNvPr id="1028" name="Picture 4" descr="Como está a rotatividade de funcionários em sua empresa? - Blog da Qualidade">
+            <a:extLst>
+              <a:ext uri="{FF2B5EF4-FFF2-40B4-BE49-F238E27FC236}">
+                <a16:creationId xmlns:a16="http://schemas.microsoft.com/office/drawing/2014/main" id="{2EBBFCE4-A4C0-4DFC-99ED-6245183B982E}"/>
+              </a:ext>
+            </a:extLst>
+          </p:cNvPr>
+          <p:cNvPicPr>
+            <a:picLocks noChangeAspect="1" noChangeArrowheads="1"/>
+          </p:cNvPicPr>
+          <p:nvPr/>
+        </p:nvPicPr>
+        <p:blipFill>
+          <a:blip r:embed="rId2">
+            <a:extLst>
+              <a:ext uri="{28A0092B-C50C-407E-A947-70E740481C1C}">
+                <a14:useLocalDpi xmlns:a14="http://schemas.microsoft.com/office/drawing/2010/main" val="0"/>
+              </a:ext>
+            </a:extLst>
+          </a:blip>
+          <a:srcRect/>
+          <a:stretch>
+            <a:fillRect/>
+          </a:stretch>
+        </p:blipFill>
+        <p:spPr bwMode="auto">
+          <a:xfrm>
+            <a:off x="9612560" y="2492896"/>
+            <a:ext cx="3097138" cy="2738791"/>
+          </a:xfrm>
+          <a:prstGeom prst="rect">
+            <a:avLst/>
+          </a:prstGeom>
+          <a:noFill/>
+          <a:extLst>
+            <a:ext uri="{909E8E84-426E-40DD-AFC4-6F175D3DCCD1}">
+              <a14:hiddenFill xmlns:a14="http://schemas.microsoft.com/office/drawing/2010/main">
+                <a:solidFill>
+                  <a:srgbClr val="FFFFFF"/>
+                </a:solidFill>
+              </a14:hiddenFill>
+            </a:ext>
+          </a:extLst>
+        </p:spPr>
+      </p:pic>
+      <p:pic>
+        <p:nvPicPr>
+          <p:cNvPr id="5" name="Imagem 4">
+            <a:extLst>
+              <a:ext uri="{FF2B5EF4-FFF2-40B4-BE49-F238E27FC236}">
+                <a16:creationId xmlns:a16="http://schemas.microsoft.com/office/drawing/2014/main" id="{AF8B6C23-1B16-4E09-B754-F2A6F75E2BBA}"/>
+              </a:ext>
+            </a:extLst>
+          </p:cNvPr>
+          <p:cNvPicPr>
+            <a:picLocks noChangeAspect="1"/>
+          </p:cNvPicPr>
+          <p:nvPr/>
+        </p:nvPicPr>
+        <p:blipFill>
+          <a:blip r:embed="rId3"/>
+          <a:stretch>
+            <a:fillRect/>
+          </a:stretch>
+        </p:blipFill>
+        <p:spPr>
+          <a:xfrm>
+            <a:off x="1691680" y="3645024"/>
+            <a:ext cx="5533727" cy="2405968"/>
+          </a:xfrm>
+          <a:prstGeom prst="rect">
+            <a:avLst/>
+          </a:prstGeom>
+        </p:spPr>
+      </p:pic>
     </p:spTree>
     <p:extLst>
       <p:ext uri="{BB962C8B-B14F-4D97-AF65-F5344CB8AC3E}">
@@ -4714,12 +5505,10 @@
         </p:nvSpPr>
         <p:spPr/>
         <p:txBody>
-          <a:bodyPr>
-            <a:normAutofit/>
-          </a:bodyPr>
-          <a:lstStyle/>
-          <a:p>
-            <a:pPr indent="457200" algn="just">
+          <a:bodyPr/>
+          <a:lstStyle/>
+          <a:p>
+            <a:pPr indent="270510" algn="just">
               <a:lnSpc>
                 <a:spcPct val="150000"/>
               </a:lnSpc>
@@ -4731,10 +5520,19 @@
               <a:rPr lang="pt-BR" sz="1800" dirty="0">
                 <a:effectLst/>
                 <a:latin typeface="Arial" panose="020B0604020202020204" pitchFamily="34" charset="0"/>
+                <a:ea typeface="Times New Roman" panose="02020603050405020304" pitchFamily="18" charset="0"/>
+                <a:cs typeface="Times New Roman" panose="02020603050405020304" pitchFamily="18" charset="0"/>
+              </a:rPr>
+              <a:t>A segunda dimensão é a de despersonalização, também chamada de cinismo, que é caracterizada pela situação em que o indivíduo passa a tratar os outros indivíduos ao redor do seu trabalho, como clientes e colegas de trabalho, como objetos, desenvolvendo, assim, uma insensibilidade emocional. Isso ocorre porque g</a:t>
+            </a:r>
+            <a:r>
+              <a:rPr lang="pt-BR" sz="1800" dirty="0">
+                <a:effectLst/>
+                <a:latin typeface="Arial" panose="020B0604020202020204" pitchFamily="34" charset="0"/>
                 <a:ea typeface="Calibri" panose="020F0502020204030204" pitchFamily="34" charset="0"/>
                 <a:cs typeface="Times New Roman" panose="02020603050405020304" pitchFamily="18" charset="0"/>
               </a:rPr>
-              <a:t>teorias mais recentes argumentam que características pessoais e de trabalho precisam ser consideradas conjuntamente dentro do contexto do ambiente organizacional. O grau de ajuste, ou correspondência, entre a pessoa e o trabalho determinará até que ponto a pessoa consegue lidar com o </a:t>
+              <a:t>eralmente se desenvolve uma resposta à sobrecarga de exaustão emocional que leva ao desapego ao outro, desenvolvendo, assim, a segunda dimensão do </a:t>
             </a:r>
             <a:r>
               <a:rPr lang="pt-BR" sz="1800" dirty="0" err="1">
@@ -4752,7 +5550,7 @@
                 <a:ea typeface="Calibri" panose="020F0502020204030204" pitchFamily="34" charset="0"/>
                 <a:cs typeface="Times New Roman" panose="02020603050405020304" pitchFamily="18" charset="0"/>
               </a:rPr>
-              <a:t> (MASLACH; GOLDBERG, 1998; TOPPINEN-TANNER, 2011).</a:t>
+              <a:t> (MASLACH; LEITER, 2016).</a:t>
             </a:r>
             <a:endParaRPr lang="pt-BR" sz="1800" dirty="0">
               <a:effectLst/>
@@ -4762,23 +5560,6 @@
             </a:endParaRPr>
           </a:p>
           <a:p>
-            <a:pPr indent="0" algn="just">
-              <a:lnSpc>
-                <a:spcPct val="150000"/>
-              </a:lnSpc>
-              <a:spcAft>
-                <a:spcPts val="600"/>
-              </a:spcAft>
-              <a:buNone/>
-            </a:pPr>
-            <a:endParaRPr lang="pt-BR" sz="1800" dirty="0">
-              <a:effectLst/>
-              <a:latin typeface="Times" panose="02020603050405020304" pitchFamily="18" charset="0"/>
-              <a:ea typeface="Times New Roman" panose="02020603050405020304" pitchFamily="18" charset="0"/>
-              <a:cs typeface="Times New Roman" panose="02020603050405020304" pitchFamily="18" charset="0"/>
-            </a:endParaRPr>
-          </a:p>
-          <a:p>
             <a:endParaRPr lang="pt-BR" dirty="0"/>
           </a:p>
         </p:txBody>
@@ -4786,7 +5567,7 @@
     </p:spTree>
     <p:extLst>
       <p:ext uri="{BB962C8B-B14F-4D97-AF65-F5344CB8AC3E}">
-        <p14:creationId xmlns:p14="http://schemas.microsoft.com/office/powerpoint/2010/main" val="2912562593"/>
+        <p14:creationId xmlns:p14="http://schemas.microsoft.com/office/powerpoint/2010/main" val="2109176160"/>
       </p:ext>
     </p:extLst>
   </p:cSld>
@@ -4836,7 +5617,7 @@
           <a:p>
             <a:r>
               <a:rPr lang="pt-BR" dirty="0"/>
-              <a:t>Referencial teórico – Instabilidade</a:t>
+              <a:t>Referencial teórico – Burnout</a:t>
             </a:r>
           </a:p>
         </p:txBody>
@@ -4859,9 +5640,37 @@
         </p:nvSpPr>
         <p:spPr/>
         <p:txBody>
-          <a:bodyPr/>
-          <a:lstStyle/>
-          <a:p>
+          <a:bodyPr>
+            <a:normAutofit fontScale="77500" lnSpcReduction="20000"/>
+          </a:bodyPr>
+          <a:lstStyle/>
+          <a:p>
+            <a:pPr indent="270510" algn="just">
+              <a:lnSpc>
+                <a:spcPct val="150000"/>
+              </a:lnSpc>
+              <a:spcAft>
+                <a:spcPts val="600"/>
+              </a:spcAft>
+            </a:pPr>
+            <a:r>
+              <a:rPr lang="pt-BR" sz="1800" dirty="0">
+                <a:effectLst/>
+                <a:latin typeface="Arial" panose="020B0604020202020204" pitchFamily="34" charset="0"/>
+                <a:ea typeface="Times New Roman" panose="02020603050405020304" pitchFamily="18" charset="0"/>
+                <a:cs typeface="Times New Roman" panose="02020603050405020304" pitchFamily="18" charset="0"/>
+              </a:rPr>
+              <a:t>A segunda dimensão é a de despersonalização, também chamada de cinismo, que é caracterizada pela situação em que o indivíduo passa a tratar os outros indivíduos ao redor do seu trabalho, como clientes e colegas de trabalho, como objetos, desenvolvendo, assim, uma insensibilidade emocional. Isso ocorre porque g</a:t>
+            </a:r>
+            <a:r>
+              <a:rPr lang="pt-BR" sz="1800" dirty="0">
+                <a:effectLst/>
+                <a:latin typeface="Arial" panose="020B0604020202020204" pitchFamily="34" charset="0"/>
+                <a:ea typeface="Calibri" panose="020F0502020204030204" pitchFamily="34" charset="0"/>
+                <a:cs typeface="Times New Roman" panose="02020603050405020304" pitchFamily="18" charset="0"/>
+              </a:rPr>
+              <a:t>eralmente se desenvolve uma resposta à sobrecarga de exaustão emocional que leva ao desapego ao outro, desenvolvendo, assim, a segunda dimensão do </a:t>
+            </a:r>
             <a:r>
               <a:rPr lang="pt-BR" sz="1800" dirty="0" err="1">
                 <a:effectLst/>
@@ -4869,7 +5678,7 @@
                 <a:ea typeface="Calibri" panose="020F0502020204030204" pitchFamily="34" charset="0"/>
                 <a:cs typeface="Times New Roman" panose="02020603050405020304" pitchFamily="18" charset="0"/>
               </a:rPr>
-              <a:t>Kude</a:t>
+              <a:t>burnout</a:t>
             </a:r>
             <a:r>
               <a:rPr lang="pt-BR" sz="1800" dirty="0">
@@ -4878,79 +5687,43 @@
                 <a:ea typeface="Calibri" panose="020F0502020204030204" pitchFamily="34" charset="0"/>
                 <a:cs typeface="Times New Roman" panose="02020603050405020304" pitchFamily="18" charset="0"/>
               </a:rPr>
-              <a:t> et al. (2014) afirmam que a instabilidade da tarefa é o resultado da introdução de novos requisitos, de </a:t>
-            </a:r>
-            <a:r>
-              <a:rPr lang="pt-BR" sz="1800" dirty="0" err="1">
+              <a:t> (MASLACH; LEITER, 2016).</a:t>
+            </a:r>
+            <a:r>
+              <a:rPr lang="pt-BR" sz="1800" dirty="0">
+                <a:effectLst/>
+                <a:latin typeface="Arial" panose="020B0604020202020204" pitchFamily="34" charset="0"/>
+                <a:ea typeface="Times New Roman" panose="02020603050405020304" pitchFamily="18" charset="0"/>
+                <a:cs typeface="Times New Roman" panose="02020603050405020304" pitchFamily="18" charset="0"/>
+              </a:rPr>
+              <a:t> A terceira dimensão é da baixa realização pessoal no trabalho, também chamada de eficácia, que pode ser definida como uma tendência do trabalhador a se autoavaliar de forma negativa </a:t>
+            </a:r>
+            <a:r>
+              <a:rPr lang="pt-BR" sz="1800" dirty="0">
                 <a:effectLst/>
                 <a:latin typeface="Arial" panose="020B0604020202020204" pitchFamily="34" charset="0"/>
                 <a:ea typeface="Calibri" panose="020F0502020204030204" pitchFamily="34" charset="0"/>
                 <a:cs typeface="Times New Roman" panose="02020603050405020304" pitchFamily="18" charset="0"/>
               </a:rPr>
-              <a:t>repriorizações</a:t>
+              <a:t>(MASLACH; LEITER, 2016)</a:t>
             </a:r>
             <a:r>
               <a:rPr lang="pt-BR" sz="1800" dirty="0">
                 <a:effectLst/>
                 <a:latin typeface="Arial" panose="020B0604020202020204" pitchFamily="34" charset="0"/>
+                <a:ea typeface="Times New Roman" panose="02020603050405020304" pitchFamily="18" charset="0"/>
+                <a:cs typeface="Times New Roman" panose="02020603050405020304" pitchFamily="18" charset="0"/>
+              </a:rPr>
+              <a:t>. Os indivíduos se sentem insatisfeitos com seu desenvolvimento profissional e, infelizes consigo, experimentando um sentimento de que são incompetentes ao realizar seu trabalho, o</a:t>
+            </a:r>
+            <a:r>
+              <a:rPr lang="pt-BR" sz="1800" dirty="0">
+                <a:effectLst/>
+                <a:latin typeface="Arial" panose="020B0604020202020204" pitchFamily="34" charset="0"/>
                 <a:ea typeface="Calibri" panose="020F0502020204030204" pitchFamily="34" charset="0"/>
                 <a:cs typeface="Times New Roman" panose="02020603050405020304" pitchFamily="18" charset="0"/>
               </a:rPr>
-              <a:t>, e requisições </a:t>
-            </a:r>
-            <a:r>
-              <a:rPr lang="pt-BR" sz="1800" dirty="0" err="1">
-                <a:effectLst/>
-                <a:latin typeface="Arial" panose="020B0604020202020204" pitchFamily="34" charset="0"/>
-                <a:ea typeface="Calibri" panose="020F0502020204030204" pitchFamily="34" charset="0"/>
-                <a:cs typeface="Times New Roman" panose="02020603050405020304" pitchFamily="18" charset="0"/>
-              </a:rPr>
-              <a:t>ex-post</a:t>
-            </a:r>
-            <a:r>
-              <a:rPr lang="pt-BR" sz="1800" dirty="0">
-                <a:effectLst/>
-                <a:latin typeface="Arial" panose="020B0604020202020204" pitchFamily="34" charset="0"/>
-                <a:ea typeface="Calibri" panose="020F0502020204030204" pitchFamily="34" charset="0"/>
-                <a:cs typeface="Times New Roman" panose="02020603050405020304" pitchFamily="18" charset="0"/>
-              </a:rPr>
-              <a:t>. Portanto, neste trabalho, a percepção da instabilidade da tarefa também seguirá a base teórica proposta por </a:t>
-            </a:r>
-            <a:r>
-              <a:rPr lang="pt-BR" sz="1800" dirty="0" err="1">
-                <a:effectLst/>
-                <a:latin typeface="Arial" panose="020B0604020202020204" pitchFamily="34" charset="0"/>
-                <a:ea typeface="Calibri" panose="020F0502020204030204" pitchFamily="34" charset="0"/>
-                <a:cs typeface="Times New Roman" panose="02020603050405020304" pitchFamily="18" charset="0"/>
-              </a:rPr>
-              <a:t>Kude</a:t>
-            </a:r>
-            <a:r>
-              <a:rPr lang="pt-BR" sz="1800" dirty="0">
-                <a:effectLst/>
-                <a:latin typeface="Arial" panose="020B0604020202020204" pitchFamily="34" charset="0"/>
-                <a:ea typeface="Calibri" panose="020F0502020204030204" pitchFamily="34" charset="0"/>
-                <a:cs typeface="Times New Roman" panose="02020603050405020304" pitchFamily="18" charset="0"/>
-              </a:rPr>
-              <a:t> et al. (2014) e é definida como a percepção do indivíduo sobre as mudanças que ocorrem em suas tarefas, em especial, com novos requisitos, </a:t>
-            </a:r>
-            <a:r>
-              <a:rPr lang="pt-BR" sz="1800" dirty="0" err="1">
-                <a:effectLst/>
-                <a:latin typeface="Arial" panose="020B0604020202020204" pitchFamily="34" charset="0"/>
-                <a:ea typeface="Calibri" panose="020F0502020204030204" pitchFamily="34" charset="0"/>
-                <a:cs typeface="Times New Roman" panose="02020603050405020304" pitchFamily="18" charset="0"/>
-              </a:rPr>
-              <a:t>repriorizações</a:t>
-            </a:r>
-            <a:r>
-              <a:rPr lang="pt-BR" sz="1800" dirty="0">
-                <a:effectLst/>
-                <a:latin typeface="Arial" panose="020B0604020202020204" pitchFamily="34" charset="0"/>
-                <a:ea typeface="Calibri" panose="020F0502020204030204" pitchFamily="34" charset="0"/>
-                <a:cs typeface="Times New Roman" panose="02020603050405020304" pitchFamily="18" charset="0"/>
-              </a:rPr>
-              <a:t> e prazos.</a:t>
+              <a:t>u seja, as pessoas experimentam um sentimento crescente de que não têm habilidades e capacidades para realizar adequadamente seu trabalho. </a:t>
             </a:r>
             <a:endParaRPr lang="pt-BR" sz="1800" dirty="0">
               <a:effectLst/>
@@ -4960,6 +5733,22 @@
             </a:endParaRPr>
           </a:p>
           <a:p>
+            <a:pPr indent="270510" algn="just">
+              <a:lnSpc>
+                <a:spcPct val="150000"/>
+              </a:lnSpc>
+              <a:spcAft>
+                <a:spcPts val="600"/>
+              </a:spcAft>
+            </a:pPr>
+            <a:endParaRPr lang="pt-BR" sz="1800" dirty="0">
+              <a:effectLst/>
+              <a:latin typeface="Times" panose="02020603050405020304" pitchFamily="18" charset="0"/>
+              <a:ea typeface="Times New Roman" panose="02020603050405020304" pitchFamily="18" charset="0"/>
+              <a:cs typeface="Times New Roman" panose="02020603050405020304" pitchFamily="18" charset="0"/>
+            </a:endParaRPr>
+          </a:p>
+          <a:p>
             <a:endParaRPr lang="pt-BR" dirty="0"/>
           </a:p>
         </p:txBody>
@@ -4967,7 +5756,7 @@
     </p:spTree>
     <p:extLst>
       <p:ext uri="{BB962C8B-B14F-4D97-AF65-F5344CB8AC3E}">
-        <p14:creationId xmlns:p14="http://schemas.microsoft.com/office/powerpoint/2010/main" val="746458256"/>
+        <p14:creationId xmlns:p14="http://schemas.microsoft.com/office/powerpoint/2010/main" val="3781356111"/>
       </p:ext>
     </p:extLst>
   </p:cSld>
@@ -5017,7 +5806,7 @@
           <a:p>
             <a:r>
               <a:rPr lang="pt-BR" dirty="0"/>
-              <a:t>Referencial teórico – Instabilidade</a:t>
+              <a:t>Referencial teórico – Burnout</a:t>
             </a:r>
           </a:p>
         </p:txBody>
@@ -5040,43 +5829,109 @@
         </p:nvSpPr>
         <p:spPr/>
         <p:txBody>
-          <a:bodyPr/>
-          <a:lstStyle/>
-          <a:p>
-            <a:pPr indent="457200" algn="just">
+          <a:bodyPr>
+            <a:normAutofit/>
+          </a:bodyPr>
+          <a:lstStyle/>
+          <a:p>
+            <a:pPr indent="0" algn="just">
               <a:lnSpc>
                 <a:spcPct val="150000"/>
               </a:lnSpc>
               <a:spcAft>
                 <a:spcPts val="600"/>
               </a:spcAft>
+              <a:buNone/>
             </a:pPr>
             <a:r>
               <a:rPr lang="pt-BR" sz="1800" dirty="0">
                 <a:effectLst/>
                 <a:latin typeface="Arial" panose="020B0604020202020204" pitchFamily="34" charset="0"/>
+                <a:ea typeface="Times New Roman" panose="02020603050405020304" pitchFamily="18" charset="0"/>
+                <a:cs typeface="Times New Roman" panose="02020603050405020304" pitchFamily="18" charset="0"/>
+              </a:rPr>
+              <a:t>De acordo com </a:t>
+            </a:r>
+            <a:r>
+              <a:rPr lang="pt-BR" sz="1800" dirty="0" err="1">
+                <a:effectLst/>
+                <a:latin typeface="Arial" panose="020B0604020202020204" pitchFamily="34" charset="0"/>
+                <a:ea typeface="Times New Roman" panose="02020603050405020304" pitchFamily="18" charset="0"/>
+                <a:cs typeface="Times New Roman" panose="02020603050405020304" pitchFamily="18" charset="0"/>
+              </a:rPr>
+              <a:t>Maslach</a:t>
+            </a:r>
+            <a:r>
+              <a:rPr lang="pt-BR" sz="1800" dirty="0">
+                <a:effectLst/>
+                <a:latin typeface="Arial" panose="020B0604020202020204" pitchFamily="34" charset="0"/>
+                <a:ea typeface="Times New Roman" panose="02020603050405020304" pitchFamily="18" charset="0"/>
+                <a:cs typeface="Times New Roman" panose="02020603050405020304" pitchFamily="18" charset="0"/>
+              </a:rPr>
+              <a:t>, </a:t>
+            </a:r>
+            <a:r>
+              <a:rPr lang="pt-BR" sz="1800" dirty="0" err="1">
+                <a:effectLst/>
+                <a:latin typeface="Arial" panose="020B0604020202020204" pitchFamily="34" charset="0"/>
+                <a:ea typeface="Times New Roman" panose="02020603050405020304" pitchFamily="18" charset="0"/>
+                <a:cs typeface="Times New Roman" panose="02020603050405020304" pitchFamily="18" charset="0"/>
+              </a:rPr>
+              <a:t>Schaufeli</a:t>
+            </a:r>
+            <a:r>
+              <a:rPr lang="pt-BR" sz="1800" dirty="0">
+                <a:effectLst/>
+                <a:latin typeface="Arial" panose="020B0604020202020204" pitchFamily="34" charset="0"/>
+                <a:ea typeface="Times New Roman" panose="02020603050405020304" pitchFamily="18" charset="0"/>
+                <a:cs typeface="Times New Roman" panose="02020603050405020304" pitchFamily="18" charset="0"/>
+              </a:rPr>
+              <a:t> e </a:t>
+            </a:r>
+            <a:r>
+              <a:rPr lang="pt-BR" sz="1800" dirty="0" err="1">
+                <a:effectLst/>
+                <a:latin typeface="Arial" panose="020B0604020202020204" pitchFamily="34" charset="0"/>
+                <a:ea typeface="Times New Roman" panose="02020603050405020304" pitchFamily="18" charset="0"/>
+                <a:cs typeface="Times New Roman" panose="02020603050405020304" pitchFamily="18" charset="0"/>
+              </a:rPr>
+              <a:t>Leiter</a:t>
+            </a:r>
+            <a:r>
+              <a:rPr lang="pt-BR" sz="1800" dirty="0">
+                <a:effectLst/>
+                <a:latin typeface="Arial" panose="020B0604020202020204" pitchFamily="34" charset="0"/>
+                <a:ea typeface="Times New Roman" panose="02020603050405020304" pitchFamily="18" charset="0"/>
+                <a:cs typeface="Times New Roman" panose="02020603050405020304" pitchFamily="18" charset="0"/>
+              </a:rPr>
+              <a:t> (2001), o </a:t>
+            </a:r>
+            <a:r>
+              <a:rPr lang="pt-BR" sz="1800" dirty="0" err="1">
+                <a:effectLst/>
+                <a:latin typeface="Arial" panose="020B0604020202020204" pitchFamily="34" charset="0"/>
+                <a:ea typeface="Times New Roman" panose="02020603050405020304" pitchFamily="18" charset="0"/>
+                <a:cs typeface="Times New Roman" panose="02020603050405020304" pitchFamily="18" charset="0"/>
+              </a:rPr>
+              <a:t>burnout</a:t>
+            </a:r>
+            <a:r>
+              <a:rPr lang="pt-BR" sz="1800" dirty="0">
+                <a:effectLst/>
+                <a:latin typeface="Arial" panose="020B0604020202020204" pitchFamily="34" charset="0"/>
+                <a:ea typeface="Times New Roman" panose="02020603050405020304" pitchFamily="18" charset="0"/>
+                <a:cs typeface="Times New Roman" panose="02020603050405020304" pitchFamily="18" charset="0"/>
+              </a:rPr>
+              <a:t> é uma síndrome que surge como uma resposta crônica, principalmente aos estressores interpessoais que ocorrem em situações do trabalho. Uma situação acontece no ambiente de trabalho e o indivíduo não consegue se ajustar a ela, seja pessoa/trabalho, seja pessoa/organização (MASLACH; LEITER, 2016). Isso significa que </a:t>
+            </a:r>
+            <a:r>
+              <a:rPr lang="pt-BR" sz="1800" dirty="0">
+                <a:effectLst/>
+                <a:latin typeface="Arial" panose="020B0604020202020204" pitchFamily="34" charset="0"/>
                 <a:ea typeface="Calibri" panose="020F0502020204030204" pitchFamily="34" charset="0"/>
                 <a:cs typeface="Times New Roman" panose="02020603050405020304" pitchFamily="18" charset="0"/>
               </a:rPr>
-              <a:t>Neste trabalho, serão utilizados os eventos que foram observados por </a:t>
-            </a:r>
-            <a:r>
-              <a:rPr lang="pt-BR" sz="1800" dirty="0" err="1">
-                <a:effectLst/>
-                <a:latin typeface="Arial" panose="020B0604020202020204" pitchFamily="34" charset="0"/>
-                <a:ea typeface="Calibri" panose="020F0502020204030204" pitchFamily="34" charset="0"/>
-                <a:cs typeface="Times New Roman" panose="02020603050405020304" pitchFamily="18" charset="0"/>
-              </a:rPr>
-              <a:t>Kude</a:t>
-            </a:r>
-            <a:r>
-              <a:rPr lang="pt-BR" sz="1800" dirty="0">
-                <a:effectLst/>
-                <a:latin typeface="Arial" panose="020B0604020202020204" pitchFamily="34" charset="0"/>
-                <a:ea typeface="Calibri" panose="020F0502020204030204" pitchFamily="34" charset="0"/>
-                <a:cs typeface="Times New Roman" panose="02020603050405020304" pitchFamily="18" charset="0"/>
-              </a:rPr>
-              <a:t> et al. (2014) que levam à instabilidade da equipe. Com isso, a percepção da instabilidade da equipe é definida como a percepção dos indivíduos quanto às mudanças que ocorrem em relação à saída e à entrada de membros que influenciam as atividades da equipe. </a:t>
+              <a:t>pode existir uma discrepância entre as habilidades dos funcionários e as expectativas de trabalho, necessitando, assim, que o indivíduo mude. </a:t>
             </a:r>
             <a:endParaRPr lang="pt-BR" sz="1800" dirty="0">
               <a:effectLst/>
@@ -5086,6 +5941,23 @@
             </a:endParaRPr>
           </a:p>
           <a:p>
+            <a:pPr indent="0" algn="just">
+              <a:lnSpc>
+                <a:spcPct val="150000"/>
+              </a:lnSpc>
+              <a:spcAft>
+                <a:spcPts val="600"/>
+              </a:spcAft>
+              <a:buNone/>
+            </a:pPr>
+            <a:endParaRPr lang="pt-BR" sz="1800" dirty="0">
+              <a:effectLst/>
+              <a:latin typeface="Times" panose="02020603050405020304" pitchFamily="18" charset="0"/>
+              <a:ea typeface="Times New Roman" panose="02020603050405020304" pitchFamily="18" charset="0"/>
+              <a:cs typeface="Times New Roman" panose="02020603050405020304" pitchFamily="18" charset="0"/>
+            </a:endParaRPr>
+          </a:p>
+          <a:p>
             <a:endParaRPr lang="pt-BR" dirty="0"/>
           </a:p>
         </p:txBody>
@@ -5093,7 +5965,7 @@
     </p:spTree>
     <p:extLst>
       <p:ext uri="{BB962C8B-B14F-4D97-AF65-F5344CB8AC3E}">
-        <p14:creationId xmlns:p14="http://schemas.microsoft.com/office/powerpoint/2010/main" val="1605111833"/>
+        <p14:creationId xmlns:p14="http://schemas.microsoft.com/office/powerpoint/2010/main" val="4067695819"/>
       </p:ext>
     </p:extLst>
   </p:cSld>
@@ -5143,7 +6015,7 @@
           <a:p>
             <a:r>
               <a:rPr lang="pt-BR" dirty="0"/>
-              <a:t>Referencial teórico – Instabilidade</a:t>
+              <a:t>Referencial teórico – Burnout</a:t>
             </a:r>
           </a:p>
         </p:txBody>
@@ -5166,7 +6038,9 @@
         </p:nvSpPr>
         <p:spPr/>
         <p:txBody>
-          <a:bodyPr/>
+          <a:bodyPr>
+            <a:normAutofit/>
+          </a:bodyPr>
           <a:lstStyle/>
           <a:p>
             <a:pPr indent="457200" algn="just">
@@ -5181,34 +6055,54 @@
               <a:rPr lang="pt-BR" sz="1800" dirty="0">
                 <a:effectLst/>
                 <a:latin typeface="Arial" panose="020B0604020202020204" pitchFamily="34" charset="0"/>
-                <a:ea typeface="Times New Roman" panose="02020603050405020304" pitchFamily="18" charset="0"/>
-              </a:rPr>
-              <a:t>De acordo com </a:t>
+                <a:ea typeface="Calibri" panose="020F0502020204030204" pitchFamily="34" charset="0"/>
+                <a:cs typeface="Times New Roman" panose="02020603050405020304" pitchFamily="18" charset="0"/>
+              </a:rPr>
+              <a:t>teorias mais recentes argumentam que características pessoais e de trabalho precisam ser consideradas conjuntamente dentro do contexto do ambiente organizacional. O grau de ajuste, ou correspondência, entre a pessoa e o trabalho determinará até que ponto a pessoa consegue lidar com o </a:t>
             </a:r>
             <a:r>
               <a:rPr lang="pt-BR" sz="1800" dirty="0" err="1">
                 <a:effectLst/>
                 <a:latin typeface="Arial" panose="020B0604020202020204" pitchFamily="34" charset="0"/>
                 <a:ea typeface="Calibri" panose="020F0502020204030204" pitchFamily="34" charset="0"/>
-              </a:rPr>
-              <a:t>Kude</a:t>
+                <a:cs typeface="Times New Roman" panose="02020603050405020304" pitchFamily="18" charset="0"/>
+              </a:rPr>
+              <a:t>burnout</a:t>
             </a:r>
             <a:r>
               <a:rPr lang="pt-BR" sz="1800" dirty="0">
                 <a:effectLst/>
                 <a:latin typeface="Arial" panose="020B0604020202020204" pitchFamily="34" charset="0"/>
                 <a:ea typeface="Calibri" panose="020F0502020204030204" pitchFamily="34" charset="0"/>
-              </a:rPr>
-              <a:t> et al. (2014), a instabilidade tecnológica é</a:t>
-            </a:r>
-            <a:r>
-              <a:rPr lang="pt-BR" sz="1800" dirty="0">
-                <a:effectLst/>
-                <a:latin typeface="Arial" panose="020B0604020202020204" pitchFamily="34" charset="0"/>
-                <a:ea typeface="Times New Roman" panose="02020603050405020304" pitchFamily="18" charset="0"/>
-              </a:rPr>
-              <a:t> causada pela introdução de um novo elemento tecnológico (novas linguagens, frameworks, API, modificação em software de terceiros que afeta o seu desenvolvimento de software...) ou por uma turbulência tecnológica (problemas relacionados ao ambiente e plataforma de desenvolvimento). </a:t>
-            </a:r>
+                <a:cs typeface="Times New Roman" panose="02020603050405020304" pitchFamily="18" charset="0"/>
+              </a:rPr>
+              <a:t> (MASLACH; GOLDBERG, 1998; TOPPINEN-TANNER, 2011).</a:t>
+            </a:r>
+            <a:endParaRPr lang="pt-BR" sz="1800" dirty="0">
+              <a:effectLst/>
+              <a:latin typeface="Times" panose="02020603050405020304" pitchFamily="18" charset="0"/>
+              <a:ea typeface="Times New Roman" panose="02020603050405020304" pitchFamily="18" charset="0"/>
+              <a:cs typeface="Times New Roman" panose="02020603050405020304" pitchFamily="18" charset="0"/>
+            </a:endParaRPr>
+          </a:p>
+          <a:p>
+            <a:pPr indent="0" algn="just">
+              <a:lnSpc>
+                <a:spcPct val="150000"/>
+              </a:lnSpc>
+              <a:spcAft>
+                <a:spcPts val="600"/>
+              </a:spcAft>
+              <a:buNone/>
+            </a:pPr>
+            <a:endParaRPr lang="pt-BR" sz="1800" dirty="0">
+              <a:effectLst/>
+              <a:latin typeface="Times" panose="02020603050405020304" pitchFamily="18" charset="0"/>
+              <a:ea typeface="Times New Roman" panose="02020603050405020304" pitchFamily="18" charset="0"/>
+              <a:cs typeface="Times New Roman" panose="02020603050405020304" pitchFamily="18" charset="0"/>
+            </a:endParaRPr>
+          </a:p>
+          <a:p>
             <a:endParaRPr lang="pt-BR" dirty="0"/>
           </a:p>
         </p:txBody>
@@ -5216,7 +6110,7 @@
     </p:spTree>
     <p:extLst>
       <p:ext uri="{BB962C8B-B14F-4D97-AF65-F5344CB8AC3E}">
-        <p14:creationId xmlns:p14="http://schemas.microsoft.com/office/powerpoint/2010/main" val="4250271933"/>
+        <p14:creationId xmlns:p14="http://schemas.microsoft.com/office/powerpoint/2010/main" val="2912562593"/>
       </p:ext>
     </p:extLst>
   </p:cSld>
@@ -5266,7 +6160,7 @@
           <a:p>
             <a:r>
               <a:rPr lang="pt-BR" dirty="0"/>
-              <a:t>Hipóteses de pesquisa </a:t>
+              <a:t>Referencial teórico – Instabilidade</a:t>
             </a:r>
           </a:p>
         </p:txBody>
@@ -5293,13 +6187,94 @@
           <a:lstStyle/>
           <a:p>
             <a:r>
-              <a:rPr lang="pt-BR" sz="1800" b="1" i="1" dirty="0">
-                <a:effectLst/>
-                <a:latin typeface="Arial" panose="020B0604020202020204" pitchFamily="34" charset="0"/>
-                <a:ea typeface="Times New Roman" panose="02020603050405020304" pitchFamily="18" charset="0"/>
-                <a:cs typeface="Times New Roman" panose="02020603050405020304" pitchFamily="18" charset="0"/>
-              </a:rPr>
-              <a:t>H1 - A percepção da adaptabilidade individual tem uma relação positiva com a satisfação com o trabalho dos indivíduos na Engenharia de Software.</a:t>
+              <a:rPr lang="pt-BR" sz="1800" dirty="0" err="1">
+                <a:effectLst/>
+                <a:latin typeface="Arial" panose="020B0604020202020204" pitchFamily="34" charset="0"/>
+                <a:ea typeface="Calibri" panose="020F0502020204030204" pitchFamily="34" charset="0"/>
+                <a:cs typeface="Times New Roman" panose="02020603050405020304" pitchFamily="18" charset="0"/>
+              </a:rPr>
+              <a:t>Kude</a:t>
+            </a:r>
+            <a:r>
+              <a:rPr lang="pt-BR" sz="1800" dirty="0">
+                <a:effectLst/>
+                <a:latin typeface="Arial" panose="020B0604020202020204" pitchFamily="34" charset="0"/>
+                <a:ea typeface="Calibri" panose="020F0502020204030204" pitchFamily="34" charset="0"/>
+                <a:cs typeface="Times New Roman" panose="02020603050405020304" pitchFamily="18" charset="0"/>
+              </a:rPr>
+              <a:t> et al. (2014) afirmam que a instabilidade da tarefa é o resultado da introdução de novos requisitos, de </a:t>
+            </a:r>
+            <a:r>
+              <a:rPr lang="pt-BR" sz="1800" dirty="0" err="1">
+                <a:effectLst/>
+                <a:latin typeface="Arial" panose="020B0604020202020204" pitchFamily="34" charset="0"/>
+                <a:ea typeface="Calibri" panose="020F0502020204030204" pitchFamily="34" charset="0"/>
+                <a:cs typeface="Times New Roman" panose="02020603050405020304" pitchFamily="18" charset="0"/>
+              </a:rPr>
+              <a:t>repriorizações</a:t>
+            </a:r>
+            <a:r>
+              <a:rPr lang="pt-BR" sz="1800" dirty="0">
+                <a:effectLst/>
+                <a:latin typeface="Arial" panose="020B0604020202020204" pitchFamily="34" charset="0"/>
+                <a:ea typeface="Calibri" panose="020F0502020204030204" pitchFamily="34" charset="0"/>
+                <a:cs typeface="Times New Roman" panose="02020603050405020304" pitchFamily="18" charset="0"/>
+              </a:rPr>
+              <a:t>, e requisições </a:t>
+            </a:r>
+            <a:r>
+              <a:rPr lang="pt-BR" sz="1800" dirty="0" err="1">
+                <a:effectLst/>
+                <a:latin typeface="Arial" panose="020B0604020202020204" pitchFamily="34" charset="0"/>
+                <a:ea typeface="Calibri" panose="020F0502020204030204" pitchFamily="34" charset="0"/>
+                <a:cs typeface="Times New Roman" panose="02020603050405020304" pitchFamily="18" charset="0"/>
+              </a:rPr>
+              <a:t>ex-post</a:t>
+            </a:r>
+            <a:r>
+              <a:rPr lang="pt-BR" sz="1800" dirty="0">
+                <a:effectLst/>
+                <a:latin typeface="Arial" panose="020B0604020202020204" pitchFamily="34" charset="0"/>
+                <a:ea typeface="Calibri" panose="020F0502020204030204" pitchFamily="34" charset="0"/>
+                <a:cs typeface="Times New Roman" panose="02020603050405020304" pitchFamily="18" charset="0"/>
+              </a:rPr>
+              <a:t>. Portanto, neste trabalho, a percepção da instabilidade da tarefa também seguirá a base teórica proposta por </a:t>
+            </a:r>
+            <a:r>
+              <a:rPr lang="pt-BR" sz="1800" dirty="0" err="1">
+                <a:effectLst/>
+                <a:latin typeface="Arial" panose="020B0604020202020204" pitchFamily="34" charset="0"/>
+                <a:ea typeface="Calibri" panose="020F0502020204030204" pitchFamily="34" charset="0"/>
+                <a:cs typeface="Times New Roman" panose="02020603050405020304" pitchFamily="18" charset="0"/>
+              </a:rPr>
+              <a:t>Kude</a:t>
+            </a:r>
+            <a:r>
+              <a:rPr lang="pt-BR" sz="1800" dirty="0">
+                <a:effectLst/>
+                <a:latin typeface="Arial" panose="020B0604020202020204" pitchFamily="34" charset="0"/>
+                <a:ea typeface="Calibri" panose="020F0502020204030204" pitchFamily="34" charset="0"/>
+                <a:cs typeface="Times New Roman" panose="02020603050405020304" pitchFamily="18" charset="0"/>
+              </a:rPr>
+              <a:t> et al. (2014) e é definida como a percepção do indivíduo sobre as mudanças que ocorrem em suas tarefas, em especial, com novos requisitos, </a:t>
+            </a:r>
+            <a:r>
+              <a:rPr lang="pt-BR" sz="1800" dirty="0" err="1">
+                <a:effectLst/>
+                <a:latin typeface="Arial" panose="020B0604020202020204" pitchFamily="34" charset="0"/>
+                <a:ea typeface="Calibri" panose="020F0502020204030204" pitchFamily="34" charset="0"/>
+                <a:cs typeface="Times New Roman" panose="02020603050405020304" pitchFamily="18" charset="0"/>
+              </a:rPr>
+              <a:t>repriorizações</a:t>
+            </a:r>
+            <a:r>
+              <a:rPr lang="pt-BR" sz="1800" dirty="0">
+                <a:effectLst/>
+                <a:latin typeface="Arial" panose="020B0604020202020204" pitchFamily="34" charset="0"/>
+                <a:ea typeface="Calibri" panose="020F0502020204030204" pitchFamily="34" charset="0"/>
+                <a:cs typeface="Times New Roman" panose="02020603050405020304" pitchFamily="18" charset="0"/>
+              </a:rPr>
+              <a:t> e prazos.</a:t>
             </a:r>
             <a:endParaRPr lang="pt-BR" sz="1800" dirty="0">
               <a:effectLst/>
@@ -5309,30 +6284,6 @@
             </a:endParaRPr>
           </a:p>
           <a:p>
-            <a:r>
-              <a:rPr lang="pt-BR" sz="1800" dirty="0">
-                <a:effectLst/>
-                <a:latin typeface="Arial" panose="020B0604020202020204" pitchFamily="34" charset="0"/>
-                <a:ea typeface="Times New Roman" panose="02020603050405020304" pitchFamily="18" charset="0"/>
-              </a:rPr>
-              <a:t>. De acordo com </a:t>
-            </a:r>
-            <a:r>
-              <a:rPr lang="pt-BR" sz="1800" dirty="0" err="1">
-                <a:effectLst/>
-                <a:latin typeface="Arial" panose="020B0604020202020204" pitchFamily="34" charset="0"/>
-                <a:ea typeface="Times New Roman" panose="02020603050405020304" pitchFamily="18" charset="0"/>
-              </a:rPr>
-              <a:t>Cullen</a:t>
-            </a:r>
-            <a:r>
-              <a:rPr lang="pt-BR" sz="1800" dirty="0">
-                <a:effectLst/>
-                <a:latin typeface="Arial" panose="020B0604020202020204" pitchFamily="34" charset="0"/>
-                <a:ea typeface="Times New Roman" panose="02020603050405020304" pitchFamily="18" charset="0"/>
-              </a:rPr>
-              <a:t> et al. (2014), adaptabilidade individual influencia a maneira como os indivíduos interpretam e respondem a uma situação. Para os autores, indivíduos mais adaptáveis são mais propensos a perceber as situações de maneira positiva. Por exemplo, os indivíduos visualizam o fato de aprender algo novo como um desafio e não como algo estressante ou negativo (CULLEN et al. 2014). </a:t>
-            </a:r>
             <a:endParaRPr lang="pt-BR" dirty="0"/>
           </a:p>
         </p:txBody>
@@ -5340,7 +6291,7 @@
     </p:spTree>
     <p:extLst>
       <p:ext uri="{BB962C8B-B14F-4D97-AF65-F5344CB8AC3E}">
-        <p14:creationId xmlns:p14="http://schemas.microsoft.com/office/powerpoint/2010/main" val="3440142623"/>
+        <p14:creationId xmlns:p14="http://schemas.microsoft.com/office/powerpoint/2010/main" val="746458256"/>
       </p:ext>
     </p:extLst>
   </p:cSld>
@@ -5390,7 +6341,7 @@
           <a:p>
             <a:r>
               <a:rPr lang="pt-BR" dirty="0"/>
-              <a:t>Hipóteses de pesquisa </a:t>
+              <a:t>Referencial teórico – Instabilidade</a:t>
             </a:r>
           </a:p>
         </p:txBody>
@@ -5416,14 +6367,40 @@
           <a:bodyPr/>
           <a:lstStyle/>
           <a:p>
-            <a:r>
-              <a:rPr lang="pt-BR" sz="1800" b="1" i="1" dirty="0">
-                <a:effectLst/>
-                <a:latin typeface="Arial" panose="020B0604020202020204" pitchFamily="34" charset="0"/>
-                <a:ea typeface="Times New Roman" panose="02020603050405020304" pitchFamily="18" charset="0"/>
-                <a:cs typeface="Times New Roman" panose="02020603050405020304" pitchFamily="18" charset="0"/>
-              </a:rPr>
-              <a:t>H1 - A percepção da adaptabilidade individual tem uma relação positiva com a satisfação com o trabalho dos indivíduos na Engenharia de Software.</a:t>
+            <a:pPr indent="457200" algn="just">
+              <a:lnSpc>
+                <a:spcPct val="150000"/>
+              </a:lnSpc>
+              <a:spcAft>
+                <a:spcPts val="600"/>
+              </a:spcAft>
+            </a:pPr>
+            <a:r>
+              <a:rPr lang="pt-BR" sz="1800" dirty="0">
+                <a:effectLst/>
+                <a:latin typeface="Arial" panose="020B0604020202020204" pitchFamily="34" charset="0"/>
+                <a:ea typeface="Calibri" panose="020F0502020204030204" pitchFamily="34" charset="0"/>
+                <a:cs typeface="Times New Roman" panose="02020603050405020304" pitchFamily="18" charset="0"/>
+              </a:rPr>
+              <a:t>Neste trabalho, serão utilizados os eventos que foram observados por </a:t>
+            </a:r>
+            <a:r>
+              <a:rPr lang="pt-BR" sz="1800" dirty="0" err="1">
+                <a:effectLst/>
+                <a:latin typeface="Arial" panose="020B0604020202020204" pitchFamily="34" charset="0"/>
+                <a:ea typeface="Calibri" panose="020F0502020204030204" pitchFamily="34" charset="0"/>
+                <a:cs typeface="Times New Roman" panose="02020603050405020304" pitchFamily="18" charset="0"/>
+              </a:rPr>
+              <a:t>Kude</a:t>
+            </a:r>
+            <a:r>
+              <a:rPr lang="pt-BR" sz="1800" dirty="0">
+                <a:effectLst/>
+                <a:latin typeface="Arial" panose="020B0604020202020204" pitchFamily="34" charset="0"/>
+                <a:ea typeface="Calibri" panose="020F0502020204030204" pitchFamily="34" charset="0"/>
+                <a:cs typeface="Times New Roman" panose="02020603050405020304" pitchFamily="18" charset="0"/>
+              </a:rPr>
+              <a:t> et al. (2014) que levam à instabilidade da equipe. Com isso, a percepção da instabilidade da equipe é definida como a percepção dos indivíduos quanto às mudanças que ocorrem em relação à saída e à entrada de membros que influenciam as atividades da equipe. </a:t>
             </a:r>
             <a:endParaRPr lang="pt-BR" sz="1800" dirty="0">
               <a:effectLst/>
@@ -5433,30 +6410,6 @@
             </a:endParaRPr>
           </a:p>
           <a:p>
-            <a:r>
-              <a:rPr lang="pt-BR" sz="1800" dirty="0">
-                <a:effectLst/>
-                <a:latin typeface="Arial" panose="020B0604020202020204" pitchFamily="34" charset="0"/>
-                <a:ea typeface="Times New Roman" panose="02020603050405020304" pitchFamily="18" charset="0"/>
-              </a:rPr>
-              <a:t>. De acordo com </a:t>
-            </a:r>
-            <a:r>
-              <a:rPr lang="pt-BR" sz="1800" dirty="0" err="1">
-                <a:effectLst/>
-                <a:latin typeface="Arial" panose="020B0604020202020204" pitchFamily="34" charset="0"/>
-                <a:ea typeface="Times New Roman" panose="02020603050405020304" pitchFamily="18" charset="0"/>
-              </a:rPr>
-              <a:t>Cullen</a:t>
-            </a:r>
-            <a:r>
-              <a:rPr lang="pt-BR" sz="1800" dirty="0">
-                <a:effectLst/>
-                <a:latin typeface="Arial" panose="020B0604020202020204" pitchFamily="34" charset="0"/>
-                <a:ea typeface="Times New Roman" panose="02020603050405020304" pitchFamily="18" charset="0"/>
-              </a:rPr>
-              <a:t> et al. (2014), adaptabilidade individual influencia a maneira como os indivíduos interpretam e respondem a uma situação. Para os autores, indivíduos mais adaptáveis são mais propensos a perceber as situações de maneira positiva. Por exemplo, os indivíduos visualizam o fato de aprender algo novo como um desafio e não como algo estressante ou negativo (CULLEN et al. 2014). </a:t>
-            </a:r>
             <a:endParaRPr lang="pt-BR" dirty="0"/>
           </a:p>
         </p:txBody>
@@ -5464,7 +6417,7 @@
     </p:spTree>
     <p:extLst>
       <p:ext uri="{BB962C8B-B14F-4D97-AF65-F5344CB8AC3E}">
-        <p14:creationId xmlns:p14="http://schemas.microsoft.com/office/powerpoint/2010/main" val="2758732310"/>
+        <p14:creationId xmlns:p14="http://schemas.microsoft.com/office/powerpoint/2010/main" val="1605111833"/>
       </p:ext>
     </p:extLst>
   </p:cSld>
@@ -5514,7 +6467,7 @@
           <a:p>
             <a:r>
               <a:rPr lang="pt-BR" dirty="0"/>
-              <a:t>Hipóteses de pesquisa </a:t>
+              <a:t>Referencial teórico – Instabilidade</a:t>
             </a:r>
           </a:p>
         </p:txBody>
@@ -5537,12 +6490,10 @@
         </p:nvSpPr>
         <p:spPr/>
         <p:txBody>
-          <a:bodyPr>
-            <a:normAutofit fontScale="85000" lnSpcReduction="10000"/>
-          </a:bodyPr>
-          <a:lstStyle/>
-          <a:p>
-            <a:pPr algn="just">
+          <a:bodyPr/>
+          <a:lstStyle/>
+          <a:p>
+            <a:pPr indent="457200" algn="just">
               <a:lnSpc>
                 <a:spcPct val="150000"/>
               </a:lnSpc>
@@ -5551,178 +6502,45 @@
               </a:spcAft>
             </a:pPr>
             <a:r>
-              <a:rPr lang="pt-BR" sz="1800" b="1" i="1" dirty="0">
+              <a:rPr lang="pt-BR" sz="1800" dirty="0">
                 <a:effectLst/>
                 <a:latin typeface="Arial" panose="020B0604020202020204" pitchFamily="34" charset="0"/>
                 <a:ea typeface="Times New Roman" panose="02020603050405020304" pitchFamily="18" charset="0"/>
-                <a:cs typeface="Times New Roman" panose="02020603050405020304" pitchFamily="18" charset="0"/>
-              </a:rPr>
-              <a:t>H2 – A percepção da adaptabilidade individual está relacionada negativamente com a percepção do </a:t>
-            </a:r>
-            <a:r>
-              <a:rPr lang="pt-BR" sz="1800" b="1" i="1" dirty="0" err="1">
+              </a:rPr>
+              <a:t>De acordo com </a:t>
+            </a:r>
+            <a:r>
+              <a:rPr lang="pt-BR" sz="1800" dirty="0" err="1">
+                <a:effectLst/>
+                <a:latin typeface="Arial" panose="020B0604020202020204" pitchFamily="34" charset="0"/>
+                <a:ea typeface="Calibri" panose="020F0502020204030204" pitchFamily="34" charset="0"/>
+              </a:rPr>
+              <a:t>Kude</a:t>
+            </a:r>
+            <a:r>
+              <a:rPr lang="pt-BR" sz="1800" dirty="0">
+                <a:effectLst/>
+                <a:latin typeface="Arial" panose="020B0604020202020204" pitchFamily="34" charset="0"/>
+                <a:ea typeface="Calibri" panose="020F0502020204030204" pitchFamily="34" charset="0"/>
+              </a:rPr>
+              <a:t> et al. (2014), a instabilidade tecnológica é</a:t>
+            </a:r>
+            <a:r>
+              <a:rPr lang="pt-BR" sz="1800" dirty="0">
                 <a:effectLst/>
                 <a:latin typeface="Arial" panose="020B0604020202020204" pitchFamily="34" charset="0"/>
                 <a:ea typeface="Times New Roman" panose="02020603050405020304" pitchFamily="18" charset="0"/>
-                <a:cs typeface="Times New Roman" panose="02020603050405020304" pitchFamily="18" charset="0"/>
-              </a:rPr>
-              <a:t>burnout</a:t>
-            </a:r>
-            <a:r>
-              <a:rPr lang="pt-BR" sz="1800" b="1" i="1" dirty="0">
-                <a:effectLst/>
-                <a:latin typeface="Arial" panose="020B0604020202020204" pitchFamily="34" charset="0"/>
-                <a:ea typeface="Times New Roman" panose="02020603050405020304" pitchFamily="18" charset="0"/>
-                <a:cs typeface="Times New Roman" panose="02020603050405020304" pitchFamily="18" charset="0"/>
-              </a:rPr>
-              <a:t> dos indivíduos na Engenharia de Software. </a:t>
-            </a:r>
-            <a:endParaRPr lang="pt-BR" sz="1800" dirty="0">
-              <a:effectLst/>
-              <a:latin typeface="Times" panose="02020603050405020304" pitchFamily="18" charset="0"/>
-              <a:ea typeface="Times New Roman" panose="02020603050405020304" pitchFamily="18" charset="0"/>
-              <a:cs typeface="Times New Roman" panose="02020603050405020304" pitchFamily="18" charset="0"/>
-            </a:endParaRPr>
-          </a:p>
-          <a:p>
-            <a:pPr indent="270510" algn="just">
-              <a:lnSpc>
-                <a:spcPct val="150000"/>
-              </a:lnSpc>
-              <a:spcAft>
-                <a:spcPts val="600"/>
-              </a:spcAft>
-            </a:pPr>
-            <a:r>
-              <a:rPr lang="pt-BR" sz="1800" dirty="0">
-                <a:effectLst/>
-                <a:latin typeface="Arial" panose="020B0604020202020204" pitchFamily="34" charset="0"/>
-                <a:ea typeface="Calibri" panose="020F0502020204030204" pitchFamily="34" charset="0"/>
-                <a:cs typeface="Times New Roman" panose="02020603050405020304" pitchFamily="18" charset="0"/>
-              </a:rPr>
-              <a:t>Para </a:t>
-            </a:r>
-            <a:r>
-              <a:rPr lang="pt-BR" sz="1800" dirty="0" err="1">
-                <a:effectLst/>
-                <a:latin typeface="Arial" panose="020B0604020202020204" pitchFamily="34" charset="0"/>
-                <a:ea typeface="Calibri" panose="020F0502020204030204" pitchFamily="34" charset="0"/>
-                <a:cs typeface="Times New Roman" panose="02020603050405020304" pitchFamily="18" charset="0"/>
-              </a:rPr>
-              <a:t>Maslach</a:t>
-            </a:r>
-            <a:r>
-              <a:rPr lang="pt-BR" sz="1800" dirty="0">
-                <a:effectLst/>
-                <a:latin typeface="Arial" panose="020B0604020202020204" pitchFamily="34" charset="0"/>
-                <a:ea typeface="Calibri" panose="020F0502020204030204" pitchFamily="34" charset="0"/>
-                <a:cs typeface="Times New Roman" panose="02020603050405020304" pitchFamily="18" charset="0"/>
-              </a:rPr>
-              <a:t> e </a:t>
-            </a:r>
-            <a:r>
-              <a:rPr lang="pt-BR" sz="1800" dirty="0" err="1">
-                <a:effectLst/>
-                <a:latin typeface="Arial" panose="020B0604020202020204" pitchFamily="34" charset="0"/>
-                <a:ea typeface="Calibri" panose="020F0502020204030204" pitchFamily="34" charset="0"/>
-                <a:cs typeface="Times New Roman" panose="02020603050405020304" pitchFamily="18" charset="0"/>
-              </a:rPr>
-              <a:t>Leiter</a:t>
-            </a:r>
-            <a:r>
-              <a:rPr lang="pt-BR" sz="1800" dirty="0">
-                <a:effectLst/>
-                <a:latin typeface="Arial" panose="020B0604020202020204" pitchFamily="34" charset="0"/>
-                <a:ea typeface="Calibri" panose="020F0502020204030204" pitchFamily="34" charset="0"/>
-                <a:cs typeface="Times New Roman" panose="02020603050405020304" pitchFamily="18" charset="0"/>
-              </a:rPr>
-              <a:t> (2016), o </a:t>
-            </a:r>
-            <a:r>
-              <a:rPr lang="pt-BR" sz="1800" dirty="0" err="1">
-                <a:effectLst/>
-                <a:latin typeface="Arial" panose="020B0604020202020204" pitchFamily="34" charset="0"/>
-                <a:ea typeface="Calibri" panose="020F0502020204030204" pitchFamily="34" charset="0"/>
-                <a:cs typeface="Times New Roman" panose="02020603050405020304" pitchFamily="18" charset="0"/>
-              </a:rPr>
-              <a:t>burnout</a:t>
-            </a:r>
-            <a:r>
-              <a:rPr lang="pt-BR" sz="1800" dirty="0">
-                <a:effectLst/>
-                <a:latin typeface="Arial" panose="020B0604020202020204" pitchFamily="34" charset="0"/>
-                <a:ea typeface="Calibri" panose="020F0502020204030204" pitchFamily="34" charset="0"/>
-                <a:cs typeface="Times New Roman" panose="02020603050405020304" pitchFamily="18" charset="0"/>
-              </a:rPr>
-              <a:t> reflete uma incompatibilidade do design do trabalho com as preferências dos padrões de trabalho dos indivíduos e esse conflito é exaustivo, levando à retirada cínica e ao desânimo. Além disso, para </a:t>
-            </a:r>
-            <a:r>
-              <a:rPr lang="pt-BR" sz="1800" dirty="0" err="1">
-                <a:effectLst/>
-                <a:latin typeface="Arial" panose="020B0604020202020204" pitchFamily="34" charset="0"/>
-                <a:ea typeface="Calibri" panose="020F0502020204030204" pitchFamily="34" charset="0"/>
-                <a:cs typeface="Times New Roman" panose="02020603050405020304" pitchFamily="18" charset="0"/>
-              </a:rPr>
-              <a:t>Maslach</a:t>
-            </a:r>
-            <a:r>
-              <a:rPr lang="pt-BR" sz="1800" dirty="0">
-                <a:effectLst/>
-                <a:latin typeface="Arial" panose="020B0604020202020204" pitchFamily="34" charset="0"/>
-                <a:ea typeface="Calibri" panose="020F0502020204030204" pitchFamily="34" charset="0"/>
-                <a:cs typeface="Times New Roman" panose="02020603050405020304" pitchFamily="18" charset="0"/>
-              </a:rPr>
-              <a:t> e </a:t>
-            </a:r>
-            <a:r>
-              <a:rPr lang="pt-BR" sz="1800" dirty="0" err="1">
-                <a:effectLst/>
-                <a:latin typeface="Arial" panose="020B0604020202020204" pitchFamily="34" charset="0"/>
-                <a:ea typeface="Calibri" panose="020F0502020204030204" pitchFamily="34" charset="0"/>
-                <a:cs typeface="Times New Roman" panose="02020603050405020304" pitchFamily="18" charset="0"/>
-              </a:rPr>
-              <a:t>Leiter</a:t>
-            </a:r>
-            <a:r>
-              <a:rPr lang="pt-BR" sz="1800" dirty="0">
-                <a:effectLst/>
-                <a:latin typeface="Arial" panose="020B0604020202020204" pitchFamily="34" charset="0"/>
-                <a:ea typeface="Calibri" panose="020F0502020204030204" pitchFamily="34" charset="0"/>
-                <a:cs typeface="Times New Roman" panose="02020603050405020304" pitchFamily="18" charset="0"/>
-              </a:rPr>
-              <a:t> (2016), existem duas maneiras gerais de atacar o </a:t>
-            </a:r>
-            <a:r>
-              <a:rPr lang="pt-BR" sz="1800" dirty="0" err="1">
-                <a:effectLst/>
-                <a:latin typeface="Arial" panose="020B0604020202020204" pitchFamily="34" charset="0"/>
-                <a:ea typeface="Calibri" panose="020F0502020204030204" pitchFamily="34" charset="0"/>
-                <a:cs typeface="Times New Roman" panose="02020603050405020304" pitchFamily="18" charset="0"/>
-              </a:rPr>
-              <a:t>burnout</a:t>
-            </a:r>
-            <a:r>
-              <a:rPr lang="pt-BR" sz="1800" dirty="0">
-                <a:effectLst/>
-                <a:latin typeface="Arial" panose="020B0604020202020204" pitchFamily="34" charset="0"/>
-                <a:ea typeface="Calibri" panose="020F0502020204030204" pitchFamily="34" charset="0"/>
-                <a:cs typeface="Times New Roman" panose="02020603050405020304" pitchFamily="18" charset="0"/>
-              </a:rPr>
-              <a:t> do trabalho. A primeira é ajustar o design de trabalho para os indivíduos. Já a segunda consiste em desenvolver alternativas para que os membros da equipe possam tolerar as incompatibilidades do design do trabalho. É possível supor então que os membros precisem se adaptar ao design do trabalho. </a:t>
-            </a:r>
-            <a:endParaRPr lang="pt-BR" sz="1800" dirty="0">
-              <a:effectLst/>
-              <a:latin typeface="Times" panose="02020603050405020304" pitchFamily="18" charset="0"/>
-              <a:ea typeface="Times New Roman" panose="02020603050405020304" pitchFamily="18" charset="0"/>
-              <a:cs typeface="Times New Roman" panose="02020603050405020304" pitchFamily="18" charset="0"/>
-            </a:endParaRPr>
+              </a:rPr>
+              <a:t> causada pela introdução de um novo elemento tecnológico (novas linguagens, frameworks, API, modificação em software de terceiros que afeta o seu desenvolvimento de software...) ou por uma turbulência tecnológica (problemas relacionados ao ambiente e plataforma de desenvolvimento). </a:t>
+            </a:r>
+            <a:endParaRPr lang="pt-BR" dirty="0"/>
           </a:p>
         </p:txBody>
       </p:sp>
     </p:spTree>
     <p:extLst>
       <p:ext uri="{BB962C8B-B14F-4D97-AF65-F5344CB8AC3E}">
-        <p14:creationId xmlns:p14="http://schemas.microsoft.com/office/powerpoint/2010/main" val="3955292222"/>
+        <p14:creationId xmlns:p14="http://schemas.microsoft.com/office/powerpoint/2010/main" val="4250271933"/>
       </p:ext>
     </p:extLst>
   </p:cSld>
@@ -5795,19 +6613,9 @@
         </p:nvSpPr>
         <p:spPr/>
         <p:txBody>
-          <a:bodyPr>
-            <a:normAutofit fontScale="85000" lnSpcReduction="10000"/>
-          </a:bodyPr>
-          <a:lstStyle/>
-          <a:p>
-            <a:pPr algn="just">
-              <a:lnSpc>
-                <a:spcPct val="150000"/>
-              </a:lnSpc>
-              <a:spcAft>
-                <a:spcPts val="600"/>
-              </a:spcAft>
-            </a:pPr>
+          <a:bodyPr/>
+          <a:lstStyle/>
+          <a:p>
             <a:r>
               <a:rPr lang="pt-BR" sz="1800" b="1" i="1" dirty="0">
                 <a:effectLst/>
@@ -5815,25 +6623,7 @@
                 <a:ea typeface="Times New Roman" panose="02020603050405020304" pitchFamily="18" charset="0"/>
                 <a:cs typeface="Times New Roman" panose="02020603050405020304" pitchFamily="18" charset="0"/>
               </a:rPr>
-              <a:t>H3– A percepção da satisfação com o trabalho está relacionada negativamente com a percepção do </a:t>
-            </a:r>
-            <a:r>
-              <a:rPr lang="pt-BR" sz="1800" b="1" i="1" dirty="0" err="1">
-                <a:effectLst/>
-                <a:latin typeface="Arial" panose="020B0604020202020204" pitchFamily="34" charset="0"/>
-                <a:ea typeface="Times New Roman" panose="02020603050405020304" pitchFamily="18" charset="0"/>
-                <a:cs typeface="Times New Roman" panose="02020603050405020304" pitchFamily="18" charset="0"/>
-              </a:rPr>
-              <a:t>burnout</a:t>
-            </a:r>
-            <a:r>
-              <a:rPr lang="pt-BR" sz="1800" b="1" i="1" dirty="0">
-                <a:effectLst/>
-                <a:latin typeface="Arial" panose="020B0604020202020204" pitchFamily="34" charset="0"/>
-                <a:ea typeface="Times New Roman" panose="02020603050405020304" pitchFamily="18" charset="0"/>
-                <a:cs typeface="Times New Roman" panose="02020603050405020304" pitchFamily="18" charset="0"/>
-              </a:rPr>
-              <a:t> dos indivíduos na Engenharia de Software. </a:t>
+              <a:t>H1 - A percepção da adaptabilidade individual tem uma relação positiva com a satisfação com o trabalho dos indivíduos na Engenharia de Software.</a:t>
             </a:r>
             <a:endParaRPr lang="pt-BR" sz="1800" dirty="0">
               <a:effectLst/>
@@ -5843,145 +6633,38 @@
             </a:endParaRPr>
           </a:p>
           <a:p>
-            <a:pPr marL="0" indent="0" algn="just">
-              <a:lnSpc>
-                <a:spcPct val="150000"/>
-              </a:lnSpc>
-              <a:spcAft>
-                <a:spcPts val="600"/>
-              </a:spcAft>
-              <a:buNone/>
-            </a:pPr>
             <a:r>
               <a:rPr lang="pt-BR" sz="1800" dirty="0">
                 <a:effectLst/>
                 <a:latin typeface="Arial" panose="020B0604020202020204" pitchFamily="34" charset="0"/>
-                <a:ea typeface="Calibri" panose="020F0502020204030204" pitchFamily="34" charset="0"/>
-                <a:cs typeface="Times New Roman" panose="02020603050405020304" pitchFamily="18" charset="0"/>
-              </a:rPr>
-              <a:t>Para </a:t>
+                <a:ea typeface="Times New Roman" panose="02020603050405020304" pitchFamily="18" charset="0"/>
+              </a:rPr>
+              <a:t>. De acordo com </a:t>
             </a:r>
             <a:r>
               <a:rPr lang="pt-BR" sz="1800" dirty="0" err="1">
                 <a:effectLst/>
                 <a:latin typeface="Arial" panose="020B0604020202020204" pitchFamily="34" charset="0"/>
-                <a:ea typeface="Calibri" panose="020F0502020204030204" pitchFamily="34" charset="0"/>
-                <a:cs typeface="Times New Roman" panose="02020603050405020304" pitchFamily="18" charset="0"/>
-              </a:rPr>
-              <a:t>Maslach</a:t>
+                <a:ea typeface="Times New Roman" panose="02020603050405020304" pitchFamily="18" charset="0"/>
+              </a:rPr>
+              <a:t>Cullen</a:t>
             </a:r>
             <a:r>
               <a:rPr lang="pt-BR" sz="1800" dirty="0">
                 <a:effectLst/>
                 <a:latin typeface="Arial" panose="020B0604020202020204" pitchFamily="34" charset="0"/>
-                <a:ea typeface="Calibri" panose="020F0502020204030204" pitchFamily="34" charset="0"/>
-                <a:cs typeface="Times New Roman" panose="02020603050405020304" pitchFamily="18" charset="0"/>
-              </a:rPr>
-              <a:t> e </a:t>
-            </a:r>
-            <a:r>
-              <a:rPr lang="pt-BR" sz="1800" dirty="0" err="1">
-                <a:effectLst/>
-                <a:latin typeface="Arial" panose="020B0604020202020204" pitchFamily="34" charset="0"/>
-                <a:ea typeface="Calibri" panose="020F0502020204030204" pitchFamily="34" charset="0"/>
-                <a:cs typeface="Times New Roman" panose="02020603050405020304" pitchFamily="18" charset="0"/>
-              </a:rPr>
-              <a:t>Leiter</a:t>
-            </a:r>
-            <a:r>
-              <a:rPr lang="pt-BR" sz="1800" dirty="0">
-                <a:effectLst/>
-                <a:latin typeface="Arial" panose="020B0604020202020204" pitchFamily="34" charset="0"/>
-                <a:ea typeface="Calibri" panose="020F0502020204030204" pitchFamily="34" charset="0"/>
-                <a:cs typeface="Times New Roman" panose="02020603050405020304" pitchFamily="18" charset="0"/>
-              </a:rPr>
-              <a:t> (2016), o </a:t>
-            </a:r>
-            <a:r>
-              <a:rPr lang="pt-BR" sz="1800" dirty="0" err="1">
-                <a:effectLst/>
-                <a:latin typeface="Arial" panose="020B0604020202020204" pitchFamily="34" charset="0"/>
-                <a:ea typeface="Calibri" panose="020F0502020204030204" pitchFamily="34" charset="0"/>
-                <a:cs typeface="Times New Roman" panose="02020603050405020304" pitchFamily="18" charset="0"/>
-              </a:rPr>
-              <a:t>burnout</a:t>
-            </a:r>
-            <a:r>
-              <a:rPr lang="pt-BR" sz="1800" dirty="0">
-                <a:effectLst/>
-                <a:latin typeface="Arial" panose="020B0604020202020204" pitchFamily="34" charset="0"/>
-                <a:ea typeface="Calibri" panose="020F0502020204030204" pitchFamily="34" charset="0"/>
-                <a:cs typeface="Times New Roman" panose="02020603050405020304" pitchFamily="18" charset="0"/>
-              </a:rPr>
-              <a:t> reflete uma incompatibilidade do design do trabalho com as preferências dos padrões de trabalho dos indivíduos e esse conflito é exaustivo, levando à retirada cínica e ao desânimo. Além disso, para </a:t>
-            </a:r>
-            <a:r>
-              <a:rPr lang="pt-BR" sz="1800" dirty="0" err="1">
-                <a:effectLst/>
-                <a:latin typeface="Arial" panose="020B0604020202020204" pitchFamily="34" charset="0"/>
-                <a:ea typeface="Calibri" panose="020F0502020204030204" pitchFamily="34" charset="0"/>
-                <a:cs typeface="Times New Roman" panose="02020603050405020304" pitchFamily="18" charset="0"/>
-              </a:rPr>
-              <a:t>Maslach</a:t>
-            </a:r>
-            <a:r>
-              <a:rPr lang="pt-BR" sz="1800" dirty="0">
-                <a:effectLst/>
-                <a:latin typeface="Arial" panose="020B0604020202020204" pitchFamily="34" charset="0"/>
-                <a:ea typeface="Calibri" panose="020F0502020204030204" pitchFamily="34" charset="0"/>
-                <a:cs typeface="Times New Roman" panose="02020603050405020304" pitchFamily="18" charset="0"/>
-              </a:rPr>
-              <a:t> e </a:t>
-            </a:r>
-            <a:r>
-              <a:rPr lang="pt-BR" sz="1800" dirty="0" err="1">
-                <a:effectLst/>
-                <a:latin typeface="Arial" panose="020B0604020202020204" pitchFamily="34" charset="0"/>
-                <a:ea typeface="Calibri" panose="020F0502020204030204" pitchFamily="34" charset="0"/>
-                <a:cs typeface="Times New Roman" panose="02020603050405020304" pitchFamily="18" charset="0"/>
-              </a:rPr>
-              <a:t>Leiter</a:t>
-            </a:r>
-            <a:r>
-              <a:rPr lang="pt-BR" sz="1800" dirty="0">
-                <a:effectLst/>
-                <a:latin typeface="Arial" panose="020B0604020202020204" pitchFamily="34" charset="0"/>
-                <a:ea typeface="Calibri" panose="020F0502020204030204" pitchFamily="34" charset="0"/>
-                <a:cs typeface="Times New Roman" panose="02020603050405020304" pitchFamily="18" charset="0"/>
-              </a:rPr>
-              <a:t> (2016), existem duas maneiras gerais de atacar o </a:t>
-            </a:r>
-            <a:r>
-              <a:rPr lang="pt-BR" sz="1800" dirty="0" err="1">
-                <a:effectLst/>
-                <a:latin typeface="Arial" panose="020B0604020202020204" pitchFamily="34" charset="0"/>
-                <a:ea typeface="Calibri" panose="020F0502020204030204" pitchFamily="34" charset="0"/>
-                <a:cs typeface="Times New Roman" panose="02020603050405020304" pitchFamily="18" charset="0"/>
-              </a:rPr>
-              <a:t>burnout</a:t>
-            </a:r>
-            <a:r>
-              <a:rPr lang="pt-BR" sz="1800" dirty="0">
-                <a:effectLst/>
-                <a:latin typeface="Arial" panose="020B0604020202020204" pitchFamily="34" charset="0"/>
-                <a:ea typeface="Calibri" panose="020F0502020204030204" pitchFamily="34" charset="0"/>
-                <a:cs typeface="Times New Roman" panose="02020603050405020304" pitchFamily="18" charset="0"/>
-              </a:rPr>
-              <a:t> do trabalho. A primeira é ajustar o design de trabalho para os indivíduos. Já a segunda consiste em desenvolver alternativas para que os membros da equipe possam tolerar as incompatibilidades do design do trabalho. É possível supor então que os membros precisem se adaptar ao design do trabalho. </a:t>
-            </a:r>
-            <a:endParaRPr lang="pt-BR" sz="1800" dirty="0">
-              <a:effectLst/>
-              <a:latin typeface="Times" panose="02020603050405020304" pitchFamily="18" charset="0"/>
-              <a:ea typeface="Times New Roman" panose="02020603050405020304" pitchFamily="18" charset="0"/>
-              <a:cs typeface="Times New Roman" panose="02020603050405020304" pitchFamily="18" charset="0"/>
-            </a:endParaRPr>
+                <a:ea typeface="Times New Roman" panose="02020603050405020304" pitchFamily="18" charset="0"/>
+              </a:rPr>
+              <a:t> et al. (2014), adaptabilidade individual influencia a maneira como os indivíduos interpretam e respondem a uma situação. Para os autores, indivíduos mais adaptáveis são mais propensos a perceber as situações de maneira positiva. Por exemplo, os indivíduos visualizam o fato de aprender algo novo como um desafio e não como algo estressante ou negativo (CULLEN et al. 2014). </a:t>
+            </a:r>
+            <a:endParaRPr lang="pt-BR" dirty="0"/>
           </a:p>
         </p:txBody>
       </p:sp>
     </p:spTree>
     <p:extLst>
       <p:ext uri="{BB962C8B-B14F-4D97-AF65-F5344CB8AC3E}">
-        <p14:creationId xmlns:p14="http://schemas.microsoft.com/office/powerpoint/2010/main" val="2716498316"/>
+        <p14:creationId xmlns:p14="http://schemas.microsoft.com/office/powerpoint/2010/main" val="3440142623"/>
       </p:ext>
     </p:extLst>
   </p:cSld>
@@ -6054,42 +6737,17 @@
         </p:nvSpPr>
         <p:spPr/>
         <p:txBody>
-          <a:bodyPr>
-            <a:normAutofit/>
-          </a:bodyPr>
-          <a:lstStyle/>
-          <a:p>
-            <a:pPr algn="just">
-              <a:lnSpc>
-                <a:spcPct val="150000"/>
-              </a:lnSpc>
-              <a:spcAft>
-                <a:spcPts val="600"/>
-              </a:spcAft>
-            </a:pPr>
+          <a:bodyPr/>
+          <a:lstStyle/>
+          <a:p>
             <a:r>
               <a:rPr lang="pt-BR" sz="1800" b="1" i="1" dirty="0">
-                <a:solidFill>
-                  <a:srgbClr val="000000"/>
-                </a:solidFill>
                 <a:effectLst/>
                 <a:latin typeface="Arial" panose="020B0604020202020204" pitchFamily="34" charset="0"/>
                 <a:ea typeface="Times New Roman" panose="02020603050405020304" pitchFamily="18" charset="0"/>
                 <a:cs typeface="Times New Roman" panose="02020603050405020304" pitchFamily="18" charset="0"/>
               </a:rPr>
-              <a:t>H4 - A percepção da instabilidade está relacionada positivamente com </a:t>
-            </a:r>
-            <a:r>
-              <a:rPr lang="pt-BR" sz="1800" b="1" i="1" dirty="0" err="1">
-                <a:solidFill>
-                  <a:srgbClr val="000000"/>
-                </a:solidFill>
-                <a:effectLst/>
-                <a:latin typeface="Arial" panose="020B0604020202020204" pitchFamily="34" charset="0"/>
-                <a:ea typeface="Times New Roman" panose="02020603050405020304" pitchFamily="18" charset="0"/>
-                <a:cs typeface="Times New Roman" panose="02020603050405020304" pitchFamily="18" charset="0"/>
-              </a:rPr>
-              <a:t>burnout</a:t>
+              <a:t>H1 - A percepção da adaptabilidade individual tem uma relação positiva com a satisfação com o trabalho dos indivíduos na Engenharia de Software.</a:t>
             </a:r>
             <a:endParaRPr lang="pt-BR" sz="1800" dirty="0">
               <a:effectLst/>
@@ -6098,12 +6756,39 @@
               <a:cs typeface="Times New Roman" panose="02020603050405020304" pitchFamily="18" charset="0"/>
             </a:endParaRPr>
           </a:p>
+          <a:p>
+            <a:r>
+              <a:rPr lang="pt-BR" sz="1800" dirty="0">
+                <a:effectLst/>
+                <a:latin typeface="Arial" panose="020B0604020202020204" pitchFamily="34" charset="0"/>
+                <a:ea typeface="Times New Roman" panose="02020603050405020304" pitchFamily="18" charset="0"/>
+              </a:rPr>
+              <a:t>. De acordo com </a:t>
+            </a:r>
+            <a:r>
+              <a:rPr lang="pt-BR" sz="1800" dirty="0" err="1">
+                <a:effectLst/>
+                <a:latin typeface="Arial" panose="020B0604020202020204" pitchFamily="34" charset="0"/>
+                <a:ea typeface="Times New Roman" panose="02020603050405020304" pitchFamily="18" charset="0"/>
+              </a:rPr>
+              <a:t>Cullen</a:t>
+            </a:r>
+            <a:r>
+              <a:rPr lang="pt-BR" sz="1800" dirty="0">
+                <a:effectLst/>
+                <a:latin typeface="Arial" panose="020B0604020202020204" pitchFamily="34" charset="0"/>
+                <a:ea typeface="Times New Roman" panose="02020603050405020304" pitchFamily="18" charset="0"/>
+              </a:rPr>
+              <a:t> et al. (2014), adaptabilidade individual influencia a maneira como os indivíduos interpretam e respondem a uma situação. Para os autores, indivíduos mais adaptáveis são mais propensos a perceber as situações de maneira positiva. Por exemplo, os indivíduos visualizam o fato de aprender algo novo como um desafio e não como algo estressante ou negativo (CULLEN et al. 2014). </a:t>
+            </a:r>
+            <a:endParaRPr lang="pt-BR" dirty="0"/>
+          </a:p>
         </p:txBody>
       </p:sp>
     </p:spTree>
     <p:extLst>
       <p:ext uri="{BB962C8B-B14F-4D97-AF65-F5344CB8AC3E}">
-        <p14:creationId xmlns:p14="http://schemas.microsoft.com/office/powerpoint/2010/main" val="317032407"/>
+        <p14:creationId xmlns:p14="http://schemas.microsoft.com/office/powerpoint/2010/main" val="2758732310"/>
       </p:ext>
     </p:extLst>
   </p:cSld>
@@ -6177,7 +6862,7 @@
         <p:spPr/>
         <p:txBody>
           <a:bodyPr>
-            <a:normAutofit/>
+            <a:normAutofit fontScale="85000" lnSpcReduction="10000"/>
           </a:bodyPr>
           <a:lstStyle/>
           <a:p>
@@ -6191,15 +6876,30 @@
             </a:pPr>
             <a:r>
               <a:rPr lang="pt-BR" sz="1800" b="1" i="1" dirty="0">
-                <a:solidFill>
-                  <a:srgbClr val="000000"/>
-                </a:solidFill>
                 <a:effectLst/>
                 <a:latin typeface="Arial" panose="020B0604020202020204" pitchFamily="34" charset="0"/>
                 <a:ea typeface="Times New Roman" panose="02020603050405020304" pitchFamily="18" charset="0"/>
                 <a:cs typeface="Times New Roman" panose="02020603050405020304" pitchFamily="18" charset="0"/>
               </a:rPr>
-              <a:t>H5 - A percepção da instabilidade está relacionada negativamente com a satisfação</a:t>
+              <a:t>H2 – A percepção da adaptabilidade individual está relacionada negativamente com a percepção do </a:t>
+            </a:r>
+            <a:r>
+              <a:rPr lang="pt-BR" sz="1800" b="1" i="1" dirty="0" err="1">
+                <a:effectLst/>
+                <a:latin typeface="Arial" panose="020B0604020202020204" pitchFamily="34" charset="0"/>
+                <a:ea typeface="Times New Roman" panose="02020603050405020304" pitchFamily="18" charset="0"/>
+                <a:cs typeface="Times New Roman" panose="02020603050405020304" pitchFamily="18" charset="0"/>
+              </a:rPr>
+              <a:t>burnout</a:t>
+            </a:r>
+            <a:r>
+              <a:rPr lang="pt-BR" sz="1800" b="1" i="1" dirty="0">
+                <a:effectLst/>
+                <a:latin typeface="Arial" panose="020B0604020202020204" pitchFamily="34" charset="0"/>
+                <a:ea typeface="Times New Roman" panose="02020603050405020304" pitchFamily="18" charset="0"/>
+                <a:cs typeface="Times New Roman" panose="02020603050405020304" pitchFamily="18" charset="0"/>
+              </a:rPr>
+              <a:t> dos indivíduos na Engenharia de Software. </a:t>
             </a:r>
             <a:endParaRPr lang="pt-BR" sz="1800" dirty="0">
               <a:effectLst/>
@@ -6208,12 +6908,145 @@
               <a:cs typeface="Times New Roman" panose="02020603050405020304" pitchFamily="18" charset="0"/>
             </a:endParaRPr>
           </a:p>
+          <a:p>
+            <a:pPr indent="270510" algn="just">
+              <a:lnSpc>
+                <a:spcPct val="150000"/>
+              </a:lnSpc>
+              <a:spcAft>
+                <a:spcPts val="600"/>
+              </a:spcAft>
+            </a:pPr>
+            <a:r>
+              <a:rPr lang="pt-BR" sz="1800" dirty="0">
+                <a:effectLst/>
+                <a:latin typeface="Arial" panose="020B0604020202020204" pitchFamily="34" charset="0"/>
+                <a:ea typeface="Calibri" panose="020F0502020204030204" pitchFamily="34" charset="0"/>
+                <a:cs typeface="Times New Roman" panose="02020603050405020304" pitchFamily="18" charset="0"/>
+              </a:rPr>
+              <a:t>Para </a:t>
+            </a:r>
+            <a:r>
+              <a:rPr lang="pt-BR" sz="1800" dirty="0" err="1">
+                <a:effectLst/>
+                <a:latin typeface="Arial" panose="020B0604020202020204" pitchFamily="34" charset="0"/>
+                <a:ea typeface="Calibri" panose="020F0502020204030204" pitchFamily="34" charset="0"/>
+                <a:cs typeface="Times New Roman" panose="02020603050405020304" pitchFamily="18" charset="0"/>
+              </a:rPr>
+              <a:t>Maslach</a:t>
+            </a:r>
+            <a:r>
+              <a:rPr lang="pt-BR" sz="1800" dirty="0">
+                <a:effectLst/>
+                <a:latin typeface="Arial" panose="020B0604020202020204" pitchFamily="34" charset="0"/>
+                <a:ea typeface="Calibri" panose="020F0502020204030204" pitchFamily="34" charset="0"/>
+                <a:cs typeface="Times New Roman" panose="02020603050405020304" pitchFamily="18" charset="0"/>
+              </a:rPr>
+              <a:t> e </a:t>
+            </a:r>
+            <a:r>
+              <a:rPr lang="pt-BR" sz="1800" dirty="0" err="1">
+                <a:effectLst/>
+                <a:latin typeface="Arial" panose="020B0604020202020204" pitchFamily="34" charset="0"/>
+                <a:ea typeface="Calibri" panose="020F0502020204030204" pitchFamily="34" charset="0"/>
+                <a:cs typeface="Times New Roman" panose="02020603050405020304" pitchFamily="18" charset="0"/>
+              </a:rPr>
+              <a:t>Leiter</a:t>
+            </a:r>
+            <a:r>
+              <a:rPr lang="pt-BR" sz="1800" dirty="0">
+                <a:effectLst/>
+                <a:latin typeface="Arial" panose="020B0604020202020204" pitchFamily="34" charset="0"/>
+                <a:ea typeface="Calibri" panose="020F0502020204030204" pitchFamily="34" charset="0"/>
+                <a:cs typeface="Times New Roman" panose="02020603050405020304" pitchFamily="18" charset="0"/>
+              </a:rPr>
+              <a:t> (2016), o </a:t>
+            </a:r>
+            <a:r>
+              <a:rPr lang="pt-BR" sz="1800" dirty="0" err="1">
+                <a:effectLst/>
+                <a:latin typeface="Arial" panose="020B0604020202020204" pitchFamily="34" charset="0"/>
+                <a:ea typeface="Calibri" panose="020F0502020204030204" pitchFamily="34" charset="0"/>
+                <a:cs typeface="Times New Roman" panose="02020603050405020304" pitchFamily="18" charset="0"/>
+              </a:rPr>
+              <a:t>burnout</a:t>
+            </a:r>
+            <a:r>
+              <a:rPr lang="pt-BR" sz="1800" dirty="0">
+                <a:effectLst/>
+                <a:latin typeface="Arial" panose="020B0604020202020204" pitchFamily="34" charset="0"/>
+                <a:ea typeface="Calibri" panose="020F0502020204030204" pitchFamily="34" charset="0"/>
+                <a:cs typeface="Times New Roman" panose="02020603050405020304" pitchFamily="18" charset="0"/>
+              </a:rPr>
+              <a:t> reflete uma incompatibilidade do design do trabalho com as preferências dos padrões de trabalho dos indivíduos e esse conflito é exaustivo, levando à retirada cínica e ao desânimo. Além disso, para </a:t>
+            </a:r>
+            <a:r>
+              <a:rPr lang="pt-BR" sz="1800" dirty="0" err="1">
+                <a:effectLst/>
+                <a:latin typeface="Arial" panose="020B0604020202020204" pitchFamily="34" charset="0"/>
+                <a:ea typeface="Calibri" panose="020F0502020204030204" pitchFamily="34" charset="0"/>
+                <a:cs typeface="Times New Roman" panose="02020603050405020304" pitchFamily="18" charset="0"/>
+              </a:rPr>
+              <a:t>Maslach</a:t>
+            </a:r>
+            <a:r>
+              <a:rPr lang="pt-BR" sz="1800" dirty="0">
+                <a:effectLst/>
+                <a:latin typeface="Arial" panose="020B0604020202020204" pitchFamily="34" charset="0"/>
+                <a:ea typeface="Calibri" panose="020F0502020204030204" pitchFamily="34" charset="0"/>
+                <a:cs typeface="Times New Roman" panose="02020603050405020304" pitchFamily="18" charset="0"/>
+              </a:rPr>
+              <a:t> e </a:t>
+            </a:r>
+            <a:r>
+              <a:rPr lang="pt-BR" sz="1800" dirty="0" err="1">
+                <a:effectLst/>
+                <a:latin typeface="Arial" panose="020B0604020202020204" pitchFamily="34" charset="0"/>
+                <a:ea typeface="Calibri" panose="020F0502020204030204" pitchFamily="34" charset="0"/>
+                <a:cs typeface="Times New Roman" panose="02020603050405020304" pitchFamily="18" charset="0"/>
+              </a:rPr>
+              <a:t>Leiter</a:t>
+            </a:r>
+            <a:r>
+              <a:rPr lang="pt-BR" sz="1800" dirty="0">
+                <a:effectLst/>
+                <a:latin typeface="Arial" panose="020B0604020202020204" pitchFamily="34" charset="0"/>
+                <a:ea typeface="Calibri" panose="020F0502020204030204" pitchFamily="34" charset="0"/>
+                <a:cs typeface="Times New Roman" panose="02020603050405020304" pitchFamily="18" charset="0"/>
+              </a:rPr>
+              <a:t> (2016), existem duas maneiras gerais de atacar o </a:t>
+            </a:r>
+            <a:r>
+              <a:rPr lang="pt-BR" sz="1800" dirty="0" err="1">
+                <a:effectLst/>
+                <a:latin typeface="Arial" panose="020B0604020202020204" pitchFamily="34" charset="0"/>
+                <a:ea typeface="Calibri" panose="020F0502020204030204" pitchFamily="34" charset="0"/>
+                <a:cs typeface="Times New Roman" panose="02020603050405020304" pitchFamily="18" charset="0"/>
+              </a:rPr>
+              <a:t>burnout</a:t>
+            </a:r>
+            <a:r>
+              <a:rPr lang="pt-BR" sz="1800" dirty="0">
+                <a:effectLst/>
+                <a:latin typeface="Arial" panose="020B0604020202020204" pitchFamily="34" charset="0"/>
+                <a:ea typeface="Calibri" panose="020F0502020204030204" pitchFamily="34" charset="0"/>
+                <a:cs typeface="Times New Roman" panose="02020603050405020304" pitchFamily="18" charset="0"/>
+              </a:rPr>
+              <a:t> do trabalho. A primeira é ajustar o design de trabalho para os indivíduos. Já a segunda consiste em desenvolver alternativas para que os membros da equipe possam tolerar as incompatibilidades do design do trabalho. É possível supor então que os membros precisem se adaptar ao design do trabalho. </a:t>
+            </a:r>
+            <a:endParaRPr lang="pt-BR" sz="1800" dirty="0">
+              <a:effectLst/>
+              <a:latin typeface="Times" panose="02020603050405020304" pitchFamily="18" charset="0"/>
+              <a:ea typeface="Times New Roman" panose="02020603050405020304" pitchFamily="18" charset="0"/>
+              <a:cs typeface="Times New Roman" panose="02020603050405020304" pitchFamily="18" charset="0"/>
+            </a:endParaRPr>
+          </a:p>
         </p:txBody>
       </p:sp>
     </p:spTree>
     <p:extLst>
       <p:ext uri="{BB962C8B-B14F-4D97-AF65-F5344CB8AC3E}">
-        <p14:creationId xmlns:p14="http://schemas.microsoft.com/office/powerpoint/2010/main" val="2703489997"/>
+        <p14:creationId xmlns:p14="http://schemas.microsoft.com/office/powerpoint/2010/main" val="3955292222"/>
       </p:ext>
     </p:extLst>
   </p:cSld>
@@ -6274,17 +7107,72 @@
         </p:nvSpPr>
         <p:spPr/>
         <p:txBody>
-          <a:bodyPr/>
-          <a:lstStyle/>
-          <a:p>
-            <a:pPr indent="270510" algn="just">
-              <a:lnSpc>
-                <a:spcPct val="150000"/>
-              </a:lnSpc>
-              <a:spcAft>
-                <a:spcPts val="600"/>
-              </a:spcAft>
-            </a:pPr>
+          <a:bodyPr>
+            <a:normAutofit lnSpcReduction="10000"/>
+          </a:bodyPr>
+          <a:lstStyle/>
+          <a:p>
+            <a:pPr lvl="1"/>
+            <a:endParaRPr lang="pt-BR" sz="1400" dirty="0">
+              <a:latin typeface="Arial" panose="020B0604020202020204" pitchFamily="34" charset="0"/>
+              <a:ea typeface="Times New Roman" panose="02020603050405020304" pitchFamily="18" charset="0"/>
+            </a:endParaRPr>
+          </a:p>
+          <a:p>
+            <a:endParaRPr lang="pt-BR" sz="1800" dirty="0">
+              <a:effectLst/>
+              <a:latin typeface="Arial" panose="020B0604020202020204" pitchFamily="34" charset="0"/>
+              <a:ea typeface="Times New Roman" panose="02020603050405020304" pitchFamily="18" charset="0"/>
+              <a:cs typeface="Times New Roman" panose="02020603050405020304" pitchFamily="18" charset="0"/>
+            </a:endParaRPr>
+          </a:p>
+          <a:p>
+            <a:endParaRPr lang="pt-BR" sz="1800" dirty="0">
+              <a:effectLst/>
+              <a:latin typeface="Arial" panose="020B0604020202020204" pitchFamily="34" charset="0"/>
+              <a:ea typeface="Times New Roman" panose="02020603050405020304" pitchFamily="18" charset="0"/>
+              <a:cs typeface="Times New Roman" panose="02020603050405020304" pitchFamily="18" charset="0"/>
+            </a:endParaRPr>
+          </a:p>
+          <a:p>
+            <a:endParaRPr lang="pt-BR" sz="1800" dirty="0">
+              <a:latin typeface="Arial" panose="020B0604020202020204" pitchFamily="34" charset="0"/>
+              <a:ea typeface="Times New Roman" panose="02020603050405020304" pitchFamily="18" charset="0"/>
+              <a:cs typeface="Times New Roman" panose="02020603050405020304" pitchFamily="18" charset="0"/>
+            </a:endParaRPr>
+          </a:p>
+          <a:p>
+            <a:endParaRPr lang="pt-BR" sz="1800" dirty="0">
+              <a:effectLst/>
+              <a:latin typeface="Arial" panose="020B0604020202020204" pitchFamily="34" charset="0"/>
+              <a:ea typeface="Times New Roman" panose="02020603050405020304" pitchFamily="18" charset="0"/>
+              <a:cs typeface="Times New Roman" panose="02020603050405020304" pitchFamily="18" charset="0"/>
+            </a:endParaRPr>
+          </a:p>
+          <a:p>
+            <a:endParaRPr lang="pt-BR" sz="1800" dirty="0">
+              <a:latin typeface="Arial" panose="020B0604020202020204" pitchFamily="34" charset="0"/>
+              <a:ea typeface="Times New Roman" panose="02020603050405020304" pitchFamily="18" charset="0"/>
+              <a:cs typeface="Times New Roman" panose="02020603050405020304" pitchFamily="18" charset="0"/>
+            </a:endParaRPr>
+          </a:p>
+          <a:p>
+            <a:endParaRPr lang="pt-BR" sz="1800" dirty="0">
+              <a:effectLst/>
+              <a:latin typeface="Arial" panose="020B0604020202020204" pitchFamily="34" charset="0"/>
+              <a:ea typeface="Times New Roman" panose="02020603050405020304" pitchFamily="18" charset="0"/>
+              <a:cs typeface="Times New Roman" panose="02020603050405020304" pitchFamily="18" charset="0"/>
+            </a:endParaRPr>
+          </a:p>
+          <a:p>
+            <a:endParaRPr lang="pt-BR" sz="1800" dirty="0">
+              <a:effectLst/>
+              <a:latin typeface="Arial" panose="020B0604020202020204" pitchFamily="34" charset="0"/>
+              <a:ea typeface="Times New Roman" panose="02020603050405020304" pitchFamily="18" charset="0"/>
+              <a:cs typeface="Times New Roman" panose="02020603050405020304" pitchFamily="18" charset="0"/>
+            </a:endParaRPr>
+          </a:p>
+          <a:p>
             <a:r>
               <a:rPr lang="pt-BR" sz="1800" dirty="0">
                 <a:effectLst/>
@@ -6292,7 +7180,18 @@
                 <a:ea typeface="Times New Roman" panose="02020603050405020304" pitchFamily="18" charset="0"/>
                 <a:cs typeface="Times New Roman" panose="02020603050405020304" pitchFamily="18" charset="0"/>
               </a:rPr>
-              <a:t>De fato, um dos quatro valores ágeis preconiza que a equipe e seus membros devem ter capacidade de resposta às mudanças acima de um plano preestabelecido. Além disso, um dos seus 12 princípios é que “em intervalos de tempo regulares, a equipe reflete sobre como se tornar mais efetiva e, então, refina e ajusta seu comportamento de acordo.”(MANIFESTO, 2001).</a:t>
+              <a:t>Mudanças de membros, de requisitos, atualizações na linguagem de programação e pressão no cronograma </a:t>
+            </a:r>
+          </a:p>
+          <a:p>
+            <a:r>
+              <a:rPr lang="pt-BR" sz="1800" dirty="0">
+                <a:effectLst/>
+                <a:latin typeface="Arial" panose="020B0604020202020204" pitchFamily="34" charset="0"/>
+                <a:ea typeface="Times New Roman" panose="02020603050405020304" pitchFamily="18" charset="0"/>
+                <a:cs typeface="Times New Roman" panose="02020603050405020304" pitchFamily="18" charset="0"/>
+              </a:rPr>
+              <a:t>(BOEHM, 2007; MELNIK; MAURER, 2006). </a:t>
             </a:r>
             <a:endParaRPr lang="pt-BR" sz="1800" dirty="0">
               <a:effectLst/>
@@ -6302,14 +7201,62 @@
             </a:endParaRPr>
           </a:p>
           <a:p>
+            <a:pPr lvl="1"/>
             <a:endParaRPr lang="pt-BR" dirty="0"/>
           </a:p>
         </p:txBody>
       </p:sp>
+      <p:pic>
+        <p:nvPicPr>
+          <p:cNvPr id="1028" name="Picture 4" descr="Como está a rotatividade de funcionários em sua empresa? - Blog da Qualidade">
+            <a:extLst>
+              <a:ext uri="{FF2B5EF4-FFF2-40B4-BE49-F238E27FC236}">
+                <a16:creationId xmlns:a16="http://schemas.microsoft.com/office/drawing/2014/main" id="{2EBBFCE4-A4C0-4DFC-99ED-6245183B982E}"/>
+              </a:ext>
+            </a:extLst>
+          </p:cNvPr>
+          <p:cNvPicPr>
+            <a:picLocks noChangeAspect="1" noChangeArrowheads="1"/>
+          </p:cNvPicPr>
+          <p:nvPr/>
+        </p:nvPicPr>
+        <p:blipFill>
+          <a:blip r:embed="rId2">
+            <a:extLst>
+              <a:ext uri="{28A0092B-C50C-407E-A947-70E740481C1C}">
+                <a14:useLocalDpi xmlns:a14="http://schemas.microsoft.com/office/drawing/2010/main" val="0"/>
+              </a:ext>
+            </a:extLst>
+          </a:blip>
+          <a:srcRect/>
+          <a:stretch>
+            <a:fillRect/>
+          </a:stretch>
+        </p:blipFill>
+        <p:spPr bwMode="auto">
+          <a:xfrm>
+            <a:off x="2843808" y="2348880"/>
+            <a:ext cx="3024336" cy="2674412"/>
+          </a:xfrm>
+          <a:prstGeom prst="rect">
+            <a:avLst/>
+          </a:prstGeom>
+          <a:noFill/>
+          <a:extLst>
+            <a:ext uri="{909E8E84-426E-40DD-AFC4-6F175D3DCCD1}">
+              <a14:hiddenFill xmlns:a14="http://schemas.microsoft.com/office/drawing/2010/main">
+                <a:solidFill>
+                  <a:srgbClr val="FFFFFF"/>
+                </a:solidFill>
+              </a14:hiddenFill>
+            </a:ext>
+          </a:extLst>
+        </p:spPr>
+      </p:pic>
     </p:spTree>
     <p:extLst>
       <p:ext uri="{BB962C8B-B14F-4D97-AF65-F5344CB8AC3E}">
-        <p14:creationId xmlns:p14="http://schemas.microsoft.com/office/powerpoint/2010/main" val="3966834709"/>
+        <p14:creationId xmlns:p14="http://schemas.microsoft.com/office/powerpoint/2010/main" val="3028707858"/>
       </p:ext>
     </p:extLst>
   </p:cSld>
@@ -6320,6 +7267,497 @@
 </file>
 
 <file path=ppt/slides/slide40.xml><?xml version="1.0" encoding="utf-8"?>
+<p:sld xmlns:a="http://schemas.openxmlformats.org/drawingml/2006/main" xmlns:r="http://schemas.openxmlformats.org/officeDocument/2006/relationships" xmlns:p="http://schemas.openxmlformats.org/presentationml/2006/main">
+  <p:cSld>
+    <p:spTree>
+      <p:nvGrpSpPr>
+        <p:cNvPr id="1" name=""/>
+        <p:cNvGrpSpPr/>
+        <p:nvPr/>
+      </p:nvGrpSpPr>
+      <p:grpSpPr>
+        <a:xfrm>
+          <a:off x="0" y="0"/>
+          <a:ext cx="0" cy="0"/>
+          <a:chOff x="0" y="0"/>
+          <a:chExt cx="0" cy="0"/>
+        </a:xfrm>
+      </p:grpSpPr>
+      <p:sp>
+        <p:nvSpPr>
+          <p:cNvPr id="2" name="Título 1">
+            <a:extLst>
+              <a:ext uri="{FF2B5EF4-FFF2-40B4-BE49-F238E27FC236}">
+                <a16:creationId xmlns:a16="http://schemas.microsoft.com/office/drawing/2014/main" id="{1AC5E6FF-D9E3-41C4-9A2E-BA1B07FD1BB3}"/>
+              </a:ext>
+            </a:extLst>
+          </p:cNvPr>
+          <p:cNvSpPr>
+            <a:spLocks noGrp="1"/>
+          </p:cNvSpPr>
+          <p:nvPr>
+            <p:ph type="title"/>
+          </p:nvPr>
+        </p:nvSpPr>
+        <p:spPr/>
+        <p:txBody>
+          <a:bodyPr/>
+          <a:lstStyle/>
+          <a:p>
+            <a:r>
+              <a:rPr lang="pt-BR" dirty="0"/>
+              <a:t>Hipóteses de pesquisa </a:t>
+            </a:r>
+          </a:p>
+        </p:txBody>
+      </p:sp>
+      <p:sp>
+        <p:nvSpPr>
+          <p:cNvPr id="3" name="Espaço Reservado para Conteúdo 2">
+            <a:extLst>
+              <a:ext uri="{FF2B5EF4-FFF2-40B4-BE49-F238E27FC236}">
+                <a16:creationId xmlns:a16="http://schemas.microsoft.com/office/drawing/2014/main" id="{40F53813-4243-4409-AB7E-EB368A0479E2}"/>
+              </a:ext>
+            </a:extLst>
+          </p:cNvPr>
+          <p:cNvSpPr>
+            <a:spLocks noGrp="1"/>
+          </p:cNvSpPr>
+          <p:nvPr>
+            <p:ph idx="1"/>
+          </p:nvPr>
+        </p:nvSpPr>
+        <p:spPr/>
+        <p:txBody>
+          <a:bodyPr>
+            <a:normAutofit fontScale="85000" lnSpcReduction="10000"/>
+          </a:bodyPr>
+          <a:lstStyle/>
+          <a:p>
+            <a:pPr algn="just">
+              <a:lnSpc>
+                <a:spcPct val="150000"/>
+              </a:lnSpc>
+              <a:spcAft>
+                <a:spcPts val="600"/>
+              </a:spcAft>
+            </a:pPr>
+            <a:r>
+              <a:rPr lang="pt-BR" sz="1800" b="1" i="1" dirty="0">
+                <a:effectLst/>
+                <a:latin typeface="Arial" panose="020B0604020202020204" pitchFamily="34" charset="0"/>
+                <a:ea typeface="Times New Roman" panose="02020603050405020304" pitchFamily="18" charset="0"/>
+                <a:cs typeface="Times New Roman" panose="02020603050405020304" pitchFamily="18" charset="0"/>
+              </a:rPr>
+              <a:t>H3– A percepção da satisfação com o trabalho está relacionada negativamente com a percepção do </a:t>
+            </a:r>
+            <a:r>
+              <a:rPr lang="pt-BR" sz="1800" b="1" i="1" dirty="0" err="1">
+                <a:effectLst/>
+                <a:latin typeface="Arial" panose="020B0604020202020204" pitchFamily="34" charset="0"/>
+                <a:ea typeface="Times New Roman" panose="02020603050405020304" pitchFamily="18" charset="0"/>
+                <a:cs typeface="Times New Roman" panose="02020603050405020304" pitchFamily="18" charset="0"/>
+              </a:rPr>
+              <a:t>burnout</a:t>
+            </a:r>
+            <a:r>
+              <a:rPr lang="pt-BR" sz="1800" b="1" i="1" dirty="0">
+                <a:effectLst/>
+                <a:latin typeface="Arial" panose="020B0604020202020204" pitchFamily="34" charset="0"/>
+                <a:ea typeface="Times New Roman" panose="02020603050405020304" pitchFamily="18" charset="0"/>
+                <a:cs typeface="Times New Roman" panose="02020603050405020304" pitchFamily="18" charset="0"/>
+              </a:rPr>
+              <a:t> dos indivíduos na Engenharia de Software. </a:t>
+            </a:r>
+            <a:endParaRPr lang="pt-BR" sz="1800" dirty="0">
+              <a:effectLst/>
+              <a:latin typeface="Times" panose="02020603050405020304" pitchFamily="18" charset="0"/>
+              <a:ea typeface="Times New Roman" panose="02020603050405020304" pitchFamily="18" charset="0"/>
+              <a:cs typeface="Times New Roman" panose="02020603050405020304" pitchFamily="18" charset="0"/>
+            </a:endParaRPr>
+          </a:p>
+          <a:p>
+            <a:pPr marL="0" indent="0" algn="just">
+              <a:lnSpc>
+                <a:spcPct val="150000"/>
+              </a:lnSpc>
+              <a:spcAft>
+                <a:spcPts val="600"/>
+              </a:spcAft>
+              <a:buNone/>
+            </a:pPr>
+            <a:r>
+              <a:rPr lang="pt-BR" sz="1800" dirty="0">
+                <a:effectLst/>
+                <a:latin typeface="Arial" panose="020B0604020202020204" pitchFamily="34" charset="0"/>
+                <a:ea typeface="Calibri" panose="020F0502020204030204" pitchFamily="34" charset="0"/>
+                <a:cs typeface="Times New Roman" panose="02020603050405020304" pitchFamily="18" charset="0"/>
+              </a:rPr>
+              <a:t>Para </a:t>
+            </a:r>
+            <a:r>
+              <a:rPr lang="pt-BR" sz="1800" dirty="0" err="1">
+                <a:effectLst/>
+                <a:latin typeface="Arial" panose="020B0604020202020204" pitchFamily="34" charset="0"/>
+                <a:ea typeface="Calibri" panose="020F0502020204030204" pitchFamily="34" charset="0"/>
+                <a:cs typeface="Times New Roman" panose="02020603050405020304" pitchFamily="18" charset="0"/>
+              </a:rPr>
+              <a:t>Maslach</a:t>
+            </a:r>
+            <a:r>
+              <a:rPr lang="pt-BR" sz="1800" dirty="0">
+                <a:effectLst/>
+                <a:latin typeface="Arial" panose="020B0604020202020204" pitchFamily="34" charset="0"/>
+                <a:ea typeface="Calibri" panose="020F0502020204030204" pitchFamily="34" charset="0"/>
+                <a:cs typeface="Times New Roman" panose="02020603050405020304" pitchFamily="18" charset="0"/>
+              </a:rPr>
+              <a:t> e </a:t>
+            </a:r>
+            <a:r>
+              <a:rPr lang="pt-BR" sz="1800" dirty="0" err="1">
+                <a:effectLst/>
+                <a:latin typeface="Arial" panose="020B0604020202020204" pitchFamily="34" charset="0"/>
+                <a:ea typeface="Calibri" panose="020F0502020204030204" pitchFamily="34" charset="0"/>
+                <a:cs typeface="Times New Roman" panose="02020603050405020304" pitchFamily="18" charset="0"/>
+              </a:rPr>
+              <a:t>Leiter</a:t>
+            </a:r>
+            <a:r>
+              <a:rPr lang="pt-BR" sz="1800" dirty="0">
+                <a:effectLst/>
+                <a:latin typeface="Arial" panose="020B0604020202020204" pitchFamily="34" charset="0"/>
+                <a:ea typeface="Calibri" panose="020F0502020204030204" pitchFamily="34" charset="0"/>
+                <a:cs typeface="Times New Roman" panose="02020603050405020304" pitchFamily="18" charset="0"/>
+              </a:rPr>
+              <a:t> (2016), o </a:t>
+            </a:r>
+            <a:r>
+              <a:rPr lang="pt-BR" sz="1800" dirty="0" err="1">
+                <a:effectLst/>
+                <a:latin typeface="Arial" panose="020B0604020202020204" pitchFamily="34" charset="0"/>
+                <a:ea typeface="Calibri" panose="020F0502020204030204" pitchFamily="34" charset="0"/>
+                <a:cs typeface="Times New Roman" panose="02020603050405020304" pitchFamily="18" charset="0"/>
+              </a:rPr>
+              <a:t>burnout</a:t>
+            </a:r>
+            <a:r>
+              <a:rPr lang="pt-BR" sz="1800" dirty="0">
+                <a:effectLst/>
+                <a:latin typeface="Arial" panose="020B0604020202020204" pitchFamily="34" charset="0"/>
+                <a:ea typeface="Calibri" panose="020F0502020204030204" pitchFamily="34" charset="0"/>
+                <a:cs typeface="Times New Roman" panose="02020603050405020304" pitchFamily="18" charset="0"/>
+              </a:rPr>
+              <a:t> reflete uma incompatibilidade do design do trabalho com as preferências dos padrões de trabalho dos indivíduos e esse conflito é exaustivo, levando à retirada cínica e ao desânimo. Além disso, para </a:t>
+            </a:r>
+            <a:r>
+              <a:rPr lang="pt-BR" sz="1800" dirty="0" err="1">
+                <a:effectLst/>
+                <a:latin typeface="Arial" panose="020B0604020202020204" pitchFamily="34" charset="0"/>
+                <a:ea typeface="Calibri" panose="020F0502020204030204" pitchFamily="34" charset="0"/>
+                <a:cs typeface="Times New Roman" panose="02020603050405020304" pitchFamily="18" charset="0"/>
+              </a:rPr>
+              <a:t>Maslach</a:t>
+            </a:r>
+            <a:r>
+              <a:rPr lang="pt-BR" sz="1800" dirty="0">
+                <a:effectLst/>
+                <a:latin typeface="Arial" panose="020B0604020202020204" pitchFamily="34" charset="0"/>
+                <a:ea typeface="Calibri" panose="020F0502020204030204" pitchFamily="34" charset="0"/>
+                <a:cs typeface="Times New Roman" panose="02020603050405020304" pitchFamily="18" charset="0"/>
+              </a:rPr>
+              <a:t> e </a:t>
+            </a:r>
+            <a:r>
+              <a:rPr lang="pt-BR" sz="1800" dirty="0" err="1">
+                <a:effectLst/>
+                <a:latin typeface="Arial" panose="020B0604020202020204" pitchFamily="34" charset="0"/>
+                <a:ea typeface="Calibri" panose="020F0502020204030204" pitchFamily="34" charset="0"/>
+                <a:cs typeface="Times New Roman" panose="02020603050405020304" pitchFamily="18" charset="0"/>
+              </a:rPr>
+              <a:t>Leiter</a:t>
+            </a:r>
+            <a:r>
+              <a:rPr lang="pt-BR" sz="1800" dirty="0">
+                <a:effectLst/>
+                <a:latin typeface="Arial" panose="020B0604020202020204" pitchFamily="34" charset="0"/>
+                <a:ea typeface="Calibri" panose="020F0502020204030204" pitchFamily="34" charset="0"/>
+                <a:cs typeface="Times New Roman" panose="02020603050405020304" pitchFamily="18" charset="0"/>
+              </a:rPr>
+              <a:t> (2016), existem duas maneiras gerais de atacar o </a:t>
+            </a:r>
+            <a:r>
+              <a:rPr lang="pt-BR" sz="1800" dirty="0" err="1">
+                <a:effectLst/>
+                <a:latin typeface="Arial" panose="020B0604020202020204" pitchFamily="34" charset="0"/>
+                <a:ea typeface="Calibri" panose="020F0502020204030204" pitchFamily="34" charset="0"/>
+                <a:cs typeface="Times New Roman" panose="02020603050405020304" pitchFamily="18" charset="0"/>
+              </a:rPr>
+              <a:t>burnout</a:t>
+            </a:r>
+            <a:r>
+              <a:rPr lang="pt-BR" sz="1800" dirty="0">
+                <a:effectLst/>
+                <a:latin typeface="Arial" panose="020B0604020202020204" pitchFamily="34" charset="0"/>
+                <a:ea typeface="Calibri" panose="020F0502020204030204" pitchFamily="34" charset="0"/>
+                <a:cs typeface="Times New Roman" panose="02020603050405020304" pitchFamily="18" charset="0"/>
+              </a:rPr>
+              <a:t> do trabalho. A primeira é ajustar o design de trabalho para os indivíduos. Já a segunda consiste em desenvolver alternativas para que os membros da equipe possam tolerar as incompatibilidades do design do trabalho. É possível supor então que os membros precisem se adaptar ao design do trabalho. </a:t>
+            </a:r>
+            <a:endParaRPr lang="pt-BR" sz="1800" dirty="0">
+              <a:effectLst/>
+              <a:latin typeface="Times" panose="02020603050405020304" pitchFamily="18" charset="0"/>
+              <a:ea typeface="Times New Roman" panose="02020603050405020304" pitchFamily="18" charset="0"/>
+              <a:cs typeface="Times New Roman" panose="02020603050405020304" pitchFamily="18" charset="0"/>
+            </a:endParaRPr>
+          </a:p>
+        </p:txBody>
+      </p:sp>
+    </p:spTree>
+    <p:extLst>
+      <p:ext uri="{BB962C8B-B14F-4D97-AF65-F5344CB8AC3E}">
+        <p14:creationId xmlns:p14="http://schemas.microsoft.com/office/powerpoint/2010/main" val="2716498316"/>
+      </p:ext>
+    </p:extLst>
+  </p:cSld>
+  <p:clrMapOvr>
+    <a:masterClrMapping/>
+  </p:clrMapOvr>
+</p:sld>
+</file>
+
+<file path=ppt/slides/slide41.xml><?xml version="1.0" encoding="utf-8"?>
+<p:sld xmlns:a="http://schemas.openxmlformats.org/drawingml/2006/main" xmlns:r="http://schemas.openxmlformats.org/officeDocument/2006/relationships" xmlns:p="http://schemas.openxmlformats.org/presentationml/2006/main">
+  <p:cSld>
+    <p:spTree>
+      <p:nvGrpSpPr>
+        <p:cNvPr id="1" name=""/>
+        <p:cNvGrpSpPr/>
+        <p:nvPr/>
+      </p:nvGrpSpPr>
+      <p:grpSpPr>
+        <a:xfrm>
+          <a:off x="0" y="0"/>
+          <a:ext cx="0" cy="0"/>
+          <a:chOff x="0" y="0"/>
+          <a:chExt cx="0" cy="0"/>
+        </a:xfrm>
+      </p:grpSpPr>
+      <p:sp>
+        <p:nvSpPr>
+          <p:cNvPr id="2" name="Título 1">
+            <a:extLst>
+              <a:ext uri="{FF2B5EF4-FFF2-40B4-BE49-F238E27FC236}">
+                <a16:creationId xmlns:a16="http://schemas.microsoft.com/office/drawing/2014/main" id="{1AC5E6FF-D9E3-41C4-9A2E-BA1B07FD1BB3}"/>
+              </a:ext>
+            </a:extLst>
+          </p:cNvPr>
+          <p:cNvSpPr>
+            <a:spLocks noGrp="1"/>
+          </p:cNvSpPr>
+          <p:nvPr>
+            <p:ph type="title"/>
+          </p:nvPr>
+        </p:nvSpPr>
+        <p:spPr/>
+        <p:txBody>
+          <a:bodyPr/>
+          <a:lstStyle/>
+          <a:p>
+            <a:r>
+              <a:rPr lang="pt-BR" dirty="0"/>
+              <a:t>Hipóteses de pesquisa </a:t>
+            </a:r>
+          </a:p>
+        </p:txBody>
+      </p:sp>
+      <p:sp>
+        <p:nvSpPr>
+          <p:cNvPr id="3" name="Espaço Reservado para Conteúdo 2">
+            <a:extLst>
+              <a:ext uri="{FF2B5EF4-FFF2-40B4-BE49-F238E27FC236}">
+                <a16:creationId xmlns:a16="http://schemas.microsoft.com/office/drawing/2014/main" id="{40F53813-4243-4409-AB7E-EB368A0479E2}"/>
+              </a:ext>
+            </a:extLst>
+          </p:cNvPr>
+          <p:cNvSpPr>
+            <a:spLocks noGrp="1"/>
+          </p:cNvSpPr>
+          <p:nvPr>
+            <p:ph idx="1"/>
+          </p:nvPr>
+        </p:nvSpPr>
+        <p:spPr/>
+        <p:txBody>
+          <a:bodyPr>
+            <a:normAutofit/>
+          </a:bodyPr>
+          <a:lstStyle/>
+          <a:p>
+            <a:pPr algn="just">
+              <a:lnSpc>
+                <a:spcPct val="150000"/>
+              </a:lnSpc>
+              <a:spcAft>
+                <a:spcPts val="600"/>
+              </a:spcAft>
+            </a:pPr>
+            <a:r>
+              <a:rPr lang="pt-BR" sz="1800" b="1" i="1" dirty="0">
+                <a:solidFill>
+                  <a:srgbClr val="000000"/>
+                </a:solidFill>
+                <a:effectLst/>
+                <a:latin typeface="Arial" panose="020B0604020202020204" pitchFamily="34" charset="0"/>
+                <a:ea typeface="Times New Roman" panose="02020603050405020304" pitchFamily="18" charset="0"/>
+                <a:cs typeface="Times New Roman" panose="02020603050405020304" pitchFamily="18" charset="0"/>
+              </a:rPr>
+              <a:t>H4 - A percepção da instabilidade está relacionada positivamente com </a:t>
+            </a:r>
+            <a:r>
+              <a:rPr lang="pt-BR" sz="1800" b="1" i="1" dirty="0" err="1">
+                <a:solidFill>
+                  <a:srgbClr val="000000"/>
+                </a:solidFill>
+                <a:effectLst/>
+                <a:latin typeface="Arial" panose="020B0604020202020204" pitchFamily="34" charset="0"/>
+                <a:ea typeface="Times New Roman" panose="02020603050405020304" pitchFamily="18" charset="0"/>
+                <a:cs typeface="Times New Roman" panose="02020603050405020304" pitchFamily="18" charset="0"/>
+              </a:rPr>
+              <a:t>burnout</a:t>
+            </a:r>
+            <a:endParaRPr lang="pt-BR" sz="1800" dirty="0">
+              <a:effectLst/>
+              <a:latin typeface="Times" panose="02020603050405020304" pitchFamily="18" charset="0"/>
+              <a:ea typeface="Times New Roman" panose="02020603050405020304" pitchFamily="18" charset="0"/>
+              <a:cs typeface="Times New Roman" panose="02020603050405020304" pitchFamily="18" charset="0"/>
+            </a:endParaRPr>
+          </a:p>
+        </p:txBody>
+      </p:sp>
+    </p:spTree>
+    <p:extLst>
+      <p:ext uri="{BB962C8B-B14F-4D97-AF65-F5344CB8AC3E}">
+        <p14:creationId xmlns:p14="http://schemas.microsoft.com/office/powerpoint/2010/main" val="317032407"/>
+      </p:ext>
+    </p:extLst>
+  </p:cSld>
+  <p:clrMapOvr>
+    <a:masterClrMapping/>
+  </p:clrMapOvr>
+</p:sld>
+</file>
+
+<file path=ppt/slides/slide42.xml><?xml version="1.0" encoding="utf-8"?>
+<p:sld xmlns:a="http://schemas.openxmlformats.org/drawingml/2006/main" xmlns:r="http://schemas.openxmlformats.org/officeDocument/2006/relationships" xmlns:p="http://schemas.openxmlformats.org/presentationml/2006/main">
+  <p:cSld>
+    <p:spTree>
+      <p:nvGrpSpPr>
+        <p:cNvPr id="1" name=""/>
+        <p:cNvGrpSpPr/>
+        <p:nvPr/>
+      </p:nvGrpSpPr>
+      <p:grpSpPr>
+        <a:xfrm>
+          <a:off x="0" y="0"/>
+          <a:ext cx="0" cy="0"/>
+          <a:chOff x="0" y="0"/>
+          <a:chExt cx="0" cy="0"/>
+        </a:xfrm>
+      </p:grpSpPr>
+      <p:sp>
+        <p:nvSpPr>
+          <p:cNvPr id="2" name="Título 1">
+            <a:extLst>
+              <a:ext uri="{FF2B5EF4-FFF2-40B4-BE49-F238E27FC236}">
+                <a16:creationId xmlns:a16="http://schemas.microsoft.com/office/drawing/2014/main" id="{1AC5E6FF-D9E3-41C4-9A2E-BA1B07FD1BB3}"/>
+              </a:ext>
+            </a:extLst>
+          </p:cNvPr>
+          <p:cNvSpPr>
+            <a:spLocks noGrp="1"/>
+          </p:cNvSpPr>
+          <p:nvPr>
+            <p:ph type="title"/>
+          </p:nvPr>
+        </p:nvSpPr>
+        <p:spPr/>
+        <p:txBody>
+          <a:bodyPr/>
+          <a:lstStyle/>
+          <a:p>
+            <a:r>
+              <a:rPr lang="pt-BR" dirty="0"/>
+              <a:t>Hipóteses de pesquisa </a:t>
+            </a:r>
+          </a:p>
+        </p:txBody>
+      </p:sp>
+      <p:sp>
+        <p:nvSpPr>
+          <p:cNvPr id="3" name="Espaço Reservado para Conteúdo 2">
+            <a:extLst>
+              <a:ext uri="{FF2B5EF4-FFF2-40B4-BE49-F238E27FC236}">
+                <a16:creationId xmlns:a16="http://schemas.microsoft.com/office/drawing/2014/main" id="{40F53813-4243-4409-AB7E-EB368A0479E2}"/>
+              </a:ext>
+            </a:extLst>
+          </p:cNvPr>
+          <p:cNvSpPr>
+            <a:spLocks noGrp="1"/>
+          </p:cNvSpPr>
+          <p:nvPr>
+            <p:ph idx="1"/>
+          </p:nvPr>
+        </p:nvSpPr>
+        <p:spPr/>
+        <p:txBody>
+          <a:bodyPr>
+            <a:normAutofit/>
+          </a:bodyPr>
+          <a:lstStyle/>
+          <a:p>
+            <a:pPr algn="just">
+              <a:lnSpc>
+                <a:spcPct val="150000"/>
+              </a:lnSpc>
+              <a:spcAft>
+                <a:spcPts val="600"/>
+              </a:spcAft>
+            </a:pPr>
+            <a:r>
+              <a:rPr lang="pt-BR" sz="1800" b="1" i="1" dirty="0">
+                <a:solidFill>
+                  <a:srgbClr val="000000"/>
+                </a:solidFill>
+                <a:effectLst/>
+                <a:latin typeface="Arial" panose="020B0604020202020204" pitchFamily="34" charset="0"/>
+                <a:ea typeface="Times New Roman" panose="02020603050405020304" pitchFamily="18" charset="0"/>
+                <a:cs typeface="Times New Roman" panose="02020603050405020304" pitchFamily="18" charset="0"/>
+              </a:rPr>
+              <a:t>H5 - A percepção da instabilidade está relacionada negativamente com a satisfação</a:t>
+            </a:r>
+            <a:endParaRPr lang="pt-BR" sz="1800" dirty="0">
+              <a:effectLst/>
+              <a:latin typeface="Times" panose="02020603050405020304" pitchFamily="18" charset="0"/>
+              <a:ea typeface="Times New Roman" panose="02020603050405020304" pitchFamily="18" charset="0"/>
+              <a:cs typeface="Times New Roman" panose="02020603050405020304" pitchFamily="18" charset="0"/>
+            </a:endParaRPr>
+          </a:p>
+        </p:txBody>
+      </p:sp>
+    </p:spTree>
+    <p:extLst>
+      <p:ext uri="{BB962C8B-B14F-4D97-AF65-F5344CB8AC3E}">
+        <p14:creationId xmlns:p14="http://schemas.microsoft.com/office/powerpoint/2010/main" val="2703489997"/>
+      </p:ext>
+    </p:extLst>
+  </p:cSld>
+  <p:clrMapOvr>
+    <a:masterClrMapping/>
+  </p:clrMapOvr>
+</p:sld>
+</file>
+
+<file path=ppt/slides/slide43.xml><?xml version="1.0" encoding="utf-8"?>
 <p:sld xmlns:a="http://schemas.openxmlformats.org/drawingml/2006/main" xmlns:r="http://schemas.openxmlformats.org/officeDocument/2006/relationships" xmlns:p="http://schemas.openxmlformats.org/presentationml/2006/main">
   <p:cSld>
     <p:spTree>
@@ -6434,7 +7872,7 @@
 </p:sld>
 </file>
 
-<file path=ppt/slides/slide41.xml><?xml version="1.0" encoding="utf-8"?>
+<file path=ppt/slides/slide44.xml><?xml version="1.0" encoding="utf-8"?>
 <p:sld xmlns:a="http://schemas.openxmlformats.org/drawingml/2006/main" xmlns:r="http://schemas.openxmlformats.org/officeDocument/2006/relationships" xmlns:p="http://schemas.openxmlformats.org/presentationml/2006/main">
   <p:cSld>
     <p:spTree>
@@ -6522,7 +7960,7 @@
 </p:sld>
 </file>
 
-<file path=ppt/slides/slide42.xml><?xml version="1.0" encoding="utf-8"?>
+<file path=ppt/slides/slide45.xml><?xml version="1.0" encoding="utf-8"?>
 <p:sld xmlns:a="http://schemas.openxmlformats.org/drawingml/2006/main" xmlns:r="http://schemas.openxmlformats.org/officeDocument/2006/relationships" xmlns:p="http://schemas.openxmlformats.org/presentationml/2006/main">
   <p:cSld>
     <p:spTree>
@@ -6615,7 +8053,7 @@
 </p:sld>
 </file>
 
-<file path=ppt/slides/slide43.xml><?xml version="1.0" encoding="utf-8"?>
+<file path=ppt/slides/slide46.xml><?xml version="1.0" encoding="utf-8"?>
 <p:sld xmlns:a="http://schemas.openxmlformats.org/drawingml/2006/main" xmlns:r="http://schemas.openxmlformats.org/officeDocument/2006/relationships" xmlns:p="http://schemas.openxmlformats.org/presentationml/2006/main">
   <p:cSld>
     <p:spTree>
@@ -6698,7 +8136,7 @@
 </p:sld>
 </file>
 
-<file path=ppt/slides/slide44.xml><?xml version="1.0" encoding="utf-8"?>
+<file path=ppt/slides/slide47.xml><?xml version="1.0" encoding="utf-8"?>
 <p:sld xmlns:a="http://schemas.openxmlformats.org/drawingml/2006/main" xmlns:r="http://schemas.openxmlformats.org/officeDocument/2006/relationships" xmlns:p="http://schemas.openxmlformats.org/presentationml/2006/main">
   <p:cSld>
     <p:spTree>
@@ -6808,7 +8246,7 @@
 </p:sld>
 </file>
 
-<file path=ppt/slides/slide45.xml><?xml version="1.0" encoding="utf-8"?>
+<file path=ppt/slides/slide48.xml><?xml version="1.0" encoding="utf-8"?>
 <p:sld xmlns:a="http://schemas.openxmlformats.org/drawingml/2006/main" xmlns:r="http://schemas.openxmlformats.org/officeDocument/2006/relationships" xmlns:p="http://schemas.openxmlformats.org/presentationml/2006/main">
   <p:cSld>
     <p:spTree>
@@ -6918,7 +8356,7 @@
 </p:sld>
 </file>
 
-<file path=ppt/slides/slide46.xml><?xml version="1.0" encoding="utf-8"?>
+<file path=ppt/slides/slide49.xml><?xml version="1.0" encoding="utf-8"?>
 <p:sld xmlns:a="http://schemas.openxmlformats.org/drawingml/2006/main" xmlns:r="http://schemas.openxmlformats.org/officeDocument/2006/relationships" xmlns:p="http://schemas.openxmlformats.org/presentationml/2006/main">
   <p:cSld>
     <p:spTree>
@@ -7001,7 +8439,253 @@
 </p:sld>
 </file>
 
-<file path=ppt/slides/slide47.xml><?xml version="1.0" encoding="utf-8"?>
+<file path=ppt/slides/slide5.xml><?xml version="1.0" encoding="utf-8"?>
+<p:sld xmlns:a="http://schemas.openxmlformats.org/drawingml/2006/main" xmlns:r="http://schemas.openxmlformats.org/officeDocument/2006/relationships" xmlns:p="http://schemas.openxmlformats.org/presentationml/2006/main">
+  <p:cSld>
+    <p:spTree>
+      <p:nvGrpSpPr>
+        <p:cNvPr id="1" name=""/>
+        <p:cNvGrpSpPr/>
+        <p:nvPr/>
+      </p:nvGrpSpPr>
+      <p:grpSpPr>
+        <a:xfrm>
+          <a:off x="0" y="0"/>
+          <a:ext cx="0" cy="0"/>
+          <a:chOff x="0" y="0"/>
+          <a:chExt cx="0" cy="0"/>
+        </a:xfrm>
+      </p:grpSpPr>
+      <p:sp>
+        <p:nvSpPr>
+          <p:cNvPr id="2" name="Título 1"/>
+          <p:cNvSpPr>
+            <a:spLocks noGrp="1"/>
+          </p:cNvSpPr>
+          <p:nvPr>
+            <p:ph type="title"/>
+          </p:nvPr>
+        </p:nvSpPr>
+        <p:spPr/>
+        <p:txBody>
+          <a:bodyPr/>
+          <a:lstStyle/>
+          <a:p>
+            <a:r>
+              <a:rPr lang="pt-BR" dirty="0"/>
+              <a:t>Introdução</a:t>
+            </a:r>
+          </a:p>
+        </p:txBody>
+      </p:sp>
+      <p:pic>
+        <p:nvPicPr>
+          <p:cNvPr id="9" name="Espaço Reservado para Conteúdo 8">
+            <a:extLst>
+              <a:ext uri="{FF2B5EF4-FFF2-40B4-BE49-F238E27FC236}">
+                <a16:creationId xmlns:a16="http://schemas.microsoft.com/office/drawing/2014/main" id="{221C6F7B-95BC-44B7-A24F-9CA63445F21C}"/>
+              </a:ext>
+            </a:extLst>
+          </p:cNvPr>
+          <p:cNvPicPr>
+            <a:picLocks noGrp="1" noChangeAspect="1"/>
+          </p:cNvPicPr>
+          <p:nvPr>
+            <p:ph idx="1"/>
+          </p:nvPr>
+        </p:nvPicPr>
+        <p:blipFill>
+          <a:blip r:embed="rId3"/>
+          <a:stretch>
+            <a:fillRect/>
+          </a:stretch>
+        </p:blipFill>
+        <p:spPr>
+          <a:xfrm>
+            <a:off x="3838263" y="1916832"/>
+            <a:ext cx="5305737" cy="4113584"/>
+          </a:xfrm>
+        </p:spPr>
+      </p:pic>
+      <p:pic>
+        <p:nvPicPr>
+          <p:cNvPr id="7" name="Imagem 6">
+            <a:extLst>
+              <a:ext uri="{FF2B5EF4-FFF2-40B4-BE49-F238E27FC236}">
+                <a16:creationId xmlns:a16="http://schemas.microsoft.com/office/drawing/2014/main" id="{42C039EC-9661-49C9-81DA-28DB5CE5D7D1}"/>
+              </a:ext>
+            </a:extLst>
+          </p:cNvPr>
+          <p:cNvPicPr>
+            <a:picLocks noChangeAspect="1"/>
+          </p:cNvPicPr>
+          <p:nvPr/>
+        </p:nvPicPr>
+        <p:blipFill>
+          <a:blip r:embed="rId4"/>
+          <a:stretch>
+            <a:fillRect/>
+          </a:stretch>
+        </p:blipFill>
+        <p:spPr>
+          <a:xfrm>
+            <a:off x="260399" y="2491104"/>
+            <a:ext cx="3968263" cy="3384376"/>
+          </a:xfrm>
+          <a:prstGeom prst="rect">
+            <a:avLst/>
+          </a:prstGeom>
+        </p:spPr>
+      </p:pic>
+      <p:sp>
+        <p:nvSpPr>
+          <p:cNvPr id="10" name="Elipse 9">
+            <a:extLst>
+              <a:ext uri="{FF2B5EF4-FFF2-40B4-BE49-F238E27FC236}">
+                <a16:creationId xmlns:a16="http://schemas.microsoft.com/office/drawing/2014/main" id="{5FB807D2-907A-4414-A5B8-0C0533E8B21B}"/>
+              </a:ext>
+            </a:extLst>
+          </p:cNvPr>
+          <p:cNvSpPr/>
+          <p:nvPr/>
+        </p:nvSpPr>
+        <p:spPr>
+          <a:xfrm>
+            <a:off x="971600" y="5229200"/>
+            <a:ext cx="3096344" cy="576064"/>
+          </a:xfrm>
+          <a:prstGeom prst="ellipse">
+            <a:avLst/>
+          </a:prstGeom>
+          <a:noFill/>
+        </p:spPr>
+        <p:style>
+          <a:lnRef idx="2">
+            <a:schemeClr val="accent6"/>
+          </a:lnRef>
+          <a:fillRef idx="1">
+            <a:schemeClr val="lt1"/>
+          </a:fillRef>
+          <a:effectRef idx="0">
+            <a:schemeClr val="accent6"/>
+          </a:effectRef>
+          <a:fontRef idx="minor">
+            <a:schemeClr val="dk1"/>
+          </a:fontRef>
+        </p:style>
+        <p:txBody>
+          <a:bodyPr rtlCol="0" anchor="ctr"/>
+          <a:lstStyle/>
+          <a:p>
+            <a:pPr algn="ctr"/>
+            <a:endParaRPr lang="pt-BR"/>
+          </a:p>
+        </p:txBody>
+      </p:sp>
+      <p:sp>
+        <p:nvSpPr>
+          <p:cNvPr id="11" name="Elipse 10">
+            <a:extLst>
+              <a:ext uri="{FF2B5EF4-FFF2-40B4-BE49-F238E27FC236}">
+                <a16:creationId xmlns:a16="http://schemas.microsoft.com/office/drawing/2014/main" id="{002A9578-F6A4-4DCD-B60D-21C8963F0B51}"/>
+              </a:ext>
+            </a:extLst>
+          </p:cNvPr>
+          <p:cNvSpPr/>
+          <p:nvPr/>
+        </p:nvSpPr>
+        <p:spPr>
+          <a:xfrm>
+            <a:off x="3589987" y="3365856"/>
+            <a:ext cx="2782213" cy="576064"/>
+          </a:xfrm>
+          <a:prstGeom prst="ellipse">
+            <a:avLst/>
+          </a:prstGeom>
+          <a:noFill/>
+        </p:spPr>
+        <p:style>
+          <a:lnRef idx="2">
+            <a:schemeClr val="accent6"/>
+          </a:lnRef>
+          <a:fillRef idx="1">
+            <a:schemeClr val="lt1"/>
+          </a:fillRef>
+          <a:effectRef idx="0">
+            <a:schemeClr val="accent6"/>
+          </a:effectRef>
+          <a:fontRef idx="minor">
+            <a:schemeClr val="dk1"/>
+          </a:fontRef>
+        </p:style>
+        <p:txBody>
+          <a:bodyPr rtlCol="0" anchor="ctr"/>
+          <a:lstStyle/>
+          <a:p>
+            <a:pPr algn="ctr"/>
+            <a:endParaRPr lang="pt-BR"/>
+          </a:p>
+        </p:txBody>
+      </p:sp>
+      <p:sp>
+        <p:nvSpPr>
+          <p:cNvPr id="12" name="Elipse 11">
+            <a:extLst>
+              <a:ext uri="{FF2B5EF4-FFF2-40B4-BE49-F238E27FC236}">
+                <a16:creationId xmlns:a16="http://schemas.microsoft.com/office/drawing/2014/main" id="{011F7613-7727-4281-8D6B-529322F5067A}"/>
+              </a:ext>
+            </a:extLst>
+          </p:cNvPr>
+          <p:cNvSpPr/>
+          <p:nvPr/>
+        </p:nvSpPr>
+        <p:spPr>
+          <a:xfrm>
+            <a:off x="6057900" y="5454352"/>
+            <a:ext cx="2782213" cy="576064"/>
+          </a:xfrm>
+          <a:prstGeom prst="ellipse">
+            <a:avLst/>
+          </a:prstGeom>
+          <a:noFill/>
+        </p:spPr>
+        <p:style>
+          <a:lnRef idx="2">
+            <a:schemeClr val="accent6"/>
+          </a:lnRef>
+          <a:fillRef idx="1">
+            <a:schemeClr val="lt1"/>
+          </a:fillRef>
+          <a:effectRef idx="0">
+            <a:schemeClr val="accent6"/>
+          </a:effectRef>
+          <a:fontRef idx="minor">
+            <a:schemeClr val="dk1"/>
+          </a:fontRef>
+        </p:style>
+        <p:txBody>
+          <a:bodyPr rtlCol="0" anchor="ctr"/>
+          <a:lstStyle/>
+          <a:p>
+            <a:pPr algn="ctr"/>
+            <a:endParaRPr lang="pt-BR"/>
+          </a:p>
+        </p:txBody>
+      </p:sp>
+    </p:spTree>
+    <p:extLst>
+      <p:ext uri="{BB962C8B-B14F-4D97-AF65-F5344CB8AC3E}">
+        <p14:creationId xmlns:p14="http://schemas.microsoft.com/office/powerpoint/2010/main" val="2026066378"/>
+      </p:ext>
+    </p:extLst>
+  </p:cSld>
+  <p:clrMapOvr>
+    <a:masterClrMapping/>
+  </p:clrMapOvr>
+</p:sld>
+</file>
+
+<file path=ppt/slides/slide50.xml><?xml version="1.0" encoding="utf-8"?>
 <p:sld xmlns:a="http://schemas.openxmlformats.org/drawingml/2006/main" xmlns:r="http://schemas.openxmlformats.org/officeDocument/2006/relationships" xmlns:p="http://schemas.openxmlformats.org/presentationml/2006/main">
   <p:cSld>
     <p:spTree>
@@ -7544,7 +9228,7 @@
 </p:sld>
 </file>
 
-<file path=ppt/slides/slide48.xml><?xml version="1.0" encoding="utf-8"?>
+<file path=ppt/slides/slide51.xml><?xml version="1.0" encoding="utf-8"?>
 <p:sld xmlns:a="http://schemas.openxmlformats.org/drawingml/2006/main" xmlns:r="http://schemas.openxmlformats.org/officeDocument/2006/relationships" xmlns:p="http://schemas.openxmlformats.org/presentationml/2006/main">
   <p:cSld>
     <p:spTree>
@@ -7631,7 +9315,7 @@
 </p:sld>
 </file>
 
-<file path=ppt/slides/slide49.xml><?xml version="1.0" encoding="utf-8"?>
+<file path=ppt/slides/slide52.xml><?xml version="1.0" encoding="utf-8"?>
 <p:sld xmlns:a="http://schemas.openxmlformats.org/drawingml/2006/main" xmlns:r="http://schemas.openxmlformats.org/officeDocument/2006/relationships" xmlns:p="http://schemas.openxmlformats.org/presentationml/2006/main">
   <p:cSld>
     <p:spTree>
@@ -7744,126 +9428,7 @@
 </p:sld>
 </file>
 
-<file path=ppt/slides/slide5.xml><?xml version="1.0" encoding="utf-8"?>
-<p:sld xmlns:a="http://schemas.openxmlformats.org/drawingml/2006/main" xmlns:r="http://schemas.openxmlformats.org/officeDocument/2006/relationships" xmlns:p="http://schemas.openxmlformats.org/presentationml/2006/main">
-  <p:cSld>
-    <p:spTree>
-      <p:nvGrpSpPr>
-        <p:cNvPr id="1" name=""/>
-        <p:cNvGrpSpPr/>
-        <p:nvPr/>
-      </p:nvGrpSpPr>
-      <p:grpSpPr>
-        <a:xfrm>
-          <a:off x="0" y="0"/>
-          <a:ext cx="0" cy="0"/>
-          <a:chOff x="0" y="0"/>
-          <a:chExt cx="0" cy="0"/>
-        </a:xfrm>
-      </p:grpSpPr>
-      <p:sp>
-        <p:nvSpPr>
-          <p:cNvPr id="2" name="Título 1"/>
-          <p:cNvSpPr>
-            <a:spLocks noGrp="1"/>
-          </p:cNvSpPr>
-          <p:nvPr>
-            <p:ph type="title"/>
-          </p:nvPr>
-        </p:nvSpPr>
-        <p:spPr/>
-        <p:txBody>
-          <a:bodyPr/>
-          <a:lstStyle/>
-          <a:p>
-            <a:r>
-              <a:rPr lang="pt-BR" dirty="0"/>
-              <a:t>Introdução</a:t>
-            </a:r>
-          </a:p>
-        </p:txBody>
-      </p:sp>
-      <p:sp>
-        <p:nvSpPr>
-          <p:cNvPr id="3" name="Espaço Reservado para Conteúdo 2"/>
-          <p:cNvSpPr>
-            <a:spLocks noGrp="1"/>
-          </p:cNvSpPr>
-          <p:nvPr>
-            <p:ph idx="1"/>
-          </p:nvPr>
-        </p:nvSpPr>
-        <p:spPr/>
-        <p:txBody>
-          <a:bodyPr/>
-          <a:lstStyle/>
-          <a:p>
-            <a:pPr indent="270510" algn="just">
-              <a:lnSpc>
-                <a:spcPct val="150000"/>
-              </a:lnSpc>
-              <a:spcAft>
-                <a:spcPts val="600"/>
-              </a:spcAft>
-            </a:pPr>
-            <a:r>
-              <a:rPr lang="pt-BR" sz="1800" dirty="0">
-                <a:effectLst/>
-                <a:latin typeface="Arial" panose="020B0604020202020204" pitchFamily="34" charset="0"/>
-                <a:ea typeface="Times New Roman" panose="02020603050405020304" pitchFamily="18" charset="0"/>
-              </a:rPr>
-              <a:t>É dentro desse cenário que se insere o conceito de adaptabilidade individual, que pode ser definido como a habilidade, capacidade, disposição e/ou motivação do indivíduo para alterar ou se ajustar a diferentes características da tarefa (sociais e ambientais), quando exigido ou de maneira proativa (</a:t>
-            </a:r>
-            <a:r>
-              <a:rPr lang="pt-BR" sz="1800" dirty="0" err="1">
-                <a:effectLst/>
-                <a:latin typeface="Arial" panose="020B0604020202020204" pitchFamily="34" charset="0"/>
-                <a:ea typeface="Times New Roman" panose="02020603050405020304" pitchFamily="18" charset="0"/>
-              </a:rPr>
-              <a:t>Ployhart</a:t>
-            </a:r>
-            <a:r>
-              <a:rPr lang="pt-BR" sz="1800" dirty="0">
-                <a:effectLst/>
-                <a:latin typeface="Arial" panose="020B0604020202020204" pitchFamily="34" charset="0"/>
-                <a:ea typeface="Times New Roman" panose="02020603050405020304" pitchFamily="18" charset="0"/>
-              </a:rPr>
-              <a:t> e </a:t>
-            </a:r>
-            <a:r>
-              <a:rPr lang="pt-BR" sz="1800" dirty="0" err="1">
-                <a:effectLst/>
-                <a:latin typeface="Arial" panose="020B0604020202020204" pitchFamily="34" charset="0"/>
-                <a:ea typeface="Times New Roman" panose="02020603050405020304" pitchFamily="18" charset="0"/>
-              </a:rPr>
-              <a:t>Bliese</a:t>
-            </a:r>
-            <a:r>
-              <a:rPr lang="pt-BR" sz="1800" dirty="0">
-                <a:effectLst/>
-                <a:latin typeface="Arial" panose="020B0604020202020204" pitchFamily="34" charset="0"/>
-                <a:ea typeface="Times New Roman" panose="02020603050405020304" pitchFamily="18" charset="0"/>
-              </a:rPr>
-              <a:t>, 2006). </a:t>
-            </a:r>
-            <a:endParaRPr lang="pt-BR" dirty="0"/>
-          </a:p>
-        </p:txBody>
-      </p:sp>
-    </p:spTree>
-    <p:extLst>
-      <p:ext uri="{BB962C8B-B14F-4D97-AF65-F5344CB8AC3E}">
-        <p14:creationId xmlns:p14="http://schemas.microsoft.com/office/powerpoint/2010/main" val="371800884"/>
-      </p:ext>
-    </p:extLst>
-  </p:cSld>
-  <p:clrMapOvr>
-    <a:masterClrMapping/>
-  </p:clrMapOvr>
-</p:sld>
-</file>
-
-<file path=ppt/slides/slide50.xml><?xml version="1.0" encoding="utf-8"?>
+<file path=ppt/slides/slide53.xml><?xml version="1.0" encoding="utf-8"?>
 <p:sld xmlns:a="http://schemas.openxmlformats.org/drawingml/2006/main" xmlns:r="http://schemas.openxmlformats.org/officeDocument/2006/relationships" xmlns:p="http://schemas.openxmlformats.org/presentationml/2006/main">
   <p:cSld>
     <p:spTree>
@@ -7976,7 +9541,7 @@
 </p:sld>
 </file>
 
-<file path=ppt/slides/slide51.xml><?xml version="1.0" encoding="utf-8"?>
+<file path=ppt/slides/slide54.xml><?xml version="1.0" encoding="utf-8"?>
 <p:sld xmlns:a="http://schemas.openxmlformats.org/drawingml/2006/main" xmlns:r="http://schemas.openxmlformats.org/officeDocument/2006/relationships" xmlns:p="http://schemas.openxmlformats.org/presentationml/2006/main">
   <p:cSld>
     <p:spTree>
@@ -8461,7 +10026,7 @@
 </p:sld>
 </file>
 
-<file path=ppt/slides/slide52.xml><?xml version="1.0" encoding="utf-8"?>
+<file path=ppt/slides/slide55.xml><?xml version="1.0" encoding="utf-8"?>
 <p:sld xmlns:a="http://schemas.openxmlformats.org/drawingml/2006/main" xmlns:r="http://schemas.openxmlformats.org/officeDocument/2006/relationships" xmlns:p="http://schemas.openxmlformats.org/presentationml/2006/main">
   <p:cSld>
     <p:spTree>
@@ -8549,7 +10114,7 @@
 </p:sld>
 </file>
 
-<file path=ppt/slides/slide53.xml><?xml version="1.0" encoding="utf-8"?>
+<file path=ppt/slides/slide56.xml><?xml version="1.0" encoding="utf-8"?>
 <p:sld xmlns:a="http://schemas.openxmlformats.org/drawingml/2006/main" xmlns:r="http://schemas.openxmlformats.org/officeDocument/2006/relationships" xmlns:p="http://schemas.openxmlformats.org/presentationml/2006/main">
   <p:cSld>
     <p:spTree>
@@ -8637,7 +10202,7 @@
 </p:sld>
 </file>
 
-<file path=ppt/slides/slide54.xml><?xml version="1.0" encoding="utf-8"?>
+<file path=ppt/slides/slide57.xml><?xml version="1.0" encoding="utf-8"?>
 <p:sld xmlns:a="http://schemas.openxmlformats.org/drawingml/2006/main" xmlns:r="http://schemas.openxmlformats.org/officeDocument/2006/relationships" xmlns:p="http://schemas.openxmlformats.org/presentationml/2006/main">
   <p:cSld>
     <p:spTree>
@@ -8725,7 +10290,7 @@
 </p:sld>
 </file>
 
-<file path=ppt/slides/slide55.xml><?xml version="1.0" encoding="utf-8"?>
+<file path=ppt/slides/slide58.xml><?xml version="1.0" encoding="utf-8"?>
 <p:sld xmlns:a="http://schemas.openxmlformats.org/drawingml/2006/main" xmlns:r="http://schemas.openxmlformats.org/officeDocument/2006/relationships" xmlns:p="http://schemas.openxmlformats.org/presentationml/2006/main">
   <p:cSld>
     <p:spTree>
@@ -8809,7 +10374,7 @@
 </p:sld>
 </file>
 
-<file path=ppt/slides/slide56.xml><?xml version="1.0" encoding="utf-8"?>
+<file path=ppt/slides/slide59.xml><?xml version="1.0" encoding="utf-8"?>
 <p:sld xmlns:a="http://schemas.openxmlformats.org/drawingml/2006/main" xmlns:r="http://schemas.openxmlformats.org/officeDocument/2006/relationships" xmlns:p="http://schemas.openxmlformats.org/presentationml/2006/main">
   <p:cSld>
     <p:spTree>
@@ -9631,7 +11196,174 @@
 </p:sld>
 </file>
 
-<file path=ppt/slides/slide57.xml><?xml version="1.0" encoding="utf-8"?>
+<file path=ppt/slides/slide6.xml><?xml version="1.0" encoding="utf-8"?>
+<p:sld xmlns:a="http://schemas.openxmlformats.org/drawingml/2006/main" xmlns:r="http://schemas.openxmlformats.org/officeDocument/2006/relationships" xmlns:p="http://schemas.openxmlformats.org/presentationml/2006/main">
+  <p:cSld>
+    <p:spTree>
+      <p:nvGrpSpPr>
+        <p:cNvPr id="1" name=""/>
+        <p:cNvGrpSpPr/>
+        <p:nvPr/>
+      </p:nvGrpSpPr>
+      <p:grpSpPr>
+        <a:xfrm>
+          <a:off x="0" y="0"/>
+          <a:ext cx="0" cy="0"/>
+          <a:chOff x="0" y="0"/>
+          <a:chExt cx="0" cy="0"/>
+        </a:xfrm>
+      </p:grpSpPr>
+      <p:sp>
+        <p:nvSpPr>
+          <p:cNvPr id="2" name="Título 1"/>
+          <p:cNvSpPr>
+            <a:spLocks noGrp="1"/>
+          </p:cNvSpPr>
+          <p:nvPr>
+            <p:ph type="title"/>
+          </p:nvPr>
+        </p:nvSpPr>
+        <p:spPr/>
+        <p:txBody>
+          <a:bodyPr/>
+          <a:lstStyle/>
+          <a:p>
+            <a:r>
+              <a:rPr lang="pt-BR" dirty="0"/>
+              <a:t>Introdução</a:t>
+            </a:r>
+          </a:p>
+        </p:txBody>
+      </p:sp>
+      <p:sp>
+        <p:nvSpPr>
+          <p:cNvPr id="3" name="Espaço Reservado para Conteúdo 2"/>
+          <p:cNvSpPr>
+            <a:spLocks noGrp="1"/>
+          </p:cNvSpPr>
+          <p:nvPr>
+            <p:ph idx="1"/>
+          </p:nvPr>
+        </p:nvSpPr>
+        <p:spPr/>
+        <p:txBody>
+          <a:bodyPr/>
+          <a:lstStyle/>
+          <a:p>
+            <a:pPr indent="0" algn="just">
+              <a:lnSpc>
+                <a:spcPct val="150000"/>
+              </a:lnSpc>
+              <a:spcAft>
+                <a:spcPts val="600"/>
+              </a:spcAft>
+              <a:buNone/>
+            </a:pPr>
+            <a:r>
+              <a:rPr lang="pt-BR" sz="1800" dirty="0">
+                <a:effectLst/>
+                <a:latin typeface="Arial" panose="020B0604020202020204" pitchFamily="34" charset="0"/>
+                <a:ea typeface="Times New Roman" panose="02020603050405020304" pitchFamily="18" charset="0"/>
+              </a:rPr>
+              <a:t>a habilidade, capacidade, disposição e/ou motivação do indivíduo para alterar ou se ajustar a diferentes características da tarefa (sociais e ambientais), quando exigido ou de maneira proativa (</a:t>
+            </a:r>
+            <a:r>
+              <a:rPr lang="pt-BR" sz="1800" dirty="0" err="1">
+                <a:effectLst/>
+                <a:latin typeface="Arial" panose="020B0604020202020204" pitchFamily="34" charset="0"/>
+                <a:ea typeface="Times New Roman" panose="02020603050405020304" pitchFamily="18" charset="0"/>
+              </a:rPr>
+              <a:t>Ployhart</a:t>
+            </a:r>
+            <a:r>
+              <a:rPr lang="pt-BR" sz="1800" dirty="0">
+                <a:effectLst/>
+                <a:latin typeface="Arial" panose="020B0604020202020204" pitchFamily="34" charset="0"/>
+                <a:ea typeface="Times New Roman" panose="02020603050405020304" pitchFamily="18" charset="0"/>
+              </a:rPr>
+              <a:t> e </a:t>
+            </a:r>
+            <a:r>
+              <a:rPr lang="pt-BR" sz="1800" dirty="0" err="1">
+                <a:effectLst/>
+                <a:latin typeface="Arial" panose="020B0604020202020204" pitchFamily="34" charset="0"/>
+                <a:ea typeface="Times New Roman" panose="02020603050405020304" pitchFamily="18" charset="0"/>
+              </a:rPr>
+              <a:t>Bliese</a:t>
+            </a:r>
+            <a:r>
+              <a:rPr lang="pt-BR" sz="1800" dirty="0">
+                <a:effectLst/>
+                <a:latin typeface="Arial" panose="020B0604020202020204" pitchFamily="34" charset="0"/>
+                <a:ea typeface="Times New Roman" panose="02020603050405020304" pitchFamily="18" charset="0"/>
+              </a:rPr>
+              <a:t>, 2006). </a:t>
+            </a:r>
+            <a:endParaRPr lang="pt-BR" dirty="0"/>
+          </a:p>
+        </p:txBody>
+      </p:sp>
+      <p:pic>
+        <p:nvPicPr>
+          <p:cNvPr id="2050" name="Picture 2">
+            <a:extLst>
+              <a:ext uri="{FF2B5EF4-FFF2-40B4-BE49-F238E27FC236}">
+                <a16:creationId xmlns:a16="http://schemas.microsoft.com/office/drawing/2014/main" id="{97307774-6EC7-4FD7-92FA-67281D23AEFE}"/>
+              </a:ext>
+            </a:extLst>
+          </p:cNvPr>
+          <p:cNvPicPr>
+            <a:picLocks noChangeAspect="1" noChangeArrowheads="1"/>
+          </p:cNvPicPr>
+          <p:nvPr/>
+        </p:nvPicPr>
+        <p:blipFill>
+          <a:blip r:embed="rId2">
+            <a:extLst>
+              <a:ext uri="{28A0092B-C50C-407E-A947-70E740481C1C}">
+                <a14:useLocalDpi xmlns:a14="http://schemas.microsoft.com/office/drawing/2010/main" val="0"/>
+              </a:ext>
+            </a:extLst>
+          </a:blip>
+          <a:srcRect/>
+          <a:stretch>
+            <a:fillRect/>
+          </a:stretch>
+        </p:blipFill>
+        <p:spPr bwMode="auto">
+          <a:xfrm>
+            <a:off x="3048000" y="3921621"/>
+            <a:ext cx="3048000" cy="3028950"/>
+          </a:xfrm>
+          <a:prstGeom prst="rect">
+            <a:avLst/>
+          </a:prstGeom>
+          <a:noFill/>
+          <a:extLst>
+            <a:ext uri="{909E8E84-426E-40DD-AFC4-6F175D3DCCD1}">
+              <a14:hiddenFill xmlns:a14="http://schemas.microsoft.com/office/drawing/2010/main">
+                <a:solidFill>
+                  <a:srgbClr val="FFFFFF"/>
+                </a:solidFill>
+              </a14:hiddenFill>
+            </a:ext>
+          </a:extLst>
+        </p:spPr>
+      </p:pic>
+    </p:spTree>
+    <p:extLst>
+      <p:ext uri="{BB962C8B-B14F-4D97-AF65-F5344CB8AC3E}">
+        <p14:creationId xmlns:p14="http://schemas.microsoft.com/office/powerpoint/2010/main" val="371800884"/>
+      </p:ext>
+    </p:extLst>
+  </p:cSld>
+  <p:clrMapOvr>
+    <a:masterClrMapping/>
+  </p:clrMapOvr>
+</p:sld>
+</file>
+
+<file path=ppt/slides/slide60.xml><?xml version="1.0" encoding="utf-8"?>
 <p:sld xmlns:a="http://schemas.openxmlformats.org/drawingml/2006/main" xmlns:r="http://schemas.openxmlformats.org/officeDocument/2006/relationships" xmlns:p="http://schemas.openxmlformats.org/presentationml/2006/main">
   <p:cSld>
     <p:spTree>
@@ -9744,7 +11476,7 @@
 </p:sld>
 </file>
 
-<file path=ppt/slides/slide58.xml><?xml version="1.0" encoding="utf-8"?>
+<file path=ppt/slides/slide61.xml><?xml version="1.0" encoding="utf-8"?>
 <p:sld xmlns:a="http://schemas.openxmlformats.org/drawingml/2006/main" xmlns:r="http://schemas.openxmlformats.org/officeDocument/2006/relationships" xmlns:p="http://schemas.openxmlformats.org/presentationml/2006/main">
   <p:cSld>
     <p:spTree>
@@ -9857,7 +11589,7 @@
 </p:sld>
 </file>
 
-<file path=ppt/slides/slide59.xml><?xml version="1.0" encoding="utf-8"?>
+<file path=ppt/slides/slide62.xml><?xml version="1.0" encoding="utf-8"?>
 <p:sld xmlns:a="http://schemas.openxmlformats.org/drawingml/2006/main" xmlns:r="http://schemas.openxmlformats.org/officeDocument/2006/relationships" xmlns:p="http://schemas.openxmlformats.org/presentationml/2006/main">
   <p:cSld>
     <p:spTree>
@@ -9970,133 +11702,7 @@
 </p:sld>
 </file>
 
-<file path=ppt/slides/slide6.xml><?xml version="1.0" encoding="utf-8"?>
-<p:sld xmlns:a="http://schemas.openxmlformats.org/drawingml/2006/main" xmlns:r="http://schemas.openxmlformats.org/officeDocument/2006/relationships" xmlns:p="http://schemas.openxmlformats.org/presentationml/2006/main">
-  <p:cSld>
-    <p:spTree>
-      <p:nvGrpSpPr>
-        <p:cNvPr id="1" name=""/>
-        <p:cNvGrpSpPr/>
-        <p:nvPr/>
-      </p:nvGrpSpPr>
-      <p:grpSpPr>
-        <a:xfrm>
-          <a:off x="0" y="0"/>
-          <a:ext cx="0" cy="0"/>
-          <a:chOff x="0" y="0"/>
-          <a:chExt cx="0" cy="0"/>
-        </a:xfrm>
-      </p:grpSpPr>
-      <p:sp>
-        <p:nvSpPr>
-          <p:cNvPr id="2" name="Título 1"/>
-          <p:cNvSpPr>
-            <a:spLocks noGrp="1"/>
-          </p:cNvSpPr>
-          <p:nvPr>
-            <p:ph type="title"/>
-          </p:nvPr>
-        </p:nvSpPr>
-        <p:spPr/>
-        <p:txBody>
-          <a:bodyPr/>
-          <a:lstStyle/>
-          <a:p>
-            <a:r>
-              <a:rPr lang="pt-BR" dirty="0"/>
-              <a:t>Introdução</a:t>
-            </a:r>
-          </a:p>
-        </p:txBody>
-      </p:sp>
-      <p:sp>
-        <p:nvSpPr>
-          <p:cNvPr id="3" name="Espaço Reservado para Conteúdo 2"/>
-          <p:cNvSpPr>
-            <a:spLocks noGrp="1"/>
-          </p:cNvSpPr>
-          <p:nvPr>
-            <p:ph idx="1"/>
-          </p:nvPr>
-        </p:nvSpPr>
-        <p:spPr/>
-        <p:txBody>
-          <a:bodyPr>
-            <a:normAutofit fontScale="85000" lnSpcReduction="10000"/>
-          </a:bodyPr>
-          <a:lstStyle/>
-          <a:p>
-            <a:pPr indent="0" algn="just">
-              <a:lnSpc>
-                <a:spcPct val="150000"/>
-              </a:lnSpc>
-              <a:spcAft>
-                <a:spcPts val="600"/>
-              </a:spcAft>
-              <a:buNone/>
-            </a:pPr>
-            <a:r>
-              <a:rPr lang="pt-BR" sz="1800" dirty="0">
-                <a:effectLst/>
-                <a:latin typeface="Arial" panose="020B0604020202020204" pitchFamily="34" charset="0"/>
-                <a:ea typeface="Times New Roman" panose="02020603050405020304" pitchFamily="18" charset="0"/>
-                <a:cs typeface="Times New Roman" panose="02020603050405020304" pitchFamily="18" charset="0"/>
-              </a:rPr>
-              <a:t>Ao se olhar para a literatura da área, a adaptabilidade aparece como um dos principais fatores que fazem um bom desenvolvedor de software (LI; KO; ZHU, 2015), sendo um dos principais requisitos procurados em profissionais na Engenharia de Software (AHMED </a:t>
-            </a:r>
-            <a:r>
-              <a:rPr lang="pt-BR" sz="1800" i="1" dirty="0">
-                <a:effectLst/>
-                <a:latin typeface="Arial" panose="020B0604020202020204" pitchFamily="34" charset="0"/>
-                <a:ea typeface="Times New Roman" panose="02020603050405020304" pitchFamily="18" charset="0"/>
-                <a:cs typeface="Times New Roman" panose="02020603050405020304" pitchFamily="18" charset="0"/>
-              </a:rPr>
-              <a:t>et al.</a:t>
-            </a:r>
-            <a:r>
-              <a:rPr lang="pt-BR" sz="1800" dirty="0">
-                <a:effectLst/>
-                <a:latin typeface="Arial" panose="020B0604020202020204" pitchFamily="34" charset="0"/>
-                <a:ea typeface="Times New Roman" panose="02020603050405020304" pitchFamily="18" charset="0"/>
-                <a:cs typeface="Times New Roman" panose="02020603050405020304" pitchFamily="18" charset="0"/>
-              </a:rPr>
-              <a:t>, 2013), bem como um dos principais desafios no ensino na área (INVERARDI; JAZAYERI, 2006). A adaptação está até mesmo inserida nas diretrizes curriculares nacionais dos cursos de computação, o qual menciona que uma das competências a serem desenvolvidas nos egressos é: “adequar-se rapidamente às mudanças tecnológicas e aos novos ambientes de trabalho”(MINISTÉRIO DA EDUCAÇÃO, 2016).</a:t>
-            </a:r>
-            <a:endParaRPr lang="pt-BR" sz="1800" dirty="0">
-              <a:effectLst/>
-              <a:latin typeface="Times" panose="02020603050405020304" pitchFamily="18" charset="0"/>
-              <a:ea typeface="Times New Roman" panose="02020603050405020304" pitchFamily="18" charset="0"/>
-              <a:cs typeface="Times New Roman" panose="02020603050405020304" pitchFamily="18" charset="0"/>
-            </a:endParaRPr>
-          </a:p>
-          <a:p>
-            <a:pPr indent="0" algn="just">
-              <a:lnSpc>
-                <a:spcPct val="150000"/>
-              </a:lnSpc>
-              <a:spcAft>
-                <a:spcPts val="600"/>
-              </a:spcAft>
-              <a:buNone/>
-            </a:pPr>
-            <a:endParaRPr lang="pt-BR" dirty="0"/>
-          </a:p>
-        </p:txBody>
-      </p:sp>
-    </p:spTree>
-    <p:extLst>
-      <p:ext uri="{BB962C8B-B14F-4D97-AF65-F5344CB8AC3E}">
-        <p14:creationId xmlns:p14="http://schemas.microsoft.com/office/powerpoint/2010/main" val="3960927822"/>
-      </p:ext>
-    </p:extLst>
-  </p:cSld>
-  <p:clrMapOvr>
-    <a:masterClrMapping/>
-  </p:clrMapOvr>
-</p:sld>
-</file>
-
-<file path=ppt/slides/slide60.xml><?xml version="1.0" encoding="utf-8"?>
+<file path=ppt/slides/slide63.xml><?xml version="1.0" encoding="utf-8"?>
 <p:sld xmlns:a="http://schemas.openxmlformats.org/drawingml/2006/main" xmlns:r="http://schemas.openxmlformats.org/officeDocument/2006/relationships" xmlns:p="http://schemas.openxmlformats.org/presentationml/2006/main">
   <p:cSld>
     <p:spTree>
@@ -10209,7 +11815,7 @@
 </p:sld>
 </file>
 
-<file path=ppt/slides/slide61.xml><?xml version="1.0" encoding="utf-8"?>
+<file path=ppt/slides/slide64.xml><?xml version="1.0" encoding="utf-8"?>
 <p:sld xmlns:a="http://schemas.openxmlformats.org/drawingml/2006/main" xmlns:r="http://schemas.openxmlformats.org/officeDocument/2006/relationships" xmlns:p="http://schemas.openxmlformats.org/presentationml/2006/main">
   <p:cSld>
     <p:spTree>
@@ -10327,7 +11933,7 @@
 </p:sld>
 </file>
 
-<file path=ppt/slides/slide62.xml><?xml version="1.0" encoding="utf-8"?>
+<file path=ppt/slides/slide65.xml><?xml version="1.0" encoding="utf-8"?>
 <p:sld xmlns:a="http://schemas.openxmlformats.org/drawingml/2006/main" xmlns:r="http://schemas.openxmlformats.org/officeDocument/2006/relationships" xmlns:p="http://schemas.openxmlformats.org/presentationml/2006/main">
   <p:cSld>
     <p:spTree>
@@ -10420,7 +12026,7 @@
 </p:sld>
 </file>
 
-<file path=ppt/slides/slide63.xml><?xml version="1.0" encoding="utf-8"?>
+<file path=ppt/slides/slide66.xml><?xml version="1.0" encoding="utf-8"?>
 <p:sld xmlns:a="http://schemas.openxmlformats.org/drawingml/2006/main" xmlns:r="http://schemas.openxmlformats.org/officeDocument/2006/relationships" xmlns:p="http://schemas.openxmlformats.org/presentationml/2006/main">
   <p:cSld>
     <p:spTree>
@@ -10513,7 +12119,7 @@
 </p:sld>
 </file>
 
-<file path=ppt/slides/slide64.xml><?xml version="1.0" encoding="utf-8"?>
+<file path=ppt/slides/slide67.xml><?xml version="1.0" encoding="utf-8"?>
 <p:sld xmlns:a="http://schemas.openxmlformats.org/drawingml/2006/main" xmlns:r="http://schemas.openxmlformats.org/officeDocument/2006/relationships" xmlns:p="http://schemas.openxmlformats.org/presentationml/2006/main">
   <p:cSld>
     <p:spTree>
@@ -10606,7 +12212,7 @@
 </p:sld>
 </file>
 
-<file path=ppt/slides/slide65.xml><?xml version="1.0" encoding="utf-8"?>
+<file path=ppt/slides/slide68.xml><?xml version="1.0" encoding="utf-8"?>
 <p:sld xmlns:a="http://schemas.openxmlformats.org/drawingml/2006/main" xmlns:r="http://schemas.openxmlformats.org/officeDocument/2006/relationships" xmlns:p="http://schemas.openxmlformats.org/presentationml/2006/main">
   <p:cSld>
     <p:spTree>
@@ -10699,7 +12305,7 @@
 </p:sld>
 </file>
 
-<file path=ppt/slides/slide66.xml><?xml version="1.0" encoding="utf-8"?>
+<file path=ppt/slides/slide69.xml><?xml version="1.0" encoding="utf-8"?>
 <p:sld xmlns:a="http://schemas.openxmlformats.org/drawingml/2006/main" xmlns:r="http://schemas.openxmlformats.org/officeDocument/2006/relationships" xmlns:p="http://schemas.openxmlformats.org/presentationml/2006/main">
   <p:cSld>
     <p:spTree>
@@ -10792,7 +12398,209 @@
 </p:sld>
 </file>
 
-<file path=ppt/slides/slide67.xml><?xml version="1.0" encoding="utf-8"?>
+<file path=ppt/slides/slide7.xml><?xml version="1.0" encoding="utf-8"?>
+<p:sld xmlns:a="http://schemas.openxmlformats.org/drawingml/2006/main" xmlns:r="http://schemas.openxmlformats.org/officeDocument/2006/relationships" xmlns:p="http://schemas.openxmlformats.org/presentationml/2006/main">
+  <p:cSld>
+    <p:spTree>
+      <p:nvGrpSpPr>
+        <p:cNvPr id="1" name=""/>
+        <p:cNvGrpSpPr/>
+        <p:nvPr/>
+      </p:nvGrpSpPr>
+      <p:grpSpPr>
+        <a:xfrm>
+          <a:off x="0" y="0"/>
+          <a:ext cx="0" cy="0"/>
+          <a:chOff x="0" y="0"/>
+          <a:chExt cx="0" cy="0"/>
+        </a:xfrm>
+      </p:grpSpPr>
+      <p:sp>
+        <p:nvSpPr>
+          <p:cNvPr id="2" name="Título 1"/>
+          <p:cNvSpPr>
+            <a:spLocks noGrp="1"/>
+          </p:cNvSpPr>
+          <p:nvPr>
+            <p:ph type="title"/>
+          </p:nvPr>
+        </p:nvSpPr>
+        <p:spPr/>
+        <p:txBody>
+          <a:bodyPr/>
+          <a:lstStyle/>
+          <a:p>
+            <a:r>
+              <a:rPr lang="pt-BR" dirty="0"/>
+              <a:t>Introdução</a:t>
+            </a:r>
+          </a:p>
+        </p:txBody>
+      </p:sp>
+      <p:sp>
+        <p:nvSpPr>
+          <p:cNvPr id="3" name="Espaço Reservado para Conteúdo 2"/>
+          <p:cNvSpPr>
+            <a:spLocks noGrp="1"/>
+          </p:cNvSpPr>
+          <p:nvPr>
+            <p:ph idx="1"/>
+          </p:nvPr>
+        </p:nvSpPr>
+        <p:spPr/>
+        <p:txBody>
+          <a:bodyPr>
+            <a:normAutofit fontScale="85000" lnSpcReduction="10000"/>
+          </a:bodyPr>
+          <a:lstStyle/>
+          <a:p>
+            <a:pPr indent="0" algn="just">
+              <a:lnSpc>
+                <a:spcPct val="150000"/>
+              </a:lnSpc>
+              <a:spcAft>
+                <a:spcPts val="600"/>
+              </a:spcAft>
+              <a:buNone/>
+            </a:pPr>
+            <a:r>
+              <a:rPr lang="pt-BR" sz="1800" dirty="0">
+                <a:effectLst/>
+                <a:latin typeface="Arial" panose="020B0604020202020204" pitchFamily="34" charset="0"/>
+                <a:ea typeface="Times New Roman" panose="02020603050405020304" pitchFamily="18" charset="0"/>
+                <a:cs typeface="Times New Roman" panose="02020603050405020304" pitchFamily="18" charset="0"/>
+              </a:rPr>
+              <a:t>Ao se olhar para a literatura da área, a adaptabilidade aparece como:</a:t>
+            </a:r>
+          </a:p>
+          <a:p>
+            <a:pPr marL="628650" indent="-285750" algn="just">
+              <a:lnSpc>
+                <a:spcPct val="150000"/>
+              </a:lnSpc>
+              <a:spcAft>
+                <a:spcPts val="600"/>
+              </a:spcAft>
+            </a:pPr>
+            <a:r>
+              <a:rPr lang="pt-BR" sz="1900" dirty="0">
+                <a:effectLst/>
+                <a:latin typeface="Arial" panose="020B0604020202020204" pitchFamily="34" charset="0"/>
+                <a:ea typeface="Times New Roman" panose="02020603050405020304" pitchFamily="18" charset="0"/>
+                <a:cs typeface="Times New Roman" panose="02020603050405020304" pitchFamily="18" charset="0"/>
+              </a:rPr>
+              <a:t>um dos principais fatores que fazem um bom desenvolvedor de software (LI; KO; ZHU, 2015);</a:t>
+            </a:r>
+          </a:p>
+          <a:p>
+            <a:pPr marL="628650" indent="-285750" algn="just">
+              <a:lnSpc>
+                <a:spcPct val="150000"/>
+              </a:lnSpc>
+              <a:spcAft>
+                <a:spcPts val="600"/>
+              </a:spcAft>
+            </a:pPr>
+            <a:r>
+              <a:rPr lang="pt-BR" sz="1900" dirty="0">
+                <a:effectLst/>
+                <a:latin typeface="Arial" panose="020B0604020202020204" pitchFamily="34" charset="0"/>
+                <a:ea typeface="Times New Roman" panose="02020603050405020304" pitchFamily="18" charset="0"/>
+                <a:cs typeface="Times New Roman" panose="02020603050405020304" pitchFamily="18" charset="0"/>
+              </a:rPr>
+              <a:t>Um dos mais procurados requisitos  em profissionais na Engenharia de Software (AHMED </a:t>
+            </a:r>
+            <a:r>
+              <a:rPr lang="pt-BR" sz="1900" i="1" dirty="0">
+                <a:effectLst/>
+                <a:latin typeface="Arial" panose="020B0604020202020204" pitchFamily="34" charset="0"/>
+                <a:ea typeface="Times New Roman" panose="02020603050405020304" pitchFamily="18" charset="0"/>
+                <a:cs typeface="Times New Roman" panose="02020603050405020304" pitchFamily="18" charset="0"/>
+              </a:rPr>
+              <a:t>et al.</a:t>
+            </a:r>
+            <a:r>
+              <a:rPr lang="pt-BR" sz="1900" dirty="0">
+                <a:effectLst/>
+                <a:latin typeface="Arial" panose="020B0604020202020204" pitchFamily="34" charset="0"/>
+                <a:ea typeface="Times New Roman" panose="02020603050405020304" pitchFamily="18" charset="0"/>
+                <a:cs typeface="Times New Roman" panose="02020603050405020304" pitchFamily="18" charset="0"/>
+              </a:rPr>
+              <a:t>, 2013), </a:t>
+            </a:r>
+          </a:p>
+          <a:p>
+            <a:pPr marL="628650" indent="-285750" algn="just">
+              <a:lnSpc>
+                <a:spcPct val="150000"/>
+              </a:lnSpc>
+              <a:spcAft>
+                <a:spcPts val="600"/>
+              </a:spcAft>
+            </a:pPr>
+            <a:r>
+              <a:rPr lang="pt-BR" sz="1900" dirty="0">
+                <a:effectLst/>
+                <a:latin typeface="Arial" panose="020B0604020202020204" pitchFamily="34" charset="0"/>
+                <a:ea typeface="Times New Roman" panose="02020603050405020304" pitchFamily="18" charset="0"/>
+                <a:cs typeface="Times New Roman" panose="02020603050405020304" pitchFamily="18" charset="0"/>
+              </a:rPr>
+              <a:t>Um dos principais desafios no ensino na área (INVERARDI; JAZAYERI, 2006).</a:t>
+            </a:r>
+          </a:p>
+          <a:p>
+            <a:pPr marL="628650" indent="-285750" algn="just">
+              <a:lnSpc>
+                <a:spcPct val="150000"/>
+              </a:lnSpc>
+              <a:spcAft>
+                <a:spcPts val="600"/>
+              </a:spcAft>
+            </a:pPr>
+            <a:r>
+              <a:rPr lang="pt-BR" sz="1900" dirty="0">
+                <a:effectLst/>
+                <a:latin typeface="Arial" panose="020B0604020202020204" pitchFamily="34" charset="0"/>
+                <a:ea typeface="Times New Roman" panose="02020603050405020304" pitchFamily="18" charset="0"/>
+                <a:cs typeface="Times New Roman" panose="02020603050405020304" pitchFamily="18" charset="0"/>
+              </a:rPr>
+              <a:t> A adaptação está até mesmo inserida nas diretrizes curriculares nacionais dos cursos de computação</a:t>
+            </a:r>
+            <a:r>
+              <a:rPr lang="pt-BR" sz="1900" dirty="0">
+                <a:latin typeface="Arial" panose="020B0604020202020204" pitchFamily="34" charset="0"/>
+                <a:ea typeface="Times New Roman" panose="02020603050405020304" pitchFamily="18" charset="0"/>
+                <a:cs typeface="Times New Roman" panose="02020603050405020304" pitchFamily="18" charset="0"/>
+              </a:rPr>
+              <a:t> (</a:t>
+            </a:r>
+            <a:r>
+              <a:rPr lang="pt-BR" sz="1900" dirty="0">
+                <a:effectLst/>
+                <a:latin typeface="Arial" panose="020B0604020202020204" pitchFamily="34" charset="0"/>
+                <a:ea typeface="Times New Roman" panose="02020603050405020304" pitchFamily="18" charset="0"/>
+                <a:cs typeface="Times New Roman" panose="02020603050405020304" pitchFamily="18" charset="0"/>
+              </a:rPr>
+              <a:t>MINISTÉRIO DA EDUCAÇÃO, 2016).</a:t>
+            </a:r>
+            <a:endParaRPr lang="pt-BR" sz="1900" dirty="0"/>
+          </a:p>
+        </p:txBody>
+      </p:sp>
+    </p:spTree>
+    <p:extLst>
+      <p:ext uri="{BB962C8B-B14F-4D97-AF65-F5344CB8AC3E}">
+        <p14:creationId xmlns:p14="http://schemas.microsoft.com/office/powerpoint/2010/main" val="3960927822"/>
+      </p:ext>
+    </p:extLst>
+  </p:cSld>
+  <p:clrMapOvr>
+    <a:masterClrMapping/>
+  </p:clrMapOvr>
+</p:sld>
+</file>
+
+<file path=ppt/slides/slide70.xml><?xml version="1.0" encoding="utf-8"?>
 <p:sld xmlns:a="http://schemas.openxmlformats.org/drawingml/2006/main" xmlns:r="http://schemas.openxmlformats.org/officeDocument/2006/relationships" xmlns:p="http://schemas.openxmlformats.org/presentationml/2006/main">
   <p:cSld>
     <p:spTree>
@@ -10885,7 +12693,7 @@
 </p:sld>
 </file>
 
-<file path=ppt/slides/slide68.xml><?xml version="1.0" encoding="utf-8"?>
+<file path=ppt/slides/slide71.xml><?xml version="1.0" encoding="utf-8"?>
 <p:sld xmlns:a="http://schemas.openxmlformats.org/drawingml/2006/main" xmlns:r="http://schemas.openxmlformats.org/officeDocument/2006/relationships" xmlns:p="http://schemas.openxmlformats.org/presentationml/2006/main">
   <p:cSld>
     <p:spTree>
@@ -10978,644 +12786,6 @@
 </p:sld>
 </file>
 
-<file path=ppt/slides/slide69.xml><?xml version="1.0" encoding="utf-8"?>
-<p:sld xmlns:a="http://schemas.openxmlformats.org/drawingml/2006/main" xmlns:r="http://schemas.openxmlformats.org/officeDocument/2006/relationships" xmlns:p="http://schemas.openxmlformats.org/presentationml/2006/main">
-  <p:cSld>
-    <p:spTree>
-      <p:nvGrpSpPr>
-        <p:cNvPr id="1" name=""/>
-        <p:cNvGrpSpPr/>
-        <p:nvPr/>
-      </p:nvGrpSpPr>
-      <p:grpSpPr>
-        <a:xfrm>
-          <a:off x="0" y="0"/>
-          <a:ext cx="0" cy="0"/>
-          <a:chOff x="0" y="0"/>
-          <a:chExt cx="0" cy="0"/>
-        </a:xfrm>
-      </p:grpSpPr>
-      <p:sp>
-        <p:nvSpPr>
-          <p:cNvPr id="2" name="Título 1">
-            <a:extLst>
-              <a:ext uri="{FF2B5EF4-FFF2-40B4-BE49-F238E27FC236}">
-                <a16:creationId xmlns:a16="http://schemas.microsoft.com/office/drawing/2014/main" id="{8771F9BF-C74A-4E88-BDC8-C54DDF995CB1}"/>
-              </a:ext>
-            </a:extLst>
-          </p:cNvPr>
-          <p:cNvSpPr>
-            <a:spLocks noGrp="1"/>
-          </p:cNvSpPr>
-          <p:nvPr>
-            <p:ph type="title"/>
-          </p:nvPr>
-        </p:nvSpPr>
-        <p:spPr/>
-        <p:txBody>
-          <a:bodyPr/>
-          <a:lstStyle/>
-          <a:p>
-            <a:r>
-              <a:rPr lang="pt-BR" dirty="0"/>
-              <a:t>Conclusões</a:t>
-            </a:r>
-          </a:p>
-        </p:txBody>
-      </p:sp>
-      <p:sp>
-        <p:nvSpPr>
-          <p:cNvPr id="3" name="Espaço Reservado para Conteúdo 2">
-            <a:extLst>
-              <a:ext uri="{FF2B5EF4-FFF2-40B4-BE49-F238E27FC236}">
-                <a16:creationId xmlns:a16="http://schemas.microsoft.com/office/drawing/2014/main" id="{DEE167A3-9181-498D-AF08-4F6D7EA43C65}"/>
-              </a:ext>
-            </a:extLst>
-          </p:cNvPr>
-          <p:cNvSpPr>
-            <a:spLocks noGrp="1"/>
-          </p:cNvSpPr>
-          <p:nvPr>
-            <p:ph idx="1"/>
-          </p:nvPr>
-        </p:nvSpPr>
-        <p:spPr/>
-        <p:txBody>
-          <a:bodyPr/>
-          <a:lstStyle/>
-          <a:p>
-            <a:r>
-              <a:rPr lang="pt-BR" sz="1800" b="1" dirty="0">
-                <a:effectLst/>
-                <a:latin typeface="Arial" panose="020B0604020202020204" pitchFamily="34" charset="0"/>
-                <a:ea typeface="Times New Roman" panose="02020603050405020304" pitchFamily="18" charset="0"/>
-                <a:cs typeface="Times New Roman" panose="02020603050405020304" pitchFamily="18" charset="0"/>
-              </a:rPr>
-              <a:t>Existe relação significativa entre cada uma das dimensões da adaptabilidade individual com a satisfação com o trabalho na percepção dos Engenheiros de Software? Essas relações são positivas ou negativas?</a:t>
-            </a:r>
-            <a:endParaRPr lang="pt-BR" sz="1800" dirty="0">
-              <a:effectLst/>
-              <a:latin typeface="Times" panose="02020603050405020304" pitchFamily="18" charset="0"/>
-              <a:ea typeface="Times New Roman" panose="02020603050405020304" pitchFamily="18" charset="0"/>
-              <a:cs typeface="Times New Roman" panose="02020603050405020304" pitchFamily="18" charset="0"/>
-            </a:endParaRPr>
-          </a:p>
-          <a:p>
-            <a:endParaRPr lang="pt-BR" dirty="0"/>
-          </a:p>
-          <a:p>
-            <a:r>
-              <a:rPr lang="pt-BR" sz="1800" b="1" dirty="0">
-                <a:effectLst/>
-                <a:latin typeface="Arial" panose="020B0604020202020204" pitchFamily="34" charset="0"/>
-                <a:ea typeface="Calibri" panose="020F0502020204030204" pitchFamily="34" charset="0"/>
-                <a:cs typeface="Times New Roman" panose="02020603050405020304" pitchFamily="18" charset="0"/>
-              </a:rPr>
-              <a:t>Existe relação de cada uma das dimensões da adaptabilidade individual e de cada uma das dimensões do burnout na percepção dos Engenheiros de Software? Mais do que isso, elas são positivas ou negativas? </a:t>
-            </a:r>
-            <a:endParaRPr lang="pt-BR" sz="1800" dirty="0">
-              <a:effectLst/>
-              <a:latin typeface="Times" panose="02020603050405020304" pitchFamily="18" charset="0"/>
-              <a:ea typeface="Times New Roman" panose="02020603050405020304" pitchFamily="18" charset="0"/>
-              <a:cs typeface="Times New Roman" panose="02020603050405020304" pitchFamily="18" charset="0"/>
-            </a:endParaRPr>
-          </a:p>
-          <a:p>
-            <a:endParaRPr lang="pt-BR" dirty="0"/>
-          </a:p>
-        </p:txBody>
-      </p:sp>
-    </p:spTree>
-    <p:extLst>
-      <p:ext uri="{BB962C8B-B14F-4D97-AF65-F5344CB8AC3E}">
-        <p14:creationId xmlns:p14="http://schemas.microsoft.com/office/powerpoint/2010/main" val="1706008652"/>
-      </p:ext>
-    </p:extLst>
-  </p:cSld>
-  <p:clrMapOvr>
-    <a:masterClrMapping/>
-  </p:clrMapOvr>
-</p:sld>
-</file>
-
-<file path=ppt/slides/slide7.xml><?xml version="1.0" encoding="utf-8"?>
-<p:sld xmlns:a="http://schemas.openxmlformats.org/drawingml/2006/main" xmlns:r="http://schemas.openxmlformats.org/officeDocument/2006/relationships" xmlns:p="http://schemas.openxmlformats.org/presentationml/2006/main">
-  <p:cSld>
-    <p:spTree>
-      <p:nvGrpSpPr>
-        <p:cNvPr id="1" name=""/>
-        <p:cNvGrpSpPr/>
-        <p:nvPr/>
-      </p:nvGrpSpPr>
-      <p:grpSpPr>
-        <a:xfrm>
-          <a:off x="0" y="0"/>
-          <a:ext cx="0" cy="0"/>
-          <a:chOff x="0" y="0"/>
-          <a:chExt cx="0" cy="0"/>
-        </a:xfrm>
-      </p:grpSpPr>
-      <p:sp>
-        <p:nvSpPr>
-          <p:cNvPr id="2" name="Título 1"/>
-          <p:cNvSpPr>
-            <a:spLocks noGrp="1"/>
-          </p:cNvSpPr>
-          <p:nvPr>
-            <p:ph type="title"/>
-          </p:nvPr>
-        </p:nvSpPr>
-        <p:spPr/>
-        <p:txBody>
-          <a:bodyPr/>
-          <a:lstStyle/>
-          <a:p>
-            <a:r>
-              <a:rPr lang="pt-BR" dirty="0"/>
-              <a:t>Introdução</a:t>
-            </a:r>
-          </a:p>
-        </p:txBody>
-      </p:sp>
-      <p:sp>
-        <p:nvSpPr>
-          <p:cNvPr id="3" name="Espaço Reservado para Conteúdo 2"/>
-          <p:cNvSpPr>
-            <a:spLocks noGrp="1"/>
-          </p:cNvSpPr>
-          <p:nvPr>
-            <p:ph idx="1"/>
-          </p:nvPr>
-        </p:nvSpPr>
-        <p:spPr/>
-        <p:txBody>
-          <a:bodyPr>
-            <a:normAutofit fontScale="92500"/>
-          </a:bodyPr>
-          <a:lstStyle/>
-          <a:p>
-            <a:pPr indent="270510" algn="just">
-              <a:lnSpc>
-                <a:spcPct val="150000"/>
-              </a:lnSpc>
-              <a:spcAft>
-                <a:spcPts val="600"/>
-              </a:spcAft>
-            </a:pPr>
-            <a:r>
-              <a:rPr lang="pt-BR" sz="1800" dirty="0">
-                <a:effectLst/>
-                <a:latin typeface="Arial" panose="020B0604020202020204" pitchFamily="34" charset="0"/>
-                <a:ea typeface="Times New Roman" panose="02020603050405020304" pitchFamily="18" charset="0"/>
-                <a:cs typeface="Times New Roman" panose="02020603050405020304" pitchFamily="18" charset="0"/>
-              </a:rPr>
-              <a:t>(DIAS-JR, 2018; KUDE </a:t>
-            </a:r>
-            <a:r>
-              <a:rPr lang="pt-BR" sz="1800" i="1" dirty="0">
-                <a:effectLst/>
-                <a:latin typeface="Arial" panose="020B0604020202020204" pitchFamily="34" charset="0"/>
-                <a:ea typeface="Times New Roman" panose="02020603050405020304" pitchFamily="18" charset="0"/>
-                <a:cs typeface="Times New Roman" panose="02020603050405020304" pitchFamily="18" charset="0"/>
-              </a:rPr>
-              <a:t>et al.</a:t>
-            </a:r>
-            <a:r>
-              <a:rPr lang="pt-BR" sz="1800" dirty="0">
-                <a:effectLst/>
-                <a:latin typeface="Arial" panose="020B0604020202020204" pitchFamily="34" charset="0"/>
-                <a:ea typeface="Times New Roman" panose="02020603050405020304" pitchFamily="18" charset="0"/>
-                <a:cs typeface="Times New Roman" panose="02020603050405020304" pitchFamily="18" charset="0"/>
-              </a:rPr>
-              <a:t>, 2014). Em geral, aceita-se o argumento de que os indivíduos na área precisam se adaptar a situações que ocorrem no dia a dia de trabalho como aprender novas linguagem, frameworks, lidar com a pressão de clientes, prazos e orçamentos, mudanças de equipes, </a:t>
-            </a:r>
-            <a:r>
-              <a:rPr lang="pt-BR" sz="1800" i="1" dirty="0" err="1">
-                <a:effectLst/>
-                <a:latin typeface="Arial" panose="020B0604020202020204" pitchFamily="34" charset="0"/>
-                <a:ea typeface="Times New Roman" panose="02020603050405020304" pitchFamily="18" charset="0"/>
-                <a:cs typeface="Times New Roman" panose="02020603050405020304" pitchFamily="18" charset="0"/>
-              </a:rPr>
-              <a:t>job</a:t>
-            </a:r>
-            <a:r>
-              <a:rPr lang="pt-BR" sz="1800" i="1" dirty="0">
-                <a:effectLst/>
-                <a:latin typeface="Arial" panose="020B0604020202020204" pitchFamily="34" charset="0"/>
-                <a:ea typeface="Times New Roman" panose="02020603050405020304" pitchFamily="18" charset="0"/>
-                <a:cs typeface="Times New Roman" panose="02020603050405020304" pitchFamily="18" charset="0"/>
-              </a:rPr>
-              <a:t> </a:t>
-            </a:r>
-            <a:r>
-              <a:rPr lang="pt-BR" sz="1800" i="1" dirty="0" err="1">
-                <a:effectLst/>
-                <a:latin typeface="Arial" panose="020B0604020202020204" pitchFamily="34" charset="0"/>
-                <a:ea typeface="Times New Roman" panose="02020603050405020304" pitchFamily="18" charset="0"/>
-                <a:cs typeface="Times New Roman" panose="02020603050405020304" pitchFamily="18" charset="0"/>
-              </a:rPr>
-              <a:t>rotation</a:t>
-            </a:r>
-            <a:r>
-              <a:rPr lang="pt-BR" sz="1800" dirty="0">
-                <a:effectLst/>
-                <a:latin typeface="Arial" panose="020B0604020202020204" pitchFamily="34" charset="0"/>
-                <a:ea typeface="Times New Roman" panose="02020603050405020304" pitchFamily="18" charset="0"/>
-                <a:cs typeface="Times New Roman" panose="02020603050405020304" pitchFamily="18" charset="0"/>
-              </a:rPr>
-              <a:t>, resolução de problemas e lidar com situações inesperadas e de emergência, pois, simplesmente a área requer que o indivíduo perpasse por essas situações. Tudo isso sem levar em consideração características inerentes aos indivíduos ou até mesmo o impacto dessa adaptação nos seus trabalhos.</a:t>
-            </a:r>
-            <a:endParaRPr lang="pt-BR" sz="1800" dirty="0">
-              <a:effectLst/>
-              <a:latin typeface="Times" panose="02020603050405020304" pitchFamily="18" charset="0"/>
-              <a:ea typeface="Times New Roman" panose="02020603050405020304" pitchFamily="18" charset="0"/>
-              <a:cs typeface="Times New Roman" panose="02020603050405020304" pitchFamily="18" charset="0"/>
-            </a:endParaRPr>
-          </a:p>
-          <a:p>
-            <a:pPr indent="0" algn="just">
-              <a:lnSpc>
-                <a:spcPct val="150000"/>
-              </a:lnSpc>
-              <a:spcAft>
-                <a:spcPts val="600"/>
-              </a:spcAft>
-              <a:buNone/>
-            </a:pPr>
-            <a:endParaRPr lang="pt-BR" dirty="0"/>
-          </a:p>
-        </p:txBody>
-      </p:sp>
-    </p:spTree>
-    <p:extLst>
-      <p:ext uri="{BB962C8B-B14F-4D97-AF65-F5344CB8AC3E}">
-        <p14:creationId xmlns:p14="http://schemas.microsoft.com/office/powerpoint/2010/main" val="770879973"/>
-      </p:ext>
-    </p:extLst>
-  </p:cSld>
-  <p:clrMapOvr>
-    <a:masterClrMapping/>
-  </p:clrMapOvr>
-</p:sld>
-</file>
-
-<file path=ppt/slides/slide70.xml><?xml version="1.0" encoding="utf-8"?>
-<p:sld xmlns:a="http://schemas.openxmlformats.org/drawingml/2006/main" xmlns:r="http://schemas.openxmlformats.org/officeDocument/2006/relationships" xmlns:p="http://schemas.openxmlformats.org/presentationml/2006/main">
-  <p:cSld>
-    <p:spTree>
-      <p:nvGrpSpPr>
-        <p:cNvPr id="1" name=""/>
-        <p:cNvGrpSpPr/>
-        <p:nvPr/>
-      </p:nvGrpSpPr>
-      <p:grpSpPr>
-        <a:xfrm>
-          <a:off x="0" y="0"/>
-          <a:ext cx="0" cy="0"/>
-          <a:chOff x="0" y="0"/>
-          <a:chExt cx="0" cy="0"/>
-        </a:xfrm>
-      </p:grpSpPr>
-      <p:sp>
-        <p:nvSpPr>
-          <p:cNvPr id="2" name="Título 1">
-            <a:extLst>
-              <a:ext uri="{FF2B5EF4-FFF2-40B4-BE49-F238E27FC236}">
-                <a16:creationId xmlns:a16="http://schemas.microsoft.com/office/drawing/2014/main" id="{8771F9BF-C74A-4E88-BDC8-C54DDF995CB1}"/>
-              </a:ext>
-            </a:extLst>
-          </p:cNvPr>
-          <p:cNvSpPr>
-            <a:spLocks noGrp="1"/>
-          </p:cNvSpPr>
-          <p:nvPr>
-            <p:ph type="title"/>
-          </p:nvPr>
-        </p:nvSpPr>
-        <p:spPr/>
-        <p:txBody>
-          <a:bodyPr/>
-          <a:lstStyle/>
-          <a:p>
-            <a:r>
-              <a:rPr lang="pt-BR" dirty="0"/>
-              <a:t>Conclusões</a:t>
-            </a:r>
-          </a:p>
-        </p:txBody>
-      </p:sp>
-      <p:sp>
-        <p:nvSpPr>
-          <p:cNvPr id="3" name="Espaço Reservado para Conteúdo 2">
-            <a:extLst>
-              <a:ext uri="{FF2B5EF4-FFF2-40B4-BE49-F238E27FC236}">
-                <a16:creationId xmlns:a16="http://schemas.microsoft.com/office/drawing/2014/main" id="{DEE167A3-9181-498D-AF08-4F6D7EA43C65}"/>
-              </a:ext>
-            </a:extLst>
-          </p:cNvPr>
-          <p:cNvSpPr>
-            <a:spLocks noGrp="1"/>
-          </p:cNvSpPr>
-          <p:nvPr>
-            <p:ph idx="1"/>
-          </p:nvPr>
-        </p:nvSpPr>
-        <p:spPr/>
-        <p:txBody>
-          <a:bodyPr/>
-          <a:lstStyle/>
-          <a:p>
-            <a:pPr indent="270510" algn="just">
-              <a:lnSpc>
-                <a:spcPct val="150000"/>
-              </a:lnSpc>
-              <a:spcAft>
-                <a:spcPts val="600"/>
-              </a:spcAft>
-            </a:pPr>
-            <a:r>
-              <a:rPr lang="pt-BR" sz="1800" b="1" dirty="0">
-                <a:effectLst/>
-                <a:latin typeface="Arial" panose="020B0604020202020204" pitchFamily="34" charset="0"/>
-                <a:ea typeface="Calibri" panose="020F0502020204030204" pitchFamily="34" charset="0"/>
-                <a:cs typeface="Times New Roman" panose="02020603050405020304" pitchFamily="18" charset="0"/>
-              </a:rPr>
-              <a:t>Existe a relação entre o burnout e a percepção de satisfação na Engenharia de Software? Essa relação é positiva ou negativa?</a:t>
-            </a:r>
-            <a:endParaRPr lang="pt-BR" sz="1800" dirty="0">
-              <a:effectLst/>
-              <a:latin typeface="Times" panose="02020603050405020304" pitchFamily="18" charset="0"/>
-              <a:ea typeface="Times New Roman" panose="02020603050405020304" pitchFamily="18" charset="0"/>
-              <a:cs typeface="Times New Roman" panose="02020603050405020304" pitchFamily="18" charset="0"/>
-            </a:endParaRPr>
-          </a:p>
-          <a:p>
-            <a:endParaRPr lang="pt-BR" dirty="0"/>
-          </a:p>
-          <a:p>
-            <a:pPr indent="228600" algn="just">
-              <a:lnSpc>
-                <a:spcPct val="150000"/>
-              </a:lnSpc>
-              <a:spcAft>
-                <a:spcPts val="600"/>
-              </a:spcAft>
-            </a:pPr>
-            <a:r>
-              <a:rPr lang="pt-BR" sz="1800" b="1" dirty="0">
-                <a:effectLst/>
-                <a:latin typeface="Arial" panose="020B0604020202020204" pitchFamily="34" charset="0"/>
-                <a:ea typeface="Times New Roman" panose="02020603050405020304" pitchFamily="18" charset="0"/>
-                <a:cs typeface="Times New Roman" panose="02020603050405020304" pitchFamily="18" charset="0"/>
-              </a:rPr>
-              <a:t>Existe relação entre a percepção de instabilidade dos indivíduos com a percepção de satisfação na Engenharia de Software? E com o burnout? Essas relações são positivas ou negativas?</a:t>
-            </a:r>
-            <a:endParaRPr lang="pt-BR" sz="1800" dirty="0">
-              <a:effectLst/>
-              <a:latin typeface="Times" panose="02020603050405020304" pitchFamily="18" charset="0"/>
-              <a:ea typeface="Times New Roman" panose="02020603050405020304" pitchFamily="18" charset="0"/>
-              <a:cs typeface="Times New Roman" panose="02020603050405020304" pitchFamily="18" charset="0"/>
-            </a:endParaRPr>
-          </a:p>
-          <a:p>
-            <a:endParaRPr lang="pt-BR" dirty="0"/>
-          </a:p>
-        </p:txBody>
-      </p:sp>
-    </p:spTree>
-    <p:extLst>
-      <p:ext uri="{BB962C8B-B14F-4D97-AF65-F5344CB8AC3E}">
-        <p14:creationId xmlns:p14="http://schemas.microsoft.com/office/powerpoint/2010/main" val="2618388783"/>
-      </p:ext>
-    </p:extLst>
-  </p:cSld>
-  <p:clrMapOvr>
-    <a:masterClrMapping/>
-  </p:clrMapOvr>
-</p:sld>
-</file>
-
-<file path=ppt/slides/slide71.xml><?xml version="1.0" encoding="utf-8"?>
-<p:sld xmlns:a="http://schemas.openxmlformats.org/drawingml/2006/main" xmlns:r="http://schemas.openxmlformats.org/officeDocument/2006/relationships" xmlns:p="http://schemas.openxmlformats.org/presentationml/2006/main">
-  <p:cSld>
-    <p:spTree>
-      <p:nvGrpSpPr>
-        <p:cNvPr id="1" name=""/>
-        <p:cNvGrpSpPr/>
-        <p:nvPr/>
-      </p:nvGrpSpPr>
-      <p:grpSpPr>
-        <a:xfrm>
-          <a:off x="0" y="0"/>
-          <a:ext cx="0" cy="0"/>
-          <a:chOff x="0" y="0"/>
-          <a:chExt cx="0" cy="0"/>
-        </a:xfrm>
-      </p:grpSpPr>
-      <p:sp>
-        <p:nvSpPr>
-          <p:cNvPr id="2" name="Título 1">
-            <a:extLst>
-              <a:ext uri="{FF2B5EF4-FFF2-40B4-BE49-F238E27FC236}">
-                <a16:creationId xmlns:a16="http://schemas.microsoft.com/office/drawing/2014/main" id="{8771F9BF-C74A-4E88-BDC8-C54DDF995CB1}"/>
-              </a:ext>
-            </a:extLst>
-          </p:cNvPr>
-          <p:cNvSpPr>
-            <a:spLocks noGrp="1"/>
-          </p:cNvSpPr>
-          <p:nvPr>
-            <p:ph type="title"/>
-          </p:nvPr>
-        </p:nvSpPr>
-        <p:spPr/>
-        <p:txBody>
-          <a:bodyPr/>
-          <a:lstStyle/>
-          <a:p>
-            <a:r>
-              <a:rPr lang="pt-BR" dirty="0"/>
-              <a:t>Conclusões</a:t>
-            </a:r>
-          </a:p>
-        </p:txBody>
-      </p:sp>
-      <p:sp>
-        <p:nvSpPr>
-          <p:cNvPr id="3" name="Espaço Reservado para Conteúdo 2">
-            <a:extLst>
-              <a:ext uri="{FF2B5EF4-FFF2-40B4-BE49-F238E27FC236}">
-                <a16:creationId xmlns:a16="http://schemas.microsoft.com/office/drawing/2014/main" id="{DEE167A3-9181-498D-AF08-4F6D7EA43C65}"/>
-              </a:ext>
-            </a:extLst>
-          </p:cNvPr>
-          <p:cNvSpPr>
-            <a:spLocks noGrp="1"/>
-          </p:cNvSpPr>
-          <p:nvPr>
-            <p:ph idx="1"/>
-          </p:nvPr>
-        </p:nvSpPr>
-        <p:spPr/>
-        <p:txBody>
-          <a:bodyPr>
-            <a:normAutofit fontScale="85000" lnSpcReduction="10000"/>
-          </a:bodyPr>
-          <a:lstStyle/>
-          <a:p>
-            <a:pPr marL="457200" algn="just">
-              <a:lnSpc>
-                <a:spcPct val="150000"/>
-              </a:lnSpc>
-              <a:spcAft>
-                <a:spcPts val="600"/>
-              </a:spcAft>
-            </a:pPr>
-            <a:r>
-              <a:rPr lang="pt-BR" sz="1800" dirty="0">
-                <a:effectLst/>
-                <a:latin typeface="Arial" panose="020B0604020202020204" pitchFamily="34" charset="0"/>
-                <a:ea typeface="Times New Roman" panose="02020603050405020304" pitchFamily="18" charset="0"/>
-                <a:cs typeface="Times New Roman" panose="02020603050405020304" pitchFamily="18" charset="0"/>
-              </a:rPr>
-              <a:t>Tradução de uma escala de adaptabilidade individual produzida por </a:t>
-            </a:r>
-            <a:r>
-              <a:rPr lang="pt-BR" sz="1800" dirty="0" err="1">
-                <a:effectLst/>
-                <a:latin typeface="Arial" panose="020B0604020202020204" pitchFamily="34" charset="0"/>
-                <a:ea typeface="Times New Roman" panose="02020603050405020304" pitchFamily="18" charset="0"/>
-                <a:cs typeface="Times New Roman" panose="02020603050405020304" pitchFamily="18" charset="0"/>
-              </a:rPr>
-              <a:t>Charbonnier-voirin</a:t>
-            </a:r>
-            <a:r>
-              <a:rPr lang="pt-BR" sz="1800" dirty="0">
-                <a:effectLst/>
-                <a:latin typeface="Arial" panose="020B0604020202020204" pitchFamily="34" charset="0"/>
-                <a:ea typeface="Times New Roman" panose="02020603050405020304" pitchFamily="18" charset="0"/>
-                <a:cs typeface="Times New Roman" panose="02020603050405020304" pitchFamily="18" charset="0"/>
-              </a:rPr>
-              <a:t>; Roussel (2012);</a:t>
-            </a:r>
-            <a:endParaRPr lang="pt-BR" sz="1800" dirty="0">
-              <a:effectLst/>
-              <a:latin typeface="Times" panose="02020603050405020304" pitchFamily="18" charset="0"/>
-              <a:ea typeface="Times New Roman" panose="02020603050405020304" pitchFamily="18" charset="0"/>
-              <a:cs typeface="Times New Roman" panose="02020603050405020304" pitchFamily="18" charset="0"/>
-            </a:endParaRPr>
-          </a:p>
-          <a:p>
-            <a:pPr marL="457200" algn="just">
-              <a:lnSpc>
-                <a:spcPct val="150000"/>
-              </a:lnSpc>
-              <a:spcAft>
-                <a:spcPts val="600"/>
-              </a:spcAft>
-            </a:pPr>
-            <a:r>
-              <a:rPr lang="pt-BR" sz="1800" dirty="0">
-                <a:effectLst/>
-                <a:latin typeface="Arial" panose="020B0604020202020204" pitchFamily="34" charset="0"/>
-                <a:ea typeface="Times New Roman" panose="02020603050405020304" pitchFamily="18" charset="0"/>
-                <a:cs typeface="Times New Roman" panose="02020603050405020304" pitchFamily="18" charset="0"/>
-              </a:rPr>
-              <a:t>-Validação de uma escala de adaptabilidade individual através de análise confirmatória;</a:t>
-            </a:r>
-            <a:endParaRPr lang="pt-BR" sz="1800" dirty="0">
-              <a:effectLst/>
-              <a:latin typeface="Times" panose="02020603050405020304" pitchFamily="18" charset="0"/>
-              <a:ea typeface="Times New Roman" panose="02020603050405020304" pitchFamily="18" charset="0"/>
-              <a:cs typeface="Times New Roman" panose="02020603050405020304" pitchFamily="18" charset="0"/>
-            </a:endParaRPr>
-          </a:p>
-          <a:p>
-            <a:pPr marL="457200" algn="just">
-              <a:lnSpc>
-                <a:spcPct val="150000"/>
-              </a:lnSpc>
-              <a:spcAft>
-                <a:spcPts val="600"/>
-              </a:spcAft>
-            </a:pPr>
-            <a:r>
-              <a:rPr lang="pt-BR" sz="1800" dirty="0">
-                <a:effectLst/>
-                <a:latin typeface="Arial" panose="020B0604020202020204" pitchFamily="34" charset="0"/>
-                <a:ea typeface="Times New Roman" panose="02020603050405020304" pitchFamily="18" charset="0"/>
-                <a:cs typeface="Times New Roman" panose="02020603050405020304" pitchFamily="18" charset="0"/>
-              </a:rPr>
-              <a:t>-Validação da escala de burnout já utilizada na Engenharia de Software em português através de análise fatorial confirmatória. Ela tinha sido validada e traduzida por Da Silva et al. (2016), utilizando apenas o Alfa de </a:t>
-            </a:r>
-            <a:r>
-              <a:rPr lang="pt-BR" sz="1800" dirty="0" err="1">
-                <a:effectLst/>
-                <a:latin typeface="Arial" panose="020B0604020202020204" pitchFamily="34" charset="0"/>
-                <a:ea typeface="Times New Roman" panose="02020603050405020304" pitchFamily="18" charset="0"/>
-                <a:cs typeface="Times New Roman" panose="02020603050405020304" pitchFamily="18" charset="0"/>
-              </a:rPr>
-              <a:t>Cronbach</a:t>
-            </a:r>
-            <a:r>
-              <a:rPr lang="pt-BR" sz="1800" dirty="0">
-                <a:effectLst/>
-                <a:latin typeface="Arial" panose="020B0604020202020204" pitchFamily="34" charset="0"/>
-                <a:ea typeface="Times New Roman" panose="02020603050405020304" pitchFamily="18" charset="0"/>
-                <a:cs typeface="Times New Roman" panose="02020603050405020304" pitchFamily="18" charset="0"/>
-              </a:rPr>
-              <a:t>;</a:t>
-            </a:r>
-            <a:endParaRPr lang="pt-BR" sz="1800" dirty="0">
-              <a:effectLst/>
-              <a:latin typeface="Times" panose="02020603050405020304" pitchFamily="18" charset="0"/>
-              <a:ea typeface="Times New Roman" panose="02020603050405020304" pitchFamily="18" charset="0"/>
-              <a:cs typeface="Times New Roman" panose="02020603050405020304" pitchFamily="18" charset="0"/>
-            </a:endParaRPr>
-          </a:p>
-          <a:p>
-            <a:pPr marL="457200" algn="just">
-              <a:lnSpc>
-                <a:spcPct val="150000"/>
-              </a:lnSpc>
-              <a:spcAft>
-                <a:spcPts val="600"/>
-              </a:spcAft>
-            </a:pPr>
-            <a:r>
-              <a:rPr lang="pt-BR" sz="1800" dirty="0">
-                <a:effectLst/>
-                <a:latin typeface="Arial" panose="020B0604020202020204" pitchFamily="34" charset="0"/>
-                <a:ea typeface="Times New Roman" panose="02020603050405020304" pitchFamily="18" charset="0"/>
-                <a:cs typeface="Times New Roman" panose="02020603050405020304" pitchFamily="18" charset="0"/>
-              </a:rPr>
-              <a:t>-Desenvolvimento da escala de instabilidade de tarefas e de equipes, utilizando análise fatorial exploratória;</a:t>
-            </a:r>
-            <a:endParaRPr lang="pt-BR" sz="1800" dirty="0">
-              <a:effectLst/>
-              <a:latin typeface="Times" panose="02020603050405020304" pitchFamily="18" charset="0"/>
-              <a:ea typeface="Times New Roman" panose="02020603050405020304" pitchFamily="18" charset="0"/>
-              <a:cs typeface="Times New Roman" panose="02020603050405020304" pitchFamily="18" charset="0"/>
-            </a:endParaRPr>
-          </a:p>
-          <a:p>
-            <a:endParaRPr lang="pt-BR" dirty="0"/>
-          </a:p>
-        </p:txBody>
-      </p:sp>
-    </p:spTree>
-    <p:extLst>
-      <p:ext uri="{BB962C8B-B14F-4D97-AF65-F5344CB8AC3E}">
-        <p14:creationId xmlns:p14="http://schemas.microsoft.com/office/powerpoint/2010/main" val="3858827323"/>
-      </p:ext>
-    </p:extLst>
-  </p:cSld>
-  <p:clrMapOvr>
-    <a:masterClrMapping/>
-  </p:clrMapOvr>
-</p:sld>
-</file>
-
 <file path=ppt/slides/slide72.xml><?xml version="1.0" encoding="utf-8"?>
 <p:sld xmlns:a="http://schemas.openxmlformats.org/drawingml/2006/main" xmlns:r="http://schemas.openxmlformats.org/officeDocument/2006/relationships" xmlns:p="http://schemas.openxmlformats.org/presentationml/2006/main">
   <p:cSld>
@@ -11638,7 +12808,7 @@
           <p:cNvPr id="2" name="Título 1">
             <a:extLst>
               <a:ext uri="{FF2B5EF4-FFF2-40B4-BE49-F238E27FC236}">
-                <a16:creationId xmlns:a16="http://schemas.microsoft.com/office/drawing/2014/main" id="{16511E84-3337-4EEF-9D7F-702A3951403D}"/>
+                <a16:creationId xmlns:a16="http://schemas.microsoft.com/office/drawing/2014/main" id="{8771F9BF-C74A-4E88-BDC8-C54DDF995CB1}"/>
               </a:ext>
             </a:extLst>
           </p:cNvPr>
@@ -11656,7 +12826,7 @@
           <a:p>
             <a:r>
               <a:rPr lang="pt-BR" dirty="0"/>
-              <a:t>Trabalhos futuros</a:t>
+              <a:t>Conclusões</a:t>
             </a:r>
           </a:p>
         </p:txBody>
@@ -11666,7 +12836,7 @@
           <p:cNvPr id="3" name="Espaço Reservado para Conteúdo 2">
             <a:extLst>
               <a:ext uri="{FF2B5EF4-FFF2-40B4-BE49-F238E27FC236}">
-                <a16:creationId xmlns:a16="http://schemas.microsoft.com/office/drawing/2014/main" id="{E050FF96-01FD-47B2-8824-6DA2E79D7C38}"/>
+                <a16:creationId xmlns:a16="http://schemas.microsoft.com/office/drawing/2014/main" id="{DEE167A3-9181-498D-AF08-4F6D7EA43C65}"/>
               </a:ext>
             </a:extLst>
           </p:cNvPr>
@@ -11683,22 +12853,13 @@
           <a:lstStyle/>
           <a:p>
             <a:r>
-              <a:rPr lang="pt-BR" sz="1800" dirty="0">
-                <a:effectLst/>
-                <a:latin typeface="Arial" panose="020B0604020202020204" pitchFamily="34" charset="0"/>
-                <a:ea typeface="Calibri" panose="020F0502020204030204" pitchFamily="34" charset="0"/>
-                <a:cs typeface="Times New Roman" panose="02020603050405020304" pitchFamily="18" charset="0"/>
-              </a:rPr>
-              <a:t>: </a:t>
-            </a:r>
-            <a:r>
-              <a:rPr lang="pt-BR" sz="1800" dirty="0">
+              <a:rPr lang="pt-BR" sz="1800" b="1" dirty="0">
                 <a:effectLst/>
                 <a:latin typeface="Arial" panose="020B0604020202020204" pitchFamily="34" charset="0"/>
                 <a:ea typeface="Times New Roman" panose="02020603050405020304" pitchFamily="18" charset="0"/>
                 <a:cs typeface="Times New Roman" panose="02020603050405020304" pitchFamily="18" charset="0"/>
               </a:rPr>
-              <a:t>O que faz indivíduos na computação se sentirem tão eficazes? Os resultados encontrados apontam para o fato de eles se perceberem mais adaptáveis a possíveis situações, e que isso tem relação com sua eficácia percebida. </a:t>
+              <a:t>Existe relação significativa entre cada uma das dimensões da adaptabilidade individual com a satisfação com o trabalho na percepção dos Engenheiros de Software? Essas relações são positivas ou negativas?</a:t>
             </a:r>
             <a:endParaRPr lang="pt-BR" sz="1800" dirty="0">
               <a:effectLst/>
@@ -11708,14 +12869,17 @@
             </a:endParaRPr>
           </a:p>
           <a:p>
-            <a:r>
-              <a:rPr lang="pt-BR" sz="1800" dirty="0">
-                <a:effectLst/>
-                <a:latin typeface="Arial" panose="020B0604020202020204" pitchFamily="34" charset="0"/>
-                <a:ea typeface="Times New Roman" panose="02020603050405020304" pitchFamily="18" charset="0"/>
-                <a:cs typeface="Times New Roman" panose="02020603050405020304" pitchFamily="18" charset="0"/>
-              </a:rPr>
-              <a:t>). Entender como o processo se manifesta no nível coletivo também é importante, pois existem outros fatores como o suporte mútuo e liderança, que também afetam as relações da adaptabilidade individual, assim como a satisfação e o burnout (BARNETT; BRADLEY, 2007; HOEGL; GEMUENDEN, 2001; NELSON; COOPRIDER, 1996; WEIMAR, 2013). </a:t>
+            <a:endParaRPr lang="pt-BR" dirty="0"/>
+          </a:p>
+          <a:p>
+            <a:r>
+              <a:rPr lang="pt-BR" sz="1800" b="1" dirty="0">
+                <a:effectLst/>
+                <a:latin typeface="Arial" panose="020B0604020202020204" pitchFamily="34" charset="0"/>
+                <a:ea typeface="Calibri" panose="020F0502020204030204" pitchFamily="34" charset="0"/>
+                <a:cs typeface="Times New Roman" panose="02020603050405020304" pitchFamily="18" charset="0"/>
+              </a:rPr>
+              <a:t>Existe relação de cada uma das dimensões da adaptabilidade individual e de cada uma das dimensões do burnout na percepção dos Engenheiros de Software? Mais do que isso, elas são positivas ou negativas? </a:t>
             </a:r>
             <a:endParaRPr lang="pt-BR" sz="1800" dirty="0">
               <a:effectLst/>
@@ -11729,10 +12893,57 @@
           </a:p>
         </p:txBody>
       </p:sp>
+      <p:pic>
+        <p:nvPicPr>
+          <p:cNvPr id="4" name="Picture 2" descr="How to write an excellent thesis conclusion - Paperpile">
+            <a:extLst>
+              <a:ext uri="{FF2B5EF4-FFF2-40B4-BE49-F238E27FC236}">
+                <a16:creationId xmlns:a16="http://schemas.microsoft.com/office/drawing/2014/main" id="{D16F78CD-2600-4065-8801-3108FD7999DC}"/>
+              </a:ext>
+            </a:extLst>
+          </p:cNvPr>
+          <p:cNvPicPr>
+            <a:picLocks noChangeAspect="1" noChangeArrowheads="1"/>
+          </p:cNvPicPr>
+          <p:nvPr/>
+        </p:nvPicPr>
+        <p:blipFill>
+          <a:blip r:embed="rId2">
+            <a:extLst>
+              <a:ext uri="{28A0092B-C50C-407E-A947-70E740481C1C}">
+                <a14:useLocalDpi xmlns:a14="http://schemas.microsoft.com/office/drawing/2010/main" val="0"/>
+              </a:ext>
+            </a:extLst>
+          </a:blip>
+          <a:srcRect/>
+          <a:stretch>
+            <a:fillRect/>
+          </a:stretch>
+        </p:blipFill>
+        <p:spPr bwMode="auto">
+          <a:xfrm>
+            <a:off x="6732240" y="206324"/>
+            <a:ext cx="2143125" cy="2143125"/>
+          </a:xfrm>
+          <a:prstGeom prst="rect">
+            <a:avLst/>
+          </a:prstGeom>
+          <a:noFill/>
+          <a:extLst>
+            <a:ext uri="{909E8E84-426E-40DD-AFC4-6F175D3DCCD1}">
+              <a14:hiddenFill xmlns:a14="http://schemas.microsoft.com/office/drawing/2010/main">
+                <a:solidFill>
+                  <a:srgbClr val="FFFFFF"/>
+                </a:solidFill>
+              </a14:hiddenFill>
+            </a:ext>
+          </a:extLst>
+        </p:spPr>
+      </p:pic>
     </p:spTree>
     <p:extLst>
       <p:ext uri="{BB962C8B-B14F-4D97-AF65-F5344CB8AC3E}">
-        <p14:creationId xmlns:p14="http://schemas.microsoft.com/office/powerpoint/2010/main" val="3923117369"/>
+        <p14:creationId xmlns:p14="http://schemas.microsoft.com/office/powerpoint/2010/main" val="1706008652"/>
       </p:ext>
     </p:extLst>
   </p:cSld>
@@ -11764,7 +12975,7 @@
           <p:cNvPr id="2" name="Título 1">
             <a:extLst>
               <a:ext uri="{FF2B5EF4-FFF2-40B4-BE49-F238E27FC236}">
-                <a16:creationId xmlns:a16="http://schemas.microsoft.com/office/drawing/2014/main" id="{16511E84-3337-4EEF-9D7F-702A3951403D}"/>
+                <a16:creationId xmlns:a16="http://schemas.microsoft.com/office/drawing/2014/main" id="{8771F9BF-C74A-4E88-BDC8-C54DDF995CB1}"/>
               </a:ext>
             </a:extLst>
           </p:cNvPr>
@@ -11782,7 +12993,7 @@
           <a:p>
             <a:r>
               <a:rPr lang="pt-BR" dirty="0"/>
-              <a:t>Trabalhos futuros</a:t>
+              <a:t>Conclusões</a:t>
             </a:r>
           </a:p>
         </p:txBody>
@@ -11792,7 +13003,7 @@
           <p:cNvPr id="3" name="Espaço Reservado para Conteúdo 2">
             <a:extLst>
               <a:ext uri="{FF2B5EF4-FFF2-40B4-BE49-F238E27FC236}">
-                <a16:creationId xmlns:a16="http://schemas.microsoft.com/office/drawing/2014/main" id="{E050FF96-01FD-47B2-8824-6DA2E79D7C38}"/>
+                <a16:creationId xmlns:a16="http://schemas.microsoft.com/office/drawing/2014/main" id="{DEE167A3-9181-498D-AF08-4F6D7EA43C65}"/>
               </a:ext>
             </a:extLst>
           </p:cNvPr>
@@ -11808,7 +13019,7 @@
           <a:bodyPr/>
           <a:lstStyle/>
           <a:p>
-            <a:pPr indent="274320" algn="just">
+            <a:pPr indent="270510" algn="just">
               <a:lnSpc>
                 <a:spcPct val="150000"/>
               </a:lnSpc>
@@ -11817,22 +13028,13 @@
               </a:spcAft>
             </a:pPr>
             <a:r>
-              <a:rPr lang="pt-BR" sz="1800" dirty="0">
+              <a:rPr lang="pt-BR" sz="1800" b="1" dirty="0">
                 <a:effectLst/>
                 <a:latin typeface="Arial" panose="020B0604020202020204" pitchFamily="34" charset="0"/>
                 <a:ea typeface="Calibri" panose="020F0502020204030204" pitchFamily="34" charset="0"/>
                 <a:cs typeface="Times New Roman" panose="02020603050405020304" pitchFamily="18" charset="0"/>
               </a:rPr>
-              <a:t>É importante entender também a direção da relação entre o burnout e a adaptabilidade individual e os motivos de ela ocorrer. </a:t>
-            </a:r>
-            <a:r>
-              <a:rPr lang="pt-BR" sz="1800" dirty="0">
-                <a:effectLst/>
-                <a:latin typeface="Arial" panose="020B0604020202020204" pitchFamily="34" charset="0"/>
-                <a:ea typeface="Times New Roman" panose="02020603050405020304" pitchFamily="18" charset="0"/>
-                <a:cs typeface="Times New Roman" panose="02020603050405020304" pitchFamily="18" charset="0"/>
-              </a:rPr>
-              <a:t>Uma possível suposição a ser investigada é que a adaptabilidade individual leva indivíduos a se sentirem mais adequados para suas funções e, por isso, com menores índices de burnout. </a:t>
+              <a:t>Existe a relação entre o burnout e a percepção de satisfação na Engenharia de Software? Essa relação é positiva ou negativa?</a:t>
             </a:r>
             <a:endParaRPr lang="pt-BR" sz="1800" dirty="0">
               <a:effectLst/>
@@ -11841,12 +13043,90 @@
               <a:cs typeface="Times New Roman" panose="02020603050405020304" pitchFamily="18" charset="0"/>
             </a:endParaRPr>
           </a:p>
-        </p:txBody>
-      </p:sp>
+          <a:p>
+            <a:endParaRPr lang="pt-BR" dirty="0"/>
+          </a:p>
+          <a:p>
+            <a:pPr indent="228600" algn="just">
+              <a:lnSpc>
+                <a:spcPct val="150000"/>
+              </a:lnSpc>
+              <a:spcAft>
+                <a:spcPts val="600"/>
+              </a:spcAft>
+            </a:pPr>
+            <a:r>
+              <a:rPr lang="pt-BR" sz="1800" b="1" dirty="0">
+                <a:effectLst/>
+                <a:latin typeface="Arial" panose="020B0604020202020204" pitchFamily="34" charset="0"/>
+                <a:ea typeface="Times New Roman" panose="02020603050405020304" pitchFamily="18" charset="0"/>
+                <a:cs typeface="Times New Roman" panose="02020603050405020304" pitchFamily="18" charset="0"/>
+              </a:rPr>
+              <a:t>Existe relação entre a percepção de instabilidade dos indivíduos com a percepção de satisfação na Engenharia de Software? E com o burnout? Essas relações são positivas ou negativas?</a:t>
+            </a:r>
+            <a:endParaRPr lang="pt-BR" sz="1800" dirty="0">
+              <a:effectLst/>
+              <a:latin typeface="Times" panose="02020603050405020304" pitchFamily="18" charset="0"/>
+              <a:ea typeface="Times New Roman" panose="02020603050405020304" pitchFamily="18" charset="0"/>
+              <a:cs typeface="Times New Roman" panose="02020603050405020304" pitchFamily="18" charset="0"/>
+            </a:endParaRPr>
+          </a:p>
+          <a:p>
+            <a:endParaRPr lang="pt-BR" dirty="0"/>
+          </a:p>
+        </p:txBody>
+      </p:sp>
+      <p:pic>
+        <p:nvPicPr>
+          <p:cNvPr id="4" name="Picture 2" descr="How to write an excellent thesis conclusion - Paperpile">
+            <a:extLst>
+              <a:ext uri="{FF2B5EF4-FFF2-40B4-BE49-F238E27FC236}">
+                <a16:creationId xmlns:a16="http://schemas.microsoft.com/office/drawing/2014/main" id="{1C1FD6E8-979B-4DE1-98BF-98D06DF91B45}"/>
+              </a:ext>
+            </a:extLst>
+          </p:cNvPr>
+          <p:cNvPicPr>
+            <a:picLocks noChangeAspect="1" noChangeArrowheads="1"/>
+          </p:cNvPicPr>
+          <p:nvPr/>
+        </p:nvPicPr>
+        <p:blipFill>
+          <a:blip r:embed="rId2">
+            <a:extLst>
+              <a:ext uri="{28A0092B-C50C-407E-A947-70E740481C1C}">
+                <a14:useLocalDpi xmlns:a14="http://schemas.microsoft.com/office/drawing/2010/main" val="0"/>
+              </a:ext>
+            </a:extLst>
+          </a:blip>
+          <a:srcRect/>
+          <a:stretch>
+            <a:fillRect/>
+          </a:stretch>
+        </p:blipFill>
+        <p:spPr bwMode="auto">
+          <a:xfrm>
+            <a:off x="6732240" y="206324"/>
+            <a:ext cx="2143125" cy="2143125"/>
+          </a:xfrm>
+          <a:prstGeom prst="rect">
+            <a:avLst/>
+          </a:prstGeom>
+          <a:noFill/>
+          <a:extLst>
+            <a:ext uri="{909E8E84-426E-40DD-AFC4-6F175D3DCCD1}">
+              <a14:hiddenFill xmlns:a14="http://schemas.microsoft.com/office/drawing/2010/main">
+                <a:solidFill>
+                  <a:srgbClr val="FFFFFF"/>
+                </a:solidFill>
+              </a14:hiddenFill>
+            </a:ext>
+          </a:extLst>
+        </p:spPr>
+      </p:pic>
     </p:spTree>
     <p:extLst>
       <p:ext uri="{BB962C8B-B14F-4D97-AF65-F5344CB8AC3E}">
-        <p14:creationId xmlns:p14="http://schemas.microsoft.com/office/powerpoint/2010/main" val="3232340228"/>
+        <p14:creationId xmlns:p14="http://schemas.microsoft.com/office/powerpoint/2010/main" val="2618388783"/>
       </p:ext>
     </p:extLst>
   </p:cSld>
@@ -11878,7 +13158,7 @@
           <p:cNvPr id="2" name="Título 1">
             <a:extLst>
               <a:ext uri="{FF2B5EF4-FFF2-40B4-BE49-F238E27FC236}">
-                <a16:creationId xmlns:a16="http://schemas.microsoft.com/office/drawing/2014/main" id="{16511E84-3337-4EEF-9D7F-702A3951403D}"/>
+                <a16:creationId xmlns:a16="http://schemas.microsoft.com/office/drawing/2014/main" id="{8771F9BF-C74A-4E88-BDC8-C54DDF995CB1}"/>
               </a:ext>
             </a:extLst>
           </p:cNvPr>
@@ -11896,7 +13176,7 @@
           <a:p>
             <a:r>
               <a:rPr lang="pt-BR" dirty="0"/>
-              <a:t>Trabalhos futuros</a:t>
+              <a:t>Conclusões</a:t>
             </a:r>
           </a:p>
         </p:txBody>
@@ -11906,7 +13186,7 @@
           <p:cNvPr id="3" name="Espaço Reservado para Conteúdo 2">
             <a:extLst>
               <a:ext uri="{FF2B5EF4-FFF2-40B4-BE49-F238E27FC236}">
-                <a16:creationId xmlns:a16="http://schemas.microsoft.com/office/drawing/2014/main" id="{E050FF96-01FD-47B2-8824-6DA2E79D7C38}"/>
+                <a16:creationId xmlns:a16="http://schemas.microsoft.com/office/drawing/2014/main" id="{DEE167A3-9181-498D-AF08-4F6D7EA43C65}"/>
               </a:ext>
             </a:extLst>
           </p:cNvPr>
@@ -11919,10 +13199,12 @@
         </p:nvSpPr>
         <p:spPr/>
         <p:txBody>
-          <a:bodyPr/>
-          <a:lstStyle/>
-          <a:p>
-            <a:pPr indent="274320" algn="just">
+          <a:bodyPr>
+            <a:normAutofit fontScale="85000" lnSpcReduction="10000"/>
+          </a:bodyPr>
+          <a:lstStyle/>
+          <a:p>
+            <a:pPr marL="457200" algn="just">
               <a:lnSpc>
                 <a:spcPct val="150000"/>
               </a:lnSpc>
@@ -11937,7 +13219,25 @@
                 <a:ea typeface="Times New Roman" panose="02020603050405020304" pitchFamily="18" charset="0"/>
                 <a:cs typeface="Times New Roman" panose="02020603050405020304" pitchFamily="18" charset="0"/>
               </a:rPr>
-              <a:t>Mas, de acordo com o modelo de Franca, Da Silva e Sharp (2018), as características individuais moderam a relação da característica do trabalho com a satisfação. Outra possível investigação é entender se esses resultados, de fato, acorrem com a adaptabilidade individual. </a:t>
+              <a:t>Tradução de uma escala de adaptabilidade individual produzida por </a:t>
+            </a:r>
+            <a:r>
+              <a:rPr lang="pt-BR" sz="1800" dirty="0" err="1">
+                <a:effectLst/>
+                <a:latin typeface="Arial" panose="020B0604020202020204" pitchFamily="34" charset="0"/>
+                <a:ea typeface="Times New Roman" panose="02020603050405020304" pitchFamily="18" charset="0"/>
+                <a:cs typeface="Times New Roman" panose="02020603050405020304" pitchFamily="18" charset="0"/>
+              </a:rPr>
+              <a:t>Charbonnier-voirin</a:t>
+            </a:r>
+            <a:r>
+              <a:rPr lang="pt-BR" sz="1800" dirty="0">
+                <a:effectLst/>
+                <a:latin typeface="Arial" panose="020B0604020202020204" pitchFamily="34" charset="0"/>
+                <a:ea typeface="Times New Roman" panose="02020603050405020304" pitchFamily="18" charset="0"/>
+                <a:cs typeface="Times New Roman" panose="02020603050405020304" pitchFamily="18" charset="0"/>
+              </a:rPr>
+              <a:t>; Roussel (2012);</a:t>
             </a:r>
             <a:endParaRPr lang="pt-BR" sz="1800" dirty="0">
               <a:effectLst/>
@@ -11946,12 +13246,155 @@
               <a:cs typeface="Times New Roman" panose="02020603050405020304" pitchFamily="18" charset="0"/>
             </a:endParaRPr>
           </a:p>
-        </p:txBody>
-      </p:sp>
+          <a:p>
+            <a:pPr marL="457200" algn="just">
+              <a:lnSpc>
+                <a:spcPct val="150000"/>
+              </a:lnSpc>
+              <a:spcAft>
+                <a:spcPts val="600"/>
+              </a:spcAft>
+            </a:pPr>
+            <a:r>
+              <a:rPr lang="pt-BR" sz="1800" dirty="0">
+                <a:effectLst/>
+                <a:latin typeface="Arial" panose="020B0604020202020204" pitchFamily="34" charset="0"/>
+                <a:ea typeface="Times New Roman" panose="02020603050405020304" pitchFamily="18" charset="0"/>
+                <a:cs typeface="Times New Roman" panose="02020603050405020304" pitchFamily="18" charset="0"/>
+              </a:rPr>
+              <a:t>-Validação de uma escala de adaptabilidade individual através de análise confirmatória;</a:t>
+            </a:r>
+            <a:endParaRPr lang="pt-BR" sz="1800" dirty="0">
+              <a:effectLst/>
+              <a:latin typeface="Times" panose="02020603050405020304" pitchFamily="18" charset="0"/>
+              <a:ea typeface="Times New Roman" panose="02020603050405020304" pitchFamily="18" charset="0"/>
+              <a:cs typeface="Times New Roman" panose="02020603050405020304" pitchFamily="18" charset="0"/>
+            </a:endParaRPr>
+          </a:p>
+          <a:p>
+            <a:pPr marL="457200" algn="just">
+              <a:lnSpc>
+                <a:spcPct val="150000"/>
+              </a:lnSpc>
+              <a:spcAft>
+                <a:spcPts val="600"/>
+              </a:spcAft>
+            </a:pPr>
+            <a:r>
+              <a:rPr lang="pt-BR" sz="1800" dirty="0">
+                <a:effectLst/>
+                <a:latin typeface="Arial" panose="020B0604020202020204" pitchFamily="34" charset="0"/>
+                <a:ea typeface="Times New Roman" panose="02020603050405020304" pitchFamily="18" charset="0"/>
+                <a:cs typeface="Times New Roman" panose="02020603050405020304" pitchFamily="18" charset="0"/>
+              </a:rPr>
+              <a:t>-Validação da escala de burnout já utilizada na Engenharia de Software em português através de análise fatorial confirmatória. Ela tinha sido validada e traduzida por Da Silva et al. (2016), utilizando apenas o Alfa de </a:t>
+            </a:r>
+            <a:r>
+              <a:rPr lang="pt-BR" sz="1800" dirty="0" err="1">
+                <a:effectLst/>
+                <a:latin typeface="Arial" panose="020B0604020202020204" pitchFamily="34" charset="0"/>
+                <a:ea typeface="Times New Roman" panose="02020603050405020304" pitchFamily="18" charset="0"/>
+                <a:cs typeface="Times New Roman" panose="02020603050405020304" pitchFamily="18" charset="0"/>
+              </a:rPr>
+              <a:t>Cronbach</a:t>
+            </a:r>
+            <a:r>
+              <a:rPr lang="pt-BR" sz="1800" dirty="0">
+                <a:effectLst/>
+                <a:latin typeface="Arial" panose="020B0604020202020204" pitchFamily="34" charset="0"/>
+                <a:ea typeface="Times New Roman" panose="02020603050405020304" pitchFamily="18" charset="0"/>
+                <a:cs typeface="Times New Roman" panose="02020603050405020304" pitchFamily="18" charset="0"/>
+              </a:rPr>
+              <a:t>;</a:t>
+            </a:r>
+            <a:endParaRPr lang="pt-BR" sz="1800" dirty="0">
+              <a:effectLst/>
+              <a:latin typeface="Times" panose="02020603050405020304" pitchFamily="18" charset="0"/>
+              <a:ea typeface="Times New Roman" panose="02020603050405020304" pitchFamily="18" charset="0"/>
+              <a:cs typeface="Times New Roman" panose="02020603050405020304" pitchFamily="18" charset="0"/>
+            </a:endParaRPr>
+          </a:p>
+          <a:p>
+            <a:pPr marL="457200" algn="just">
+              <a:lnSpc>
+                <a:spcPct val="150000"/>
+              </a:lnSpc>
+              <a:spcAft>
+                <a:spcPts val="600"/>
+              </a:spcAft>
+            </a:pPr>
+            <a:r>
+              <a:rPr lang="pt-BR" sz="1800" dirty="0">
+                <a:effectLst/>
+                <a:latin typeface="Arial" panose="020B0604020202020204" pitchFamily="34" charset="0"/>
+                <a:ea typeface="Times New Roman" panose="02020603050405020304" pitchFamily="18" charset="0"/>
+                <a:cs typeface="Times New Roman" panose="02020603050405020304" pitchFamily="18" charset="0"/>
+              </a:rPr>
+              <a:t>-Desenvolvimento da escala de instabilidade de tarefas e de equipes, utilizando análise fatorial exploratória;</a:t>
+            </a:r>
+            <a:endParaRPr lang="pt-BR" sz="1800" dirty="0">
+              <a:effectLst/>
+              <a:latin typeface="Times" panose="02020603050405020304" pitchFamily="18" charset="0"/>
+              <a:ea typeface="Times New Roman" panose="02020603050405020304" pitchFamily="18" charset="0"/>
+              <a:cs typeface="Times New Roman" panose="02020603050405020304" pitchFamily="18" charset="0"/>
+            </a:endParaRPr>
+          </a:p>
+          <a:p>
+            <a:endParaRPr lang="pt-BR" dirty="0"/>
+          </a:p>
+        </p:txBody>
+      </p:sp>
+      <p:pic>
+        <p:nvPicPr>
+          <p:cNvPr id="15362" name="Picture 2" descr="How to write an excellent thesis conclusion - Paperpile">
+            <a:extLst>
+              <a:ext uri="{FF2B5EF4-FFF2-40B4-BE49-F238E27FC236}">
+                <a16:creationId xmlns:a16="http://schemas.microsoft.com/office/drawing/2014/main" id="{D400246D-EDD6-4272-BA8E-92640110920E}"/>
+              </a:ext>
+            </a:extLst>
+          </p:cNvPr>
+          <p:cNvPicPr>
+            <a:picLocks noChangeAspect="1" noChangeArrowheads="1"/>
+          </p:cNvPicPr>
+          <p:nvPr/>
+        </p:nvPicPr>
+        <p:blipFill>
+          <a:blip r:embed="rId2">
+            <a:extLst>
+              <a:ext uri="{28A0092B-C50C-407E-A947-70E740481C1C}">
+                <a14:useLocalDpi xmlns:a14="http://schemas.microsoft.com/office/drawing/2010/main" val="0"/>
+              </a:ext>
+            </a:extLst>
+          </a:blip>
+          <a:srcRect/>
+          <a:stretch>
+            <a:fillRect/>
+          </a:stretch>
+        </p:blipFill>
+        <p:spPr bwMode="auto">
+          <a:xfrm>
+            <a:off x="6732240" y="206324"/>
+            <a:ext cx="2143125" cy="2143125"/>
+          </a:xfrm>
+          <a:prstGeom prst="rect">
+            <a:avLst/>
+          </a:prstGeom>
+          <a:noFill/>
+          <a:extLst>
+            <a:ext uri="{909E8E84-426E-40DD-AFC4-6F175D3DCCD1}">
+              <a14:hiddenFill xmlns:a14="http://schemas.microsoft.com/office/drawing/2010/main">
+                <a:solidFill>
+                  <a:srgbClr val="FFFFFF"/>
+                </a:solidFill>
+              </a14:hiddenFill>
+            </a:ext>
+          </a:extLst>
+        </p:spPr>
+      </p:pic>
     </p:spTree>
     <p:extLst>
       <p:ext uri="{BB962C8B-B14F-4D97-AF65-F5344CB8AC3E}">
-        <p14:creationId xmlns:p14="http://schemas.microsoft.com/office/powerpoint/2010/main" val="3470994100"/>
+        <p14:creationId xmlns:p14="http://schemas.microsoft.com/office/powerpoint/2010/main" val="3858827323"/>
       </p:ext>
     </p:extLst>
   </p:cSld>
@@ -12024,67 +13467,26 @@
         </p:nvSpPr>
         <p:spPr/>
         <p:txBody>
-          <a:bodyPr>
-            <a:normAutofit fontScale="92500" lnSpcReduction="20000"/>
-          </a:bodyPr>
-          <a:lstStyle/>
-          <a:p>
-            <a:pPr indent="274320" algn="just">
-              <a:lnSpc>
-                <a:spcPct val="150000"/>
-              </a:lnSpc>
-              <a:spcAft>
-                <a:spcPts val="600"/>
-              </a:spcAft>
-            </a:pPr>
-            <a:r>
-              <a:rPr lang="pt-BR" sz="1800" dirty="0" err="1">
+          <a:bodyPr/>
+          <a:lstStyle/>
+          <a:p>
+            <a:r>
+              <a:rPr lang="pt-BR" sz="1800" dirty="0">
+                <a:effectLst/>
+                <a:latin typeface="Arial" panose="020B0604020202020204" pitchFamily="34" charset="0"/>
+                <a:ea typeface="Calibri" panose="020F0502020204030204" pitchFamily="34" charset="0"/>
+                <a:cs typeface="Times New Roman" panose="02020603050405020304" pitchFamily="18" charset="0"/>
+              </a:rPr>
+              <a:t>: </a:t>
+            </a:r>
+            <a:r>
+              <a:rPr lang="pt-BR" sz="1800" dirty="0">
                 <a:effectLst/>
                 <a:latin typeface="Arial" panose="020B0604020202020204" pitchFamily="34" charset="0"/>
                 <a:ea typeface="Times New Roman" panose="02020603050405020304" pitchFamily="18" charset="0"/>
-              </a:rPr>
-              <a:t>Charbonnier-voirin</a:t>
-            </a:r>
-            <a:r>
-              <a:rPr lang="pt-BR" sz="1800" dirty="0">
-                <a:effectLst/>
-                <a:latin typeface="Arial" panose="020B0604020202020204" pitchFamily="34" charset="0"/>
-                <a:ea typeface="Times New Roman" panose="02020603050405020304" pitchFamily="18" charset="0"/>
-              </a:rPr>
-              <a:t> e Roussel (2012) sugerem que, com pequenas mudanças no texto, a escala de adaptabilidade poderia ser modificada para uso por um supervisor imediato na avaliação de seus subordinados.</a:t>
-            </a:r>
-          </a:p>
-          <a:p>
-            <a:pPr indent="274320" algn="just">
-              <a:lnSpc>
-                <a:spcPct val="150000"/>
-              </a:lnSpc>
-              <a:spcAft>
-                <a:spcPts val="600"/>
-              </a:spcAft>
-            </a:pPr>
-            <a:endParaRPr lang="pt-BR" sz="1800" dirty="0">
-              <a:latin typeface="Arial" panose="020B0604020202020204" pitchFamily="34" charset="0"/>
-              <a:ea typeface="Times New Roman" panose="02020603050405020304" pitchFamily="18" charset="0"/>
-              <a:cs typeface="Times New Roman" panose="02020603050405020304" pitchFamily="18" charset="0"/>
-            </a:endParaRPr>
-          </a:p>
-          <a:p>
-            <a:pPr indent="274320" algn="just">
-              <a:lnSpc>
-                <a:spcPct val="150000"/>
-              </a:lnSpc>
-              <a:spcAft>
-                <a:spcPts val="600"/>
-              </a:spcAft>
-            </a:pPr>
-            <a:r>
-              <a:rPr lang="pt-BR" sz="1800" dirty="0">
-                <a:effectLst/>
-                <a:latin typeface="Arial" panose="020B0604020202020204" pitchFamily="34" charset="0"/>
-                <a:ea typeface="Times New Roman" panose="02020603050405020304" pitchFamily="18" charset="0"/>
-              </a:rPr>
-              <a:t>Outro estudo é investigar se existe relação entre a função do respondente e os níveis de adaptabilidade individual que ele tem. Por exemplo, será que um gerente tende a ser mais adaptável de maneira interpessoal do que um desenvolvedor? Será que um desenvolvedor tende a ser mais adaptável ao aprendizado que um gerente?</a:t>
+                <a:cs typeface="Times New Roman" panose="02020603050405020304" pitchFamily="18" charset="0"/>
+              </a:rPr>
+              <a:t>O que faz indivíduos na computação se sentirem tão eficazes? Os resultados encontrados apontam para o fato de eles se perceberem mais adaptáveis a possíveis situações, e que isso tem relação com sua eficácia percebida. </a:t>
             </a:r>
             <a:endParaRPr lang="pt-BR" sz="1800" dirty="0">
               <a:effectLst/>
@@ -12093,12 +13495,79 @@
               <a:cs typeface="Times New Roman" panose="02020603050405020304" pitchFamily="18" charset="0"/>
             </a:endParaRPr>
           </a:p>
-        </p:txBody>
-      </p:sp>
+          <a:p>
+            <a:r>
+              <a:rPr lang="pt-BR" sz="1800" dirty="0">
+                <a:effectLst/>
+                <a:latin typeface="Arial" panose="020B0604020202020204" pitchFamily="34" charset="0"/>
+                <a:ea typeface="Times New Roman" panose="02020603050405020304" pitchFamily="18" charset="0"/>
+                <a:cs typeface="Times New Roman" panose="02020603050405020304" pitchFamily="18" charset="0"/>
+              </a:rPr>
+              <a:t>). Entender como o processo se manifesta no nível coletivo também é importante, pois existem outros fatores como o suporte mútuo e liderança, que também afetam as relações da adaptabilidade individual, assim como a satisfação e o burnout (BARNETT; BRADLEY, 2007; HOEGL; GEMUENDEN, 2001; NELSON; COOPRIDER, 1996; WEIMAR, 2013). </a:t>
+            </a:r>
+            <a:endParaRPr lang="pt-BR" sz="1800" dirty="0">
+              <a:effectLst/>
+              <a:latin typeface="Times" panose="02020603050405020304" pitchFamily="18" charset="0"/>
+              <a:ea typeface="Times New Roman" panose="02020603050405020304" pitchFamily="18" charset="0"/>
+              <a:cs typeface="Times New Roman" panose="02020603050405020304" pitchFamily="18" charset="0"/>
+            </a:endParaRPr>
+          </a:p>
+          <a:p>
+            <a:endParaRPr lang="pt-BR" dirty="0"/>
+          </a:p>
+        </p:txBody>
+      </p:sp>
+      <p:pic>
+        <p:nvPicPr>
+          <p:cNvPr id="4" name="Picture 2" descr="Megatendências e Desenvolvimento de Cenários Futuros - ANPEI">
+            <a:extLst>
+              <a:ext uri="{FF2B5EF4-FFF2-40B4-BE49-F238E27FC236}">
+                <a16:creationId xmlns:a16="http://schemas.microsoft.com/office/drawing/2014/main" id="{CC7CEF6A-273A-4CBA-8E14-595CFF088AB7}"/>
+              </a:ext>
+            </a:extLst>
+          </p:cNvPr>
+          <p:cNvPicPr>
+            <a:picLocks noChangeAspect="1" noChangeArrowheads="1"/>
+          </p:cNvPicPr>
+          <p:nvPr/>
+        </p:nvPicPr>
+        <p:blipFill>
+          <a:blip r:embed="rId2">
+            <a:extLst>
+              <a:ext uri="{28A0092B-C50C-407E-A947-70E740481C1C}">
+                <a14:useLocalDpi xmlns:a14="http://schemas.microsoft.com/office/drawing/2010/main" val="0"/>
+              </a:ext>
+            </a:extLst>
+          </a:blip>
+          <a:srcRect/>
+          <a:stretch>
+            <a:fillRect/>
+          </a:stretch>
+        </p:blipFill>
+        <p:spPr bwMode="auto">
+          <a:xfrm>
+            <a:off x="6012160" y="222325"/>
+            <a:ext cx="2838450" cy="1609725"/>
+          </a:xfrm>
+          <a:prstGeom prst="rect">
+            <a:avLst/>
+          </a:prstGeom>
+          <a:noFill/>
+          <a:extLst>
+            <a:ext uri="{909E8E84-426E-40DD-AFC4-6F175D3DCCD1}">
+              <a14:hiddenFill xmlns:a14="http://schemas.microsoft.com/office/drawing/2010/main">
+                <a:solidFill>
+                  <a:srgbClr val="FFFFFF"/>
+                </a:solidFill>
+              </a14:hiddenFill>
+            </a:ext>
+          </a:extLst>
+        </p:spPr>
+      </p:pic>
     </p:spTree>
     <p:extLst>
       <p:ext uri="{BB962C8B-B14F-4D97-AF65-F5344CB8AC3E}">
-        <p14:creationId xmlns:p14="http://schemas.microsoft.com/office/powerpoint/2010/main" val="3945958157"/>
+        <p14:creationId xmlns:p14="http://schemas.microsoft.com/office/powerpoint/2010/main" val="3923117369"/>
       </p:ext>
     </p:extLst>
   </p:cSld>
@@ -12130,7 +13599,7 @@
           <p:cNvPr id="2" name="Título 1">
             <a:extLst>
               <a:ext uri="{FF2B5EF4-FFF2-40B4-BE49-F238E27FC236}">
-                <a16:creationId xmlns:a16="http://schemas.microsoft.com/office/drawing/2014/main" id="{955B7A71-0AE6-4842-8500-FF5159312A34}"/>
+                <a16:creationId xmlns:a16="http://schemas.microsoft.com/office/drawing/2014/main" id="{16511E84-3337-4EEF-9D7F-702A3951403D}"/>
               </a:ext>
             </a:extLst>
           </p:cNvPr>
@@ -12148,7 +13617,7 @@
           <a:p>
             <a:r>
               <a:rPr lang="pt-BR" dirty="0"/>
-              <a:t>Referências</a:t>
+              <a:t>Trabalhos futuros</a:t>
             </a:r>
           </a:p>
         </p:txBody>
@@ -12158,7 +13627,7 @@
           <p:cNvPr id="3" name="Espaço Reservado para Conteúdo 2">
             <a:extLst>
               <a:ext uri="{FF2B5EF4-FFF2-40B4-BE49-F238E27FC236}">
-                <a16:creationId xmlns:a16="http://schemas.microsoft.com/office/drawing/2014/main" id="{EBBB26C3-F96E-4074-AC85-D845AA1F466A}"/>
+                <a16:creationId xmlns:a16="http://schemas.microsoft.com/office/drawing/2014/main" id="{E050FF96-01FD-47B2-8824-6DA2E79D7C38}"/>
               </a:ext>
             </a:extLst>
           </p:cNvPr>
@@ -12174,14 +13643,92 @@
           <a:bodyPr/>
           <a:lstStyle/>
           <a:p>
-            <a:endParaRPr lang="pt-BR"/>
-          </a:p>
-        </p:txBody>
-      </p:sp>
+            <a:pPr indent="274320" algn="just">
+              <a:lnSpc>
+                <a:spcPct val="150000"/>
+              </a:lnSpc>
+              <a:spcAft>
+                <a:spcPts val="600"/>
+              </a:spcAft>
+            </a:pPr>
+            <a:r>
+              <a:rPr lang="pt-BR" sz="1800" dirty="0">
+                <a:effectLst/>
+                <a:latin typeface="Arial" panose="020B0604020202020204" pitchFamily="34" charset="0"/>
+                <a:ea typeface="Calibri" panose="020F0502020204030204" pitchFamily="34" charset="0"/>
+                <a:cs typeface="Times New Roman" panose="02020603050405020304" pitchFamily="18" charset="0"/>
+              </a:rPr>
+              <a:t>É importante entender também a direção da relação entre o burnout e a adaptabilidade individual e os motivos de ela ocorrer. </a:t>
+            </a:r>
+            <a:r>
+              <a:rPr lang="pt-BR" sz="1800" dirty="0">
+                <a:effectLst/>
+                <a:latin typeface="Arial" panose="020B0604020202020204" pitchFamily="34" charset="0"/>
+                <a:ea typeface="Times New Roman" panose="02020603050405020304" pitchFamily="18" charset="0"/>
+                <a:cs typeface="Times New Roman" panose="02020603050405020304" pitchFamily="18" charset="0"/>
+              </a:rPr>
+              <a:t>Uma possível suposição a ser investigada é que a adaptabilidade individual leva indivíduos a se sentirem mais adequados para suas funções e, por isso, com menores índices de burnout. </a:t>
+            </a:r>
+            <a:endParaRPr lang="pt-BR" sz="1800" dirty="0">
+              <a:effectLst/>
+              <a:latin typeface="Times" panose="02020603050405020304" pitchFamily="18" charset="0"/>
+              <a:ea typeface="Times New Roman" panose="02020603050405020304" pitchFamily="18" charset="0"/>
+              <a:cs typeface="Times New Roman" panose="02020603050405020304" pitchFamily="18" charset="0"/>
+            </a:endParaRPr>
+          </a:p>
+        </p:txBody>
+      </p:sp>
+      <p:pic>
+        <p:nvPicPr>
+          <p:cNvPr id="4" name="Picture 2" descr="Megatendências e Desenvolvimento de Cenários Futuros - ANPEI">
+            <a:extLst>
+              <a:ext uri="{FF2B5EF4-FFF2-40B4-BE49-F238E27FC236}">
+                <a16:creationId xmlns:a16="http://schemas.microsoft.com/office/drawing/2014/main" id="{56DEE9A3-680E-4807-8671-FC852C4C03C8}"/>
+              </a:ext>
+            </a:extLst>
+          </p:cNvPr>
+          <p:cNvPicPr>
+            <a:picLocks noChangeAspect="1" noChangeArrowheads="1"/>
+          </p:cNvPicPr>
+          <p:nvPr/>
+        </p:nvPicPr>
+        <p:blipFill>
+          <a:blip r:embed="rId2">
+            <a:extLst>
+              <a:ext uri="{28A0092B-C50C-407E-A947-70E740481C1C}">
+                <a14:useLocalDpi xmlns:a14="http://schemas.microsoft.com/office/drawing/2010/main" val="0"/>
+              </a:ext>
+            </a:extLst>
+          </a:blip>
+          <a:srcRect/>
+          <a:stretch>
+            <a:fillRect/>
+          </a:stretch>
+        </p:blipFill>
+        <p:spPr bwMode="auto">
+          <a:xfrm>
+            <a:off x="6012160" y="222325"/>
+            <a:ext cx="2838450" cy="1609725"/>
+          </a:xfrm>
+          <a:prstGeom prst="rect">
+            <a:avLst/>
+          </a:prstGeom>
+          <a:noFill/>
+          <a:extLst>
+            <a:ext uri="{909E8E84-426E-40DD-AFC4-6F175D3DCCD1}">
+              <a14:hiddenFill xmlns:a14="http://schemas.microsoft.com/office/drawing/2010/main">
+                <a:solidFill>
+                  <a:srgbClr val="FFFFFF"/>
+                </a:solidFill>
+              </a14:hiddenFill>
+            </a:ext>
+          </a:extLst>
+        </p:spPr>
+      </p:pic>
     </p:spTree>
     <p:extLst>
       <p:ext uri="{BB962C8B-B14F-4D97-AF65-F5344CB8AC3E}">
-        <p14:creationId xmlns:p14="http://schemas.microsoft.com/office/powerpoint/2010/main" val="4205859704"/>
+        <p14:creationId xmlns:p14="http://schemas.microsoft.com/office/powerpoint/2010/main" val="3232340228"/>
       </p:ext>
     </p:extLst>
   </p:cSld>
@@ -12191,7 +13738,7 @@
 </p:sld>
 </file>
 
-<file path=ppt/slides/slide8.xml><?xml version="1.0" encoding="utf-8"?>
+<file path=ppt/slides/slide77.xml><?xml version="1.0" encoding="utf-8"?>
 <p:sld xmlns:a="http://schemas.openxmlformats.org/drawingml/2006/main" xmlns:r="http://schemas.openxmlformats.org/officeDocument/2006/relationships" xmlns:p="http://schemas.openxmlformats.org/presentationml/2006/main">
   <p:cSld>
     <p:spTree>
@@ -12210,6 +13757,435 @@
       </p:grpSpPr>
       <p:sp>
         <p:nvSpPr>
+          <p:cNvPr id="2" name="Título 1">
+            <a:extLst>
+              <a:ext uri="{FF2B5EF4-FFF2-40B4-BE49-F238E27FC236}">
+                <a16:creationId xmlns:a16="http://schemas.microsoft.com/office/drawing/2014/main" id="{16511E84-3337-4EEF-9D7F-702A3951403D}"/>
+              </a:ext>
+            </a:extLst>
+          </p:cNvPr>
+          <p:cNvSpPr>
+            <a:spLocks noGrp="1"/>
+          </p:cNvSpPr>
+          <p:nvPr>
+            <p:ph type="title"/>
+          </p:nvPr>
+        </p:nvSpPr>
+        <p:spPr/>
+        <p:txBody>
+          <a:bodyPr/>
+          <a:lstStyle/>
+          <a:p>
+            <a:r>
+              <a:rPr lang="pt-BR" dirty="0"/>
+              <a:t>Trabalhos futuros</a:t>
+            </a:r>
+          </a:p>
+        </p:txBody>
+      </p:sp>
+      <p:sp>
+        <p:nvSpPr>
+          <p:cNvPr id="3" name="Espaço Reservado para Conteúdo 2">
+            <a:extLst>
+              <a:ext uri="{FF2B5EF4-FFF2-40B4-BE49-F238E27FC236}">
+                <a16:creationId xmlns:a16="http://schemas.microsoft.com/office/drawing/2014/main" id="{E050FF96-01FD-47B2-8824-6DA2E79D7C38}"/>
+              </a:ext>
+            </a:extLst>
+          </p:cNvPr>
+          <p:cNvSpPr>
+            <a:spLocks noGrp="1"/>
+          </p:cNvSpPr>
+          <p:nvPr>
+            <p:ph idx="1"/>
+          </p:nvPr>
+        </p:nvSpPr>
+        <p:spPr/>
+        <p:txBody>
+          <a:bodyPr/>
+          <a:lstStyle/>
+          <a:p>
+            <a:pPr indent="274320" algn="just">
+              <a:lnSpc>
+                <a:spcPct val="150000"/>
+              </a:lnSpc>
+              <a:spcAft>
+                <a:spcPts val="600"/>
+              </a:spcAft>
+            </a:pPr>
+            <a:r>
+              <a:rPr lang="pt-BR" sz="1800" dirty="0">
+                <a:effectLst/>
+                <a:latin typeface="Arial" panose="020B0604020202020204" pitchFamily="34" charset="0"/>
+                <a:ea typeface="Times New Roman" panose="02020603050405020304" pitchFamily="18" charset="0"/>
+                <a:cs typeface="Times New Roman" panose="02020603050405020304" pitchFamily="18" charset="0"/>
+              </a:rPr>
+              <a:t>Mas, de acordo com o modelo de Franca, Da Silva e Sharp (2018), as características individuais moderam a relação da característica do trabalho com a satisfação. Outra possível investigação é entender se esses resultados, de fato, acorrem com a adaptabilidade individual. </a:t>
+            </a:r>
+            <a:endParaRPr lang="pt-BR" sz="1800" dirty="0">
+              <a:effectLst/>
+              <a:latin typeface="Times" panose="02020603050405020304" pitchFamily="18" charset="0"/>
+              <a:ea typeface="Times New Roman" panose="02020603050405020304" pitchFamily="18" charset="0"/>
+              <a:cs typeface="Times New Roman" panose="02020603050405020304" pitchFamily="18" charset="0"/>
+            </a:endParaRPr>
+          </a:p>
+        </p:txBody>
+      </p:sp>
+      <p:pic>
+        <p:nvPicPr>
+          <p:cNvPr id="14338" name="Picture 2" descr="Megatendências e Desenvolvimento de Cenários Futuros - ANPEI">
+            <a:extLst>
+              <a:ext uri="{FF2B5EF4-FFF2-40B4-BE49-F238E27FC236}">
+                <a16:creationId xmlns:a16="http://schemas.microsoft.com/office/drawing/2014/main" id="{974300AC-A9BF-4C45-80E0-39D5A573DEC1}"/>
+              </a:ext>
+            </a:extLst>
+          </p:cNvPr>
+          <p:cNvPicPr>
+            <a:picLocks noChangeAspect="1" noChangeArrowheads="1"/>
+          </p:cNvPicPr>
+          <p:nvPr/>
+        </p:nvPicPr>
+        <p:blipFill>
+          <a:blip r:embed="rId2">
+            <a:extLst>
+              <a:ext uri="{28A0092B-C50C-407E-A947-70E740481C1C}">
+                <a14:useLocalDpi xmlns:a14="http://schemas.microsoft.com/office/drawing/2010/main" val="0"/>
+              </a:ext>
+            </a:extLst>
+          </a:blip>
+          <a:srcRect/>
+          <a:stretch>
+            <a:fillRect/>
+          </a:stretch>
+        </p:blipFill>
+        <p:spPr bwMode="auto">
+          <a:xfrm>
+            <a:off x="6012160" y="222325"/>
+            <a:ext cx="2838450" cy="1609725"/>
+          </a:xfrm>
+          <a:prstGeom prst="rect">
+            <a:avLst/>
+          </a:prstGeom>
+          <a:noFill/>
+          <a:extLst>
+            <a:ext uri="{909E8E84-426E-40DD-AFC4-6F175D3DCCD1}">
+              <a14:hiddenFill xmlns:a14="http://schemas.microsoft.com/office/drawing/2010/main">
+                <a:solidFill>
+                  <a:srgbClr val="FFFFFF"/>
+                </a:solidFill>
+              </a14:hiddenFill>
+            </a:ext>
+          </a:extLst>
+        </p:spPr>
+      </p:pic>
+    </p:spTree>
+    <p:extLst>
+      <p:ext uri="{BB962C8B-B14F-4D97-AF65-F5344CB8AC3E}">
+        <p14:creationId xmlns:p14="http://schemas.microsoft.com/office/powerpoint/2010/main" val="3470994100"/>
+      </p:ext>
+    </p:extLst>
+  </p:cSld>
+  <p:clrMapOvr>
+    <a:masterClrMapping/>
+  </p:clrMapOvr>
+</p:sld>
+</file>
+
+<file path=ppt/slides/slide78.xml><?xml version="1.0" encoding="utf-8"?>
+<p:sld xmlns:a="http://schemas.openxmlformats.org/drawingml/2006/main" xmlns:r="http://schemas.openxmlformats.org/officeDocument/2006/relationships" xmlns:p="http://schemas.openxmlformats.org/presentationml/2006/main">
+  <p:cSld>
+    <p:spTree>
+      <p:nvGrpSpPr>
+        <p:cNvPr id="1" name=""/>
+        <p:cNvGrpSpPr/>
+        <p:nvPr/>
+      </p:nvGrpSpPr>
+      <p:grpSpPr>
+        <a:xfrm>
+          <a:off x="0" y="0"/>
+          <a:ext cx="0" cy="0"/>
+          <a:chOff x="0" y="0"/>
+          <a:chExt cx="0" cy="0"/>
+        </a:xfrm>
+      </p:grpSpPr>
+      <p:sp>
+        <p:nvSpPr>
+          <p:cNvPr id="2" name="Título 1">
+            <a:extLst>
+              <a:ext uri="{FF2B5EF4-FFF2-40B4-BE49-F238E27FC236}">
+                <a16:creationId xmlns:a16="http://schemas.microsoft.com/office/drawing/2014/main" id="{16511E84-3337-4EEF-9D7F-702A3951403D}"/>
+              </a:ext>
+            </a:extLst>
+          </p:cNvPr>
+          <p:cNvSpPr>
+            <a:spLocks noGrp="1"/>
+          </p:cNvSpPr>
+          <p:nvPr>
+            <p:ph type="title"/>
+          </p:nvPr>
+        </p:nvSpPr>
+        <p:spPr/>
+        <p:txBody>
+          <a:bodyPr/>
+          <a:lstStyle/>
+          <a:p>
+            <a:r>
+              <a:rPr lang="pt-BR" dirty="0"/>
+              <a:t>Trabalhos futuros</a:t>
+            </a:r>
+          </a:p>
+        </p:txBody>
+      </p:sp>
+      <p:sp>
+        <p:nvSpPr>
+          <p:cNvPr id="3" name="Espaço Reservado para Conteúdo 2">
+            <a:extLst>
+              <a:ext uri="{FF2B5EF4-FFF2-40B4-BE49-F238E27FC236}">
+                <a16:creationId xmlns:a16="http://schemas.microsoft.com/office/drawing/2014/main" id="{E050FF96-01FD-47B2-8824-6DA2E79D7C38}"/>
+              </a:ext>
+            </a:extLst>
+          </p:cNvPr>
+          <p:cNvSpPr>
+            <a:spLocks noGrp="1"/>
+          </p:cNvSpPr>
+          <p:nvPr>
+            <p:ph idx="1"/>
+          </p:nvPr>
+        </p:nvSpPr>
+        <p:spPr/>
+        <p:txBody>
+          <a:bodyPr>
+            <a:normAutofit fontScale="92500" lnSpcReduction="20000"/>
+          </a:bodyPr>
+          <a:lstStyle/>
+          <a:p>
+            <a:pPr indent="274320" algn="just">
+              <a:lnSpc>
+                <a:spcPct val="150000"/>
+              </a:lnSpc>
+              <a:spcAft>
+                <a:spcPts val="600"/>
+              </a:spcAft>
+            </a:pPr>
+            <a:r>
+              <a:rPr lang="pt-BR" sz="1800" dirty="0" err="1">
+                <a:effectLst/>
+                <a:latin typeface="Arial" panose="020B0604020202020204" pitchFamily="34" charset="0"/>
+                <a:ea typeface="Times New Roman" panose="02020603050405020304" pitchFamily="18" charset="0"/>
+              </a:rPr>
+              <a:t>Charbonnier-voirin</a:t>
+            </a:r>
+            <a:r>
+              <a:rPr lang="pt-BR" sz="1800" dirty="0">
+                <a:effectLst/>
+                <a:latin typeface="Arial" panose="020B0604020202020204" pitchFamily="34" charset="0"/>
+                <a:ea typeface="Times New Roman" panose="02020603050405020304" pitchFamily="18" charset="0"/>
+              </a:rPr>
+              <a:t> e Roussel (2012) sugerem que, com pequenas mudanças no texto, a escala de adaptabilidade poderia ser modificada para uso por um supervisor imediato na avaliação de seus subordinados.</a:t>
+            </a:r>
+          </a:p>
+          <a:p>
+            <a:pPr indent="274320" algn="just">
+              <a:lnSpc>
+                <a:spcPct val="150000"/>
+              </a:lnSpc>
+              <a:spcAft>
+                <a:spcPts val="600"/>
+              </a:spcAft>
+            </a:pPr>
+            <a:endParaRPr lang="pt-BR" sz="1800" dirty="0">
+              <a:latin typeface="Arial" panose="020B0604020202020204" pitchFamily="34" charset="0"/>
+              <a:ea typeface="Times New Roman" panose="02020603050405020304" pitchFamily="18" charset="0"/>
+              <a:cs typeface="Times New Roman" panose="02020603050405020304" pitchFamily="18" charset="0"/>
+            </a:endParaRPr>
+          </a:p>
+          <a:p>
+            <a:pPr indent="274320" algn="just">
+              <a:lnSpc>
+                <a:spcPct val="150000"/>
+              </a:lnSpc>
+              <a:spcAft>
+                <a:spcPts val="600"/>
+              </a:spcAft>
+            </a:pPr>
+            <a:r>
+              <a:rPr lang="pt-BR" sz="1800" dirty="0">
+                <a:effectLst/>
+                <a:latin typeface="Arial" panose="020B0604020202020204" pitchFamily="34" charset="0"/>
+                <a:ea typeface="Times New Roman" panose="02020603050405020304" pitchFamily="18" charset="0"/>
+              </a:rPr>
+              <a:t>Outro estudo é investigar se existe relação entre a função do respondente e os níveis de adaptabilidade individual que ele tem. Por exemplo, será que um gerente tende a ser mais adaptável de maneira interpessoal do que um desenvolvedor? Será que um desenvolvedor tende a ser mais adaptável ao aprendizado que um gerente?</a:t>
+            </a:r>
+            <a:endParaRPr lang="pt-BR" sz="1800" dirty="0">
+              <a:effectLst/>
+              <a:latin typeface="Times" panose="02020603050405020304" pitchFamily="18" charset="0"/>
+              <a:ea typeface="Times New Roman" panose="02020603050405020304" pitchFamily="18" charset="0"/>
+              <a:cs typeface="Times New Roman" panose="02020603050405020304" pitchFamily="18" charset="0"/>
+            </a:endParaRPr>
+          </a:p>
+        </p:txBody>
+      </p:sp>
+      <p:pic>
+        <p:nvPicPr>
+          <p:cNvPr id="13314" name="Picture 2" descr="Megatendências e Desenvolvimento de Cenários Futuros - ANPEI">
+            <a:extLst>
+              <a:ext uri="{FF2B5EF4-FFF2-40B4-BE49-F238E27FC236}">
+                <a16:creationId xmlns:a16="http://schemas.microsoft.com/office/drawing/2014/main" id="{C5746FBA-032A-44C4-9B2B-DC175CFA2A4B}"/>
+              </a:ext>
+            </a:extLst>
+          </p:cNvPr>
+          <p:cNvPicPr>
+            <a:picLocks noChangeAspect="1" noChangeArrowheads="1"/>
+          </p:cNvPicPr>
+          <p:nvPr/>
+        </p:nvPicPr>
+        <p:blipFill>
+          <a:blip r:embed="rId2">
+            <a:extLst>
+              <a:ext uri="{28A0092B-C50C-407E-A947-70E740481C1C}">
+                <a14:useLocalDpi xmlns:a14="http://schemas.microsoft.com/office/drawing/2010/main" val="0"/>
+              </a:ext>
+            </a:extLst>
+          </a:blip>
+          <a:srcRect/>
+          <a:stretch>
+            <a:fillRect/>
+          </a:stretch>
+        </p:blipFill>
+        <p:spPr bwMode="auto">
+          <a:xfrm>
+            <a:off x="5940152" y="303360"/>
+            <a:ext cx="2838450" cy="1609725"/>
+          </a:xfrm>
+          <a:prstGeom prst="rect">
+            <a:avLst/>
+          </a:prstGeom>
+          <a:noFill/>
+          <a:extLst>
+            <a:ext uri="{909E8E84-426E-40DD-AFC4-6F175D3DCCD1}">
+              <a14:hiddenFill xmlns:a14="http://schemas.microsoft.com/office/drawing/2010/main">
+                <a:solidFill>
+                  <a:srgbClr val="FFFFFF"/>
+                </a:solidFill>
+              </a14:hiddenFill>
+            </a:ext>
+          </a:extLst>
+        </p:spPr>
+      </p:pic>
+    </p:spTree>
+    <p:extLst>
+      <p:ext uri="{BB962C8B-B14F-4D97-AF65-F5344CB8AC3E}">
+        <p14:creationId xmlns:p14="http://schemas.microsoft.com/office/powerpoint/2010/main" val="3945958157"/>
+      </p:ext>
+    </p:extLst>
+  </p:cSld>
+  <p:clrMapOvr>
+    <a:masterClrMapping/>
+  </p:clrMapOvr>
+</p:sld>
+</file>
+
+<file path=ppt/slides/slide79.xml><?xml version="1.0" encoding="utf-8"?>
+<p:sld xmlns:a="http://schemas.openxmlformats.org/drawingml/2006/main" xmlns:r="http://schemas.openxmlformats.org/officeDocument/2006/relationships" xmlns:p="http://schemas.openxmlformats.org/presentationml/2006/main">
+  <p:cSld>
+    <p:spTree>
+      <p:nvGrpSpPr>
+        <p:cNvPr id="1" name=""/>
+        <p:cNvGrpSpPr/>
+        <p:nvPr/>
+      </p:nvGrpSpPr>
+      <p:grpSpPr>
+        <a:xfrm>
+          <a:off x="0" y="0"/>
+          <a:ext cx="0" cy="0"/>
+          <a:chOff x="0" y="0"/>
+          <a:chExt cx="0" cy="0"/>
+        </a:xfrm>
+      </p:grpSpPr>
+      <p:sp>
+        <p:nvSpPr>
+          <p:cNvPr id="2" name="Título 1">
+            <a:extLst>
+              <a:ext uri="{FF2B5EF4-FFF2-40B4-BE49-F238E27FC236}">
+                <a16:creationId xmlns:a16="http://schemas.microsoft.com/office/drawing/2014/main" id="{955B7A71-0AE6-4842-8500-FF5159312A34}"/>
+              </a:ext>
+            </a:extLst>
+          </p:cNvPr>
+          <p:cNvSpPr>
+            <a:spLocks noGrp="1"/>
+          </p:cNvSpPr>
+          <p:nvPr>
+            <p:ph type="title"/>
+          </p:nvPr>
+        </p:nvSpPr>
+        <p:spPr/>
+        <p:txBody>
+          <a:bodyPr/>
+          <a:lstStyle/>
+          <a:p>
+            <a:r>
+              <a:rPr lang="pt-BR" dirty="0"/>
+              <a:t>Referências</a:t>
+            </a:r>
+          </a:p>
+        </p:txBody>
+      </p:sp>
+      <p:sp>
+        <p:nvSpPr>
+          <p:cNvPr id="3" name="Espaço Reservado para Conteúdo 2">
+            <a:extLst>
+              <a:ext uri="{FF2B5EF4-FFF2-40B4-BE49-F238E27FC236}">
+                <a16:creationId xmlns:a16="http://schemas.microsoft.com/office/drawing/2014/main" id="{EBBB26C3-F96E-4074-AC85-D845AA1F466A}"/>
+              </a:ext>
+            </a:extLst>
+          </p:cNvPr>
+          <p:cNvSpPr>
+            <a:spLocks noGrp="1"/>
+          </p:cNvSpPr>
+          <p:nvPr>
+            <p:ph idx="1"/>
+          </p:nvPr>
+        </p:nvSpPr>
+        <p:spPr/>
+        <p:txBody>
+          <a:bodyPr/>
+          <a:lstStyle/>
+          <a:p>
+            <a:endParaRPr lang="pt-BR"/>
+          </a:p>
+        </p:txBody>
+      </p:sp>
+    </p:spTree>
+    <p:extLst>
+      <p:ext uri="{BB962C8B-B14F-4D97-AF65-F5344CB8AC3E}">
+        <p14:creationId xmlns:p14="http://schemas.microsoft.com/office/powerpoint/2010/main" val="4205859704"/>
+      </p:ext>
+    </p:extLst>
+  </p:cSld>
+  <p:clrMapOvr>
+    <a:masterClrMapping/>
+  </p:clrMapOvr>
+</p:sld>
+</file>
+
+<file path=ppt/slides/slide8.xml><?xml version="1.0" encoding="utf-8"?>
+<p:sld xmlns:a="http://schemas.openxmlformats.org/drawingml/2006/main" xmlns:r="http://schemas.openxmlformats.org/officeDocument/2006/relationships" xmlns:p="http://schemas.openxmlformats.org/presentationml/2006/main" show="0">
+  <p:cSld>
+    <p:spTree>
+      <p:nvGrpSpPr>
+        <p:cNvPr id="1" name=""/>
+        <p:cNvGrpSpPr/>
+        <p:nvPr/>
+      </p:nvGrpSpPr>
+      <p:grpSpPr>
+        <a:xfrm>
+          <a:off x="0" y="0"/>
+          <a:ext cx="0" cy="0"/>
+          <a:chOff x="0" y="0"/>
+          <a:chExt cx="0" cy="0"/>
+        </a:xfrm>
+      </p:grpSpPr>
+      <p:sp>
+        <p:nvSpPr>
           <p:cNvPr id="2" name="Título 1"/>
           <p:cNvSpPr>
             <a:spLocks noGrp="1"/>
@@ -12243,7 +14219,7 @@
         <p:spPr/>
         <p:txBody>
           <a:bodyPr>
-            <a:normAutofit fontScale="92500" lnSpcReduction="10000"/>
+            <a:normAutofit/>
           </a:bodyPr>
           <a:lstStyle/>
           <a:p>
@@ -12263,7 +14239,43 @@
                 <a:ea typeface="Times New Roman" panose="02020603050405020304" pitchFamily="18" charset="0"/>
                 <a:cs typeface="Times New Roman" panose="02020603050405020304" pitchFamily="18" charset="0"/>
               </a:rPr>
-              <a:t>Outra questão que gestores das equipes de software enfrentam é a manutenção da satisfação dos seus membros com o trabalho. França,  Da Silva e Sharp (2018) afirmam que a satisfação com o trabalho pode ser expressa pela felicidade dos indivíduos com o trabalho. A satisfação com o trabalho é um dos fatores que são investigados na Engenharia de Software há bastante tempo (LENBERG; FELDT e WALLGREN, 2015). Por exemplo, existem resultados que evidenciam que a satisfação com trabalho influencia mais a escolha de um empregado ficar na organização do que a recompensa financeira (BURK; RICHARDSON; LATIN, 2000).</a:t>
+              <a:t>Em geral, aceita-se o argumento de que os indivíduos na área precisam se adaptar a situações que ocorrem no dia a dia de trabalho como aprender novas linguagem, frameworks, lidar com a pressão de clientes, prazos e orçamentos, mudanças de equipes, </a:t>
+            </a:r>
+            <a:r>
+              <a:rPr lang="pt-BR" sz="1800" i="1" dirty="0" err="1">
+                <a:effectLst/>
+                <a:latin typeface="Arial" panose="020B0604020202020204" pitchFamily="34" charset="0"/>
+                <a:ea typeface="Times New Roman" panose="02020603050405020304" pitchFamily="18" charset="0"/>
+                <a:cs typeface="Times New Roman" panose="02020603050405020304" pitchFamily="18" charset="0"/>
+              </a:rPr>
+              <a:t>job</a:t>
+            </a:r>
+            <a:r>
+              <a:rPr lang="pt-BR" sz="1800" i="1" dirty="0">
+                <a:effectLst/>
+                <a:latin typeface="Arial" panose="020B0604020202020204" pitchFamily="34" charset="0"/>
+                <a:ea typeface="Times New Roman" panose="02020603050405020304" pitchFamily="18" charset="0"/>
+                <a:cs typeface="Times New Roman" panose="02020603050405020304" pitchFamily="18" charset="0"/>
+              </a:rPr>
+              <a:t> </a:t>
+            </a:r>
+            <a:r>
+              <a:rPr lang="pt-BR" sz="1800" i="1" dirty="0" err="1">
+                <a:effectLst/>
+                <a:latin typeface="Arial" panose="020B0604020202020204" pitchFamily="34" charset="0"/>
+                <a:ea typeface="Times New Roman" panose="02020603050405020304" pitchFamily="18" charset="0"/>
+                <a:cs typeface="Times New Roman" panose="02020603050405020304" pitchFamily="18" charset="0"/>
+              </a:rPr>
+              <a:t>rotation</a:t>
+            </a:r>
+            <a:r>
+              <a:rPr lang="pt-BR" sz="1800" dirty="0">
+                <a:effectLst/>
+                <a:latin typeface="Arial" panose="020B0604020202020204" pitchFamily="34" charset="0"/>
+                <a:ea typeface="Times New Roman" panose="02020603050405020304" pitchFamily="18" charset="0"/>
+                <a:cs typeface="Times New Roman" panose="02020603050405020304" pitchFamily="18" charset="0"/>
+              </a:rPr>
+              <a:t>, resolução de problemas e lidar com situações inesperadas e de emergência, pois, simplesmente a área requer que o indivíduo perpasse por essas situações. Tudo isso sem levar em consideração características inerentes aos indivíduos ou até mesmo o impacto dessa adaptação nos seus trabalhos.</a:t>
             </a:r>
             <a:endParaRPr lang="pt-BR" sz="1800" dirty="0">
               <a:effectLst/>
@@ -12289,7 +14301,7 @@
     </p:spTree>
     <p:extLst>
       <p:ext uri="{BB962C8B-B14F-4D97-AF65-F5344CB8AC3E}">
-        <p14:creationId xmlns:p14="http://schemas.microsoft.com/office/powerpoint/2010/main" val="3887008828"/>
+        <p14:creationId xmlns:p14="http://schemas.microsoft.com/office/powerpoint/2010/main" val="770879973"/>
       </p:ext>
     </p:extLst>
   </p:cSld>
@@ -12355,14 +14367,13 @@
           </a:bodyPr>
           <a:lstStyle/>
           <a:p>
-            <a:pPr indent="0" algn="just">
+            <a:pPr marL="628650" indent="-285750" algn="just">
               <a:lnSpc>
                 <a:spcPct val="150000"/>
               </a:lnSpc>
               <a:spcAft>
                 <a:spcPts val="600"/>
               </a:spcAft>
-              <a:buNone/>
             </a:pPr>
             <a:r>
               <a:rPr lang="pt-BR" sz="1800" dirty="0">
@@ -12371,16 +14382,45 @@
                 <a:ea typeface="Times New Roman" panose="02020603050405020304" pitchFamily="18" charset="0"/>
                 <a:cs typeface="Times New Roman" panose="02020603050405020304" pitchFamily="18" charset="0"/>
               </a:rPr>
-              <a:t>. Por exemplo</a:t>
-            </a:r>
-            <a:r>
-              <a:rPr lang="pt-BR" sz="1800" b="1" dirty="0">
+              <a:t>França,  Da Silva e Sharp (2018) afirmam que a satisfação com o trabalho pode ser expressa pela felicidade dos indivíduos com o trabalho. </a:t>
+            </a:r>
+          </a:p>
+          <a:p>
+            <a:pPr marL="628650" indent="-285750" algn="just">
+              <a:lnSpc>
+                <a:spcPct val="150000"/>
+              </a:lnSpc>
+              <a:spcAft>
+                <a:spcPts val="600"/>
+              </a:spcAft>
+            </a:pPr>
+            <a:r>
+              <a:rPr lang="pt-BR" sz="1800" dirty="0">
                 <a:effectLst/>
                 <a:latin typeface="Arial" panose="020B0604020202020204" pitchFamily="34" charset="0"/>
                 <a:ea typeface="Times New Roman" panose="02020603050405020304" pitchFamily="18" charset="0"/>
                 <a:cs typeface="Times New Roman" panose="02020603050405020304" pitchFamily="18" charset="0"/>
               </a:rPr>
-              <a:t>, existe relação significativa entre cada uma das dimensões da adaptabilidade individual com a satisfação com o trabalho na percepção dos Engenheiros de Software? Essas relações são positivas ou negativas?</a:t>
+              <a:t>A satisfação com o trabalho na Engenharia de Software (LENBERG; FELDT e WALLGREN, 2015).</a:t>
+            </a:r>
+          </a:p>
+          <a:p>
+            <a:pPr marL="628650" indent="-285750" algn="just">
+              <a:lnSpc>
+                <a:spcPct val="150000"/>
+              </a:lnSpc>
+              <a:spcAft>
+                <a:spcPts val="600"/>
+              </a:spcAft>
+            </a:pPr>
+            <a:r>
+              <a:rPr lang="pt-BR" sz="1800" dirty="0">
+                <a:effectLst/>
+                <a:latin typeface="Arial" panose="020B0604020202020204" pitchFamily="34" charset="0"/>
+                <a:ea typeface="Times New Roman" panose="02020603050405020304" pitchFamily="18" charset="0"/>
+                <a:cs typeface="Times New Roman" panose="02020603050405020304" pitchFamily="18" charset="0"/>
+              </a:rPr>
+              <a:t>A satisfação com trabalho influencia mais que a recompensa financeira (BURK; RICHARDSON; LATIN, 2000).</a:t>
             </a:r>
             <a:endParaRPr lang="pt-BR" sz="1800" dirty="0">
               <a:effectLst/>
@@ -12403,10 +14443,57 @@
           </a:p>
         </p:txBody>
       </p:sp>
+      <p:pic>
+        <p:nvPicPr>
+          <p:cNvPr id="11266" name="Picture 2" descr="Customer Satisfaction - Perception">
+            <a:extLst>
+              <a:ext uri="{FF2B5EF4-FFF2-40B4-BE49-F238E27FC236}">
+                <a16:creationId xmlns:a16="http://schemas.microsoft.com/office/drawing/2014/main" id="{2260DDF2-D32C-4882-8DD4-A9F6D5ECE9F1}"/>
+              </a:ext>
+            </a:extLst>
+          </p:cNvPr>
+          <p:cNvPicPr>
+            <a:picLocks noChangeAspect="1" noChangeArrowheads="1"/>
+          </p:cNvPicPr>
+          <p:nvPr/>
+        </p:nvPicPr>
+        <p:blipFill>
+          <a:blip r:embed="rId3">
+            <a:extLst>
+              <a:ext uri="{28A0092B-C50C-407E-A947-70E740481C1C}">
+                <a14:useLocalDpi xmlns:a14="http://schemas.microsoft.com/office/drawing/2010/main" val="0"/>
+              </a:ext>
+            </a:extLst>
+          </a:blip>
+          <a:srcRect/>
+          <a:stretch>
+            <a:fillRect/>
+          </a:stretch>
+        </p:blipFill>
+        <p:spPr bwMode="auto">
+          <a:xfrm>
+            <a:off x="5652120" y="431304"/>
+            <a:ext cx="2924175" cy="1562100"/>
+          </a:xfrm>
+          <a:prstGeom prst="rect">
+            <a:avLst/>
+          </a:prstGeom>
+          <a:noFill/>
+          <a:extLst>
+            <a:ext uri="{909E8E84-426E-40DD-AFC4-6F175D3DCCD1}">
+              <a14:hiddenFill xmlns:a14="http://schemas.microsoft.com/office/drawing/2010/main">
+                <a:solidFill>
+                  <a:srgbClr val="FFFFFF"/>
+                </a:solidFill>
+              </a14:hiddenFill>
+            </a:ext>
+          </a:extLst>
+        </p:spPr>
+      </p:pic>
     </p:spTree>
     <p:extLst>
       <p:ext uri="{BB962C8B-B14F-4D97-AF65-F5344CB8AC3E}">
-        <p14:creationId xmlns:p14="http://schemas.microsoft.com/office/powerpoint/2010/main" val="1310371271"/>
+        <p14:creationId xmlns:p14="http://schemas.microsoft.com/office/powerpoint/2010/main" val="3887008828"/>
       </p:ext>
     </p:extLst>
   </p:cSld>
@@ -12699,4 +14786,299 @@
   <a:objectDefaults/>
   <a:extraClrSchemeLst/>
 </a:theme>
+</file>
+
+<file path=ppt/theme/theme2.xml><?xml version="1.0" encoding="utf-8"?>
+<a:theme xmlns:a="http://schemas.openxmlformats.org/drawingml/2006/main" name="Tema do Office">
+  <a:themeElements>
+    <a:clrScheme name="Office">
+      <a:dk1>
+        <a:sysClr val="windowText" lastClr="000000"/>
+      </a:dk1>
+      <a:lt1>
+        <a:sysClr val="window" lastClr="FFFFFF"/>
+      </a:lt1>
+      <a:dk2>
+        <a:srgbClr val="44546A"/>
+      </a:dk2>
+      <a:lt2>
+        <a:srgbClr val="E7E6E6"/>
+      </a:lt2>
+      <a:accent1>
+        <a:srgbClr val="4472C4"/>
+      </a:accent1>
+      <a:accent2>
+        <a:srgbClr val="ED7D31"/>
+      </a:accent2>
+      <a:accent3>
+        <a:srgbClr val="A5A5A5"/>
+      </a:accent3>
+      <a:accent4>
+        <a:srgbClr val="FFC000"/>
+      </a:accent4>
+      <a:accent5>
+        <a:srgbClr val="5B9BD5"/>
+      </a:accent5>
+      <a:accent6>
+        <a:srgbClr val="70AD47"/>
+      </a:accent6>
+      <a:hlink>
+        <a:srgbClr val="0563C1"/>
+      </a:hlink>
+      <a:folHlink>
+        <a:srgbClr val="954F72"/>
+      </a:folHlink>
+    </a:clrScheme>
+    <a:fontScheme name="Office">
+      <a:majorFont>
+        <a:latin typeface="Calibri Light" panose="020F0302020204030204"/>
+        <a:ea typeface=""/>
+        <a:cs typeface=""/>
+        <a:font script="Jpan" typeface="游ゴシック Light"/>
+        <a:font script="Hang" typeface="맑은 고딕"/>
+        <a:font script="Hans" typeface="等线 Light"/>
+        <a:font script="Hant" typeface="新細明體"/>
+        <a:font script="Arab" typeface="Times New Roman"/>
+        <a:font script="Hebr" typeface="Times New Roman"/>
+        <a:font script="Thai" typeface="Angsana New"/>
+        <a:font script="Ethi" typeface="Nyala"/>
+        <a:font script="Beng" typeface="Vrinda"/>
+        <a:font script="Gujr" typeface="Shruti"/>
+        <a:font script="Khmr" typeface="MoolBoran"/>
+        <a:font script="Knda" typeface="Tunga"/>
+        <a:font script="Guru" typeface="Raavi"/>
+        <a:font script="Cans" typeface="Euphemia"/>
+        <a:font script="Cher" typeface="Plantagenet Cherokee"/>
+        <a:font script="Yiii" typeface="Microsoft Yi Baiti"/>
+        <a:font script="Tibt" typeface="Microsoft Himalaya"/>
+        <a:font script="Thaa" typeface="MV Boli"/>
+        <a:font script="Deva" typeface="Mangal"/>
+        <a:font script="Telu" typeface="Gautami"/>
+        <a:font script="Taml" typeface="Latha"/>
+        <a:font script="Syrc" typeface="Estrangelo Edessa"/>
+        <a:font script="Orya" typeface="Kalinga"/>
+        <a:font script="Mlym" typeface="Kartika"/>
+        <a:font script="Laoo" typeface="DokChampa"/>
+        <a:font script="Sinh" typeface="Iskoola Pota"/>
+        <a:font script="Mong" typeface="Mongolian Baiti"/>
+        <a:font script="Viet" typeface="Times New Roman"/>
+        <a:font script="Uigh" typeface="Microsoft Uighur"/>
+        <a:font script="Geor" typeface="Sylfaen"/>
+        <a:font script="Armn" typeface="Arial"/>
+        <a:font script="Bugi" typeface="Leelawadee UI"/>
+        <a:font script="Bopo" typeface="Microsoft JhengHei"/>
+        <a:font script="Java" typeface="Javanese Text"/>
+        <a:font script="Lisu" typeface="Segoe UI"/>
+        <a:font script="Mymr" typeface="Myanmar Text"/>
+        <a:font script="Nkoo" typeface="Ebrima"/>
+        <a:font script="Olck" typeface="Nirmala UI"/>
+        <a:font script="Osma" typeface="Ebrima"/>
+        <a:font script="Phag" typeface="Phagspa"/>
+        <a:font script="Syrn" typeface="Estrangelo Edessa"/>
+        <a:font script="Syrj" typeface="Estrangelo Edessa"/>
+        <a:font script="Syre" typeface="Estrangelo Edessa"/>
+        <a:font script="Sora" typeface="Nirmala UI"/>
+        <a:font script="Tale" typeface="Microsoft Tai Le"/>
+        <a:font script="Talu" typeface="Microsoft New Tai Lue"/>
+        <a:font script="Tfng" typeface="Ebrima"/>
+      </a:majorFont>
+      <a:minorFont>
+        <a:latin typeface="Calibri" panose="020F0502020204030204"/>
+        <a:ea typeface=""/>
+        <a:cs typeface=""/>
+        <a:font script="Jpan" typeface="游ゴシック"/>
+        <a:font script="Hang" typeface="맑은 고딕"/>
+        <a:font script="Hans" typeface="等线"/>
+        <a:font script="Hant" typeface="新細明體"/>
+        <a:font script="Arab" typeface="Arial"/>
+        <a:font script="Hebr" typeface="Arial"/>
+        <a:font script="Thai" typeface="Cordia New"/>
+        <a:font script="Ethi" typeface="Nyala"/>
+        <a:font script="Beng" typeface="Vrinda"/>
+        <a:font script="Gujr" typeface="Shruti"/>
+        <a:font script="Khmr" typeface="DaunPenh"/>
+        <a:font script="Knda" typeface="Tunga"/>
+        <a:font script="Guru" typeface="Raavi"/>
+        <a:font script="Cans" typeface="Euphemia"/>
+        <a:font script="Cher" typeface="Plantagenet Cherokee"/>
+        <a:font script="Yiii" typeface="Microsoft Yi Baiti"/>
+        <a:font script="Tibt" typeface="Microsoft Himalaya"/>
+        <a:font script="Thaa" typeface="MV Boli"/>
+        <a:font script="Deva" typeface="Mangal"/>
+        <a:font script="Telu" typeface="Gautami"/>
+        <a:font script="Taml" typeface="Latha"/>
+        <a:font script="Syrc" typeface="Estrangelo Edessa"/>
+        <a:font script="Orya" typeface="Kalinga"/>
+        <a:font script="Mlym" typeface="Kartika"/>
+        <a:font script="Laoo" typeface="DokChampa"/>
+        <a:font script="Sinh" typeface="Iskoola Pota"/>
+        <a:font script="Mong" typeface="Mongolian Baiti"/>
+        <a:font script="Viet" typeface="Arial"/>
+        <a:font script="Uigh" typeface="Microsoft Uighur"/>
+        <a:font script="Geor" typeface="Sylfaen"/>
+        <a:font script="Armn" typeface="Arial"/>
+        <a:font script="Bugi" typeface="Leelawadee UI"/>
+        <a:font script="Bopo" typeface="Microsoft JhengHei"/>
+        <a:font script="Java" typeface="Javanese Text"/>
+        <a:font script="Lisu" typeface="Segoe UI"/>
+        <a:font script="Mymr" typeface="Myanmar Text"/>
+        <a:font script="Nkoo" typeface="Ebrima"/>
+        <a:font script="Olck" typeface="Nirmala UI"/>
+        <a:font script="Osma" typeface="Ebrima"/>
+        <a:font script="Phag" typeface="Phagspa"/>
+        <a:font script="Syrn" typeface="Estrangelo Edessa"/>
+        <a:font script="Syrj" typeface="Estrangelo Edessa"/>
+        <a:font script="Syre" typeface="Estrangelo Edessa"/>
+        <a:font script="Sora" typeface="Nirmala UI"/>
+        <a:font script="Tale" typeface="Microsoft Tai Le"/>
+        <a:font script="Talu" typeface="Microsoft New Tai Lue"/>
+        <a:font script="Tfng" typeface="Ebrima"/>
+      </a:minorFont>
+    </a:fontScheme>
+    <a:fmtScheme name="Office">
+      <a:fillStyleLst>
+        <a:solidFill>
+          <a:schemeClr val="phClr"/>
+        </a:solidFill>
+        <a:gradFill rotWithShape="1">
+          <a:gsLst>
+            <a:gs pos="0">
+              <a:schemeClr val="phClr">
+                <a:lumMod val="110000"/>
+                <a:satMod val="105000"/>
+                <a:tint val="67000"/>
+              </a:schemeClr>
+            </a:gs>
+            <a:gs pos="50000">
+              <a:schemeClr val="phClr">
+                <a:lumMod val="105000"/>
+                <a:satMod val="103000"/>
+                <a:tint val="73000"/>
+              </a:schemeClr>
+            </a:gs>
+            <a:gs pos="100000">
+              <a:schemeClr val="phClr">
+                <a:lumMod val="105000"/>
+                <a:satMod val="109000"/>
+                <a:tint val="81000"/>
+              </a:schemeClr>
+            </a:gs>
+          </a:gsLst>
+          <a:lin ang="5400000" scaled="0"/>
+        </a:gradFill>
+        <a:gradFill rotWithShape="1">
+          <a:gsLst>
+            <a:gs pos="0">
+              <a:schemeClr val="phClr">
+                <a:satMod val="103000"/>
+                <a:lumMod val="102000"/>
+                <a:tint val="94000"/>
+              </a:schemeClr>
+            </a:gs>
+            <a:gs pos="50000">
+              <a:schemeClr val="phClr">
+                <a:satMod val="110000"/>
+                <a:lumMod val="100000"/>
+                <a:shade val="100000"/>
+              </a:schemeClr>
+            </a:gs>
+            <a:gs pos="100000">
+              <a:schemeClr val="phClr">
+                <a:lumMod val="99000"/>
+                <a:satMod val="120000"/>
+                <a:shade val="78000"/>
+              </a:schemeClr>
+            </a:gs>
+          </a:gsLst>
+          <a:lin ang="5400000" scaled="0"/>
+        </a:gradFill>
+      </a:fillStyleLst>
+      <a:lnStyleLst>
+        <a:ln w="6350" cap="flat" cmpd="sng" algn="ctr">
+          <a:solidFill>
+            <a:schemeClr val="phClr"/>
+          </a:solidFill>
+          <a:prstDash val="solid"/>
+          <a:miter lim="800000"/>
+        </a:ln>
+        <a:ln w="12700" cap="flat" cmpd="sng" algn="ctr">
+          <a:solidFill>
+            <a:schemeClr val="phClr"/>
+          </a:solidFill>
+          <a:prstDash val="solid"/>
+          <a:miter lim="800000"/>
+        </a:ln>
+        <a:ln w="19050" cap="flat" cmpd="sng" algn="ctr">
+          <a:solidFill>
+            <a:schemeClr val="phClr"/>
+          </a:solidFill>
+          <a:prstDash val="solid"/>
+          <a:miter lim="800000"/>
+        </a:ln>
+      </a:lnStyleLst>
+      <a:effectStyleLst>
+        <a:effectStyle>
+          <a:effectLst/>
+        </a:effectStyle>
+        <a:effectStyle>
+          <a:effectLst/>
+        </a:effectStyle>
+        <a:effectStyle>
+          <a:effectLst>
+            <a:outerShdw blurRad="57150" dist="19050" dir="5400000" algn="ctr" rotWithShape="0">
+              <a:srgbClr val="000000">
+                <a:alpha val="63000"/>
+              </a:srgbClr>
+            </a:outerShdw>
+          </a:effectLst>
+        </a:effectStyle>
+      </a:effectStyleLst>
+      <a:bgFillStyleLst>
+        <a:solidFill>
+          <a:schemeClr val="phClr"/>
+        </a:solidFill>
+        <a:solidFill>
+          <a:schemeClr val="phClr">
+            <a:tint val="95000"/>
+            <a:satMod val="170000"/>
+          </a:schemeClr>
+        </a:solidFill>
+        <a:gradFill rotWithShape="1">
+          <a:gsLst>
+            <a:gs pos="0">
+              <a:schemeClr val="phClr">
+                <a:tint val="93000"/>
+                <a:satMod val="150000"/>
+                <a:shade val="98000"/>
+                <a:lumMod val="102000"/>
+              </a:schemeClr>
+            </a:gs>
+            <a:gs pos="50000">
+              <a:schemeClr val="phClr">
+                <a:tint val="98000"/>
+                <a:satMod val="130000"/>
+                <a:shade val="90000"/>
+                <a:lumMod val="103000"/>
+              </a:schemeClr>
+            </a:gs>
+            <a:gs pos="100000">
+              <a:schemeClr val="phClr">
+                <a:shade val="63000"/>
+                <a:satMod val="120000"/>
+              </a:schemeClr>
+            </a:gs>
+          </a:gsLst>
+          <a:lin ang="5400000" scaled="0"/>
+        </a:gradFill>
+      </a:bgFillStyleLst>
+    </a:fmtScheme>
+  </a:themeElements>
+  <a:objectDefaults/>
+  <a:extraClrSchemeLst/>
+  <a:extLst>
+    <a:ext uri="{05A4C25C-085E-4340-85A3-A5531E510DB2}">
+      <thm15:themeFamily xmlns:thm15="http://schemas.microsoft.com/office/thememl/2012/main" name="Office Theme" id="{62F939B6-93AF-4DB8-9C6B-D6C7DFDC589F}" vid="{4A3C46E8-61CC-4603-A589-7422A47A8E4A}"/>
+    </a:ext>
+  </a:extLst>
+</a:theme>
 </file>
--- a/apresentacao doutorado.pptx
+++ b/apresentacao doutorado.pptx
@@ -5,7 +5,7 @@
     <p:sldMasterId id="2147483648" r:id="rId1"/>
   </p:sldMasterIdLst>
   <p:notesMasterIdLst>
-    <p:notesMasterId r:id="rId81"/>
+    <p:notesMasterId r:id="rId79"/>
   </p:notesMasterIdLst>
   <p:sldIdLst>
     <p:sldId id="256" r:id="rId2"/>
@@ -37,56 +37,54 @@
     <p:sldId id="266" r:id="rId28"/>
     <p:sldId id="296" r:id="rId29"/>
     <p:sldId id="295" r:id="rId30"/>
-    <p:sldId id="297" r:id="rId31"/>
-    <p:sldId id="298" r:id="rId32"/>
-    <p:sldId id="299" r:id="rId33"/>
-    <p:sldId id="300" r:id="rId34"/>
-    <p:sldId id="267" r:id="rId35"/>
-    <p:sldId id="301" r:id="rId36"/>
-    <p:sldId id="302" r:id="rId37"/>
-    <p:sldId id="268" r:id="rId38"/>
-    <p:sldId id="303" r:id="rId39"/>
-    <p:sldId id="304" r:id="rId40"/>
-    <p:sldId id="305" r:id="rId41"/>
-    <p:sldId id="306" r:id="rId42"/>
-    <p:sldId id="307" r:id="rId43"/>
-    <p:sldId id="308" r:id="rId44"/>
-    <p:sldId id="269" r:id="rId45"/>
-    <p:sldId id="309" r:id="rId46"/>
-    <p:sldId id="270" r:id="rId47"/>
-    <p:sldId id="310" r:id="rId48"/>
-    <p:sldId id="311" r:id="rId49"/>
-    <p:sldId id="272" r:id="rId50"/>
-    <p:sldId id="271" r:id="rId51"/>
-    <p:sldId id="312" r:id="rId52"/>
-    <p:sldId id="313" r:id="rId53"/>
-    <p:sldId id="314" r:id="rId54"/>
-    <p:sldId id="273" r:id="rId55"/>
-    <p:sldId id="319" r:id="rId56"/>
-    <p:sldId id="320" r:id="rId57"/>
-    <p:sldId id="321" r:id="rId58"/>
-    <p:sldId id="322" r:id="rId59"/>
-    <p:sldId id="274" r:id="rId60"/>
-    <p:sldId id="315" r:id="rId61"/>
-    <p:sldId id="316" r:id="rId62"/>
-    <p:sldId id="317" r:id="rId63"/>
-    <p:sldId id="318" r:id="rId64"/>
-    <p:sldId id="275" r:id="rId65"/>
-    <p:sldId id="324" r:id="rId66"/>
-    <p:sldId id="325" r:id="rId67"/>
-    <p:sldId id="326" r:id="rId68"/>
-    <p:sldId id="327" r:id="rId69"/>
-    <p:sldId id="328" r:id="rId70"/>
-    <p:sldId id="329" r:id="rId71"/>
-    <p:sldId id="330" r:id="rId72"/>
-    <p:sldId id="279" r:id="rId73"/>
-    <p:sldId id="331" r:id="rId74"/>
-    <p:sldId id="332" r:id="rId75"/>
-    <p:sldId id="278" r:id="rId76"/>
-    <p:sldId id="333" r:id="rId77"/>
-    <p:sldId id="334" r:id="rId78"/>
-    <p:sldId id="335" r:id="rId79"/>
-    <p:sldId id="280" r:id="rId80"/>
+    <p:sldId id="298" r:id="rId31"/>
+    <p:sldId id="299" r:id="rId32"/>
+    <p:sldId id="300" r:id="rId33"/>
+    <p:sldId id="267" r:id="rId34"/>
+    <p:sldId id="301" r:id="rId35"/>
+    <p:sldId id="302" r:id="rId36"/>
+    <p:sldId id="268" r:id="rId37"/>
+    <p:sldId id="304" r:id="rId38"/>
+    <p:sldId id="305" r:id="rId39"/>
+    <p:sldId id="306" r:id="rId40"/>
+    <p:sldId id="307" r:id="rId41"/>
+    <p:sldId id="308" r:id="rId42"/>
+    <p:sldId id="269" r:id="rId43"/>
+    <p:sldId id="309" r:id="rId44"/>
+    <p:sldId id="270" r:id="rId45"/>
+    <p:sldId id="310" r:id="rId46"/>
+    <p:sldId id="311" r:id="rId47"/>
+    <p:sldId id="272" r:id="rId48"/>
+    <p:sldId id="271" r:id="rId49"/>
+    <p:sldId id="312" r:id="rId50"/>
+    <p:sldId id="313" r:id="rId51"/>
+    <p:sldId id="314" r:id="rId52"/>
+    <p:sldId id="273" r:id="rId53"/>
+    <p:sldId id="319" r:id="rId54"/>
+    <p:sldId id="320" r:id="rId55"/>
+    <p:sldId id="321" r:id="rId56"/>
+    <p:sldId id="322" r:id="rId57"/>
+    <p:sldId id="274" r:id="rId58"/>
+    <p:sldId id="315" r:id="rId59"/>
+    <p:sldId id="316" r:id="rId60"/>
+    <p:sldId id="317" r:id="rId61"/>
+    <p:sldId id="318" r:id="rId62"/>
+    <p:sldId id="275" r:id="rId63"/>
+    <p:sldId id="324" r:id="rId64"/>
+    <p:sldId id="325" r:id="rId65"/>
+    <p:sldId id="326" r:id="rId66"/>
+    <p:sldId id="327" r:id="rId67"/>
+    <p:sldId id="328" r:id="rId68"/>
+    <p:sldId id="329" r:id="rId69"/>
+    <p:sldId id="330" r:id="rId70"/>
+    <p:sldId id="279" r:id="rId71"/>
+    <p:sldId id="331" r:id="rId72"/>
+    <p:sldId id="332" r:id="rId73"/>
+    <p:sldId id="278" r:id="rId74"/>
+    <p:sldId id="333" r:id="rId75"/>
+    <p:sldId id="334" r:id="rId76"/>
+    <p:sldId id="335" r:id="rId77"/>
+    <p:sldId id="280" r:id="rId78"/>
   </p:sldIdLst>
   <p:sldSz cx="9144000" cy="6858000" type="screen4x3"/>
   <p:notesSz cx="6858000" cy="9144000"/>
@@ -286,7 +284,7 @@
           <a:p>
             <a:fld id="{4FBCF2B5-875D-4003-895D-F40CEBB778A9}" type="datetimeFigureOut">
               <a:rPr lang="pt-BR" smtClean="0"/>
-              <a:t>01/12/2020</a:t>
+              <a:t>02/12/2020</a:t>
             </a:fld>
             <a:endParaRPr lang="pt-BR"/>
           </a:p>
@@ -882,6 +880,403 @@
 </p:notes>
 </file>
 
+<file path=ppt/notesSlides/notesSlide4.xml><?xml version="1.0" encoding="utf-8"?>
+<p:notes xmlns:a="http://schemas.openxmlformats.org/drawingml/2006/main" xmlns:r="http://schemas.openxmlformats.org/officeDocument/2006/relationships" xmlns:p="http://schemas.openxmlformats.org/presentationml/2006/main">
+  <p:cSld>
+    <p:spTree>
+      <p:nvGrpSpPr>
+        <p:cNvPr id="1" name=""/>
+        <p:cNvGrpSpPr/>
+        <p:nvPr/>
+      </p:nvGrpSpPr>
+      <p:grpSpPr>
+        <a:xfrm>
+          <a:off x="0" y="0"/>
+          <a:ext cx="0" cy="0"/>
+          <a:chOff x="0" y="0"/>
+          <a:chExt cx="0" cy="0"/>
+        </a:xfrm>
+      </p:grpSpPr>
+      <p:sp>
+        <p:nvSpPr>
+          <p:cNvPr id="2" name="Espaço Reservado para Imagem de Slide 1"/>
+          <p:cNvSpPr>
+            <a:spLocks noGrp="1" noRot="1" noChangeAspect="1"/>
+          </p:cNvSpPr>
+          <p:nvPr>
+            <p:ph type="sldImg"/>
+          </p:nvPr>
+        </p:nvSpPr>
+        <p:spPr/>
+      </p:sp>
+      <p:sp>
+        <p:nvSpPr>
+          <p:cNvPr id="3" name="Espaço Reservado para Anotações 2"/>
+          <p:cNvSpPr>
+            <a:spLocks noGrp="1"/>
+          </p:cNvSpPr>
+          <p:nvPr>
+            <p:ph type="body" idx="1"/>
+          </p:nvPr>
+        </p:nvSpPr>
+        <p:spPr/>
+        <p:txBody>
+          <a:bodyPr/>
+          <a:lstStyle/>
+          <a:p>
+            <a:pPr marL="0" marR="0" lvl="0" indent="0" algn="l" defTabSz="914400" rtl="0" eaLnBrk="1" fontAlgn="auto" latinLnBrk="0" hangingPunct="1">
+              <a:lnSpc>
+                <a:spcPct val="100000"/>
+              </a:lnSpc>
+              <a:spcBef>
+                <a:spcPts val="0"/>
+              </a:spcBef>
+              <a:spcAft>
+                <a:spcPts val="0"/>
+              </a:spcAft>
+              <a:buClrTx/>
+              <a:buSzTx/>
+              <a:buFontTx/>
+              <a:buNone/>
+              <a:tabLst/>
+              <a:defRPr/>
+            </a:pPr>
+            <a:r>
+              <a:rPr lang="pt-BR" sz="1200" dirty="0">
+                <a:effectLst/>
+                <a:latin typeface="Arial" panose="020B0604020202020204" pitchFamily="34" charset="0"/>
+                <a:ea typeface="Times New Roman" panose="02020603050405020304" pitchFamily="18" charset="0"/>
+                <a:cs typeface="Times New Roman" panose="02020603050405020304" pitchFamily="18" charset="0"/>
+              </a:rPr>
+              <a:t>A deixa é um fator primordial dentro da adaptação, pois é um processo individual de reconhecimento de informações em que cada membro da equipe busca por situações no ambiente que podem ter o potencial de afetar o sucesso da missão da equipe (BURKE </a:t>
+            </a:r>
+            <a:r>
+              <a:rPr lang="pt-BR" sz="1200" i="1" dirty="0">
+                <a:effectLst/>
+                <a:latin typeface="Arial" panose="020B0604020202020204" pitchFamily="34" charset="0"/>
+                <a:ea typeface="Times New Roman" panose="02020603050405020304" pitchFamily="18" charset="0"/>
+                <a:cs typeface="Times New Roman" panose="02020603050405020304" pitchFamily="18" charset="0"/>
+              </a:rPr>
+              <a:t>et al.</a:t>
+            </a:r>
+            <a:r>
+              <a:rPr lang="pt-BR" sz="1200" dirty="0">
+                <a:effectLst/>
+                <a:latin typeface="Arial" panose="020B0604020202020204" pitchFamily="34" charset="0"/>
+                <a:ea typeface="Times New Roman" panose="02020603050405020304" pitchFamily="18" charset="0"/>
+                <a:cs typeface="Times New Roman" panose="02020603050405020304" pitchFamily="18" charset="0"/>
+              </a:rPr>
+              <a:t>, 2006). </a:t>
+            </a:r>
+            <a:endParaRPr lang="pt-BR" sz="1200" dirty="0">
+              <a:effectLst/>
+              <a:latin typeface="Times" panose="02020603050405020304" pitchFamily="18" charset="0"/>
+              <a:ea typeface="Times New Roman" panose="02020603050405020304" pitchFamily="18" charset="0"/>
+              <a:cs typeface="Times New Roman" panose="02020603050405020304" pitchFamily="18" charset="0"/>
+            </a:endParaRPr>
+          </a:p>
+          <a:p>
+            <a:endParaRPr lang="pt-BR" dirty="0"/>
+          </a:p>
+        </p:txBody>
+      </p:sp>
+      <p:sp>
+        <p:nvSpPr>
+          <p:cNvPr id="4" name="Espaço Reservado para Número de Slide 3"/>
+          <p:cNvSpPr>
+            <a:spLocks noGrp="1"/>
+          </p:cNvSpPr>
+          <p:nvPr>
+            <p:ph type="sldNum" sz="quarter" idx="5"/>
+          </p:nvPr>
+        </p:nvSpPr>
+        <p:spPr/>
+        <p:txBody>
+          <a:bodyPr/>
+          <a:lstStyle/>
+          <a:p>
+            <a:fld id="{8D0A50E8-F985-49B9-B26F-7854039BF0DF}" type="slidenum">
+              <a:rPr lang="pt-BR" smtClean="0"/>
+              <a:t>25</a:t>
+            </a:fld>
+            <a:endParaRPr lang="pt-BR"/>
+          </a:p>
+        </p:txBody>
+      </p:sp>
+    </p:spTree>
+    <p:extLst>
+      <p:ext uri="{BB962C8B-B14F-4D97-AF65-F5344CB8AC3E}">
+        <p14:creationId xmlns:p14="http://schemas.microsoft.com/office/powerpoint/2010/main" val="3687962062"/>
+      </p:ext>
+    </p:extLst>
+  </p:cSld>
+  <p:clrMapOvr>
+    <a:masterClrMapping/>
+  </p:clrMapOvr>
+</p:notes>
+</file>
+
+<file path=ppt/notesSlides/notesSlide5.xml><?xml version="1.0" encoding="utf-8"?>
+<p:notes xmlns:a="http://schemas.openxmlformats.org/drawingml/2006/main" xmlns:r="http://schemas.openxmlformats.org/officeDocument/2006/relationships" xmlns:p="http://schemas.openxmlformats.org/presentationml/2006/main">
+  <p:cSld>
+    <p:spTree>
+      <p:nvGrpSpPr>
+        <p:cNvPr id="1" name=""/>
+        <p:cNvGrpSpPr/>
+        <p:nvPr/>
+      </p:nvGrpSpPr>
+      <p:grpSpPr>
+        <a:xfrm>
+          <a:off x="0" y="0"/>
+          <a:ext cx="0" cy="0"/>
+          <a:chOff x="0" y="0"/>
+          <a:chExt cx="0" cy="0"/>
+        </a:xfrm>
+      </p:grpSpPr>
+      <p:sp>
+        <p:nvSpPr>
+          <p:cNvPr id="2" name="Espaço Reservado para Imagem de Slide 1"/>
+          <p:cNvSpPr>
+            <a:spLocks noGrp="1" noRot="1" noChangeAspect="1"/>
+          </p:cNvSpPr>
+          <p:nvPr>
+            <p:ph type="sldImg"/>
+          </p:nvPr>
+        </p:nvSpPr>
+        <p:spPr/>
+      </p:sp>
+      <p:sp>
+        <p:nvSpPr>
+          <p:cNvPr id="3" name="Espaço Reservado para Anotações 2"/>
+          <p:cNvSpPr>
+            <a:spLocks noGrp="1"/>
+          </p:cNvSpPr>
+          <p:nvPr>
+            <p:ph type="body" idx="1"/>
+          </p:nvPr>
+        </p:nvSpPr>
+        <p:spPr/>
+        <p:txBody>
+          <a:bodyPr/>
+          <a:lstStyle/>
+          <a:p>
+            <a:pPr indent="270510" algn="just">
+              <a:lnSpc>
+                <a:spcPct val="150000"/>
+              </a:lnSpc>
+              <a:spcAft>
+                <a:spcPts val="600"/>
+              </a:spcAft>
+            </a:pPr>
+            <a:r>
+              <a:rPr lang="pt-BR" sz="1200" dirty="0">
+                <a:effectLst/>
+                <a:latin typeface="Arial" panose="020B0604020202020204" pitchFamily="34" charset="0"/>
+                <a:ea typeface="Times New Roman" panose="02020603050405020304" pitchFamily="18" charset="0"/>
+                <a:cs typeface="Times New Roman" panose="02020603050405020304" pitchFamily="18" charset="0"/>
+              </a:rPr>
+              <a:t>Os indivíduos se sentem insatisfeitos com seu desenvolvimento profissional e, infelizes consigo, experimentando um sentimento de que são incompetentes ao realizar seu trabalho, o</a:t>
+            </a:r>
+            <a:r>
+              <a:rPr lang="pt-BR" sz="1200" dirty="0">
+                <a:effectLst/>
+                <a:latin typeface="Arial" panose="020B0604020202020204" pitchFamily="34" charset="0"/>
+                <a:ea typeface="Calibri" panose="020F0502020204030204" pitchFamily="34" charset="0"/>
+                <a:cs typeface="Times New Roman" panose="02020603050405020304" pitchFamily="18" charset="0"/>
+              </a:rPr>
+              <a:t>u seja, as pessoas experimentam um sentimento crescente de que não têm habilidades e capacidades para realizar adequadamente seu trabalho. </a:t>
+            </a:r>
+            <a:endParaRPr lang="pt-BR" sz="1200" dirty="0">
+              <a:effectLst/>
+              <a:latin typeface="Times" panose="02020603050405020304" pitchFamily="18" charset="0"/>
+              <a:ea typeface="Times New Roman" panose="02020603050405020304" pitchFamily="18" charset="0"/>
+              <a:cs typeface="Times New Roman" panose="02020603050405020304" pitchFamily="18" charset="0"/>
+            </a:endParaRPr>
+          </a:p>
+          <a:p>
+            <a:pPr indent="270510" algn="just">
+              <a:lnSpc>
+                <a:spcPct val="150000"/>
+              </a:lnSpc>
+              <a:spcAft>
+                <a:spcPts val="600"/>
+              </a:spcAft>
+            </a:pPr>
+            <a:endParaRPr lang="pt-BR" sz="1200" dirty="0">
+              <a:effectLst/>
+              <a:latin typeface="Times" panose="02020603050405020304" pitchFamily="18" charset="0"/>
+              <a:ea typeface="Times New Roman" panose="02020603050405020304" pitchFamily="18" charset="0"/>
+              <a:cs typeface="Times New Roman" panose="02020603050405020304" pitchFamily="18" charset="0"/>
+            </a:endParaRPr>
+          </a:p>
+          <a:p>
+            <a:endParaRPr lang="pt-BR" dirty="0"/>
+          </a:p>
+        </p:txBody>
+      </p:sp>
+      <p:sp>
+        <p:nvSpPr>
+          <p:cNvPr id="4" name="Espaço Reservado para Número de Slide 3"/>
+          <p:cNvSpPr>
+            <a:spLocks noGrp="1"/>
+          </p:cNvSpPr>
+          <p:nvPr>
+            <p:ph type="sldNum" sz="quarter" idx="5"/>
+          </p:nvPr>
+        </p:nvSpPr>
+        <p:spPr/>
+        <p:txBody>
+          <a:bodyPr/>
+          <a:lstStyle/>
+          <a:p>
+            <a:fld id="{8D0A50E8-F985-49B9-B26F-7854039BF0DF}" type="slidenum">
+              <a:rPr lang="pt-BR" smtClean="0"/>
+              <a:t>30</a:t>
+            </a:fld>
+            <a:endParaRPr lang="pt-BR"/>
+          </a:p>
+        </p:txBody>
+      </p:sp>
+    </p:spTree>
+    <p:extLst>
+      <p:ext uri="{BB962C8B-B14F-4D97-AF65-F5344CB8AC3E}">
+        <p14:creationId xmlns:p14="http://schemas.microsoft.com/office/powerpoint/2010/main" val="3200180500"/>
+      </p:ext>
+    </p:extLst>
+  </p:cSld>
+  <p:clrMapOvr>
+    <a:masterClrMapping/>
+  </p:clrMapOvr>
+</p:notes>
+</file>
+
+<file path=ppt/notesSlides/notesSlide6.xml><?xml version="1.0" encoding="utf-8"?>
+<p:notes xmlns:a="http://schemas.openxmlformats.org/drawingml/2006/main" xmlns:r="http://schemas.openxmlformats.org/officeDocument/2006/relationships" xmlns:p="http://schemas.openxmlformats.org/presentationml/2006/main">
+  <p:cSld>
+    <p:spTree>
+      <p:nvGrpSpPr>
+        <p:cNvPr id="1" name=""/>
+        <p:cNvGrpSpPr/>
+        <p:nvPr/>
+      </p:nvGrpSpPr>
+      <p:grpSpPr>
+        <a:xfrm>
+          <a:off x="0" y="0"/>
+          <a:ext cx="0" cy="0"/>
+          <a:chOff x="0" y="0"/>
+          <a:chExt cx="0" cy="0"/>
+        </a:xfrm>
+      </p:grpSpPr>
+      <p:sp>
+        <p:nvSpPr>
+          <p:cNvPr id="2" name="Espaço Reservado para Imagem de Slide 1"/>
+          <p:cNvSpPr>
+            <a:spLocks noGrp="1" noRot="1" noChangeAspect="1"/>
+          </p:cNvSpPr>
+          <p:nvPr>
+            <p:ph type="sldImg"/>
+          </p:nvPr>
+        </p:nvSpPr>
+        <p:spPr/>
+      </p:sp>
+      <p:sp>
+        <p:nvSpPr>
+          <p:cNvPr id="3" name="Espaço Reservado para Anotações 2"/>
+          <p:cNvSpPr>
+            <a:spLocks noGrp="1"/>
+          </p:cNvSpPr>
+          <p:nvPr>
+            <p:ph type="body" idx="1"/>
+          </p:nvPr>
+        </p:nvSpPr>
+        <p:spPr/>
+        <p:txBody>
+          <a:bodyPr/>
+          <a:lstStyle/>
+          <a:p>
+            <a:pPr marL="0" marR="0" lvl="0" indent="0" algn="l" defTabSz="914400" rtl="0" eaLnBrk="1" fontAlgn="auto" latinLnBrk="0" hangingPunct="1">
+              <a:lnSpc>
+                <a:spcPct val="100000"/>
+              </a:lnSpc>
+              <a:spcBef>
+                <a:spcPts val="0"/>
+              </a:spcBef>
+              <a:spcAft>
+                <a:spcPts val="0"/>
+              </a:spcAft>
+              <a:buClrTx/>
+              <a:buSzTx/>
+              <a:buFontTx/>
+              <a:buNone/>
+              <a:tabLst/>
+              <a:defRPr/>
+            </a:pPr>
+            <a:r>
+              <a:rPr lang="pt-BR" sz="1200" dirty="0">
+                <a:effectLst/>
+                <a:latin typeface="Arial" panose="020B0604020202020204" pitchFamily="34" charset="0"/>
+                <a:ea typeface="Times New Roman" panose="02020603050405020304" pitchFamily="18" charset="0"/>
+                <a:cs typeface="Times New Roman" panose="02020603050405020304" pitchFamily="18" charset="0"/>
+              </a:rPr>
+              <a:t>Isso significa que </a:t>
+            </a:r>
+            <a:r>
+              <a:rPr lang="pt-BR" sz="1200" dirty="0">
+                <a:effectLst/>
+                <a:latin typeface="Arial" panose="020B0604020202020204" pitchFamily="34" charset="0"/>
+                <a:ea typeface="Calibri" panose="020F0502020204030204" pitchFamily="34" charset="0"/>
+                <a:cs typeface="Times New Roman" panose="02020603050405020304" pitchFamily="18" charset="0"/>
+              </a:rPr>
+              <a:t>pode existir uma discrepância entre as habilidades dos funcionários e as expectativas de trabalho, necessitando, assim, que o indivíduo mude. </a:t>
+            </a:r>
+            <a:endParaRPr lang="pt-BR" sz="1200" dirty="0">
+              <a:effectLst/>
+              <a:latin typeface="Times" panose="02020603050405020304" pitchFamily="18" charset="0"/>
+              <a:ea typeface="Times New Roman" panose="02020603050405020304" pitchFamily="18" charset="0"/>
+              <a:cs typeface="Times New Roman" panose="02020603050405020304" pitchFamily="18" charset="0"/>
+            </a:endParaRPr>
+          </a:p>
+          <a:p>
+            <a:endParaRPr lang="pt-BR" dirty="0"/>
+          </a:p>
+        </p:txBody>
+      </p:sp>
+      <p:sp>
+        <p:nvSpPr>
+          <p:cNvPr id="4" name="Espaço Reservado para Número de Slide 3"/>
+          <p:cNvSpPr>
+            <a:spLocks noGrp="1"/>
+          </p:cNvSpPr>
+          <p:nvPr>
+            <p:ph type="sldNum" sz="quarter" idx="5"/>
+          </p:nvPr>
+        </p:nvSpPr>
+        <p:spPr/>
+        <p:txBody>
+          <a:bodyPr/>
+          <a:lstStyle/>
+          <a:p>
+            <a:fld id="{8D0A50E8-F985-49B9-B26F-7854039BF0DF}" type="slidenum">
+              <a:rPr lang="pt-BR" smtClean="0"/>
+              <a:t>31</a:t>
+            </a:fld>
+            <a:endParaRPr lang="pt-BR"/>
+          </a:p>
+        </p:txBody>
+      </p:sp>
+    </p:spTree>
+    <p:extLst>
+      <p:ext uri="{BB962C8B-B14F-4D97-AF65-F5344CB8AC3E}">
+        <p14:creationId xmlns:p14="http://schemas.microsoft.com/office/powerpoint/2010/main" val="335368930"/>
+      </p:ext>
+    </p:extLst>
+  </p:cSld>
+  <p:clrMapOvr>
+    <a:masterClrMapping/>
+  </p:clrMapOvr>
+</p:notes>
+</file>
+
 <file path=ppt/slideLayouts/slideLayout1.xml><?xml version="1.0" encoding="utf-8"?>
 <p:sldLayout xmlns:a="http://schemas.openxmlformats.org/drawingml/2006/main" xmlns:r="http://schemas.openxmlformats.org/officeDocument/2006/relationships" xmlns:p="http://schemas.openxmlformats.org/presentationml/2006/main" type="title" preserve="1">
   <p:cSld name="Slide de título">
@@ -1712,7 +2107,7 @@
           <a:p>
             <a:fld id="{32E3DEF6-3213-4E1F-BF11-F9A2367C79DC}" type="datetimeFigureOut">
               <a:rPr lang="pt-BR" smtClean="0"/>
-              <a:t>01/12/2020</a:t>
+              <a:t>02/12/2020</a:t>
             </a:fld>
             <a:endParaRPr lang="pt-BR"/>
           </a:p>
@@ -2481,11 +2876,18 @@
             </a:pPr>
             <a:r>
               <a:rPr lang="pt-BR" sz="1800" dirty="0">
-                <a:effectLst/>
                 <a:latin typeface="Arial" panose="020B0604020202020204" pitchFamily="34" charset="0"/>
                 <a:ea typeface="Calibri" panose="020F0502020204030204" pitchFamily="34" charset="0"/>
               </a:rPr>
-              <a:t>indivíduos têm comportamentos destrutivos como conflitos pessoais, cansaço, bem como eventos organizacionais, tal qual a rotatividade, o absenteísmo e a redução do desempenho no trabalho (SWIDER; ZIMMERMAN, 2010)</a:t>
+              <a:t>I</a:t>
+            </a:r>
+            <a:r>
+              <a:rPr lang="pt-BR" sz="1800" dirty="0">
+                <a:effectLst/>
+                <a:latin typeface="Arial" panose="020B0604020202020204" pitchFamily="34" charset="0"/>
+                <a:ea typeface="Calibri" panose="020F0502020204030204" pitchFamily="34" charset="0"/>
+              </a:rPr>
+              <a:t>ndivíduos têm comportamentos destrutivos como conflitos pessoais, cansaço, bem como eventos organizacionais, tal qual a rotatividade, o absenteísmo e a redução do desempenho no trabalho (SWIDER; ZIMMERMAN, 2010)</a:t>
             </a:r>
             <a:endParaRPr lang="pt-BR" dirty="0"/>
           </a:p>
@@ -3346,7 +3748,7 @@
         <p:spPr/>
         <p:txBody>
           <a:bodyPr>
-            <a:normAutofit fontScale="77500" lnSpcReduction="20000"/>
+            <a:normAutofit fontScale="85000" lnSpcReduction="20000"/>
           </a:bodyPr>
           <a:lstStyle/>
           <a:p>
@@ -3393,31 +3795,6 @@
                 <a:cs typeface="Times New Roman" panose="02020603050405020304" pitchFamily="18" charset="0"/>
               </a:rPr>
               <a:t> na percepção dos membros de equipes de software.</a:t>
-            </a:r>
-            <a:endParaRPr lang="pt-BR" sz="1800" dirty="0">
-              <a:effectLst/>
-              <a:latin typeface="Times" panose="02020603050405020304" pitchFamily="18" charset="0"/>
-              <a:ea typeface="Times New Roman" panose="02020603050405020304" pitchFamily="18" charset="0"/>
-              <a:cs typeface="Times New Roman" panose="02020603050405020304" pitchFamily="18" charset="0"/>
-            </a:endParaRPr>
-          </a:p>
-          <a:p>
-            <a:pPr indent="228600" algn="just">
-              <a:lnSpc>
-                <a:spcPct val="150000"/>
-              </a:lnSpc>
-              <a:spcAft>
-                <a:spcPts val="600"/>
-              </a:spcAft>
-            </a:pPr>
-            <a:r>
-              <a:rPr lang="pt-BR" sz="1800" dirty="0">
-                <a:effectLst/>
-                <a:latin typeface="Arial" panose="020B0604020202020204" pitchFamily="34" charset="0"/>
-                <a:ea typeface="Times New Roman" panose="02020603050405020304" pitchFamily="18" charset="0"/>
-                <a:cs typeface="Times New Roman" panose="02020603050405020304" pitchFamily="18" charset="0"/>
-              </a:rPr>
-              <a:t>Para responder a esta questão, este trabalho se propõe a realizar os seguintes objetivos específicos (OE): </a:t>
             </a:r>
             <a:endParaRPr lang="pt-BR" sz="1800" dirty="0">
               <a:effectLst/>
@@ -3709,7 +4086,7 @@
         <p:spPr>
           <a:xfrm>
             <a:off x="899592" y="3429000"/>
-            <a:ext cx="6385052" cy="1477328"/>
+            <a:ext cx="7787208" cy="1938992"/>
           </a:xfrm>
           <a:prstGeom prst="rect">
             <a:avLst/>
@@ -3722,8 +4099,9 @@
           </a:bodyPr>
           <a:lstStyle/>
           <a:p>
-            <a:r>
-              <a:rPr lang="pt-BR" sz="1800" dirty="0" err="1">
+            <a:pPr algn="just"/>
+            <a:r>
+              <a:rPr lang="pt-BR" sz="2400" dirty="0" err="1">
                 <a:effectLst/>
                 <a:latin typeface="Arial" panose="020B0604020202020204" pitchFamily="34" charset="0"/>
                 <a:ea typeface="Times New Roman" panose="02020603050405020304" pitchFamily="18" charset="0"/>
@@ -3731,7 +4109,7 @@
               <a:t>Baard</a:t>
             </a:r>
             <a:r>
-              <a:rPr lang="pt-BR" sz="1800" dirty="0">
+              <a:rPr lang="pt-BR" sz="2400" dirty="0">
                 <a:effectLst/>
                 <a:latin typeface="Arial" panose="020B0604020202020204" pitchFamily="34" charset="0"/>
                 <a:ea typeface="Times New Roman" panose="02020603050405020304" pitchFamily="18" charset="0"/>
@@ -3739,7 +4117,7 @@
               <a:t>, </a:t>
             </a:r>
             <a:r>
-              <a:rPr lang="pt-BR" sz="1800" dirty="0" err="1">
+              <a:rPr lang="pt-BR" sz="2400" dirty="0" err="1">
                 <a:effectLst/>
                 <a:latin typeface="Arial" panose="020B0604020202020204" pitchFamily="34" charset="0"/>
                 <a:ea typeface="Times New Roman" panose="02020603050405020304" pitchFamily="18" charset="0"/>
@@ -3747,7 +4125,7 @@
               <a:t>Rench</a:t>
             </a:r>
             <a:r>
-              <a:rPr lang="pt-BR" sz="1800" dirty="0">
+              <a:rPr lang="pt-BR" sz="2400" dirty="0">
                 <a:effectLst/>
                 <a:latin typeface="Arial" panose="020B0604020202020204" pitchFamily="34" charset="0"/>
                 <a:ea typeface="Times New Roman" panose="02020603050405020304" pitchFamily="18" charset="0"/>
@@ -3755,7 +4133,7 @@
               <a:t> e </a:t>
             </a:r>
             <a:r>
-              <a:rPr lang="pt-BR" sz="1800" dirty="0" err="1">
+              <a:rPr lang="pt-BR" sz="2400" dirty="0" err="1">
                 <a:effectLst/>
                 <a:latin typeface="Arial" panose="020B0604020202020204" pitchFamily="34" charset="0"/>
                 <a:ea typeface="Times New Roman" panose="02020603050405020304" pitchFamily="18" charset="0"/>
@@ -3763,14 +4141,14 @@
               <a:t>Kozlowski</a:t>
             </a:r>
             <a:r>
-              <a:rPr lang="pt-BR" sz="1800" dirty="0">
+              <a:rPr lang="pt-BR" sz="2400" dirty="0">
                 <a:effectLst/>
                 <a:latin typeface="Arial" panose="020B0604020202020204" pitchFamily="34" charset="0"/>
                 <a:ea typeface="Times New Roman" panose="02020603050405020304" pitchFamily="18" charset="0"/>
               </a:rPr>
               <a:t> (2014) afirmam que o fenômeno do desempenho adaptativo pode ser considerado como alterações cognitivas, afetivas, motivacionais e comportamentais realizadas devido às demandas que ocorrem no ambiente.</a:t>
             </a:r>
-            <a:endParaRPr lang="pt-BR" dirty="0"/>
+            <a:endParaRPr lang="pt-BR" sz="2400" dirty="0"/>
           </a:p>
         </p:txBody>
       </p:sp>
@@ -3992,8 +4370,8 @@
         </p:blipFill>
         <p:spPr>
           <a:xfrm>
-            <a:off x="1403648" y="2564904"/>
-            <a:ext cx="5750455" cy="3517553"/>
+            <a:off x="457200" y="2204864"/>
+            <a:ext cx="7283152" cy="4464496"/>
           </a:xfrm>
           <a:prstGeom prst="rect">
             <a:avLst/>
@@ -4072,8 +4450,8 @@
         </p:nvSpPr>
         <p:spPr>
           <a:xfrm>
-            <a:off x="1187624" y="2996952"/>
-            <a:ext cx="6611420" cy="3139321"/>
+            <a:off x="1331640" y="2996952"/>
+            <a:ext cx="6467404" cy="2862322"/>
           </a:xfrm>
           <a:prstGeom prst="rect">
             <a:avLst/>
@@ -4087,68 +4465,110 @@
           <a:lstStyle/>
           <a:p>
             <a:r>
+              <a:rPr lang="pt-BR" sz="1800" dirty="0" err="1">
+                <a:effectLst/>
+                <a:latin typeface="Arial" panose="020B0604020202020204" pitchFamily="34" charset="0"/>
+                <a:ea typeface="Times New Roman" panose="02020603050405020304" pitchFamily="18" charset="0"/>
+              </a:rPr>
+              <a:t>Pulakos</a:t>
+            </a:r>
+            <a:r>
               <a:rPr lang="pt-BR" sz="1800" dirty="0">
                 <a:effectLst/>
                 <a:latin typeface="Arial" panose="020B0604020202020204" pitchFamily="34" charset="0"/>
                 <a:ea typeface="Times New Roman" panose="02020603050405020304" pitchFamily="18" charset="0"/>
               </a:rPr>
-              <a:t>Um dos principais trabalhos dentro da perspectiva do fenômeno do desempenho adaptativo é o de </a:t>
-            </a:r>
-            <a:r>
-              <a:rPr lang="pt-BR" sz="1800" dirty="0" err="1">
+              <a:t> et al. (2000): </a:t>
+            </a:r>
+          </a:p>
+          <a:p>
+            <a:pPr marL="400050" indent="-400050">
+              <a:buAutoNum type="romanLcParenBoth"/>
+            </a:pPr>
+            <a:r>
+              <a:rPr lang="pt-BR" sz="1800" dirty="0">
                 <a:effectLst/>
                 <a:latin typeface="Arial" panose="020B0604020202020204" pitchFamily="34" charset="0"/>
                 <a:ea typeface="Times New Roman" panose="02020603050405020304" pitchFamily="18" charset="0"/>
               </a:rPr>
-              <a:t>Pulakos</a:t>
-            </a:r>
+              <a:t>resolver problemas criativamente;</a:t>
+            </a:r>
+          </a:p>
+          <a:p>
+            <a:pPr marL="400050" indent="-400050">
+              <a:buAutoNum type="romanLcParenBoth"/>
+            </a:pPr>
             <a:r>
               <a:rPr lang="pt-BR" sz="1800" dirty="0">
                 <a:effectLst/>
                 <a:latin typeface="Arial" panose="020B0604020202020204" pitchFamily="34" charset="0"/>
                 <a:ea typeface="Times New Roman" panose="02020603050405020304" pitchFamily="18" charset="0"/>
               </a:rPr>
-              <a:t> et al. (2000). A partir de uma revisão de literatura, os autores identificaram um conjunto de incidente críticos de desempenho adaptativo que permitiu a proposição de oito dimensões do construto: (i) resolver problemas criativamente;(</a:t>
-            </a:r>
-            <a:r>
-              <a:rPr lang="pt-BR" sz="1800" dirty="0" err="1">
+              <a:t>lidar com situações de trabalho incertas e imprevisíveis;</a:t>
+            </a:r>
+          </a:p>
+          <a:p>
+            <a:pPr marL="400050" indent="-400050">
+              <a:buAutoNum type="romanLcParenBoth"/>
+            </a:pPr>
+            <a:r>
+              <a:rPr lang="pt-BR" sz="1800" dirty="0">
                 <a:effectLst/>
                 <a:latin typeface="Arial" panose="020B0604020202020204" pitchFamily="34" charset="0"/>
                 <a:ea typeface="Times New Roman" panose="02020603050405020304" pitchFamily="18" charset="0"/>
               </a:rPr>
-              <a:t>ii</a:t>
-            </a:r>
+              <a:t>aprender novas tarefas de trabalho, tecnologias e procedimentos;</a:t>
+            </a:r>
+          </a:p>
+          <a:p>
+            <a:pPr marL="400050" indent="-400050">
+              <a:buAutoNum type="romanLcParenBoth"/>
+            </a:pPr>
             <a:r>
               <a:rPr lang="pt-BR" sz="1800" dirty="0">
                 <a:effectLst/>
                 <a:latin typeface="Arial" panose="020B0604020202020204" pitchFamily="34" charset="0"/>
                 <a:ea typeface="Times New Roman" panose="02020603050405020304" pitchFamily="18" charset="0"/>
               </a:rPr>
-              <a:t>) lidar com situações de trabalho incertas e imprevisíveis; (</a:t>
-            </a:r>
-            <a:r>
-              <a:rPr lang="pt-BR" sz="1800" dirty="0" err="1">
+              <a:t>adaptabilidade interpessoal;</a:t>
+            </a:r>
+          </a:p>
+          <a:p>
+            <a:pPr marL="400050" indent="-400050">
+              <a:buAutoNum type="romanLcParenBoth"/>
+            </a:pPr>
+            <a:r>
+              <a:rPr lang="pt-BR" sz="1800" dirty="0">
                 <a:effectLst/>
                 <a:latin typeface="Arial" panose="020B0604020202020204" pitchFamily="34" charset="0"/>
                 <a:ea typeface="Times New Roman" panose="02020603050405020304" pitchFamily="18" charset="0"/>
               </a:rPr>
-              <a:t>iii</a:t>
-            </a:r>
+              <a:t>adaptabilidade cultural;</a:t>
+            </a:r>
+          </a:p>
+          <a:p>
+            <a:pPr marL="400050" indent="-400050">
+              <a:buAutoNum type="romanLcParenBoth"/>
+            </a:pPr>
             <a:r>
               <a:rPr lang="pt-BR" sz="1800" dirty="0">
                 <a:effectLst/>
                 <a:latin typeface="Arial" panose="020B0604020202020204" pitchFamily="34" charset="0"/>
                 <a:ea typeface="Times New Roman" panose="02020603050405020304" pitchFamily="18" charset="0"/>
               </a:rPr>
-              <a:t>) aprender novas tarefas de trabalho, tecnologias e procedimentos; (</a:t>
-            </a:r>
-            <a:r>
-              <a:rPr lang="pt-BR" sz="1800" dirty="0" err="1">
-                <a:effectLst/>
+              <a:t>adaptabilidade física; </a:t>
+            </a:r>
+          </a:p>
+          <a:p>
+            <a:pPr marL="400050" indent="-400050">
+              <a:buAutoNum type="romanLcParenBoth"/>
+            </a:pPr>
+            <a:r>
+              <a:rPr lang="pt-BR" dirty="0">
                 <a:latin typeface="Arial" panose="020B0604020202020204" pitchFamily="34" charset="0"/>
                 <a:ea typeface="Times New Roman" panose="02020603050405020304" pitchFamily="18" charset="0"/>
               </a:rPr>
-              <a:t>iv</a:t>
+              <a:t> </a:t>
             </a:r>
             <a:r>
               <a:rPr lang="pt-BR" sz="1800" dirty="0">
@@ -4156,39 +4576,24 @@
                 <a:latin typeface="Arial" panose="020B0604020202020204" pitchFamily="34" charset="0"/>
                 <a:ea typeface="Times New Roman" panose="02020603050405020304" pitchFamily="18" charset="0"/>
               </a:rPr>
-              <a:t>) adaptabilidade interpessoal; (v) adaptabilidade cultural; (vi) adaptabilidade física; (</a:t>
-            </a:r>
-            <a:r>
-              <a:rPr lang="pt-BR" sz="1800" dirty="0" err="1">
+              <a:t>lidar com o estresse do trabalho; </a:t>
+            </a:r>
+            <a:endParaRPr lang="pt-BR" dirty="0">
+              <a:latin typeface="Arial" panose="020B0604020202020204" pitchFamily="34" charset="0"/>
+              <a:ea typeface="Times New Roman" panose="02020603050405020304" pitchFamily="18" charset="0"/>
+            </a:endParaRPr>
+          </a:p>
+          <a:p>
+            <a:pPr marL="400050" indent="-400050">
+              <a:buAutoNum type="romanLcParenBoth"/>
+            </a:pPr>
+            <a:r>
+              <a:rPr lang="pt-BR" sz="1800" dirty="0">
                 <a:effectLst/>
                 <a:latin typeface="Arial" panose="020B0604020202020204" pitchFamily="34" charset="0"/>
                 <a:ea typeface="Times New Roman" panose="02020603050405020304" pitchFamily="18" charset="0"/>
               </a:rPr>
-              <a:t>vii</a:t>
-            </a:r>
-            <a:r>
-              <a:rPr lang="pt-BR" sz="1800" dirty="0">
-                <a:effectLst/>
-                <a:latin typeface="Arial" panose="020B0604020202020204" pitchFamily="34" charset="0"/>
-                <a:ea typeface="Times New Roman" panose="02020603050405020304" pitchFamily="18" charset="0"/>
-              </a:rPr>
-              <a:t>) lidar com o estresse do trabalho; e (</a:t>
-            </a:r>
-            <a:r>
-              <a:rPr lang="pt-BR" sz="1800" dirty="0" err="1">
-                <a:effectLst/>
-                <a:latin typeface="Arial" panose="020B0604020202020204" pitchFamily="34" charset="0"/>
-                <a:ea typeface="Times New Roman" panose="02020603050405020304" pitchFamily="18" charset="0"/>
-              </a:rPr>
-              <a:t>viii</a:t>
-            </a:r>
-            <a:r>
-              <a:rPr lang="pt-BR" sz="1800" dirty="0">
-                <a:effectLst/>
-                <a:latin typeface="Arial" panose="020B0604020202020204" pitchFamily="34" charset="0"/>
-                <a:ea typeface="Times New Roman" panose="02020603050405020304" pitchFamily="18" charset="0"/>
-              </a:rPr>
-              <a:t>) lidar com situações de emergências ou crise</a:t>
+              <a:t> lidar com situações de emergências ou crise</a:t>
             </a:r>
             <a:endParaRPr lang="pt-BR" dirty="0"/>
           </a:p>
@@ -4527,7 +4932,7 @@
         <p:spPr/>
         <p:txBody>
           <a:bodyPr>
-            <a:normAutofit fontScale="62500" lnSpcReduction="20000"/>
+            <a:normAutofit fontScale="92500" lnSpcReduction="20000"/>
           </a:bodyPr>
           <a:lstStyle/>
           <a:p>
@@ -4540,101 +4945,78 @@
               </a:spcAft>
             </a:pPr>
             <a:r>
-              <a:rPr lang="pt-BR" sz="1800" dirty="0">
+              <a:rPr lang="pt-BR" sz="1800" dirty="0" err="1">
                 <a:effectLst/>
                 <a:latin typeface="Arial" panose="020B0604020202020204" pitchFamily="34" charset="0"/>
                 <a:ea typeface="Times New Roman" panose="02020603050405020304" pitchFamily="18" charset="0"/>
                 <a:cs typeface="Times New Roman" panose="02020603050405020304" pitchFamily="18" charset="0"/>
               </a:rPr>
-              <a:t>O estudo de </a:t>
-            </a:r>
-            <a:r>
-              <a:rPr lang="pt-BR" sz="1800" dirty="0" err="1">
+              <a:t>Kude</a:t>
+            </a:r>
+            <a:r>
+              <a:rPr lang="pt-BR" sz="1800" dirty="0">
                 <a:effectLst/>
                 <a:latin typeface="Arial" panose="020B0604020202020204" pitchFamily="34" charset="0"/>
                 <a:ea typeface="Times New Roman" panose="02020603050405020304" pitchFamily="18" charset="0"/>
                 <a:cs typeface="Times New Roman" panose="02020603050405020304" pitchFamily="18" charset="0"/>
               </a:rPr>
-              <a:t>Kude</a:t>
-            </a:r>
-            <a:r>
-              <a:rPr lang="pt-BR" sz="1800" dirty="0">
+              <a:t> et al. (2014)</a:t>
+            </a:r>
+          </a:p>
+          <a:p>
+            <a:pPr indent="449580" algn="just">
+              <a:lnSpc>
+                <a:spcPct val="150000"/>
+              </a:lnSpc>
+              <a:spcAft>
+                <a:spcPts val="600"/>
+              </a:spcAft>
+            </a:pPr>
+            <a:r>
+              <a:rPr lang="pt-BR" sz="1800" b="1" dirty="0">
                 <a:effectLst/>
                 <a:latin typeface="Arial" panose="020B0604020202020204" pitchFamily="34" charset="0"/>
                 <a:ea typeface="Times New Roman" panose="02020603050405020304" pitchFamily="18" charset="0"/>
                 <a:cs typeface="Times New Roman" panose="02020603050405020304" pitchFamily="18" charset="0"/>
               </a:rPr>
-              <a:t> et al. (2014) também é importante para a adaptabilidade na Engenharia de Software. Esse estudo investigou como as equipes de desenvolvimento de sistemas de informações respondem a eventos não rotineiros em seu ambiente de trabalho. Esses eventos também são chamados na literatura de </a:t>
-            </a:r>
-            <a:r>
-              <a:rPr lang="pt-BR" sz="1800" b="1" dirty="0">
+              <a:t>deixa ou pista </a:t>
+            </a:r>
+            <a:r>
+              <a:rPr lang="pt-BR" sz="1800" b="1" i="1" dirty="0">
                 <a:effectLst/>
                 <a:latin typeface="Arial" panose="020B0604020202020204" pitchFamily="34" charset="0"/>
                 <a:ea typeface="Times New Roman" panose="02020603050405020304" pitchFamily="18" charset="0"/>
                 <a:cs typeface="Times New Roman" panose="02020603050405020304" pitchFamily="18" charset="0"/>
               </a:rPr>
-              <a:t>deixa ou pista </a:t>
-            </a:r>
-            <a:r>
-              <a:rPr lang="pt-BR" sz="1800" b="1" i="1" dirty="0">
+              <a:t>(</a:t>
+            </a:r>
+            <a:r>
+              <a:rPr lang="pt-BR" sz="1800" b="1" i="1" dirty="0" err="1">
                 <a:effectLst/>
                 <a:latin typeface="Arial" panose="020B0604020202020204" pitchFamily="34" charset="0"/>
                 <a:ea typeface="Times New Roman" panose="02020603050405020304" pitchFamily="18" charset="0"/>
                 <a:cs typeface="Times New Roman" panose="02020603050405020304" pitchFamily="18" charset="0"/>
               </a:rPr>
-              <a:t>(</a:t>
-            </a:r>
-            <a:r>
-              <a:rPr lang="pt-BR" sz="1800" b="1" i="1" dirty="0" err="1">
+              <a:t>cue</a:t>
+            </a:r>
+            <a:r>
+              <a:rPr lang="pt-BR" sz="1800" b="1" dirty="0">
                 <a:effectLst/>
                 <a:latin typeface="Arial" panose="020B0604020202020204" pitchFamily="34" charset="0"/>
                 <a:ea typeface="Times New Roman" panose="02020603050405020304" pitchFamily="18" charset="0"/>
                 <a:cs typeface="Times New Roman" panose="02020603050405020304" pitchFamily="18" charset="0"/>
               </a:rPr>
-              <a:t>cue</a:t>
-            </a:r>
-            <a:r>
-              <a:rPr lang="pt-BR" sz="1800" b="1" dirty="0">
+              <a:t>).</a:t>
+            </a:r>
+            <a:r>
+              <a:rPr lang="pt-BR" sz="1800" dirty="0">
                 <a:effectLst/>
                 <a:latin typeface="Arial" panose="020B0604020202020204" pitchFamily="34" charset="0"/>
                 <a:ea typeface="Times New Roman" panose="02020603050405020304" pitchFamily="18" charset="0"/>
                 <a:cs typeface="Times New Roman" panose="02020603050405020304" pitchFamily="18" charset="0"/>
               </a:rPr>
-              <a:t>).</a:t>
-            </a:r>
-            <a:r>
-              <a:rPr lang="pt-BR" sz="1800" dirty="0">
-                <a:effectLst/>
-                <a:latin typeface="Arial" panose="020B0604020202020204" pitchFamily="34" charset="0"/>
-                <a:ea typeface="Times New Roman" panose="02020603050405020304" pitchFamily="18" charset="0"/>
-                <a:cs typeface="Times New Roman" panose="02020603050405020304" pitchFamily="18" charset="0"/>
-              </a:rPr>
-              <a:t> Uma deixa é conceituada como qualquer tipo de evento não rotineiro que pode ser previamente conhecido ou não, que tem potencial para perturbar e afetar o processo atual (LOUIS; SUTTON, 1991). A deixa é um fator primordial dentro da adaptação, pois é um processo individual de reconhecimento de informações em que cada membro da equipe busca por situações no ambiente que podem ter o potencial de afetar o sucesso da missão da equipe (BURKE </a:t>
-            </a:r>
-            <a:r>
-              <a:rPr lang="pt-BR" sz="1800" i="1" dirty="0">
-                <a:effectLst/>
-                <a:latin typeface="Arial" panose="020B0604020202020204" pitchFamily="34" charset="0"/>
-                <a:ea typeface="Times New Roman" panose="02020603050405020304" pitchFamily="18" charset="0"/>
-                <a:cs typeface="Times New Roman" panose="02020603050405020304" pitchFamily="18" charset="0"/>
-              </a:rPr>
-              <a:t>et al.</a:t>
-            </a:r>
-            <a:r>
-              <a:rPr lang="pt-BR" sz="1800" dirty="0">
-                <a:effectLst/>
-                <a:latin typeface="Arial" panose="020B0604020202020204" pitchFamily="34" charset="0"/>
-                <a:ea typeface="Times New Roman" panose="02020603050405020304" pitchFamily="18" charset="0"/>
-                <a:cs typeface="Times New Roman" panose="02020603050405020304" pitchFamily="18" charset="0"/>
-              </a:rPr>
-              <a:t>, 2006). </a:t>
-            </a:r>
-            <a:endParaRPr lang="pt-BR" sz="1800" dirty="0">
-              <a:effectLst/>
-              <a:latin typeface="Times" panose="02020603050405020304" pitchFamily="18" charset="0"/>
-              <a:ea typeface="Times New Roman" panose="02020603050405020304" pitchFamily="18" charset="0"/>
-              <a:cs typeface="Times New Roman" panose="02020603050405020304" pitchFamily="18" charset="0"/>
-            </a:endParaRPr>
+              <a:t> Uma deixa é conceituada como qualquer tipo de evento não rotineiro que pode ser previamente conhecido ou não, que tem potencial para perturbar e afetar o processo atual (LOUIS; SUTTON, 1991). </a:t>
+            </a:r>
           </a:p>
           <a:p>
             <a:pPr indent="449580" algn="just">
@@ -4793,8 +5175,8 @@
         </p:blipFill>
         <p:spPr>
           <a:xfrm>
-            <a:off x="3275581" y="2708275"/>
-            <a:ext cx="2592837" cy="3529013"/>
+            <a:off x="2519635" y="2564904"/>
+            <a:ext cx="4104730" cy="3889077"/>
           </a:xfrm>
           <a:prstGeom prst="rect">
             <a:avLst/>
@@ -4896,7 +5278,25 @@
                 <a:ea typeface="Times New Roman" panose="02020603050405020304" pitchFamily="18" charset="0"/>
                 <a:cs typeface="Times New Roman" panose="02020603050405020304" pitchFamily="18" charset="0"/>
               </a:rPr>
-              <a:t> realizou um dos primeiros estudos sobre o fenômeno e o definiu como um sentimento de fracasso e exaustão causado por um excessivo desgaste de energia e recursos (FREUDENBERGER, 1974). Posteriormente, </a:t>
+              <a:t> realizou um dos primeiros estudos sobre o fenômeno e o definiu como um sentimento de fracasso e exaustão causado por um excessivo desgaste de energia e recursos (FREUDENBERGER, 1974).</a:t>
+            </a:r>
+          </a:p>
+          <a:p>
+            <a:endParaRPr lang="pt-BR" sz="1800" dirty="0">
+              <a:latin typeface="Arial" panose="020B0604020202020204" pitchFamily="34" charset="0"/>
+              <a:ea typeface="Times New Roman" panose="02020603050405020304" pitchFamily="18" charset="0"/>
+              <a:cs typeface="Times New Roman" panose="02020603050405020304" pitchFamily="18" charset="0"/>
+            </a:endParaRPr>
+          </a:p>
+          <a:p>
+            <a:r>
+              <a:rPr lang="pt-BR" sz="1800" dirty="0">
+                <a:effectLst/>
+                <a:latin typeface="Arial" panose="020B0604020202020204" pitchFamily="34" charset="0"/>
+                <a:ea typeface="Times New Roman" panose="02020603050405020304" pitchFamily="18" charset="0"/>
+                <a:cs typeface="Times New Roman" panose="02020603050405020304" pitchFamily="18" charset="0"/>
+              </a:rPr>
+              <a:t>Posteriormente, </a:t>
             </a:r>
             <a:r>
               <a:rPr lang="pt-BR" sz="1800" dirty="0" err="1">
@@ -5016,7 +5416,7 @@
               <a:t>Para Maslach, Schaufeli, Leiter (2001), o burnout é </a:t>
             </a:r>
             <a:r>
-              <a:rPr lang="en-US" sz="1800" dirty="0" err="1">
+              <a:rPr lang="pt-BR" sz="1800" dirty="0">
                 <a:effectLst/>
                 <a:latin typeface="Arial" panose="020B0604020202020204" pitchFamily="34" charset="0"/>
                 <a:ea typeface="Times New Roman" panose="02020603050405020304" pitchFamily="18" charset="0"/>
@@ -5032,7 +5432,7 @@
               <a:t> por </a:t>
             </a:r>
             <a:r>
-              <a:rPr lang="en-US" sz="1800" dirty="0" err="1">
+              <a:rPr lang="pt-BR" sz="1800" dirty="0">
                 <a:effectLst/>
                 <a:latin typeface="Arial" panose="020B0604020202020204" pitchFamily="34" charset="0"/>
                 <a:ea typeface="Times New Roman" panose="02020603050405020304" pitchFamily="18" charset="0"/>
@@ -5233,7 +5633,26 @@
                 <a:ea typeface="Times New Roman" panose="02020603050405020304" pitchFamily="18" charset="0"/>
                 <a:cs typeface="Times New Roman" panose="02020603050405020304" pitchFamily="18" charset="0"/>
               </a:rPr>
-              <a:t>A segunda dimensão é a de despersonalização, também chamada de cinismo, que é caracterizada pela situação em que o indivíduo passa a tratar os outros indivíduos ao redor do seu trabalho, como clientes e colegas de trabalho, como objetos, desenvolvendo, assim, uma insensibilidade emocional. Isso ocorre porque g</a:t>
+              <a:t>despersonalização ou cinismo, </a:t>
+            </a:r>
+          </a:p>
+          <a:p>
+            <a:pPr indent="270510" algn="just">
+              <a:lnSpc>
+                <a:spcPct val="150000"/>
+              </a:lnSpc>
+              <a:spcAft>
+                <a:spcPts val="600"/>
+              </a:spcAft>
+            </a:pPr>
+            <a:r>
+              <a:rPr lang="pt-BR" sz="1800" dirty="0">
+                <a:effectLst/>
+                <a:latin typeface="Arial" panose="020B0604020202020204" pitchFamily="34" charset="0"/>
+                <a:ea typeface="Times New Roman" panose="02020603050405020304" pitchFamily="18" charset="0"/>
+                <a:cs typeface="Times New Roman" panose="02020603050405020304" pitchFamily="18" charset="0"/>
+              </a:rPr>
+              <a:t>é caracterizada pela situação em que o indivíduo passa a tratar os outros indivíduos ao redor do seu trabalho, como clientes e colegas de trabalho, como objetos, desenvolvendo, assim, uma insensibilidade emocional. </a:t>
             </a:r>
             <a:r>
               <a:rPr lang="pt-BR" sz="1800" dirty="0">
@@ -5242,25 +5661,7 @@
                 <a:ea typeface="Calibri" panose="020F0502020204030204" pitchFamily="34" charset="0"/>
                 <a:cs typeface="Times New Roman" panose="02020603050405020304" pitchFamily="18" charset="0"/>
               </a:rPr>
-              <a:t>eralmente se desenvolve uma resposta à sobrecarga de exaustão emocional que leva ao desapego ao outro, desenvolvendo, assim, a segunda dimensão do </a:t>
-            </a:r>
-            <a:r>
-              <a:rPr lang="pt-BR" sz="1800" dirty="0" err="1">
-                <a:effectLst/>
-                <a:latin typeface="Arial" panose="020B0604020202020204" pitchFamily="34" charset="0"/>
-                <a:ea typeface="Calibri" panose="020F0502020204030204" pitchFamily="34" charset="0"/>
-                <a:cs typeface="Times New Roman" panose="02020603050405020304" pitchFamily="18" charset="0"/>
-              </a:rPr>
-              <a:t>burnout</a:t>
-            </a:r>
-            <a:r>
-              <a:rPr lang="pt-BR" sz="1800" dirty="0">
-                <a:effectLst/>
-                <a:latin typeface="Arial" panose="020B0604020202020204" pitchFamily="34" charset="0"/>
-                <a:ea typeface="Calibri" panose="020F0502020204030204" pitchFamily="34" charset="0"/>
-                <a:cs typeface="Times New Roman" panose="02020603050405020304" pitchFamily="18" charset="0"/>
-              </a:rPr>
-              <a:t> (MASLACH; LEITER, 2016).</a:t>
+              <a:t>(MASLACH; LEITER, 2016).</a:t>
             </a:r>
             <a:endParaRPr lang="pt-BR" sz="1800" dirty="0">
               <a:effectLst/>
@@ -5347,58 +5748,26 @@
                 <a:latin typeface="Arial" panose="020B0604020202020204" pitchFamily="34" charset="0"/>
                 <a:ea typeface="Times New Roman" panose="02020603050405020304" pitchFamily="18" charset="0"/>
               </a:rPr>
-              <a:t>Williams e Cockburn (2003) é algo comum no desenvolvimento;</a:t>
-            </a:r>
-          </a:p>
-        </p:txBody>
-      </p:sp>
-      <p:pic>
-        <p:nvPicPr>
-          <p:cNvPr id="1028" name="Picture 4" descr="Como está a rotatividade de funcionários em sua empresa? - Blog da Qualidade">
-            <a:extLst>
-              <a:ext uri="{FF2B5EF4-FFF2-40B4-BE49-F238E27FC236}">
-                <a16:creationId xmlns:a16="http://schemas.microsoft.com/office/drawing/2014/main" id="{2EBBFCE4-A4C0-4DFC-99ED-6245183B982E}"/>
-              </a:ext>
-            </a:extLst>
-          </p:cNvPr>
-          <p:cNvPicPr>
-            <a:picLocks noChangeAspect="1" noChangeArrowheads="1"/>
-          </p:cNvPicPr>
-          <p:nvPr/>
-        </p:nvPicPr>
-        <p:blipFill>
-          <a:blip r:embed="rId2">
-            <a:extLst>
-              <a:ext uri="{28A0092B-C50C-407E-A947-70E740481C1C}">
-                <a14:useLocalDpi xmlns:a14="http://schemas.microsoft.com/office/drawing/2010/main" val="0"/>
-              </a:ext>
-            </a:extLst>
-          </a:blip>
-          <a:srcRect/>
-          <a:stretch>
-            <a:fillRect/>
-          </a:stretch>
-        </p:blipFill>
-        <p:spPr bwMode="auto">
-          <a:xfrm>
-            <a:off x="9612560" y="2492896"/>
-            <a:ext cx="3097138" cy="2738791"/>
-          </a:xfrm>
-          <a:prstGeom prst="rect">
-            <a:avLst/>
-          </a:prstGeom>
-          <a:noFill/>
-          <a:extLst>
-            <a:ext uri="{909E8E84-426E-40DD-AFC4-6F175D3DCCD1}">
-              <a14:hiddenFill xmlns:a14="http://schemas.microsoft.com/office/drawing/2010/main">
-                <a:solidFill>
-                  <a:srgbClr val="FFFFFF"/>
-                </a:solidFill>
-              </a14:hiddenFill>
-            </a:ext>
-          </a:extLst>
-        </p:spPr>
-      </p:pic>
+              <a:t>Williams e Cockburn (2003) </a:t>
+            </a:r>
+            <a:r>
+              <a:rPr lang="pt-BR" sz="1800" dirty="0">
+                <a:latin typeface="Arial" panose="020B0604020202020204" pitchFamily="34" charset="0"/>
+                <a:ea typeface="Times New Roman" panose="02020603050405020304" pitchFamily="18" charset="0"/>
+              </a:rPr>
+              <a:t>a mudança </a:t>
+            </a:r>
+            <a:r>
+              <a:rPr lang="pt-BR" sz="1800" dirty="0">
+                <a:effectLst/>
+                <a:latin typeface="Arial" panose="020B0604020202020204" pitchFamily="34" charset="0"/>
+                <a:ea typeface="Times New Roman" panose="02020603050405020304" pitchFamily="18" charset="0"/>
+              </a:rPr>
+              <a:t>é algo comum no desenvolvimento;</a:t>
+            </a:r>
+          </a:p>
+        </p:txBody>
+      </p:sp>
       <p:pic>
         <p:nvPicPr>
           <p:cNvPr id="5" name="Imagem 4">
@@ -5414,7 +5783,7 @@
           <p:nvPr/>
         </p:nvPicPr>
         <p:blipFill>
-          <a:blip r:embed="rId3"/>
+          <a:blip r:embed="rId2"/>
           <a:stretch>
             <a:fillRect/>
           </a:stretch>
@@ -5505,7 +5874,9 @@
         </p:nvSpPr>
         <p:spPr/>
         <p:txBody>
-          <a:bodyPr/>
+          <a:bodyPr>
+            <a:normAutofit/>
+          </a:bodyPr>
           <a:lstStyle/>
           <a:p>
             <a:pPr indent="270510" algn="just">
@@ -5523,7 +5894,26 @@
                 <a:ea typeface="Times New Roman" panose="02020603050405020304" pitchFamily="18" charset="0"/>
                 <a:cs typeface="Times New Roman" panose="02020603050405020304" pitchFamily="18" charset="0"/>
               </a:rPr>
-              <a:t>A segunda dimensão é a de despersonalização, também chamada de cinismo, que é caracterizada pela situação em que o indivíduo passa a tratar os outros indivíduos ao redor do seu trabalho, como clientes e colegas de trabalho, como objetos, desenvolvendo, assim, uma insensibilidade emocional. Isso ocorre porque g</a:t>
+              <a:t>baixa realização pessoal no trabalho, também chamada de eficácia, </a:t>
+            </a:r>
+          </a:p>
+          <a:p>
+            <a:pPr indent="270510" algn="just">
+              <a:lnSpc>
+                <a:spcPct val="150000"/>
+              </a:lnSpc>
+              <a:spcAft>
+                <a:spcPts val="600"/>
+              </a:spcAft>
+            </a:pPr>
+            <a:r>
+              <a:rPr lang="pt-BR" sz="1800" dirty="0">
+                <a:effectLst/>
+                <a:latin typeface="Arial" panose="020B0604020202020204" pitchFamily="34" charset="0"/>
+                <a:ea typeface="Times New Roman" panose="02020603050405020304" pitchFamily="18" charset="0"/>
+                <a:cs typeface="Times New Roman" panose="02020603050405020304" pitchFamily="18" charset="0"/>
+              </a:rPr>
+              <a:t>que pode ser definida como uma tendência do trabalhador a se autoavaliar de forma negativa </a:t>
             </a:r>
             <a:r>
               <a:rPr lang="pt-BR" sz="1800" dirty="0">
@@ -5532,34 +5922,17 @@
                 <a:ea typeface="Calibri" panose="020F0502020204030204" pitchFamily="34" charset="0"/>
                 <a:cs typeface="Times New Roman" panose="02020603050405020304" pitchFamily="18" charset="0"/>
               </a:rPr>
-              <a:t>eralmente se desenvolve uma resposta à sobrecarga de exaustão emocional que leva ao desapego ao outro, desenvolvendo, assim, a segunda dimensão do </a:t>
-            </a:r>
-            <a:r>
-              <a:rPr lang="pt-BR" sz="1800" dirty="0" err="1">
-                <a:effectLst/>
-                <a:latin typeface="Arial" panose="020B0604020202020204" pitchFamily="34" charset="0"/>
-                <a:ea typeface="Calibri" panose="020F0502020204030204" pitchFamily="34" charset="0"/>
+              <a:t>(MASLACH; LEITER, 2016)</a:t>
+            </a:r>
+            <a:r>
+              <a:rPr lang="pt-BR" sz="1800" dirty="0">
+                <a:effectLst/>
+                <a:latin typeface="Arial" panose="020B0604020202020204" pitchFamily="34" charset="0"/>
+                <a:ea typeface="Times New Roman" panose="02020603050405020304" pitchFamily="18" charset="0"/>
                 <a:cs typeface="Times New Roman" panose="02020603050405020304" pitchFamily="18" charset="0"/>
               </a:rPr>
-              <a:t>burnout</a:t>
-            </a:r>
-            <a:r>
-              <a:rPr lang="pt-BR" sz="1800" dirty="0">
-                <a:effectLst/>
-                <a:latin typeface="Arial" panose="020B0604020202020204" pitchFamily="34" charset="0"/>
-                <a:ea typeface="Calibri" panose="020F0502020204030204" pitchFamily="34" charset="0"/>
-                <a:cs typeface="Times New Roman" panose="02020603050405020304" pitchFamily="18" charset="0"/>
-              </a:rPr>
-              <a:t> (MASLACH; LEITER, 2016).</a:t>
-            </a:r>
-            <a:endParaRPr lang="pt-BR" sz="1800" dirty="0">
-              <a:effectLst/>
-              <a:latin typeface="Times" panose="02020603050405020304" pitchFamily="18" charset="0"/>
-              <a:ea typeface="Times New Roman" panose="02020603050405020304" pitchFamily="18" charset="0"/>
-              <a:cs typeface="Times New Roman" panose="02020603050405020304" pitchFamily="18" charset="0"/>
-            </a:endParaRPr>
-          </a:p>
-          <a:p>
+              <a:t>. </a:t>
+            </a:r>
             <a:endParaRPr lang="pt-BR" dirty="0"/>
           </a:p>
         </p:txBody>
@@ -5567,7 +5940,7 @@
     </p:spTree>
     <p:extLst>
       <p:ext uri="{BB962C8B-B14F-4D97-AF65-F5344CB8AC3E}">
-        <p14:creationId xmlns:p14="http://schemas.microsoft.com/office/powerpoint/2010/main" val="2109176160"/>
+        <p14:creationId xmlns:p14="http://schemas.microsoft.com/office/powerpoint/2010/main" val="3781356111"/>
       </p:ext>
     </p:extLst>
   </p:cSld>
@@ -5641,17 +6014,18 @@
         <p:spPr/>
         <p:txBody>
           <a:bodyPr>
-            <a:normAutofit fontScale="77500" lnSpcReduction="20000"/>
+            <a:normAutofit/>
           </a:bodyPr>
           <a:lstStyle/>
           <a:p>
-            <a:pPr indent="270510" algn="just">
+            <a:pPr indent="0" algn="just">
               <a:lnSpc>
                 <a:spcPct val="150000"/>
               </a:lnSpc>
               <a:spcAft>
                 <a:spcPts val="600"/>
               </a:spcAft>
+              <a:buNone/>
             </a:pPr>
             <a:r>
               <a:rPr lang="pt-BR" sz="1800" dirty="0">
@@ -5660,52 +6034,16 @@
                 <a:ea typeface="Times New Roman" panose="02020603050405020304" pitchFamily="18" charset="0"/>
                 <a:cs typeface="Times New Roman" panose="02020603050405020304" pitchFamily="18" charset="0"/>
               </a:rPr>
-              <a:t>A segunda dimensão é a de despersonalização, também chamada de cinismo, que é caracterizada pela situação em que o indivíduo passa a tratar os outros indivíduos ao redor do seu trabalho, como clientes e colegas de trabalho, como objetos, desenvolvendo, assim, uma insensibilidade emocional. Isso ocorre porque g</a:t>
-            </a:r>
-            <a:r>
-              <a:rPr lang="pt-BR" sz="1800" dirty="0">
-                <a:effectLst/>
-                <a:latin typeface="Arial" panose="020B0604020202020204" pitchFamily="34" charset="0"/>
-                <a:ea typeface="Calibri" panose="020F0502020204030204" pitchFamily="34" charset="0"/>
-                <a:cs typeface="Times New Roman" panose="02020603050405020304" pitchFamily="18" charset="0"/>
-              </a:rPr>
-              <a:t>eralmente se desenvolve uma resposta à sobrecarga de exaustão emocional que leva ao desapego ao outro, desenvolvendo, assim, a segunda dimensão do </a:t>
+              <a:t>De acordo com </a:t>
             </a:r>
             <a:r>
               <a:rPr lang="pt-BR" sz="1800" dirty="0" err="1">
-                <a:effectLst/>
-                <a:latin typeface="Arial" panose="020B0604020202020204" pitchFamily="34" charset="0"/>
-                <a:ea typeface="Calibri" panose="020F0502020204030204" pitchFamily="34" charset="0"/>
-                <a:cs typeface="Times New Roman" panose="02020603050405020304" pitchFamily="18" charset="0"/>
-              </a:rPr>
-              <a:t>burnout</a:t>
-            </a:r>
-            <a:r>
-              <a:rPr lang="pt-BR" sz="1800" dirty="0">
-                <a:effectLst/>
-                <a:latin typeface="Arial" panose="020B0604020202020204" pitchFamily="34" charset="0"/>
-                <a:ea typeface="Calibri" panose="020F0502020204030204" pitchFamily="34" charset="0"/>
-                <a:cs typeface="Times New Roman" panose="02020603050405020304" pitchFamily="18" charset="0"/>
-              </a:rPr>
-              <a:t> (MASLACH; LEITER, 2016).</a:t>
-            </a:r>
-            <a:r>
-              <a:rPr lang="pt-BR" sz="1800" dirty="0">
                 <a:effectLst/>
                 <a:latin typeface="Arial" panose="020B0604020202020204" pitchFamily="34" charset="0"/>
                 <a:ea typeface="Times New Roman" panose="02020603050405020304" pitchFamily="18" charset="0"/>
                 <a:cs typeface="Times New Roman" panose="02020603050405020304" pitchFamily="18" charset="0"/>
               </a:rPr>
-              <a:t> A terceira dimensão é da baixa realização pessoal no trabalho, também chamada de eficácia, que pode ser definida como uma tendência do trabalhador a se autoavaliar de forma negativa </a:t>
-            </a:r>
-            <a:r>
-              <a:rPr lang="pt-BR" sz="1800" dirty="0">
-                <a:effectLst/>
-                <a:latin typeface="Arial" panose="020B0604020202020204" pitchFamily="34" charset="0"/>
-                <a:ea typeface="Calibri" panose="020F0502020204030204" pitchFamily="34" charset="0"/>
-                <a:cs typeface="Times New Roman" panose="02020603050405020304" pitchFamily="18" charset="0"/>
-              </a:rPr>
-              <a:t>(MASLACH; LEITER, 2016)</a:t>
+              <a:t>Maslach</a:t>
             </a:r>
             <a:r>
               <a:rPr lang="pt-BR" sz="1800" dirty="0">
@@ -5714,16 +6052,61 @@
                 <a:ea typeface="Times New Roman" panose="02020603050405020304" pitchFamily="18" charset="0"/>
                 <a:cs typeface="Times New Roman" panose="02020603050405020304" pitchFamily="18" charset="0"/>
               </a:rPr>
-              <a:t>. Os indivíduos se sentem insatisfeitos com seu desenvolvimento profissional e, infelizes consigo, experimentando um sentimento de que são incompetentes ao realizar seu trabalho, o</a:t>
+              <a:t>, </a:t>
+            </a:r>
+            <a:r>
+              <a:rPr lang="pt-BR" sz="1800" dirty="0" err="1">
+                <a:effectLst/>
+                <a:latin typeface="Arial" panose="020B0604020202020204" pitchFamily="34" charset="0"/>
+                <a:ea typeface="Times New Roman" panose="02020603050405020304" pitchFamily="18" charset="0"/>
+                <a:cs typeface="Times New Roman" panose="02020603050405020304" pitchFamily="18" charset="0"/>
+              </a:rPr>
+              <a:t>Schaufeli</a:t>
             </a:r>
             <a:r>
               <a:rPr lang="pt-BR" sz="1800" dirty="0">
                 <a:effectLst/>
                 <a:latin typeface="Arial" panose="020B0604020202020204" pitchFamily="34" charset="0"/>
-                <a:ea typeface="Calibri" panose="020F0502020204030204" pitchFamily="34" charset="0"/>
+                <a:ea typeface="Times New Roman" panose="02020603050405020304" pitchFamily="18" charset="0"/>
                 <a:cs typeface="Times New Roman" panose="02020603050405020304" pitchFamily="18" charset="0"/>
               </a:rPr>
-              <a:t>u seja, as pessoas experimentam um sentimento crescente de que não têm habilidades e capacidades para realizar adequadamente seu trabalho. </a:t>
+              <a:t> e </a:t>
+            </a:r>
+            <a:r>
+              <a:rPr lang="pt-BR" sz="1800" dirty="0" err="1">
+                <a:effectLst/>
+                <a:latin typeface="Arial" panose="020B0604020202020204" pitchFamily="34" charset="0"/>
+                <a:ea typeface="Times New Roman" panose="02020603050405020304" pitchFamily="18" charset="0"/>
+                <a:cs typeface="Times New Roman" panose="02020603050405020304" pitchFamily="18" charset="0"/>
+              </a:rPr>
+              <a:t>Leiter</a:t>
+            </a:r>
+            <a:r>
+              <a:rPr lang="pt-BR" sz="1800" dirty="0">
+                <a:effectLst/>
+                <a:latin typeface="Arial" panose="020B0604020202020204" pitchFamily="34" charset="0"/>
+                <a:ea typeface="Times New Roman" panose="02020603050405020304" pitchFamily="18" charset="0"/>
+                <a:cs typeface="Times New Roman" panose="02020603050405020304" pitchFamily="18" charset="0"/>
+              </a:rPr>
+              <a:t> (2001), o </a:t>
+            </a:r>
+            <a:r>
+              <a:rPr lang="pt-BR" sz="1800" dirty="0" err="1">
+                <a:effectLst/>
+                <a:latin typeface="Arial" panose="020B0604020202020204" pitchFamily="34" charset="0"/>
+                <a:ea typeface="Times New Roman" panose="02020603050405020304" pitchFamily="18" charset="0"/>
+                <a:cs typeface="Times New Roman" panose="02020603050405020304" pitchFamily="18" charset="0"/>
+              </a:rPr>
+              <a:t>burnout</a:t>
+            </a:r>
+            <a:r>
+              <a:rPr lang="pt-BR" sz="1800" dirty="0">
+                <a:effectLst/>
+                <a:latin typeface="Arial" panose="020B0604020202020204" pitchFamily="34" charset="0"/>
+                <a:ea typeface="Times New Roman" panose="02020603050405020304" pitchFamily="18" charset="0"/>
+                <a:cs typeface="Times New Roman" panose="02020603050405020304" pitchFamily="18" charset="0"/>
+              </a:rPr>
+              <a:t> é uma síndrome que surge como uma resposta crônica, principalmente aos estressores interpessoais que ocorrem em situações do trabalho. Uma situação acontece no ambiente de trabalho e o indivíduo não consegue se ajustar a ela, seja pessoa/trabalho, seja pessoa/organização (MASLACH; LEITER, 2016). </a:t>
             </a:r>
             <a:endParaRPr lang="pt-BR" sz="1800" dirty="0">
               <a:effectLst/>
@@ -5733,22 +6116,6 @@
             </a:endParaRPr>
           </a:p>
           <a:p>
-            <a:pPr indent="270510" algn="just">
-              <a:lnSpc>
-                <a:spcPct val="150000"/>
-              </a:lnSpc>
-              <a:spcAft>
-                <a:spcPts val="600"/>
-              </a:spcAft>
-            </a:pPr>
-            <a:endParaRPr lang="pt-BR" sz="1800" dirty="0">
-              <a:effectLst/>
-              <a:latin typeface="Times" panose="02020603050405020304" pitchFamily="18" charset="0"/>
-              <a:ea typeface="Times New Roman" panose="02020603050405020304" pitchFamily="18" charset="0"/>
-              <a:cs typeface="Times New Roman" panose="02020603050405020304" pitchFamily="18" charset="0"/>
-            </a:endParaRPr>
-          </a:p>
-          <a:p>
             <a:endParaRPr lang="pt-BR" dirty="0"/>
           </a:p>
         </p:txBody>
@@ -5756,7 +6123,7 @@
     </p:spTree>
     <p:extLst>
       <p:ext uri="{BB962C8B-B14F-4D97-AF65-F5344CB8AC3E}">
-        <p14:creationId xmlns:p14="http://schemas.microsoft.com/office/powerpoint/2010/main" val="3781356111"/>
+        <p14:creationId xmlns:p14="http://schemas.microsoft.com/office/powerpoint/2010/main" val="4067695819"/>
       </p:ext>
     </p:extLst>
   </p:cSld>
@@ -5834,96 +6201,14 @@
           </a:bodyPr>
           <a:lstStyle/>
           <a:p>
-            <a:pPr indent="0" algn="just">
+            <a:pPr indent="457200" algn="just">
               <a:lnSpc>
                 <a:spcPct val="150000"/>
               </a:lnSpc>
               <a:spcAft>
                 <a:spcPts val="600"/>
               </a:spcAft>
-              <a:buNone/>
             </a:pPr>
-            <a:r>
-              <a:rPr lang="pt-BR" sz="1800" dirty="0">
-                <a:effectLst/>
-                <a:latin typeface="Arial" panose="020B0604020202020204" pitchFamily="34" charset="0"/>
-                <a:ea typeface="Times New Roman" panose="02020603050405020304" pitchFamily="18" charset="0"/>
-                <a:cs typeface="Times New Roman" panose="02020603050405020304" pitchFamily="18" charset="0"/>
-              </a:rPr>
-              <a:t>De acordo com </a:t>
-            </a:r>
-            <a:r>
-              <a:rPr lang="pt-BR" sz="1800" dirty="0" err="1">
-                <a:effectLst/>
-                <a:latin typeface="Arial" panose="020B0604020202020204" pitchFamily="34" charset="0"/>
-                <a:ea typeface="Times New Roman" panose="02020603050405020304" pitchFamily="18" charset="0"/>
-                <a:cs typeface="Times New Roman" panose="02020603050405020304" pitchFamily="18" charset="0"/>
-              </a:rPr>
-              <a:t>Maslach</a:t>
-            </a:r>
-            <a:r>
-              <a:rPr lang="pt-BR" sz="1800" dirty="0">
-                <a:effectLst/>
-                <a:latin typeface="Arial" panose="020B0604020202020204" pitchFamily="34" charset="0"/>
-                <a:ea typeface="Times New Roman" panose="02020603050405020304" pitchFamily="18" charset="0"/>
-                <a:cs typeface="Times New Roman" panose="02020603050405020304" pitchFamily="18" charset="0"/>
-              </a:rPr>
-              <a:t>, </a:t>
-            </a:r>
-            <a:r>
-              <a:rPr lang="pt-BR" sz="1800" dirty="0" err="1">
-                <a:effectLst/>
-                <a:latin typeface="Arial" panose="020B0604020202020204" pitchFamily="34" charset="0"/>
-                <a:ea typeface="Times New Roman" panose="02020603050405020304" pitchFamily="18" charset="0"/>
-                <a:cs typeface="Times New Roman" panose="02020603050405020304" pitchFamily="18" charset="0"/>
-              </a:rPr>
-              <a:t>Schaufeli</a:t>
-            </a:r>
-            <a:r>
-              <a:rPr lang="pt-BR" sz="1800" dirty="0">
-                <a:effectLst/>
-                <a:latin typeface="Arial" panose="020B0604020202020204" pitchFamily="34" charset="0"/>
-                <a:ea typeface="Times New Roman" panose="02020603050405020304" pitchFamily="18" charset="0"/>
-                <a:cs typeface="Times New Roman" panose="02020603050405020304" pitchFamily="18" charset="0"/>
-              </a:rPr>
-              <a:t> e </a:t>
-            </a:r>
-            <a:r>
-              <a:rPr lang="pt-BR" sz="1800" dirty="0" err="1">
-                <a:effectLst/>
-                <a:latin typeface="Arial" panose="020B0604020202020204" pitchFamily="34" charset="0"/>
-                <a:ea typeface="Times New Roman" panose="02020603050405020304" pitchFamily="18" charset="0"/>
-                <a:cs typeface="Times New Roman" panose="02020603050405020304" pitchFamily="18" charset="0"/>
-              </a:rPr>
-              <a:t>Leiter</a:t>
-            </a:r>
-            <a:r>
-              <a:rPr lang="pt-BR" sz="1800" dirty="0">
-                <a:effectLst/>
-                <a:latin typeface="Arial" panose="020B0604020202020204" pitchFamily="34" charset="0"/>
-                <a:ea typeface="Times New Roman" panose="02020603050405020304" pitchFamily="18" charset="0"/>
-                <a:cs typeface="Times New Roman" panose="02020603050405020304" pitchFamily="18" charset="0"/>
-              </a:rPr>
-              <a:t> (2001), o </a:t>
-            </a:r>
-            <a:r>
-              <a:rPr lang="pt-BR" sz="1800" dirty="0" err="1">
-                <a:effectLst/>
-                <a:latin typeface="Arial" panose="020B0604020202020204" pitchFamily="34" charset="0"/>
-                <a:ea typeface="Times New Roman" panose="02020603050405020304" pitchFamily="18" charset="0"/>
-                <a:cs typeface="Times New Roman" panose="02020603050405020304" pitchFamily="18" charset="0"/>
-              </a:rPr>
-              <a:t>burnout</a:t>
-            </a:r>
-            <a:r>
-              <a:rPr lang="pt-BR" sz="1800" dirty="0">
-                <a:effectLst/>
-                <a:latin typeface="Arial" panose="020B0604020202020204" pitchFamily="34" charset="0"/>
-                <a:ea typeface="Times New Roman" panose="02020603050405020304" pitchFamily="18" charset="0"/>
-                <a:cs typeface="Times New Roman" panose="02020603050405020304" pitchFamily="18" charset="0"/>
-              </a:rPr>
-              <a:t> é uma síndrome que surge como uma resposta crônica, principalmente aos estressores interpessoais que ocorrem em situações do trabalho. Uma situação acontece no ambiente de trabalho e o indivíduo não consegue se ajustar a ela, seja pessoa/trabalho, seja pessoa/organização (MASLACH; LEITER, 2016). Isso significa que </a:t>
-            </a:r>
             <a:r>
               <a:rPr lang="pt-BR" sz="1800" dirty="0">
                 <a:effectLst/>
@@ -5931,7 +6216,25 @@
                 <a:ea typeface="Calibri" panose="020F0502020204030204" pitchFamily="34" charset="0"/>
                 <a:cs typeface="Times New Roman" panose="02020603050405020304" pitchFamily="18" charset="0"/>
               </a:rPr>
-              <a:t>pode existir uma discrepância entre as habilidades dos funcionários e as expectativas de trabalho, necessitando, assim, que o indivíduo mude. </a:t>
+              <a:t>teorias mais recentes argumentam que características pessoais e de trabalho precisam ser consideradas conjuntamente dentro do contexto do ambiente organizacional. O grau de ajuste, ou correspondência, entre a pessoa e o trabalho determinará até que ponto a pessoa consegue lidar com o </a:t>
+            </a:r>
+            <a:r>
+              <a:rPr lang="pt-BR" sz="1800" dirty="0" err="1">
+                <a:effectLst/>
+                <a:latin typeface="Arial" panose="020B0604020202020204" pitchFamily="34" charset="0"/>
+                <a:ea typeface="Calibri" panose="020F0502020204030204" pitchFamily="34" charset="0"/>
+                <a:cs typeface="Times New Roman" panose="02020603050405020304" pitchFamily="18" charset="0"/>
+              </a:rPr>
+              <a:t>burnout</a:t>
+            </a:r>
+            <a:r>
+              <a:rPr lang="pt-BR" sz="1800" dirty="0">
+                <a:effectLst/>
+                <a:latin typeface="Arial" panose="020B0604020202020204" pitchFamily="34" charset="0"/>
+                <a:ea typeface="Calibri" panose="020F0502020204030204" pitchFamily="34" charset="0"/>
+                <a:cs typeface="Times New Roman" panose="02020603050405020304" pitchFamily="18" charset="0"/>
+              </a:rPr>
+              <a:t> (MASLACH; GOLDBERG, 1998; TOPPINEN-TANNER, 2011).</a:t>
             </a:r>
             <a:endParaRPr lang="pt-BR" sz="1800" dirty="0">
               <a:effectLst/>
@@ -5965,7 +6268,7 @@
     </p:spTree>
     <p:extLst>
       <p:ext uri="{BB962C8B-B14F-4D97-AF65-F5344CB8AC3E}">
-        <p14:creationId xmlns:p14="http://schemas.microsoft.com/office/powerpoint/2010/main" val="4067695819"/>
+        <p14:creationId xmlns:p14="http://schemas.microsoft.com/office/powerpoint/2010/main" val="2912562593"/>
       </p:ext>
     </p:extLst>
   </p:cSld>
@@ -6015,7 +6318,7 @@
           <a:p>
             <a:r>
               <a:rPr lang="pt-BR" dirty="0"/>
-              <a:t>Referencial teórico – Burnout</a:t>
+              <a:t>Referencial teórico – Instabilidade</a:t>
             </a:r>
           </a:p>
         </p:txBody>
@@ -6038,45 +6341,98 @@
         </p:nvSpPr>
         <p:spPr/>
         <p:txBody>
-          <a:bodyPr>
-            <a:normAutofit/>
-          </a:bodyPr>
-          <a:lstStyle/>
-          <a:p>
-            <a:pPr indent="457200" algn="just">
-              <a:lnSpc>
-                <a:spcPct val="150000"/>
-              </a:lnSpc>
-              <a:spcAft>
-                <a:spcPts val="600"/>
-              </a:spcAft>
-            </a:pPr>
-            <a:r>
-              <a:rPr lang="pt-BR" sz="1800" dirty="0">
+          <a:bodyPr/>
+          <a:lstStyle/>
+          <a:p>
+            <a:r>
+              <a:rPr lang="pt-BR" sz="1800" dirty="0" err="1">
                 <a:effectLst/>
                 <a:latin typeface="Arial" panose="020B0604020202020204" pitchFamily="34" charset="0"/>
                 <a:ea typeface="Calibri" panose="020F0502020204030204" pitchFamily="34" charset="0"/>
                 <a:cs typeface="Times New Roman" panose="02020603050405020304" pitchFamily="18" charset="0"/>
               </a:rPr>
-              <a:t>teorias mais recentes argumentam que características pessoais e de trabalho precisam ser consideradas conjuntamente dentro do contexto do ambiente organizacional. O grau de ajuste, ou correspondência, entre a pessoa e o trabalho determinará até que ponto a pessoa consegue lidar com o </a:t>
-            </a:r>
-            <a:r>
-              <a:rPr lang="pt-BR" sz="1800" dirty="0" err="1">
+              <a:t>Kude</a:t>
+            </a:r>
+            <a:r>
+              <a:rPr lang="pt-BR" sz="1800" dirty="0">
                 <a:effectLst/>
                 <a:latin typeface="Arial" panose="020B0604020202020204" pitchFamily="34" charset="0"/>
                 <a:ea typeface="Calibri" panose="020F0502020204030204" pitchFamily="34" charset="0"/>
                 <a:cs typeface="Times New Roman" panose="02020603050405020304" pitchFamily="18" charset="0"/>
               </a:rPr>
-              <a:t>burnout</a:t>
-            </a:r>
-            <a:r>
-              <a:rPr lang="pt-BR" sz="1800" dirty="0">
+              <a:t> et al. (2014) afirmam que a instabilidade da tarefa é o resultado da introdução de novos requisitos, de </a:t>
+            </a:r>
+            <a:r>
+              <a:rPr lang="pt-BR" sz="1800" dirty="0" err="1">
                 <a:effectLst/>
                 <a:latin typeface="Arial" panose="020B0604020202020204" pitchFamily="34" charset="0"/>
                 <a:ea typeface="Calibri" panose="020F0502020204030204" pitchFamily="34" charset="0"/>
                 <a:cs typeface="Times New Roman" panose="02020603050405020304" pitchFamily="18" charset="0"/>
               </a:rPr>
-              <a:t> (MASLACH; GOLDBERG, 1998; TOPPINEN-TANNER, 2011).</a:t>
+              <a:t>repriorizações</a:t>
+            </a:r>
+            <a:r>
+              <a:rPr lang="pt-BR" sz="1800" dirty="0">
+                <a:effectLst/>
+                <a:latin typeface="Arial" panose="020B0604020202020204" pitchFamily="34" charset="0"/>
+                <a:ea typeface="Calibri" panose="020F0502020204030204" pitchFamily="34" charset="0"/>
+                <a:cs typeface="Times New Roman" panose="02020603050405020304" pitchFamily="18" charset="0"/>
+              </a:rPr>
+              <a:t>, e requisições </a:t>
+            </a:r>
+            <a:r>
+              <a:rPr lang="pt-BR" sz="1800" dirty="0" err="1">
+                <a:effectLst/>
+                <a:latin typeface="Arial" panose="020B0604020202020204" pitchFamily="34" charset="0"/>
+                <a:ea typeface="Calibri" panose="020F0502020204030204" pitchFamily="34" charset="0"/>
+                <a:cs typeface="Times New Roman" panose="02020603050405020304" pitchFamily="18" charset="0"/>
+              </a:rPr>
+              <a:t>ex-post</a:t>
+            </a:r>
+            <a:r>
+              <a:rPr lang="pt-BR" sz="1800" dirty="0">
+                <a:effectLst/>
+                <a:latin typeface="Arial" panose="020B0604020202020204" pitchFamily="34" charset="0"/>
+                <a:ea typeface="Calibri" panose="020F0502020204030204" pitchFamily="34" charset="0"/>
+                <a:cs typeface="Times New Roman" panose="02020603050405020304" pitchFamily="18" charset="0"/>
+              </a:rPr>
+              <a:t>. Portanto, neste trabalho, a percepção da instabilidade da tarefa também seguirá a base teórica proposta por </a:t>
+            </a:r>
+            <a:r>
+              <a:rPr lang="pt-BR" sz="1800" dirty="0" err="1">
+                <a:effectLst/>
+                <a:latin typeface="Arial" panose="020B0604020202020204" pitchFamily="34" charset="0"/>
+                <a:ea typeface="Calibri" panose="020F0502020204030204" pitchFamily="34" charset="0"/>
+                <a:cs typeface="Times New Roman" panose="02020603050405020304" pitchFamily="18" charset="0"/>
+              </a:rPr>
+              <a:t>Kude</a:t>
+            </a:r>
+            <a:r>
+              <a:rPr lang="pt-BR" sz="1800" dirty="0">
+                <a:effectLst/>
+                <a:latin typeface="Arial" panose="020B0604020202020204" pitchFamily="34" charset="0"/>
+                <a:ea typeface="Calibri" panose="020F0502020204030204" pitchFamily="34" charset="0"/>
+                <a:cs typeface="Times New Roman" panose="02020603050405020304" pitchFamily="18" charset="0"/>
+              </a:rPr>
+              <a:t> et al. (2014) e é definida como a percepção do indivíduo sobre as mudanças que ocorrem em suas tarefas, em especial, com novos requisitos, </a:t>
+            </a:r>
+            <a:r>
+              <a:rPr lang="pt-BR" sz="1800" dirty="0" err="1">
+                <a:effectLst/>
+                <a:latin typeface="Arial" panose="020B0604020202020204" pitchFamily="34" charset="0"/>
+                <a:ea typeface="Calibri" panose="020F0502020204030204" pitchFamily="34" charset="0"/>
+                <a:cs typeface="Times New Roman" panose="02020603050405020304" pitchFamily="18" charset="0"/>
+              </a:rPr>
+              <a:t>repriorizações</a:t>
+            </a:r>
+            <a:r>
+              <a:rPr lang="pt-BR" sz="1800" dirty="0">
+                <a:effectLst/>
+                <a:latin typeface="Arial" panose="020B0604020202020204" pitchFamily="34" charset="0"/>
+                <a:ea typeface="Calibri" panose="020F0502020204030204" pitchFamily="34" charset="0"/>
+                <a:cs typeface="Times New Roman" panose="02020603050405020304" pitchFamily="18" charset="0"/>
+              </a:rPr>
+              <a:t> e prazos.</a:t>
             </a:r>
             <a:endParaRPr lang="pt-BR" sz="1800" dirty="0">
               <a:effectLst/>
@@ -6086,23 +6442,6 @@
             </a:endParaRPr>
           </a:p>
           <a:p>
-            <a:pPr indent="0" algn="just">
-              <a:lnSpc>
-                <a:spcPct val="150000"/>
-              </a:lnSpc>
-              <a:spcAft>
-                <a:spcPts val="600"/>
-              </a:spcAft>
-              <a:buNone/>
-            </a:pPr>
-            <a:endParaRPr lang="pt-BR" sz="1800" dirty="0">
-              <a:effectLst/>
-              <a:latin typeface="Times" panose="02020603050405020304" pitchFamily="18" charset="0"/>
-              <a:ea typeface="Times New Roman" panose="02020603050405020304" pitchFamily="18" charset="0"/>
-              <a:cs typeface="Times New Roman" panose="02020603050405020304" pitchFamily="18" charset="0"/>
-            </a:endParaRPr>
-          </a:p>
-          <a:p>
             <a:endParaRPr lang="pt-BR" dirty="0"/>
           </a:p>
         </p:txBody>
@@ -6110,7 +6449,7 @@
     </p:spTree>
     <p:extLst>
       <p:ext uri="{BB962C8B-B14F-4D97-AF65-F5344CB8AC3E}">
-        <p14:creationId xmlns:p14="http://schemas.microsoft.com/office/powerpoint/2010/main" val="2912562593"/>
+        <p14:creationId xmlns:p14="http://schemas.microsoft.com/office/powerpoint/2010/main" val="746458256"/>
       </p:ext>
     </p:extLst>
   </p:cSld>
@@ -6186,95 +6525,40 @@
           <a:bodyPr/>
           <a:lstStyle/>
           <a:p>
-            <a:r>
-              <a:rPr lang="pt-BR" sz="1800" dirty="0" err="1">
+            <a:pPr indent="457200" algn="just">
+              <a:lnSpc>
+                <a:spcPct val="150000"/>
+              </a:lnSpc>
+              <a:spcAft>
+                <a:spcPts val="600"/>
+              </a:spcAft>
+            </a:pPr>
+            <a:r>
+              <a:rPr lang="pt-BR" sz="1800" dirty="0">
                 <a:effectLst/>
                 <a:latin typeface="Arial" panose="020B0604020202020204" pitchFamily="34" charset="0"/>
                 <a:ea typeface="Calibri" panose="020F0502020204030204" pitchFamily="34" charset="0"/>
                 <a:cs typeface="Times New Roman" panose="02020603050405020304" pitchFamily="18" charset="0"/>
               </a:rPr>
-              <a:t>Kude</a:t>
-            </a:r>
-            <a:r>
-              <a:rPr lang="pt-BR" sz="1800" dirty="0">
+              <a:t>Neste trabalho, serão utilizados os eventos que foram observados por </a:t>
+            </a:r>
+            <a:r>
+              <a:rPr lang="pt-BR" sz="1800" dirty="0" err="1">
                 <a:effectLst/>
                 <a:latin typeface="Arial" panose="020B0604020202020204" pitchFamily="34" charset="0"/>
                 <a:ea typeface="Calibri" panose="020F0502020204030204" pitchFamily="34" charset="0"/>
                 <a:cs typeface="Times New Roman" panose="02020603050405020304" pitchFamily="18" charset="0"/>
               </a:rPr>
-              <a:t> et al. (2014) afirmam que a instabilidade da tarefa é o resultado da introdução de novos requisitos, de </a:t>
-            </a:r>
-            <a:r>
-              <a:rPr lang="pt-BR" sz="1800" dirty="0" err="1">
+              <a:t>Kude</a:t>
+            </a:r>
+            <a:r>
+              <a:rPr lang="pt-BR" sz="1800" dirty="0">
                 <a:effectLst/>
                 <a:latin typeface="Arial" panose="020B0604020202020204" pitchFamily="34" charset="0"/>
                 <a:ea typeface="Calibri" panose="020F0502020204030204" pitchFamily="34" charset="0"/>
                 <a:cs typeface="Times New Roman" panose="02020603050405020304" pitchFamily="18" charset="0"/>
               </a:rPr>
-              <a:t>repriorizações</a:t>
-            </a:r>
-            <a:r>
-              <a:rPr lang="pt-BR" sz="1800" dirty="0">
-                <a:effectLst/>
-                <a:latin typeface="Arial" panose="020B0604020202020204" pitchFamily="34" charset="0"/>
-                <a:ea typeface="Calibri" panose="020F0502020204030204" pitchFamily="34" charset="0"/>
-                <a:cs typeface="Times New Roman" panose="02020603050405020304" pitchFamily="18" charset="0"/>
-              </a:rPr>
-              <a:t>, e requisições </a:t>
-            </a:r>
-            <a:r>
-              <a:rPr lang="pt-BR" sz="1800" dirty="0" err="1">
-                <a:effectLst/>
-                <a:latin typeface="Arial" panose="020B0604020202020204" pitchFamily="34" charset="0"/>
-                <a:ea typeface="Calibri" panose="020F0502020204030204" pitchFamily="34" charset="0"/>
-                <a:cs typeface="Times New Roman" panose="02020603050405020304" pitchFamily="18" charset="0"/>
-              </a:rPr>
-              <a:t>ex-post</a:t>
-            </a:r>
-            <a:r>
-              <a:rPr lang="pt-BR" sz="1800" dirty="0">
-                <a:effectLst/>
-                <a:latin typeface="Arial" panose="020B0604020202020204" pitchFamily="34" charset="0"/>
-                <a:ea typeface="Calibri" panose="020F0502020204030204" pitchFamily="34" charset="0"/>
-                <a:cs typeface="Times New Roman" panose="02020603050405020304" pitchFamily="18" charset="0"/>
-              </a:rPr>
-              <a:t>. Portanto, neste trabalho, a percepção da instabilidade da tarefa também seguirá a base teórica proposta por </a:t>
-            </a:r>
-            <a:r>
-              <a:rPr lang="pt-BR" sz="1800" dirty="0" err="1">
-                <a:effectLst/>
-                <a:latin typeface="Arial" panose="020B0604020202020204" pitchFamily="34" charset="0"/>
-                <a:ea typeface="Calibri" panose="020F0502020204030204" pitchFamily="34" charset="0"/>
-                <a:cs typeface="Times New Roman" panose="02020603050405020304" pitchFamily="18" charset="0"/>
-              </a:rPr>
-              <a:t>Kude</a:t>
-            </a:r>
-            <a:r>
-              <a:rPr lang="pt-BR" sz="1800" dirty="0">
-                <a:effectLst/>
-                <a:latin typeface="Arial" panose="020B0604020202020204" pitchFamily="34" charset="0"/>
-                <a:ea typeface="Calibri" panose="020F0502020204030204" pitchFamily="34" charset="0"/>
-                <a:cs typeface="Times New Roman" panose="02020603050405020304" pitchFamily="18" charset="0"/>
-              </a:rPr>
-              <a:t> et al. (2014) e é definida como a percepção do indivíduo sobre as mudanças que ocorrem em suas tarefas, em especial, com novos requisitos, </a:t>
-            </a:r>
-            <a:r>
-              <a:rPr lang="pt-BR" sz="1800" dirty="0" err="1">
-                <a:effectLst/>
-                <a:latin typeface="Arial" panose="020B0604020202020204" pitchFamily="34" charset="0"/>
-                <a:ea typeface="Calibri" panose="020F0502020204030204" pitchFamily="34" charset="0"/>
-                <a:cs typeface="Times New Roman" panose="02020603050405020304" pitchFamily="18" charset="0"/>
-              </a:rPr>
-              <a:t>repriorizações</a:t>
-            </a:r>
-            <a:r>
-              <a:rPr lang="pt-BR" sz="1800" dirty="0">
-                <a:effectLst/>
-                <a:latin typeface="Arial" panose="020B0604020202020204" pitchFamily="34" charset="0"/>
-                <a:ea typeface="Calibri" panose="020F0502020204030204" pitchFamily="34" charset="0"/>
-                <a:cs typeface="Times New Roman" panose="02020603050405020304" pitchFamily="18" charset="0"/>
-              </a:rPr>
-              <a:t> e prazos.</a:t>
+              <a:t> et al. (2014) que levam à instabilidade da equipe. Com isso, a percepção da instabilidade da equipe é definida como a percepção dos indivíduos quanto às mudanças que ocorrem em relação à saída e à entrada de membros que influenciam as atividades da equipe. </a:t>
             </a:r>
             <a:endParaRPr lang="pt-BR" sz="1800" dirty="0">
               <a:effectLst/>
@@ -6291,7 +6575,7 @@
     </p:spTree>
     <p:extLst>
       <p:ext uri="{BB962C8B-B14F-4D97-AF65-F5344CB8AC3E}">
-        <p14:creationId xmlns:p14="http://schemas.microsoft.com/office/powerpoint/2010/main" val="746458256"/>
+        <p14:creationId xmlns:p14="http://schemas.microsoft.com/office/powerpoint/2010/main" val="1605111833"/>
       </p:ext>
     </p:extLst>
   </p:cSld>
@@ -6379,37 +6663,34 @@
               <a:rPr lang="pt-BR" sz="1800" dirty="0">
                 <a:effectLst/>
                 <a:latin typeface="Arial" panose="020B0604020202020204" pitchFamily="34" charset="0"/>
+                <a:ea typeface="Times New Roman" panose="02020603050405020304" pitchFamily="18" charset="0"/>
+              </a:rPr>
+              <a:t>De acordo com </a:t>
+            </a:r>
+            <a:r>
+              <a:rPr lang="pt-BR" sz="1800" dirty="0" err="1">
+                <a:effectLst/>
+                <a:latin typeface="Arial" panose="020B0604020202020204" pitchFamily="34" charset="0"/>
                 <a:ea typeface="Calibri" panose="020F0502020204030204" pitchFamily="34" charset="0"/>
-                <a:cs typeface="Times New Roman" panose="02020603050405020304" pitchFamily="18" charset="0"/>
-              </a:rPr>
-              <a:t>Neste trabalho, serão utilizados os eventos que foram observados por </a:t>
-            </a:r>
-            <a:r>
-              <a:rPr lang="pt-BR" sz="1800" dirty="0" err="1">
+              </a:rPr>
+              <a:t>Kude</a:t>
+            </a:r>
+            <a:r>
+              <a:rPr lang="pt-BR" sz="1800" dirty="0">
                 <a:effectLst/>
                 <a:latin typeface="Arial" panose="020B0604020202020204" pitchFamily="34" charset="0"/>
                 <a:ea typeface="Calibri" panose="020F0502020204030204" pitchFamily="34" charset="0"/>
-                <a:cs typeface="Times New Roman" panose="02020603050405020304" pitchFamily="18" charset="0"/>
-              </a:rPr>
-              <a:t>Kude</a:t>
+              </a:rPr>
+              <a:t> et al. (2014), a instabilidade tecnológica é</a:t>
             </a:r>
             <a:r>
               <a:rPr lang="pt-BR" sz="1800" dirty="0">
                 <a:effectLst/>
                 <a:latin typeface="Arial" panose="020B0604020202020204" pitchFamily="34" charset="0"/>
-                <a:ea typeface="Calibri" panose="020F0502020204030204" pitchFamily="34" charset="0"/>
-                <a:cs typeface="Times New Roman" panose="02020603050405020304" pitchFamily="18" charset="0"/>
-              </a:rPr>
-              <a:t> et al. (2014) que levam à instabilidade da equipe. Com isso, a percepção da instabilidade da equipe é definida como a percepção dos indivíduos quanto às mudanças que ocorrem em relação à saída e à entrada de membros que influenciam as atividades da equipe. </a:t>
-            </a:r>
-            <a:endParaRPr lang="pt-BR" sz="1800" dirty="0">
-              <a:effectLst/>
-              <a:latin typeface="Times" panose="02020603050405020304" pitchFamily="18" charset="0"/>
-              <a:ea typeface="Times New Roman" panose="02020603050405020304" pitchFamily="18" charset="0"/>
-              <a:cs typeface="Times New Roman" panose="02020603050405020304" pitchFamily="18" charset="0"/>
-            </a:endParaRPr>
-          </a:p>
-          <a:p>
+                <a:ea typeface="Times New Roman" panose="02020603050405020304" pitchFamily="18" charset="0"/>
+              </a:rPr>
+              <a:t> causada pela introdução de um novo elemento tecnológico (novas linguagens, frameworks, API, modificação em software de terceiros que afeta o seu desenvolvimento de software...) ou por uma turbulência tecnológica (problemas relacionados ao ambiente e plataforma de desenvolvimento). </a:t>
+            </a:r>
             <a:endParaRPr lang="pt-BR" dirty="0"/>
           </a:p>
         </p:txBody>
@@ -6417,7 +6698,7 @@
     </p:spTree>
     <p:extLst>
       <p:ext uri="{BB962C8B-B14F-4D97-AF65-F5344CB8AC3E}">
-        <p14:creationId xmlns:p14="http://schemas.microsoft.com/office/powerpoint/2010/main" val="1605111833"/>
+        <p14:creationId xmlns:p14="http://schemas.microsoft.com/office/powerpoint/2010/main" val="4250271933"/>
       </p:ext>
     </p:extLst>
   </p:cSld>
@@ -6467,7 +6748,7 @@
           <a:p>
             <a:r>
               <a:rPr lang="pt-BR" dirty="0"/>
-              <a:t>Referencial teórico – Instabilidade</a:t>
+              <a:t>Hipóteses de pesquisa </a:t>
             </a:r>
           </a:p>
         </p:txBody>
@@ -6493,45 +6774,46 @@
           <a:bodyPr/>
           <a:lstStyle/>
           <a:p>
-            <a:pPr indent="457200" algn="just">
-              <a:lnSpc>
-                <a:spcPct val="150000"/>
-              </a:lnSpc>
-              <a:spcAft>
-                <a:spcPts val="600"/>
-              </a:spcAft>
-            </a:pPr>
+            <a:r>
+              <a:rPr lang="pt-BR" sz="1800" b="1" i="1" dirty="0">
+                <a:effectLst/>
+                <a:latin typeface="Arial" panose="020B0604020202020204" pitchFamily="34" charset="0"/>
+                <a:ea typeface="Times New Roman" panose="02020603050405020304" pitchFamily="18" charset="0"/>
+                <a:cs typeface="Times New Roman" panose="02020603050405020304" pitchFamily="18" charset="0"/>
+              </a:rPr>
+              <a:t>H1 - A percepção da adaptabilidade individual tem uma relação positiva com a satisfação com o trabalho dos indivíduos na Engenharia de Software.</a:t>
+            </a:r>
+            <a:endParaRPr lang="pt-BR" sz="1800" dirty="0">
+              <a:effectLst/>
+              <a:latin typeface="Times" panose="02020603050405020304" pitchFamily="18" charset="0"/>
+              <a:ea typeface="Times New Roman" panose="02020603050405020304" pitchFamily="18" charset="0"/>
+              <a:cs typeface="Times New Roman" panose="02020603050405020304" pitchFamily="18" charset="0"/>
+            </a:endParaRPr>
+          </a:p>
+          <a:p>
             <a:r>
               <a:rPr lang="pt-BR" sz="1800" dirty="0">
                 <a:effectLst/>
                 <a:latin typeface="Arial" panose="020B0604020202020204" pitchFamily="34" charset="0"/>
                 <a:ea typeface="Times New Roman" panose="02020603050405020304" pitchFamily="18" charset="0"/>
               </a:rPr>
-              <a:t>De acordo com </a:t>
+              <a:t>. De acordo com </a:t>
             </a:r>
             <a:r>
               <a:rPr lang="pt-BR" sz="1800" dirty="0" err="1">
                 <a:effectLst/>
                 <a:latin typeface="Arial" panose="020B0604020202020204" pitchFamily="34" charset="0"/>
-                <a:ea typeface="Calibri" panose="020F0502020204030204" pitchFamily="34" charset="0"/>
-              </a:rPr>
-              <a:t>Kude</a:t>
+                <a:ea typeface="Times New Roman" panose="02020603050405020304" pitchFamily="18" charset="0"/>
+              </a:rPr>
+              <a:t>Cullen</a:t>
             </a:r>
             <a:r>
               <a:rPr lang="pt-BR" sz="1800" dirty="0">
                 <a:effectLst/>
                 <a:latin typeface="Arial" panose="020B0604020202020204" pitchFamily="34" charset="0"/>
-                <a:ea typeface="Calibri" panose="020F0502020204030204" pitchFamily="34" charset="0"/>
-              </a:rPr>
-              <a:t> et al. (2014), a instabilidade tecnológica é</a:t>
-            </a:r>
-            <a:r>
-              <a:rPr lang="pt-BR" sz="1800" dirty="0">
-                <a:effectLst/>
-                <a:latin typeface="Arial" panose="020B0604020202020204" pitchFamily="34" charset="0"/>
                 <a:ea typeface="Times New Roman" panose="02020603050405020304" pitchFamily="18" charset="0"/>
               </a:rPr>
-              <a:t> causada pela introdução de um novo elemento tecnológico (novas linguagens, frameworks, API, modificação em software de terceiros que afeta o seu desenvolvimento de software...) ou por uma turbulência tecnológica (problemas relacionados ao ambiente e plataforma de desenvolvimento). </a:t>
+              <a:t> et al. (2014), adaptabilidade individual influencia a maneira como os indivíduos interpretam e respondem a uma situação. Para os autores, indivíduos mais adaptáveis são mais propensos a perceber as situações de maneira positiva. Por exemplo, os indivíduos visualizam o fato de aprender algo novo como um desafio e não como algo estressante ou negativo (CULLEN et al. 2014). </a:t>
             </a:r>
             <a:endParaRPr lang="pt-BR" dirty="0"/>
           </a:p>
@@ -6540,7 +6822,7 @@
     </p:spTree>
     <p:extLst>
       <p:ext uri="{BB962C8B-B14F-4D97-AF65-F5344CB8AC3E}">
-        <p14:creationId xmlns:p14="http://schemas.microsoft.com/office/powerpoint/2010/main" val="4250271933"/>
+        <p14:creationId xmlns:p14="http://schemas.microsoft.com/office/powerpoint/2010/main" val="3440142623"/>
       </p:ext>
     </p:extLst>
   </p:cSld>
@@ -6613,9 +6895,19 @@
         </p:nvSpPr>
         <p:spPr/>
         <p:txBody>
-          <a:bodyPr/>
-          <a:lstStyle/>
-          <a:p>
+          <a:bodyPr>
+            <a:normAutofit fontScale="85000" lnSpcReduction="10000"/>
+          </a:bodyPr>
+          <a:lstStyle/>
+          <a:p>
+            <a:pPr algn="just">
+              <a:lnSpc>
+                <a:spcPct val="150000"/>
+              </a:lnSpc>
+              <a:spcAft>
+                <a:spcPts val="600"/>
+              </a:spcAft>
+            </a:pPr>
             <a:r>
               <a:rPr lang="pt-BR" sz="1800" b="1" i="1" dirty="0">
                 <a:effectLst/>
@@ -6623,7 +6915,25 @@
                 <a:ea typeface="Times New Roman" panose="02020603050405020304" pitchFamily="18" charset="0"/>
                 <a:cs typeface="Times New Roman" panose="02020603050405020304" pitchFamily="18" charset="0"/>
               </a:rPr>
-              <a:t>H1 - A percepção da adaptabilidade individual tem uma relação positiva com a satisfação com o trabalho dos indivíduos na Engenharia de Software.</a:t>
+              <a:t>H2 – A percepção da adaptabilidade individual está relacionada negativamente com a percepção do </a:t>
+            </a:r>
+            <a:r>
+              <a:rPr lang="pt-BR" sz="1800" b="1" i="1" dirty="0" err="1">
+                <a:effectLst/>
+                <a:latin typeface="Arial" panose="020B0604020202020204" pitchFamily="34" charset="0"/>
+                <a:ea typeface="Times New Roman" panose="02020603050405020304" pitchFamily="18" charset="0"/>
+                <a:cs typeface="Times New Roman" panose="02020603050405020304" pitchFamily="18" charset="0"/>
+              </a:rPr>
+              <a:t>burnout</a:t>
+            </a:r>
+            <a:r>
+              <a:rPr lang="pt-BR" sz="1800" b="1" i="1" dirty="0">
+                <a:effectLst/>
+                <a:latin typeface="Arial" panose="020B0604020202020204" pitchFamily="34" charset="0"/>
+                <a:ea typeface="Times New Roman" panose="02020603050405020304" pitchFamily="18" charset="0"/>
+                <a:cs typeface="Times New Roman" panose="02020603050405020304" pitchFamily="18" charset="0"/>
+              </a:rPr>
+              <a:t> dos indivíduos na Engenharia de Software. </a:t>
             </a:r>
             <a:endParaRPr lang="pt-BR" sz="1800" dirty="0">
               <a:effectLst/>
@@ -6633,38 +6943,144 @@
             </a:endParaRPr>
           </a:p>
           <a:p>
+            <a:pPr indent="270510" algn="just">
+              <a:lnSpc>
+                <a:spcPct val="150000"/>
+              </a:lnSpc>
+              <a:spcAft>
+                <a:spcPts val="600"/>
+              </a:spcAft>
+            </a:pPr>
             <a:r>
               <a:rPr lang="pt-BR" sz="1800" dirty="0">
                 <a:effectLst/>
                 <a:latin typeface="Arial" panose="020B0604020202020204" pitchFamily="34" charset="0"/>
-                <a:ea typeface="Times New Roman" panose="02020603050405020304" pitchFamily="18" charset="0"/>
-              </a:rPr>
-              <a:t>. De acordo com </a:t>
+                <a:ea typeface="Calibri" panose="020F0502020204030204" pitchFamily="34" charset="0"/>
+                <a:cs typeface="Times New Roman" panose="02020603050405020304" pitchFamily="18" charset="0"/>
+              </a:rPr>
+              <a:t>Para </a:t>
             </a:r>
             <a:r>
               <a:rPr lang="pt-BR" sz="1800" dirty="0" err="1">
                 <a:effectLst/>
                 <a:latin typeface="Arial" panose="020B0604020202020204" pitchFamily="34" charset="0"/>
-                <a:ea typeface="Times New Roman" panose="02020603050405020304" pitchFamily="18" charset="0"/>
-              </a:rPr>
-              <a:t>Cullen</a:t>
+                <a:ea typeface="Calibri" panose="020F0502020204030204" pitchFamily="34" charset="0"/>
+                <a:cs typeface="Times New Roman" panose="02020603050405020304" pitchFamily="18" charset="0"/>
+              </a:rPr>
+              <a:t>Maslach</a:t>
             </a:r>
             <a:r>
               <a:rPr lang="pt-BR" sz="1800" dirty="0">
                 <a:effectLst/>
                 <a:latin typeface="Arial" panose="020B0604020202020204" pitchFamily="34" charset="0"/>
-                <a:ea typeface="Times New Roman" panose="02020603050405020304" pitchFamily="18" charset="0"/>
-              </a:rPr>
-              <a:t> et al. (2014), adaptabilidade individual influencia a maneira como os indivíduos interpretam e respondem a uma situação. Para os autores, indivíduos mais adaptáveis são mais propensos a perceber as situações de maneira positiva. Por exemplo, os indivíduos visualizam o fato de aprender algo novo como um desafio e não como algo estressante ou negativo (CULLEN et al. 2014). </a:t>
-            </a:r>
-            <a:endParaRPr lang="pt-BR" dirty="0"/>
+                <a:ea typeface="Calibri" panose="020F0502020204030204" pitchFamily="34" charset="0"/>
+                <a:cs typeface="Times New Roman" panose="02020603050405020304" pitchFamily="18" charset="0"/>
+              </a:rPr>
+              <a:t> e </a:t>
+            </a:r>
+            <a:r>
+              <a:rPr lang="pt-BR" sz="1800" dirty="0" err="1">
+                <a:effectLst/>
+                <a:latin typeface="Arial" panose="020B0604020202020204" pitchFamily="34" charset="0"/>
+                <a:ea typeface="Calibri" panose="020F0502020204030204" pitchFamily="34" charset="0"/>
+                <a:cs typeface="Times New Roman" panose="02020603050405020304" pitchFamily="18" charset="0"/>
+              </a:rPr>
+              <a:t>Leiter</a:t>
+            </a:r>
+            <a:r>
+              <a:rPr lang="pt-BR" sz="1800" dirty="0">
+                <a:effectLst/>
+                <a:latin typeface="Arial" panose="020B0604020202020204" pitchFamily="34" charset="0"/>
+                <a:ea typeface="Calibri" panose="020F0502020204030204" pitchFamily="34" charset="0"/>
+                <a:cs typeface="Times New Roman" panose="02020603050405020304" pitchFamily="18" charset="0"/>
+              </a:rPr>
+              <a:t> (2016), o </a:t>
+            </a:r>
+            <a:r>
+              <a:rPr lang="pt-BR" sz="1800" dirty="0" err="1">
+                <a:effectLst/>
+                <a:latin typeface="Arial" panose="020B0604020202020204" pitchFamily="34" charset="0"/>
+                <a:ea typeface="Calibri" panose="020F0502020204030204" pitchFamily="34" charset="0"/>
+                <a:cs typeface="Times New Roman" panose="02020603050405020304" pitchFamily="18" charset="0"/>
+              </a:rPr>
+              <a:t>burnout</a:t>
+            </a:r>
+            <a:r>
+              <a:rPr lang="pt-BR" sz="1800" dirty="0">
+                <a:effectLst/>
+                <a:latin typeface="Arial" panose="020B0604020202020204" pitchFamily="34" charset="0"/>
+                <a:ea typeface="Calibri" panose="020F0502020204030204" pitchFamily="34" charset="0"/>
+                <a:cs typeface="Times New Roman" panose="02020603050405020304" pitchFamily="18" charset="0"/>
+              </a:rPr>
+              <a:t> reflete uma incompatibilidade do design do trabalho com as preferências dos padrões de trabalho dos indivíduos e esse conflito é exaustivo, levando à retirada cínica e ao desânimo. Além disso, para </a:t>
+            </a:r>
+            <a:r>
+              <a:rPr lang="pt-BR" sz="1800" dirty="0" err="1">
+                <a:effectLst/>
+                <a:latin typeface="Arial" panose="020B0604020202020204" pitchFamily="34" charset="0"/>
+                <a:ea typeface="Calibri" panose="020F0502020204030204" pitchFamily="34" charset="0"/>
+                <a:cs typeface="Times New Roman" panose="02020603050405020304" pitchFamily="18" charset="0"/>
+              </a:rPr>
+              <a:t>Maslach</a:t>
+            </a:r>
+            <a:r>
+              <a:rPr lang="pt-BR" sz="1800" dirty="0">
+                <a:effectLst/>
+                <a:latin typeface="Arial" panose="020B0604020202020204" pitchFamily="34" charset="0"/>
+                <a:ea typeface="Calibri" panose="020F0502020204030204" pitchFamily="34" charset="0"/>
+                <a:cs typeface="Times New Roman" panose="02020603050405020304" pitchFamily="18" charset="0"/>
+              </a:rPr>
+              <a:t> e </a:t>
+            </a:r>
+            <a:r>
+              <a:rPr lang="pt-BR" sz="1800" dirty="0" err="1">
+                <a:effectLst/>
+                <a:latin typeface="Arial" panose="020B0604020202020204" pitchFamily="34" charset="0"/>
+                <a:ea typeface="Calibri" panose="020F0502020204030204" pitchFamily="34" charset="0"/>
+                <a:cs typeface="Times New Roman" panose="02020603050405020304" pitchFamily="18" charset="0"/>
+              </a:rPr>
+              <a:t>Leiter</a:t>
+            </a:r>
+            <a:r>
+              <a:rPr lang="pt-BR" sz="1800" dirty="0">
+                <a:effectLst/>
+                <a:latin typeface="Arial" panose="020B0604020202020204" pitchFamily="34" charset="0"/>
+                <a:ea typeface="Calibri" panose="020F0502020204030204" pitchFamily="34" charset="0"/>
+                <a:cs typeface="Times New Roman" panose="02020603050405020304" pitchFamily="18" charset="0"/>
+              </a:rPr>
+              <a:t> (2016), existem duas maneiras gerais de atacar o </a:t>
+            </a:r>
+            <a:r>
+              <a:rPr lang="pt-BR" sz="1800" dirty="0" err="1">
+                <a:effectLst/>
+                <a:latin typeface="Arial" panose="020B0604020202020204" pitchFamily="34" charset="0"/>
+                <a:ea typeface="Calibri" panose="020F0502020204030204" pitchFamily="34" charset="0"/>
+                <a:cs typeface="Times New Roman" panose="02020603050405020304" pitchFamily="18" charset="0"/>
+              </a:rPr>
+              <a:t>burnout</a:t>
+            </a:r>
+            <a:r>
+              <a:rPr lang="pt-BR" sz="1800" dirty="0">
+                <a:effectLst/>
+                <a:latin typeface="Arial" panose="020B0604020202020204" pitchFamily="34" charset="0"/>
+                <a:ea typeface="Calibri" panose="020F0502020204030204" pitchFamily="34" charset="0"/>
+                <a:cs typeface="Times New Roman" panose="02020603050405020304" pitchFamily="18" charset="0"/>
+              </a:rPr>
+              <a:t> do trabalho. A primeira é ajustar o design de trabalho para os indivíduos. Já a segunda consiste em desenvolver alternativas para que os membros da equipe possam tolerar as incompatibilidades do design do trabalho. É possível supor então que os membros precisem se adaptar ao design do trabalho. </a:t>
+            </a:r>
+            <a:endParaRPr lang="pt-BR" sz="1800" dirty="0">
+              <a:effectLst/>
+              <a:latin typeface="Times" panose="02020603050405020304" pitchFamily="18" charset="0"/>
+              <a:ea typeface="Times New Roman" panose="02020603050405020304" pitchFamily="18" charset="0"/>
+              <a:cs typeface="Times New Roman" panose="02020603050405020304" pitchFamily="18" charset="0"/>
+            </a:endParaRPr>
           </a:p>
         </p:txBody>
       </p:sp>
     </p:spTree>
     <p:extLst>
       <p:ext uri="{BB962C8B-B14F-4D97-AF65-F5344CB8AC3E}">
-        <p14:creationId xmlns:p14="http://schemas.microsoft.com/office/powerpoint/2010/main" val="3440142623"/>
+        <p14:creationId xmlns:p14="http://schemas.microsoft.com/office/powerpoint/2010/main" val="3955292222"/>
       </p:ext>
     </p:extLst>
   </p:cSld>
@@ -6737,9 +7153,19 @@
         </p:nvSpPr>
         <p:spPr/>
         <p:txBody>
-          <a:bodyPr/>
-          <a:lstStyle/>
-          <a:p>
+          <a:bodyPr>
+            <a:normAutofit fontScale="85000" lnSpcReduction="10000"/>
+          </a:bodyPr>
+          <a:lstStyle/>
+          <a:p>
+            <a:pPr algn="just">
+              <a:lnSpc>
+                <a:spcPct val="150000"/>
+              </a:lnSpc>
+              <a:spcAft>
+                <a:spcPts val="600"/>
+              </a:spcAft>
+            </a:pPr>
             <a:r>
               <a:rPr lang="pt-BR" sz="1800" b="1" i="1" dirty="0">
                 <a:effectLst/>
@@ -6747,7 +7173,25 @@
                 <a:ea typeface="Times New Roman" panose="02020603050405020304" pitchFamily="18" charset="0"/>
                 <a:cs typeface="Times New Roman" panose="02020603050405020304" pitchFamily="18" charset="0"/>
               </a:rPr>
-              <a:t>H1 - A percepção da adaptabilidade individual tem uma relação positiva com a satisfação com o trabalho dos indivíduos na Engenharia de Software.</a:t>
+              <a:t>H3– A percepção da satisfação com o trabalho está relacionada negativamente com a percepção do </a:t>
+            </a:r>
+            <a:r>
+              <a:rPr lang="pt-BR" sz="1800" b="1" i="1" dirty="0" err="1">
+                <a:effectLst/>
+                <a:latin typeface="Arial" panose="020B0604020202020204" pitchFamily="34" charset="0"/>
+                <a:ea typeface="Times New Roman" panose="02020603050405020304" pitchFamily="18" charset="0"/>
+                <a:cs typeface="Times New Roman" panose="02020603050405020304" pitchFamily="18" charset="0"/>
+              </a:rPr>
+              <a:t>burnout</a:t>
+            </a:r>
+            <a:r>
+              <a:rPr lang="pt-BR" sz="1800" b="1" i="1" dirty="0">
+                <a:effectLst/>
+                <a:latin typeface="Arial" panose="020B0604020202020204" pitchFamily="34" charset="0"/>
+                <a:ea typeface="Times New Roman" panose="02020603050405020304" pitchFamily="18" charset="0"/>
+                <a:cs typeface="Times New Roman" panose="02020603050405020304" pitchFamily="18" charset="0"/>
+              </a:rPr>
+              <a:t> dos indivíduos na Engenharia de Software. </a:t>
             </a:r>
             <a:endParaRPr lang="pt-BR" sz="1800" dirty="0">
               <a:effectLst/>
@@ -6757,38 +7201,145 @@
             </a:endParaRPr>
           </a:p>
           <a:p>
+            <a:pPr marL="0" indent="0" algn="just">
+              <a:lnSpc>
+                <a:spcPct val="150000"/>
+              </a:lnSpc>
+              <a:spcAft>
+                <a:spcPts val="600"/>
+              </a:spcAft>
+              <a:buNone/>
+            </a:pPr>
             <a:r>
               <a:rPr lang="pt-BR" sz="1800" dirty="0">
                 <a:effectLst/>
                 <a:latin typeface="Arial" panose="020B0604020202020204" pitchFamily="34" charset="0"/>
-                <a:ea typeface="Times New Roman" panose="02020603050405020304" pitchFamily="18" charset="0"/>
-              </a:rPr>
-              <a:t>. De acordo com </a:t>
+                <a:ea typeface="Calibri" panose="020F0502020204030204" pitchFamily="34" charset="0"/>
+                <a:cs typeface="Times New Roman" panose="02020603050405020304" pitchFamily="18" charset="0"/>
+              </a:rPr>
+              <a:t>Para </a:t>
             </a:r>
             <a:r>
               <a:rPr lang="pt-BR" sz="1800" dirty="0" err="1">
                 <a:effectLst/>
                 <a:latin typeface="Arial" panose="020B0604020202020204" pitchFamily="34" charset="0"/>
-                <a:ea typeface="Times New Roman" panose="02020603050405020304" pitchFamily="18" charset="0"/>
-              </a:rPr>
-              <a:t>Cullen</a:t>
+                <a:ea typeface="Calibri" panose="020F0502020204030204" pitchFamily="34" charset="0"/>
+                <a:cs typeface="Times New Roman" panose="02020603050405020304" pitchFamily="18" charset="0"/>
+              </a:rPr>
+              <a:t>Maslach</a:t>
             </a:r>
             <a:r>
               <a:rPr lang="pt-BR" sz="1800" dirty="0">
                 <a:effectLst/>
                 <a:latin typeface="Arial" panose="020B0604020202020204" pitchFamily="34" charset="0"/>
-                <a:ea typeface="Times New Roman" panose="02020603050405020304" pitchFamily="18" charset="0"/>
-              </a:rPr>
-              <a:t> et al. (2014), adaptabilidade individual influencia a maneira como os indivíduos interpretam e respondem a uma situação. Para os autores, indivíduos mais adaptáveis são mais propensos a perceber as situações de maneira positiva. Por exemplo, os indivíduos visualizam o fato de aprender algo novo como um desafio e não como algo estressante ou negativo (CULLEN et al. 2014). </a:t>
-            </a:r>
-            <a:endParaRPr lang="pt-BR" dirty="0"/>
+                <a:ea typeface="Calibri" panose="020F0502020204030204" pitchFamily="34" charset="0"/>
+                <a:cs typeface="Times New Roman" panose="02020603050405020304" pitchFamily="18" charset="0"/>
+              </a:rPr>
+              <a:t> e </a:t>
+            </a:r>
+            <a:r>
+              <a:rPr lang="pt-BR" sz="1800" dirty="0" err="1">
+                <a:effectLst/>
+                <a:latin typeface="Arial" panose="020B0604020202020204" pitchFamily="34" charset="0"/>
+                <a:ea typeface="Calibri" panose="020F0502020204030204" pitchFamily="34" charset="0"/>
+                <a:cs typeface="Times New Roman" panose="02020603050405020304" pitchFamily="18" charset="0"/>
+              </a:rPr>
+              <a:t>Leiter</a:t>
+            </a:r>
+            <a:r>
+              <a:rPr lang="pt-BR" sz="1800" dirty="0">
+                <a:effectLst/>
+                <a:latin typeface="Arial" panose="020B0604020202020204" pitchFamily="34" charset="0"/>
+                <a:ea typeface="Calibri" panose="020F0502020204030204" pitchFamily="34" charset="0"/>
+                <a:cs typeface="Times New Roman" panose="02020603050405020304" pitchFamily="18" charset="0"/>
+              </a:rPr>
+              <a:t> (2016), o </a:t>
+            </a:r>
+            <a:r>
+              <a:rPr lang="pt-BR" sz="1800" dirty="0" err="1">
+                <a:effectLst/>
+                <a:latin typeface="Arial" panose="020B0604020202020204" pitchFamily="34" charset="0"/>
+                <a:ea typeface="Calibri" panose="020F0502020204030204" pitchFamily="34" charset="0"/>
+                <a:cs typeface="Times New Roman" panose="02020603050405020304" pitchFamily="18" charset="0"/>
+              </a:rPr>
+              <a:t>burnout</a:t>
+            </a:r>
+            <a:r>
+              <a:rPr lang="pt-BR" sz="1800" dirty="0">
+                <a:effectLst/>
+                <a:latin typeface="Arial" panose="020B0604020202020204" pitchFamily="34" charset="0"/>
+                <a:ea typeface="Calibri" panose="020F0502020204030204" pitchFamily="34" charset="0"/>
+                <a:cs typeface="Times New Roman" panose="02020603050405020304" pitchFamily="18" charset="0"/>
+              </a:rPr>
+              <a:t> reflete uma incompatibilidade do design do trabalho com as preferências dos padrões de trabalho dos indivíduos e esse conflito é exaustivo, levando à retirada cínica e ao desânimo. Além disso, para </a:t>
+            </a:r>
+            <a:r>
+              <a:rPr lang="pt-BR" sz="1800" dirty="0" err="1">
+                <a:effectLst/>
+                <a:latin typeface="Arial" panose="020B0604020202020204" pitchFamily="34" charset="0"/>
+                <a:ea typeface="Calibri" panose="020F0502020204030204" pitchFamily="34" charset="0"/>
+                <a:cs typeface="Times New Roman" panose="02020603050405020304" pitchFamily="18" charset="0"/>
+              </a:rPr>
+              <a:t>Maslach</a:t>
+            </a:r>
+            <a:r>
+              <a:rPr lang="pt-BR" sz="1800" dirty="0">
+                <a:effectLst/>
+                <a:latin typeface="Arial" panose="020B0604020202020204" pitchFamily="34" charset="0"/>
+                <a:ea typeface="Calibri" panose="020F0502020204030204" pitchFamily="34" charset="0"/>
+                <a:cs typeface="Times New Roman" panose="02020603050405020304" pitchFamily="18" charset="0"/>
+              </a:rPr>
+              <a:t> e </a:t>
+            </a:r>
+            <a:r>
+              <a:rPr lang="pt-BR" sz="1800" dirty="0" err="1">
+                <a:effectLst/>
+                <a:latin typeface="Arial" panose="020B0604020202020204" pitchFamily="34" charset="0"/>
+                <a:ea typeface="Calibri" panose="020F0502020204030204" pitchFamily="34" charset="0"/>
+                <a:cs typeface="Times New Roman" panose="02020603050405020304" pitchFamily="18" charset="0"/>
+              </a:rPr>
+              <a:t>Leiter</a:t>
+            </a:r>
+            <a:r>
+              <a:rPr lang="pt-BR" sz="1800" dirty="0">
+                <a:effectLst/>
+                <a:latin typeface="Arial" panose="020B0604020202020204" pitchFamily="34" charset="0"/>
+                <a:ea typeface="Calibri" panose="020F0502020204030204" pitchFamily="34" charset="0"/>
+                <a:cs typeface="Times New Roman" panose="02020603050405020304" pitchFamily="18" charset="0"/>
+              </a:rPr>
+              <a:t> (2016), existem duas maneiras gerais de atacar o </a:t>
+            </a:r>
+            <a:r>
+              <a:rPr lang="pt-BR" sz="1800" dirty="0" err="1">
+                <a:effectLst/>
+                <a:latin typeface="Arial" panose="020B0604020202020204" pitchFamily="34" charset="0"/>
+                <a:ea typeface="Calibri" panose="020F0502020204030204" pitchFamily="34" charset="0"/>
+                <a:cs typeface="Times New Roman" panose="02020603050405020304" pitchFamily="18" charset="0"/>
+              </a:rPr>
+              <a:t>burnout</a:t>
+            </a:r>
+            <a:r>
+              <a:rPr lang="pt-BR" sz="1800" dirty="0">
+                <a:effectLst/>
+                <a:latin typeface="Arial" panose="020B0604020202020204" pitchFamily="34" charset="0"/>
+                <a:ea typeface="Calibri" panose="020F0502020204030204" pitchFamily="34" charset="0"/>
+                <a:cs typeface="Times New Roman" panose="02020603050405020304" pitchFamily="18" charset="0"/>
+              </a:rPr>
+              <a:t> do trabalho. A primeira é ajustar o design de trabalho para os indivíduos. Já a segunda consiste em desenvolver alternativas para que os membros da equipe possam tolerar as incompatibilidades do design do trabalho. É possível supor então que os membros precisem se adaptar ao design do trabalho. </a:t>
+            </a:r>
+            <a:endParaRPr lang="pt-BR" sz="1800" dirty="0">
+              <a:effectLst/>
+              <a:latin typeface="Times" panose="02020603050405020304" pitchFamily="18" charset="0"/>
+              <a:ea typeface="Times New Roman" panose="02020603050405020304" pitchFamily="18" charset="0"/>
+              <a:cs typeface="Times New Roman" panose="02020603050405020304" pitchFamily="18" charset="0"/>
+            </a:endParaRPr>
           </a:p>
         </p:txBody>
       </p:sp>
     </p:spTree>
     <p:extLst>
       <p:ext uri="{BB962C8B-B14F-4D97-AF65-F5344CB8AC3E}">
-        <p14:creationId xmlns:p14="http://schemas.microsoft.com/office/powerpoint/2010/main" val="2758732310"/>
+        <p14:creationId xmlns:p14="http://schemas.microsoft.com/office/powerpoint/2010/main" val="2716498316"/>
       </p:ext>
     </p:extLst>
   </p:cSld>
@@ -6862,7 +7413,7 @@
         <p:spPr/>
         <p:txBody>
           <a:bodyPr>
-            <a:normAutofit fontScale="85000" lnSpcReduction="10000"/>
+            <a:normAutofit/>
           </a:bodyPr>
           <a:lstStyle/>
           <a:p>
@@ -6876,30 +7427,27 @@
             </a:pPr>
             <a:r>
               <a:rPr lang="pt-BR" sz="1800" b="1" i="1" dirty="0">
+                <a:solidFill>
+                  <a:srgbClr val="000000"/>
+                </a:solidFill>
                 <a:effectLst/>
                 <a:latin typeface="Arial" panose="020B0604020202020204" pitchFamily="34" charset="0"/>
                 <a:ea typeface="Times New Roman" panose="02020603050405020304" pitchFamily="18" charset="0"/>
                 <a:cs typeface="Times New Roman" panose="02020603050405020304" pitchFamily="18" charset="0"/>
               </a:rPr>
-              <a:t>H2 – A percepção da adaptabilidade individual está relacionada negativamente com a percepção do </a:t>
+              <a:t>H4 - A percepção da instabilidade está relacionada positivamente com </a:t>
             </a:r>
             <a:r>
               <a:rPr lang="pt-BR" sz="1800" b="1" i="1" dirty="0" err="1">
+                <a:solidFill>
+                  <a:srgbClr val="000000"/>
+                </a:solidFill>
                 <a:effectLst/>
                 <a:latin typeface="Arial" panose="020B0604020202020204" pitchFamily="34" charset="0"/>
                 <a:ea typeface="Times New Roman" panose="02020603050405020304" pitchFamily="18" charset="0"/>
                 <a:cs typeface="Times New Roman" panose="02020603050405020304" pitchFamily="18" charset="0"/>
               </a:rPr>
               <a:t>burnout</a:t>
-            </a:r>
-            <a:r>
-              <a:rPr lang="pt-BR" sz="1800" b="1" i="1" dirty="0">
-                <a:effectLst/>
-                <a:latin typeface="Arial" panose="020B0604020202020204" pitchFamily="34" charset="0"/>
-                <a:ea typeface="Times New Roman" panose="02020603050405020304" pitchFamily="18" charset="0"/>
-                <a:cs typeface="Times New Roman" panose="02020603050405020304" pitchFamily="18" charset="0"/>
-              </a:rPr>
-              <a:t> dos indivíduos na Engenharia de Software. </a:t>
             </a:r>
             <a:endParaRPr lang="pt-BR" sz="1800" dirty="0">
               <a:effectLst/>
@@ -6908,145 +7456,12 @@
               <a:cs typeface="Times New Roman" panose="02020603050405020304" pitchFamily="18" charset="0"/>
             </a:endParaRPr>
           </a:p>
-          <a:p>
-            <a:pPr indent="270510" algn="just">
-              <a:lnSpc>
-                <a:spcPct val="150000"/>
-              </a:lnSpc>
-              <a:spcAft>
-                <a:spcPts val="600"/>
-              </a:spcAft>
-            </a:pPr>
-            <a:r>
-              <a:rPr lang="pt-BR" sz="1800" dirty="0">
-                <a:effectLst/>
-                <a:latin typeface="Arial" panose="020B0604020202020204" pitchFamily="34" charset="0"/>
-                <a:ea typeface="Calibri" panose="020F0502020204030204" pitchFamily="34" charset="0"/>
-                <a:cs typeface="Times New Roman" panose="02020603050405020304" pitchFamily="18" charset="0"/>
-              </a:rPr>
-              <a:t>Para </a:t>
-            </a:r>
-            <a:r>
-              <a:rPr lang="pt-BR" sz="1800" dirty="0" err="1">
-                <a:effectLst/>
-                <a:latin typeface="Arial" panose="020B0604020202020204" pitchFamily="34" charset="0"/>
-                <a:ea typeface="Calibri" panose="020F0502020204030204" pitchFamily="34" charset="0"/>
-                <a:cs typeface="Times New Roman" panose="02020603050405020304" pitchFamily="18" charset="0"/>
-              </a:rPr>
-              <a:t>Maslach</a:t>
-            </a:r>
-            <a:r>
-              <a:rPr lang="pt-BR" sz="1800" dirty="0">
-                <a:effectLst/>
-                <a:latin typeface="Arial" panose="020B0604020202020204" pitchFamily="34" charset="0"/>
-                <a:ea typeface="Calibri" panose="020F0502020204030204" pitchFamily="34" charset="0"/>
-                <a:cs typeface="Times New Roman" panose="02020603050405020304" pitchFamily="18" charset="0"/>
-              </a:rPr>
-              <a:t> e </a:t>
-            </a:r>
-            <a:r>
-              <a:rPr lang="pt-BR" sz="1800" dirty="0" err="1">
-                <a:effectLst/>
-                <a:latin typeface="Arial" panose="020B0604020202020204" pitchFamily="34" charset="0"/>
-                <a:ea typeface="Calibri" panose="020F0502020204030204" pitchFamily="34" charset="0"/>
-                <a:cs typeface="Times New Roman" panose="02020603050405020304" pitchFamily="18" charset="0"/>
-              </a:rPr>
-              <a:t>Leiter</a:t>
-            </a:r>
-            <a:r>
-              <a:rPr lang="pt-BR" sz="1800" dirty="0">
-                <a:effectLst/>
-                <a:latin typeface="Arial" panose="020B0604020202020204" pitchFamily="34" charset="0"/>
-                <a:ea typeface="Calibri" panose="020F0502020204030204" pitchFamily="34" charset="0"/>
-                <a:cs typeface="Times New Roman" panose="02020603050405020304" pitchFamily="18" charset="0"/>
-              </a:rPr>
-              <a:t> (2016), o </a:t>
-            </a:r>
-            <a:r>
-              <a:rPr lang="pt-BR" sz="1800" dirty="0" err="1">
-                <a:effectLst/>
-                <a:latin typeface="Arial" panose="020B0604020202020204" pitchFamily="34" charset="0"/>
-                <a:ea typeface="Calibri" panose="020F0502020204030204" pitchFamily="34" charset="0"/>
-                <a:cs typeface="Times New Roman" panose="02020603050405020304" pitchFamily="18" charset="0"/>
-              </a:rPr>
-              <a:t>burnout</a:t>
-            </a:r>
-            <a:r>
-              <a:rPr lang="pt-BR" sz="1800" dirty="0">
-                <a:effectLst/>
-                <a:latin typeface="Arial" panose="020B0604020202020204" pitchFamily="34" charset="0"/>
-                <a:ea typeface="Calibri" panose="020F0502020204030204" pitchFamily="34" charset="0"/>
-                <a:cs typeface="Times New Roman" panose="02020603050405020304" pitchFamily="18" charset="0"/>
-              </a:rPr>
-              <a:t> reflete uma incompatibilidade do design do trabalho com as preferências dos padrões de trabalho dos indivíduos e esse conflito é exaustivo, levando à retirada cínica e ao desânimo. Além disso, para </a:t>
-            </a:r>
-            <a:r>
-              <a:rPr lang="pt-BR" sz="1800" dirty="0" err="1">
-                <a:effectLst/>
-                <a:latin typeface="Arial" panose="020B0604020202020204" pitchFamily="34" charset="0"/>
-                <a:ea typeface="Calibri" panose="020F0502020204030204" pitchFamily="34" charset="0"/>
-                <a:cs typeface="Times New Roman" panose="02020603050405020304" pitchFamily="18" charset="0"/>
-              </a:rPr>
-              <a:t>Maslach</a:t>
-            </a:r>
-            <a:r>
-              <a:rPr lang="pt-BR" sz="1800" dirty="0">
-                <a:effectLst/>
-                <a:latin typeface="Arial" panose="020B0604020202020204" pitchFamily="34" charset="0"/>
-                <a:ea typeface="Calibri" panose="020F0502020204030204" pitchFamily="34" charset="0"/>
-                <a:cs typeface="Times New Roman" panose="02020603050405020304" pitchFamily="18" charset="0"/>
-              </a:rPr>
-              <a:t> e </a:t>
-            </a:r>
-            <a:r>
-              <a:rPr lang="pt-BR" sz="1800" dirty="0" err="1">
-                <a:effectLst/>
-                <a:latin typeface="Arial" panose="020B0604020202020204" pitchFamily="34" charset="0"/>
-                <a:ea typeface="Calibri" panose="020F0502020204030204" pitchFamily="34" charset="0"/>
-                <a:cs typeface="Times New Roman" panose="02020603050405020304" pitchFamily="18" charset="0"/>
-              </a:rPr>
-              <a:t>Leiter</a:t>
-            </a:r>
-            <a:r>
-              <a:rPr lang="pt-BR" sz="1800" dirty="0">
-                <a:effectLst/>
-                <a:latin typeface="Arial" panose="020B0604020202020204" pitchFamily="34" charset="0"/>
-                <a:ea typeface="Calibri" panose="020F0502020204030204" pitchFamily="34" charset="0"/>
-                <a:cs typeface="Times New Roman" panose="02020603050405020304" pitchFamily="18" charset="0"/>
-              </a:rPr>
-              <a:t> (2016), existem duas maneiras gerais de atacar o </a:t>
-            </a:r>
-            <a:r>
-              <a:rPr lang="pt-BR" sz="1800" dirty="0" err="1">
-                <a:effectLst/>
-                <a:latin typeface="Arial" panose="020B0604020202020204" pitchFamily="34" charset="0"/>
-                <a:ea typeface="Calibri" panose="020F0502020204030204" pitchFamily="34" charset="0"/>
-                <a:cs typeface="Times New Roman" panose="02020603050405020304" pitchFamily="18" charset="0"/>
-              </a:rPr>
-              <a:t>burnout</a:t>
-            </a:r>
-            <a:r>
-              <a:rPr lang="pt-BR" sz="1800" dirty="0">
-                <a:effectLst/>
-                <a:latin typeface="Arial" panose="020B0604020202020204" pitchFamily="34" charset="0"/>
-                <a:ea typeface="Calibri" panose="020F0502020204030204" pitchFamily="34" charset="0"/>
-                <a:cs typeface="Times New Roman" panose="02020603050405020304" pitchFamily="18" charset="0"/>
-              </a:rPr>
-              <a:t> do trabalho. A primeira é ajustar o design de trabalho para os indivíduos. Já a segunda consiste em desenvolver alternativas para que os membros da equipe possam tolerar as incompatibilidades do design do trabalho. É possível supor então que os membros precisem se adaptar ao design do trabalho. </a:t>
-            </a:r>
-            <a:endParaRPr lang="pt-BR" sz="1800" dirty="0">
-              <a:effectLst/>
-              <a:latin typeface="Times" panose="02020603050405020304" pitchFamily="18" charset="0"/>
-              <a:ea typeface="Times New Roman" panose="02020603050405020304" pitchFamily="18" charset="0"/>
-              <a:cs typeface="Times New Roman" panose="02020603050405020304" pitchFamily="18" charset="0"/>
-            </a:endParaRPr>
-          </a:p>
         </p:txBody>
       </p:sp>
     </p:spTree>
     <p:extLst>
       <p:ext uri="{BB962C8B-B14F-4D97-AF65-F5344CB8AC3E}">
-        <p14:creationId xmlns:p14="http://schemas.microsoft.com/office/powerpoint/2010/main" val="3955292222"/>
+        <p14:creationId xmlns:p14="http://schemas.microsoft.com/office/powerpoint/2010/main" val="317032407"/>
       </p:ext>
     </p:extLst>
   </p:cSld>
@@ -7108,7 +7523,7 @@
         <p:spPr/>
         <p:txBody>
           <a:bodyPr>
-            <a:normAutofit lnSpcReduction="10000"/>
+            <a:normAutofit/>
           </a:bodyPr>
           <a:lstStyle/>
           <a:p>
@@ -7116,60 +7531,6 @@
             <a:endParaRPr lang="pt-BR" sz="1400" dirty="0">
               <a:latin typeface="Arial" panose="020B0604020202020204" pitchFamily="34" charset="0"/>
               <a:ea typeface="Times New Roman" panose="02020603050405020304" pitchFamily="18" charset="0"/>
-            </a:endParaRPr>
-          </a:p>
-          <a:p>
-            <a:endParaRPr lang="pt-BR" sz="1800" dirty="0">
-              <a:effectLst/>
-              <a:latin typeface="Arial" panose="020B0604020202020204" pitchFamily="34" charset="0"/>
-              <a:ea typeface="Times New Roman" panose="02020603050405020304" pitchFamily="18" charset="0"/>
-              <a:cs typeface="Times New Roman" panose="02020603050405020304" pitchFamily="18" charset="0"/>
-            </a:endParaRPr>
-          </a:p>
-          <a:p>
-            <a:endParaRPr lang="pt-BR" sz="1800" dirty="0">
-              <a:effectLst/>
-              <a:latin typeface="Arial" panose="020B0604020202020204" pitchFamily="34" charset="0"/>
-              <a:ea typeface="Times New Roman" panose="02020603050405020304" pitchFamily="18" charset="0"/>
-              <a:cs typeface="Times New Roman" panose="02020603050405020304" pitchFamily="18" charset="0"/>
-            </a:endParaRPr>
-          </a:p>
-          <a:p>
-            <a:endParaRPr lang="pt-BR" sz="1800" dirty="0">
-              <a:latin typeface="Arial" panose="020B0604020202020204" pitchFamily="34" charset="0"/>
-              <a:ea typeface="Times New Roman" panose="02020603050405020304" pitchFamily="18" charset="0"/>
-              <a:cs typeface="Times New Roman" panose="02020603050405020304" pitchFamily="18" charset="0"/>
-            </a:endParaRPr>
-          </a:p>
-          <a:p>
-            <a:endParaRPr lang="pt-BR" sz="1800" dirty="0">
-              <a:effectLst/>
-              <a:latin typeface="Arial" panose="020B0604020202020204" pitchFamily="34" charset="0"/>
-              <a:ea typeface="Times New Roman" panose="02020603050405020304" pitchFamily="18" charset="0"/>
-              <a:cs typeface="Times New Roman" panose="02020603050405020304" pitchFamily="18" charset="0"/>
-            </a:endParaRPr>
-          </a:p>
-          <a:p>
-            <a:endParaRPr lang="pt-BR" sz="1800" dirty="0">
-              <a:latin typeface="Arial" panose="020B0604020202020204" pitchFamily="34" charset="0"/>
-              <a:ea typeface="Times New Roman" panose="02020603050405020304" pitchFamily="18" charset="0"/>
-              <a:cs typeface="Times New Roman" panose="02020603050405020304" pitchFamily="18" charset="0"/>
-            </a:endParaRPr>
-          </a:p>
-          <a:p>
-            <a:endParaRPr lang="pt-BR" sz="1800" dirty="0">
-              <a:effectLst/>
-              <a:latin typeface="Arial" panose="020B0604020202020204" pitchFamily="34" charset="0"/>
-              <a:ea typeface="Times New Roman" panose="02020603050405020304" pitchFamily="18" charset="0"/>
-              <a:cs typeface="Times New Roman" panose="02020603050405020304" pitchFamily="18" charset="0"/>
-            </a:endParaRPr>
-          </a:p>
-          <a:p>
-            <a:endParaRPr lang="pt-BR" sz="1800" dirty="0">
-              <a:effectLst/>
-              <a:latin typeface="Arial" panose="020B0604020202020204" pitchFamily="34" charset="0"/>
-              <a:ea typeface="Times New Roman" panose="02020603050405020304" pitchFamily="18" charset="0"/>
-              <a:cs typeface="Times New Roman" panose="02020603050405020304" pitchFamily="18" charset="0"/>
             </a:endParaRPr>
           </a:p>
           <a:p>
@@ -7235,8 +7596,8 @@
         </p:blipFill>
         <p:spPr bwMode="auto">
           <a:xfrm>
-            <a:off x="2843808" y="2348880"/>
-            <a:ext cx="3024336" cy="2674412"/>
+            <a:off x="3563888" y="4098890"/>
+            <a:ext cx="2581078" cy="2282440"/>
           </a:xfrm>
           <a:prstGeom prst="rect">
             <a:avLst/>
@@ -7330,387 +7691,6 @@
         <p:spPr/>
         <p:txBody>
           <a:bodyPr>
-            <a:normAutofit fontScale="85000" lnSpcReduction="10000"/>
-          </a:bodyPr>
-          <a:lstStyle/>
-          <a:p>
-            <a:pPr algn="just">
-              <a:lnSpc>
-                <a:spcPct val="150000"/>
-              </a:lnSpc>
-              <a:spcAft>
-                <a:spcPts val="600"/>
-              </a:spcAft>
-            </a:pPr>
-            <a:r>
-              <a:rPr lang="pt-BR" sz="1800" b="1" i="1" dirty="0">
-                <a:effectLst/>
-                <a:latin typeface="Arial" panose="020B0604020202020204" pitchFamily="34" charset="0"/>
-                <a:ea typeface="Times New Roman" panose="02020603050405020304" pitchFamily="18" charset="0"/>
-                <a:cs typeface="Times New Roman" panose="02020603050405020304" pitchFamily="18" charset="0"/>
-              </a:rPr>
-              <a:t>H3– A percepção da satisfação com o trabalho está relacionada negativamente com a percepção do </a:t>
-            </a:r>
-            <a:r>
-              <a:rPr lang="pt-BR" sz="1800" b="1" i="1" dirty="0" err="1">
-                <a:effectLst/>
-                <a:latin typeface="Arial" panose="020B0604020202020204" pitchFamily="34" charset="0"/>
-                <a:ea typeface="Times New Roman" panose="02020603050405020304" pitchFamily="18" charset="0"/>
-                <a:cs typeface="Times New Roman" panose="02020603050405020304" pitchFamily="18" charset="0"/>
-              </a:rPr>
-              <a:t>burnout</a:t>
-            </a:r>
-            <a:r>
-              <a:rPr lang="pt-BR" sz="1800" b="1" i="1" dirty="0">
-                <a:effectLst/>
-                <a:latin typeface="Arial" panose="020B0604020202020204" pitchFamily="34" charset="0"/>
-                <a:ea typeface="Times New Roman" panose="02020603050405020304" pitchFamily="18" charset="0"/>
-                <a:cs typeface="Times New Roman" panose="02020603050405020304" pitchFamily="18" charset="0"/>
-              </a:rPr>
-              <a:t> dos indivíduos na Engenharia de Software. </a:t>
-            </a:r>
-            <a:endParaRPr lang="pt-BR" sz="1800" dirty="0">
-              <a:effectLst/>
-              <a:latin typeface="Times" panose="02020603050405020304" pitchFamily="18" charset="0"/>
-              <a:ea typeface="Times New Roman" panose="02020603050405020304" pitchFamily="18" charset="0"/>
-              <a:cs typeface="Times New Roman" panose="02020603050405020304" pitchFamily="18" charset="0"/>
-            </a:endParaRPr>
-          </a:p>
-          <a:p>
-            <a:pPr marL="0" indent="0" algn="just">
-              <a:lnSpc>
-                <a:spcPct val="150000"/>
-              </a:lnSpc>
-              <a:spcAft>
-                <a:spcPts val="600"/>
-              </a:spcAft>
-              <a:buNone/>
-            </a:pPr>
-            <a:r>
-              <a:rPr lang="pt-BR" sz="1800" dirty="0">
-                <a:effectLst/>
-                <a:latin typeface="Arial" panose="020B0604020202020204" pitchFamily="34" charset="0"/>
-                <a:ea typeface="Calibri" panose="020F0502020204030204" pitchFamily="34" charset="0"/>
-                <a:cs typeface="Times New Roman" panose="02020603050405020304" pitchFamily="18" charset="0"/>
-              </a:rPr>
-              <a:t>Para </a:t>
-            </a:r>
-            <a:r>
-              <a:rPr lang="pt-BR" sz="1800" dirty="0" err="1">
-                <a:effectLst/>
-                <a:latin typeface="Arial" panose="020B0604020202020204" pitchFamily="34" charset="0"/>
-                <a:ea typeface="Calibri" panose="020F0502020204030204" pitchFamily="34" charset="0"/>
-                <a:cs typeface="Times New Roman" panose="02020603050405020304" pitchFamily="18" charset="0"/>
-              </a:rPr>
-              <a:t>Maslach</a:t>
-            </a:r>
-            <a:r>
-              <a:rPr lang="pt-BR" sz="1800" dirty="0">
-                <a:effectLst/>
-                <a:latin typeface="Arial" panose="020B0604020202020204" pitchFamily="34" charset="0"/>
-                <a:ea typeface="Calibri" panose="020F0502020204030204" pitchFamily="34" charset="0"/>
-                <a:cs typeface="Times New Roman" panose="02020603050405020304" pitchFamily="18" charset="0"/>
-              </a:rPr>
-              <a:t> e </a:t>
-            </a:r>
-            <a:r>
-              <a:rPr lang="pt-BR" sz="1800" dirty="0" err="1">
-                <a:effectLst/>
-                <a:latin typeface="Arial" panose="020B0604020202020204" pitchFamily="34" charset="0"/>
-                <a:ea typeface="Calibri" panose="020F0502020204030204" pitchFamily="34" charset="0"/>
-                <a:cs typeface="Times New Roman" panose="02020603050405020304" pitchFamily="18" charset="0"/>
-              </a:rPr>
-              <a:t>Leiter</a:t>
-            </a:r>
-            <a:r>
-              <a:rPr lang="pt-BR" sz="1800" dirty="0">
-                <a:effectLst/>
-                <a:latin typeface="Arial" panose="020B0604020202020204" pitchFamily="34" charset="0"/>
-                <a:ea typeface="Calibri" panose="020F0502020204030204" pitchFamily="34" charset="0"/>
-                <a:cs typeface="Times New Roman" panose="02020603050405020304" pitchFamily="18" charset="0"/>
-              </a:rPr>
-              <a:t> (2016), o </a:t>
-            </a:r>
-            <a:r>
-              <a:rPr lang="pt-BR" sz="1800" dirty="0" err="1">
-                <a:effectLst/>
-                <a:latin typeface="Arial" panose="020B0604020202020204" pitchFamily="34" charset="0"/>
-                <a:ea typeface="Calibri" panose="020F0502020204030204" pitchFamily="34" charset="0"/>
-                <a:cs typeface="Times New Roman" panose="02020603050405020304" pitchFamily="18" charset="0"/>
-              </a:rPr>
-              <a:t>burnout</a:t>
-            </a:r>
-            <a:r>
-              <a:rPr lang="pt-BR" sz="1800" dirty="0">
-                <a:effectLst/>
-                <a:latin typeface="Arial" panose="020B0604020202020204" pitchFamily="34" charset="0"/>
-                <a:ea typeface="Calibri" panose="020F0502020204030204" pitchFamily="34" charset="0"/>
-                <a:cs typeface="Times New Roman" panose="02020603050405020304" pitchFamily="18" charset="0"/>
-              </a:rPr>
-              <a:t> reflete uma incompatibilidade do design do trabalho com as preferências dos padrões de trabalho dos indivíduos e esse conflito é exaustivo, levando à retirada cínica e ao desânimo. Além disso, para </a:t>
-            </a:r>
-            <a:r>
-              <a:rPr lang="pt-BR" sz="1800" dirty="0" err="1">
-                <a:effectLst/>
-                <a:latin typeface="Arial" panose="020B0604020202020204" pitchFamily="34" charset="0"/>
-                <a:ea typeface="Calibri" panose="020F0502020204030204" pitchFamily="34" charset="0"/>
-                <a:cs typeface="Times New Roman" panose="02020603050405020304" pitchFamily="18" charset="0"/>
-              </a:rPr>
-              <a:t>Maslach</a:t>
-            </a:r>
-            <a:r>
-              <a:rPr lang="pt-BR" sz="1800" dirty="0">
-                <a:effectLst/>
-                <a:latin typeface="Arial" panose="020B0604020202020204" pitchFamily="34" charset="0"/>
-                <a:ea typeface="Calibri" panose="020F0502020204030204" pitchFamily="34" charset="0"/>
-                <a:cs typeface="Times New Roman" panose="02020603050405020304" pitchFamily="18" charset="0"/>
-              </a:rPr>
-              <a:t> e </a:t>
-            </a:r>
-            <a:r>
-              <a:rPr lang="pt-BR" sz="1800" dirty="0" err="1">
-                <a:effectLst/>
-                <a:latin typeface="Arial" panose="020B0604020202020204" pitchFamily="34" charset="0"/>
-                <a:ea typeface="Calibri" panose="020F0502020204030204" pitchFamily="34" charset="0"/>
-                <a:cs typeface="Times New Roman" panose="02020603050405020304" pitchFamily="18" charset="0"/>
-              </a:rPr>
-              <a:t>Leiter</a:t>
-            </a:r>
-            <a:r>
-              <a:rPr lang="pt-BR" sz="1800" dirty="0">
-                <a:effectLst/>
-                <a:latin typeface="Arial" panose="020B0604020202020204" pitchFamily="34" charset="0"/>
-                <a:ea typeface="Calibri" panose="020F0502020204030204" pitchFamily="34" charset="0"/>
-                <a:cs typeface="Times New Roman" panose="02020603050405020304" pitchFamily="18" charset="0"/>
-              </a:rPr>
-              <a:t> (2016), existem duas maneiras gerais de atacar o </a:t>
-            </a:r>
-            <a:r>
-              <a:rPr lang="pt-BR" sz="1800" dirty="0" err="1">
-                <a:effectLst/>
-                <a:latin typeface="Arial" panose="020B0604020202020204" pitchFamily="34" charset="0"/>
-                <a:ea typeface="Calibri" panose="020F0502020204030204" pitchFamily="34" charset="0"/>
-                <a:cs typeface="Times New Roman" panose="02020603050405020304" pitchFamily="18" charset="0"/>
-              </a:rPr>
-              <a:t>burnout</a:t>
-            </a:r>
-            <a:r>
-              <a:rPr lang="pt-BR" sz="1800" dirty="0">
-                <a:effectLst/>
-                <a:latin typeface="Arial" panose="020B0604020202020204" pitchFamily="34" charset="0"/>
-                <a:ea typeface="Calibri" panose="020F0502020204030204" pitchFamily="34" charset="0"/>
-                <a:cs typeface="Times New Roman" panose="02020603050405020304" pitchFamily="18" charset="0"/>
-              </a:rPr>
-              <a:t> do trabalho. A primeira é ajustar o design de trabalho para os indivíduos. Já a segunda consiste em desenvolver alternativas para que os membros da equipe possam tolerar as incompatibilidades do design do trabalho. É possível supor então que os membros precisem se adaptar ao design do trabalho. </a:t>
-            </a:r>
-            <a:endParaRPr lang="pt-BR" sz="1800" dirty="0">
-              <a:effectLst/>
-              <a:latin typeface="Times" panose="02020603050405020304" pitchFamily="18" charset="0"/>
-              <a:ea typeface="Times New Roman" panose="02020603050405020304" pitchFamily="18" charset="0"/>
-              <a:cs typeface="Times New Roman" panose="02020603050405020304" pitchFamily="18" charset="0"/>
-            </a:endParaRPr>
-          </a:p>
-        </p:txBody>
-      </p:sp>
-    </p:spTree>
-    <p:extLst>
-      <p:ext uri="{BB962C8B-B14F-4D97-AF65-F5344CB8AC3E}">
-        <p14:creationId xmlns:p14="http://schemas.microsoft.com/office/powerpoint/2010/main" val="2716498316"/>
-      </p:ext>
-    </p:extLst>
-  </p:cSld>
-  <p:clrMapOvr>
-    <a:masterClrMapping/>
-  </p:clrMapOvr>
-</p:sld>
-</file>
-
-<file path=ppt/slides/slide41.xml><?xml version="1.0" encoding="utf-8"?>
-<p:sld xmlns:a="http://schemas.openxmlformats.org/drawingml/2006/main" xmlns:r="http://schemas.openxmlformats.org/officeDocument/2006/relationships" xmlns:p="http://schemas.openxmlformats.org/presentationml/2006/main">
-  <p:cSld>
-    <p:spTree>
-      <p:nvGrpSpPr>
-        <p:cNvPr id="1" name=""/>
-        <p:cNvGrpSpPr/>
-        <p:nvPr/>
-      </p:nvGrpSpPr>
-      <p:grpSpPr>
-        <a:xfrm>
-          <a:off x="0" y="0"/>
-          <a:ext cx="0" cy="0"/>
-          <a:chOff x="0" y="0"/>
-          <a:chExt cx="0" cy="0"/>
-        </a:xfrm>
-      </p:grpSpPr>
-      <p:sp>
-        <p:nvSpPr>
-          <p:cNvPr id="2" name="Título 1">
-            <a:extLst>
-              <a:ext uri="{FF2B5EF4-FFF2-40B4-BE49-F238E27FC236}">
-                <a16:creationId xmlns:a16="http://schemas.microsoft.com/office/drawing/2014/main" id="{1AC5E6FF-D9E3-41C4-9A2E-BA1B07FD1BB3}"/>
-              </a:ext>
-            </a:extLst>
-          </p:cNvPr>
-          <p:cNvSpPr>
-            <a:spLocks noGrp="1"/>
-          </p:cNvSpPr>
-          <p:nvPr>
-            <p:ph type="title"/>
-          </p:nvPr>
-        </p:nvSpPr>
-        <p:spPr/>
-        <p:txBody>
-          <a:bodyPr/>
-          <a:lstStyle/>
-          <a:p>
-            <a:r>
-              <a:rPr lang="pt-BR" dirty="0"/>
-              <a:t>Hipóteses de pesquisa </a:t>
-            </a:r>
-          </a:p>
-        </p:txBody>
-      </p:sp>
-      <p:sp>
-        <p:nvSpPr>
-          <p:cNvPr id="3" name="Espaço Reservado para Conteúdo 2">
-            <a:extLst>
-              <a:ext uri="{FF2B5EF4-FFF2-40B4-BE49-F238E27FC236}">
-                <a16:creationId xmlns:a16="http://schemas.microsoft.com/office/drawing/2014/main" id="{40F53813-4243-4409-AB7E-EB368A0479E2}"/>
-              </a:ext>
-            </a:extLst>
-          </p:cNvPr>
-          <p:cNvSpPr>
-            <a:spLocks noGrp="1"/>
-          </p:cNvSpPr>
-          <p:nvPr>
-            <p:ph idx="1"/>
-          </p:nvPr>
-        </p:nvSpPr>
-        <p:spPr/>
-        <p:txBody>
-          <a:bodyPr>
-            <a:normAutofit/>
-          </a:bodyPr>
-          <a:lstStyle/>
-          <a:p>
-            <a:pPr algn="just">
-              <a:lnSpc>
-                <a:spcPct val="150000"/>
-              </a:lnSpc>
-              <a:spcAft>
-                <a:spcPts val="600"/>
-              </a:spcAft>
-            </a:pPr>
-            <a:r>
-              <a:rPr lang="pt-BR" sz="1800" b="1" i="1" dirty="0">
-                <a:solidFill>
-                  <a:srgbClr val="000000"/>
-                </a:solidFill>
-                <a:effectLst/>
-                <a:latin typeface="Arial" panose="020B0604020202020204" pitchFamily="34" charset="0"/>
-                <a:ea typeface="Times New Roman" panose="02020603050405020304" pitchFamily="18" charset="0"/>
-                <a:cs typeface="Times New Roman" panose="02020603050405020304" pitchFamily="18" charset="0"/>
-              </a:rPr>
-              <a:t>H4 - A percepção da instabilidade está relacionada positivamente com </a:t>
-            </a:r>
-            <a:r>
-              <a:rPr lang="pt-BR" sz="1800" b="1" i="1" dirty="0" err="1">
-                <a:solidFill>
-                  <a:srgbClr val="000000"/>
-                </a:solidFill>
-                <a:effectLst/>
-                <a:latin typeface="Arial" panose="020B0604020202020204" pitchFamily="34" charset="0"/>
-                <a:ea typeface="Times New Roman" panose="02020603050405020304" pitchFamily="18" charset="0"/>
-                <a:cs typeface="Times New Roman" panose="02020603050405020304" pitchFamily="18" charset="0"/>
-              </a:rPr>
-              <a:t>burnout</a:t>
-            </a:r>
-            <a:endParaRPr lang="pt-BR" sz="1800" dirty="0">
-              <a:effectLst/>
-              <a:latin typeface="Times" panose="02020603050405020304" pitchFamily="18" charset="0"/>
-              <a:ea typeface="Times New Roman" panose="02020603050405020304" pitchFamily="18" charset="0"/>
-              <a:cs typeface="Times New Roman" panose="02020603050405020304" pitchFamily="18" charset="0"/>
-            </a:endParaRPr>
-          </a:p>
-        </p:txBody>
-      </p:sp>
-    </p:spTree>
-    <p:extLst>
-      <p:ext uri="{BB962C8B-B14F-4D97-AF65-F5344CB8AC3E}">
-        <p14:creationId xmlns:p14="http://schemas.microsoft.com/office/powerpoint/2010/main" val="317032407"/>
-      </p:ext>
-    </p:extLst>
-  </p:cSld>
-  <p:clrMapOvr>
-    <a:masterClrMapping/>
-  </p:clrMapOvr>
-</p:sld>
-</file>
-
-<file path=ppt/slides/slide42.xml><?xml version="1.0" encoding="utf-8"?>
-<p:sld xmlns:a="http://schemas.openxmlformats.org/drawingml/2006/main" xmlns:r="http://schemas.openxmlformats.org/officeDocument/2006/relationships" xmlns:p="http://schemas.openxmlformats.org/presentationml/2006/main">
-  <p:cSld>
-    <p:spTree>
-      <p:nvGrpSpPr>
-        <p:cNvPr id="1" name=""/>
-        <p:cNvGrpSpPr/>
-        <p:nvPr/>
-      </p:nvGrpSpPr>
-      <p:grpSpPr>
-        <a:xfrm>
-          <a:off x="0" y="0"/>
-          <a:ext cx="0" cy="0"/>
-          <a:chOff x="0" y="0"/>
-          <a:chExt cx="0" cy="0"/>
-        </a:xfrm>
-      </p:grpSpPr>
-      <p:sp>
-        <p:nvSpPr>
-          <p:cNvPr id="2" name="Título 1">
-            <a:extLst>
-              <a:ext uri="{FF2B5EF4-FFF2-40B4-BE49-F238E27FC236}">
-                <a16:creationId xmlns:a16="http://schemas.microsoft.com/office/drawing/2014/main" id="{1AC5E6FF-D9E3-41C4-9A2E-BA1B07FD1BB3}"/>
-              </a:ext>
-            </a:extLst>
-          </p:cNvPr>
-          <p:cNvSpPr>
-            <a:spLocks noGrp="1"/>
-          </p:cNvSpPr>
-          <p:nvPr>
-            <p:ph type="title"/>
-          </p:nvPr>
-        </p:nvSpPr>
-        <p:spPr/>
-        <p:txBody>
-          <a:bodyPr/>
-          <a:lstStyle/>
-          <a:p>
-            <a:r>
-              <a:rPr lang="pt-BR" dirty="0"/>
-              <a:t>Hipóteses de pesquisa </a:t>
-            </a:r>
-          </a:p>
-        </p:txBody>
-      </p:sp>
-      <p:sp>
-        <p:nvSpPr>
-          <p:cNvPr id="3" name="Espaço Reservado para Conteúdo 2">
-            <a:extLst>
-              <a:ext uri="{FF2B5EF4-FFF2-40B4-BE49-F238E27FC236}">
-                <a16:creationId xmlns:a16="http://schemas.microsoft.com/office/drawing/2014/main" id="{40F53813-4243-4409-AB7E-EB368A0479E2}"/>
-              </a:ext>
-            </a:extLst>
-          </p:cNvPr>
-          <p:cNvSpPr>
-            <a:spLocks noGrp="1"/>
-          </p:cNvSpPr>
-          <p:nvPr>
-            <p:ph idx="1"/>
-          </p:nvPr>
-        </p:nvSpPr>
-        <p:spPr/>
-        <p:txBody>
-          <a:bodyPr>
             <a:normAutofit/>
           </a:bodyPr>
           <a:lstStyle/>
@@ -7757,7 +7737,7 @@
 </p:sld>
 </file>
 
-<file path=ppt/slides/slide43.xml><?xml version="1.0" encoding="utf-8"?>
+<file path=ppt/slides/slide41.xml><?xml version="1.0" encoding="utf-8"?>
 <p:sld xmlns:a="http://schemas.openxmlformats.org/drawingml/2006/main" xmlns:r="http://schemas.openxmlformats.org/officeDocument/2006/relationships" xmlns:p="http://schemas.openxmlformats.org/presentationml/2006/main">
   <p:cSld>
     <p:spTree>
@@ -7872,7 +7852,7 @@
 </p:sld>
 </file>
 
-<file path=ppt/slides/slide44.xml><?xml version="1.0" encoding="utf-8"?>
+<file path=ppt/slides/slide42.xml><?xml version="1.0" encoding="utf-8"?>
 <p:sld xmlns:a="http://schemas.openxmlformats.org/drawingml/2006/main" xmlns:r="http://schemas.openxmlformats.org/officeDocument/2006/relationships" xmlns:p="http://schemas.openxmlformats.org/presentationml/2006/main">
   <p:cSld>
     <p:spTree>
@@ -7960,7 +7940,7 @@
 </p:sld>
 </file>
 
-<file path=ppt/slides/slide45.xml><?xml version="1.0" encoding="utf-8"?>
+<file path=ppt/slides/slide43.xml><?xml version="1.0" encoding="utf-8"?>
 <p:sld xmlns:a="http://schemas.openxmlformats.org/drawingml/2006/main" xmlns:r="http://schemas.openxmlformats.org/officeDocument/2006/relationships" xmlns:p="http://schemas.openxmlformats.org/presentationml/2006/main">
   <p:cSld>
     <p:spTree>
@@ -8053,7 +8033,7 @@
 </p:sld>
 </file>
 
-<file path=ppt/slides/slide46.xml><?xml version="1.0" encoding="utf-8"?>
+<file path=ppt/slides/slide44.xml><?xml version="1.0" encoding="utf-8"?>
 <p:sld xmlns:a="http://schemas.openxmlformats.org/drawingml/2006/main" xmlns:r="http://schemas.openxmlformats.org/officeDocument/2006/relationships" xmlns:p="http://schemas.openxmlformats.org/presentationml/2006/main">
   <p:cSld>
     <p:spTree>
@@ -8136,7 +8116,7 @@
 </p:sld>
 </file>
 
-<file path=ppt/slides/slide47.xml><?xml version="1.0" encoding="utf-8"?>
+<file path=ppt/slides/slide45.xml><?xml version="1.0" encoding="utf-8"?>
 <p:sld xmlns:a="http://schemas.openxmlformats.org/drawingml/2006/main" xmlns:r="http://schemas.openxmlformats.org/officeDocument/2006/relationships" xmlns:p="http://schemas.openxmlformats.org/presentationml/2006/main">
   <p:cSld>
     <p:spTree>
@@ -8246,7 +8226,7 @@
 </p:sld>
 </file>
 
-<file path=ppt/slides/slide48.xml><?xml version="1.0" encoding="utf-8"?>
+<file path=ppt/slides/slide46.xml><?xml version="1.0" encoding="utf-8"?>
 <p:sld xmlns:a="http://schemas.openxmlformats.org/drawingml/2006/main" xmlns:r="http://schemas.openxmlformats.org/officeDocument/2006/relationships" xmlns:p="http://schemas.openxmlformats.org/presentationml/2006/main">
   <p:cSld>
     <p:spTree>
@@ -8356,7 +8336,7 @@
 </p:sld>
 </file>
 
-<file path=ppt/slides/slide49.xml><?xml version="1.0" encoding="utf-8"?>
+<file path=ppt/slides/slide47.xml><?xml version="1.0" encoding="utf-8"?>
 <p:sld xmlns:a="http://schemas.openxmlformats.org/drawingml/2006/main" xmlns:r="http://schemas.openxmlformats.org/officeDocument/2006/relationships" xmlns:p="http://schemas.openxmlformats.org/presentationml/2006/main">
   <p:cSld>
     <p:spTree>
@@ -8439,253 +8419,7 @@
 </p:sld>
 </file>
 
-<file path=ppt/slides/slide5.xml><?xml version="1.0" encoding="utf-8"?>
-<p:sld xmlns:a="http://schemas.openxmlformats.org/drawingml/2006/main" xmlns:r="http://schemas.openxmlformats.org/officeDocument/2006/relationships" xmlns:p="http://schemas.openxmlformats.org/presentationml/2006/main">
-  <p:cSld>
-    <p:spTree>
-      <p:nvGrpSpPr>
-        <p:cNvPr id="1" name=""/>
-        <p:cNvGrpSpPr/>
-        <p:nvPr/>
-      </p:nvGrpSpPr>
-      <p:grpSpPr>
-        <a:xfrm>
-          <a:off x="0" y="0"/>
-          <a:ext cx="0" cy="0"/>
-          <a:chOff x="0" y="0"/>
-          <a:chExt cx="0" cy="0"/>
-        </a:xfrm>
-      </p:grpSpPr>
-      <p:sp>
-        <p:nvSpPr>
-          <p:cNvPr id="2" name="Título 1"/>
-          <p:cNvSpPr>
-            <a:spLocks noGrp="1"/>
-          </p:cNvSpPr>
-          <p:nvPr>
-            <p:ph type="title"/>
-          </p:nvPr>
-        </p:nvSpPr>
-        <p:spPr/>
-        <p:txBody>
-          <a:bodyPr/>
-          <a:lstStyle/>
-          <a:p>
-            <a:r>
-              <a:rPr lang="pt-BR" dirty="0"/>
-              <a:t>Introdução</a:t>
-            </a:r>
-          </a:p>
-        </p:txBody>
-      </p:sp>
-      <p:pic>
-        <p:nvPicPr>
-          <p:cNvPr id="9" name="Espaço Reservado para Conteúdo 8">
-            <a:extLst>
-              <a:ext uri="{FF2B5EF4-FFF2-40B4-BE49-F238E27FC236}">
-                <a16:creationId xmlns:a16="http://schemas.microsoft.com/office/drawing/2014/main" id="{221C6F7B-95BC-44B7-A24F-9CA63445F21C}"/>
-              </a:ext>
-            </a:extLst>
-          </p:cNvPr>
-          <p:cNvPicPr>
-            <a:picLocks noGrp="1" noChangeAspect="1"/>
-          </p:cNvPicPr>
-          <p:nvPr>
-            <p:ph idx="1"/>
-          </p:nvPr>
-        </p:nvPicPr>
-        <p:blipFill>
-          <a:blip r:embed="rId3"/>
-          <a:stretch>
-            <a:fillRect/>
-          </a:stretch>
-        </p:blipFill>
-        <p:spPr>
-          <a:xfrm>
-            <a:off x="3838263" y="1916832"/>
-            <a:ext cx="5305737" cy="4113584"/>
-          </a:xfrm>
-        </p:spPr>
-      </p:pic>
-      <p:pic>
-        <p:nvPicPr>
-          <p:cNvPr id="7" name="Imagem 6">
-            <a:extLst>
-              <a:ext uri="{FF2B5EF4-FFF2-40B4-BE49-F238E27FC236}">
-                <a16:creationId xmlns:a16="http://schemas.microsoft.com/office/drawing/2014/main" id="{42C039EC-9661-49C9-81DA-28DB5CE5D7D1}"/>
-              </a:ext>
-            </a:extLst>
-          </p:cNvPr>
-          <p:cNvPicPr>
-            <a:picLocks noChangeAspect="1"/>
-          </p:cNvPicPr>
-          <p:nvPr/>
-        </p:nvPicPr>
-        <p:blipFill>
-          <a:blip r:embed="rId4"/>
-          <a:stretch>
-            <a:fillRect/>
-          </a:stretch>
-        </p:blipFill>
-        <p:spPr>
-          <a:xfrm>
-            <a:off x="260399" y="2491104"/>
-            <a:ext cx="3968263" cy="3384376"/>
-          </a:xfrm>
-          <a:prstGeom prst="rect">
-            <a:avLst/>
-          </a:prstGeom>
-        </p:spPr>
-      </p:pic>
-      <p:sp>
-        <p:nvSpPr>
-          <p:cNvPr id="10" name="Elipse 9">
-            <a:extLst>
-              <a:ext uri="{FF2B5EF4-FFF2-40B4-BE49-F238E27FC236}">
-                <a16:creationId xmlns:a16="http://schemas.microsoft.com/office/drawing/2014/main" id="{5FB807D2-907A-4414-A5B8-0C0533E8B21B}"/>
-              </a:ext>
-            </a:extLst>
-          </p:cNvPr>
-          <p:cNvSpPr/>
-          <p:nvPr/>
-        </p:nvSpPr>
-        <p:spPr>
-          <a:xfrm>
-            <a:off x="971600" y="5229200"/>
-            <a:ext cx="3096344" cy="576064"/>
-          </a:xfrm>
-          <a:prstGeom prst="ellipse">
-            <a:avLst/>
-          </a:prstGeom>
-          <a:noFill/>
-        </p:spPr>
-        <p:style>
-          <a:lnRef idx="2">
-            <a:schemeClr val="accent6"/>
-          </a:lnRef>
-          <a:fillRef idx="1">
-            <a:schemeClr val="lt1"/>
-          </a:fillRef>
-          <a:effectRef idx="0">
-            <a:schemeClr val="accent6"/>
-          </a:effectRef>
-          <a:fontRef idx="minor">
-            <a:schemeClr val="dk1"/>
-          </a:fontRef>
-        </p:style>
-        <p:txBody>
-          <a:bodyPr rtlCol="0" anchor="ctr"/>
-          <a:lstStyle/>
-          <a:p>
-            <a:pPr algn="ctr"/>
-            <a:endParaRPr lang="pt-BR"/>
-          </a:p>
-        </p:txBody>
-      </p:sp>
-      <p:sp>
-        <p:nvSpPr>
-          <p:cNvPr id="11" name="Elipse 10">
-            <a:extLst>
-              <a:ext uri="{FF2B5EF4-FFF2-40B4-BE49-F238E27FC236}">
-                <a16:creationId xmlns:a16="http://schemas.microsoft.com/office/drawing/2014/main" id="{002A9578-F6A4-4DCD-B60D-21C8963F0B51}"/>
-              </a:ext>
-            </a:extLst>
-          </p:cNvPr>
-          <p:cNvSpPr/>
-          <p:nvPr/>
-        </p:nvSpPr>
-        <p:spPr>
-          <a:xfrm>
-            <a:off x="3589987" y="3365856"/>
-            <a:ext cx="2782213" cy="576064"/>
-          </a:xfrm>
-          <a:prstGeom prst="ellipse">
-            <a:avLst/>
-          </a:prstGeom>
-          <a:noFill/>
-        </p:spPr>
-        <p:style>
-          <a:lnRef idx="2">
-            <a:schemeClr val="accent6"/>
-          </a:lnRef>
-          <a:fillRef idx="1">
-            <a:schemeClr val="lt1"/>
-          </a:fillRef>
-          <a:effectRef idx="0">
-            <a:schemeClr val="accent6"/>
-          </a:effectRef>
-          <a:fontRef idx="minor">
-            <a:schemeClr val="dk1"/>
-          </a:fontRef>
-        </p:style>
-        <p:txBody>
-          <a:bodyPr rtlCol="0" anchor="ctr"/>
-          <a:lstStyle/>
-          <a:p>
-            <a:pPr algn="ctr"/>
-            <a:endParaRPr lang="pt-BR"/>
-          </a:p>
-        </p:txBody>
-      </p:sp>
-      <p:sp>
-        <p:nvSpPr>
-          <p:cNvPr id="12" name="Elipse 11">
-            <a:extLst>
-              <a:ext uri="{FF2B5EF4-FFF2-40B4-BE49-F238E27FC236}">
-                <a16:creationId xmlns:a16="http://schemas.microsoft.com/office/drawing/2014/main" id="{011F7613-7727-4281-8D6B-529322F5067A}"/>
-              </a:ext>
-            </a:extLst>
-          </p:cNvPr>
-          <p:cNvSpPr/>
-          <p:nvPr/>
-        </p:nvSpPr>
-        <p:spPr>
-          <a:xfrm>
-            <a:off x="6057900" y="5454352"/>
-            <a:ext cx="2782213" cy="576064"/>
-          </a:xfrm>
-          <a:prstGeom prst="ellipse">
-            <a:avLst/>
-          </a:prstGeom>
-          <a:noFill/>
-        </p:spPr>
-        <p:style>
-          <a:lnRef idx="2">
-            <a:schemeClr val="accent6"/>
-          </a:lnRef>
-          <a:fillRef idx="1">
-            <a:schemeClr val="lt1"/>
-          </a:fillRef>
-          <a:effectRef idx="0">
-            <a:schemeClr val="accent6"/>
-          </a:effectRef>
-          <a:fontRef idx="minor">
-            <a:schemeClr val="dk1"/>
-          </a:fontRef>
-        </p:style>
-        <p:txBody>
-          <a:bodyPr rtlCol="0" anchor="ctr"/>
-          <a:lstStyle/>
-          <a:p>
-            <a:pPr algn="ctr"/>
-            <a:endParaRPr lang="pt-BR"/>
-          </a:p>
-        </p:txBody>
-      </p:sp>
-    </p:spTree>
-    <p:extLst>
-      <p:ext uri="{BB962C8B-B14F-4D97-AF65-F5344CB8AC3E}">
-        <p14:creationId xmlns:p14="http://schemas.microsoft.com/office/powerpoint/2010/main" val="2026066378"/>
-      </p:ext>
-    </p:extLst>
-  </p:cSld>
-  <p:clrMapOvr>
-    <a:masterClrMapping/>
-  </p:clrMapOvr>
-</p:sld>
-</file>
-
-<file path=ppt/slides/slide50.xml><?xml version="1.0" encoding="utf-8"?>
+<file path=ppt/slides/slide48.xml><?xml version="1.0" encoding="utf-8"?>
 <p:sld xmlns:a="http://schemas.openxmlformats.org/drawingml/2006/main" xmlns:r="http://schemas.openxmlformats.org/officeDocument/2006/relationships" xmlns:p="http://schemas.openxmlformats.org/presentationml/2006/main">
   <p:cSld>
     <p:spTree>
@@ -9228,7 +8962,7 @@
 </p:sld>
 </file>
 
-<file path=ppt/slides/slide51.xml><?xml version="1.0" encoding="utf-8"?>
+<file path=ppt/slides/slide49.xml><?xml version="1.0" encoding="utf-8"?>
 <p:sld xmlns:a="http://schemas.openxmlformats.org/drawingml/2006/main" xmlns:r="http://schemas.openxmlformats.org/officeDocument/2006/relationships" xmlns:p="http://schemas.openxmlformats.org/presentationml/2006/main">
   <p:cSld>
     <p:spTree>
@@ -9315,7 +9049,253 @@
 </p:sld>
 </file>
 
-<file path=ppt/slides/slide52.xml><?xml version="1.0" encoding="utf-8"?>
+<file path=ppt/slides/slide5.xml><?xml version="1.0" encoding="utf-8"?>
+<p:sld xmlns:a="http://schemas.openxmlformats.org/drawingml/2006/main" xmlns:r="http://schemas.openxmlformats.org/officeDocument/2006/relationships" xmlns:p="http://schemas.openxmlformats.org/presentationml/2006/main">
+  <p:cSld>
+    <p:spTree>
+      <p:nvGrpSpPr>
+        <p:cNvPr id="1" name=""/>
+        <p:cNvGrpSpPr/>
+        <p:nvPr/>
+      </p:nvGrpSpPr>
+      <p:grpSpPr>
+        <a:xfrm>
+          <a:off x="0" y="0"/>
+          <a:ext cx="0" cy="0"/>
+          <a:chOff x="0" y="0"/>
+          <a:chExt cx="0" cy="0"/>
+        </a:xfrm>
+      </p:grpSpPr>
+      <p:sp>
+        <p:nvSpPr>
+          <p:cNvPr id="2" name="Título 1"/>
+          <p:cNvSpPr>
+            <a:spLocks noGrp="1"/>
+          </p:cNvSpPr>
+          <p:nvPr>
+            <p:ph type="title"/>
+          </p:nvPr>
+        </p:nvSpPr>
+        <p:spPr/>
+        <p:txBody>
+          <a:bodyPr/>
+          <a:lstStyle/>
+          <a:p>
+            <a:r>
+              <a:rPr lang="pt-BR" dirty="0"/>
+              <a:t>Introdução</a:t>
+            </a:r>
+          </a:p>
+        </p:txBody>
+      </p:sp>
+      <p:pic>
+        <p:nvPicPr>
+          <p:cNvPr id="9" name="Espaço Reservado para Conteúdo 8">
+            <a:extLst>
+              <a:ext uri="{FF2B5EF4-FFF2-40B4-BE49-F238E27FC236}">
+                <a16:creationId xmlns:a16="http://schemas.microsoft.com/office/drawing/2014/main" id="{221C6F7B-95BC-44B7-A24F-9CA63445F21C}"/>
+              </a:ext>
+            </a:extLst>
+          </p:cNvPr>
+          <p:cNvPicPr>
+            <a:picLocks noGrp="1" noChangeAspect="1"/>
+          </p:cNvPicPr>
+          <p:nvPr>
+            <p:ph idx="1"/>
+          </p:nvPr>
+        </p:nvPicPr>
+        <p:blipFill>
+          <a:blip r:embed="rId3"/>
+          <a:stretch>
+            <a:fillRect/>
+          </a:stretch>
+        </p:blipFill>
+        <p:spPr>
+          <a:xfrm>
+            <a:off x="3838263" y="1916832"/>
+            <a:ext cx="5305737" cy="4113584"/>
+          </a:xfrm>
+        </p:spPr>
+      </p:pic>
+      <p:pic>
+        <p:nvPicPr>
+          <p:cNvPr id="7" name="Imagem 6">
+            <a:extLst>
+              <a:ext uri="{FF2B5EF4-FFF2-40B4-BE49-F238E27FC236}">
+                <a16:creationId xmlns:a16="http://schemas.microsoft.com/office/drawing/2014/main" id="{42C039EC-9661-49C9-81DA-28DB5CE5D7D1}"/>
+              </a:ext>
+            </a:extLst>
+          </p:cNvPr>
+          <p:cNvPicPr>
+            <a:picLocks noChangeAspect="1"/>
+          </p:cNvPicPr>
+          <p:nvPr/>
+        </p:nvPicPr>
+        <p:blipFill>
+          <a:blip r:embed="rId4"/>
+          <a:stretch>
+            <a:fillRect/>
+          </a:stretch>
+        </p:blipFill>
+        <p:spPr>
+          <a:xfrm>
+            <a:off x="260399" y="2491104"/>
+            <a:ext cx="3968263" cy="3384376"/>
+          </a:xfrm>
+          <a:prstGeom prst="rect">
+            <a:avLst/>
+          </a:prstGeom>
+        </p:spPr>
+      </p:pic>
+      <p:sp>
+        <p:nvSpPr>
+          <p:cNvPr id="10" name="Elipse 9">
+            <a:extLst>
+              <a:ext uri="{FF2B5EF4-FFF2-40B4-BE49-F238E27FC236}">
+                <a16:creationId xmlns:a16="http://schemas.microsoft.com/office/drawing/2014/main" id="{5FB807D2-907A-4414-A5B8-0C0533E8B21B}"/>
+              </a:ext>
+            </a:extLst>
+          </p:cNvPr>
+          <p:cNvSpPr/>
+          <p:nvPr/>
+        </p:nvSpPr>
+        <p:spPr>
+          <a:xfrm>
+            <a:off x="971600" y="5229200"/>
+            <a:ext cx="3096344" cy="576064"/>
+          </a:xfrm>
+          <a:prstGeom prst="ellipse">
+            <a:avLst/>
+          </a:prstGeom>
+          <a:noFill/>
+        </p:spPr>
+        <p:style>
+          <a:lnRef idx="2">
+            <a:schemeClr val="accent6"/>
+          </a:lnRef>
+          <a:fillRef idx="1">
+            <a:schemeClr val="lt1"/>
+          </a:fillRef>
+          <a:effectRef idx="0">
+            <a:schemeClr val="accent6"/>
+          </a:effectRef>
+          <a:fontRef idx="minor">
+            <a:schemeClr val="dk1"/>
+          </a:fontRef>
+        </p:style>
+        <p:txBody>
+          <a:bodyPr rtlCol="0" anchor="ctr"/>
+          <a:lstStyle/>
+          <a:p>
+            <a:pPr algn="ctr"/>
+            <a:endParaRPr lang="pt-BR"/>
+          </a:p>
+        </p:txBody>
+      </p:sp>
+      <p:sp>
+        <p:nvSpPr>
+          <p:cNvPr id="11" name="Elipse 10">
+            <a:extLst>
+              <a:ext uri="{FF2B5EF4-FFF2-40B4-BE49-F238E27FC236}">
+                <a16:creationId xmlns:a16="http://schemas.microsoft.com/office/drawing/2014/main" id="{002A9578-F6A4-4DCD-B60D-21C8963F0B51}"/>
+              </a:ext>
+            </a:extLst>
+          </p:cNvPr>
+          <p:cNvSpPr/>
+          <p:nvPr/>
+        </p:nvSpPr>
+        <p:spPr>
+          <a:xfrm>
+            <a:off x="3589987" y="3365856"/>
+            <a:ext cx="2782213" cy="576064"/>
+          </a:xfrm>
+          <a:prstGeom prst="ellipse">
+            <a:avLst/>
+          </a:prstGeom>
+          <a:noFill/>
+        </p:spPr>
+        <p:style>
+          <a:lnRef idx="2">
+            <a:schemeClr val="accent6"/>
+          </a:lnRef>
+          <a:fillRef idx="1">
+            <a:schemeClr val="lt1"/>
+          </a:fillRef>
+          <a:effectRef idx="0">
+            <a:schemeClr val="accent6"/>
+          </a:effectRef>
+          <a:fontRef idx="minor">
+            <a:schemeClr val="dk1"/>
+          </a:fontRef>
+        </p:style>
+        <p:txBody>
+          <a:bodyPr rtlCol="0" anchor="ctr"/>
+          <a:lstStyle/>
+          <a:p>
+            <a:pPr algn="ctr"/>
+            <a:endParaRPr lang="pt-BR"/>
+          </a:p>
+        </p:txBody>
+      </p:sp>
+      <p:sp>
+        <p:nvSpPr>
+          <p:cNvPr id="12" name="Elipse 11">
+            <a:extLst>
+              <a:ext uri="{FF2B5EF4-FFF2-40B4-BE49-F238E27FC236}">
+                <a16:creationId xmlns:a16="http://schemas.microsoft.com/office/drawing/2014/main" id="{011F7613-7727-4281-8D6B-529322F5067A}"/>
+              </a:ext>
+            </a:extLst>
+          </p:cNvPr>
+          <p:cNvSpPr/>
+          <p:nvPr/>
+        </p:nvSpPr>
+        <p:spPr>
+          <a:xfrm>
+            <a:off x="6057900" y="5454352"/>
+            <a:ext cx="2782213" cy="576064"/>
+          </a:xfrm>
+          <a:prstGeom prst="ellipse">
+            <a:avLst/>
+          </a:prstGeom>
+          <a:noFill/>
+        </p:spPr>
+        <p:style>
+          <a:lnRef idx="2">
+            <a:schemeClr val="accent6"/>
+          </a:lnRef>
+          <a:fillRef idx="1">
+            <a:schemeClr val="lt1"/>
+          </a:fillRef>
+          <a:effectRef idx="0">
+            <a:schemeClr val="accent6"/>
+          </a:effectRef>
+          <a:fontRef idx="minor">
+            <a:schemeClr val="dk1"/>
+          </a:fontRef>
+        </p:style>
+        <p:txBody>
+          <a:bodyPr rtlCol="0" anchor="ctr"/>
+          <a:lstStyle/>
+          <a:p>
+            <a:pPr algn="ctr"/>
+            <a:endParaRPr lang="pt-BR"/>
+          </a:p>
+        </p:txBody>
+      </p:sp>
+    </p:spTree>
+    <p:extLst>
+      <p:ext uri="{BB962C8B-B14F-4D97-AF65-F5344CB8AC3E}">
+        <p14:creationId xmlns:p14="http://schemas.microsoft.com/office/powerpoint/2010/main" val="2026066378"/>
+      </p:ext>
+    </p:extLst>
+  </p:cSld>
+  <p:clrMapOvr>
+    <a:masterClrMapping/>
+  </p:clrMapOvr>
+</p:sld>
+</file>
+
+<file path=ppt/slides/slide50.xml><?xml version="1.0" encoding="utf-8"?>
 <p:sld xmlns:a="http://schemas.openxmlformats.org/drawingml/2006/main" xmlns:r="http://schemas.openxmlformats.org/officeDocument/2006/relationships" xmlns:p="http://schemas.openxmlformats.org/presentationml/2006/main">
   <p:cSld>
     <p:spTree>
@@ -9428,7 +9408,7 @@
 </p:sld>
 </file>
 
-<file path=ppt/slides/slide53.xml><?xml version="1.0" encoding="utf-8"?>
+<file path=ppt/slides/slide51.xml><?xml version="1.0" encoding="utf-8"?>
 <p:sld xmlns:a="http://schemas.openxmlformats.org/drawingml/2006/main" xmlns:r="http://schemas.openxmlformats.org/officeDocument/2006/relationships" xmlns:p="http://schemas.openxmlformats.org/presentationml/2006/main">
   <p:cSld>
     <p:spTree>
@@ -9541,7 +9521,7 @@
 </p:sld>
 </file>
 
-<file path=ppt/slides/slide54.xml><?xml version="1.0" encoding="utf-8"?>
+<file path=ppt/slides/slide52.xml><?xml version="1.0" encoding="utf-8"?>
 <p:sld xmlns:a="http://schemas.openxmlformats.org/drawingml/2006/main" xmlns:r="http://schemas.openxmlformats.org/officeDocument/2006/relationships" xmlns:p="http://schemas.openxmlformats.org/presentationml/2006/main">
   <p:cSld>
     <p:spTree>
@@ -10026,7 +10006,7 @@
 </p:sld>
 </file>
 
-<file path=ppt/slides/slide55.xml><?xml version="1.0" encoding="utf-8"?>
+<file path=ppt/slides/slide53.xml><?xml version="1.0" encoding="utf-8"?>
 <p:sld xmlns:a="http://schemas.openxmlformats.org/drawingml/2006/main" xmlns:r="http://schemas.openxmlformats.org/officeDocument/2006/relationships" xmlns:p="http://schemas.openxmlformats.org/presentationml/2006/main">
   <p:cSld>
     <p:spTree>
@@ -10114,7 +10094,7 @@
 </p:sld>
 </file>
 
-<file path=ppt/slides/slide56.xml><?xml version="1.0" encoding="utf-8"?>
+<file path=ppt/slides/slide54.xml><?xml version="1.0" encoding="utf-8"?>
 <p:sld xmlns:a="http://schemas.openxmlformats.org/drawingml/2006/main" xmlns:r="http://schemas.openxmlformats.org/officeDocument/2006/relationships" xmlns:p="http://schemas.openxmlformats.org/presentationml/2006/main">
   <p:cSld>
     <p:spTree>
@@ -10202,7 +10182,7 @@
 </p:sld>
 </file>
 
-<file path=ppt/slides/slide57.xml><?xml version="1.0" encoding="utf-8"?>
+<file path=ppt/slides/slide55.xml><?xml version="1.0" encoding="utf-8"?>
 <p:sld xmlns:a="http://schemas.openxmlformats.org/drawingml/2006/main" xmlns:r="http://schemas.openxmlformats.org/officeDocument/2006/relationships" xmlns:p="http://schemas.openxmlformats.org/presentationml/2006/main">
   <p:cSld>
     <p:spTree>
@@ -10290,7 +10270,7 @@
 </p:sld>
 </file>
 
-<file path=ppt/slides/slide58.xml><?xml version="1.0" encoding="utf-8"?>
+<file path=ppt/slides/slide56.xml><?xml version="1.0" encoding="utf-8"?>
 <p:sld xmlns:a="http://schemas.openxmlformats.org/drawingml/2006/main" xmlns:r="http://schemas.openxmlformats.org/officeDocument/2006/relationships" xmlns:p="http://schemas.openxmlformats.org/presentationml/2006/main">
   <p:cSld>
     <p:spTree>
@@ -10374,7 +10354,7 @@
 </p:sld>
 </file>
 
-<file path=ppt/slides/slide59.xml><?xml version="1.0" encoding="utf-8"?>
+<file path=ppt/slides/slide57.xml><?xml version="1.0" encoding="utf-8"?>
 <p:sld xmlns:a="http://schemas.openxmlformats.org/drawingml/2006/main" xmlns:r="http://schemas.openxmlformats.org/officeDocument/2006/relationships" xmlns:p="http://schemas.openxmlformats.org/presentationml/2006/main">
   <p:cSld>
     <p:spTree>
@@ -11196,6 +11176,232 @@
 </p:sld>
 </file>
 
+<file path=ppt/slides/slide58.xml><?xml version="1.0" encoding="utf-8"?>
+<p:sld xmlns:a="http://schemas.openxmlformats.org/drawingml/2006/main" xmlns:r="http://schemas.openxmlformats.org/officeDocument/2006/relationships" xmlns:p="http://schemas.openxmlformats.org/presentationml/2006/main">
+  <p:cSld>
+    <p:spTree>
+      <p:nvGrpSpPr>
+        <p:cNvPr id="1" name=""/>
+        <p:cNvGrpSpPr/>
+        <p:nvPr/>
+      </p:nvGrpSpPr>
+      <p:grpSpPr>
+        <a:xfrm>
+          <a:off x="0" y="0"/>
+          <a:ext cx="0" cy="0"/>
+          <a:chOff x="0" y="0"/>
+          <a:chExt cx="0" cy="0"/>
+        </a:xfrm>
+      </p:grpSpPr>
+      <p:sp>
+        <p:nvSpPr>
+          <p:cNvPr id="2" name="Título 1">
+            <a:extLst>
+              <a:ext uri="{FF2B5EF4-FFF2-40B4-BE49-F238E27FC236}">
+                <a16:creationId xmlns:a16="http://schemas.microsoft.com/office/drawing/2014/main" id="{1AC5E6FF-D9E3-41C4-9A2E-BA1B07FD1BB3}"/>
+              </a:ext>
+            </a:extLst>
+          </p:cNvPr>
+          <p:cNvSpPr>
+            <a:spLocks noGrp="1"/>
+          </p:cNvSpPr>
+          <p:nvPr>
+            <p:ph type="title"/>
+          </p:nvPr>
+        </p:nvSpPr>
+        <p:spPr/>
+        <p:txBody>
+          <a:bodyPr/>
+          <a:lstStyle/>
+          <a:p>
+            <a:r>
+              <a:rPr lang="pt-BR" dirty="0"/>
+              <a:t>Resultados descritivos – Adaptabilidade Individual</a:t>
+            </a:r>
+          </a:p>
+        </p:txBody>
+      </p:sp>
+      <p:sp>
+        <p:nvSpPr>
+          <p:cNvPr id="7" name="Espaço Reservado para Conteúdo 6">
+            <a:extLst>
+              <a:ext uri="{FF2B5EF4-FFF2-40B4-BE49-F238E27FC236}">
+                <a16:creationId xmlns:a16="http://schemas.microsoft.com/office/drawing/2014/main" id="{793A6A21-E3FF-454D-9E26-FC54DC624A65}"/>
+              </a:ext>
+            </a:extLst>
+          </p:cNvPr>
+          <p:cNvSpPr>
+            <a:spLocks noGrp="1"/>
+          </p:cNvSpPr>
+          <p:nvPr>
+            <p:ph idx="1"/>
+          </p:nvPr>
+        </p:nvSpPr>
+        <p:spPr/>
+        <p:txBody>
+          <a:bodyPr/>
+          <a:lstStyle/>
+          <a:p>
+            <a:endParaRPr lang="pt-BR"/>
+          </a:p>
+        </p:txBody>
+      </p:sp>
+      <p:pic>
+        <p:nvPicPr>
+          <p:cNvPr id="11" name="Imagem 10">
+            <a:extLst>
+              <a:ext uri="{FF2B5EF4-FFF2-40B4-BE49-F238E27FC236}">
+                <a16:creationId xmlns:a16="http://schemas.microsoft.com/office/drawing/2014/main" id="{F872627F-37FD-41DF-890A-E6A8BF150D0D}"/>
+              </a:ext>
+            </a:extLst>
+          </p:cNvPr>
+          <p:cNvPicPr>
+            <a:picLocks noChangeAspect="1"/>
+          </p:cNvPicPr>
+          <p:nvPr/>
+        </p:nvPicPr>
+        <p:blipFill>
+          <a:blip r:embed="rId2"/>
+          <a:stretch>
+            <a:fillRect/>
+          </a:stretch>
+        </p:blipFill>
+        <p:spPr>
+          <a:xfrm>
+            <a:off x="2699792" y="2263203"/>
+            <a:ext cx="5143764" cy="4419827"/>
+          </a:xfrm>
+          <a:prstGeom prst="rect">
+            <a:avLst/>
+          </a:prstGeom>
+        </p:spPr>
+      </p:pic>
+    </p:spTree>
+    <p:extLst>
+      <p:ext uri="{BB962C8B-B14F-4D97-AF65-F5344CB8AC3E}">
+        <p14:creationId xmlns:p14="http://schemas.microsoft.com/office/powerpoint/2010/main" val="3337822829"/>
+      </p:ext>
+    </p:extLst>
+  </p:cSld>
+  <p:clrMapOvr>
+    <a:masterClrMapping/>
+  </p:clrMapOvr>
+</p:sld>
+</file>
+
+<file path=ppt/slides/slide59.xml><?xml version="1.0" encoding="utf-8"?>
+<p:sld xmlns:a="http://schemas.openxmlformats.org/drawingml/2006/main" xmlns:r="http://schemas.openxmlformats.org/officeDocument/2006/relationships" xmlns:p="http://schemas.openxmlformats.org/presentationml/2006/main">
+  <p:cSld>
+    <p:spTree>
+      <p:nvGrpSpPr>
+        <p:cNvPr id="1" name=""/>
+        <p:cNvGrpSpPr/>
+        <p:nvPr/>
+      </p:nvGrpSpPr>
+      <p:grpSpPr>
+        <a:xfrm>
+          <a:off x="0" y="0"/>
+          <a:ext cx="0" cy="0"/>
+          <a:chOff x="0" y="0"/>
+          <a:chExt cx="0" cy="0"/>
+        </a:xfrm>
+      </p:grpSpPr>
+      <p:sp>
+        <p:nvSpPr>
+          <p:cNvPr id="2" name="Título 1">
+            <a:extLst>
+              <a:ext uri="{FF2B5EF4-FFF2-40B4-BE49-F238E27FC236}">
+                <a16:creationId xmlns:a16="http://schemas.microsoft.com/office/drawing/2014/main" id="{1AC5E6FF-D9E3-41C4-9A2E-BA1B07FD1BB3}"/>
+              </a:ext>
+            </a:extLst>
+          </p:cNvPr>
+          <p:cNvSpPr>
+            <a:spLocks noGrp="1"/>
+          </p:cNvSpPr>
+          <p:nvPr>
+            <p:ph type="title"/>
+          </p:nvPr>
+        </p:nvSpPr>
+        <p:spPr/>
+        <p:txBody>
+          <a:bodyPr/>
+          <a:lstStyle/>
+          <a:p>
+            <a:r>
+              <a:rPr lang="pt-BR" dirty="0"/>
+              <a:t>Resultados descritivos – Adaptabilidade Individual</a:t>
+            </a:r>
+          </a:p>
+        </p:txBody>
+      </p:sp>
+      <p:sp>
+        <p:nvSpPr>
+          <p:cNvPr id="7" name="Espaço Reservado para Conteúdo 6">
+            <a:extLst>
+              <a:ext uri="{FF2B5EF4-FFF2-40B4-BE49-F238E27FC236}">
+                <a16:creationId xmlns:a16="http://schemas.microsoft.com/office/drawing/2014/main" id="{793A6A21-E3FF-454D-9E26-FC54DC624A65}"/>
+              </a:ext>
+            </a:extLst>
+          </p:cNvPr>
+          <p:cNvSpPr>
+            <a:spLocks noGrp="1"/>
+          </p:cNvSpPr>
+          <p:nvPr>
+            <p:ph idx="1"/>
+          </p:nvPr>
+        </p:nvSpPr>
+        <p:spPr/>
+        <p:txBody>
+          <a:bodyPr/>
+          <a:lstStyle/>
+          <a:p>
+            <a:endParaRPr lang="pt-BR"/>
+          </a:p>
+        </p:txBody>
+      </p:sp>
+      <p:pic>
+        <p:nvPicPr>
+          <p:cNvPr id="4" name="Imagem 3">
+            <a:extLst>
+              <a:ext uri="{FF2B5EF4-FFF2-40B4-BE49-F238E27FC236}">
+                <a16:creationId xmlns:a16="http://schemas.microsoft.com/office/drawing/2014/main" id="{2BD2D18F-AAF0-4F96-9631-9225014B7B54}"/>
+              </a:ext>
+            </a:extLst>
+          </p:cNvPr>
+          <p:cNvPicPr>
+            <a:picLocks noChangeAspect="1"/>
+          </p:cNvPicPr>
+          <p:nvPr/>
+        </p:nvPicPr>
+        <p:blipFill>
+          <a:blip r:embed="rId2"/>
+          <a:stretch>
+            <a:fillRect/>
+          </a:stretch>
+        </p:blipFill>
+        <p:spPr>
+          <a:xfrm>
+            <a:off x="1619672" y="3356992"/>
+            <a:ext cx="5620039" cy="2736991"/>
+          </a:xfrm>
+          <a:prstGeom prst="rect">
+            <a:avLst/>
+          </a:prstGeom>
+        </p:spPr>
+      </p:pic>
+    </p:spTree>
+    <p:extLst>
+      <p:ext uri="{BB962C8B-B14F-4D97-AF65-F5344CB8AC3E}">
+        <p14:creationId xmlns:p14="http://schemas.microsoft.com/office/powerpoint/2010/main" val="2341762583"/>
+      </p:ext>
+    </p:extLst>
+  </p:cSld>
+  <p:clrMapOvr>
+    <a:masterClrMapping/>
+  </p:clrMapOvr>
+</p:sld>
+</file>
+
 <file path=ppt/slides/slide6.xml><?xml version="1.0" encoding="utf-8"?>
 <p:sld xmlns:a="http://schemas.openxmlformats.org/drawingml/2006/main" xmlns:r="http://schemas.openxmlformats.org/officeDocument/2006/relationships" xmlns:p="http://schemas.openxmlformats.org/presentationml/2006/main">
   <p:cSld>
@@ -11265,7 +11471,7 @@
                 <a:latin typeface="Arial" panose="020B0604020202020204" pitchFamily="34" charset="0"/>
                 <a:ea typeface="Times New Roman" panose="02020603050405020304" pitchFamily="18" charset="0"/>
               </a:rPr>
-              <a:t>a habilidade, capacidade, disposição e/ou motivação do indivíduo para alterar ou se ajustar a diferentes características da tarefa (sociais e ambientais), quando exigido ou de maneira proativa (</a:t>
+              <a:t>A habilidade, capacidade, disposição e/ou motivação do indivíduo para alterar ou se ajustar a diferentes características da tarefa (sociais e ambientais), quando exigido ou de maneira proativa (</a:t>
             </a:r>
             <a:r>
               <a:rPr lang="pt-BR" sz="1800" dirty="0" err="1">
@@ -11332,8 +11538,8 @@
         </p:blipFill>
         <p:spPr bwMode="auto">
           <a:xfrm>
-            <a:off x="3048000" y="3921621"/>
-            <a:ext cx="3048000" cy="3028950"/>
+            <a:off x="3491880" y="4005064"/>
+            <a:ext cx="2532112" cy="2516286"/>
           </a:xfrm>
           <a:prstGeom prst="rect">
             <a:avLst/>
@@ -11435,232 +11641,6 @@
       </p:sp>
       <p:pic>
         <p:nvPicPr>
-          <p:cNvPr id="11" name="Imagem 10">
-            <a:extLst>
-              <a:ext uri="{FF2B5EF4-FFF2-40B4-BE49-F238E27FC236}">
-                <a16:creationId xmlns:a16="http://schemas.microsoft.com/office/drawing/2014/main" id="{F872627F-37FD-41DF-890A-E6A8BF150D0D}"/>
-              </a:ext>
-            </a:extLst>
-          </p:cNvPr>
-          <p:cNvPicPr>
-            <a:picLocks noChangeAspect="1"/>
-          </p:cNvPicPr>
-          <p:nvPr/>
-        </p:nvPicPr>
-        <p:blipFill>
-          <a:blip r:embed="rId2"/>
-          <a:stretch>
-            <a:fillRect/>
-          </a:stretch>
-        </p:blipFill>
-        <p:spPr>
-          <a:xfrm>
-            <a:off x="2699792" y="2263203"/>
-            <a:ext cx="5143764" cy="4419827"/>
-          </a:xfrm>
-          <a:prstGeom prst="rect">
-            <a:avLst/>
-          </a:prstGeom>
-        </p:spPr>
-      </p:pic>
-    </p:spTree>
-    <p:extLst>
-      <p:ext uri="{BB962C8B-B14F-4D97-AF65-F5344CB8AC3E}">
-        <p14:creationId xmlns:p14="http://schemas.microsoft.com/office/powerpoint/2010/main" val="3337822829"/>
-      </p:ext>
-    </p:extLst>
-  </p:cSld>
-  <p:clrMapOvr>
-    <a:masterClrMapping/>
-  </p:clrMapOvr>
-</p:sld>
-</file>
-
-<file path=ppt/slides/slide61.xml><?xml version="1.0" encoding="utf-8"?>
-<p:sld xmlns:a="http://schemas.openxmlformats.org/drawingml/2006/main" xmlns:r="http://schemas.openxmlformats.org/officeDocument/2006/relationships" xmlns:p="http://schemas.openxmlformats.org/presentationml/2006/main">
-  <p:cSld>
-    <p:spTree>
-      <p:nvGrpSpPr>
-        <p:cNvPr id="1" name=""/>
-        <p:cNvGrpSpPr/>
-        <p:nvPr/>
-      </p:nvGrpSpPr>
-      <p:grpSpPr>
-        <a:xfrm>
-          <a:off x="0" y="0"/>
-          <a:ext cx="0" cy="0"/>
-          <a:chOff x="0" y="0"/>
-          <a:chExt cx="0" cy="0"/>
-        </a:xfrm>
-      </p:grpSpPr>
-      <p:sp>
-        <p:nvSpPr>
-          <p:cNvPr id="2" name="Título 1">
-            <a:extLst>
-              <a:ext uri="{FF2B5EF4-FFF2-40B4-BE49-F238E27FC236}">
-                <a16:creationId xmlns:a16="http://schemas.microsoft.com/office/drawing/2014/main" id="{1AC5E6FF-D9E3-41C4-9A2E-BA1B07FD1BB3}"/>
-              </a:ext>
-            </a:extLst>
-          </p:cNvPr>
-          <p:cNvSpPr>
-            <a:spLocks noGrp="1"/>
-          </p:cNvSpPr>
-          <p:nvPr>
-            <p:ph type="title"/>
-          </p:nvPr>
-        </p:nvSpPr>
-        <p:spPr/>
-        <p:txBody>
-          <a:bodyPr/>
-          <a:lstStyle/>
-          <a:p>
-            <a:r>
-              <a:rPr lang="pt-BR" dirty="0"/>
-              <a:t>Resultados descritivos – Adaptabilidade Individual</a:t>
-            </a:r>
-          </a:p>
-        </p:txBody>
-      </p:sp>
-      <p:sp>
-        <p:nvSpPr>
-          <p:cNvPr id="7" name="Espaço Reservado para Conteúdo 6">
-            <a:extLst>
-              <a:ext uri="{FF2B5EF4-FFF2-40B4-BE49-F238E27FC236}">
-                <a16:creationId xmlns:a16="http://schemas.microsoft.com/office/drawing/2014/main" id="{793A6A21-E3FF-454D-9E26-FC54DC624A65}"/>
-              </a:ext>
-            </a:extLst>
-          </p:cNvPr>
-          <p:cNvSpPr>
-            <a:spLocks noGrp="1"/>
-          </p:cNvSpPr>
-          <p:nvPr>
-            <p:ph idx="1"/>
-          </p:nvPr>
-        </p:nvSpPr>
-        <p:spPr/>
-        <p:txBody>
-          <a:bodyPr/>
-          <a:lstStyle/>
-          <a:p>
-            <a:endParaRPr lang="pt-BR"/>
-          </a:p>
-        </p:txBody>
-      </p:sp>
-      <p:pic>
-        <p:nvPicPr>
-          <p:cNvPr id="4" name="Imagem 3">
-            <a:extLst>
-              <a:ext uri="{FF2B5EF4-FFF2-40B4-BE49-F238E27FC236}">
-                <a16:creationId xmlns:a16="http://schemas.microsoft.com/office/drawing/2014/main" id="{2BD2D18F-AAF0-4F96-9631-9225014B7B54}"/>
-              </a:ext>
-            </a:extLst>
-          </p:cNvPr>
-          <p:cNvPicPr>
-            <a:picLocks noChangeAspect="1"/>
-          </p:cNvPicPr>
-          <p:nvPr/>
-        </p:nvPicPr>
-        <p:blipFill>
-          <a:blip r:embed="rId2"/>
-          <a:stretch>
-            <a:fillRect/>
-          </a:stretch>
-        </p:blipFill>
-        <p:spPr>
-          <a:xfrm>
-            <a:off x="1619672" y="3356992"/>
-            <a:ext cx="5620039" cy="2736991"/>
-          </a:xfrm>
-          <a:prstGeom prst="rect">
-            <a:avLst/>
-          </a:prstGeom>
-        </p:spPr>
-      </p:pic>
-    </p:spTree>
-    <p:extLst>
-      <p:ext uri="{BB962C8B-B14F-4D97-AF65-F5344CB8AC3E}">
-        <p14:creationId xmlns:p14="http://schemas.microsoft.com/office/powerpoint/2010/main" val="2341762583"/>
-      </p:ext>
-    </p:extLst>
-  </p:cSld>
-  <p:clrMapOvr>
-    <a:masterClrMapping/>
-  </p:clrMapOvr>
-</p:sld>
-</file>
-
-<file path=ppt/slides/slide62.xml><?xml version="1.0" encoding="utf-8"?>
-<p:sld xmlns:a="http://schemas.openxmlformats.org/drawingml/2006/main" xmlns:r="http://schemas.openxmlformats.org/officeDocument/2006/relationships" xmlns:p="http://schemas.openxmlformats.org/presentationml/2006/main">
-  <p:cSld>
-    <p:spTree>
-      <p:nvGrpSpPr>
-        <p:cNvPr id="1" name=""/>
-        <p:cNvGrpSpPr/>
-        <p:nvPr/>
-      </p:nvGrpSpPr>
-      <p:grpSpPr>
-        <a:xfrm>
-          <a:off x="0" y="0"/>
-          <a:ext cx="0" cy="0"/>
-          <a:chOff x="0" y="0"/>
-          <a:chExt cx="0" cy="0"/>
-        </a:xfrm>
-      </p:grpSpPr>
-      <p:sp>
-        <p:nvSpPr>
-          <p:cNvPr id="2" name="Título 1">
-            <a:extLst>
-              <a:ext uri="{FF2B5EF4-FFF2-40B4-BE49-F238E27FC236}">
-                <a16:creationId xmlns:a16="http://schemas.microsoft.com/office/drawing/2014/main" id="{1AC5E6FF-D9E3-41C4-9A2E-BA1B07FD1BB3}"/>
-              </a:ext>
-            </a:extLst>
-          </p:cNvPr>
-          <p:cNvSpPr>
-            <a:spLocks noGrp="1"/>
-          </p:cNvSpPr>
-          <p:nvPr>
-            <p:ph type="title"/>
-          </p:nvPr>
-        </p:nvSpPr>
-        <p:spPr/>
-        <p:txBody>
-          <a:bodyPr/>
-          <a:lstStyle/>
-          <a:p>
-            <a:r>
-              <a:rPr lang="pt-BR" dirty="0"/>
-              <a:t>Resultados descritivos – Adaptabilidade Individual</a:t>
-            </a:r>
-          </a:p>
-        </p:txBody>
-      </p:sp>
-      <p:sp>
-        <p:nvSpPr>
-          <p:cNvPr id="7" name="Espaço Reservado para Conteúdo 6">
-            <a:extLst>
-              <a:ext uri="{FF2B5EF4-FFF2-40B4-BE49-F238E27FC236}">
-                <a16:creationId xmlns:a16="http://schemas.microsoft.com/office/drawing/2014/main" id="{793A6A21-E3FF-454D-9E26-FC54DC624A65}"/>
-              </a:ext>
-            </a:extLst>
-          </p:cNvPr>
-          <p:cNvSpPr>
-            <a:spLocks noGrp="1"/>
-          </p:cNvSpPr>
-          <p:nvPr>
-            <p:ph idx="1"/>
-          </p:nvPr>
-        </p:nvSpPr>
-        <p:spPr/>
-        <p:txBody>
-          <a:bodyPr/>
-          <a:lstStyle/>
-          <a:p>
-            <a:endParaRPr lang="pt-BR"/>
-          </a:p>
-        </p:txBody>
-      </p:sp>
-      <p:pic>
-        <p:nvPicPr>
           <p:cNvPr id="5" name="Imagem 4">
             <a:extLst>
               <a:ext uri="{FF2B5EF4-FFF2-40B4-BE49-F238E27FC236}">
@@ -11702,7 +11682,7 @@
 </p:sld>
 </file>
 
-<file path=ppt/slides/slide63.xml><?xml version="1.0" encoding="utf-8"?>
+<file path=ppt/slides/slide61.xml><?xml version="1.0" encoding="utf-8"?>
 <p:sld xmlns:a="http://schemas.openxmlformats.org/drawingml/2006/main" xmlns:r="http://schemas.openxmlformats.org/officeDocument/2006/relationships" xmlns:p="http://schemas.openxmlformats.org/presentationml/2006/main">
   <p:cSld>
     <p:spTree>
@@ -11815,7 +11795,7 @@
 </p:sld>
 </file>
 
-<file path=ppt/slides/slide64.xml><?xml version="1.0" encoding="utf-8"?>
+<file path=ppt/slides/slide62.xml><?xml version="1.0" encoding="utf-8"?>
 <p:sld xmlns:a="http://schemas.openxmlformats.org/drawingml/2006/main" xmlns:r="http://schemas.openxmlformats.org/officeDocument/2006/relationships" xmlns:p="http://schemas.openxmlformats.org/presentationml/2006/main">
   <p:cSld>
     <p:spTree>
@@ -11933,7 +11913,7 @@
 </p:sld>
 </file>
 
-<file path=ppt/slides/slide65.xml><?xml version="1.0" encoding="utf-8"?>
+<file path=ppt/slides/slide63.xml><?xml version="1.0" encoding="utf-8"?>
 <p:sld xmlns:a="http://schemas.openxmlformats.org/drawingml/2006/main" xmlns:r="http://schemas.openxmlformats.org/officeDocument/2006/relationships" xmlns:p="http://schemas.openxmlformats.org/presentationml/2006/main">
   <p:cSld>
     <p:spTree>
@@ -12026,7 +12006,7 @@
 </p:sld>
 </file>
 
-<file path=ppt/slides/slide66.xml><?xml version="1.0" encoding="utf-8"?>
+<file path=ppt/slides/slide64.xml><?xml version="1.0" encoding="utf-8"?>
 <p:sld xmlns:a="http://schemas.openxmlformats.org/drawingml/2006/main" xmlns:r="http://schemas.openxmlformats.org/officeDocument/2006/relationships" xmlns:p="http://schemas.openxmlformats.org/presentationml/2006/main">
   <p:cSld>
     <p:spTree>
@@ -12119,7 +12099,7 @@
 </p:sld>
 </file>
 
-<file path=ppt/slides/slide67.xml><?xml version="1.0" encoding="utf-8"?>
+<file path=ppt/slides/slide65.xml><?xml version="1.0" encoding="utf-8"?>
 <p:sld xmlns:a="http://schemas.openxmlformats.org/drawingml/2006/main" xmlns:r="http://schemas.openxmlformats.org/officeDocument/2006/relationships" xmlns:p="http://schemas.openxmlformats.org/presentationml/2006/main">
   <p:cSld>
     <p:spTree>
@@ -12212,7 +12192,7 @@
 </p:sld>
 </file>
 
-<file path=ppt/slides/slide68.xml><?xml version="1.0" encoding="utf-8"?>
+<file path=ppt/slides/slide66.xml><?xml version="1.0" encoding="utf-8"?>
 <p:sld xmlns:a="http://schemas.openxmlformats.org/drawingml/2006/main" xmlns:r="http://schemas.openxmlformats.org/officeDocument/2006/relationships" xmlns:p="http://schemas.openxmlformats.org/presentationml/2006/main">
   <p:cSld>
     <p:spTree>
@@ -12305,7 +12285,7 @@
 </p:sld>
 </file>
 
-<file path=ppt/slides/slide69.xml><?xml version="1.0" encoding="utf-8"?>
+<file path=ppt/slides/slide67.xml><?xml version="1.0" encoding="utf-8"?>
 <p:sld xmlns:a="http://schemas.openxmlformats.org/drawingml/2006/main" xmlns:r="http://schemas.openxmlformats.org/officeDocument/2006/relationships" xmlns:p="http://schemas.openxmlformats.org/presentationml/2006/main">
   <p:cSld>
     <p:spTree>
@@ -12398,209 +12378,7 @@
 </p:sld>
 </file>
 
-<file path=ppt/slides/slide7.xml><?xml version="1.0" encoding="utf-8"?>
-<p:sld xmlns:a="http://schemas.openxmlformats.org/drawingml/2006/main" xmlns:r="http://schemas.openxmlformats.org/officeDocument/2006/relationships" xmlns:p="http://schemas.openxmlformats.org/presentationml/2006/main">
-  <p:cSld>
-    <p:spTree>
-      <p:nvGrpSpPr>
-        <p:cNvPr id="1" name=""/>
-        <p:cNvGrpSpPr/>
-        <p:nvPr/>
-      </p:nvGrpSpPr>
-      <p:grpSpPr>
-        <a:xfrm>
-          <a:off x="0" y="0"/>
-          <a:ext cx="0" cy="0"/>
-          <a:chOff x="0" y="0"/>
-          <a:chExt cx="0" cy="0"/>
-        </a:xfrm>
-      </p:grpSpPr>
-      <p:sp>
-        <p:nvSpPr>
-          <p:cNvPr id="2" name="Título 1"/>
-          <p:cNvSpPr>
-            <a:spLocks noGrp="1"/>
-          </p:cNvSpPr>
-          <p:nvPr>
-            <p:ph type="title"/>
-          </p:nvPr>
-        </p:nvSpPr>
-        <p:spPr/>
-        <p:txBody>
-          <a:bodyPr/>
-          <a:lstStyle/>
-          <a:p>
-            <a:r>
-              <a:rPr lang="pt-BR" dirty="0"/>
-              <a:t>Introdução</a:t>
-            </a:r>
-          </a:p>
-        </p:txBody>
-      </p:sp>
-      <p:sp>
-        <p:nvSpPr>
-          <p:cNvPr id="3" name="Espaço Reservado para Conteúdo 2"/>
-          <p:cNvSpPr>
-            <a:spLocks noGrp="1"/>
-          </p:cNvSpPr>
-          <p:nvPr>
-            <p:ph idx="1"/>
-          </p:nvPr>
-        </p:nvSpPr>
-        <p:spPr/>
-        <p:txBody>
-          <a:bodyPr>
-            <a:normAutofit fontScale="85000" lnSpcReduction="10000"/>
-          </a:bodyPr>
-          <a:lstStyle/>
-          <a:p>
-            <a:pPr indent="0" algn="just">
-              <a:lnSpc>
-                <a:spcPct val="150000"/>
-              </a:lnSpc>
-              <a:spcAft>
-                <a:spcPts val="600"/>
-              </a:spcAft>
-              <a:buNone/>
-            </a:pPr>
-            <a:r>
-              <a:rPr lang="pt-BR" sz="1800" dirty="0">
-                <a:effectLst/>
-                <a:latin typeface="Arial" panose="020B0604020202020204" pitchFamily="34" charset="0"/>
-                <a:ea typeface="Times New Roman" panose="02020603050405020304" pitchFamily="18" charset="0"/>
-                <a:cs typeface="Times New Roman" panose="02020603050405020304" pitchFamily="18" charset="0"/>
-              </a:rPr>
-              <a:t>Ao se olhar para a literatura da área, a adaptabilidade aparece como:</a:t>
-            </a:r>
-          </a:p>
-          <a:p>
-            <a:pPr marL="628650" indent="-285750" algn="just">
-              <a:lnSpc>
-                <a:spcPct val="150000"/>
-              </a:lnSpc>
-              <a:spcAft>
-                <a:spcPts val="600"/>
-              </a:spcAft>
-            </a:pPr>
-            <a:r>
-              <a:rPr lang="pt-BR" sz="1900" dirty="0">
-                <a:effectLst/>
-                <a:latin typeface="Arial" panose="020B0604020202020204" pitchFamily="34" charset="0"/>
-                <a:ea typeface="Times New Roman" panose="02020603050405020304" pitchFamily="18" charset="0"/>
-                <a:cs typeface="Times New Roman" panose="02020603050405020304" pitchFamily="18" charset="0"/>
-              </a:rPr>
-              <a:t>um dos principais fatores que fazem um bom desenvolvedor de software (LI; KO; ZHU, 2015);</a:t>
-            </a:r>
-          </a:p>
-          <a:p>
-            <a:pPr marL="628650" indent="-285750" algn="just">
-              <a:lnSpc>
-                <a:spcPct val="150000"/>
-              </a:lnSpc>
-              <a:spcAft>
-                <a:spcPts val="600"/>
-              </a:spcAft>
-            </a:pPr>
-            <a:r>
-              <a:rPr lang="pt-BR" sz="1900" dirty="0">
-                <a:effectLst/>
-                <a:latin typeface="Arial" panose="020B0604020202020204" pitchFamily="34" charset="0"/>
-                <a:ea typeface="Times New Roman" panose="02020603050405020304" pitchFamily="18" charset="0"/>
-                <a:cs typeface="Times New Roman" panose="02020603050405020304" pitchFamily="18" charset="0"/>
-              </a:rPr>
-              <a:t>Um dos mais procurados requisitos  em profissionais na Engenharia de Software (AHMED </a:t>
-            </a:r>
-            <a:r>
-              <a:rPr lang="pt-BR" sz="1900" i="1" dirty="0">
-                <a:effectLst/>
-                <a:latin typeface="Arial" panose="020B0604020202020204" pitchFamily="34" charset="0"/>
-                <a:ea typeface="Times New Roman" panose="02020603050405020304" pitchFamily="18" charset="0"/>
-                <a:cs typeface="Times New Roman" panose="02020603050405020304" pitchFamily="18" charset="0"/>
-              </a:rPr>
-              <a:t>et al.</a:t>
-            </a:r>
-            <a:r>
-              <a:rPr lang="pt-BR" sz="1900" dirty="0">
-                <a:effectLst/>
-                <a:latin typeface="Arial" panose="020B0604020202020204" pitchFamily="34" charset="0"/>
-                <a:ea typeface="Times New Roman" panose="02020603050405020304" pitchFamily="18" charset="0"/>
-                <a:cs typeface="Times New Roman" panose="02020603050405020304" pitchFamily="18" charset="0"/>
-              </a:rPr>
-              <a:t>, 2013), </a:t>
-            </a:r>
-          </a:p>
-          <a:p>
-            <a:pPr marL="628650" indent="-285750" algn="just">
-              <a:lnSpc>
-                <a:spcPct val="150000"/>
-              </a:lnSpc>
-              <a:spcAft>
-                <a:spcPts val="600"/>
-              </a:spcAft>
-            </a:pPr>
-            <a:r>
-              <a:rPr lang="pt-BR" sz="1900" dirty="0">
-                <a:effectLst/>
-                <a:latin typeface="Arial" panose="020B0604020202020204" pitchFamily="34" charset="0"/>
-                <a:ea typeface="Times New Roman" panose="02020603050405020304" pitchFamily="18" charset="0"/>
-                <a:cs typeface="Times New Roman" panose="02020603050405020304" pitchFamily="18" charset="0"/>
-              </a:rPr>
-              <a:t>Um dos principais desafios no ensino na área (INVERARDI; JAZAYERI, 2006).</a:t>
-            </a:r>
-          </a:p>
-          <a:p>
-            <a:pPr marL="628650" indent="-285750" algn="just">
-              <a:lnSpc>
-                <a:spcPct val="150000"/>
-              </a:lnSpc>
-              <a:spcAft>
-                <a:spcPts val="600"/>
-              </a:spcAft>
-            </a:pPr>
-            <a:r>
-              <a:rPr lang="pt-BR" sz="1900" dirty="0">
-                <a:effectLst/>
-                <a:latin typeface="Arial" panose="020B0604020202020204" pitchFamily="34" charset="0"/>
-                <a:ea typeface="Times New Roman" panose="02020603050405020304" pitchFamily="18" charset="0"/>
-                <a:cs typeface="Times New Roman" panose="02020603050405020304" pitchFamily="18" charset="0"/>
-              </a:rPr>
-              <a:t> A adaptação está até mesmo inserida nas diretrizes curriculares nacionais dos cursos de computação</a:t>
-            </a:r>
-            <a:r>
-              <a:rPr lang="pt-BR" sz="1900" dirty="0">
-                <a:latin typeface="Arial" panose="020B0604020202020204" pitchFamily="34" charset="0"/>
-                <a:ea typeface="Times New Roman" panose="02020603050405020304" pitchFamily="18" charset="0"/>
-                <a:cs typeface="Times New Roman" panose="02020603050405020304" pitchFamily="18" charset="0"/>
-              </a:rPr>
-              <a:t> (</a:t>
-            </a:r>
-            <a:r>
-              <a:rPr lang="pt-BR" sz="1900" dirty="0">
-                <a:effectLst/>
-                <a:latin typeface="Arial" panose="020B0604020202020204" pitchFamily="34" charset="0"/>
-                <a:ea typeface="Times New Roman" panose="02020603050405020304" pitchFamily="18" charset="0"/>
-                <a:cs typeface="Times New Roman" panose="02020603050405020304" pitchFamily="18" charset="0"/>
-              </a:rPr>
-              <a:t>MINISTÉRIO DA EDUCAÇÃO, 2016).</a:t>
-            </a:r>
-            <a:endParaRPr lang="pt-BR" sz="1900" dirty="0"/>
-          </a:p>
-        </p:txBody>
-      </p:sp>
-    </p:spTree>
-    <p:extLst>
-      <p:ext uri="{BB962C8B-B14F-4D97-AF65-F5344CB8AC3E}">
-        <p14:creationId xmlns:p14="http://schemas.microsoft.com/office/powerpoint/2010/main" val="3960927822"/>
-      </p:ext>
-    </p:extLst>
-  </p:cSld>
-  <p:clrMapOvr>
-    <a:masterClrMapping/>
-  </p:clrMapOvr>
-</p:sld>
-</file>
-
-<file path=ppt/slides/slide70.xml><?xml version="1.0" encoding="utf-8"?>
+<file path=ppt/slides/slide68.xml><?xml version="1.0" encoding="utf-8"?>
 <p:sld xmlns:a="http://schemas.openxmlformats.org/drawingml/2006/main" xmlns:r="http://schemas.openxmlformats.org/officeDocument/2006/relationships" xmlns:p="http://schemas.openxmlformats.org/presentationml/2006/main">
   <p:cSld>
     <p:spTree>
@@ -12693,7 +12471,7 @@
 </p:sld>
 </file>
 
-<file path=ppt/slides/slide71.xml><?xml version="1.0" encoding="utf-8"?>
+<file path=ppt/slides/slide69.xml><?xml version="1.0" encoding="utf-8"?>
 <p:sld xmlns:a="http://schemas.openxmlformats.org/drawingml/2006/main" xmlns:r="http://schemas.openxmlformats.org/officeDocument/2006/relationships" xmlns:p="http://schemas.openxmlformats.org/presentationml/2006/main">
   <p:cSld>
     <p:spTree>
@@ -12786,7 +12564,209 @@
 </p:sld>
 </file>
 
-<file path=ppt/slides/slide72.xml><?xml version="1.0" encoding="utf-8"?>
+<file path=ppt/slides/slide7.xml><?xml version="1.0" encoding="utf-8"?>
+<p:sld xmlns:a="http://schemas.openxmlformats.org/drawingml/2006/main" xmlns:r="http://schemas.openxmlformats.org/officeDocument/2006/relationships" xmlns:p="http://schemas.openxmlformats.org/presentationml/2006/main">
+  <p:cSld>
+    <p:spTree>
+      <p:nvGrpSpPr>
+        <p:cNvPr id="1" name=""/>
+        <p:cNvGrpSpPr/>
+        <p:nvPr/>
+      </p:nvGrpSpPr>
+      <p:grpSpPr>
+        <a:xfrm>
+          <a:off x="0" y="0"/>
+          <a:ext cx="0" cy="0"/>
+          <a:chOff x="0" y="0"/>
+          <a:chExt cx="0" cy="0"/>
+        </a:xfrm>
+      </p:grpSpPr>
+      <p:sp>
+        <p:nvSpPr>
+          <p:cNvPr id="2" name="Título 1"/>
+          <p:cNvSpPr>
+            <a:spLocks noGrp="1"/>
+          </p:cNvSpPr>
+          <p:nvPr>
+            <p:ph type="title"/>
+          </p:nvPr>
+        </p:nvSpPr>
+        <p:spPr/>
+        <p:txBody>
+          <a:bodyPr/>
+          <a:lstStyle/>
+          <a:p>
+            <a:r>
+              <a:rPr lang="pt-BR" dirty="0"/>
+              <a:t>Introdução</a:t>
+            </a:r>
+          </a:p>
+        </p:txBody>
+      </p:sp>
+      <p:sp>
+        <p:nvSpPr>
+          <p:cNvPr id="3" name="Espaço Reservado para Conteúdo 2"/>
+          <p:cNvSpPr>
+            <a:spLocks noGrp="1"/>
+          </p:cNvSpPr>
+          <p:nvPr>
+            <p:ph idx="1"/>
+          </p:nvPr>
+        </p:nvSpPr>
+        <p:spPr/>
+        <p:txBody>
+          <a:bodyPr>
+            <a:normAutofit fontScale="85000" lnSpcReduction="10000"/>
+          </a:bodyPr>
+          <a:lstStyle/>
+          <a:p>
+            <a:pPr indent="0" algn="just">
+              <a:lnSpc>
+                <a:spcPct val="150000"/>
+              </a:lnSpc>
+              <a:spcAft>
+                <a:spcPts val="600"/>
+              </a:spcAft>
+              <a:buNone/>
+            </a:pPr>
+            <a:r>
+              <a:rPr lang="pt-BR" sz="1800" dirty="0">
+                <a:effectLst/>
+                <a:latin typeface="Arial" panose="020B0604020202020204" pitchFamily="34" charset="0"/>
+                <a:ea typeface="Times New Roman" panose="02020603050405020304" pitchFamily="18" charset="0"/>
+                <a:cs typeface="Times New Roman" panose="02020603050405020304" pitchFamily="18" charset="0"/>
+              </a:rPr>
+              <a:t>Ao se olhar para a literatura da área, a adaptabilidade aparece como:</a:t>
+            </a:r>
+          </a:p>
+          <a:p>
+            <a:pPr marL="628650" indent="-285750" algn="just">
+              <a:lnSpc>
+                <a:spcPct val="150000"/>
+              </a:lnSpc>
+              <a:spcAft>
+                <a:spcPts val="600"/>
+              </a:spcAft>
+            </a:pPr>
+            <a:r>
+              <a:rPr lang="pt-BR" sz="1900" dirty="0">
+                <a:effectLst/>
+                <a:latin typeface="Arial" panose="020B0604020202020204" pitchFamily="34" charset="0"/>
+                <a:ea typeface="Times New Roman" panose="02020603050405020304" pitchFamily="18" charset="0"/>
+                <a:cs typeface="Times New Roman" panose="02020603050405020304" pitchFamily="18" charset="0"/>
+              </a:rPr>
+              <a:t>um dos principais fatores que fazem um bom desenvolvedor de software (LI; KO; ZHU, 2015);</a:t>
+            </a:r>
+          </a:p>
+          <a:p>
+            <a:pPr marL="628650" indent="-285750" algn="just">
+              <a:lnSpc>
+                <a:spcPct val="150000"/>
+              </a:lnSpc>
+              <a:spcAft>
+                <a:spcPts val="600"/>
+              </a:spcAft>
+            </a:pPr>
+            <a:r>
+              <a:rPr lang="pt-BR" sz="1900" dirty="0">
+                <a:effectLst/>
+                <a:latin typeface="Arial" panose="020B0604020202020204" pitchFamily="34" charset="0"/>
+                <a:ea typeface="Times New Roman" panose="02020603050405020304" pitchFamily="18" charset="0"/>
+                <a:cs typeface="Times New Roman" panose="02020603050405020304" pitchFamily="18" charset="0"/>
+              </a:rPr>
+              <a:t>Um dos mais procurados requisitos  em profissionais na Engenharia de Software (AHMED </a:t>
+            </a:r>
+            <a:r>
+              <a:rPr lang="pt-BR" sz="1900" i="1" dirty="0">
+                <a:effectLst/>
+                <a:latin typeface="Arial" panose="020B0604020202020204" pitchFamily="34" charset="0"/>
+                <a:ea typeface="Times New Roman" panose="02020603050405020304" pitchFamily="18" charset="0"/>
+                <a:cs typeface="Times New Roman" panose="02020603050405020304" pitchFamily="18" charset="0"/>
+              </a:rPr>
+              <a:t>et al.</a:t>
+            </a:r>
+            <a:r>
+              <a:rPr lang="pt-BR" sz="1900" dirty="0">
+                <a:effectLst/>
+                <a:latin typeface="Arial" panose="020B0604020202020204" pitchFamily="34" charset="0"/>
+                <a:ea typeface="Times New Roman" panose="02020603050405020304" pitchFamily="18" charset="0"/>
+                <a:cs typeface="Times New Roman" panose="02020603050405020304" pitchFamily="18" charset="0"/>
+              </a:rPr>
+              <a:t>, 2013), </a:t>
+            </a:r>
+          </a:p>
+          <a:p>
+            <a:pPr marL="628650" indent="-285750" algn="just">
+              <a:lnSpc>
+                <a:spcPct val="150000"/>
+              </a:lnSpc>
+              <a:spcAft>
+                <a:spcPts val="600"/>
+              </a:spcAft>
+            </a:pPr>
+            <a:r>
+              <a:rPr lang="pt-BR" sz="1900" dirty="0">
+                <a:effectLst/>
+                <a:latin typeface="Arial" panose="020B0604020202020204" pitchFamily="34" charset="0"/>
+                <a:ea typeface="Times New Roman" panose="02020603050405020304" pitchFamily="18" charset="0"/>
+                <a:cs typeface="Times New Roman" panose="02020603050405020304" pitchFamily="18" charset="0"/>
+              </a:rPr>
+              <a:t>Um dos principais desafios no ensino na área (INVERARDI; JAZAYERI, 2006).</a:t>
+            </a:r>
+          </a:p>
+          <a:p>
+            <a:pPr marL="628650" indent="-285750" algn="just">
+              <a:lnSpc>
+                <a:spcPct val="150000"/>
+              </a:lnSpc>
+              <a:spcAft>
+                <a:spcPts val="600"/>
+              </a:spcAft>
+            </a:pPr>
+            <a:r>
+              <a:rPr lang="pt-BR" sz="1900" dirty="0">
+                <a:effectLst/>
+                <a:latin typeface="Arial" panose="020B0604020202020204" pitchFamily="34" charset="0"/>
+                <a:ea typeface="Times New Roman" panose="02020603050405020304" pitchFamily="18" charset="0"/>
+                <a:cs typeface="Times New Roman" panose="02020603050405020304" pitchFamily="18" charset="0"/>
+              </a:rPr>
+              <a:t> A adaptação está até mesmo inserida nas diretrizes curriculares nacionais dos cursos de computação</a:t>
+            </a:r>
+            <a:r>
+              <a:rPr lang="pt-BR" sz="1900" dirty="0">
+                <a:latin typeface="Arial" panose="020B0604020202020204" pitchFamily="34" charset="0"/>
+                <a:ea typeface="Times New Roman" panose="02020603050405020304" pitchFamily="18" charset="0"/>
+                <a:cs typeface="Times New Roman" panose="02020603050405020304" pitchFamily="18" charset="0"/>
+              </a:rPr>
+              <a:t> (</a:t>
+            </a:r>
+            <a:r>
+              <a:rPr lang="pt-BR" sz="1900" dirty="0">
+                <a:effectLst/>
+                <a:latin typeface="Arial" panose="020B0604020202020204" pitchFamily="34" charset="0"/>
+                <a:ea typeface="Times New Roman" panose="02020603050405020304" pitchFamily="18" charset="0"/>
+                <a:cs typeface="Times New Roman" panose="02020603050405020304" pitchFamily="18" charset="0"/>
+              </a:rPr>
+              <a:t>MINISTÉRIO DA EDUCAÇÃO, 2016).</a:t>
+            </a:r>
+            <a:endParaRPr lang="pt-BR" sz="1900" dirty="0"/>
+          </a:p>
+        </p:txBody>
+      </p:sp>
+    </p:spTree>
+    <p:extLst>
+      <p:ext uri="{BB962C8B-B14F-4D97-AF65-F5344CB8AC3E}">
+        <p14:creationId xmlns:p14="http://schemas.microsoft.com/office/powerpoint/2010/main" val="3960927822"/>
+      </p:ext>
+    </p:extLst>
+  </p:cSld>
+  <p:clrMapOvr>
+    <a:masterClrMapping/>
+  </p:clrMapOvr>
+</p:sld>
+</file>
+
+<file path=ppt/slides/slide70.xml><?xml version="1.0" encoding="utf-8"?>
 <p:sld xmlns:a="http://schemas.openxmlformats.org/drawingml/2006/main" xmlns:r="http://schemas.openxmlformats.org/officeDocument/2006/relationships" xmlns:p="http://schemas.openxmlformats.org/presentationml/2006/main">
   <p:cSld>
     <p:spTree>
@@ -12953,7 +12933,7 @@
 </p:sld>
 </file>
 
-<file path=ppt/slides/slide73.xml><?xml version="1.0" encoding="utf-8"?>
+<file path=ppt/slides/slide71.xml><?xml version="1.0" encoding="utf-8"?>
 <p:sld xmlns:a="http://schemas.openxmlformats.org/drawingml/2006/main" xmlns:r="http://schemas.openxmlformats.org/officeDocument/2006/relationships" xmlns:p="http://schemas.openxmlformats.org/presentationml/2006/main">
   <p:cSld>
     <p:spTree>
@@ -13136,7 +13116,7 @@
 </p:sld>
 </file>
 
-<file path=ppt/slides/slide74.xml><?xml version="1.0" encoding="utf-8"?>
+<file path=ppt/slides/slide72.xml><?xml version="1.0" encoding="utf-8"?>
 <p:sld xmlns:a="http://schemas.openxmlformats.org/drawingml/2006/main" xmlns:r="http://schemas.openxmlformats.org/officeDocument/2006/relationships" xmlns:p="http://schemas.openxmlformats.org/presentationml/2006/main">
   <p:cSld>
     <p:spTree>
@@ -13404,7 +13384,7 @@
 </p:sld>
 </file>
 
-<file path=ppt/slides/slide75.xml><?xml version="1.0" encoding="utf-8"?>
+<file path=ppt/slides/slide73.xml><?xml version="1.0" encoding="utf-8"?>
 <p:sld xmlns:a="http://schemas.openxmlformats.org/drawingml/2006/main" xmlns:r="http://schemas.openxmlformats.org/officeDocument/2006/relationships" xmlns:p="http://schemas.openxmlformats.org/presentationml/2006/main">
   <p:cSld>
     <p:spTree>
@@ -13577,7 +13557,7 @@
 </p:sld>
 </file>
 
-<file path=ppt/slides/slide76.xml><?xml version="1.0" encoding="utf-8"?>
+<file path=ppt/slides/slide74.xml><?xml version="1.0" encoding="utf-8"?>
 <p:sld xmlns:a="http://schemas.openxmlformats.org/drawingml/2006/main" xmlns:r="http://schemas.openxmlformats.org/officeDocument/2006/relationships" xmlns:p="http://schemas.openxmlformats.org/presentationml/2006/main">
   <p:cSld>
     <p:spTree>
@@ -13738,7 +13718,7 @@
 </p:sld>
 </file>
 
-<file path=ppt/slides/slide77.xml><?xml version="1.0" encoding="utf-8"?>
+<file path=ppt/slides/slide75.xml><?xml version="1.0" encoding="utf-8"?>
 <p:sld xmlns:a="http://schemas.openxmlformats.org/drawingml/2006/main" xmlns:r="http://schemas.openxmlformats.org/officeDocument/2006/relationships" xmlns:p="http://schemas.openxmlformats.org/presentationml/2006/main">
   <p:cSld>
     <p:spTree>
@@ -13890,7 +13870,7 @@
 </p:sld>
 </file>
 
-<file path=ppt/slides/slide78.xml><?xml version="1.0" encoding="utf-8"?>
+<file path=ppt/slides/slide76.xml><?xml version="1.0" encoding="utf-8"?>
 <p:sld xmlns:a="http://schemas.openxmlformats.org/drawingml/2006/main" xmlns:r="http://schemas.openxmlformats.org/officeDocument/2006/relationships" xmlns:p="http://schemas.openxmlformats.org/presentationml/2006/main">
   <p:cSld>
     <p:spTree>
@@ -14084,7 +14064,7 @@
 </p:sld>
 </file>
 
-<file path=ppt/slides/slide79.xml><?xml version="1.0" encoding="utf-8"?>
+<file path=ppt/slides/slide77.xml><?xml version="1.0" encoding="utf-8"?>
 <p:sld xmlns:a="http://schemas.openxmlformats.org/drawingml/2006/main" xmlns:r="http://schemas.openxmlformats.org/officeDocument/2006/relationships" xmlns:p="http://schemas.openxmlformats.org/presentationml/2006/main">
   <p:cSld>
     <p:spTree>

--- a/apresentacao doutorado.pptx
+++ b/apresentacao doutorado.pptx
@@ -5,7 +5,7 @@
     <p:sldMasterId id="2147483648" r:id="rId1"/>
   </p:sldMasterIdLst>
   <p:notesMasterIdLst>
-    <p:notesMasterId r:id="rId100"/>
+    <p:notesMasterId r:id="rId99"/>
   </p:notesMasterIdLst>
   <p:sldIdLst>
     <p:sldId id="256" r:id="rId2"/>
@@ -59,53 +59,52 @@
     <p:sldId id="342" r:id="rId50"/>
     <p:sldId id="343" r:id="rId51"/>
     <p:sldId id="269" r:id="rId52"/>
-    <p:sldId id="309" r:id="rId53"/>
-    <p:sldId id="353" r:id="rId54"/>
-    <p:sldId id="354" r:id="rId55"/>
-    <p:sldId id="352" r:id="rId56"/>
-    <p:sldId id="270" r:id="rId57"/>
-    <p:sldId id="355" r:id="rId58"/>
-    <p:sldId id="356" r:id="rId59"/>
-    <p:sldId id="357" r:id="rId60"/>
-    <p:sldId id="310" r:id="rId61"/>
-    <p:sldId id="311" r:id="rId62"/>
-    <p:sldId id="272" r:id="rId63"/>
-    <p:sldId id="271" r:id="rId64"/>
-    <p:sldId id="312" r:id="rId65"/>
-    <p:sldId id="313" r:id="rId66"/>
-    <p:sldId id="314" r:id="rId67"/>
-    <p:sldId id="273" r:id="rId68"/>
-    <p:sldId id="319" r:id="rId69"/>
-    <p:sldId id="320" r:id="rId70"/>
-    <p:sldId id="321" r:id="rId71"/>
-    <p:sldId id="322" r:id="rId72"/>
-    <p:sldId id="274" r:id="rId73"/>
-    <p:sldId id="315" r:id="rId74"/>
-    <p:sldId id="316" r:id="rId75"/>
-    <p:sldId id="317" r:id="rId76"/>
-    <p:sldId id="318" r:id="rId77"/>
-    <p:sldId id="275" r:id="rId78"/>
-    <p:sldId id="324" r:id="rId79"/>
-    <p:sldId id="325" r:id="rId80"/>
-    <p:sldId id="326" r:id="rId81"/>
-    <p:sldId id="327" r:id="rId82"/>
-    <p:sldId id="328" r:id="rId83"/>
-    <p:sldId id="358" r:id="rId84"/>
-    <p:sldId id="359" r:id="rId85"/>
-    <p:sldId id="329" r:id="rId86"/>
-    <p:sldId id="330" r:id="rId87"/>
-    <p:sldId id="279" r:id="rId88"/>
-    <p:sldId id="331" r:id="rId89"/>
-    <p:sldId id="332" r:id="rId90"/>
-    <p:sldId id="278" r:id="rId91"/>
-    <p:sldId id="333" r:id="rId92"/>
-    <p:sldId id="334" r:id="rId93"/>
-    <p:sldId id="335" r:id="rId94"/>
-    <p:sldId id="280" r:id="rId95"/>
-    <p:sldId id="360" r:id="rId96"/>
-    <p:sldId id="361" r:id="rId97"/>
-    <p:sldId id="362" r:id="rId98"/>
-    <p:sldId id="363" r:id="rId99"/>
+    <p:sldId id="353" r:id="rId53"/>
+    <p:sldId id="309" r:id="rId54"/>
+    <p:sldId id="352" r:id="rId55"/>
+    <p:sldId id="270" r:id="rId56"/>
+    <p:sldId id="355" r:id="rId57"/>
+    <p:sldId id="356" r:id="rId58"/>
+    <p:sldId id="357" r:id="rId59"/>
+    <p:sldId id="310" r:id="rId60"/>
+    <p:sldId id="311" r:id="rId61"/>
+    <p:sldId id="272" r:id="rId62"/>
+    <p:sldId id="271" r:id="rId63"/>
+    <p:sldId id="312" r:id="rId64"/>
+    <p:sldId id="313" r:id="rId65"/>
+    <p:sldId id="314" r:id="rId66"/>
+    <p:sldId id="273" r:id="rId67"/>
+    <p:sldId id="319" r:id="rId68"/>
+    <p:sldId id="320" r:id="rId69"/>
+    <p:sldId id="321" r:id="rId70"/>
+    <p:sldId id="322" r:id="rId71"/>
+    <p:sldId id="274" r:id="rId72"/>
+    <p:sldId id="315" r:id="rId73"/>
+    <p:sldId id="316" r:id="rId74"/>
+    <p:sldId id="317" r:id="rId75"/>
+    <p:sldId id="318" r:id="rId76"/>
+    <p:sldId id="275" r:id="rId77"/>
+    <p:sldId id="324" r:id="rId78"/>
+    <p:sldId id="325" r:id="rId79"/>
+    <p:sldId id="326" r:id="rId80"/>
+    <p:sldId id="327" r:id="rId81"/>
+    <p:sldId id="328" r:id="rId82"/>
+    <p:sldId id="358" r:id="rId83"/>
+    <p:sldId id="359" r:id="rId84"/>
+    <p:sldId id="329" r:id="rId85"/>
+    <p:sldId id="330" r:id="rId86"/>
+    <p:sldId id="279" r:id="rId87"/>
+    <p:sldId id="331" r:id="rId88"/>
+    <p:sldId id="332" r:id="rId89"/>
+    <p:sldId id="278" r:id="rId90"/>
+    <p:sldId id="333" r:id="rId91"/>
+    <p:sldId id="334" r:id="rId92"/>
+    <p:sldId id="335" r:id="rId93"/>
+    <p:sldId id="280" r:id="rId94"/>
+    <p:sldId id="360" r:id="rId95"/>
+    <p:sldId id="361" r:id="rId96"/>
+    <p:sldId id="362" r:id="rId97"/>
+    <p:sldId id="363" r:id="rId98"/>
   </p:sldIdLst>
   <p:sldSz cx="9144000" cy="6858000" type="screen4x3"/>
   <p:notesSz cx="6858000" cy="9144000"/>
@@ -305,7 +304,7 @@
           <a:p>
             <a:fld id="{4FBCF2B5-875D-4003-895D-F40CEBB778A9}" type="datetimeFigureOut">
               <a:rPr lang="pt-BR" smtClean="0"/>
-              <a:t>05/12/2020</a:t>
+              <a:t>06/12/2020</a:t>
             </a:fld>
             <a:endParaRPr lang="pt-BR"/>
           </a:p>
@@ -2220,7 +2219,7 @@
           <a:p>
             <a:fld id="{8D0A50E8-F985-49B9-B26F-7854039BF0DF}" type="slidenum">
               <a:rPr lang="pt-BR" smtClean="0"/>
-              <a:t>62</a:t>
+              <a:t>61</a:t>
             </a:fld>
             <a:endParaRPr lang="pt-BR"/>
           </a:p>
@@ -2388,7 +2387,7 @@
           <a:p>
             <a:fld id="{8D0A50E8-F985-49B9-B26F-7854039BF0DF}" type="slidenum">
               <a:rPr lang="pt-BR" smtClean="0"/>
-              <a:t>63</a:t>
+              <a:t>62</a:t>
             </a:fld>
             <a:endParaRPr lang="pt-BR"/>
           </a:p>
@@ -4065,7 +4064,7 @@
           <a:p>
             <a:fld id="{32E3DEF6-3213-4E1F-BF11-F9A2367C79DC}" type="datetimeFigureOut">
               <a:rPr lang="pt-BR" smtClean="0"/>
-              <a:t>05/12/2020</a:t>
+              <a:t>06/12/2020</a:t>
             </a:fld>
             <a:endParaRPr lang="pt-BR"/>
           </a:p>
@@ -12282,50 +12281,309 @@
           <a:p>
             <a:r>
               <a:rPr lang="pt-BR" dirty="0"/>
-              <a:t>Procedimentos metodológicos </a:t>
+              <a:t>Procedimentos metodológicos Instrumentos de coleta </a:t>
             </a:r>
           </a:p>
         </p:txBody>
       </p:sp>
-      <p:pic>
-        <p:nvPicPr>
-          <p:cNvPr id="4" name="Imagem 3">
+      <p:graphicFrame>
+        <p:nvGraphicFramePr>
+          <p:cNvPr id="3" name="Tabela 5">
             <a:extLst>
               <a:ext uri="{FF2B5EF4-FFF2-40B4-BE49-F238E27FC236}">
-                <a16:creationId xmlns:a16="http://schemas.microsoft.com/office/drawing/2014/main" id="{858454DC-EA8B-45A1-840C-D02DEA26CAA9}"/>
+                <a16:creationId xmlns:a16="http://schemas.microsoft.com/office/drawing/2014/main" id="{69A227AE-36BC-42BF-9709-ABFA69B04DD1}"/>
               </a:ext>
             </a:extLst>
           </p:cNvPr>
-          <p:cNvPicPr/>
-          <p:nvPr/>
-        </p:nvPicPr>
-        <p:blipFill rotWithShape="1">
-          <a:blip r:embed="rId2"/>
-          <a:srcRect r="-1500" b="63156"/>
-          <a:stretch/>
-        </p:blipFill>
-        <p:spPr bwMode="auto">
-          <a:xfrm>
-            <a:off x="1331640" y="2348880"/>
-            <a:ext cx="6552728" cy="3975695"/>
-          </a:xfrm>
-          <a:prstGeom prst="rect">
-            <a:avLst/>
-          </a:prstGeom>
-          <a:ln>
-            <a:noFill/>
-          </a:ln>
-          <a:extLst>
-            <a:ext uri="{53640926-AAD7-44D8-BBD7-CCE9431645EC}">
-              <a14:shadowObscured xmlns:a14="http://schemas.microsoft.com/office/drawing/2010/main"/>
-            </a:ext>
-          </a:extLst>
-        </p:spPr>
-      </p:pic>
+          <p:cNvGraphicFramePr>
+            <a:graphicFrameLocks noGrp="1"/>
+          </p:cNvGraphicFramePr>
+          <p:nvPr>
+            <p:extLst>
+              <p:ext uri="{D42A27DB-BD31-4B8C-83A1-F6EECF244321}">
+                <p14:modId xmlns:p14="http://schemas.microsoft.com/office/powerpoint/2010/main" val="2675215076"/>
+              </p:ext>
+            </p:extLst>
+          </p:nvPr>
+        </p:nvGraphicFramePr>
+        <p:xfrm>
+          <a:off x="1331640" y="2962137"/>
+          <a:ext cx="6096000" cy="2661920"/>
+        </p:xfrm>
+        <a:graphic>
+          <a:graphicData uri="http://schemas.openxmlformats.org/drawingml/2006/table">
+            <a:tbl>
+              <a:tblPr firstRow="1" bandRow="1">
+                <a:tableStyleId>{5C22544A-7EE6-4342-B048-85BDC9FD1C3A}</a:tableStyleId>
+              </a:tblPr>
+              <a:tblGrid>
+                <a:gridCol w="6096000">
+                  <a:extLst>
+                    <a:ext uri="{9D8B030D-6E8A-4147-A177-3AD203B41FA5}">
+                      <a16:colId xmlns:a16="http://schemas.microsoft.com/office/drawing/2014/main" val="2175723935"/>
+                    </a:ext>
+                  </a:extLst>
+                </a:gridCol>
+              </a:tblGrid>
+              <a:tr h="370840">
+                <a:tc>
+                  <a:txBody>
+                    <a:bodyPr/>
+                    <a:lstStyle/>
+                    <a:p>
+                      <a:pPr algn="ctr"/>
+                      <a:r>
+                        <a:rPr lang="pt-BR" dirty="0"/>
+                        <a:t>Escalas</a:t>
+                      </a:r>
+                    </a:p>
+                  </a:txBody>
+                  <a:tcPr/>
+                </a:tc>
+                <a:extLst>
+                  <a:ext uri="{0D108BD9-81ED-4DB2-BD59-A6C34878D82A}">
+                    <a16:rowId xmlns:a16="http://schemas.microsoft.com/office/drawing/2014/main" val="2836545334"/>
+                  </a:ext>
+                </a:extLst>
+              </a:tr>
+              <a:tr h="370840">
+                <a:tc>
+                  <a:txBody>
+                    <a:bodyPr/>
+                    <a:lstStyle/>
+                    <a:p>
+                      <a:pPr marL="0" marR="0" lvl="0" indent="0" algn="l" defTabSz="914400" rtl="0" eaLnBrk="1" fontAlgn="auto" latinLnBrk="0" hangingPunct="1">
+                        <a:lnSpc>
+                          <a:spcPct val="100000"/>
+                        </a:lnSpc>
+                        <a:spcBef>
+                          <a:spcPts val="0"/>
+                        </a:spcBef>
+                        <a:spcAft>
+                          <a:spcPts val="0"/>
+                        </a:spcAft>
+                        <a:buClrTx/>
+                        <a:buSzTx/>
+                        <a:buFontTx/>
+                        <a:buNone/>
+                        <a:tabLst/>
+                        <a:defRPr/>
+                      </a:pPr>
+                      <a:r>
+                        <a:rPr lang="pt-BR" sz="1800" dirty="0">
+                          <a:effectLst/>
+                          <a:latin typeface="Swis721 Cn BT" panose="020B0506020202030204"/>
+                        </a:rPr>
+                        <a:t>Adaptabilidade Individual </a:t>
+                      </a:r>
+                      <a:r>
+                        <a:rPr lang="pt-BR" sz="1800" b="1" dirty="0" err="1">
+                          <a:effectLst/>
+                          <a:latin typeface="Swis721 Cn BT" panose="020B0506020202030204"/>
+                        </a:rPr>
+                        <a:t>Charbonnier-voirin</a:t>
+                      </a:r>
+                      <a:r>
+                        <a:rPr lang="pt-BR" sz="1800" b="1" dirty="0">
+                          <a:effectLst/>
+                          <a:latin typeface="Swis721 Cn BT" panose="020B0506020202030204"/>
+                        </a:rPr>
+                        <a:t>; Roussel (2012)</a:t>
+                      </a:r>
+                      <a:endParaRPr lang="pt-BR" sz="1800" b="1" dirty="0">
+                        <a:effectLst/>
+                        <a:latin typeface="Swis721 Cn BT" panose="020B0506020202030204"/>
+                        <a:ea typeface="Times New Roman" panose="02020603050405020304" pitchFamily="18" charset="0"/>
+                        <a:cs typeface="Times New Roman" panose="02020603050405020304" pitchFamily="18" charset="0"/>
+                      </a:endParaRPr>
+                    </a:p>
+                    <a:p>
+                      <a:endParaRPr lang="pt-BR" dirty="0"/>
+                    </a:p>
+                  </a:txBody>
+                  <a:tcPr/>
+                </a:tc>
+                <a:extLst>
+                  <a:ext uri="{0D108BD9-81ED-4DB2-BD59-A6C34878D82A}">
+                    <a16:rowId xmlns:a16="http://schemas.microsoft.com/office/drawing/2014/main" val="1486012697"/>
+                  </a:ext>
+                </a:extLst>
+              </a:tr>
+              <a:tr h="370840">
+                <a:tc>
+                  <a:txBody>
+                    <a:bodyPr/>
+                    <a:lstStyle/>
+                    <a:p>
+                      <a:pPr marL="0" marR="0" lvl="0" indent="0" algn="l" defTabSz="914400" rtl="0" eaLnBrk="1" fontAlgn="auto" latinLnBrk="0" hangingPunct="1">
+                        <a:lnSpc>
+                          <a:spcPct val="100000"/>
+                        </a:lnSpc>
+                        <a:spcBef>
+                          <a:spcPts val="0"/>
+                        </a:spcBef>
+                        <a:spcAft>
+                          <a:spcPts val="0"/>
+                        </a:spcAft>
+                        <a:buClrTx/>
+                        <a:buSzTx/>
+                        <a:buFontTx/>
+                        <a:buNone/>
+                        <a:tabLst/>
+                        <a:defRPr/>
+                      </a:pPr>
+                      <a:r>
+                        <a:rPr lang="pt-BR" sz="1800" dirty="0">
+                          <a:solidFill>
+                            <a:schemeClr val="tx1"/>
+                          </a:solidFill>
+                          <a:effectLst/>
+                          <a:latin typeface="Swis721 Cn BT" panose="020B0506020202030204"/>
+                        </a:rPr>
+                        <a:t>Satisfação com o trabalho </a:t>
+                      </a:r>
+                      <a:r>
+                        <a:rPr lang="pt-BR" sz="1600" b="1" kern="1200" dirty="0">
+                          <a:solidFill>
+                            <a:schemeClr val="tx1"/>
+                          </a:solidFill>
+                          <a:effectLst/>
+                          <a:latin typeface="+mn-lt"/>
+                          <a:ea typeface="+mn-ea"/>
+                          <a:cs typeface="+mn-cs"/>
+                        </a:rPr>
+                        <a:t>CAMMANN </a:t>
+                      </a:r>
+                      <a:r>
+                        <a:rPr lang="pt-BR" sz="1600" b="1" i="1" kern="1200" dirty="0">
+                          <a:solidFill>
+                            <a:schemeClr val="tx1"/>
+                          </a:solidFill>
+                          <a:effectLst/>
+                          <a:latin typeface="+mn-lt"/>
+                          <a:ea typeface="+mn-ea"/>
+                          <a:cs typeface="+mn-cs"/>
+                        </a:rPr>
+                        <a:t>et al.</a:t>
+                      </a:r>
+                      <a:r>
+                        <a:rPr lang="pt-BR" sz="1600" b="1" kern="1200" dirty="0">
+                          <a:solidFill>
+                            <a:schemeClr val="tx1"/>
+                          </a:solidFill>
+                          <a:effectLst/>
+                          <a:latin typeface="+mn-lt"/>
+                          <a:ea typeface="+mn-ea"/>
+                          <a:cs typeface="+mn-cs"/>
+                        </a:rPr>
+                        <a:t>, 1979</a:t>
+                      </a:r>
+                      <a:endParaRPr lang="pt-BR" sz="1800" dirty="0">
+                        <a:solidFill>
+                          <a:schemeClr val="tx1"/>
+                        </a:solidFill>
+                        <a:effectLst/>
+                        <a:latin typeface="Swis721 Cn BT" panose="020B0506020202030204"/>
+                        <a:ea typeface="Times New Roman" panose="02020603050405020304" pitchFamily="18" charset="0"/>
+                        <a:cs typeface="Times New Roman" panose="02020603050405020304" pitchFamily="18" charset="0"/>
+                      </a:endParaRPr>
+                    </a:p>
+                    <a:p>
+                      <a:endParaRPr lang="pt-BR" dirty="0"/>
+                    </a:p>
+                  </a:txBody>
+                  <a:tcPr/>
+                </a:tc>
+                <a:extLst>
+                  <a:ext uri="{0D108BD9-81ED-4DB2-BD59-A6C34878D82A}">
+                    <a16:rowId xmlns:a16="http://schemas.microsoft.com/office/drawing/2014/main" val="1553626431"/>
+                  </a:ext>
+                </a:extLst>
+              </a:tr>
+              <a:tr h="370840">
+                <a:tc>
+                  <a:txBody>
+                    <a:bodyPr/>
+                    <a:lstStyle/>
+                    <a:p>
+                      <a:pPr marL="0" marR="0" lvl="0" indent="0" algn="l" defTabSz="914400" rtl="0" eaLnBrk="1" fontAlgn="auto" latinLnBrk="0" hangingPunct="1">
+                        <a:lnSpc>
+                          <a:spcPct val="100000"/>
+                        </a:lnSpc>
+                        <a:spcBef>
+                          <a:spcPts val="0"/>
+                        </a:spcBef>
+                        <a:spcAft>
+                          <a:spcPts val="0"/>
+                        </a:spcAft>
+                        <a:buClrTx/>
+                        <a:buSzTx/>
+                        <a:buFontTx/>
+                        <a:buNone/>
+                        <a:tabLst/>
+                        <a:defRPr/>
+                      </a:pPr>
+                      <a:r>
+                        <a:rPr lang="pt-BR" sz="1800" dirty="0">
+                          <a:effectLst/>
+                          <a:latin typeface="Swis721 Cn BT" panose="020B0506020202030204"/>
+                        </a:rPr>
+                        <a:t>JOB BURNOUT (16) </a:t>
+                      </a:r>
+                      <a:r>
+                        <a:rPr lang="pt-BR" sz="1800" b="1" dirty="0">
+                          <a:effectLst/>
+                          <a:latin typeface="Swis721 Cn BT" panose="020B0506020202030204"/>
+                        </a:rPr>
+                        <a:t>Traduzido por Da Silva et al.</a:t>
+                      </a:r>
+                      <a:endParaRPr lang="pt-BR" sz="1800" b="1" dirty="0">
+                        <a:effectLst/>
+                        <a:latin typeface="Swis721 Cn BT" panose="020B0506020202030204"/>
+                        <a:ea typeface="Times New Roman" panose="02020603050405020304" pitchFamily="18" charset="0"/>
+                        <a:cs typeface="Times New Roman" panose="02020603050405020304" pitchFamily="18" charset="0"/>
+                      </a:endParaRPr>
+                    </a:p>
+                    <a:p>
+                      <a:endParaRPr lang="pt-BR" dirty="0"/>
+                    </a:p>
+                  </a:txBody>
+                  <a:tcPr/>
+                </a:tc>
+                <a:extLst>
+                  <a:ext uri="{0D108BD9-81ED-4DB2-BD59-A6C34878D82A}">
+                    <a16:rowId xmlns:a16="http://schemas.microsoft.com/office/drawing/2014/main" val="2285974057"/>
+                  </a:ext>
+                </a:extLst>
+              </a:tr>
+              <a:tr h="370840">
+                <a:tc>
+                  <a:txBody>
+                    <a:bodyPr/>
+                    <a:lstStyle/>
+                    <a:p>
+                      <a:r>
+                        <a:rPr lang="pt-BR" dirty="0"/>
+                        <a:t>Instabilidade (Criado)</a:t>
+                      </a:r>
+                    </a:p>
+                  </a:txBody>
+                  <a:tcPr/>
+                </a:tc>
+                <a:extLst>
+                  <a:ext uri="{0D108BD9-81ED-4DB2-BD59-A6C34878D82A}">
+                    <a16:rowId xmlns:a16="http://schemas.microsoft.com/office/drawing/2014/main" val="1611979176"/>
+                  </a:ext>
+                </a:extLst>
+              </a:tr>
+            </a:tbl>
+          </a:graphicData>
+        </a:graphic>
+      </p:graphicFrame>
     </p:spTree>
     <p:extLst>
       <p:ext uri="{BB962C8B-B14F-4D97-AF65-F5344CB8AC3E}">
-        <p14:creationId xmlns:p14="http://schemas.microsoft.com/office/powerpoint/2010/main" val="3892345458"/>
+        <p14:creationId xmlns:p14="http://schemas.microsoft.com/office/powerpoint/2010/main" val="4203578091"/>
       </p:ext>
     </p:extLst>
   </p:cSld>
@@ -12375,389 +12633,97 @@
           <a:p>
             <a:r>
               <a:rPr lang="pt-BR" dirty="0"/>
-              <a:t>Procedimentos metodológicos </a:t>
+              <a:t>Procedimentos metodológicos – coleta de dados</a:t>
             </a:r>
           </a:p>
         </p:txBody>
       </p:sp>
-      <p:graphicFrame>
-        <p:nvGraphicFramePr>
-          <p:cNvPr id="4" name="Tabela 3">
+      <p:pic>
+        <p:nvPicPr>
+          <p:cNvPr id="4" name="Imagem 3">
             <a:extLst>
               <a:ext uri="{FF2B5EF4-FFF2-40B4-BE49-F238E27FC236}">
-                <a16:creationId xmlns:a16="http://schemas.microsoft.com/office/drawing/2014/main" id="{596FA15D-2593-4F08-B45F-9F92AC21A11B}"/>
+                <a16:creationId xmlns:a16="http://schemas.microsoft.com/office/drawing/2014/main" id="{858454DC-EA8B-45A1-840C-D02DEA26CAA9}"/>
               </a:ext>
             </a:extLst>
           </p:cNvPr>
-          <p:cNvGraphicFramePr>
-            <a:graphicFrameLocks noGrp="1"/>
-          </p:cNvGraphicFramePr>
-          <p:nvPr>
-            <p:extLst>
-              <p:ext uri="{D42A27DB-BD31-4B8C-83A1-F6EECF244321}">
-                <p14:modId xmlns:p14="http://schemas.microsoft.com/office/powerpoint/2010/main" val="936120328"/>
-              </p:ext>
-            </p:extLst>
-          </p:nvPr>
-        </p:nvGraphicFramePr>
-        <p:xfrm>
-          <a:off x="323529" y="2591841"/>
-          <a:ext cx="8640960" cy="1771903"/>
-        </p:xfrm>
-        <a:graphic>
-          <a:graphicData uri="http://schemas.openxmlformats.org/drawingml/2006/table">
-            <a:tbl>
-              <a:tblPr firstRow="1" firstCol="1" bandRow="1">
-                <a:tableStyleId>{5C22544A-7EE6-4342-B048-85BDC9FD1C3A}</a:tableStyleId>
-              </a:tblPr>
-              <a:tblGrid>
-                <a:gridCol w="8640960">
-                  <a:extLst>
-                    <a:ext uri="{9D8B030D-6E8A-4147-A177-3AD203B41FA5}">
-                      <a16:colId xmlns:a16="http://schemas.microsoft.com/office/drawing/2014/main" val="1756557045"/>
-                    </a:ext>
-                  </a:extLst>
-                </a:gridCol>
-              </a:tblGrid>
-              <a:tr h="387434">
-                <a:tc>
-                  <a:txBody>
-                    <a:bodyPr/>
-                    <a:lstStyle/>
-                    <a:p>
-                      <a:pPr algn="ctr">
-                        <a:spcAft>
-                          <a:spcPts val="600"/>
-                        </a:spcAft>
-                      </a:pPr>
-                      <a:r>
-                        <a:rPr lang="pt-BR" sz="2000" dirty="0">
-                          <a:effectLst/>
-                          <a:latin typeface="Swis721 Cn BT" panose="020B0506020202030204"/>
-                        </a:rPr>
-                        <a:t>Adaptabilidade Individual </a:t>
-                      </a:r>
-                      <a:r>
-                        <a:rPr lang="pt-BR" sz="2000" dirty="0" err="1">
-                          <a:effectLst/>
-                          <a:latin typeface="Swis721 Cn BT" panose="020B0506020202030204"/>
-                        </a:rPr>
-                        <a:t>Charbonnier-voirin</a:t>
-                      </a:r>
-                      <a:r>
-                        <a:rPr lang="pt-BR" sz="2000" dirty="0">
-                          <a:effectLst/>
-                          <a:latin typeface="Swis721 Cn BT" panose="020B0506020202030204"/>
-                        </a:rPr>
-                        <a:t>; Roussel (2012)</a:t>
-                      </a:r>
-                      <a:endParaRPr lang="pt-BR" sz="2000" dirty="0">
-                        <a:effectLst/>
-                        <a:latin typeface="Swis721 Cn BT" panose="020B0506020202030204"/>
-                        <a:ea typeface="Times New Roman" panose="02020603050405020304" pitchFamily="18" charset="0"/>
-                        <a:cs typeface="Times New Roman" panose="02020603050405020304" pitchFamily="18" charset="0"/>
-                      </a:endParaRPr>
-                    </a:p>
-                  </a:txBody>
-                  <a:tcPr marL="68580" marR="68580" marT="0" marB="0"/>
-                </a:tc>
-                <a:extLst>
-                  <a:ext uri="{0D108BD9-81ED-4DB2-BD59-A6C34878D82A}">
-                    <a16:rowId xmlns:a16="http://schemas.microsoft.com/office/drawing/2014/main" val="2508265394"/>
-                  </a:ext>
-                </a:extLst>
-              </a:tr>
-              <a:tr h="387434">
-                <a:tc>
-                  <a:txBody>
-                    <a:bodyPr/>
-                    <a:lstStyle/>
-                    <a:p>
-                      <a:pPr algn="just">
-                        <a:spcAft>
-                          <a:spcPts val="600"/>
-                        </a:spcAft>
-                      </a:pPr>
-                      <a:r>
-                        <a:rPr lang="pt-BR" sz="2000" dirty="0">
-                          <a:effectLst/>
-                          <a:latin typeface="Swis721 Cn BT" panose="020B0506020202030204"/>
-                        </a:rPr>
-                        <a:t>Eu mantenho minha calma em situações em que sou obrigado a tomar muitas decisões</a:t>
-                      </a:r>
-                      <a:endParaRPr lang="pt-BR" sz="2000" dirty="0">
-                        <a:effectLst/>
-                        <a:latin typeface="Swis721 Cn BT" panose="020B0506020202030204"/>
-                        <a:ea typeface="Times New Roman" panose="02020603050405020304" pitchFamily="18" charset="0"/>
-                        <a:cs typeface="Times New Roman" panose="02020603050405020304" pitchFamily="18" charset="0"/>
-                      </a:endParaRPr>
-                    </a:p>
-                  </a:txBody>
-                  <a:tcPr marL="68580" marR="68580" marT="0" marB="0"/>
-                </a:tc>
-                <a:extLst>
-                  <a:ext uri="{0D108BD9-81ED-4DB2-BD59-A6C34878D82A}">
-                    <a16:rowId xmlns:a16="http://schemas.microsoft.com/office/drawing/2014/main" val="1023914494"/>
-                  </a:ext>
-                </a:extLst>
-              </a:tr>
-              <a:tr h="774869">
-                <a:tc>
-                  <a:txBody>
-                    <a:bodyPr/>
-                    <a:lstStyle/>
-                    <a:p>
-                      <a:pPr algn="just">
-                        <a:spcAft>
-                          <a:spcPts val="600"/>
-                        </a:spcAft>
-                      </a:pPr>
-                      <a:r>
-                        <a:rPr lang="pt-BR" sz="2000" dirty="0">
-                          <a:effectLst/>
-                          <a:latin typeface="Swis721 Cn BT" panose="020B0506020202030204"/>
-                        </a:rPr>
-                        <a:t>Eu faço treinamento regularmente ou fora do trabalho para manter minhas competências atualizadas</a:t>
-                      </a:r>
-                      <a:endParaRPr lang="pt-BR" sz="2000" dirty="0">
-                        <a:effectLst/>
-                        <a:latin typeface="Swis721 Cn BT" panose="020B0506020202030204"/>
-                        <a:ea typeface="Times New Roman" panose="02020603050405020304" pitchFamily="18" charset="0"/>
-                        <a:cs typeface="Times New Roman" panose="02020603050405020304" pitchFamily="18" charset="0"/>
-                      </a:endParaRPr>
-                    </a:p>
-                  </a:txBody>
-                  <a:tcPr marL="68580" marR="68580" marT="0" marB="0"/>
-                </a:tc>
-                <a:extLst>
-                  <a:ext uri="{0D108BD9-81ED-4DB2-BD59-A6C34878D82A}">
-                    <a16:rowId xmlns:a16="http://schemas.microsoft.com/office/drawing/2014/main" val="803134956"/>
-                  </a:ext>
-                </a:extLst>
-              </a:tr>
-            </a:tbl>
-          </a:graphicData>
-        </a:graphic>
-      </p:graphicFrame>
-      <p:graphicFrame>
-        <p:nvGraphicFramePr>
-          <p:cNvPr id="5" name="Tabela 4">
+          <p:cNvPicPr/>
+          <p:nvPr/>
+        </p:nvPicPr>
+        <p:blipFill rotWithShape="1">
+          <a:blip r:embed="rId2"/>
+          <a:srcRect r="-1500" b="63156"/>
+          <a:stretch/>
+        </p:blipFill>
+        <p:spPr bwMode="auto">
+          <a:xfrm>
+            <a:off x="-9016" y="2557645"/>
+            <a:ext cx="6552728" cy="3975695"/>
+          </a:xfrm>
+          <a:prstGeom prst="rect">
+            <a:avLst/>
+          </a:prstGeom>
+          <a:ln>
+            <a:noFill/>
+          </a:ln>
+          <a:extLst>
+            <a:ext uri="{53640926-AAD7-44D8-BBD7-CCE9431645EC}">
+              <a14:shadowObscured xmlns:a14="http://schemas.microsoft.com/office/drawing/2010/main"/>
+            </a:ext>
+          </a:extLst>
+        </p:spPr>
+      </p:pic>
+      <p:pic>
+        <p:nvPicPr>
+          <p:cNvPr id="1026" name="Picture 2" descr="How To Flawlessly Customize The Same Piece Of Content Across Twitter,  Facebook, and LinkedIn">
             <a:extLst>
               <a:ext uri="{FF2B5EF4-FFF2-40B4-BE49-F238E27FC236}">
-                <a16:creationId xmlns:a16="http://schemas.microsoft.com/office/drawing/2014/main" id="{3ABCD5F5-3963-42DC-B49C-A62B2EDC4F0C}"/>
+                <a16:creationId xmlns:a16="http://schemas.microsoft.com/office/drawing/2014/main" id="{05A632F0-F183-4095-90A2-582F52BC63B9}"/>
               </a:ext>
             </a:extLst>
           </p:cNvPr>
-          <p:cNvGraphicFramePr>
-            <a:graphicFrameLocks noGrp="1"/>
-          </p:cNvGraphicFramePr>
-          <p:nvPr>
-            <p:extLst>
-              <p:ext uri="{D42A27DB-BD31-4B8C-83A1-F6EECF244321}">
-                <p14:modId xmlns:p14="http://schemas.microsoft.com/office/powerpoint/2010/main" val="3641055494"/>
-              </p:ext>
-            </p:extLst>
-          </p:nvPr>
-        </p:nvGraphicFramePr>
-        <p:xfrm>
-          <a:off x="251520" y="4725144"/>
-          <a:ext cx="8640959" cy="1265860"/>
-        </p:xfrm>
-        <a:graphic>
-          <a:graphicData uri="http://schemas.openxmlformats.org/drawingml/2006/table">
-            <a:tbl>
-              <a:tblPr firstRow="1" firstCol="1" bandRow="1">
-                <a:tableStyleId>{5C22544A-7EE6-4342-B048-85BDC9FD1C3A}</a:tableStyleId>
-              </a:tblPr>
-              <a:tblGrid>
-                <a:gridCol w="8640959">
-                  <a:extLst>
-                    <a:ext uri="{9D8B030D-6E8A-4147-A177-3AD203B41FA5}">
-                      <a16:colId xmlns:a16="http://schemas.microsoft.com/office/drawing/2014/main" val="3425179044"/>
-                    </a:ext>
-                  </a:extLst>
-                </a:gridCol>
-              </a:tblGrid>
-              <a:tr h="0">
-                <a:tc>
-                  <a:txBody>
-                    <a:bodyPr/>
-                    <a:lstStyle/>
-                    <a:p>
-                      <a:pPr algn="ctr">
-                        <a:spcAft>
-                          <a:spcPts val="600"/>
-                        </a:spcAft>
-                      </a:pPr>
-                      <a:r>
-                        <a:rPr lang="pt-BR" sz="2000" dirty="0">
-                          <a:effectLst/>
-                          <a:latin typeface="Swis721 Cn BT" panose="020B0506020202030204"/>
-                        </a:rPr>
-                        <a:t>Satisfação com o trabalho </a:t>
-                      </a:r>
-                      <a:r>
-                        <a:rPr lang="pt-BR" sz="1800" b="1" kern="1200" dirty="0">
-                          <a:solidFill>
-                            <a:schemeClr val="lt1"/>
-                          </a:solidFill>
-                          <a:effectLst/>
-                          <a:latin typeface="+mn-lt"/>
-                          <a:ea typeface="+mn-ea"/>
-                          <a:cs typeface="+mn-cs"/>
-                        </a:rPr>
-                        <a:t>CAMMANN </a:t>
-                      </a:r>
-                      <a:r>
-                        <a:rPr lang="pt-BR" sz="1800" b="1" i="1" kern="1200" dirty="0">
-                          <a:solidFill>
-                            <a:schemeClr val="lt1"/>
-                          </a:solidFill>
-                          <a:effectLst/>
-                          <a:latin typeface="+mn-lt"/>
-                          <a:ea typeface="+mn-ea"/>
-                          <a:cs typeface="+mn-cs"/>
-                        </a:rPr>
-                        <a:t>et al.</a:t>
-                      </a:r>
-                      <a:r>
-                        <a:rPr lang="pt-BR" sz="1800" b="1" kern="1200" dirty="0">
-                          <a:solidFill>
-                            <a:schemeClr val="lt1"/>
-                          </a:solidFill>
-                          <a:effectLst/>
-                          <a:latin typeface="+mn-lt"/>
-                          <a:ea typeface="+mn-ea"/>
-                          <a:cs typeface="+mn-cs"/>
-                        </a:rPr>
-                        <a:t>, 1979</a:t>
-                      </a:r>
-                      <a:endParaRPr lang="pt-BR" sz="2000" dirty="0">
-                        <a:effectLst/>
-                        <a:latin typeface="Swis721 Cn BT" panose="020B0506020202030204"/>
-                        <a:ea typeface="Times New Roman" panose="02020603050405020304" pitchFamily="18" charset="0"/>
-                        <a:cs typeface="Times New Roman" panose="02020603050405020304" pitchFamily="18" charset="0"/>
-                      </a:endParaRPr>
-                    </a:p>
-                  </a:txBody>
-                  <a:tcPr marL="68580" marR="68580" marT="0" marB="0"/>
-                </a:tc>
-                <a:extLst>
-                  <a:ext uri="{0D108BD9-81ED-4DB2-BD59-A6C34878D82A}">
-                    <a16:rowId xmlns:a16="http://schemas.microsoft.com/office/drawing/2014/main" val="1685018592"/>
-                  </a:ext>
-                </a:extLst>
-              </a:tr>
-              <a:tr h="283741">
-                <a:tc>
-                  <a:txBody>
-                    <a:bodyPr/>
-                    <a:lstStyle/>
-                    <a:p>
-                      <a:pPr algn="just">
-                        <a:spcAft>
-                          <a:spcPts val="600"/>
-                        </a:spcAft>
-                      </a:pPr>
-                      <a:r>
-                        <a:rPr lang="pt-BR" sz="2000" dirty="0">
-                          <a:effectLst/>
-                          <a:latin typeface="Swis721 Cn BT" panose="020B0506020202030204"/>
-                        </a:rPr>
-                        <a:t>Considerando tudo, estou satisfeito com meu trabalho. </a:t>
-                      </a:r>
-                      <a:endParaRPr lang="pt-BR" sz="2000" dirty="0">
-                        <a:effectLst/>
-                        <a:latin typeface="Swis721 Cn BT" panose="020B0506020202030204"/>
-                        <a:ea typeface="Times New Roman" panose="02020603050405020304" pitchFamily="18" charset="0"/>
-                        <a:cs typeface="Times New Roman" panose="02020603050405020304" pitchFamily="18" charset="0"/>
-                      </a:endParaRPr>
-                    </a:p>
-                  </a:txBody>
-                  <a:tcPr marL="68580" marR="68580" marT="0" marB="0"/>
-                </a:tc>
-                <a:extLst>
-                  <a:ext uri="{0D108BD9-81ED-4DB2-BD59-A6C34878D82A}">
-                    <a16:rowId xmlns:a16="http://schemas.microsoft.com/office/drawing/2014/main" val="4052580376"/>
-                  </a:ext>
-                </a:extLst>
-              </a:tr>
-              <a:tr h="351460">
-                <a:tc>
-                  <a:txBody>
-                    <a:bodyPr/>
-                    <a:lstStyle/>
-                    <a:p>
-                      <a:pPr algn="just">
-                        <a:spcAft>
-                          <a:spcPts val="600"/>
-                        </a:spcAft>
-                      </a:pPr>
-                      <a:r>
-                        <a:rPr lang="pt-BR" sz="2000" dirty="0">
-                          <a:effectLst/>
-                          <a:latin typeface="Swis721 Cn BT" panose="020B0506020202030204"/>
-                        </a:rPr>
-                        <a:t>Em geral, eu gosto de trabalhar aqui</a:t>
-                      </a:r>
-                      <a:endParaRPr lang="pt-BR" sz="2000" dirty="0">
-                        <a:effectLst/>
-                        <a:latin typeface="Swis721 Cn BT" panose="020B0506020202030204"/>
-                        <a:ea typeface="Times New Roman" panose="02020603050405020304" pitchFamily="18" charset="0"/>
-                        <a:cs typeface="Times New Roman" panose="02020603050405020304" pitchFamily="18" charset="0"/>
-                      </a:endParaRPr>
-                    </a:p>
-                  </a:txBody>
-                  <a:tcPr marL="68580" marR="68580" marT="0" marB="0"/>
-                </a:tc>
-                <a:extLst>
-                  <a:ext uri="{0D108BD9-81ED-4DB2-BD59-A6C34878D82A}">
-                    <a16:rowId xmlns:a16="http://schemas.microsoft.com/office/drawing/2014/main" val="293203082"/>
-                  </a:ext>
-                </a:extLst>
-              </a:tr>
-              <a:tr h="283741">
-                <a:tc>
-                  <a:txBody>
-                    <a:bodyPr/>
-                    <a:lstStyle/>
-                    <a:p>
-                      <a:pPr algn="just">
-                        <a:spcAft>
-                          <a:spcPts val="600"/>
-                        </a:spcAft>
-                      </a:pPr>
-                      <a:r>
-                        <a:rPr lang="pt-BR" sz="2000" dirty="0">
-                          <a:effectLst/>
-                          <a:latin typeface="Swis721 Cn BT" panose="020B0506020202030204"/>
-                        </a:rPr>
-                        <a:t>Em geral, não gosto do meu trabalho </a:t>
-                      </a:r>
-                      <a:endParaRPr lang="pt-BR" sz="2000" dirty="0">
-                        <a:effectLst/>
-                        <a:latin typeface="Swis721 Cn BT" panose="020B0506020202030204"/>
-                        <a:ea typeface="Times New Roman" panose="02020603050405020304" pitchFamily="18" charset="0"/>
-                        <a:cs typeface="Times New Roman" panose="02020603050405020304" pitchFamily="18" charset="0"/>
-                      </a:endParaRPr>
-                    </a:p>
-                  </a:txBody>
-                  <a:tcPr marL="68580" marR="68580" marT="0" marB="0"/>
-                </a:tc>
-                <a:extLst>
-                  <a:ext uri="{0D108BD9-81ED-4DB2-BD59-A6C34878D82A}">
-                    <a16:rowId xmlns:a16="http://schemas.microsoft.com/office/drawing/2014/main" val="655052233"/>
-                  </a:ext>
-                </a:extLst>
-              </a:tr>
-            </a:tbl>
-          </a:graphicData>
-        </a:graphic>
-      </p:graphicFrame>
+          <p:cNvPicPr>
+            <a:picLocks noChangeAspect="1" noChangeArrowheads="1"/>
+          </p:cNvPicPr>
+          <p:nvPr/>
+        </p:nvPicPr>
+        <p:blipFill>
+          <a:blip r:embed="rId3">
+            <a:extLst>
+              <a:ext uri="{28A0092B-C50C-407E-A947-70E740481C1C}">
+                <a14:useLocalDpi xmlns:a14="http://schemas.microsoft.com/office/drawing/2010/main" val="0"/>
+              </a:ext>
+            </a:extLst>
+          </a:blip>
+          <a:srcRect/>
+          <a:stretch>
+            <a:fillRect/>
+          </a:stretch>
+        </p:blipFill>
+        <p:spPr bwMode="auto">
+          <a:xfrm>
+            <a:off x="6548445" y="3369172"/>
+            <a:ext cx="2466975" cy="1847850"/>
+          </a:xfrm>
+          <a:prstGeom prst="rect">
+            <a:avLst/>
+          </a:prstGeom>
+          <a:noFill/>
+          <a:extLst>
+            <a:ext uri="{909E8E84-426E-40DD-AFC4-6F175D3DCCD1}">
+              <a14:hiddenFill xmlns:a14="http://schemas.microsoft.com/office/drawing/2010/main">
+                <a:solidFill>
+                  <a:srgbClr val="FFFFFF"/>
+                </a:solidFill>
+              </a14:hiddenFill>
+            </a:ext>
+          </a:extLst>
+        </p:spPr>
+      </p:pic>
     </p:spTree>
     <p:extLst>
       <p:ext uri="{BB962C8B-B14F-4D97-AF65-F5344CB8AC3E}">
-        <p14:creationId xmlns:p14="http://schemas.microsoft.com/office/powerpoint/2010/main" val="4203578091"/>
+        <p14:creationId xmlns:p14="http://schemas.microsoft.com/office/powerpoint/2010/main" val="3892345458"/>
       </p:ext>
     </p:extLst>
   </p:cSld>
@@ -12812,479 +12778,40 @@
           </a:p>
         </p:txBody>
       </p:sp>
-      <p:graphicFrame>
-        <p:nvGraphicFramePr>
-          <p:cNvPr id="3" name="Tabela 2">
+      <p:pic>
+        <p:nvPicPr>
+          <p:cNvPr id="7" name="Imagem 6">
             <a:extLst>
               <a:ext uri="{FF2B5EF4-FFF2-40B4-BE49-F238E27FC236}">
-                <a16:creationId xmlns:a16="http://schemas.microsoft.com/office/drawing/2014/main" id="{15144CE0-706B-408D-B0B6-CA0A57A38252}"/>
+                <a16:creationId xmlns:a16="http://schemas.microsoft.com/office/drawing/2014/main" id="{1AB4F146-D31B-47C2-B123-9919E425CF3C}"/>
               </a:ext>
             </a:extLst>
           </p:cNvPr>
-          <p:cNvGraphicFramePr>
-            <a:graphicFrameLocks noGrp="1"/>
-          </p:cNvGraphicFramePr>
-          <p:nvPr>
-            <p:extLst>
-              <p:ext uri="{D42A27DB-BD31-4B8C-83A1-F6EECF244321}">
-                <p14:modId xmlns:p14="http://schemas.microsoft.com/office/powerpoint/2010/main" val="2995393120"/>
-              </p:ext>
-            </p:extLst>
-          </p:nvPr>
-        </p:nvGraphicFramePr>
-        <p:xfrm>
-          <a:off x="107504" y="2697479"/>
-          <a:ext cx="8856984" cy="1307584"/>
-        </p:xfrm>
-        <a:graphic>
-          <a:graphicData uri="http://schemas.openxmlformats.org/drawingml/2006/table">
-            <a:tbl>
-              <a:tblPr firstRow="1" firstCol="1" bandRow="1">
-                <a:tableStyleId>{5C22544A-7EE6-4342-B048-85BDC9FD1C3A}</a:tableStyleId>
-              </a:tblPr>
-              <a:tblGrid>
-                <a:gridCol w="8856984">
-                  <a:extLst>
-                    <a:ext uri="{9D8B030D-6E8A-4147-A177-3AD203B41FA5}">
-                      <a16:colId xmlns:a16="http://schemas.microsoft.com/office/drawing/2014/main" val="1194876426"/>
-                    </a:ext>
-                  </a:extLst>
-                </a:gridCol>
-              </a:tblGrid>
-              <a:tr h="326896">
-                <a:tc>
-                  <a:txBody>
-                    <a:bodyPr/>
-                    <a:lstStyle/>
-                    <a:p>
-                      <a:pPr algn="ctr">
-                        <a:spcAft>
-                          <a:spcPts val="600"/>
-                        </a:spcAft>
-                      </a:pPr>
-                      <a:r>
-                        <a:rPr lang="pt-BR" sz="1800" dirty="0">
-                          <a:effectLst/>
-                          <a:latin typeface="Swis721 Cn BT" panose="020B0506020202030204"/>
-                        </a:rPr>
-                        <a:t>JOB BURNOUT (16) Traduzido por Da Silva et al.</a:t>
-                      </a:r>
-                      <a:endParaRPr lang="pt-BR" sz="1800" dirty="0">
-                        <a:effectLst/>
-                        <a:latin typeface="Swis721 Cn BT" panose="020B0506020202030204"/>
-                        <a:ea typeface="Times New Roman" panose="02020603050405020304" pitchFamily="18" charset="0"/>
-                        <a:cs typeface="Times New Roman" panose="02020603050405020304" pitchFamily="18" charset="0"/>
-                      </a:endParaRPr>
-                    </a:p>
-                  </a:txBody>
-                  <a:tcPr marL="68580" marR="68580" marT="0" marB="0"/>
-                </a:tc>
-                <a:extLst>
-                  <a:ext uri="{0D108BD9-81ED-4DB2-BD59-A6C34878D82A}">
-                    <a16:rowId xmlns:a16="http://schemas.microsoft.com/office/drawing/2014/main" val="955488493"/>
-                  </a:ext>
-                </a:extLst>
-              </a:tr>
-              <a:tr h="326896">
-                <a:tc>
-                  <a:txBody>
-                    <a:bodyPr/>
-                    <a:lstStyle/>
-                    <a:p>
-                      <a:pPr algn="just">
-                        <a:spcAft>
-                          <a:spcPts val="600"/>
-                        </a:spcAft>
-                      </a:pPr>
-                      <a:r>
-                        <a:rPr lang="pt-BR" sz="1800" dirty="0">
-                          <a:effectLst/>
-                          <a:latin typeface="Swis721 Cn BT" panose="020B0506020202030204"/>
-                        </a:rPr>
-                        <a:t>Estou perdendo o entusiasmo pelo meu trabalho </a:t>
-                      </a:r>
-                      <a:endParaRPr lang="pt-BR" sz="1800" dirty="0">
-                        <a:effectLst/>
-                        <a:latin typeface="Swis721 Cn BT" panose="020B0506020202030204"/>
-                        <a:ea typeface="Times New Roman" panose="02020603050405020304" pitchFamily="18" charset="0"/>
-                        <a:cs typeface="Times New Roman" panose="02020603050405020304" pitchFamily="18" charset="0"/>
-                      </a:endParaRPr>
-                    </a:p>
-                  </a:txBody>
-                  <a:tcPr marL="68580" marR="68580" marT="0" marB="0"/>
-                </a:tc>
-                <a:extLst>
-                  <a:ext uri="{0D108BD9-81ED-4DB2-BD59-A6C34878D82A}">
-                    <a16:rowId xmlns:a16="http://schemas.microsoft.com/office/drawing/2014/main" val="1350064672"/>
-                  </a:ext>
-                </a:extLst>
-              </a:tr>
-              <a:tr h="326896">
-                <a:tc>
-                  <a:txBody>
-                    <a:bodyPr/>
-                    <a:lstStyle/>
-                    <a:p>
-                      <a:pPr algn="just">
-                        <a:spcAft>
-                          <a:spcPts val="600"/>
-                        </a:spcAft>
-                      </a:pPr>
-                      <a:r>
-                        <a:rPr lang="pt-BR" sz="1800" dirty="0">
-                          <a:effectLst/>
-                          <a:latin typeface="Swis721 Cn BT" panose="020B0506020202030204"/>
-                        </a:rPr>
-                        <a:t>No meu trabalho, eu me sinto confiante de que realizo minhas tarefas com efetividade </a:t>
-                      </a:r>
-                      <a:endParaRPr lang="pt-BR" sz="1800" dirty="0">
-                        <a:effectLst/>
-                        <a:latin typeface="Swis721 Cn BT" panose="020B0506020202030204"/>
-                        <a:ea typeface="Times New Roman" panose="02020603050405020304" pitchFamily="18" charset="0"/>
-                        <a:cs typeface="Times New Roman" panose="02020603050405020304" pitchFamily="18" charset="0"/>
-                      </a:endParaRPr>
-                    </a:p>
-                  </a:txBody>
-                  <a:tcPr marL="68580" marR="68580" marT="0" marB="0"/>
-                </a:tc>
-                <a:extLst>
-                  <a:ext uri="{0D108BD9-81ED-4DB2-BD59-A6C34878D82A}">
-                    <a16:rowId xmlns:a16="http://schemas.microsoft.com/office/drawing/2014/main" val="3520063418"/>
-                  </a:ext>
-                </a:extLst>
-              </a:tr>
-              <a:tr h="326896">
-                <a:tc>
-                  <a:txBody>
-                    <a:bodyPr/>
-                    <a:lstStyle/>
-                    <a:p>
-                      <a:pPr algn="just">
-                        <a:spcAft>
-                          <a:spcPts val="600"/>
-                        </a:spcAft>
-                      </a:pPr>
-                      <a:r>
-                        <a:rPr lang="pt-BR" sz="1800" dirty="0">
-                          <a:effectLst/>
-                          <a:latin typeface="Swis721 Cn BT" panose="020B0506020202030204"/>
-                        </a:rPr>
-                        <a:t>Acho que meu trabalho não contribui para nada </a:t>
-                      </a:r>
-                      <a:endParaRPr lang="pt-BR" sz="1800" dirty="0">
-                        <a:effectLst/>
-                        <a:latin typeface="Swis721 Cn BT" panose="020B0506020202030204"/>
-                        <a:ea typeface="Times New Roman" panose="02020603050405020304" pitchFamily="18" charset="0"/>
-                        <a:cs typeface="Times New Roman" panose="02020603050405020304" pitchFamily="18" charset="0"/>
-                      </a:endParaRPr>
-                    </a:p>
-                  </a:txBody>
-                  <a:tcPr marL="68580" marR="68580" marT="0" marB="0"/>
-                </a:tc>
-                <a:extLst>
-                  <a:ext uri="{0D108BD9-81ED-4DB2-BD59-A6C34878D82A}">
-                    <a16:rowId xmlns:a16="http://schemas.microsoft.com/office/drawing/2014/main" val="1060002245"/>
-                  </a:ext>
-                </a:extLst>
-              </a:tr>
-            </a:tbl>
-          </a:graphicData>
-        </a:graphic>
-      </p:graphicFrame>
-      <p:sp>
-        <p:nvSpPr>
-          <p:cNvPr id="6" name="Rectangle 1">
-            <a:extLst>
-              <a:ext uri="{FF2B5EF4-FFF2-40B4-BE49-F238E27FC236}">
-                <a16:creationId xmlns:a16="http://schemas.microsoft.com/office/drawing/2014/main" id="{483FF167-53DB-49E2-8C57-336A7D527360}"/>
-              </a:ext>
-            </a:extLst>
-          </p:cNvPr>
-          <p:cNvSpPr>
-            <a:spLocks noChangeArrowheads="1"/>
-          </p:cNvSpPr>
+          <p:cNvPicPr>
+            <a:picLocks noChangeAspect="1"/>
+          </p:cNvPicPr>
           <p:nvPr/>
-        </p:nvSpPr>
-        <p:spPr bwMode="auto">
+        </p:nvPicPr>
+        <p:blipFill>
+          <a:blip r:embed="rId2"/>
+          <a:stretch>
+            <a:fillRect/>
+          </a:stretch>
+        </p:blipFill>
+        <p:spPr>
           <a:xfrm>
-            <a:off x="108138" y="2696686"/>
-            <a:ext cx="14359473" cy="403030"/>
+            <a:off x="1187624" y="2436707"/>
+            <a:ext cx="6552728" cy="3712779"/>
           </a:xfrm>
           <a:prstGeom prst="rect">
             <a:avLst/>
           </a:prstGeom>
-          <a:noFill/>
-          <a:ln>
-            <a:noFill/>
-          </a:ln>
-          <a:effectLst/>
-          <a:extLst>
-            <a:ext uri="{909E8E84-426E-40DD-AFC4-6F175D3DCCD1}">
-              <a14:hiddenFill xmlns:a14="http://schemas.microsoft.com/office/drawing/2010/main">
-                <a:solidFill>
-                  <a:schemeClr val="accent1"/>
-                </a:solidFill>
-              </a14:hiddenFill>
-            </a:ext>
-            <a:ext uri="{91240B29-F687-4F45-9708-019B960494DF}">
-              <a14:hiddenLine xmlns:a14="http://schemas.microsoft.com/office/drawing/2010/main" w="9525">
-                <a:solidFill>
-                  <a:schemeClr val="tx1"/>
-                </a:solidFill>
-                <a:miter lim="800000"/>
-                <a:headEnd/>
-                <a:tailEnd/>
-              </a14:hiddenLine>
-            </a:ext>
-            <a:ext uri="{AF507438-7753-43E0-B8FC-AC1667EBCBE1}">
-              <a14:hiddenEffects xmlns:a14="http://schemas.microsoft.com/office/drawing/2010/main">
-                <a:effectLst>
-                  <a:outerShdw dist="35921" dir="2700000" algn="ctr" rotWithShape="0">
-                    <a:schemeClr val="bg2"/>
-                  </a:outerShdw>
-                </a:effectLst>
-              </a14:hiddenEffects>
-            </a:ext>
-          </a:extLst>
         </p:spPr>
-        <p:txBody>
-          <a:bodyPr vert="horz" wrap="square" lIns="91440" tIns="45720" rIns="91440" bIns="45720" numCol="1" anchor="ctr" anchorCtr="0" compatLnSpc="1">
-            <a:prstTxWarp prst="textNoShape">
-              <a:avLst/>
-            </a:prstTxWarp>
-            <a:spAutoFit/>
-          </a:bodyPr>
-          <a:lstStyle/>
-          <a:p>
-            <a:endParaRPr lang="pt-BR"/>
-          </a:p>
-        </p:txBody>
-      </p:sp>
-      <p:graphicFrame>
-        <p:nvGraphicFramePr>
-          <p:cNvPr id="7" name="Tabela 6">
-            <a:extLst>
-              <a:ext uri="{FF2B5EF4-FFF2-40B4-BE49-F238E27FC236}">
-                <a16:creationId xmlns:a16="http://schemas.microsoft.com/office/drawing/2014/main" id="{6DC4F6B1-7649-4C20-9745-EB4EDCCBBCD6}"/>
-              </a:ext>
-            </a:extLst>
-          </p:cNvPr>
-          <p:cNvGraphicFramePr>
-            <a:graphicFrameLocks noGrp="1"/>
-          </p:cNvGraphicFramePr>
-          <p:nvPr>
-            <p:extLst>
-              <p:ext uri="{D42A27DB-BD31-4B8C-83A1-F6EECF244321}">
-                <p14:modId xmlns:p14="http://schemas.microsoft.com/office/powerpoint/2010/main" val="975073258"/>
-              </p:ext>
-            </p:extLst>
-          </p:nvPr>
-        </p:nvGraphicFramePr>
-        <p:xfrm>
-          <a:off x="107504" y="4149080"/>
-          <a:ext cx="8856984" cy="2286000"/>
-        </p:xfrm>
-        <a:graphic>
-          <a:graphicData uri="http://schemas.openxmlformats.org/drawingml/2006/table">
-            <a:tbl>
-              <a:tblPr firstRow="1" firstCol="1" bandRow="1">
-                <a:tableStyleId>{5C22544A-7EE6-4342-B048-85BDC9FD1C3A}</a:tableStyleId>
-              </a:tblPr>
-              <a:tblGrid>
-                <a:gridCol w="8856984">
-                  <a:extLst>
-                    <a:ext uri="{9D8B030D-6E8A-4147-A177-3AD203B41FA5}">
-                      <a16:colId xmlns:a16="http://schemas.microsoft.com/office/drawing/2014/main" val="435817452"/>
-                    </a:ext>
-                  </a:extLst>
-                </a:gridCol>
-              </a:tblGrid>
-              <a:tr h="190956">
-                <a:tc>
-                  <a:txBody>
-                    <a:bodyPr/>
-                    <a:lstStyle/>
-                    <a:p>
-                      <a:pPr algn="ctr">
-                        <a:spcAft>
-                          <a:spcPts val="600"/>
-                        </a:spcAft>
-                      </a:pPr>
-                      <a:r>
-                        <a:rPr lang="pt-BR" sz="2000" dirty="0">
-                          <a:effectLst/>
-                          <a:latin typeface="Swis721 Cn BT" panose="020B0506020202030204"/>
-                        </a:rPr>
-                        <a:t>Instabilidade de equipe</a:t>
-                      </a:r>
-                      <a:endParaRPr lang="pt-BR" sz="2000" dirty="0">
-                        <a:effectLst/>
-                        <a:latin typeface="Swis721 Cn BT" panose="020B0506020202030204"/>
-                        <a:ea typeface="Times New Roman" panose="02020603050405020304" pitchFamily="18" charset="0"/>
-                        <a:cs typeface="Times New Roman" panose="02020603050405020304" pitchFamily="18" charset="0"/>
-                      </a:endParaRPr>
-                    </a:p>
-                  </a:txBody>
-                  <a:tcPr marL="68580" marR="68580" marT="0" marB="0"/>
-                </a:tc>
-                <a:extLst>
-                  <a:ext uri="{0D108BD9-81ED-4DB2-BD59-A6C34878D82A}">
-                    <a16:rowId xmlns:a16="http://schemas.microsoft.com/office/drawing/2014/main" val="1080683155"/>
-                  </a:ext>
-                </a:extLst>
-              </a:tr>
-              <a:tr h="588780">
-                <a:tc>
-                  <a:txBody>
-                    <a:bodyPr/>
-                    <a:lstStyle/>
-                    <a:p>
-                      <a:pPr algn="just">
-                        <a:spcAft>
-                          <a:spcPts val="600"/>
-                        </a:spcAft>
-                      </a:pPr>
-                      <a:r>
-                        <a:rPr lang="pt-BR" sz="2000" dirty="0">
-                          <a:effectLst/>
-                          <a:latin typeface="Swis721 Cn BT" panose="020B0506020202030204"/>
-                        </a:rPr>
-                        <a:t>...membros da minha equipe precisaram se ausentar/afastar temporariamente</a:t>
-                      </a:r>
-                    </a:p>
-                    <a:p>
-                      <a:pPr algn="just">
-                        <a:spcAft>
-                          <a:spcPts val="600"/>
-                        </a:spcAft>
-                      </a:pPr>
-                      <a:r>
-                        <a:rPr lang="pt-BR" sz="2000" dirty="0">
-                          <a:effectLst/>
-                          <a:latin typeface="Swis721 Cn BT" panose="020B0506020202030204"/>
-                        </a:rPr>
-                        <a:t>...pessoas entraram e/ou saíram do projeto</a:t>
-                      </a:r>
-                      <a:endParaRPr lang="pt-BR" sz="2000" dirty="0">
-                        <a:effectLst/>
-                        <a:latin typeface="Swis721 Cn BT" panose="020B0506020202030204"/>
-                        <a:ea typeface="Times New Roman" panose="02020603050405020304" pitchFamily="18" charset="0"/>
-                        <a:cs typeface="Times New Roman" panose="02020603050405020304" pitchFamily="18" charset="0"/>
-                      </a:endParaRPr>
-                    </a:p>
-                  </a:txBody>
-                  <a:tcPr marL="68580" marR="68580" marT="0" marB="0"/>
-                </a:tc>
-                <a:extLst>
-                  <a:ext uri="{0D108BD9-81ED-4DB2-BD59-A6C34878D82A}">
-                    <a16:rowId xmlns:a16="http://schemas.microsoft.com/office/drawing/2014/main" val="2869459672"/>
-                  </a:ext>
-                </a:extLst>
-              </a:tr>
-              <a:tr h="190956">
-                <a:tc>
-                  <a:txBody>
-                    <a:bodyPr/>
-                    <a:lstStyle/>
-                    <a:p>
-                      <a:pPr algn="ctr">
-                        <a:spcAft>
-                          <a:spcPts val="600"/>
-                        </a:spcAft>
-                      </a:pPr>
-                      <a:r>
-                        <a:rPr lang="pt-BR" sz="2000" dirty="0">
-                          <a:effectLst/>
-                          <a:latin typeface="Swis721 Cn BT" panose="020B0506020202030204"/>
-                        </a:rPr>
-                        <a:t>Instabilidade da tarefa</a:t>
-                      </a:r>
-                      <a:endParaRPr lang="pt-BR" sz="2000" dirty="0">
-                        <a:effectLst/>
-                        <a:latin typeface="Swis721 Cn BT" panose="020B0506020202030204"/>
-                        <a:ea typeface="Times New Roman" panose="02020603050405020304" pitchFamily="18" charset="0"/>
-                        <a:cs typeface="Times New Roman" panose="02020603050405020304" pitchFamily="18" charset="0"/>
-                      </a:endParaRPr>
-                    </a:p>
-                  </a:txBody>
-                  <a:tcPr marL="68580" marR="68580" marT="0" marB="0"/>
-                </a:tc>
-                <a:extLst>
-                  <a:ext uri="{0D108BD9-81ED-4DB2-BD59-A6C34878D82A}">
-                    <a16:rowId xmlns:a16="http://schemas.microsoft.com/office/drawing/2014/main" val="1335726975"/>
-                  </a:ext>
-                </a:extLst>
-              </a:tr>
-              <a:tr h="731997">
-                <a:tc>
-                  <a:txBody>
-                    <a:bodyPr/>
-                    <a:lstStyle/>
-                    <a:p>
-                      <a:pPr algn="just">
-                        <a:spcAft>
-                          <a:spcPts val="600"/>
-                        </a:spcAft>
-                      </a:pPr>
-                      <a:r>
-                        <a:rPr lang="pt-BR" sz="2000" dirty="0">
-                          <a:effectLst/>
-                          <a:latin typeface="Swis721 Cn BT" panose="020B0506020202030204"/>
-                        </a:rPr>
-                        <a:t>...foram adicionados requisitos que não estavam previstos</a:t>
-                      </a:r>
-                    </a:p>
-                    <a:p>
-                      <a:pPr algn="just">
-                        <a:spcAft>
-                          <a:spcPts val="600"/>
-                        </a:spcAft>
-                      </a:pPr>
-                      <a:r>
-                        <a:rPr lang="pt-BR" sz="2000" dirty="0">
-                          <a:effectLst/>
-                          <a:latin typeface="Swis721 Cn BT" panose="020B0506020202030204"/>
-                        </a:rPr>
-                        <a:t>...os requisitos do software não estavam claros (em relação a completude, ambiguidade, consistência, </a:t>
-                      </a:r>
-                      <a:r>
-                        <a:rPr lang="pt-BR" sz="2000" dirty="0" err="1">
-                          <a:effectLst/>
-                          <a:latin typeface="Swis721 Cn BT" panose="020B0506020202030204"/>
-                        </a:rPr>
-                        <a:t>etc</a:t>
-                      </a:r>
-                      <a:r>
-                        <a:rPr lang="pt-BR" sz="2000" dirty="0">
-                          <a:effectLst/>
-                          <a:latin typeface="Swis721 Cn BT" panose="020B0506020202030204"/>
-                        </a:rPr>
-                        <a:t>)</a:t>
-                      </a:r>
-                      <a:endParaRPr lang="pt-BR" sz="2000" dirty="0">
-                        <a:effectLst/>
-                        <a:latin typeface="Swis721 Cn BT" panose="020B0506020202030204"/>
-                        <a:ea typeface="Times New Roman" panose="02020603050405020304" pitchFamily="18" charset="0"/>
-                        <a:cs typeface="Times New Roman" panose="02020603050405020304" pitchFamily="18" charset="0"/>
-                      </a:endParaRPr>
-                    </a:p>
-                  </a:txBody>
-                  <a:tcPr marL="68580" marR="68580" marT="0" marB="0"/>
-                </a:tc>
-                <a:extLst>
-                  <a:ext uri="{0D108BD9-81ED-4DB2-BD59-A6C34878D82A}">
-                    <a16:rowId xmlns:a16="http://schemas.microsoft.com/office/drawing/2014/main" val="2021216818"/>
-                  </a:ext>
-                </a:extLst>
-              </a:tr>
-            </a:tbl>
-          </a:graphicData>
-        </a:graphic>
-      </p:graphicFrame>
+      </p:pic>
     </p:spTree>
     <p:extLst>
       <p:ext uri="{BB962C8B-B14F-4D97-AF65-F5344CB8AC3E}">
-        <p14:creationId xmlns:p14="http://schemas.microsoft.com/office/powerpoint/2010/main" val="3822488310"/>
+        <p14:creationId xmlns:p14="http://schemas.microsoft.com/office/powerpoint/2010/main" val="715444275"/>
       </p:ext>
     </p:extLst>
   </p:cSld>
@@ -13339,40 +12866,64 @@
           </a:p>
         </p:txBody>
       </p:sp>
-      <p:pic>
-        <p:nvPicPr>
-          <p:cNvPr id="7" name="Imagem 6">
+      <p:sp>
+        <p:nvSpPr>
+          <p:cNvPr id="3" name="Espaço Reservado para Conteúdo 2">
             <a:extLst>
               <a:ext uri="{FF2B5EF4-FFF2-40B4-BE49-F238E27FC236}">
-                <a16:creationId xmlns:a16="http://schemas.microsoft.com/office/drawing/2014/main" id="{1AB4F146-D31B-47C2-B123-9919E425CF3C}"/>
+                <a16:creationId xmlns:a16="http://schemas.microsoft.com/office/drawing/2014/main" id="{40F53813-4243-4409-AB7E-EB368A0479E2}"/>
               </a:ext>
             </a:extLst>
           </p:cNvPr>
-          <p:cNvPicPr>
-            <a:picLocks noChangeAspect="1"/>
-          </p:cNvPicPr>
-          <p:nvPr/>
-        </p:nvPicPr>
-        <p:blipFill>
-          <a:blip r:embed="rId2"/>
-          <a:stretch>
-            <a:fillRect/>
-          </a:stretch>
-        </p:blipFill>
-        <p:spPr>
-          <a:xfrm>
-            <a:off x="1187624" y="2436707"/>
-            <a:ext cx="6552728" cy="3712779"/>
-          </a:xfrm>
-          <a:prstGeom prst="rect">
-            <a:avLst/>
-          </a:prstGeom>
-        </p:spPr>
-      </p:pic>
+          <p:cNvSpPr>
+            <a:spLocks noGrp="1"/>
+          </p:cNvSpPr>
+          <p:nvPr>
+            <p:ph idx="1"/>
+          </p:nvPr>
+        </p:nvSpPr>
+        <p:spPr/>
+        <p:txBody>
+          <a:bodyPr/>
+          <a:lstStyle/>
+          <a:p>
+            <a:r>
+              <a:rPr lang="pt-BR" dirty="0"/>
+              <a:t>Análise Fatorial Exploratória</a:t>
+            </a:r>
+          </a:p>
+          <a:p>
+            <a:r>
+              <a:rPr lang="pt-BR" dirty="0"/>
+              <a:t>Análise Fatorial Confirmatória</a:t>
+            </a:r>
+          </a:p>
+          <a:p>
+            <a:r>
+              <a:rPr lang="pt-BR" dirty="0"/>
+              <a:t>Alfa de </a:t>
+            </a:r>
+            <a:r>
+              <a:rPr lang="pt-BR" dirty="0" err="1"/>
+              <a:t>Cronbach</a:t>
+            </a:r>
+            <a:endParaRPr lang="pt-BR" dirty="0"/>
+          </a:p>
+          <a:p>
+            <a:r>
+              <a:rPr lang="pt-BR" dirty="0"/>
+              <a:t>Modelagem de equações estruturais </a:t>
+            </a:r>
+          </a:p>
+          <a:p>
+            <a:endParaRPr lang="pt-BR" dirty="0"/>
+          </a:p>
+        </p:txBody>
+      </p:sp>
     </p:spTree>
     <p:extLst>
       <p:ext uri="{BB962C8B-B14F-4D97-AF65-F5344CB8AC3E}">
-        <p14:creationId xmlns:p14="http://schemas.microsoft.com/office/powerpoint/2010/main" val="715444275"/>
+        <p14:creationId xmlns:p14="http://schemas.microsoft.com/office/powerpoint/2010/main" val="2321480374"/>
       </p:ext>
     </p:extLst>
   </p:cSld>
@@ -13443,37 +12994,23 @@
             <p:ph idx="1"/>
           </p:nvPr>
         </p:nvSpPr>
-        <p:spPr/>
+        <p:spPr>
+          <a:xfrm>
+            <a:off x="457200" y="2276872"/>
+            <a:ext cx="8229600" cy="3960441"/>
+          </a:xfrm>
+        </p:spPr>
         <p:txBody>
           <a:bodyPr/>
           <a:lstStyle/>
           <a:p>
             <a:r>
-              <a:rPr lang="pt-BR" dirty="0"/>
-              <a:t>Análise Fatorial Exploratória</a:t>
-            </a:r>
-          </a:p>
-          <a:p>
-            <a:r>
-              <a:rPr lang="pt-BR" dirty="0"/>
-              <a:t>Análise fatorial Confirmatória</a:t>
-            </a:r>
-          </a:p>
-          <a:p>
-            <a:r>
-              <a:rPr lang="pt-BR" dirty="0"/>
-              <a:t>Alfa de </a:t>
-            </a:r>
-            <a:r>
-              <a:rPr lang="pt-BR" dirty="0" err="1"/>
-              <a:t>Cronbach</a:t>
-            </a:r>
-            <a:endParaRPr lang="pt-BR" dirty="0"/>
-          </a:p>
-          <a:p>
-            <a:r>
-              <a:rPr lang="pt-BR" dirty="0"/>
-              <a:t>Modelagem de equações estruturais </a:t>
+              <a:rPr lang="pt-BR" sz="1800" b="1" cap="all" dirty="0">
+                <a:effectLst/>
+                <a:latin typeface="Arial" panose="020B0604020202020204" pitchFamily="34" charset="0"/>
+                <a:ea typeface="Times New Roman" panose="02020603050405020304" pitchFamily="18" charset="0"/>
+              </a:rPr>
+              <a:t>PROCESSO DE TRADUÇÃO da escala DE ADAPTABILIDADE</a:t>
             </a:r>
           </a:p>
           <a:p>
@@ -13481,10 +13018,38 @@
           </a:p>
         </p:txBody>
       </p:sp>
+      <p:pic>
+        <p:nvPicPr>
+          <p:cNvPr id="4" name="Imagem 3">
+            <a:extLst>
+              <a:ext uri="{FF2B5EF4-FFF2-40B4-BE49-F238E27FC236}">
+                <a16:creationId xmlns:a16="http://schemas.microsoft.com/office/drawing/2014/main" id="{C03DE6AE-ABD3-4414-98B3-E98A0260648A}"/>
+              </a:ext>
+            </a:extLst>
+          </p:cNvPr>
+          <p:cNvPicPr/>
+          <p:nvPr/>
+        </p:nvPicPr>
+        <p:blipFill>
+          <a:blip r:embed="rId2"/>
+          <a:stretch>
+            <a:fillRect/>
+          </a:stretch>
+        </p:blipFill>
+        <p:spPr>
+          <a:xfrm>
+            <a:off x="1043608" y="2729814"/>
+            <a:ext cx="6984776" cy="3960440"/>
+          </a:xfrm>
+          <a:prstGeom prst="rect">
+            <a:avLst/>
+          </a:prstGeom>
+        </p:spPr>
+      </p:pic>
     </p:spTree>
     <p:extLst>
       <p:ext uri="{BB962C8B-B14F-4D97-AF65-F5344CB8AC3E}">
-        <p14:creationId xmlns:p14="http://schemas.microsoft.com/office/powerpoint/2010/main" val="2321480374"/>
+        <p14:creationId xmlns:p14="http://schemas.microsoft.com/office/powerpoint/2010/main" val="2149504964"/>
       </p:ext>
     </p:extLst>
   </p:cSld>
@@ -13562,55 +13127,134 @@
           </a:xfrm>
         </p:spPr>
         <p:txBody>
-          <a:bodyPr/>
+          <a:bodyPr>
+            <a:normAutofit/>
+          </a:bodyPr>
           <a:lstStyle/>
           <a:p>
-            <a:r>
-              <a:rPr lang="pt-BR" sz="1800" b="1" cap="all" dirty="0">
-                <a:effectLst/>
-                <a:latin typeface="Arial" panose="020B0604020202020204" pitchFamily="34" charset="0"/>
-                <a:ea typeface="Times New Roman" panose="02020603050405020304" pitchFamily="18" charset="0"/>
-              </a:rPr>
-              <a:t>PROCESSO DE TRADUÇÃO da escala DE ADAPTABILIDADE</a:t>
-            </a:r>
-          </a:p>
-          <a:p>
-            <a:endParaRPr lang="pt-BR" dirty="0"/>
+            <a:pPr marL="457200" lvl="1" indent="0" algn="just">
+              <a:spcBef>
+                <a:spcPts val="1200"/>
+              </a:spcBef>
+              <a:spcAft>
+                <a:spcPts val="1200"/>
+              </a:spcAft>
+              <a:buNone/>
+            </a:pPr>
+            <a:r>
+              <a:rPr lang="pt-BR" sz="2400" b="1" cap="all" dirty="0">
+                <a:effectLst/>
+                <a:latin typeface="Swis721 Cn BT" panose="020B0506020202030204"/>
+                <a:ea typeface="Times New Roman" panose="02020603050405020304" pitchFamily="18" charset="0"/>
+              </a:rPr>
+              <a:t>PROCESSO DE CONSTRUÇÃO DA ESCALA DE INSTABILIDADE</a:t>
+            </a:r>
+          </a:p>
+          <a:p>
+            <a:r>
+              <a:rPr lang="pt-BR" dirty="0">
+                <a:effectLst/>
+                <a:latin typeface="Swis721 Cn BT" panose="020B0506020202030204"/>
+                <a:ea typeface="Times New Roman" panose="02020603050405020304" pitchFamily="18" charset="0"/>
+              </a:rPr>
+              <a:t>Dias Jr(2018), </a:t>
+            </a:r>
+            <a:r>
+              <a:rPr lang="pt-BR" dirty="0" err="1">
+                <a:effectLst/>
+                <a:latin typeface="Swis721 Cn BT" panose="020B0506020202030204"/>
+                <a:ea typeface="Times New Roman" panose="02020603050405020304" pitchFamily="18" charset="0"/>
+              </a:rPr>
+              <a:t>Pasquali</a:t>
+            </a:r>
+            <a:r>
+              <a:rPr lang="pt-BR" dirty="0">
+                <a:effectLst/>
+                <a:latin typeface="Swis721 Cn BT" panose="020B0506020202030204"/>
+                <a:ea typeface="Times New Roman" panose="02020603050405020304" pitchFamily="18" charset="0"/>
+              </a:rPr>
+              <a:t> (1997) e por </a:t>
+            </a:r>
+            <a:r>
+              <a:rPr lang="pt-BR" dirty="0" err="1">
+                <a:effectLst/>
+                <a:latin typeface="Swis721 Cn BT" panose="020B0506020202030204"/>
+                <a:ea typeface="Times New Roman" panose="02020603050405020304" pitchFamily="18" charset="0"/>
+              </a:rPr>
+              <a:t>Devellis</a:t>
+            </a:r>
+            <a:r>
+              <a:rPr lang="pt-BR" dirty="0">
+                <a:effectLst/>
+                <a:latin typeface="Swis721 Cn BT" panose="020B0506020202030204"/>
+                <a:ea typeface="Times New Roman" panose="02020603050405020304" pitchFamily="18" charset="0"/>
+              </a:rPr>
+              <a:t> (2016).</a:t>
+            </a:r>
+          </a:p>
+          <a:p>
+            <a:r>
+              <a:rPr lang="pt-BR" dirty="0">
+                <a:latin typeface="Swis721 Cn BT" panose="020B0506020202030204"/>
+                <a:ea typeface="Times New Roman" panose="02020603050405020304" pitchFamily="18" charset="0"/>
+              </a:rPr>
+              <a:t>Com base em </a:t>
+            </a:r>
+            <a:r>
+              <a:rPr lang="pt-BR" dirty="0" err="1">
+                <a:latin typeface="Swis721 Cn BT" panose="020B0506020202030204"/>
+                <a:ea typeface="Times New Roman" panose="02020603050405020304" pitchFamily="18" charset="0"/>
+              </a:rPr>
+              <a:t>Kude</a:t>
+            </a:r>
+            <a:r>
+              <a:rPr lang="pt-BR" dirty="0">
+                <a:latin typeface="Swis721 Cn BT" panose="020B0506020202030204"/>
+                <a:ea typeface="Times New Roman" panose="02020603050405020304" pitchFamily="18" charset="0"/>
+              </a:rPr>
+              <a:t> et al. (2016) </a:t>
+            </a:r>
+            <a:endParaRPr lang="pt-BR" dirty="0">
+              <a:effectLst/>
+              <a:latin typeface="Swis721 Cn BT" panose="020B0506020202030204"/>
+              <a:ea typeface="Times New Roman" panose="02020603050405020304" pitchFamily="18" charset="0"/>
+            </a:endParaRPr>
+          </a:p>
+          <a:p>
+            <a:r>
+              <a:rPr lang="pt-BR" dirty="0">
+                <a:effectLst/>
+                <a:latin typeface="Swis721 Cn BT" panose="020B0506020202030204"/>
+                <a:ea typeface="Times New Roman" panose="02020603050405020304" pitchFamily="18" charset="0"/>
+              </a:rPr>
+              <a:t>Para a validação de face, também foram seguidas as recomendações propostas por </a:t>
+            </a:r>
+            <a:r>
+              <a:rPr lang="pt-BR" dirty="0" err="1">
+                <a:effectLst/>
+                <a:latin typeface="Swis721 Cn BT" panose="020B0506020202030204"/>
+                <a:ea typeface="Times New Roman" panose="02020603050405020304" pitchFamily="18" charset="0"/>
+              </a:rPr>
+              <a:t>Devellis</a:t>
+            </a:r>
+            <a:r>
+              <a:rPr lang="pt-BR" dirty="0">
+                <a:effectLst/>
+                <a:latin typeface="Swis721 Cn BT" panose="020B0506020202030204"/>
+                <a:ea typeface="Times New Roman" panose="02020603050405020304" pitchFamily="18" charset="0"/>
+              </a:rPr>
+              <a:t> (2016)e se utilizou um grupo de especialistas com no conhecimento no conteúdo da escala para revisar os itens selecionados. Nesta fase, participaram 12 pessoas. </a:t>
+            </a:r>
+            <a:endParaRPr lang="pt-BR" sz="3200" dirty="0">
+              <a:latin typeface="Swis721 Cn BT" panose="020B0506020202030204"/>
+            </a:endParaRPr>
           </a:p>
         </p:txBody>
       </p:sp>
-      <p:pic>
-        <p:nvPicPr>
-          <p:cNvPr id="4" name="Imagem 3">
-            <a:extLst>
-              <a:ext uri="{FF2B5EF4-FFF2-40B4-BE49-F238E27FC236}">
-                <a16:creationId xmlns:a16="http://schemas.microsoft.com/office/drawing/2014/main" id="{C03DE6AE-ABD3-4414-98B3-E98A0260648A}"/>
-              </a:ext>
-            </a:extLst>
-          </p:cNvPr>
-          <p:cNvPicPr/>
-          <p:nvPr/>
-        </p:nvPicPr>
-        <p:blipFill>
-          <a:blip r:embed="rId2"/>
-          <a:stretch>
-            <a:fillRect/>
-          </a:stretch>
-        </p:blipFill>
-        <p:spPr>
-          <a:xfrm>
-            <a:off x="1043608" y="2729814"/>
-            <a:ext cx="6984776" cy="3960440"/>
-          </a:xfrm>
-          <a:prstGeom prst="rect">
-            <a:avLst/>
-          </a:prstGeom>
-        </p:spPr>
-      </p:pic>
     </p:spTree>
     <p:extLst>
       <p:ext uri="{BB962C8B-B14F-4D97-AF65-F5344CB8AC3E}">
-        <p14:creationId xmlns:p14="http://schemas.microsoft.com/office/powerpoint/2010/main" val="2149504964"/>
+        <p14:creationId xmlns:p14="http://schemas.microsoft.com/office/powerpoint/2010/main" val="1949718795"/>
       </p:ext>
     </p:extLst>
   </p:cSld>
@@ -13688,203 +13332,6 @@
           </a:xfrm>
         </p:spPr>
         <p:txBody>
-          <a:bodyPr>
-            <a:normAutofit/>
-          </a:bodyPr>
-          <a:lstStyle/>
-          <a:p>
-            <a:pPr marL="457200" lvl="1" indent="0" algn="just">
-              <a:spcBef>
-                <a:spcPts val="1200"/>
-              </a:spcBef>
-              <a:spcAft>
-                <a:spcPts val="1200"/>
-              </a:spcAft>
-              <a:buNone/>
-            </a:pPr>
-            <a:r>
-              <a:rPr lang="pt-BR" sz="2400" b="1" cap="all" dirty="0">
-                <a:effectLst/>
-                <a:latin typeface="Swis721 Cn BT" panose="020B0506020202030204"/>
-                <a:ea typeface="Times New Roman" panose="02020603050405020304" pitchFamily="18" charset="0"/>
-              </a:rPr>
-              <a:t>PROCESSO DE CONSTRUÇÃO DA ESCALA DE INSTABILIDADE</a:t>
-            </a:r>
-          </a:p>
-          <a:p>
-            <a:r>
-              <a:rPr lang="pt-BR" dirty="0" err="1">
-                <a:effectLst/>
-                <a:latin typeface="Swis721 Cn BT" panose="020B0506020202030204"/>
-                <a:ea typeface="Times New Roman" panose="02020603050405020304" pitchFamily="18" charset="0"/>
-              </a:rPr>
-              <a:t>Pasquali</a:t>
-            </a:r>
-            <a:r>
-              <a:rPr lang="pt-BR" dirty="0">
-                <a:effectLst/>
-                <a:latin typeface="Swis721 Cn BT" panose="020B0506020202030204"/>
-                <a:ea typeface="Times New Roman" panose="02020603050405020304" pitchFamily="18" charset="0"/>
-              </a:rPr>
-              <a:t> (1997) e por </a:t>
-            </a:r>
-            <a:r>
-              <a:rPr lang="pt-BR" dirty="0" err="1">
-                <a:effectLst/>
-                <a:latin typeface="Swis721 Cn BT" panose="020B0506020202030204"/>
-                <a:ea typeface="Times New Roman" panose="02020603050405020304" pitchFamily="18" charset="0"/>
-              </a:rPr>
-              <a:t>Devellis</a:t>
-            </a:r>
-            <a:r>
-              <a:rPr lang="pt-BR" dirty="0">
-                <a:effectLst/>
-                <a:latin typeface="Swis721 Cn BT" panose="020B0506020202030204"/>
-                <a:ea typeface="Times New Roman" panose="02020603050405020304" pitchFamily="18" charset="0"/>
-              </a:rPr>
-              <a:t> (2016).</a:t>
-            </a:r>
-          </a:p>
-          <a:p>
-            <a:r>
-              <a:rPr lang="pt-BR" dirty="0">
-                <a:latin typeface="Swis721 Cn BT" panose="020B0506020202030204"/>
-                <a:ea typeface="Times New Roman" panose="02020603050405020304" pitchFamily="18" charset="0"/>
-              </a:rPr>
-              <a:t>Com base em </a:t>
-            </a:r>
-            <a:r>
-              <a:rPr lang="pt-BR" dirty="0" err="1">
-                <a:latin typeface="Swis721 Cn BT" panose="020B0506020202030204"/>
-                <a:ea typeface="Times New Roman" panose="02020603050405020304" pitchFamily="18" charset="0"/>
-              </a:rPr>
-              <a:t>Kude</a:t>
-            </a:r>
-            <a:r>
-              <a:rPr lang="pt-BR" dirty="0">
-                <a:latin typeface="Swis721 Cn BT" panose="020B0506020202030204"/>
-                <a:ea typeface="Times New Roman" panose="02020603050405020304" pitchFamily="18" charset="0"/>
-              </a:rPr>
-              <a:t> et al. (2016) </a:t>
-            </a:r>
-            <a:endParaRPr lang="pt-BR" dirty="0">
-              <a:effectLst/>
-              <a:latin typeface="Swis721 Cn BT" panose="020B0506020202030204"/>
-              <a:ea typeface="Times New Roman" panose="02020603050405020304" pitchFamily="18" charset="0"/>
-            </a:endParaRPr>
-          </a:p>
-          <a:p>
-            <a:r>
-              <a:rPr lang="pt-BR" dirty="0">
-                <a:effectLst/>
-                <a:latin typeface="Swis721 Cn BT" panose="020B0506020202030204"/>
-                <a:ea typeface="Times New Roman" panose="02020603050405020304" pitchFamily="18" charset="0"/>
-              </a:rPr>
-              <a:t>Para a validação de face, também foram seguidas as recomendações propostas por </a:t>
-            </a:r>
-            <a:r>
-              <a:rPr lang="pt-BR" dirty="0" err="1">
-                <a:effectLst/>
-                <a:latin typeface="Swis721 Cn BT" panose="020B0506020202030204"/>
-                <a:ea typeface="Times New Roman" panose="02020603050405020304" pitchFamily="18" charset="0"/>
-              </a:rPr>
-              <a:t>Devellis</a:t>
-            </a:r>
-            <a:r>
-              <a:rPr lang="pt-BR" dirty="0">
-                <a:effectLst/>
-                <a:latin typeface="Swis721 Cn BT" panose="020B0506020202030204"/>
-                <a:ea typeface="Times New Roman" panose="02020603050405020304" pitchFamily="18" charset="0"/>
-              </a:rPr>
-              <a:t> (2016) e Costa (2014) e se utilizou um grupo de especialistas com no conhecimento no conteúdo da escala para revisar os itens selecionados. Nesta fase, participaram 12 pessoas. </a:t>
-            </a:r>
-            <a:endParaRPr lang="pt-BR" sz="3200" dirty="0">
-              <a:latin typeface="Swis721 Cn BT" panose="020B0506020202030204"/>
-            </a:endParaRPr>
-          </a:p>
-        </p:txBody>
-      </p:sp>
-    </p:spTree>
-    <p:extLst>
-      <p:ext uri="{BB962C8B-B14F-4D97-AF65-F5344CB8AC3E}">
-        <p14:creationId xmlns:p14="http://schemas.microsoft.com/office/powerpoint/2010/main" val="1949718795"/>
-      </p:ext>
-    </p:extLst>
-  </p:cSld>
-  <p:clrMapOvr>
-    <a:masterClrMapping/>
-  </p:clrMapOvr>
-</p:sld>
-</file>
-
-<file path=ppt/slides/slide59.xml><?xml version="1.0" encoding="utf-8"?>
-<p:sld xmlns:a="http://schemas.openxmlformats.org/drawingml/2006/main" xmlns:r="http://schemas.openxmlformats.org/officeDocument/2006/relationships" xmlns:p="http://schemas.openxmlformats.org/presentationml/2006/main">
-  <p:cSld>
-    <p:spTree>
-      <p:nvGrpSpPr>
-        <p:cNvPr id="1" name=""/>
-        <p:cNvGrpSpPr/>
-        <p:nvPr/>
-      </p:nvGrpSpPr>
-      <p:grpSpPr>
-        <a:xfrm>
-          <a:off x="0" y="0"/>
-          <a:ext cx="0" cy="0"/>
-          <a:chOff x="0" y="0"/>
-          <a:chExt cx="0" cy="0"/>
-        </a:xfrm>
-      </p:grpSpPr>
-      <p:sp>
-        <p:nvSpPr>
-          <p:cNvPr id="2" name="Título 1">
-            <a:extLst>
-              <a:ext uri="{FF2B5EF4-FFF2-40B4-BE49-F238E27FC236}">
-                <a16:creationId xmlns:a16="http://schemas.microsoft.com/office/drawing/2014/main" id="{1AC5E6FF-D9E3-41C4-9A2E-BA1B07FD1BB3}"/>
-              </a:ext>
-            </a:extLst>
-          </p:cNvPr>
-          <p:cNvSpPr>
-            <a:spLocks noGrp="1"/>
-          </p:cNvSpPr>
-          <p:nvPr>
-            <p:ph type="title"/>
-          </p:nvPr>
-        </p:nvSpPr>
-        <p:spPr/>
-        <p:txBody>
-          <a:bodyPr/>
-          <a:lstStyle/>
-          <a:p>
-            <a:r>
-              <a:rPr lang="pt-BR" dirty="0"/>
-              <a:t>Procedimentos metodológicos </a:t>
-            </a:r>
-          </a:p>
-        </p:txBody>
-      </p:sp>
-      <p:sp>
-        <p:nvSpPr>
-          <p:cNvPr id="3" name="Espaço Reservado para Conteúdo 2">
-            <a:extLst>
-              <a:ext uri="{FF2B5EF4-FFF2-40B4-BE49-F238E27FC236}">
-                <a16:creationId xmlns:a16="http://schemas.microsoft.com/office/drawing/2014/main" id="{40F53813-4243-4409-AB7E-EB368A0479E2}"/>
-              </a:ext>
-            </a:extLst>
-          </p:cNvPr>
-          <p:cNvSpPr>
-            <a:spLocks noGrp="1"/>
-          </p:cNvSpPr>
-          <p:nvPr>
-            <p:ph idx="1"/>
-          </p:nvPr>
-        </p:nvSpPr>
-        <p:spPr>
-          <a:xfrm>
-            <a:off x="457200" y="2276872"/>
-            <a:ext cx="8229600" cy="3960441"/>
-          </a:xfrm>
-        </p:spPr>
-        <p:txBody>
           <a:bodyPr/>
           <a:lstStyle/>
           <a:p>
@@ -13947,6 +13394,119 @@
     <p:extLst>
       <p:ext uri="{BB962C8B-B14F-4D97-AF65-F5344CB8AC3E}">
         <p14:creationId xmlns:p14="http://schemas.microsoft.com/office/powerpoint/2010/main" val="3197694656"/>
+      </p:ext>
+    </p:extLst>
+  </p:cSld>
+  <p:clrMapOvr>
+    <a:masterClrMapping/>
+  </p:clrMapOvr>
+</p:sld>
+</file>
+
+<file path=ppt/slides/slide59.xml><?xml version="1.0" encoding="utf-8"?>
+<p:sld xmlns:a="http://schemas.openxmlformats.org/drawingml/2006/main" xmlns:r="http://schemas.openxmlformats.org/officeDocument/2006/relationships" xmlns:p="http://schemas.openxmlformats.org/presentationml/2006/main">
+  <p:cSld>
+    <p:spTree>
+      <p:nvGrpSpPr>
+        <p:cNvPr id="1" name=""/>
+        <p:cNvGrpSpPr/>
+        <p:nvPr/>
+      </p:nvGrpSpPr>
+      <p:grpSpPr>
+        <a:xfrm>
+          <a:off x="0" y="0"/>
+          <a:ext cx="0" cy="0"/>
+          <a:chOff x="0" y="0"/>
+          <a:chExt cx="0" cy="0"/>
+        </a:xfrm>
+      </p:grpSpPr>
+      <p:sp>
+        <p:nvSpPr>
+          <p:cNvPr id="2" name="Título 1">
+            <a:extLst>
+              <a:ext uri="{FF2B5EF4-FFF2-40B4-BE49-F238E27FC236}">
+                <a16:creationId xmlns:a16="http://schemas.microsoft.com/office/drawing/2014/main" id="{1EFEC6AE-4811-4C2E-ADDD-C7F3F48FB161}"/>
+              </a:ext>
+            </a:extLst>
+          </p:cNvPr>
+          <p:cNvSpPr>
+            <a:spLocks noGrp="1"/>
+          </p:cNvSpPr>
+          <p:nvPr>
+            <p:ph type="title"/>
+          </p:nvPr>
+        </p:nvSpPr>
+        <p:spPr/>
+        <p:txBody>
+          <a:bodyPr/>
+          <a:lstStyle/>
+          <a:p>
+            <a:r>
+              <a:rPr lang="pt-BR" dirty="0"/>
+              <a:t>Resultados descritivos População</a:t>
+            </a:r>
+          </a:p>
+        </p:txBody>
+      </p:sp>
+      <p:sp>
+        <p:nvSpPr>
+          <p:cNvPr id="3" name="Espaço Reservado para Conteúdo 2">
+            <a:extLst>
+              <a:ext uri="{FF2B5EF4-FFF2-40B4-BE49-F238E27FC236}">
+                <a16:creationId xmlns:a16="http://schemas.microsoft.com/office/drawing/2014/main" id="{413C0454-A412-4504-A92F-1AF11DB24318}"/>
+              </a:ext>
+            </a:extLst>
+          </p:cNvPr>
+          <p:cNvSpPr>
+            <a:spLocks noGrp="1"/>
+          </p:cNvSpPr>
+          <p:nvPr>
+            <p:ph idx="1"/>
+          </p:nvPr>
+        </p:nvSpPr>
+        <p:spPr/>
+        <p:txBody>
+          <a:bodyPr/>
+          <a:lstStyle/>
+          <a:p>
+            <a:endParaRPr lang="pt-BR"/>
+          </a:p>
+        </p:txBody>
+      </p:sp>
+      <p:pic>
+        <p:nvPicPr>
+          <p:cNvPr id="5" name="Imagem 4">
+            <a:extLst>
+              <a:ext uri="{FF2B5EF4-FFF2-40B4-BE49-F238E27FC236}">
+                <a16:creationId xmlns:a16="http://schemas.microsoft.com/office/drawing/2014/main" id="{773C055E-35B3-4E86-8F03-313E3ADDA1F4}"/>
+              </a:ext>
+            </a:extLst>
+          </p:cNvPr>
+          <p:cNvPicPr>
+            <a:picLocks noChangeAspect="1"/>
+          </p:cNvPicPr>
+          <p:nvPr/>
+        </p:nvPicPr>
+        <p:blipFill>
+          <a:blip r:embed="rId2"/>
+          <a:stretch>
+            <a:fillRect/>
+          </a:stretch>
+        </p:blipFill>
+        <p:spPr>
+          <a:xfrm>
+            <a:off x="1758516" y="2736507"/>
+            <a:ext cx="5626968" cy="4031339"/>
+          </a:xfrm>
+          <a:prstGeom prst="rect">
+            <a:avLst/>
+          </a:prstGeom>
+        </p:spPr>
+      </p:pic>
+    </p:spTree>
+    <p:extLst>
+      <p:ext uri="{BB962C8B-B14F-4D97-AF65-F5344CB8AC3E}">
+        <p14:creationId xmlns:p14="http://schemas.microsoft.com/office/powerpoint/2010/main" val="3218567731"/>
       </p:ext>
     </p:extLst>
   </p:cSld>
@@ -14162,120 +13722,7 @@
 </file>
 
 <file path=ppt/slides/slide60.xml><?xml version="1.0" encoding="utf-8"?>
-<p:sld xmlns:a="http://schemas.openxmlformats.org/drawingml/2006/main" xmlns:r="http://schemas.openxmlformats.org/officeDocument/2006/relationships" xmlns:p="http://schemas.openxmlformats.org/presentationml/2006/main">
-  <p:cSld>
-    <p:spTree>
-      <p:nvGrpSpPr>
-        <p:cNvPr id="1" name=""/>
-        <p:cNvGrpSpPr/>
-        <p:nvPr/>
-      </p:nvGrpSpPr>
-      <p:grpSpPr>
-        <a:xfrm>
-          <a:off x="0" y="0"/>
-          <a:ext cx="0" cy="0"/>
-          <a:chOff x="0" y="0"/>
-          <a:chExt cx="0" cy="0"/>
-        </a:xfrm>
-      </p:grpSpPr>
-      <p:sp>
-        <p:nvSpPr>
-          <p:cNvPr id="2" name="Título 1">
-            <a:extLst>
-              <a:ext uri="{FF2B5EF4-FFF2-40B4-BE49-F238E27FC236}">
-                <a16:creationId xmlns:a16="http://schemas.microsoft.com/office/drawing/2014/main" id="{1EFEC6AE-4811-4C2E-ADDD-C7F3F48FB161}"/>
-              </a:ext>
-            </a:extLst>
-          </p:cNvPr>
-          <p:cNvSpPr>
-            <a:spLocks noGrp="1"/>
-          </p:cNvSpPr>
-          <p:nvPr>
-            <p:ph type="title"/>
-          </p:nvPr>
-        </p:nvSpPr>
-        <p:spPr/>
-        <p:txBody>
-          <a:bodyPr/>
-          <a:lstStyle/>
-          <a:p>
-            <a:r>
-              <a:rPr lang="pt-BR" dirty="0"/>
-              <a:t>Resultados descritivos</a:t>
-            </a:r>
-          </a:p>
-        </p:txBody>
-      </p:sp>
-      <p:sp>
-        <p:nvSpPr>
-          <p:cNvPr id="3" name="Espaço Reservado para Conteúdo 2">
-            <a:extLst>
-              <a:ext uri="{FF2B5EF4-FFF2-40B4-BE49-F238E27FC236}">
-                <a16:creationId xmlns:a16="http://schemas.microsoft.com/office/drawing/2014/main" id="{413C0454-A412-4504-A92F-1AF11DB24318}"/>
-              </a:ext>
-            </a:extLst>
-          </p:cNvPr>
-          <p:cNvSpPr>
-            <a:spLocks noGrp="1"/>
-          </p:cNvSpPr>
-          <p:nvPr>
-            <p:ph idx="1"/>
-          </p:nvPr>
-        </p:nvSpPr>
-        <p:spPr/>
-        <p:txBody>
-          <a:bodyPr/>
-          <a:lstStyle/>
-          <a:p>
-            <a:endParaRPr lang="pt-BR"/>
-          </a:p>
-        </p:txBody>
-      </p:sp>
-      <p:pic>
-        <p:nvPicPr>
-          <p:cNvPr id="5" name="Imagem 4">
-            <a:extLst>
-              <a:ext uri="{FF2B5EF4-FFF2-40B4-BE49-F238E27FC236}">
-                <a16:creationId xmlns:a16="http://schemas.microsoft.com/office/drawing/2014/main" id="{773C055E-35B3-4E86-8F03-313E3ADDA1F4}"/>
-              </a:ext>
-            </a:extLst>
-          </p:cNvPr>
-          <p:cNvPicPr>
-            <a:picLocks noChangeAspect="1"/>
-          </p:cNvPicPr>
-          <p:nvPr/>
-        </p:nvPicPr>
-        <p:blipFill>
-          <a:blip r:embed="rId2"/>
-          <a:stretch>
-            <a:fillRect/>
-          </a:stretch>
-        </p:blipFill>
-        <p:spPr>
-          <a:xfrm>
-            <a:off x="1758516" y="2736507"/>
-            <a:ext cx="5626968" cy="4031339"/>
-          </a:xfrm>
-          <a:prstGeom prst="rect">
-            <a:avLst/>
-          </a:prstGeom>
-        </p:spPr>
-      </p:pic>
-    </p:spTree>
-    <p:extLst>
-      <p:ext uri="{BB962C8B-B14F-4D97-AF65-F5344CB8AC3E}">
-        <p14:creationId xmlns:p14="http://schemas.microsoft.com/office/powerpoint/2010/main" val="3218567731"/>
-      </p:ext>
-    </p:extLst>
-  </p:cSld>
-  <p:clrMapOvr>
-    <a:masterClrMapping/>
-  </p:clrMapOvr>
-</p:sld>
-</file>
-
-<file path=ppt/slides/slide61.xml><?xml version="1.0" encoding="utf-8"?>
-<p:sld xmlns:a="http://schemas.openxmlformats.org/drawingml/2006/main" xmlns:r="http://schemas.openxmlformats.org/officeDocument/2006/relationships" xmlns:p="http://schemas.openxmlformats.org/presentationml/2006/main">
+<p:sld xmlns:a="http://schemas.openxmlformats.org/drawingml/2006/main" xmlns:r="http://schemas.openxmlformats.org/officeDocument/2006/relationships" xmlns:p="http://schemas.openxmlformats.org/presentationml/2006/main" show="0">
   <p:cSld>
     <p:spTree>
       <p:nvGrpSpPr>
@@ -14410,7 +13857,7 @@
 </p:sld>
 </file>
 
-<file path=ppt/slides/slide62.xml><?xml version="1.0" encoding="utf-8"?>
+<file path=ppt/slides/slide61.xml><?xml version="1.0" encoding="utf-8"?>
 <p:sld xmlns:a="http://schemas.openxmlformats.org/drawingml/2006/main" xmlns:r="http://schemas.openxmlformats.org/officeDocument/2006/relationships" xmlns:p="http://schemas.openxmlformats.org/presentationml/2006/main">
   <p:cSld>
     <p:spTree>
@@ -14547,7 +13994,7 @@
 </p:sld>
 </file>
 
-<file path=ppt/slides/slide63.xml><?xml version="1.0" encoding="utf-8"?>
+<file path=ppt/slides/slide62.xml><?xml version="1.0" encoding="utf-8"?>
 <p:sld xmlns:a="http://schemas.openxmlformats.org/drawingml/2006/main" xmlns:r="http://schemas.openxmlformats.org/officeDocument/2006/relationships" xmlns:p="http://schemas.openxmlformats.org/presentationml/2006/main">
   <p:cSld>
     <p:spTree>
@@ -15506,7 +14953,7 @@
 </p:sld>
 </file>
 
-<file path=ppt/slides/slide64.xml><?xml version="1.0" encoding="utf-8"?>
+<file path=ppt/slides/slide63.xml><?xml version="1.0" encoding="utf-8"?>
 <p:sld xmlns:a="http://schemas.openxmlformats.org/drawingml/2006/main" xmlns:r="http://schemas.openxmlformats.org/officeDocument/2006/relationships" xmlns:p="http://schemas.openxmlformats.org/presentationml/2006/main">
   <p:cSld>
     <p:spTree>
@@ -15572,7 +15019,7 @@
             <p:ph idx="1"/>
             <p:extLst>
               <p:ext uri="{D42A27DB-BD31-4B8C-83A1-F6EECF244321}">
-                <p14:modId xmlns:p14="http://schemas.microsoft.com/office/powerpoint/2010/main" val="508322838"/>
+                <p14:modId xmlns:p14="http://schemas.microsoft.com/office/powerpoint/2010/main" val="4265214097"/>
               </p:ext>
             </p:extLst>
           </p:nvPr>
@@ -16248,17 +15695,17 @@
                         </a:spcAft>
                       </a:pPr>
                       <a:r>
-                        <a:rPr lang="pt-BR" sz="2000">
+                        <a:rPr lang="pt-BR" sz="2000" dirty="0">
                           <a:solidFill>
-                            <a:schemeClr val="tx1"/>
+                            <a:srgbClr val="FF0000"/>
                           </a:solidFill>
                           <a:effectLst/>
                         </a:rPr>
                         <a:t>0,896</a:t>
                       </a:r>
-                      <a:endParaRPr lang="pt-BR" sz="2000">
+                      <a:endParaRPr lang="pt-BR" sz="2000" dirty="0">
                         <a:solidFill>
-                          <a:schemeClr val="tx1"/>
+                          <a:srgbClr val="FF0000"/>
                         </a:solidFill>
                         <a:effectLst/>
                         <a:latin typeface="Times" panose="02020603050405020304" pitchFamily="18" charset="0"/>
@@ -16405,7 +15852,25 @@
                           </a:solidFill>
                           <a:effectLst/>
                         </a:rPr>
-                        <a:t>comparativefit</a:t>
+                        <a:t>comparative</a:t>
+                      </a:r>
+                      <a:r>
+                        <a:rPr lang="pt-BR" sz="2000" dirty="0">
+                          <a:solidFill>
+                            <a:schemeClr val="tx1"/>
+                          </a:solidFill>
+                          <a:effectLst/>
+                        </a:rPr>
+                        <a:t> </a:t>
+                      </a:r>
+                      <a:r>
+                        <a:rPr lang="pt-BR" sz="2000" dirty="0" err="1">
+                          <a:solidFill>
+                            <a:schemeClr val="tx1"/>
+                          </a:solidFill>
+                          <a:effectLst/>
+                        </a:rPr>
+                        <a:t>fit</a:t>
                       </a:r>
                       <a:r>
                         <a:rPr lang="pt-BR" sz="2000" dirty="0">
@@ -16471,7 +15936,7 @@
                         </a:spcAft>
                       </a:pPr>
                       <a:r>
-                        <a:rPr lang="pt-BR" sz="2000">
+                        <a:rPr lang="pt-BR" sz="2000" dirty="0">
                           <a:solidFill>
                             <a:schemeClr val="tx1"/>
                           </a:solidFill>
@@ -16487,7 +15952,7 @@
                         </a:spcAft>
                       </a:pPr>
                       <a:r>
-                        <a:rPr lang="pt-BR" sz="2000">
+                        <a:rPr lang="pt-BR" sz="2000" dirty="0">
                           <a:solidFill>
                             <a:schemeClr val="tx1"/>
                           </a:solidFill>
@@ -16495,7 +15960,7 @@
                         </a:rPr>
                         <a:t> </a:t>
                       </a:r>
-                      <a:endParaRPr lang="pt-BR" sz="2000">
+                      <a:endParaRPr lang="pt-BR" sz="2000" dirty="0">
                         <a:solidFill>
                           <a:schemeClr val="tx1"/>
                         </a:solidFill>
@@ -16856,25 +16321,7 @@
                           </a:solidFill>
                           <a:effectLst/>
                         </a:rPr>
-                        <a:t>RMSEA (Root mean square </a:t>
-                      </a:r>
-                      <a:r>
-                        <a:rPr lang="en-US" sz="2000" dirty="0" err="1">
-                          <a:solidFill>
-                            <a:schemeClr val="tx1"/>
-                          </a:solidFill>
-                          <a:effectLst/>
-                        </a:rPr>
-                        <a:t>erro</a:t>
-                      </a:r>
-                      <a:r>
-                        <a:rPr lang="en-US" sz="2000" dirty="0">
-                          <a:solidFill>
-                            <a:schemeClr val="tx1"/>
-                          </a:solidFill>
-                          <a:effectLst/>
-                        </a:rPr>
-                        <a:t> of approximation) </a:t>
+                        <a:t>RMSEA (Root mean square error of approximation) </a:t>
                       </a:r>
                       <a:endParaRPr lang="pt-BR" sz="2000" dirty="0">
                         <a:solidFill>
@@ -16931,9 +16378,9 @@
                         </a:spcAft>
                       </a:pPr>
                       <a:r>
-                        <a:rPr lang="pt-BR" sz="2000">
+                        <a:rPr lang="pt-BR" sz="2000" dirty="0">
                           <a:solidFill>
-                            <a:schemeClr val="tx1"/>
+                            <a:srgbClr val="FF0000"/>
                           </a:solidFill>
                           <a:effectLst/>
                         </a:rPr>
@@ -16947,7 +16394,7 @@
                         </a:spcAft>
                       </a:pPr>
                       <a:r>
-                        <a:rPr lang="pt-BR" sz="2000">
+                        <a:rPr lang="pt-BR" sz="2000" dirty="0">
                           <a:solidFill>
                             <a:schemeClr val="tx1"/>
                           </a:solidFill>
@@ -16955,7 +16402,7 @@
                         </a:rPr>
                         <a:t>p-valor =0,000</a:t>
                       </a:r>
-                      <a:endParaRPr lang="pt-BR" sz="2000">
+                      <a:endParaRPr lang="pt-BR" sz="2000" dirty="0">
                         <a:solidFill>
                           <a:schemeClr val="tx1"/>
                         </a:solidFill>
@@ -17290,7 +16737,7 @@
 </p:sld>
 </file>
 
-<file path=ppt/slides/slide65.xml><?xml version="1.0" encoding="utf-8"?>
+<file path=ppt/slides/slide64.xml><?xml version="1.0" encoding="utf-8"?>
 <p:sld xmlns:a="http://schemas.openxmlformats.org/drawingml/2006/main" xmlns:r="http://schemas.openxmlformats.org/officeDocument/2006/relationships" xmlns:p="http://schemas.openxmlformats.org/presentationml/2006/main">
   <p:cSld>
     <p:spTree>
@@ -17383,7 +16830,7 @@
 </p:sld>
 </file>
 
-<file path=ppt/slides/slide66.xml><?xml version="1.0" encoding="utf-8"?>
+<file path=ppt/slides/slide65.xml><?xml version="1.0" encoding="utf-8"?>
 <p:sld xmlns:a="http://schemas.openxmlformats.org/drawingml/2006/main" xmlns:r="http://schemas.openxmlformats.org/officeDocument/2006/relationships" xmlns:p="http://schemas.openxmlformats.org/presentationml/2006/main">
   <p:cSld>
     <p:spTree>
@@ -17476,7 +16923,7 @@
 </p:sld>
 </file>
 
-<file path=ppt/slides/slide67.xml><?xml version="1.0" encoding="utf-8"?>
+<file path=ppt/slides/slide66.xml><?xml version="1.0" encoding="utf-8"?>
 <p:sld xmlns:a="http://schemas.openxmlformats.org/drawingml/2006/main" xmlns:r="http://schemas.openxmlformats.org/officeDocument/2006/relationships" xmlns:p="http://schemas.openxmlformats.org/presentationml/2006/main">
   <p:cSld>
     <p:spTree>
@@ -17541,7 +16988,7 @@
           <p:nvPr>
             <p:extLst>
               <p:ext uri="{D42A27DB-BD31-4B8C-83A1-F6EECF244321}">
-                <p14:modId xmlns:p14="http://schemas.microsoft.com/office/powerpoint/2010/main" val="4081703590"/>
+                <p14:modId xmlns:p14="http://schemas.microsoft.com/office/powerpoint/2010/main" val="2545782752"/>
               </p:ext>
             </p:extLst>
           </p:nvPr>
@@ -17695,7 +17142,7 @@
                           <a:effectLst/>
                           <a:latin typeface="Swis721 Cn BT" panose="020B0506020202030204"/>
                         </a:rPr>
-                        <a:t>Média tecnológica</a:t>
+                        <a:t>Tecnológica</a:t>
                       </a:r>
                       <a:endParaRPr lang="pt-BR" sz="2000" dirty="0">
                         <a:effectLst/>
@@ -17804,7 +17251,7 @@
                           <a:effectLst/>
                           <a:latin typeface="Swis721 Cn BT" panose="020B0506020202030204"/>
                         </a:rPr>
-                        <a:t>Média de equipe</a:t>
+                        <a:t>Equipe</a:t>
                       </a:r>
                       <a:endParaRPr lang="pt-BR" sz="2000" dirty="0">
                         <a:effectLst/>
@@ -17913,7 +17360,7 @@
                           <a:effectLst/>
                           <a:latin typeface="Swis721 Cn BT" panose="020B0506020202030204"/>
                         </a:rPr>
-                        <a:t>Média de tarefas</a:t>
+                        <a:t>Tarefas</a:t>
                       </a:r>
                       <a:endParaRPr lang="pt-BR" sz="2000" dirty="0">
                         <a:effectLst/>
@@ -18065,7 +17512,7 @@
 </p:sld>
 </file>
 
-<file path=ppt/slides/slide68.xml><?xml version="1.0" encoding="utf-8"?>
+<file path=ppt/slides/slide67.xml><?xml version="1.0" encoding="utf-8"?>
 <p:sld xmlns:a="http://schemas.openxmlformats.org/drawingml/2006/main" xmlns:r="http://schemas.openxmlformats.org/officeDocument/2006/relationships" xmlns:p="http://schemas.openxmlformats.org/presentationml/2006/main">
   <p:cSld>
     <p:spTree>
@@ -18158,7 +17605,7 @@
 </p:sld>
 </file>
 
-<file path=ppt/slides/slide69.xml><?xml version="1.0" encoding="utf-8"?>
+<file path=ppt/slides/slide68.xml><?xml version="1.0" encoding="utf-8"?>
 <p:sld xmlns:a="http://schemas.openxmlformats.org/drawingml/2006/main" xmlns:r="http://schemas.openxmlformats.org/officeDocument/2006/relationships" xmlns:p="http://schemas.openxmlformats.org/presentationml/2006/main">
   <p:cSld>
     <p:spTree>
@@ -18251,256 +17698,7 @@
 </p:sld>
 </file>
 
-<file path=ppt/slides/slide7.xml><?xml version="1.0" encoding="utf-8"?>
-<p:sld xmlns:a="http://schemas.openxmlformats.org/drawingml/2006/main" xmlns:r="http://schemas.openxmlformats.org/officeDocument/2006/relationships" xmlns:p="http://schemas.openxmlformats.org/presentationml/2006/main">
-  <p:cSld>
-    <p:spTree>
-      <p:nvGrpSpPr>
-        <p:cNvPr id="1" name=""/>
-        <p:cNvGrpSpPr/>
-        <p:nvPr/>
-      </p:nvGrpSpPr>
-      <p:grpSpPr>
-        <a:xfrm>
-          <a:off x="0" y="0"/>
-          <a:ext cx="0" cy="0"/>
-          <a:chOff x="0" y="0"/>
-          <a:chExt cx="0" cy="0"/>
-        </a:xfrm>
-      </p:grpSpPr>
-      <p:sp>
-        <p:nvSpPr>
-          <p:cNvPr id="2" name="Título 1"/>
-          <p:cNvSpPr>
-            <a:spLocks noGrp="1"/>
-          </p:cNvSpPr>
-          <p:nvPr>
-            <p:ph type="title"/>
-          </p:nvPr>
-        </p:nvSpPr>
-        <p:spPr>
-          <a:xfrm>
-            <a:off x="433224" y="980728"/>
-            <a:ext cx="8229600" cy="1143000"/>
-          </a:xfrm>
-        </p:spPr>
-        <p:txBody>
-          <a:bodyPr/>
-          <a:lstStyle/>
-          <a:p>
-            <a:r>
-              <a:rPr lang="pt-BR" dirty="0"/>
-              <a:t>Introdução - Adaptabilidade</a:t>
-            </a:r>
-          </a:p>
-        </p:txBody>
-      </p:sp>
-      <p:sp>
-        <p:nvSpPr>
-          <p:cNvPr id="3" name="Espaço Reservado para Conteúdo 2"/>
-          <p:cNvSpPr>
-            <a:spLocks noGrp="1"/>
-          </p:cNvSpPr>
-          <p:nvPr>
-            <p:ph idx="1"/>
-          </p:nvPr>
-        </p:nvSpPr>
-        <p:spPr>
-          <a:xfrm>
-            <a:off x="433224" y="1844824"/>
-            <a:ext cx="8229600" cy="4680520"/>
-          </a:xfrm>
-        </p:spPr>
-        <p:txBody>
-          <a:bodyPr>
-            <a:normAutofit fontScale="92500"/>
-          </a:bodyPr>
-          <a:lstStyle/>
-          <a:p>
-            <a:pPr indent="0" algn="just">
-              <a:lnSpc>
-                <a:spcPct val="150000"/>
-              </a:lnSpc>
-              <a:spcAft>
-                <a:spcPts val="600"/>
-              </a:spcAft>
-              <a:buNone/>
-            </a:pPr>
-            <a:r>
-              <a:rPr lang="pt-BR" sz="2200" b="1" dirty="0">
-                <a:effectLst/>
-                <a:latin typeface="Swis721 Cn BT" panose="020B0506020202030204"/>
-                <a:ea typeface="Times New Roman" panose="02020603050405020304" pitchFamily="18" charset="0"/>
-                <a:cs typeface="Times New Roman" panose="02020603050405020304" pitchFamily="18" charset="0"/>
-              </a:rPr>
-              <a:t>Ao se olhar para a literatura da área, a adaptabilidade aparece como:</a:t>
-            </a:r>
-          </a:p>
-          <a:p>
-            <a:pPr marL="628650" indent="-285750" algn="just">
-              <a:lnSpc>
-                <a:spcPct val="150000"/>
-              </a:lnSpc>
-              <a:spcAft>
-                <a:spcPts val="600"/>
-              </a:spcAft>
-            </a:pPr>
-            <a:r>
-              <a:rPr lang="pt-BR" sz="1900" dirty="0">
-                <a:effectLst/>
-                <a:latin typeface="Swis721 Cn BT" panose="020B0506020202030204"/>
-                <a:ea typeface="Times New Roman" panose="02020603050405020304" pitchFamily="18" charset="0"/>
-                <a:cs typeface="Times New Roman" panose="02020603050405020304" pitchFamily="18" charset="0"/>
-              </a:rPr>
-              <a:t>um dos principais fatores que fazem um bom desenvolvedor de software (LI; KO; ZHU, 2015);</a:t>
-            </a:r>
-          </a:p>
-          <a:p>
-            <a:pPr marL="628650" indent="-285750" algn="just">
-              <a:lnSpc>
-                <a:spcPct val="150000"/>
-              </a:lnSpc>
-              <a:spcAft>
-                <a:spcPts val="600"/>
-              </a:spcAft>
-            </a:pPr>
-            <a:r>
-              <a:rPr lang="pt-BR" sz="1900" dirty="0">
-                <a:effectLst/>
-                <a:latin typeface="Swis721 Cn BT" panose="020B0506020202030204"/>
-                <a:ea typeface="Times New Roman" panose="02020603050405020304" pitchFamily="18" charset="0"/>
-                <a:cs typeface="Times New Roman" panose="02020603050405020304" pitchFamily="18" charset="0"/>
-              </a:rPr>
-              <a:t>Um dos mais procurados requisitos  em profissionais na Engenharia de Software (AHMED </a:t>
-            </a:r>
-            <a:r>
-              <a:rPr lang="pt-BR" sz="1900" i="1" dirty="0">
-                <a:effectLst/>
-                <a:latin typeface="Swis721 Cn BT" panose="020B0506020202030204"/>
-                <a:ea typeface="Times New Roman" panose="02020603050405020304" pitchFamily="18" charset="0"/>
-                <a:cs typeface="Times New Roman" panose="02020603050405020304" pitchFamily="18" charset="0"/>
-              </a:rPr>
-              <a:t>et al.</a:t>
-            </a:r>
-            <a:r>
-              <a:rPr lang="pt-BR" sz="1900" dirty="0">
-                <a:effectLst/>
-                <a:latin typeface="Swis721 Cn BT" panose="020B0506020202030204"/>
-                <a:ea typeface="Times New Roman" panose="02020603050405020304" pitchFamily="18" charset="0"/>
-                <a:cs typeface="Times New Roman" panose="02020603050405020304" pitchFamily="18" charset="0"/>
-              </a:rPr>
-              <a:t>, 2013), </a:t>
-            </a:r>
-          </a:p>
-          <a:p>
-            <a:pPr marL="628650" indent="-285750" algn="just">
-              <a:lnSpc>
-                <a:spcPct val="150000"/>
-              </a:lnSpc>
-              <a:spcAft>
-                <a:spcPts val="600"/>
-              </a:spcAft>
-            </a:pPr>
-            <a:r>
-              <a:rPr lang="pt-BR" sz="1900" dirty="0">
-                <a:effectLst/>
-                <a:latin typeface="Swis721 Cn BT" panose="020B0506020202030204"/>
-                <a:ea typeface="Times New Roman" panose="02020603050405020304" pitchFamily="18" charset="0"/>
-                <a:cs typeface="Times New Roman" panose="02020603050405020304" pitchFamily="18" charset="0"/>
-              </a:rPr>
-              <a:t>Um dos principais desafios no ensino na área (INVERARDI; JAZAYERI, 2006).</a:t>
-            </a:r>
-          </a:p>
-          <a:p>
-            <a:pPr marL="628650" indent="-285750" algn="just">
-              <a:lnSpc>
-                <a:spcPct val="150000"/>
-              </a:lnSpc>
-              <a:spcAft>
-                <a:spcPts val="600"/>
-              </a:spcAft>
-            </a:pPr>
-            <a:r>
-              <a:rPr lang="pt-BR" sz="1900" dirty="0">
-                <a:effectLst/>
-                <a:latin typeface="Swis721 Cn BT" panose="020B0506020202030204"/>
-                <a:ea typeface="Times New Roman" panose="02020603050405020304" pitchFamily="18" charset="0"/>
-                <a:cs typeface="Times New Roman" panose="02020603050405020304" pitchFamily="18" charset="0"/>
-              </a:rPr>
-              <a:t> A adaptação está até mesmo inserida nas diretrizes curriculares nacionais dos cursos de computação</a:t>
-            </a:r>
-            <a:r>
-              <a:rPr lang="pt-BR" sz="1900" dirty="0">
-                <a:latin typeface="Swis721 Cn BT" panose="020B0506020202030204"/>
-                <a:ea typeface="Times New Roman" panose="02020603050405020304" pitchFamily="18" charset="0"/>
-                <a:cs typeface="Times New Roman" panose="02020603050405020304" pitchFamily="18" charset="0"/>
-              </a:rPr>
-              <a:t> (</a:t>
-            </a:r>
-            <a:r>
-              <a:rPr lang="pt-BR" sz="1900" dirty="0">
-                <a:effectLst/>
-                <a:latin typeface="Swis721 Cn BT" panose="020B0506020202030204"/>
-                <a:ea typeface="Times New Roman" panose="02020603050405020304" pitchFamily="18" charset="0"/>
-                <a:cs typeface="Times New Roman" panose="02020603050405020304" pitchFamily="18" charset="0"/>
-              </a:rPr>
-              <a:t>MINISTÉRIO DA EDUCAÇÃO, 2016).</a:t>
-            </a:r>
-          </a:p>
-          <a:p>
-            <a:pPr marL="182563" indent="0" algn="just">
-              <a:lnSpc>
-                <a:spcPct val="150000"/>
-              </a:lnSpc>
-              <a:spcAft>
-                <a:spcPts val="600"/>
-              </a:spcAft>
-              <a:buNone/>
-            </a:pPr>
-            <a:r>
-              <a:rPr lang="pt-BR" sz="1900" b="1" dirty="0">
-                <a:latin typeface="Swis721 Cn BT" panose="020B0506020202030204"/>
-                <a:ea typeface="Times New Roman" panose="02020603050405020304" pitchFamily="18" charset="0"/>
-                <a:cs typeface="Times New Roman" panose="02020603050405020304" pitchFamily="18" charset="0"/>
-              </a:rPr>
-              <a:t>Portanto, adaptabilidade é algo que merece atenção na Engenharia de Software</a:t>
-            </a:r>
-            <a:endParaRPr lang="pt-BR" sz="1900" b="1" dirty="0">
-              <a:effectLst/>
-              <a:latin typeface="Swis721 Cn BT" panose="020B0506020202030204"/>
-              <a:ea typeface="Times New Roman" panose="02020603050405020304" pitchFamily="18" charset="0"/>
-              <a:cs typeface="Times New Roman" panose="02020603050405020304" pitchFamily="18" charset="0"/>
-            </a:endParaRPr>
-          </a:p>
-          <a:p>
-            <a:pPr marL="628650" indent="-285750" algn="just">
-              <a:lnSpc>
-                <a:spcPct val="150000"/>
-              </a:lnSpc>
-              <a:spcAft>
-                <a:spcPts val="600"/>
-              </a:spcAft>
-            </a:pPr>
-            <a:endParaRPr lang="pt-BR" sz="1900" dirty="0">
-              <a:latin typeface="Swis721 Cn BT" panose="020B0506020202030204"/>
-            </a:endParaRPr>
-          </a:p>
-        </p:txBody>
-      </p:sp>
-    </p:spTree>
-    <p:extLst>
-      <p:ext uri="{BB962C8B-B14F-4D97-AF65-F5344CB8AC3E}">
-        <p14:creationId xmlns:p14="http://schemas.microsoft.com/office/powerpoint/2010/main" val="3960927822"/>
-      </p:ext>
-    </p:extLst>
-  </p:cSld>
-  <p:clrMapOvr>
-    <a:masterClrMapping/>
-  </p:clrMapOvr>
-</p:sld>
-</file>
-
-<file path=ppt/slides/slide70.xml><?xml version="1.0" encoding="utf-8"?>
+<file path=ppt/slides/slide69.xml><?xml version="1.0" encoding="utf-8"?>
 <p:sld xmlns:a="http://schemas.openxmlformats.org/drawingml/2006/main" xmlns:r="http://schemas.openxmlformats.org/officeDocument/2006/relationships" xmlns:p="http://schemas.openxmlformats.org/presentationml/2006/main">
   <p:cSld>
     <p:spTree>
@@ -19712,7 +18910,256 @@
 </p:sld>
 </file>
 
-<file path=ppt/slides/slide71.xml><?xml version="1.0" encoding="utf-8"?>
+<file path=ppt/slides/slide7.xml><?xml version="1.0" encoding="utf-8"?>
+<p:sld xmlns:a="http://schemas.openxmlformats.org/drawingml/2006/main" xmlns:r="http://schemas.openxmlformats.org/officeDocument/2006/relationships" xmlns:p="http://schemas.openxmlformats.org/presentationml/2006/main">
+  <p:cSld>
+    <p:spTree>
+      <p:nvGrpSpPr>
+        <p:cNvPr id="1" name=""/>
+        <p:cNvGrpSpPr/>
+        <p:nvPr/>
+      </p:nvGrpSpPr>
+      <p:grpSpPr>
+        <a:xfrm>
+          <a:off x="0" y="0"/>
+          <a:ext cx="0" cy="0"/>
+          <a:chOff x="0" y="0"/>
+          <a:chExt cx="0" cy="0"/>
+        </a:xfrm>
+      </p:grpSpPr>
+      <p:sp>
+        <p:nvSpPr>
+          <p:cNvPr id="2" name="Título 1"/>
+          <p:cNvSpPr>
+            <a:spLocks noGrp="1"/>
+          </p:cNvSpPr>
+          <p:nvPr>
+            <p:ph type="title"/>
+          </p:nvPr>
+        </p:nvSpPr>
+        <p:spPr>
+          <a:xfrm>
+            <a:off x="433224" y="980728"/>
+            <a:ext cx="8229600" cy="1143000"/>
+          </a:xfrm>
+        </p:spPr>
+        <p:txBody>
+          <a:bodyPr/>
+          <a:lstStyle/>
+          <a:p>
+            <a:r>
+              <a:rPr lang="pt-BR" dirty="0"/>
+              <a:t>Introdução - Adaptabilidade</a:t>
+            </a:r>
+          </a:p>
+        </p:txBody>
+      </p:sp>
+      <p:sp>
+        <p:nvSpPr>
+          <p:cNvPr id="3" name="Espaço Reservado para Conteúdo 2"/>
+          <p:cNvSpPr>
+            <a:spLocks noGrp="1"/>
+          </p:cNvSpPr>
+          <p:nvPr>
+            <p:ph idx="1"/>
+          </p:nvPr>
+        </p:nvSpPr>
+        <p:spPr>
+          <a:xfrm>
+            <a:off x="433224" y="1844824"/>
+            <a:ext cx="8229600" cy="4680520"/>
+          </a:xfrm>
+        </p:spPr>
+        <p:txBody>
+          <a:bodyPr>
+            <a:normAutofit fontScale="92500"/>
+          </a:bodyPr>
+          <a:lstStyle/>
+          <a:p>
+            <a:pPr indent="0" algn="just">
+              <a:lnSpc>
+                <a:spcPct val="150000"/>
+              </a:lnSpc>
+              <a:spcAft>
+                <a:spcPts val="600"/>
+              </a:spcAft>
+              <a:buNone/>
+            </a:pPr>
+            <a:r>
+              <a:rPr lang="pt-BR" sz="2200" b="1" dirty="0">
+                <a:effectLst/>
+                <a:latin typeface="Swis721 Cn BT" panose="020B0506020202030204"/>
+                <a:ea typeface="Times New Roman" panose="02020603050405020304" pitchFamily="18" charset="0"/>
+                <a:cs typeface="Times New Roman" panose="02020603050405020304" pitchFamily="18" charset="0"/>
+              </a:rPr>
+              <a:t>Ao se olhar para a literatura da área, a adaptabilidade aparece como:</a:t>
+            </a:r>
+          </a:p>
+          <a:p>
+            <a:pPr marL="628650" indent="-285750" algn="just">
+              <a:lnSpc>
+                <a:spcPct val="150000"/>
+              </a:lnSpc>
+              <a:spcAft>
+                <a:spcPts val="600"/>
+              </a:spcAft>
+            </a:pPr>
+            <a:r>
+              <a:rPr lang="pt-BR" sz="1900" dirty="0">
+                <a:effectLst/>
+                <a:latin typeface="Swis721 Cn BT" panose="020B0506020202030204"/>
+                <a:ea typeface="Times New Roman" panose="02020603050405020304" pitchFamily="18" charset="0"/>
+                <a:cs typeface="Times New Roman" panose="02020603050405020304" pitchFamily="18" charset="0"/>
+              </a:rPr>
+              <a:t>um dos principais fatores que fazem um bom desenvolvedor de software (LI; KO; ZHU, 2015);</a:t>
+            </a:r>
+          </a:p>
+          <a:p>
+            <a:pPr marL="628650" indent="-285750" algn="just">
+              <a:lnSpc>
+                <a:spcPct val="150000"/>
+              </a:lnSpc>
+              <a:spcAft>
+                <a:spcPts val="600"/>
+              </a:spcAft>
+            </a:pPr>
+            <a:r>
+              <a:rPr lang="pt-BR" sz="1900" dirty="0">
+                <a:effectLst/>
+                <a:latin typeface="Swis721 Cn BT" panose="020B0506020202030204"/>
+                <a:ea typeface="Times New Roman" panose="02020603050405020304" pitchFamily="18" charset="0"/>
+                <a:cs typeface="Times New Roman" panose="02020603050405020304" pitchFamily="18" charset="0"/>
+              </a:rPr>
+              <a:t>Um dos mais procurados requisitos  em profissionais na Engenharia de Software (AHMED </a:t>
+            </a:r>
+            <a:r>
+              <a:rPr lang="pt-BR" sz="1900" i="1" dirty="0">
+                <a:effectLst/>
+                <a:latin typeface="Swis721 Cn BT" panose="020B0506020202030204"/>
+                <a:ea typeface="Times New Roman" panose="02020603050405020304" pitchFamily="18" charset="0"/>
+                <a:cs typeface="Times New Roman" panose="02020603050405020304" pitchFamily="18" charset="0"/>
+              </a:rPr>
+              <a:t>et al.</a:t>
+            </a:r>
+            <a:r>
+              <a:rPr lang="pt-BR" sz="1900" dirty="0">
+                <a:effectLst/>
+                <a:latin typeface="Swis721 Cn BT" panose="020B0506020202030204"/>
+                <a:ea typeface="Times New Roman" panose="02020603050405020304" pitchFamily="18" charset="0"/>
+                <a:cs typeface="Times New Roman" panose="02020603050405020304" pitchFamily="18" charset="0"/>
+              </a:rPr>
+              <a:t>, 2013), </a:t>
+            </a:r>
+          </a:p>
+          <a:p>
+            <a:pPr marL="628650" indent="-285750" algn="just">
+              <a:lnSpc>
+                <a:spcPct val="150000"/>
+              </a:lnSpc>
+              <a:spcAft>
+                <a:spcPts val="600"/>
+              </a:spcAft>
+            </a:pPr>
+            <a:r>
+              <a:rPr lang="pt-BR" sz="1900" dirty="0">
+                <a:effectLst/>
+                <a:latin typeface="Swis721 Cn BT" panose="020B0506020202030204"/>
+                <a:ea typeface="Times New Roman" panose="02020603050405020304" pitchFamily="18" charset="0"/>
+                <a:cs typeface="Times New Roman" panose="02020603050405020304" pitchFamily="18" charset="0"/>
+              </a:rPr>
+              <a:t>Um dos principais desafios no ensino na área (INVERARDI; JAZAYERI, 2006).</a:t>
+            </a:r>
+          </a:p>
+          <a:p>
+            <a:pPr marL="628650" indent="-285750" algn="just">
+              <a:lnSpc>
+                <a:spcPct val="150000"/>
+              </a:lnSpc>
+              <a:spcAft>
+                <a:spcPts val="600"/>
+              </a:spcAft>
+            </a:pPr>
+            <a:r>
+              <a:rPr lang="pt-BR" sz="1900" dirty="0">
+                <a:effectLst/>
+                <a:latin typeface="Swis721 Cn BT" panose="020B0506020202030204"/>
+                <a:ea typeface="Times New Roman" panose="02020603050405020304" pitchFamily="18" charset="0"/>
+                <a:cs typeface="Times New Roman" panose="02020603050405020304" pitchFamily="18" charset="0"/>
+              </a:rPr>
+              <a:t> A adaptação está até mesmo inserida nas diretrizes curriculares nacionais dos cursos de computação</a:t>
+            </a:r>
+            <a:r>
+              <a:rPr lang="pt-BR" sz="1900" dirty="0">
+                <a:latin typeface="Swis721 Cn BT" panose="020B0506020202030204"/>
+                <a:ea typeface="Times New Roman" panose="02020603050405020304" pitchFamily="18" charset="0"/>
+                <a:cs typeface="Times New Roman" panose="02020603050405020304" pitchFamily="18" charset="0"/>
+              </a:rPr>
+              <a:t> (</a:t>
+            </a:r>
+            <a:r>
+              <a:rPr lang="pt-BR" sz="1900" dirty="0">
+                <a:effectLst/>
+                <a:latin typeface="Swis721 Cn BT" panose="020B0506020202030204"/>
+                <a:ea typeface="Times New Roman" panose="02020603050405020304" pitchFamily="18" charset="0"/>
+                <a:cs typeface="Times New Roman" panose="02020603050405020304" pitchFamily="18" charset="0"/>
+              </a:rPr>
+              <a:t>MINISTÉRIO DA EDUCAÇÃO, 2016).</a:t>
+            </a:r>
+          </a:p>
+          <a:p>
+            <a:pPr marL="182563" indent="0" algn="just">
+              <a:lnSpc>
+                <a:spcPct val="150000"/>
+              </a:lnSpc>
+              <a:spcAft>
+                <a:spcPts val="600"/>
+              </a:spcAft>
+              <a:buNone/>
+            </a:pPr>
+            <a:r>
+              <a:rPr lang="pt-BR" sz="1900" b="1" dirty="0">
+                <a:latin typeface="Swis721 Cn BT" panose="020B0506020202030204"/>
+                <a:ea typeface="Times New Roman" panose="02020603050405020304" pitchFamily="18" charset="0"/>
+                <a:cs typeface="Times New Roman" panose="02020603050405020304" pitchFamily="18" charset="0"/>
+              </a:rPr>
+              <a:t>Portanto, adaptabilidade é algo que merece atenção na Engenharia de Software</a:t>
+            </a:r>
+            <a:endParaRPr lang="pt-BR" sz="1900" b="1" dirty="0">
+              <a:effectLst/>
+              <a:latin typeface="Swis721 Cn BT" panose="020B0506020202030204"/>
+              <a:ea typeface="Times New Roman" panose="02020603050405020304" pitchFamily="18" charset="0"/>
+              <a:cs typeface="Times New Roman" panose="02020603050405020304" pitchFamily="18" charset="0"/>
+            </a:endParaRPr>
+          </a:p>
+          <a:p>
+            <a:pPr marL="628650" indent="-285750" algn="just">
+              <a:lnSpc>
+                <a:spcPct val="150000"/>
+              </a:lnSpc>
+              <a:spcAft>
+                <a:spcPts val="600"/>
+              </a:spcAft>
+            </a:pPr>
+            <a:endParaRPr lang="pt-BR" sz="1900" dirty="0">
+              <a:latin typeface="Swis721 Cn BT" panose="020B0506020202030204"/>
+            </a:endParaRPr>
+          </a:p>
+        </p:txBody>
+      </p:sp>
+    </p:spTree>
+    <p:extLst>
+      <p:ext uri="{BB962C8B-B14F-4D97-AF65-F5344CB8AC3E}">
+        <p14:creationId xmlns:p14="http://schemas.microsoft.com/office/powerpoint/2010/main" val="3960927822"/>
+      </p:ext>
+    </p:extLst>
+  </p:cSld>
+  <p:clrMapOvr>
+    <a:masterClrMapping/>
+  </p:clrMapOvr>
+</p:sld>
+</file>
+
+<file path=ppt/slides/slide70.xml><?xml version="1.0" encoding="utf-8"?>
 <p:sld xmlns:a="http://schemas.openxmlformats.org/drawingml/2006/main" xmlns:r="http://schemas.openxmlformats.org/officeDocument/2006/relationships" xmlns:p="http://schemas.openxmlformats.org/presentationml/2006/main">
   <p:cSld>
     <p:spTree>
@@ -19753,7 +19200,7 @@
         </p:blipFill>
         <p:spPr>
           <a:xfrm>
-            <a:off x="11765" y="3188028"/>
+            <a:off x="36387" y="2708920"/>
             <a:ext cx="9132235" cy="2559353"/>
           </a:xfrm>
         </p:spPr>
@@ -19822,7 +19269,7 @@
 </p:sld>
 </file>
 
-<file path=ppt/slides/slide72.xml><?xml version="1.0" encoding="utf-8"?>
+<file path=ppt/slides/slide71.xml><?xml version="1.0" encoding="utf-8"?>
 <p:sld xmlns:a="http://schemas.openxmlformats.org/drawingml/2006/main" xmlns:r="http://schemas.openxmlformats.org/officeDocument/2006/relationships" xmlns:p="http://schemas.openxmlformats.org/presentationml/2006/main">
   <p:cSld>
     <p:spTree>
@@ -20557,7 +20004,7 @@
 </p:sld>
 </file>
 
-<file path=ppt/slides/slide73.xml><?xml version="1.0" encoding="utf-8"?>
+<file path=ppt/slides/slide72.xml><?xml version="1.0" encoding="utf-8"?>
 <p:sld xmlns:a="http://schemas.openxmlformats.org/drawingml/2006/main" xmlns:r="http://schemas.openxmlformats.org/officeDocument/2006/relationships" xmlns:p="http://schemas.openxmlformats.org/presentationml/2006/main">
   <p:cSld>
     <p:spTree>
@@ -21735,6 +21182,119 @@
 </p:sld>
 </file>
 
+<file path=ppt/slides/slide73.xml><?xml version="1.0" encoding="utf-8"?>
+<p:sld xmlns:a="http://schemas.openxmlformats.org/drawingml/2006/main" xmlns:r="http://schemas.openxmlformats.org/officeDocument/2006/relationships" xmlns:p="http://schemas.openxmlformats.org/presentationml/2006/main">
+  <p:cSld>
+    <p:spTree>
+      <p:nvGrpSpPr>
+        <p:cNvPr id="1" name=""/>
+        <p:cNvGrpSpPr/>
+        <p:nvPr/>
+      </p:nvGrpSpPr>
+      <p:grpSpPr>
+        <a:xfrm>
+          <a:off x="0" y="0"/>
+          <a:ext cx="0" cy="0"/>
+          <a:chOff x="0" y="0"/>
+          <a:chExt cx="0" cy="0"/>
+        </a:xfrm>
+      </p:grpSpPr>
+      <p:sp>
+        <p:nvSpPr>
+          <p:cNvPr id="2" name="Título 1">
+            <a:extLst>
+              <a:ext uri="{FF2B5EF4-FFF2-40B4-BE49-F238E27FC236}">
+                <a16:creationId xmlns:a16="http://schemas.microsoft.com/office/drawing/2014/main" id="{1AC5E6FF-D9E3-41C4-9A2E-BA1B07FD1BB3}"/>
+              </a:ext>
+            </a:extLst>
+          </p:cNvPr>
+          <p:cNvSpPr>
+            <a:spLocks noGrp="1"/>
+          </p:cNvSpPr>
+          <p:nvPr>
+            <p:ph type="title"/>
+          </p:nvPr>
+        </p:nvSpPr>
+        <p:spPr/>
+        <p:txBody>
+          <a:bodyPr/>
+          <a:lstStyle/>
+          <a:p>
+            <a:r>
+              <a:rPr lang="pt-BR" dirty="0"/>
+              <a:t>Resultados AVE – Adaptabilidade Individual</a:t>
+            </a:r>
+          </a:p>
+        </p:txBody>
+      </p:sp>
+      <p:sp>
+        <p:nvSpPr>
+          <p:cNvPr id="7" name="Espaço Reservado para Conteúdo 6">
+            <a:extLst>
+              <a:ext uri="{FF2B5EF4-FFF2-40B4-BE49-F238E27FC236}">
+                <a16:creationId xmlns:a16="http://schemas.microsoft.com/office/drawing/2014/main" id="{793A6A21-E3FF-454D-9E26-FC54DC624A65}"/>
+              </a:ext>
+            </a:extLst>
+          </p:cNvPr>
+          <p:cNvSpPr>
+            <a:spLocks noGrp="1"/>
+          </p:cNvSpPr>
+          <p:nvPr>
+            <p:ph idx="1"/>
+          </p:nvPr>
+        </p:nvSpPr>
+        <p:spPr/>
+        <p:txBody>
+          <a:bodyPr/>
+          <a:lstStyle/>
+          <a:p>
+            <a:endParaRPr lang="pt-BR"/>
+          </a:p>
+        </p:txBody>
+      </p:sp>
+      <p:pic>
+        <p:nvPicPr>
+          <p:cNvPr id="4" name="Imagem 3">
+            <a:extLst>
+              <a:ext uri="{FF2B5EF4-FFF2-40B4-BE49-F238E27FC236}">
+                <a16:creationId xmlns:a16="http://schemas.microsoft.com/office/drawing/2014/main" id="{2BD2D18F-AAF0-4F96-9631-9225014B7B54}"/>
+              </a:ext>
+            </a:extLst>
+          </p:cNvPr>
+          <p:cNvPicPr>
+            <a:picLocks noChangeAspect="1"/>
+          </p:cNvPicPr>
+          <p:nvPr/>
+        </p:nvPicPr>
+        <p:blipFill>
+          <a:blip r:embed="rId2"/>
+          <a:stretch>
+            <a:fillRect/>
+          </a:stretch>
+        </p:blipFill>
+        <p:spPr>
+          <a:xfrm>
+            <a:off x="457200" y="2420888"/>
+            <a:ext cx="8408956" cy="4095209"/>
+          </a:xfrm>
+          <a:prstGeom prst="rect">
+            <a:avLst/>
+          </a:prstGeom>
+        </p:spPr>
+      </p:pic>
+    </p:spTree>
+    <p:extLst>
+      <p:ext uri="{BB962C8B-B14F-4D97-AF65-F5344CB8AC3E}">
+        <p14:creationId xmlns:p14="http://schemas.microsoft.com/office/powerpoint/2010/main" val="2341762583"/>
+      </p:ext>
+    </p:extLst>
+  </p:cSld>
+  <p:clrMapOvr>
+    <a:masterClrMapping/>
+  </p:clrMapOvr>
+</p:sld>
+</file>
+
 <file path=ppt/slides/slide74.xml><?xml version="1.0" encoding="utf-8"?>
 <p:sld xmlns:a="http://schemas.openxmlformats.org/drawingml/2006/main" xmlns:r="http://schemas.openxmlformats.org/officeDocument/2006/relationships" xmlns:p="http://schemas.openxmlformats.org/presentationml/2006/main">
   <p:cSld>
@@ -21775,42 +21335,17 @@
           <a:p>
             <a:r>
               <a:rPr lang="pt-BR" dirty="0"/>
-              <a:t>Resultados AVE – Adaptabilidade Individual</a:t>
-            </a:r>
-          </a:p>
-        </p:txBody>
-      </p:sp>
-      <p:sp>
-        <p:nvSpPr>
-          <p:cNvPr id="7" name="Espaço Reservado para Conteúdo 6">
-            <a:extLst>
-              <a:ext uri="{FF2B5EF4-FFF2-40B4-BE49-F238E27FC236}">
-                <a16:creationId xmlns:a16="http://schemas.microsoft.com/office/drawing/2014/main" id="{793A6A21-E3FF-454D-9E26-FC54DC624A65}"/>
-              </a:ext>
-            </a:extLst>
-          </p:cNvPr>
-          <p:cNvSpPr>
-            <a:spLocks noGrp="1"/>
-          </p:cNvSpPr>
-          <p:nvPr>
-            <p:ph idx="1"/>
-          </p:nvPr>
-        </p:nvSpPr>
-        <p:spPr/>
-        <p:txBody>
-          <a:bodyPr/>
-          <a:lstStyle/>
-          <a:p>
-            <a:endParaRPr lang="pt-BR"/>
+              <a:t>Resultados Correlação – Adaptabilidade Individual</a:t>
+            </a:r>
           </a:p>
         </p:txBody>
       </p:sp>
       <p:pic>
         <p:nvPicPr>
-          <p:cNvPr id="4" name="Imagem 3">
+          <p:cNvPr id="5" name="Imagem 4">
             <a:extLst>
               <a:ext uri="{FF2B5EF4-FFF2-40B4-BE49-F238E27FC236}">
-                <a16:creationId xmlns:a16="http://schemas.microsoft.com/office/drawing/2014/main" id="{2BD2D18F-AAF0-4F96-9631-9225014B7B54}"/>
+                <a16:creationId xmlns:a16="http://schemas.microsoft.com/office/drawing/2014/main" id="{0F62D989-EA10-47F5-A2BF-CB9D1C073174}"/>
               </a:ext>
             </a:extLst>
           </p:cNvPr>
@@ -21827,8 +21362,8 @@
         </p:blipFill>
         <p:spPr>
           <a:xfrm>
-            <a:off x="457200" y="2564904"/>
-            <a:ext cx="8408956" cy="4095209"/>
+            <a:off x="323528" y="2708920"/>
+            <a:ext cx="9001000" cy="3096344"/>
           </a:xfrm>
           <a:prstGeom prst="rect">
             <a:avLst/>
@@ -21838,7 +21373,7 @@
     </p:spTree>
     <p:extLst>
       <p:ext uri="{BB962C8B-B14F-4D97-AF65-F5344CB8AC3E}">
-        <p14:creationId xmlns:p14="http://schemas.microsoft.com/office/powerpoint/2010/main" val="2341762583"/>
+        <p14:creationId xmlns:p14="http://schemas.microsoft.com/office/powerpoint/2010/main" val="1645984542"/>
       </p:ext>
     </p:extLst>
   </p:cSld>
@@ -21888,94 +21423,6 @@
           <a:p>
             <a:r>
               <a:rPr lang="pt-BR" dirty="0"/>
-              <a:t>Resultados Correlação – Adaptabilidade Individual</a:t>
-            </a:r>
-          </a:p>
-        </p:txBody>
-      </p:sp>
-      <p:pic>
-        <p:nvPicPr>
-          <p:cNvPr id="5" name="Imagem 4">
-            <a:extLst>
-              <a:ext uri="{FF2B5EF4-FFF2-40B4-BE49-F238E27FC236}">
-                <a16:creationId xmlns:a16="http://schemas.microsoft.com/office/drawing/2014/main" id="{0F62D989-EA10-47F5-A2BF-CB9D1C073174}"/>
-              </a:ext>
-            </a:extLst>
-          </p:cNvPr>
-          <p:cNvPicPr>
-            <a:picLocks noChangeAspect="1"/>
-          </p:cNvPicPr>
-          <p:nvPr/>
-        </p:nvPicPr>
-        <p:blipFill>
-          <a:blip r:embed="rId2"/>
-          <a:stretch>
-            <a:fillRect/>
-          </a:stretch>
-        </p:blipFill>
-        <p:spPr>
-          <a:xfrm>
-            <a:off x="323528" y="2708920"/>
-            <a:ext cx="9001000" cy="3096344"/>
-          </a:xfrm>
-          <a:prstGeom prst="rect">
-            <a:avLst/>
-          </a:prstGeom>
-        </p:spPr>
-      </p:pic>
-    </p:spTree>
-    <p:extLst>
-      <p:ext uri="{BB962C8B-B14F-4D97-AF65-F5344CB8AC3E}">
-        <p14:creationId xmlns:p14="http://schemas.microsoft.com/office/powerpoint/2010/main" val="1645984542"/>
-      </p:ext>
-    </p:extLst>
-  </p:cSld>
-  <p:clrMapOvr>
-    <a:masterClrMapping/>
-  </p:clrMapOvr>
-</p:sld>
-</file>
-
-<file path=ppt/slides/slide76.xml><?xml version="1.0" encoding="utf-8"?>
-<p:sld xmlns:a="http://schemas.openxmlformats.org/drawingml/2006/main" xmlns:r="http://schemas.openxmlformats.org/officeDocument/2006/relationships" xmlns:p="http://schemas.openxmlformats.org/presentationml/2006/main">
-  <p:cSld>
-    <p:spTree>
-      <p:nvGrpSpPr>
-        <p:cNvPr id="1" name=""/>
-        <p:cNvGrpSpPr/>
-        <p:nvPr/>
-      </p:nvGrpSpPr>
-      <p:grpSpPr>
-        <a:xfrm>
-          <a:off x="0" y="0"/>
-          <a:ext cx="0" cy="0"/>
-          <a:chOff x="0" y="0"/>
-          <a:chExt cx="0" cy="0"/>
-        </a:xfrm>
-      </p:grpSpPr>
-      <p:sp>
-        <p:nvSpPr>
-          <p:cNvPr id="2" name="Título 1">
-            <a:extLst>
-              <a:ext uri="{FF2B5EF4-FFF2-40B4-BE49-F238E27FC236}">
-                <a16:creationId xmlns:a16="http://schemas.microsoft.com/office/drawing/2014/main" id="{1AC5E6FF-D9E3-41C4-9A2E-BA1B07FD1BB3}"/>
-              </a:ext>
-            </a:extLst>
-          </p:cNvPr>
-          <p:cNvSpPr>
-            <a:spLocks noGrp="1"/>
-          </p:cNvSpPr>
-          <p:nvPr>
-            <p:ph type="title"/>
-          </p:nvPr>
-        </p:nvSpPr>
-        <p:spPr/>
-        <p:txBody>
-          <a:bodyPr/>
-          <a:lstStyle/>
-          <a:p>
-            <a:r>
-              <a:rPr lang="pt-BR" dirty="0"/>
               <a:t>Resultados Confiabilidade – Adaptabilidade Individual</a:t>
             </a:r>
           </a:p>
@@ -22024,7 +21471,7 @@
 </p:sld>
 </file>
 
-<file path=ppt/slides/slide77.xml><?xml version="1.0" encoding="utf-8"?>
+<file path=ppt/slides/slide76.xml><?xml version="1.0" encoding="utf-8"?>
 <p:sld xmlns:a="http://schemas.openxmlformats.org/drawingml/2006/main" xmlns:r="http://schemas.openxmlformats.org/officeDocument/2006/relationships" xmlns:p="http://schemas.openxmlformats.org/presentationml/2006/main">
   <p:cSld>
     <p:spTree>
@@ -23434,7 +22881,7 @@
 </p:sld>
 </file>
 
-<file path=ppt/slides/slide78.xml><?xml version="1.0" encoding="utf-8"?>
+<file path=ppt/slides/slide77.xml><?xml version="1.0" encoding="utf-8"?>
 <p:sld xmlns:a="http://schemas.openxmlformats.org/drawingml/2006/main" xmlns:r="http://schemas.openxmlformats.org/officeDocument/2006/relationships" xmlns:p="http://schemas.openxmlformats.org/presentationml/2006/main">
   <p:cSld>
     <p:spTree>
@@ -23518,6 +22965,99 @@
     <p:extLst>
       <p:ext uri="{BB962C8B-B14F-4D97-AF65-F5344CB8AC3E}">
         <p14:creationId xmlns:p14="http://schemas.microsoft.com/office/powerpoint/2010/main" val="2692672644"/>
+      </p:ext>
+    </p:extLst>
+  </p:cSld>
+  <p:clrMapOvr>
+    <a:masterClrMapping/>
+  </p:clrMapOvr>
+</p:sld>
+</file>
+
+<file path=ppt/slides/slide78.xml><?xml version="1.0" encoding="utf-8"?>
+<p:sld xmlns:a="http://schemas.openxmlformats.org/drawingml/2006/main" xmlns:r="http://schemas.openxmlformats.org/officeDocument/2006/relationships" xmlns:p="http://schemas.openxmlformats.org/presentationml/2006/main">
+  <p:cSld>
+    <p:spTree>
+      <p:nvGrpSpPr>
+        <p:cNvPr id="1" name=""/>
+        <p:cNvGrpSpPr/>
+        <p:nvPr/>
+      </p:nvGrpSpPr>
+      <p:grpSpPr>
+        <a:xfrm>
+          <a:off x="0" y="0"/>
+          <a:ext cx="0" cy="0"/>
+          <a:chOff x="0" y="0"/>
+          <a:chExt cx="0" cy="0"/>
+        </a:xfrm>
+      </p:grpSpPr>
+      <p:sp>
+        <p:nvSpPr>
+          <p:cNvPr id="2" name="Título 1">
+            <a:extLst>
+              <a:ext uri="{FF2B5EF4-FFF2-40B4-BE49-F238E27FC236}">
+                <a16:creationId xmlns:a16="http://schemas.microsoft.com/office/drawing/2014/main" id="{1AC5E6FF-D9E3-41C4-9A2E-BA1B07FD1BB3}"/>
+              </a:ext>
+            </a:extLst>
+          </p:cNvPr>
+          <p:cNvSpPr>
+            <a:spLocks noGrp="1"/>
+          </p:cNvSpPr>
+          <p:nvPr>
+            <p:ph type="title"/>
+          </p:nvPr>
+        </p:nvSpPr>
+        <p:spPr/>
+        <p:txBody>
+          <a:bodyPr/>
+          <a:lstStyle/>
+          <a:p>
+            <a:r>
+              <a:rPr lang="pt-BR" dirty="0"/>
+              <a:t>Relações entre adaptabilidade, instabilidade, satisfação e </a:t>
+            </a:r>
+            <a:r>
+              <a:rPr lang="pt-BR" dirty="0" err="1"/>
+              <a:t>burnout</a:t>
+            </a:r>
+            <a:endParaRPr lang="pt-BR" dirty="0"/>
+          </a:p>
+        </p:txBody>
+      </p:sp>
+      <p:pic>
+        <p:nvPicPr>
+          <p:cNvPr id="6" name="Imagem 5">
+            <a:extLst>
+              <a:ext uri="{FF2B5EF4-FFF2-40B4-BE49-F238E27FC236}">
+                <a16:creationId xmlns:a16="http://schemas.microsoft.com/office/drawing/2014/main" id="{6C6285B3-96D9-4D5C-9B80-5333E1F704C9}"/>
+              </a:ext>
+            </a:extLst>
+          </p:cNvPr>
+          <p:cNvPicPr>
+            <a:picLocks noChangeAspect="1"/>
+          </p:cNvPicPr>
+          <p:nvPr/>
+        </p:nvPicPr>
+        <p:blipFill>
+          <a:blip r:embed="rId2"/>
+          <a:stretch>
+            <a:fillRect/>
+          </a:stretch>
+        </p:blipFill>
+        <p:spPr>
+          <a:xfrm>
+            <a:off x="300362" y="3074970"/>
+            <a:ext cx="8543275" cy="2436254"/>
+          </a:xfrm>
+          <a:prstGeom prst="rect">
+            <a:avLst/>
+          </a:prstGeom>
+        </p:spPr>
+      </p:pic>
+    </p:spTree>
+    <p:extLst>
+      <p:ext uri="{BB962C8B-B14F-4D97-AF65-F5344CB8AC3E}">
+        <p14:creationId xmlns:p14="http://schemas.microsoft.com/office/powerpoint/2010/main" val="3110932114"/>
       </p:ext>
     </p:extLst>
   </p:cSld>
@@ -23567,22 +23107,17 @@
           <a:p>
             <a:r>
               <a:rPr lang="pt-BR" dirty="0"/>
-              <a:t>Relações entre adaptabilidade, instabilidade, satisfação e </a:t>
-            </a:r>
-            <a:r>
-              <a:rPr lang="pt-BR" dirty="0" err="1"/>
-              <a:t>burnout</a:t>
-            </a:r>
-            <a:endParaRPr lang="pt-BR" dirty="0"/>
+              <a:t>Relações entre instabilidade e burnout</a:t>
+            </a:r>
           </a:p>
         </p:txBody>
       </p:sp>
       <p:pic>
         <p:nvPicPr>
-          <p:cNvPr id="6" name="Imagem 5">
+          <p:cNvPr id="4" name="Imagem 3">
             <a:extLst>
               <a:ext uri="{FF2B5EF4-FFF2-40B4-BE49-F238E27FC236}">
-                <a16:creationId xmlns:a16="http://schemas.microsoft.com/office/drawing/2014/main" id="{6C6285B3-96D9-4D5C-9B80-5333E1F704C9}"/>
+                <a16:creationId xmlns:a16="http://schemas.microsoft.com/office/drawing/2014/main" id="{1AA0BFC4-18C8-4295-A176-56B0504ECC62}"/>
               </a:ext>
             </a:extLst>
           </p:cNvPr>
@@ -23599,8 +23134,8 @@
         </p:blipFill>
         <p:spPr>
           <a:xfrm>
-            <a:off x="300362" y="3074970"/>
-            <a:ext cx="8543275" cy="2436254"/>
+            <a:off x="749924" y="2564904"/>
+            <a:ext cx="7644152" cy="3509767"/>
           </a:xfrm>
           <a:prstGeom prst="rect">
             <a:avLst/>
@@ -23610,7 +23145,7 @@
     </p:spTree>
     <p:extLst>
       <p:ext uri="{BB962C8B-B14F-4D97-AF65-F5344CB8AC3E}">
-        <p14:creationId xmlns:p14="http://schemas.microsoft.com/office/powerpoint/2010/main" val="3110932114"/>
+        <p14:creationId xmlns:p14="http://schemas.microsoft.com/office/powerpoint/2010/main" val="1254599646"/>
       </p:ext>
     </p:extLst>
   </p:cSld>
@@ -23787,94 +23322,6 @@
           <a:p>
             <a:r>
               <a:rPr lang="pt-BR" dirty="0"/>
-              <a:t>Relações entre instabilidade e burnout</a:t>
-            </a:r>
-          </a:p>
-        </p:txBody>
-      </p:sp>
-      <p:pic>
-        <p:nvPicPr>
-          <p:cNvPr id="4" name="Imagem 3">
-            <a:extLst>
-              <a:ext uri="{FF2B5EF4-FFF2-40B4-BE49-F238E27FC236}">
-                <a16:creationId xmlns:a16="http://schemas.microsoft.com/office/drawing/2014/main" id="{1AA0BFC4-18C8-4295-A176-56B0504ECC62}"/>
-              </a:ext>
-            </a:extLst>
-          </p:cNvPr>
-          <p:cNvPicPr>
-            <a:picLocks noChangeAspect="1"/>
-          </p:cNvPicPr>
-          <p:nvPr/>
-        </p:nvPicPr>
-        <p:blipFill>
-          <a:blip r:embed="rId2"/>
-          <a:stretch>
-            <a:fillRect/>
-          </a:stretch>
-        </p:blipFill>
-        <p:spPr>
-          <a:xfrm>
-            <a:off x="749924" y="2564904"/>
-            <a:ext cx="7644152" cy="3509767"/>
-          </a:xfrm>
-          <a:prstGeom prst="rect">
-            <a:avLst/>
-          </a:prstGeom>
-        </p:spPr>
-      </p:pic>
-    </p:spTree>
-    <p:extLst>
-      <p:ext uri="{BB962C8B-B14F-4D97-AF65-F5344CB8AC3E}">
-        <p14:creationId xmlns:p14="http://schemas.microsoft.com/office/powerpoint/2010/main" val="1254599646"/>
-      </p:ext>
-    </p:extLst>
-  </p:cSld>
-  <p:clrMapOvr>
-    <a:masterClrMapping/>
-  </p:clrMapOvr>
-</p:sld>
-</file>
-
-<file path=ppt/slides/slide81.xml><?xml version="1.0" encoding="utf-8"?>
-<p:sld xmlns:a="http://schemas.openxmlformats.org/drawingml/2006/main" xmlns:r="http://schemas.openxmlformats.org/officeDocument/2006/relationships" xmlns:p="http://schemas.openxmlformats.org/presentationml/2006/main">
-  <p:cSld>
-    <p:spTree>
-      <p:nvGrpSpPr>
-        <p:cNvPr id="1" name=""/>
-        <p:cNvGrpSpPr/>
-        <p:nvPr/>
-      </p:nvGrpSpPr>
-      <p:grpSpPr>
-        <a:xfrm>
-          <a:off x="0" y="0"/>
-          <a:ext cx="0" cy="0"/>
-          <a:chOff x="0" y="0"/>
-          <a:chExt cx="0" cy="0"/>
-        </a:xfrm>
-      </p:grpSpPr>
-      <p:sp>
-        <p:nvSpPr>
-          <p:cNvPr id="2" name="Título 1">
-            <a:extLst>
-              <a:ext uri="{FF2B5EF4-FFF2-40B4-BE49-F238E27FC236}">
-                <a16:creationId xmlns:a16="http://schemas.microsoft.com/office/drawing/2014/main" id="{1AC5E6FF-D9E3-41C4-9A2E-BA1B07FD1BB3}"/>
-              </a:ext>
-            </a:extLst>
-          </p:cNvPr>
-          <p:cNvSpPr>
-            <a:spLocks noGrp="1"/>
-          </p:cNvSpPr>
-          <p:nvPr>
-            <p:ph type="title"/>
-          </p:nvPr>
-        </p:nvSpPr>
-        <p:spPr/>
-        <p:txBody>
-          <a:bodyPr/>
-          <a:lstStyle/>
-          <a:p>
-            <a:r>
-              <a:rPr lang="pt-BR" dirty="0"/>
               <a:t>Relações entre instabilidade e satisfação</a:t>
             </a:r>
           </a:p>
@@ -23923,7 +23370,7 @@
 </p:sld>
 </file>
 
-<file path=ppt/slides/slide82.xml><?xml version="1.0" encoding="utf-8"?>
+<file path=ppt/slides/slide81.xml><?xml version="1.0" encoding="utf-8"?>
 <p:sld xmlns:a="http://schemas.openxmlformats.org/drawingml/2006/main" xmlns:r="http://schemas.openxmlformats.org/officeDocument/2006/relationships" xmlns:p="http://schemas.openxmlformats.org/presentationml/2006/main">
   <p:cSld>
     <p:spTree>
@@ -24007,6 +23454,323 @@
     <p:extLst>
       <p:ext uri="{BB962C8B-B14F-4D97-AF65-F5344CB8AC3E}">
         <p14:creationId xmlns:p14="http://schemas.microsoft.com/office/powerpoint/2010/main" val="3749233505"/>
+      </p:ext>
+    </p:extLst>
+  </p:cSld>
+  <p:clrMapOvr>
+    <a:masterClrMapping/>
+  </p:clrMapOvr>
+</p:sld>
+</file>
+
+<file path=ppt/slides/slide82.xml><?xml version="1.0" encoding="utf-8"?>
+<p:sld xmlns:a="http://schemas.openxmlformats.org/drawingml/2006/main" xmlns:r="http://schemas.openxmlformats.org/officeDocument/2006/relationships" xmlns:p="http://schemas.openxmlformats.org/presentationml/2006/main">
+  <p:cSld>
+    <p:spTree>
+      <p:nvGrpSpPr>
+        <p:cNvPr id="1" name=""/>
+        <p:cNvGrpSpPr/>
+        <p:nvPr/>
+      </p:nvGrpSpPr>
+      <p:grpSpPr>
+        <a:xfrm>
+          <a:off x="0" y="0"/>
+          <a:ext cx="0" cy="0"/>
+          <a:chOff x="0" y="0"/>
+          <a:chExt cx="0" cy="0"/>
+        </a:xfrm>
+      </p:grpSpPr>
+      <p:sp>
+        <p:nvSpPr>
+          <p:cNvPr id="2" name="Título 1">
+            <a:extLst>
+              <a:ext uri="{FF2B5EF4-FFF2-40B4-BE49-F238E27FC236}">
+                <a16:creationId xmlns:a16="http://schemas.microsoft.com/office/drawing/2014/main" id="{FF9308EC-E1EA-4F23-8C1E-79AB9319528C}"/>
+              </a:ext>
+            </a:extLst>
+          </p:cNvPr>
+          <p:cNvSpPr>
+            <a:spLocks noGrp="1"/>
+          </p:cNvSpPr>
+          <p:nvPr>
+            <p:ph type="title"/>
+          </p:nvPr>
+        </p:nvSpPr>
+        <p:spPr/>
+        <p:txBody>
+          <a:bodyPr/>
+          <a:lstStyle/>
+          <a:p>
+            <a:r>
+              <a:rPr lang="pt-BR" dirty="0"/>
+              <a:t>Implicações</a:t>
+            </a:r>
+          </a:p>
+        </p:txBody>
+      </p:sp>
+      <p:sp>
+        <p:nvSpPr>
+          <p:cNvPr id="3" name="Espaço Reservado para Conteúdo 2">
+            <a:extLst>
+              <a:ext uri="{FF2B5EF4-FFF2-40B4-BE49-F238E27FC236}">
+                <a16:creationId xmlns:a16="http://schemas.microsoft.com/office/drawing/2014/main" id="{B2E2D8C0-4CA1-4AEC-A27C-1270DA763BAC}"/>
+              </a:ext>
+            </a:extLst>
+          </p:cNvPr>
+          <p:cNvSpPr>
+            <a:spLocks noGrp="1"/>
+          </p:cNvSpPr>
+          <p:nvPr>
+            <p:ph idx="1"/>
+          </p:nvPr>
+        </p:nvSpPr>
+        <p:spPr/>
+        <p:txBody>
+          <a:bodyPr/>
+          <a:lstStyle/>
+          <a:p>
+            <a:r>
+              <a:rPr lang="pt-BR" sz="1800" dirty="0">
+                <a:effectLst/>
+                <a:latin typeface="Arial" panose="020B0604020202020204" pitchFamily="34" charset="0"/>
+                <a:ea typeface="Times New Roman" panose="02020603050405020304" pitchFamily="18" charset="0"/>
+              </a:rPr>
+              <a:t>A escala de </a:t>
+            </a:r>
+            <a:r>
+              <a:rPr lang="pt-BR" sz="1800" dirty="0" err="1">
+                <a:effectLst/>
+                <a:latin typeface="Arial" panose="020B0604020202020204" pitchFamily="34" charset="0"/>
+                <a:ea typeface="Times New Roman" panose="02020603050405020304" pitchFamily="18" charset="0"/>
+              </a:rPr>
+              <a:t>Charbonnier-voirin</a:t>
+            </a:r>
+            <a:r>
+              <a:rPr lang="pt-BR" sz="1800" dirty="0">
+                <a:effectLst/>
+                <a:latin typeface="Arial" panose="020B0604020202020204" pitchFamily="34" charset="0"/>
+                <a:ea typeface="Times New Roman" panose="02020603050405020304" pitchFamily="18" charset="0"/>
+              </a:rPr>
+              <a:t> e Roussel (2012)</a:t>
+            </a:r>
+          </a:p>
+          <a:p>
+            <a:pPr lvl="1"/>
+            <a:r>
+              <a:rPr lang="pt-BR" dirty="0">
+                <a:latin typeface="Arial" panose="020B0604020202020204" pitchFamily="34" charset="0"/>
+              </a:rPr>
+              <a:t>Tradução e Validação</a:t>
+            </a:r>
+          </a:p>
+          <a:p>
+            <a:pPr lvl="1"/>
+            <a:r>
+              <a:rPr lang="pt-BR" dirty="0">
+                <a:latin typeface="Arial" panose="020B0604020202020204" pitchFamily="34" charset="0"/>
+              </a:rPr>
+              <a:t>Problemas com VME </a:t>
+            </a:r>
+            <a:r>
+              <a:rPr lang="pt-BR" sz="1800" dirty="0" err="1">
+                <a:effectLst/>
+                <a:latin typeface="Arial" panose="020B0604020202020204" pitchFamily="34" charset="0"/>
+                <a:ea typeface="Times New Roman" panose="02020603050405020304" pitchFamily="18" charset="0"/>
+              </a:rPr>
+              <a:t>Kanten</a:t>
+            </a:r>
+            <a:r>
+              <a:rPr lang="pt-BR" sz="1800" dirty="0">
+                <a:effectLst/>
+                <a:latin typeface="Arial" panose="020B0604020202020204" pitchFamily="34" charset="0"/>
+                <a:ea typeface="Times New Roman" panose="02020603050405020304" pitchFamily="18" charset="0"/>
+              </a:rPr>
+              <a:t>, </a:t>
+            </a:r>
+            <a:r>
+              <a:rPr lang="pt-BR" sz="1800" dirty="0" err="1">
+                <a:effectLst/>
+                <a:latin typeface="Arial" panose="020B0604020202020204" pitchFamily="34" charset="0"/>
+                <a:ea typeface="Times New Roman" panose="02020603050405020304" pitchFamily="18" charset="0"/>
+              </a:rPr>
+              <a:t>Kanten</a:t>
+            </a:r>
+            <a:r>
+              <a:rPr lang="pt-BR" sz="1800" dirty="0">
+                <a:effectLst/>
+                <a:latin typeface="Arial" panose="020B0604020202020204" pitchFamily="34" charset="0"/>
+                <a:ea typeface="Times New Roman" panose="02020603050405020304" pitchFamily="18" charset="0"/>
+              </a:rPr>
+              <a:t> (2015) e </a:t>
+            </a:r>
+            <a:r>
+              <a:rPr lang="pt-BR" sz="1800" dirty="0" err="1">
+                <a:effectLst/>
+                <a:latin typeface="Arial" panose="020B0604020202020204" pitchFamily="34" charset="0"/>
+                <a:ea typeface="Times New Roman" panose="02020603050405020304" pitchFamily="18" charset="0"/>
+              </a:rPr>
+              <a:t>Gurlek</a:t>
+            </a:r>
+            <a:r>
+              <a:rPr lang="pt-BR" sz="1800" dirty="0">
+                <a:effectLst/>
+                <a:latin typeface="Arial" panose="020B0604020202020204" pitchFamily="34" charset="0"/>
+                <a:ea typeface="Times New Roman" panose="02020603050405020304" pitchFamily="18" charset="0"/>
+              </a:rPr>
+              <a:t> </a:t>
+            </a:r>
+            <a:r>
+              <a:rPr lang="pt-BR" sz="1800" dirty="0" err="1">
+                <a:effectLst/>
+                <a:latin typeface="Arial" panose="020B0604020202020204" pitchFamily="34" charset="0"/>
+                <a:ea typeface="Times New Roman" panose="02020603050405020304" pitchFamily="18" charset="0"/>
+              </a:rPr>
+              <a:t>Açlkgöz</a:t>
+            </a:r>
+            <a:r>
+              <a:rPr lang="pt-BR" sz="1800" dirty="0">
+                <a:effectLst/>
+                <a:latin typeface="Arial" panose="020B0604020202020204" pitchFamily="34" charset="0"/>
+                <a:ea typeface="Times New Roman" panose="02020603050405020304" pitchFamily="18" charset="0"/>
+              </a:rPr>
+              <a:t> e </a:t>
+            </a:r>
+            <a:r>
+              <a:rPr lang="pt-BR" sz="1800" dirty="0" err="1">
+                <a:effectLst/>
+                <a:latin typeface="Arial" panose="020B0604020202020204" pitchFamily="34" charset="0"/>
+                <a:ea typeface="Times New Roman" panose="02020603050405020304" pitchFamily="18" charset="0"/>
+              </a:rPr>
+              <a:t>Latham</a:t>
+            </a:r>
+            <a:r>
+              <a:rPr lang="pt-BR" sz="1800" dirty="0">
+                <a:effectLst/>
+                <a:latin typeface="Arial" panose="020B0604020202020204" pitchFamily="34" charset="0"/>
+                <a:ea typeface="Times New Roman" panose="02020603050405020304" pitchFamily="18" charset="0"/>
+              </a:rPr>
+              <a:t> (2019) </a:t>
+            </a:r>
+            <a:r>
+              <a:rPr lang="pt-BR" sz="1800" dirty="0" err="1">
+                <a:effectLst/>
+                <a:latin typeface="Arial" panose="020B0604020202020204" pitchFamily="34" charset="0"/>
+                <a:ea typeface="Times New Roman" panose="02020603050405020304" pitchFamily="18" charset="0"/>
+              </a:rPr>
+              <a:t>Pradhan</a:t>
+            </a:r>
+            <a:r>
+              <a:rPr lang="pt-BR" sz="1800" dirty="0">
+                <a:effectLst/>
+                <a:latin typeface="Arial" panose="020B0604020202020204" pitchFamily="34" charset="0"/>
+                <a:ea typeface="Times New Roman" panose="02020603050405020304" pitchFamily="18" charset="0"/>
+              </a:rPr>
+              <a:t>, </a:t>
+            </a:r>
+            <a:r>
+              <a:rPr lang="pt-BR" sz="1800" dirty="0" err="1">
+                <a:effectLst/>
+                <a:latin typeface="Arial" panose="020B0604020202020204" pitchFamily="34" charset="0"/>
+                <a:ea typeface="Times New Roman" panose="02020603050405020304" pitchFamily="18" charset="0"/>
+              </a:rPr>
+              <a:t>Jena</a:t>
+            </a:r>
+            <a:r>
+              <a:rPr lang="pt-BR" sz="1800" dirty="0">
+                <a:effectLst/>
+                <a:latin typeface="Arial" panose="020B0604020202020204" pitchFamily="34" charset="0"/>
+                <a:ea typeface="Times New Roman" panose="02020603050405020304" pitchFamily="18" charset="0"/>
+              </a:rPr>
+              <a:t> e Singh (2017) </a:t>
+            </a:r>
+          </a:p>
+          <a:p>
+            <a:pPr marL="285750" lvl="1">
+              <a:buFont typeface="Arial" panose="020B0604020202020204" pitchFamily="34" charset="0"/>
+              <a:buChar char="•"/>
+            </a:pPr>
+            <a:r>
+              <a:rPr lang="pt-BR" sz="1800" dirty="0">
+                <a:effectLst/>
+                <a:latin typeface="Arial" panose="020B0604020202020204" pitchFamily="34" charset="0"/>
+                <a:ea typeface="Times New Roman" panose="02020603050405020304" pitchFamily="18" charset="0"/>
+              </a:rPr>
+              <a:t>Entendimento da relação de cada dimensão da adaptabilidade individual com a satisfação.</a:t>
+            </a:r>
+          </a:p>
+          <a:p>
+            <a:pPr marL="285750" lvl="1">
+              <a:buFont typeface="Arial" panose="020B0604020202020204" pitchFamily="34" charset="0"/>
+              <a:buChar char="•"/>
+            </a:pPr>
+            <a:r>
+              <a:rPr lang="pt-BR" sz="1800" dirty="0">
+                <a:effectLst/>
+                <a:latin typeface="Arial" panose="020B0604020202020204" pitchFamily="34" charset="0"/>
+                <a:ea typeface="Times New Roman" panose="02020603050405020304" pitchFamily="18" charset="0"/>
+              </a:rPr>
+              <a:t>Entendimento da relação de cada dimensão da adaptabilidade individual com a satisfação.</a:t>
+            </a:r>
+            <a:endParaRPr lang="pt-BR" sz="1800" dirty="0">
+              <a:latin typeface="Arial" panose="020B0604020202020204" pitchFamily="34" charset="0"/>
+              <a:ea typeface="Times New Roman" panose="02020603050405020304" pitchFamily="18" charset="0"/>
+            </a:endParaRPr>
+          </a:p>
+          <a:p>
+            <a:pPr marL="285750" lvl="1">
+              <a:buFont typeface="Arial" panose="020B0604020202020204" pitchFamily="34" charset="0"/>
+              <a:buChar char="•"/>
+            </a:pPr>
+            <a:r>
+              <a:rPr lang="pt-BR" sz="1800" dirty="0">
+                <a:effectLst/>
+                <a:latin typeface="Arial" panose="020B0604020202020204" pitchFamily="34" charset="0"/>
+                <a:ea typeface="Times New Roman" panose="02020603050405020304" pitchFamily="18" charset="0"/>
+              </a:rPr>
+              <a:t>Contribuição para a validação do modelo teórico de adaptabilidade individual de </a:t>
+            </a:r>
+            <a:r>
+              <a:rPr lang="pt-BR" sz="1800" dirty="0" err="1">
+                <a:effectLst/>
+                <a:latin typeface="Arial" panose="020B0604020202020204" pitchFamily="34" charset="0"/>
+                <a:ea typeface="Times New Roman" panose="02020603050405020304" pitchFamily="18" charset="0"/>
+              </a:rPr>
+              <a:t>Ployhart</a:t>
+            </a:r>
+            <a:r>
+              <a:rPr lang="pt-BR" sz="1800" dirty="0">
+                <a:effectLst/>
+                <a:latin typeface="Arial" panose="020B0604020202020204" pitchFamily="34" charset="0"/>
+                <a:ea typeface="Times New Roman" panose="02020603050405020304" pitchFamily="18" charset="0"/>
+              </a:rPr>
+              <a:t> e </a:t>
+            </a:r>
+            <a:r>
+              <a:rPr lang="pt-BR" sz="1800" dirty="0" err="1">
+                <a:effectLst/>
+                <a:latin typeface="Arial" panose="020B0604020202020204" pitchFamily="34" charset="0"/>
+                <a:ea typeface="Times New Roman" panose="02020603050405020304" pitchFamily="18" charset="0"/>
+              </a:rPr>
+              <a:t>Bliese</a:t>
+            </a:r>
+            <a:r>
+              <a:rPr lang="pt-BR" sz="1800" dirty="0">
+                <a:effectLst/>
+                <a:latin typeface="Arial" panose="020B0604020202020204" pitchFamily="34" charset="0"/>
+                <a:ea typeface="Times New Roman" panose="02020603050405020304" pitchFamily="18" charset="0"/>
+              </a:rPr>
+              <a:t> (2006)</a:t>
+            </a:r>
+            <a:endParaRPr lang="pt-BR" dirty="0">
+              <a:latin typeface="Arial" panose="020B0604020202020204" pitchFamily="34" charset="0"/>
+            </a:endParaRPr>
+          </a:p>
+        </p:txBody>
+      </p:sp>
+    </p:spTree>
+    <p:extLst>
+      <p:ext uri="{BB962C8B-B14F-4D97-AF65-F5344CB8AC3E}">
+        <p14:creationId xmlns:p14="http://schemas.microsoft.com/office/powerpoint/2010/main" val="3154341702"/>
       </p:ext>
     </p:extLst>
   </p:cSld>
@@ -24088,323 +23852,6 @@
                 <a:latin typeface="Arial" panose="020B0604020202020204" pitchFamily="34" charset="0"/>
                 <a:ea typeface="Times New Roman" panose="02020603050405020304" pitchFamily="18" charset="0"/>
               </a:rPr>
-              <a:t>A escala de </a:t>
-            </a:r>
-            <a:r>
-              <a:rPr lang="pt-BR" sz="1800" dirty="0" err="1">
-                <a:effectLst/>
-                <a:latin typeface="Arial" panose="020B0604020202020204" pitchFamily="34" charset="0"/>
-                <a:ea typeface="Times New Roman" panose="02020603050405020304" pitchFamily="18" charset="0"/>
-              </a:rPr>
-              <a:t>Charbonnier-voirin</a:t>
-            </a:r>
-            <a:r>
-              <a:rPr lang="pt-BR" sz="1800" dirty="0">
-                <a:effectLst/>
-                <a:latin typeface="Arial" panose="020B0604020202020204" pitchFamily="34" charset="0"/>
-                <a:ea typeface="Times New Roman" panose="02020603050405020304" pitchFamily="18" charset="0"/>
-              </a:rPr>
-              <a:t> e Roussel (2012)</a:t>
-            </a:r>
-          </a:p>
-          <a:p>
-            <a:pPr lvl="1"/>
-            <a:r>
-              <a:rPr lang="pt-BR" dirty="0">
-                <a:latin typeface="Arial" panose="020B0604020202020204" pitchFamily="34" charset="0"/>
-              </a:rPr>
-              <a:t>Tradução e Validação</a:t>
-            </a:r>
-          </a:p>
-          <a:p>
-            <a:pPr lvl="1"/>
-            <a:r>
-              <a:rPr lang="pt-BR" dirty="0">
-                <a:latin typeface="Arial" panose="020B0604020202020204" pitchFamily="34" charset="0"/>
-              </a:rPr>
-              <a:t>Problemas com VME </a:t>
-            </a:r>
-            <a:r>
-              <a:rPr lang="pt-BR" sz="1800" dirty="0" err="1">
-                <a:effectLst/>
-                <a:latin typeface="Arial" panose="020B0604020202020204" pitchFamily="34" charset="0"/>
-                <a:ea typeface="Times New Roman" panose="02020603050405020304" pitchFamily="18" charset="0"/>
-              </a:rPr>
-              <a:t>Kanten</a:t>
-            </a:r>
-            <a:r>
-              <a:rPr lang="pt-BR" sz="1800" dirty="0">
-                <a:effectLst/>
-                <a:latin typeface="Arial" panose="020B0604020202020204" pitchFamily="34" charset="0"/>
-                <a:ea typeface="Times New Roman" panose="02020603050405020304" pitchFamily="18" charset="0"/>
-              </a:rPr>
-              <a:t>, </a:t>
-            </a:r>
-            <a:r>
-              <a:rPr lang="pt-BR" sz="1800" dirty="0" err="1">
-                <a:effectLst/>
-                <a:latin typeface="Arial" panose="020B0604020202020204" pitchFamily="34" charset="0"/>
-                <a:ea typeface="Times New Roman" panose="02020603050405020304" pitchFamily="18" charset="0"/>
-              </a:rPr>
-              <a:t>Kanten</a:t>
-            </a:r>
-            <a:r>
-              <a:rPr lang="pt-BR" sz="1800" dirty="0">
-                <a:effectLst/>
-                <a:latin typeface="Arial" panose="020B0604020202020204" pitchFamily="34" charset="0"/>
-                <a:ea typeface="Times New Roman" panose="02020603050405020304" pitchFamily="18" charset="0"/>
-              </a:rPr>
-              <a:t> (2015) e </a:t>
-            </a:r>
-            <a:r>
-              <a:rPr lang="pt-BR" sz="1800" dirty="0" err="1">
-                <a:effectLst/>
-                <a:latin typeface="Arial" panose="020B0604020202020204" pitchFamily="34" charset="0"/>
-                <a:ea typeface="Times New Roman" panose="02020603050405020304" pitchFamily="18" charset="0"/>
-              </a:rPr>
-              <a:t>Gurlek</a:t>
-            </a:r>
-            <a:r>
-              <a:rPr lang="pt-BR" sz="1800" dirty="0">
-                <a:effectLst/>
-                <a:latin typeface="Arial" panose="020B0604020202020204" pitchFamily="34" charset="0"/>
-                <a:ea typeface="Times New Roman" panose="02020603050405020304" pitchFamily="18" charset="0"/>
-              </a:rPr>
-              <a:t> </a:t>
-            </a:r>
-            <a:r>
-              <a:rPr lang="pt-BR" sz="1800" dirty="0" err="1">
-                <a:effectLst/>
-                <a:latin typeface="Arial" panose="020B0604020202020204" pitchFamily="34" charset="0"/>
-                <a:ea typeface="Times New Roman" panose="02020603050405020304" pitchFamily="18" charset="0"/>
-              </a:rPr>
-              <a:t>Açlkgöz</a:t>
-            </a:r>
-            <a:r>
-              <a:rPr lang="pt-BR" sz="1800" dirty="0">
-                <a:effectLst/>
-                <a:latin typeface="Arial" panose="020B0604020202020204" pitchFamily="34" charset="0"/>
-                <a:ea typeface="Times New Roman" panose="02020603050405020304" pitchFamily="18" charset="0"/>
-              </a:rPr>
-              <a:t> e </a:t>
-            </a:r>
-            <a:r>
-              <a:rPr lang="pt-BR" sz="1800" dirty="0" err="1">
-                <a:effectLst/>
-                <a:latin typeface="Arial" panose="020B0604020202020204" pitchFamily="34" charset="0"/>
-                <a:ea typeface="Times New Roman" panose="02020603050405020304" pitchFamily="18" charset="0"/>
-              </a:rPr>
-              <a:t>Latham</a:t>
-            </a:r>
-            <a:r>
-              <a:rPr lang="pt-BR" sz="1800" dirty="0">
-                <a:effectLst/>
-                <a:latin typeface="Arial" panose="020B0604020202020204" pitchFamily="34" charset="0"/>
-                <a:ea typeface="Times New Roman" panose="02020603050405020304" pitchFamily="18" charset="0"/>
-              </a:rPr>
-              <a:t> (2019) </a:t>
-            </a:r>
-            <a:r>
-              <a:rPr lang="pt-BR" sz="1800" dirty="0" err="1">
-                <a:effectLst/>
-                <a:latin typeface="Arial" panose="020B0604020202020204" pitchFamily="34" charset="0"/>
-                <a:ea typeface="Times New Roman" panose="02020603050405020304" pitchFamily="18" charset="0"/>
-              </a:rPr>
-              <a:t>Pradhan</a:t>
-            </a:r>
-            <a:r>
-              <a:rPr lang="pt-BR" sz="1800" dirty="0">
-                <a:effectLst/>
-                <a:latin typeface="Arial" panose="020B0604020202020204" pitchFamily="34" charset="0"/>
-                <a:ea typeface="Times New Roman" panose="02020603050405020304" pitchFamily="18" charset="0"/>
-              </a:rPr>
-              <a:t>, </a:t>
-            </a:r>
-            <a:r>
-              <a:rPr lang="pt-BR" sz="1800" dirty="0" err="1">
-                <a:effectLst/>
-                <a:latin typeface="Arial" panose="020B0604020202020204" pitchFamily="34" charset="0"/>
-                <a:ea typeface="Times New Roman" panose="02020603050405020304" pitchFamily="18" charset="0"/>
-              </a:rPr>
-              <a:t>Jena</a:t>
-            </a:r>
-            <a:r>
-              <a:rPr lang="pt-BR" sz="1800" dirty="0">
-                <a:effectLst/>
-                <a:latin typeface="Arial" panose="020B0604020202020204" pitchFamily="34" charset="0"/>
-                <a:ea typeface="Times New Roman" panose="02020603050405020304" pitchFamily="18" charset="0"/>
-              </a:rPr>
-              <a:t> e Singh (2017) </a:t>
-            </a:r>
-          </a:p>
-          <a:p>
-            <a:pPr marL="285750" lvl="1">
-              <a:buFont typeface="Arial" panose="020B0604020202020204" pitchFamily="34" charset="0"/>
-              <a:buChar char="•"/>
-            </a:pPr>
-            <a:r>
-              <a:rPr lang="pt-BR" sz="1800" dirty="0">
-                <a:effectLst/>
-                <a:latin typeface="Arial" panose="020B0604020202020204" pitchFamily="34" charset="0"/>
-                <a:ea typeface="Times New Roman" panose="02020603050405020304" pitchFamily="18" charset="0"/>
-              </a:rPr>
-              <a:t>Entendimento da relação de cada dimensão da adaptabilidade individual com a satisfação.</a:t>
-            </a:r>
-          </a:p>
-          <a:p>
-            <a:pPr marL="285750" lvl="1">
-              <a:buFont typeface="Arial" panose="020B0604020202020204" pitchFamily="34" charset="0"/>
-              <a:buChar char="•"/>
-            </a:pPr>
-            <a:r>
-              <a:rPr lang="pt-BR" sz="1800" dirty="0">
-                <a:effectLst/>
-                <a:latin typeface="Arial" panose="020B0604020202020204" pitchFamily="34" charset="0"/>
-                <a:ea typeface="Times New Roman" panose="02020603050405020304" pitchFamily="18" charset="0"/>
-              </a:rPr>
-              <a:t>Entendimento da relação de cada dimensão da adaptabilidade individual com a satisfação.</a:t>
-            </a:r>
-            <a:endParaRPr lang="pt-BR" sz="1800" dirty="0">
-              <a:latin typeface="Arial" panose="020B0604020202020204" pitchFamily="34" charset="0"/>
-              <a:ea typeface="Times New Roman" panose="02020603050405020304" pitchFamily="18" charset="0"/>
-            </a:endParaRPr>
-          </a:p>
-          <a:p>
-            <a:pPr marL="285750" lvl="1">
-              <a:buFont typeface="Arial" panose="020B0604020202020204" pitchFamily="34" charset="0"/>
-              <a:buChar char="•"/>
-            </a:pPr>
-            <a:r>
-              <a:rPr lang="pt-BR" sz="1800" dirty="0">
-                <a:effectLst/>
-                <a:latin typeface="Arial" panose="020B0604020202020204" pitchFamily="34" charset="0"/>
-                <a:ea typeface="Times New Roman" panose="02020603050405020304" pitchFamily="18" charset="0"/>
-              </a:rPr>
-              <a:t>Contribuição para a validação do modelo teórico de adaptabilidade individual de </a:t>
-            </a:r>
-            <a:r>
-              <a:rPr lang="pt-BR" sz="1800" dirty="0" err="1">
-                <a:effectLst/>
-                <a:latin typeface="Arial" panose="020B0604020202020204" pitchFamily="34" charset="0"/>
-                <a:ea typeface="Times New Roman" panose="02020603050405020304" pitchFamily="18" charset="0"/>
-              </a:rPr>
-              <a:t>Ployhart</a:t>
-            </a:r>
-            <a:r>
-              <a:rPr lang="pt-BR" sz="1800" dirty="0">
-                <a:effectLst/>
-                <a:latin typeface="Arial" panose="020B0604020202020204" pitchFamily="34" charset="0"/>
-                <a:ea typeface="Times New Roman" panose="02020603050405020304" pitchFamily="18" charset="0"/>
-              </a:rPr>
-              <a:t> e </a:t>
-            </a:r>
-            <a:r>
-              <a:rPr lang="pt-BR" sz="1800" dirty="0" err="1">
-                <a:effectLst/>
-                <a:latin typeface="Arial" panose="020B0604020202020204" pitchFamily="34" charset="0"/>
-                <a:ea typeface="Times New Roman" panose="02020603050405020304" pitchFamily="18" charset="0"/>
-              </a:rPr>
-              <a:t>Bliese</a:t>
-            </a:r>
-            <a:r>
-              <a:rPr lang="pt-BR" sz="1800" dirty="0">
-                <a:effectLst/>
-                <a:latin typeface="Arial" panose="020B0604020202020204" pitchFamily="34" charset="0"/>
-                <a:ea typeface="Times New Roman" panose="02020603050405020304" pitchFamily="18" charset="0"/>
-              </a:rPr>
-              <a:t> (2006)</a:t>
-            </a:r>
-            <a:endParaRPr lang="pt-BR" dirty="0">
-              <a:latin typeface="Arial" panose="020B0604020202020204" pitchFamily="34" charset="0"/>
-            </a:endParaRPr>
-          </a:p>
-        </p:txBody>
-      </p:sp>
-    </p:spTree>
-    <p:extLst>
-      <p:ext uri="{BB962C8B-B14F-4D97-AF65-F5344CB8AC3E}">
-        <p14:creationId xmlns:p14="http://schemas.microsoft.com/office/powerpoint/2010/main" val="3154341702"/>
-      </p:ext>
-    </p:extLst>
-  </p:cSld>
-  <p:clrMapOvr>
-    <a:masterClrMapping/>
-  </p:clrMapOvr>
-</p:sld>
-</file>
-
-<file path=ppt/slides/slide84.xml><?xml version="1.0" encoding="utf-8"?>
-<p:sld xmlns:a="http://schemas.openxmlformats.org/drawingml/2006/main" xmlns:r="http://schemas.openxmlformats.org/officeDocument/2006/relationships" xmlns:p="http://schemas.openxmlformats.org/presentationml/2006/main">
-  <p:cSld>
-    <p:spTree>
-      <p:nvGrpSpPr>
-        <p:cNvPr id="1" name=""/>
-        <p:cNvGrpSpPr/>
-        <p:nvPr/>
-      </p:nvGrpSpPr>
-      <p:grpSpPr>
-        <a:xfrm>
-          <a:off x="0" y="0"/>
-          <a:ext cx="0" cy="0"/>
-          <a:chOff x="0" y="0"/>
-          <a:chExt cx="0" cy="0"/>
-        </a:xfrm>
-      </p:grpSpPr>
-      <p:sp>
-        <p:nvSpPr>
-          <p:cNvPr id="2" name="Título 1">
-            <a:extLst>
-              <a:ext uri="{FF2B5EF4-FFF2-40B4-BE49-F238E27FC236}">
-                <a16:creationId xmlns:a16="http://schemas.microsoft.com/office/drawing/2014/main" id="{FF9308EC-E1EA-4F23-8C1E-79AB9319528C}"/>
-              </a:ext>
-            </a:extLst>
-          </p:cNvPr>
-          <p:cNvSpPr>
-            <a:spLocks noGrp="1"/>
-          </p:cNvSpPr>
-          <p:nvPr>
-            <p:ph type="title"/>
-          </p:nvPr>
-        </p:nvSpPr>
-        <p:spPr/>
-        <p:txBody>
-          <a:bodyPr/>
-          <a:lstStyle/>
-          <a:p>
-            <a:r>
-              <a:rPr lang="pt-BR" dirty="0"/>
-              <a:t>Implicações</a:t>
-            </a:r>
-          </a:p>
-        </p:txBody>
-      </p:sp>
-      <p:sp>
-        <p:nvSpPr>
-          <p:cNvPr id="3" name="Espaço Reservado para Conteúdo 2">
-            <a:extLst>
-              <a:ext uri="{FF2B5EF4-FFF2-40B4-BE49-F238E27FC236}">
-                <a16:creationId xmlns:a16="http://schemas.microsoft.com/office/drawing/2014/main" id="{B2E2D8C0-4CA1-4AEC-A27C-1270DA763BAC}"/>
-              </a:ext>
-            </a:extLst>
-          </p:cNvPr>
-          <p:cNvSpPr>
-            <a:spLocks noGrp="1"/>
-          </p:cNvSpPr>
-          <p:nvPr>
-            <p:ph idx="1"/>
-          </p:nvPr>
-        </p:nvSpPr>
-        <p:spPr/>
-        <p:txBody>
-          <a:bodyPr/>
-          <a:lstStyle/>
-          <a:p>
-            <a:r>
-              <a:rPr lang="pt-BR" sz="1800" dirty="0">
-                <a:effectLst/>
-                <a:latin typeface="Arial" panose="020B0604020202020204" pitchFamily="34" charset="0"/>
-                <a:ea typeface="Times New Roman" panose="02020603050405020304" pitchFamily="18" charset="0"/>
-              </a:rPr>
               <a:t>Entendimento da relação entre satisfação e todas as dimensões do Burnout</a:t>
             </a:r>
           </a:p>
@@ -24474,7 +23921,7 @@
 </p:sld>
 </file>
 
-<file path=ppt/slides/slide85.xml><?xml version="1.0" encoding="utf-8"?>
+<file path=ppt/slides/slide84.xml><?xml version="1.0" encoding="utf-8"?>
 <p:sld xmlns:a="http://schemas.openxmlformats.org/drawingml/2006/main" xmlns:r="http://schemas.openxmlformats.org/officeDocument/2006/relationships" xmlns:p="http://schemas.openxmlformats.org/presentationml/2006/main">
   <p:cSld>
     <p:spTree>
@@ -24791,7 +24238,7 @@
 </p:sld>
 </file>
 
-<file path=ppt/slides/slide86.xml><?xml version="1.0" encoding="utf-8"?>
+<file path=ppt/slides/slide85.xml><?xml version="1.0" encoding="utf-8"?>
 <p:sld xmlns:a="http://schemas.openxmlformats.org/drawingml/2006/main" xmlns:r="http://schemas.openxmlformats.org/officeDocument/2006/relationships" xmlns:p="http://schemas.openxmlformats.org/presentationml/2006/main">
   <p:cSld>
     <p:spTree>
@@ -25040,7 +24487,7 @@
 </p:sld>
 </file>
 
-<file path=ppt/slides/slide87.xml><?xml version="1.0" encoding="utf-8"?>
+<file path=ppt/slides/slide86.xml><?xml version="1.0" encoding="utf-8"?>
 <p:sld xmlns:a="http://schemas.openxmlformats.org/drawingml/2006/main" xmlns:r="http://schemas.openxmlformats.org/officeDocument/2006/relationships" xmlns:p="http://schemas.openxmlformats.org/presentationml/2006/main">
   <p:cSld>
     <p:spTree>
@@ -25216,7 +24663,7 @@
 </p:sld>
 </file>
 
-<file path=ppt/slides/slide88.xml><?xml version="1.0" encoding="utf-8"?>
+<file path=ppt/slides/slide87.xml><?xml version="1.0" encoding="utf-8"?>
 <p:sld xmlns:a="http://schemas.openxmlformats.org/drawingml/2006/main" xmlns:r="http://schemas.openxmlformats.org/officeDocument/2006/relationships" xmlns:p="http://schemas.openxmlformats.org/presentationml/2006/main">
   <p:cSld>
     <p:spTree>
@@ -25395,7 +24842,7 @@
 </p:sld>
 </file>
 
-<file path=ppt/slides/slide89.xml><?xml version="1.0" encoding="utf-8"?>
+<file path=ppt/slides/slide88.xml><?xml version="1.0" encoding="utf-8"?>
 <p:sld xmlns:a="http://schemas.openxmlformats.org/drawingml/2006/main" xmlns:r="http://schemas.openxmlformats.org/officeDocument/2006/relationships" xmlns:p="http://schemas.openxmlformats.org/presentationml/2006/main">
   <p:cSld>
     <p:spTree>
@@ -25635,6 +25082,170 @@
     <p:extLst>
       <p:ext uri="{BB962C8B-B14F-4D97-AF65-F5344CB8AC3E}">
         <p14:creationId xmlns:p14="http://schemas.microsoft.com/office/powerpoint/2010/main" val="3858827323"/>
+      </p:ext>
+    </p:extLst>
+  </p:cSld>
+  <p:clrMapOvr>
+    <a:masterClrMapping/>
+  </p:clrMapOvr>
+</p:sld>
+</file>
+
+<file path=ppt/slides/slide89.xml><?xml version="1.0" encoding="utf-8"?>
+<p:sld xmlns:a="http://schemas.openxmlformats.org/drawingml/2006/main" xmlns:r="http://schemas.openxmlformats.org/officeDocument/2006/relationships" xmlns:p="http://schemas.openxmlformats.org/presentationml/2006/main">
+  <p:cSld>
+    <p:spTree>
+      <p:nvGrpSpPr>
+        <p:cNvPr id="1" name=""/>
+        <p:cNvGrpSpPr/>
+        <p:nvPr/>
+      </p:nvGrpSpPr>
+      <p:grpSpPr>
+        <a:xfrm>
+          <a:off x="0" y="0"/>
+          <a:ext cx="0" cy="0"/>
+          <a:chOff x="0" y="0"/>
+          <a:chExt cx="0" cy="0"/>
+        </a:xfrm>
+      </p:grpSpPr>
+      <p:sp>
+        <p:nvSpPr>
+          <p:cNvPr id="2" name="Título 1">
+            <a:extLst>
+              <a:ext uri="{FF2B5EF4-FFF2-40B4-BE49-F238E27FC236}">
+                <a16:creationId xmlns:a16="http://schemas.microsoft.com/office/drawing/2014/main" id="{16511E84-3337-4EEF-9D7F-702A3951403D}"/>
+              </a:ext>
+            </a:extLst>
+          </p:cNvPr>
+          <p:cNvSpPr>
+            <a:spLocks noGrp="1"/>
+          </p:cNvSpPr>
+          <p:nvPr>
+            <p:ph type="title"/>
+          </p:nvPr>
+        </p:nvSpPr>
+        <p:spPr/>
+        <p:txBody>
+          <a:bodyPr/>
+          <a:lstStyle/>
+          <a:p>
+            <a:r>
+              <a:rPr lang="pt-BR" dirty="0"/>
+              <a:t>Trabalhos futuros</a:t>
+            </a:r>
+          </a:p>
+        </p:txBody>
+      </p:sp>
+      <p:sp>
+        <p:nvSpPr>
+          <p:cNvPr id="3" name="Espaço Reservado para Conteúdo 2">
+            <a:extLst>
+              <a:ext uri="{FF2B5EF4-FFF2-40B4-BE49-F238E27FC236}">
+                <a16:creationId xmlns:a16="http://schemas.microsoft.com/office/drawing/2014/main" id="{E050FF96-01FD-47B2-8824-6DA2E79D7C38}"/>
+              </a:ext>
+            </a:extLst>
+          </p:cNvPr>
+          <p:cNvSpPr>
+            <a:spLocks noGrp="1"/>
+          </p:cNvSpPr>
+          <p:nvPr>
+            <p:ph idx="1"/>
+          </p:nvPr>
+        </p:nvSpPr>
+        <p:spPr/>
+        <p:txBody>
+          <a:bodyPr>
+            <a:normAutofit/>
+          </a:bodyPr>
+          <a:lstStyle/>
+          <a:p>
+            <a:r>
+              <a:rPr lang="pt-BR" sz="2000" dirty="0">
+                <a:effectLst/>
+                <a:latin typeface="Swis721 Cn BT" panose="020B0506020202030204"/>
+                <a:ea typeface="Times New Roman" panose="02020603050405020304" pitchFamily="18" charset="0"/>
+                <a:cs typeface="Times New Roman" panose="02020603050405020304" pitchFamily="18" charset="0"/>
+              </a:rPr>
+              <a:t>O que faz indivíduos na computação se sentirem tão eficazes? Os resultados encontrados apontam para o fato de eles se perceberem mais adaptáveis a possíveis situações, e que isso tem relação com sua eficácia percebida. </a:t>
+            </a:r>
+          </a:p>
+          <a:p>
+            <a:endParaRPr lang="pt-BR" sz="2000" dirty="0">
+              <a:effectLst/>
+              <a:latin typeface="Swis721 Cn BT" panose="020B0506020202030204"/>
+              <a:ea typeface="Times New Roman" panose="02020603050405020304" pitchFamily="18" charset="0"/>
+              <a:cs typeface="Times New Roman" panose="02020603050405020304" pitchFamily="18" charset="0"/>
+            </a:endParaRPr>
+          </a:p>
+          <a:p>
+            <a:r>
+              <a:rPr lang="pt-BR" sz="2000" dirty="0">
+                <a:effectLst/>
+                <a:latin typeface="Swis721 Cn BT" panose="020B0506020202030204"/>
+                <a:ea typeface="Times New Roman" panose="02020603050405020304" pitchFamily="18" charset="0"/>
+                <a:cs typeface="Times New Roman" panose="02020603050405020304" pitchFamily="18" charset="0"/>
+              </a:rPr>
+              <a:t>Entender como o processo se manifesta no nível coletivo também é importante, pois existem outros fatores como o suporte mútuo e liderança, que também afetam as relações da adaptabilidade individual, assim como a satisfação e o burnout (BARNETT; BRADLEY, 2007; HOEGL; GEMUENDEN, 2001; NELSON; COOPRIDER, 1996; WEIMAR, 2013). </a:t>
+            </a:r>
+          </a:p>
+          <a:p>
+            <a:endParaRPr lang="pt-BR" sz="2000" dirty="0">
+              <a:latin typeface="Swis721 Cn BT" panose="020B0506020202030204"/>
+            </a:endParaRPr>
+          </a:p>
+        </p:txBody>
+      </p:sp>
+      <p:pic>
+        <p:nvPicPr>
+          <p:cNvPr id="4" name="Picture 2" descr="Megatendências e Desenvolvimento de Cenários Futuros - ANPEI">
+            <a:extLst>
+              <a:ext uri="{FF2B5EF4-FFF2-40B4-BE49-F238E27FC236}">
+                <a16:creationId xmlns:a16="http://schemas.microsoft.com/office/drawing/2014/main" id="{CC7CEF6A-273A-4CBA-8E14-595CFF088AB7}"/>
+              </a:ext>
+            </a:extLst>
+          </p:cNvPr>
+          <p:cNvPicPr>
+            <a:picLocks noChangeAspect="1" noChangeArrowheads="1"/>
+          </p:cNvPicPr>
+          <p:nvPr/>
+        </p:nvPicPr>
+        <p:blipFill>
+          <a:blip r:embed="rId2">
+            <a:extLst>
+              <a:ext uri="{28A0092B-C50C-407E-A947-70E740481C1C}">
+                <a14:useLocalDpi xmlns:a14="http://schemas.microsoft.com/office/drawing/2010/main" val="0"/>
+              </a:ext>
+            </a:extLst>
+          </a:blip>
+          <a:srcRect/>
+          <a:stretch>
+            <a:fillRect/>
+          </a:stretch>
+        </p:blipFill>
+        <p:spPr bwMode="auto">
+          <a:xfrm>
+            <a:off x="6012160" y="222325"/>
+            <a:ext cx="2838450" cy="1609725"/>
+          </a:xfrm>
+          <a:prstGeom prst="rect">
+            <a:avLst/>
+          </a:prstGeom>
+          <a:noFill/>
+          <a:extLst>
+            <a:ext uri="{909E8E84-426E-40DD-AFC4-6F175D3DCCD1}">
+              <a14:hiddenFill xmlns:a14="http://schemas.microsoft.com/office/drawing/2010/main">
+                <a:solidFill>
+                  <a:srgbClr val="FFFFFF"/>
+                </a:solidFill>
+              </a14:hiddenFill>
+            </a:ext>
+          </a:extLst>
+        </p:spPr>
+      </p:pic>
+    </p:spTree>
+    <p:extLst>
+      <p:ext uri="{BB962C8B-B14F-4D97-AF65-F5344CB8AC3E}">
+        <p14:creationId xmlns:p14="http://schemas.microsoft.com/office/powerpoint/2010/main" val="3923117369"/>
       </p:ext>
     </p:extLst>
   </p:cSld>
@@ -25874,170 +25485,6 @@
         </p:nvSpPr>
         <p:spPr/>
         <p:txBody>
-          <a:bodyPr>
-            <a:normAutofit/>
-          </a:bodyPr>
-          <a:lstStyle/>
-          <a:p>
-            <a:r>
-              <a:rPr lang="pt-BR" sz="2000" dirty="0">
-                <a:effectLst/>
-                <a:latin typeface="Swis721 Cn BT" panose="020B0506020202030204"/>
-                <a:ea typeface="Times New Roman" panose="02020603050405020304" pitchFamily="18" charset="0"/>
-                <a:cs typeface="Times New Roman" panose="02020603050405020304" pitchFamily="18" charset="0"/>
-              </a:rPr>
-              <a:t>O que faz indivíduos na computação se sentirem tão eficazes? Os resultados encontrados apontam para o fato de eles se perceberem mais adaptáveis a possíveis situações, e que isso tem relação com sua eficácia percebida. </a:t>
-            </a:r>
-          </a:p>
-          <a:p>
-            <a:endParaRPr lang="pt-BR" sz="2000" dirty="0">
-              <a:effectLst/>
-              <a:latin typeface="Swis721 Cn BT" panose="020B0506020202030204"/>
-              <a:ea typeface="Times New Roman" panose="02020603050405020304" pitchFamily="18" charset="0"/>
-              <a:cs typeface="Times New Roman" panose="02020603050405020304" pitchFamily="18" charset="0"/>
-            </a:endParaRPr>
-          </a:p>
-          <a:p>
-            <a:r>
-              <a:rPr lang="pt-BR" sz="2000" dirty="0">
-                <a:effectLst/>
-                <a:latin typeface="Swis721 Cn BT" panose="020B0506020202030204"/>
-                <a:ea typeface="Times New Roman" panose="02020603050405020304" pitchFamily="18" charset="0"/>
-                <a:cs typeface="Times New Roman" panose="02020603050405020304" pitchFamily="18" charset="0"/>
-              </a:rPr>
-              <a:t>Entender como o processo se manifesta no nível coletivo também é importante, pois existem outros fatores como o suporte mútuo e liderança, que também afetam as relações da adaptabilidade individual, assim como a satisfação e o burnout (BARNETT; BRADLEY, 2007; HOEGL; GEMUENDEN, 2001; NELSON; COOPRIDER, 1996; WEIMAR, 2013). </a:t>
-            </a:r>
-          </a:p>
-          <a:p>
-            <a:endParaRPr lang="pt-BR" sz="2000" dirty="0">
-              <a:latin typeface="Swis721 Cn BT" panose="020B0506020202030204"/>
-            </a:endParaRPr>
-          </a:p>
-        </p:txBody>
-      </p:sp>
-      <p:pic>
-        <p:nvPicPr>
-          <p:cNvPr id="4" name="Picture 2" descr="Megatendências e Desenvolvimento de Cenários Futuros - ANPEI">
-            <a:extLst>
-              <a:ext uri="{FF2B5EF4-FFF2-40B4-BE49-F238E27FC236}">
-                <a16:creationId xmlns:a16="http://schemas.microsoft.com/office/drawing/2014/main" id="{CC7CEF6A-273A-4CBA-8E14-595CFF088AB7}"/>
-              </a:ext>
-            </a:extLst>
-          </p:cNvPr>
-          <p:cNvPicPr>
-            <a:picLocks noChangeAspect="1" noChangeArrowheads="1"/>
-          </p:cNvPicPr>
-          <p:nvPr/>
-        </p:nvPicPr>
-        <p:blipFill>
-          <a:blip r:embed="rId2">
-            <a:extLst>
-              <a:ext uri="{28A0092B-C50C-407E-A947-70E740481C1C}">
-                <a14:useLocalDpi xmlns:a14="http://schemas.microsoft.com/office/drawing/2010/main" val="0"/>
-              </a:ext>
-            </a:extLst>
-          </a:blip>
-          <a:srcRect/>
-          <a:stretch>
-            <a:fillRect/>
-          </a:stretch>
-        </p:blipFill>
-        <p:spPr bwMode="auto">
-          <a:xfrm>
-            <a:off x="6012160" y="222325"/>
-            <a:ext cx="2838450" cy="1609725"/>
-          </a:xfrm>
-          <a:prstGeom prst="rect">
-            <a:avLst/>
-          </a:prstGeom>
-          <a:noFill/>
-          <a:extLst>
-            <a:ext uri="{909E8E84-426E-40DD-AFC4-6F175D3DCCD1}">
-              <a14:hiddenFill xmlns:a14="http://schemas.microsoft.com/office/drawing/2010/main">
-                <a:solidFill>
-                  <a:srgbClr val="FFFFFF"/>
-                </a:solidFill>
-              </a14:hiddenFill>
-            </a:ext>
-          </a:extLst>
-        </p:spPr>
-      </p:pic>
-    </p:spTree>
-    <p:extLst>
-      <p:ext uri="{BB962C8B-B14F-4D97-AF65-F5344CB8AC3E}">
-        <p14:creationId xmlns:p14="http://schemas.microsoft.com/office/powerpoint/2010/main" val="3923117369"/>
-      </p:ext>
-    </p:extLst>
-  </p:cSld>
-  <p:clrMapOvr>
-    <a:masterClrMapping/>
-  </p:clrMapOvr>
-</p:sld>
-</file>
-
-<file path=ppt/slides/slide91.xml><?xml version="1.0" encoding="utf-8"?>
-<p:sld xmlns:a="http://schemas.openxmlformats.org/drawingml/2006/main" xmlns:r="http://schemas.openxmlformats.org/officeDocument/2006/relationships" xmlns:p="http://schemas.openxmlformats.org/presentationml/2006/main">
-  <p:cSld>
-    <p:spTree>
-      <p:nvGrpSpPr>
-        <p:cNvPr id="1" name=""/>
-        <p:cNvGrpSpPr/>
-        <p:nvPr/>
-      </p:nvGrpSpPr>
-      <p:grpSpPr>
-        <a:xfrm>
-          <a:off x="0" y="0"/>
-          <a:ext cx="0" cy="0"/>
-          <a:chOff x="0" y="0"/>
-          <a:chExt cx="0" cy="0"/>
-        </a:xfrm>
-      </p:grpSpPr>
-      <p:sp>
-        <p:nvSpPr>
-          <p:cNvPr id="2" name="Título 1">
-            <a:extLst>
-              <a:ext uri="{FF2B5EF4-FFF2-40B4-BE49-F238E27FC236}">
-                <a16:creationId xmlns:a16="http://schemas.microsoft.com/office/drawing/2014/main" id="{16511E84-3337-4EEF-9D7F-702A3951403D}"/>
-              </a:ext>
-            </a:extLst>
-          </p:cNvPr>
-          <p:cNvSpPr>
-            <a:spLocks noGrp="1"/>
-          </p:cNvSpPr>
-          <p:nvPr>
-            <p:ph type="title"/>
-          </p:nvPr>
-        </p:nvSpPr>
-        <p:spPr/>
-        <p:txBody>
-          <a:bodyPr/>
-          <a:lstStyle/>
-          <a:p>
-            <a:r>
-              <a:rPr lang="pt-BR" dirty="0"/>
-              <a:t>Trabalhos futuros</a:t>
-            </a:r>
-          </a:p>
-        </p:txBody>
-      </p:sp>
-      <p:sp>
-        <p:nvSpPr>
-          <p:cNvPr id="3" name="Espaço Reservado para Conteúdo 2">
-            <a:extLst>
-              <a:ext uri="{FF2B5EF4-FFF2-40B4-BE49-F238E27FC236}">
-                <a16:creationId xmlns:a16="http://schemas.microsoft.com/office/drawing/2014/main" id="{E050FF96-01FD-47B2-8824-6DA2E79D7C38}"/>
-              </a:ext>
-            </a:extLst>
-          </p:cNvPr>
-          <p:cNvSpPr>
-            <a:spLocks noGrp="1"/>
-          </p:cNvSpPr>
-          <p:nvPr>
-            <p:ph idx="1"/>
-          </p:nvPr>
-        </p:nvSpPr>
-        <p:spPr/>
-        <p:txBody>
           <a:bodyPr/>
           <a:lstStyle/>
           <a:p>
@@ -26130,7 +25577,7 @@
 </p:sld>
 </file>
 
-<file path=ppt/slides/slide92.xml><?xml version="1.0" encoding="utf-8"?>
+<file path=ppt/slides/slide91.xml><?xml version="1.0" encoding="utf-8"?>
 <p:sld xmlns:a="http://schemas.openxmlformats.org/drawingml/2006/main" xmlns:r="http://schemas.openxmlformats.org/officeDocument/2006/relationships" xmlns:p="http://schemas.openxmlformats.org/presentationml/2006/main">
   <p:cSld>
     <p:spTree>
@@ -26276,7 +25723,7 @@
 </p:sld>
 </file>
 
-<file path=ppt/slides/slide93.xml><?xml version="1.0" encoding="utf-8"?>
+<file path=ppt/slides/slide92.xml><?xml version="1.0" encoding="utf-8"?>
 <p:sld xmlns:a="http://schemas.openxmlformats.org/drawingml/2006/main" xmlns:r="http://schemas.openxmlformats.org/officeDocument/2006/relationships" xmlns:p="http://schemas.openxmlformats.org/presentationml/2006/main">
   <p:cSld>
     <p:spTree>
@@ -26470,6 +25917,410 @@
 </p:sld>
 </file>
 
+<file path=ppt/slides/slide93.xml><?xml version="1.0" encoding="utf-8"?>
+<p:sld xmlns:a="http://schemas.openxmlformats.org/drawingml/2006/main" xmlns:r="http://schemas.openxmlformats.org/officeDocument/2006/relationships" xmlns:p="http://schemas.openxmlformats.org/presentationml/2006/main">
+  <p:cSld>
+    <p:spTree>
+      <p:nvGrpSpPr>
+        <p:cNvPr id="1" name=""/>
+        <p:cNvGrpSpPr/>
+        <p:nvPr/>
+      </p:nvGrpSpPr>
+      <p:grpSpPr>
+        <a:xfrm>
+          <a:off x="0" y="0"/>
+          <a:ext cx="0" cy="0"/>
+          <a:chOff x="0" y="0"/>
+          <a:chExt cx="0" cy="0"/>
+        </a:xfrm>
+      </p:grpSpPr>
+      <p:sp>
+        <p:nvSpPr>
+          <p:cNvPr id="2" name="Título 1">
+            <a:extLst>
+              <a:ext uri="{FF2B5EF4-FFF2-40B4-BE49-F238E27FC236}">
+                <a16:creationId xmlns:a16="http://schemas.microsoft.com/office/drawing/2014/main" id="{955B7A71-0AE6-4842-8500-FF5159312A34}"/>
+              </a:ext>
+            </a:extLst>
+          </p:cNvPr>
+          <p:cNvSpPr>
+            <a:spLocks noGrp="1"/>
+          </p:cNvSpPr>
+          <p:nvPr>
+            <p:ph type="title"/>
+          </p:nvPr>
+        </p:nvSpPr>
+        <p:spPr/>
+        <p:txBody>
+          <a:bodyPr/>
+          <a:lstStyle/>
+          <a:p>
+            <a:r>
+              <a:rPr lang="pt-BR" dirty="0"/>
+              <a:t>Referências</a:t>
+            </a:r>
+          </a:p>
+        </p:txBody>
+      </p:sp>
+      <p:sp>
+        <p:nvSpPr>
+          <p:cNvPr id="3" name="Espaço Reservado para Conteúdo 2">
+            <a:extLst>
+              <a:ext uri="{FF2B5EF4-FFF2-40B4-BE49-F238E27FC236}">
+                <a16:creationId xmlns:a16="http://schemas.microsoft.com/office/drawing/2014/main" id="{EBBB26C3-F96E-4074-AC85-D845AA1F466A}"/>
+              </a:ext>
+            </a:extLst>
+          </p:cNvPr>
+          <p:cNvSpPr>
+            <a:spLocks noGrp="1"/>
+          </p:cNvSpPr>
+          <p:nvPr>
+            <p:ph idx="1"/>
+          </p:nvPr>
+        </p:nvSpPr>
+        <p:spPr/>
+        <p:txBody>
+          <a:bodyPr>
+            <a:normAutofit fontScale="85000" lnSpcReduction="10000"/>
+          </a:bodyPr>
+          <a:lstStyle/>
+          <a:p>
+            <a:r>
+              <a:rPr lang="en-US" sz="1800" dirty="0">
+                <a:effectLst/>
+                <a:latin typeface="Times New Roman" panose="02020603050405020304" pitchFamily="18" charset="0"/>
+                <a:ea typeface="Times New Roman" panose="02020603050405020304" pitchFamily="18" charset="0"/>
+                <a:cs typeface="Times New Roman" panose="02020603050405020304" pitchFamily="18" charset="0"/>
+              </a:rPr>
+              <a:t>WILLIAMS, Laurie; COCKBURN, Alistair. Agile software development: it’s about feedback and change. </a:t>
+            </a:r>
+            <a:r>
+              <a:rPr lang="en-US" sz="1800" b="1" dirty="0">
+                <a:effectLst/>
+                <a:latin typeface="Times New Roman" panose="02020603050405020304" pitchFamily="18" charset="0"/>
+                <a:ea typeface="Times New Roman" panose="02020603050405020304" pitchFamily="18" charset="0"/>
+                <a:cs typeface="Times New Roman" panose="02020603050405020304" pitchFamily="18" charset="0"/>
+              </a:rPr>
+              <a:t>IEEE computer</a:t>
+            </a:r>
+            <a:r>
+              <a:rPr lang="en-US" sz="1800" dirty="0">
+                <a:effectLst/>
+                <a:latin typeface="Times New Roman" panose="02020603050405020304" pitchFamily="18" charset="0"/>
+                <a:ea typeface="Times New Roman" panose="02020603050405020304" pitchFamily="18" charset="0"/>
+                <a:cs typeface="Times New Roman" panose="02020603050405020304" pitchFamily="18" charset="0"/>
+              </a:rPr>
+              <a:t>, </a:t>
+            </a:r>
+            <a:r>
+              <a:rPr lang="en-US" sz="1800" i="1" dirty="0">
+                <a:effectLst/>
+                <a:latin typeface="Times New Roman" panose="02020603050405020304" pitchFamily="18" charset="0"/>
+                <a:ea typeface="Times New Roman" panose="02020603050405020304" pitchFamily="18" charset="0"/>
+                <a:cs typeface="Times New Roman" panose="02020603050405020304" pitchFamily="18" charset="0"/>
+              </a:rPr>
+              <a:t>[S. l.]</a:t>
+            </a:r>
+            <a:r>
+              <a:rPr lang="en-US" sz="1800" dirty="0">
+                <a:effectLst/>
+                <a:latin typeface="Times New Roman" panose="02020603050405020304" pitchFamily="18" charset="0"/>
+                <a:ea typeface="Times New Roman" panose="02020603050405020304" pitchFamily="18" charset="0"/>
+                <a:cs typeface="Times New Roman" panose="02020603050405020304" pitchFamily="18" charset="0"/>
+              </a:rPr>
+              <a:t>, v. 36, n. 6, p. 39–43, 2003. </a:t>
+            </a:r>
+            <a:endParaRPr lang="pt-BR" sz="1800" dirty="0">
+              <a:effectLst/>
+              <a:latin typeface="Times" panose="02020603050405020304" pitchFamily="18" charset="0"/>
+              <a:ea typeface="Times New Roman" panose="02020603050405020304" pitchFamily="18" charset="0"/>
+              <a:cs typeface="Times New Roman" panose="02020603050405020304" pitchFamily="18" charset="0"/>
+            </a:endParaRPr>
+          </a:p>
+          <a:p>
+            <a:r>
+              <a:rPr lang="en-US" sz="1800" dirty="0">
+                <a:effectLst/>
+                <a:latin typeface="Times New Roman" panose="02020603050405020304" pitchFamily="18" charset="0"/>
+                <a:ea typeface="Times New Roman" panose="02020603050405020304" pitchFamily="18" charset="0"/>
+                <a:cs typeface="Times New Roman" panose="02020603050405020304" pitchFamily="18" charset="0"/>
+              </a:rPr>
+              <a:t>MELNIK, Grigori; MAURER, Frank. Comparative Analysis of Job Satisfaction in Agile and Non-agile Software Development Teams. </a:t>
+            </a:r>
+            <a:r>
+              <a:rPr lang="en-US" sz="1800" b="1" dirty="0">
+                <a:effectLst/>
+                <a:latin typeface="Times New Roman" panose="02020603050405020304" pitchFamily="18" charset="0"/>
+                <a:ea typeface="Times New Roman" panose="02020603050405020304" pitchFamily="18" charset="0"/>
+                <a:cs typeface="Times New Roman" panose="02020603050405020304" pitchFamily="18" charset="0"/>
+              </a:rPr>
+              <a:t>XP’06 Proceedings of the 7th international conference on Extreme Programming and Agile Processes in Software Engineering</a:t>
+            </a:r>
+            <a:r>
+              <a:rPr lang="en-US" sz="1800" dirty="0">
+                <a:effectLst/>
+                <a:latin typeface="Times New Roman" panose="02020603050405020304" pitchFamily="18" charset="0"/>
+                <a:ea typeface="Times New Roman" panose="02020603050405020304" pitchFamily="18" charset="0"/>
+                <a:cs typeface="Times New Roman" panose="02020603050405020304" pitchFamily="18" charset="0"/>
+              </a:rPr>
+              <a:t>, </a:t>
+            </a:r>
+            <a:r>
+              <a:rPr lang="en-US" sz="1800" i="1" dirty="0">
+                <a:effectLst/>
+                <a:latin typeface="Times New Roman" panose="02020603050405020304" pitchFamily="18" charset="0"/>
+                <a:ea typeface="Times New Roman" panose="02020603050405020304" pitchFamily="18" charset="0"/>
+                <a:cs typeface="Times New Roman" panose="02020603050405020304" pitchFamily="18" charset="0"/>
+              </a:rPr>
+              <a:t>[S. l.]</a:t>
+            </a:r>
+            <a:r>
+              <a:rPr lang="en-US" sz="1800" dirty="0">
+                <a:effectLst/>
+                <a:latin typeface="Times New Roman" panose="02020603050405020304" pitchFamily="18" charset="0"/>
+                <a:ea typeface="Times New Roman" panose="02020603050405020304" pitchFamily="18" charset="0"/>
+                <a:cs typeface="Times New Roman" panose="02020603050405020304" pitchFamily="18" charset="0"/>
+              </a:rPr>
+              <a:t>, p. 32–42, 2006. </a:t>
+            </a:r>
+            <a:r>
+              <a:rPr lang="pt-BR" sz="1800" dirty="0">
+                <a:effectLst/>
+                <a:latin typeface="Times New Roman" panose="02020603050405020304" pitchFamily="18" charset="0"/>
+                <a:ea typeface="Times New Roman" panose="02020603050405020304" pitchFamily="18" charset="0"/>
+                <a:cs typeface="Times New Roman" panose="02020603050405020304" pitchFamily="18" charset="0"/>
+              </a:rPr>
+              <a:t>Disponível em: http://www.springerlink.com/index/V556H4T270612011.pdf</a:t>
+            </a:r>
+            <a:endParaRPr lang="pt-BR" sz="1800" dirty="0">
+              <a:effectLst/>
+              <a:latin typeface="Times" panose="02020603050405020304" pitchFamily="18" charset="0"/>
+              <a:ea typeface="Times New Roman" panose="02020603050405020304" pitchFamily="18" charset="0"/>
+              <a:cs typeface="Times New Roman" panose="02020603050405020304" pitchFamily="18" charset="0"/>
+            </a:endParaRPr>
+          </a:p>
+          <a:p>
+            <a:r>
+              <a:rPr lang="en-US" sz="1800" dirty="0">
+                <a:effectLst/>
+                <a:latin typeface="Times New Roman" panose="02020603050405020304" pitchFamily="18" charset="0"/>
+                <a:ea typeface="Times New Roman" panose="02020603050405020304" pitchFamily="18" charset="0"/>
+              </a:rPr>
+              <a:t>BOEHM, Barry W. Get ready for agile methods, with care. </a:t>
+            </a:r>
+            <a:r>
+              <a:rPr lang="en-US" sz="1800" b="1" dirty="0">
+                <a:effectLst/>
+                <a:latin typeface="Times New Roman" panose="02020603050405020304" pitchFamily="18" charset="0"/>
+                <a:ea typeface="Times New Roman" panose="02020603050405020304" pitchFamily="18" charset="0"/>
+              </a:rPr>
+              <a:t>Software Engineering: Barry W. </a:t>
+            </a:r>
+            <a:r>
+              <a:rPr lang="en-US" sz="1800" b="1" dirty="0" err="1">
+                <a:effectLst/>
+                <a:latin typeface="Times New Roman" panose="02020603050405020304" pitchFamily="18" charset="0"/>
+                <a:ea typeface="Times New Roman" panose="02020603050405020304" pitchFamily="18" charset="0"/>
+              </a:rPr>
+              <a:t>Boehm’S</a:t>
+            </a:r>
+            <a:r>
+              <a:rPr lang="en-US" sz="1800" b="1" dirty="0">
+                <a:effectLst/>
+                <a:latin typeface="Times New Roman" panose="02020603050405020304" pitchFamily="18" charset="0"/>
+                <a:ea typeface="Times New Roman" panose="02020603050405020304" pitchFamily="18" charset="0"/>
+              </a:rPr>
+              <a:t> Lifetime Contributions to Software Development, Management, and Research</a:t>
+            </a:r>
+            <a:r>
+              <a:rPr lang="en-US" sz="1800" dirty="0">
+                <a:effectLst/>
+                <a:latin typeface="Times New Roman" panose="02020603050405020304" pitchFamily="18" charset="0"/>
+                <a:ea typeface="Times New Roman" panose="02020603050405020304" pitchFamily="18" charset="0"/>
+              </a:rPr>
+              <a:t>, </a:t>
+            </a:r>
+            <a:r>
+              <a:rPr lang="en-US" sz="1800" i="1" dirty="0">
+                <a:effectLst/>
+                <a:latin typeface="Times New Roman" panose="02020603050405020304" pitchFamily="18" charset="0"/>
+                <a:ea typeface="Times New Roman" panose="02020603050405020304" pitchFamily="18" charset="0"/>
+              </a:rPr>
+              <a:t>[S. l.]</a:t>
+            </a:r>
+            <a:r>
+              <a:rPr lang="en-US" sz="1800" dirty="0">
+                <a:effectLst/>
+                <a:latin typeface="Times New Roman" panose="02020603050405020304" pitchFamily="18" charset="0"/>
+                <a:ea typeface="Times New Roman" panose="02020603050405020304" pitchFamily="18" charset="0"/>
+              </a:rPr>
+              <a:t>, p. 535–543, 2007.</a:t>
+            </a:r>
+          </a:p>
+          <a:p>
+            <a:r>
+              <a:rPr lang="pt-BR" sz="1800" dirty="0">
+                <a:effectLst/>
+                <a:latin typeface="Times New Roman" panose="02020603050405020304" pitchFamily="18" charset="0"/>
+                <a:ea typeface="Times New Roman" panose="02020603050405020304" pitchFamily="18" charset="0"/>
+              </a:rPr>
+              <a:t>MANIFESTO, </a:t>
+            </a:r>
+            <a:r>
+              <a:rPr lang="pt-BR" sz="1800" dirty="0" err="1">
+                <a:effectLst/>
+                <a:latin typeface="Times New Roman" panose="02020603050405020304" pitchFamily="18" charset="0"/>
+                <a:ea typeface="Times New Roman" panose="02020603050405020304" pitchFamily="18" charset="0"/>
+              </a:rPr>
+              <a:t>Agile</a:t>
+            </a:r>
+            <a:r>
+              <a:rPr lang="pt-BR" sz="1800" dirty="0">
+                <a:effectLst/>
+                <a:latin typeface="Times New Roman" panose="02020603050405020304" pitchFamily="18" charset="0"/>
+                <a:ea typeface="Times New Roman" panose="02020603050405020304" pitchFamily="18" charset="0"/>
+              </a:rPr>
+              <a:t>. Manifesto for </a:t>
+            </a:r>
+            <a:r>
+              <a:rPr lang="pt-BR" sz="1800" dirty="0" err="1">
+                <a:effectLst/>
+                <a:latin typeface="Times New Roman" panose="02020603050405020304" pitchFamily="18" charset="0"/>
+                <a:ea typeface="Times New Roman" panose="02020603050405020304" pitchFamily="18" charset="0"/>
+              </a:rPr>
+              <a:t>agile</a:t>
+            </a:r>
+            <a:r>
+              <a:rPr lang="pt-BR" sz="1800" dirty="0">
+                <a:effectLst/>
+                <a:latin typeface="Times New Roman" panose="02020603050405020304" pitchFamily="18" charset="0"/>
+                <a:ea typeface="Times New Roman" panose="02020603050405020304" pitchFamily="18" charset="0"/>
+              </a:rPr>
+              <a:t> software </a:t>
+            </a:r>
+            <a:r>
+              <a:rPr lang="pt-BR" sz="1800" dirty="0" err="1">
+                <a:effectLst/>
+                <a:latin typeface="Times New Roman" panose="02020603050405020304" pitchFamily="18" charset="0"/>
+                <a:ea typeface="Times New Roman" panose="02020603050405020304" pitchFamily="18" charset="0"/>
+              </a:rPr>
+              <a:t>development</a:t>
+            </a:r>
+            <a:r>
+              <a:rPr lang="pt-BR" sz="1800" dirty="0">
+                <a:effectLst/>
+                <a:latin typeface="Times New Roman" panose="02020603050405020304" pitchFamily="18" charset="0"/>
+                <a:ea typeface="Times New Roman" panose="02020603050405020304" pitchFamily="18" charset="0"/>
+              </a:rPr>
+              <a:t>. </a:t>
+            </a:r>
+            <a:r>
+              <a:rPr lang="pt-BR" sz="1800" i="1" dirty="0">
+                <a:effectLst/>
+                <a:latin typeface="Times New Roman" panose="02020603050405020304" pitchFamily="18" charset="0"/>
+                <a:ea typeface="Times New Roman" panose="02020603050405020304" pitchFamily="18" charset="0"/>
+              </a:rPr>
+              <a:t>[S. l.]</a:t>
+            </a:r>
+            <a:r>
+              <a:rPr lang="pt-BR" sz="1800" dirty="0">
+                <a:effectLst/>
+                <a:latin typeface="Times New Roman" panose="02020603050405020304" pitchFamily="18" charset="0"/>
+                <a:ea typeface="Times New Roman" panose="02020603050405020304" pitchFamily="18" charset="0"/>
+              </a:rPr>
+              <a:t>,  2001.</a:t>
+            </a:r>
+          </a:p>
+          <a:p>
+            <a:r>
+              <a:rPr lang="en-US" sz="1800" dirty="0">
+                <a:effectLst/>
+                <a:latin typeface="Times New Roman" panose="02020603050405020304" pitchFamily="18" charset="0"/>
+                <a:ea typeface="Times New Roman" panose="02020603050405020304" pitchFamily="18" charset="0"/>
+              </a:rPr>
+              <a:t>PLOYHART, R. E.; BLIESE, P. D. Individual Adaptability (I-ADAPT) Theory: Conceptualizing the Antecedents, Consequences, and Measurement of Individual Differences in Adaptability Robert. </a:t>
+            </a:r>
+            <a:r>
+              <a:rPr lang="en-US" sz="1800" b="1" dirty="0">
+                <a:effectLst/>
+                <a:latin typeface="Times New Roman" panose="02020603050405020304" pitchFamily="18" charset="0"/>
+                <a:ea typeface="Times New Roman" panose="02020603050405020304" pitchFamily="18" charset="0"/>
+              </a:rPr>
+              <a:t>Advances in Human Performance and Cognitive Engineering Research</a:t>
+            </a:r>
+            <a:r>
+              <a:rPr lang="en-US" sz="1800" dirty="0">
+                <a:effectLst/>
+                <a:latin typeface="Times New Roman" panose="02020603050405020304" pitchFamily="18" charset="0"/>
+                <a:ea typeface="Times New Roman" panose="02020603050405020304" pitchFamily="18" charset="0"/>
+              </a:rPr>
+              <a:t>, </a:t>
+            </a:r>
+            <a:r>
+              <a:rPr lang="en-US" sz="1800" i="1" dirty="0">
+                <a:effectLst/>
+                <a:latin typeface="Times New Roman" panose="02020603050405020304" pitchFamily="18" charset="0"/>
+                <a:ea typeface="Times New Roman" panose="02020603050405020304" pitchFamily="18" charset="0"/>
+              </a:rPr>
+              <a:t>[S. l.]</a:t>
+            </a:r>
+            <a:r>
+              <a:rPr lang="en-US" sz="1800" dirty="0">
+                <a:effectLst/>
+                <a:latin typeface="Times New Roman" panose="02020603050405020304" pitchFamily="18" charset="0"/>
+                <a:ea typeface="Times New Roman" panose="02020603050405020304" pitchFamily="18" charset="0"/>
+              </a:rPr>
+              <a:t>, v. 6, p. 3–39, 2006 a. </a:t>
+            </a:r>
+            <a:r>
+              <a:rPr lang="en-US" sz="1800" dirty="0" err="1">
+                <a:effectLst/>
+                <a:latin typeface="Times New Roman" panose="02020603050405020304" pitchFamily="18" charset="0"/>
+                <a:ea typeface="Times New Roman" panose="02020603050405020304" pitchFamily="18" charset="0"/>
+              </a:rPr>
+              <a:t>Disponível</a:t>
+            </a:r>
+            <a:r>
+              <a:rPr lang="en-US" sz="1800" dirty="0">
+                <a:effectLst/>
+                <a:latin typeface="Times New Roman" panose="02020603050405020304" pitchFamily="18" charset="0"/>
+                <a:ea typeface="Times New Roman" panose="02020603050405020304" pitchFamily="18" charset="0"/>
+              </a:rPr>
+              <a:t> </a:t>
+            </a:r>
+            <a:r>
+              <a:rPr lang="en-US" sz="1800" dirty="0" err="1">
+                <a:effectLst/>
+                <a:latin typeface="Times New Roman" panose="02020603050405020304" pitchFamily="18" charset="0"/>
+                <a:ea typeface="Times New Roman" panose="02020603050405020304" pitchFamily="18" charset="0"/>
+              </a:rPr>
+              <a:t>em</a:t>
+            </a:r>
+            <a:r>
+              <a:rPr lang="en-US" sz="1800" dirty="0">
+                <a:effectLst/>
+                <a:latin typeface="Times New Roman" panose="02020603050405020304" pitchFamily="18" charset="0"/>
+                <a:ea typeface="Times New Roman" panose="02020603050405020304" pitchFamily="18" charset="0"/>
+              </a:rPr>
+              <a:t>: http://www.scopus.com/inward/record.url?eid=2-s2.0-33645845680&amp;partnerID=tZOtx3y</a:t>
+            </a:r>
+            <a:endParaRPr lang="pt-BR" dirty="0"/>
+          </a:p>
+        </p:txBody>
+      </p:sp>
+    </p:spTree>
+    <p:extLst>
+      <p:ext uri="{BB962C8B-B14F-4D97-AF65-F5344CB8AC3E}">
+        <p14:creationId xmlns:p14="http://schemas.microsoft.com/office/powerpoint/2010/main" val="4205859704"/>
+      </p:ext>
+    </p:extLst>
+  </p:cSld>
+  <p:clrMapOvr>
+    <a:masterClrMapping/>
+  </p:clrMapOvr>
+</p:sld>
+</file>
+
 <file path=ppt/slides/slide94.xml><?xml version="1.0" encoding="utf-8"?>
 <p:sld xmlns:a="http://schemas.openxmlformats.org/drawingml/2006/main" xmlns:r="http://schemas.openxmlformats.org/officeDocument/2006/relationships" xmlns:p="http://schemas.openxmlformats.org/presentationml/2006/main">
   <p:cSld>
@@ -26534,7 +26385,7 @@
         <p:spPr/>
         <p:txBody>
           <a:bodyPr>
-            <a:normAutofit fontScale="85000" lnSpcReduction="10000"/>
+            <a:normAutofit fontScale="47500" lnSpcReduction="20000"/>
           </a:bodyPr>
           <a:lstStyle/>
           <a:p>
@@ -26545,16 +26396,16 @@
                 <a:ea typeface="Times New Roman" panose="02020603050405020304" pitchFamily="18" charset="0"/>
                 <a:cs typeface="Times New Roman" panose="02020603050405020304" pitchFamily="18" charset="0"/>
               </a:rPr>
-              <a:t>WILLIAMS, Laurie; COCKBURN, Alistair. Agile software development: it’s about feedback and change. </a:t>
-            </a:r>
-            <a:r>
-              <a:rPr lang="en-US" sz="1800" b="1" dirty="0">
+              <a:t>LI, Paul Luo; KO, Andrew J.; ZHU, </a:t>
+            </a:r>
+            <a:r>
+              <a:rPr lang="en-US" sz="1800" dirty="0" err="1">
                 <a:effectLst/>
                 <a:latin typeface="Times New Roman" panose="02020603050405020304" pitchFamily="18" charset="0"/>
                 <a:ea typeface="Times New Roman" panose="02020603050405020304" pitchFamily="18" charset="0"/>
                 <a:cs typeface="Times New Roman" panose="02020603050405020304" pitchFamily="18" charset="0"/>
               </a:rPr>
-              <a:t>IEEE computer</a:t>
+              <a:t>Jiamin</a:t>
             </a:r>
             <a:r>
               <a:rPr lang="en-US" sz="1800" dirty="0">
@@ -26563,29 +26414,13 @@
                 <a:ea typeface="Times New Roman" panose="02020603050405020304" pitchFamily="18" charset="0"/>
                 <a:cs typeface="Times New Roman" panose="02020603050405020304" pitchFamily="18" charset="0"/>
               </a:rPr>
-              <a:t>, </a:t>
-            </a:r>
-            <a:r>
-              <a:rPr lang="en-US" sz="1800" i="1" dirty="0">
-                <a:effectLst/>
-                <a:latin typeface="Times New Roman" panose="02020603050405020304" pitchFamily="18" charset="0"/>
-                <a:ea typeface="Times New Roman" panose="02020603050405020304" pitchFamily="18" charset="0"/>
-                <a:cs typeface="Times New Roman" panose="02020603050405020304" pitchFamily="18" charset="0"/>
-              </a:rPr>
-              <a:t>[S. l.]</a:t>
-            </a:r>
-            <a:r>
-              <a:rPr lang="en-US" sz="1800" dirty="0">
-                <a:effectLst/>
-                <a:latin typeface="Times New Roman" panose="02020603050405020304" pitchFamily="18" charset="0"/>
-                <a:ea typeface="Times New Roman" panose="02020603050405020304" pitchFamily="18" charset="0"/>
-                <a:cs typeface="Times New Roman" panose="02020603050405020304" pitchFamily="18" charset="0"/>
-              </a:rPr>
-              <a:t>, v. 36, n. 6, p. 39–43, 2003. </a:t>
-            </a:r>
-            <a:endParaRPr lang="pt-BR" sz="1800" dirty="0">
+              <a:t>. What makes a great software engineer? In:  2015, Proceedings - International Conference on Software Engineering. [S. l.: s. n.] p. 700–710.</a:t>
+            </a:r>
+          </a:p>
+          <a:p>
+            <a:endParaRPr lang="en-US" sz="1800" dirty="0">
               <a:effectLst/>
-              <a:latin typeface="Times" panose="02020603050405020304" pitchFamily="18" charset="0"/>
+              <a:latin typeface="Times New Roman" panose="02020603050405020304" pitchFamily="18" charset="0"/>
               <a:ea typeface="Times New Roman" panose="02020603050405020304" pitchFamily="18" charset="0"/>
               <a:cs typeface="Times New Roman" panose="02020603050405020304" pitchFamily="18" charset="0"/>
             </a:endParaRPr>
@@ -26598,56 +26433,13 @@
                 <a:ea typeface="Times New Roman" panose="02020603050405020304" pitchFamily="18" charset="0"/>
                 <a:cs typeface="Times New Roman" panose="02020603050405020304" pitchFamily="18" charset="0"/>
               </a:rPr>
-              <a:t>MELNIK, Grigori; MAURER, Frank. Comparative Analysis of Job Satisfaction in Agile and Non-agile Software Development Teams. </a:t>
-            </a:r>
-            <a:r>
-              <a:rPr lang="en-US" sz="1800" b="1" dirty="0">
-                <a:effectLst/>
-                <a:latin typeface="Times New Roman" panose="02020603050405020304" pitchFamily="18" charset="0"/>
-                <a:ea typeface="Times New Roman" panose="02020603050405020304" pitchFamily="18" charset="0"/>
-                <a:cs typeface="Times New Roman" panose="02020603050405020304" pitchFamily="18" charset="0"/>
-              </a:rPr>
-              <a:t>XP’06 Proceedings of the 7th international conference on Extreme Programming and Agile Processes in Software Engineering</a:t>
-            </a:r>
-            <a:r>
-              <a:rPr lang="en-US" sz="1800" dirty="0">
-                <a:effectLst/>
-                <a:latin typeface="Times New Roman" panose="02020603050405020304" pitchFamily="18" charset="0"/>
-                <a:ea typeface="Times New Roman" panose="02020603050405020304" pitchFamily="18" charset="0"/>
-                <a:cs typeface="Times New Roman" panose="02020603050405020304" pitchFamily="18" charset="0"/>
-              </a:rPr>
-              <a:t>, </a:t>
-            </a:r>
-            <a:r>
-              <a:rPr lang="en-US" sz="1800" i="1" dirty="0">
-                <a:effectLst/>
-                <a:latin typeface="Times New Roman" panose="02020603050405020304" pitchFamily="18" charset="0"/>
-                <a:ea typeface="Times New Roman" panose="02020603050405020304" pitchFamily="18" charset="0"/>
-                <a:cs typeface="Times New Roman" panose="02020603050405020304" pitchFamily="18" charset="0"/>
-              </a:rPr>
-              <a:t>[S. l.]</a:t>
-            </a:r>
-            <a:r>
-              <a:rPr lang="en-US" sz="1800" dirty="0">
-                <a:effectLst/>
-                <a:latin typeface="Times New Roman" panose="02020603050405020304" pitchFamily="18" charset="0"/>
-                <a:ea typeface="Times New Roman" panose="02020603050405020304" pitchFamily="18" charset="0"/>
-                <a:cs typeface="Times New Roman" panose="02020603050405020304" pitchFamily="18" charset="0"/>
-              </a:rPr>
-              <a:t>, p. 32–42, 2006. </a:t>
-            </a:r>
-            <a:r>
-              <a:rPr lang="pt-BR" sz="1800" dirty="0">
-                <a:effectLst/>
-                <a:latin typeface="Times New Roman" panose="02020603050405020304" pitchFamily="18" charset="0"/>
-                <a:ea typeface="Times New Roman" panose="02020603050405020304" pitchFamily="18" charset="0"/>
-                <a:cs typeface="Times New Roman" panose="02020603050405020304" pitchFamily="18" charset="0"/>
-              </a:rPr>
-              <a:t>Disponível em: http://www.springerlink.com/index/V556H4T270612011.pdf</a:t>
-            </a:r>
-            <a:endParaRPr lang="pt-BR" sz="1800" dirty="0">
+              <a:t>AHMED, Faheem et al. Soft skills requirements in software development jobs : a cross-cultural empirical study. Journal of Systems and Information Technology, [S. l.], v. 14, n. 1, p. 58–81, 2017. </a:t>
+            </a:r>
+          </a:p>
+          <a:p>
+            <a:endParaRPr lang="en-US" sz="1800" dirty="0">
               <a:effectLst/>
-              <a:latin typeface="Times" panose="02020603050405020304" pitchFamily="18" charset="0"/>
+              <a:latin typeface="Times New Roman" panose="02020603050405020304" pitchFamily="18" charset="0"/>
               <a:ea typeface="Times New Roman" panose="02020603050405020304" pitchFamily="18" charset="0"/>
               <a:cs typeface="Times New Roman" panose="02020603050405020304" pitchFamily="18" charset="0"/>
             </a:endParaRPr>
@@ -26658,178 +26450,215 @@
                 <a:effectLst/>
                 <a:latin typeface="Times New Roman" panose="02020603050405020304" pitchFamily="18" charset="0"/>
                 <a:ea typeface="Times New Roman" panose="02020603050405020304" pitchFamily="18" charset="0"/>
-              </a:rPr>
-              <a:t>BOEHM, Barry W. Get ready for agile methods, with care. </a:t>
-            </a:r>
-            <a:r>
-              <a:rPr lang="en-US" sz="1800" b="1" dirty="0">
+                <a:cs typeface="Times New Roman" panose="02020603050405020304" pitchFamily="18" charset="0"/>
+              </a:rPr>
+              <a:t>INVERARDI, Paola; JAZAYERI, Mehdi. Software Engineering Education in the Modern Age: Software Education and Training Sessions at the International Conference, on Software Engineering, ICSE 2005, St. Louis, MO, USA, May 15-21, 2005, Revised Lectures. [S. l.]: Springer, 2006. v. 4309</a:t>
+            </a:r>
+          </a:p>
+          <a:p>
+            <a:endParaRPr lang="en-US" sz="1800" dirty="0">
+              <a:effectLst/>
+              <a:latin typeface="Times New Roman" panose="02020603050405020304" pitchFamily="18" charset="0"/>
+              <a:ea typeface="Times New Roman" panose="02020603050405020304" pitchFamily="18" charset="0"/>
+              <a:cs typeface="Times New Roman" panose="02020603050405020304" pitchFamily="18" charset="0"/>
+            </a:endParaRPr>
+          </a:p>
+          <a:p>
+            <a:r>
+              <a:rPr lang="en-US" sz="1800" dirty="0">
                 <a:effectLst/>
                 <a:latin typeface="Times New Roman" panose="02020603050405020304" pitchFamily="18" charset="0"/>
                 <a:ea typeface="Times New Roman" panose="02020603050405020304" pitchFamily="18" charset="0"/>
-              </a:rPr>
-              <a:t>Software Engineering: Barry W. </a:t>
-            </a:r>
-            <a:r>
-              <a:rPr lang="en-US" sz="1800" b="1" dirty="0" err="1">
+                <a:cs typeface="Times New Roman" panose="02020603050405020304" pitchFamily="18" charset="0"/>
+              </a:rPr>
+              <a:t>MINISTÉRIO DA EDUCAÇÃO. </a:t>
+            </a:r>
+            <a:r>
+              <a:rPr lang="en-US" sz="1800" dirty="0" err="1">
                 <a:effectLst/>
                 <a:latin typeface="Times New Roman" panose="02020603050405020304" pitchFamily="18" charset="0"/>
                 <a:ea typeface="Times New Roman" panose="02020603050405020304" pitchFamily="18" charset="0"/>
-              </a:rPr>
-              <a:t>Boehm’S</a:t>
-            </a:r>
-            <a:r>
-              <a:rPr lang="en-US" sz="1800" b="1" dirty="0">
+                <a:cs typeface="Times New Roman" panose="02020603050405020304" pitchFamily="18" charset="0"/>
+              </a:rPr>
+              <a:t>Diretrizes</a:t>
+            </a:r>
+            <a:r>
+              <a:rPr lang="en-US" sz="1800" dirty="0">
                 <a:effectLst/>
                 <a:latin typeface="Times New Roman" panose="02020603050405020304" pitchFamily="18" charset="0"/>
                 <a:ea typeface="Times New Roman" panose="02020603050405020304" pitchFamily="18" charset="0"/>
-              </a:rPr>
-              <a:t> Lifetime Contributions to Software Development, Management, and Research</a:t>
+                <a:cs typeface="Times New Roman" panose="02020603050405020304" pitchFamily="18" charset="0"/>
+              </a:rPr>
+              <a:t> </a:t>
+            </a:r>
+            <a:r>
+              <a:rPr lang="en-US" sz="1800" dirty="0" err="1">
+                <a:effectLst/>
+                <a:latin typeface="Times New Roman" panose="02020603050405020304" pitchFamily="18" charset="0"/>
+                <a:ea typeface="Times New Roman" panose="02020603050405020304" pitchFamily="18" charset="0"/>
+                <a:cs typeface="Times New Roman" panose="02020603050405020304" pitchFamily="18" charset="0"/>
+              </a:rPr>
+              <a:t>Curriculares</a:t>
             </a:r>
             <a:r>
               <a:rPr lang="en-US" sz="1800" dirty="0">
                 <a:effectLst/>
                 <a:latin typeface="Times New Roman" panose="02020603050405020304" pitchFamily="18" charset="0"/>
                 <a:ea typeface="Times New Roman" panose="02020603050405020304" pitchFamily="18" charset="0"/>
-              </a:rPr>
-              <a:t>, </a:t>
-            </a:r>
-            <a:r>
-              <a:rPr lang="en-US" sz="1800" i="1" dirty="0">
+                <a:cs typeface="Times New Roman" panose="02020603050405020304" pitchFamily="18" charset="0"/>
+              </a:rPr>
+              <a:t> </a:t>
+            </a:r>
+            <a:r>
+              <a:rPr lang="en-US" sz="1800" dirty="0" err="1">
                 <a:effectLst/>
                 <a:latin typeface="Times New Roman" panose="02020603050405020304" pitchFamily="18" charset="0"/>
                 <a:ea typeface="Times New Roman" panose="02020603050405020304" pitchFamily="18" charset="0"/>
-              </a:rPr>
-              <a:t>[S. l.]</a:t>
+                <a:cs typeface="Times New Roman" panose="02020603050405020304" pitchFamily="18" charset="0"/>
+              </a:rPr>
+              <a:t>Nacionais</a:t>
             </a:r>
             <a:r>
               <a:rPr lang="en-US" sz="1800" dirty="0">
                 <a:effectLst/>
                 <a:latin typeface="Times New Roman" panose="02020603050405020304" pitchFamily="18" charset="0"/>
                 <a:ea typeface="Times New Roman" panose="02020603050405020304" pitchFamily="18" charset="0"/>
-              </a:rPr>
-              <a:t>, p. 535–543, 2007.</a:t>
-            </a:r>
-          </a:p>
-          <a:p>
-            <a:r>
-              <a:rPr lang="pt-BR" sz="1800" dirty="0">
+                <a:cs typeface="Times New Roman" panose="02020603050405020304" pitchFamily="18" charset="0"/>
+              </a:rPr>
+              <a:t> para </a:t>
+            </a:r>
+            <a:r>
+              <a:rPr lang="en-US" sz="1800" dirty="0" err="1">
                 <a:effectLst/>
                 <a:latin typeface="Times New Roman" panose="02020603050405020304" pitchFamily="18" charset="0"/>
                 <a:ea typeface="Times New Roman" panose="02020603050405020304" pitchFamily="18" charset="0"/>
-              </a:rPr>
-              <a:t>MANIFESTO, </a:t>
-            </a:r>
-            <a:r>
-              <a:rPr lang="pt-BR" sz="1800" dirty="0" err="1">
+                <a:cs typeface="Times New Roman" panose="02020603050405020304" pitchFamily="18" charset="0"/>
+              </a:rPr>
+              <a:t>os</a:t>
+            </a:r>
+            <a:r>
+              <a:rPr lang="en-US" sz="1800" dirty="0">
                 <a:effectLst/>
                 <a:latin typeface="Times New Roman" panose="02020603050405020304" pitchFamily="18" charset="0"/>
                 <a:ea typeface="Times New Roman" panose="02020603050405020304" pitchFamily="18" charset="0"/>
-              </a:rPr>
-              <a:t>Agile</a:t>
-            </a:r>
-            <a:r>
-              <a:rPr lang="pt-BR" sz="1800" dirty="0">
+                <a:cs typeface="Times New Roman" panose="02020603050405020304" pitchFamily="18" charset="0"/>
+              </a:rPr>
+              <a:t> </a:t>
+            </a:r>
+            <a:r>
+              <a:rPr lang="en-US" sz="1800" dirty="0" err="1">
                 <a:effectLst/>
                 <a:latin typeface="Times New Roman" panose="02020603050405020304" pitchFamily="18" charset="0"/>
                 <a:ea typeface="Times New Roman" panose="02020603050405020304" pitchFamily="18" charset="0"/>
-              </a:rPr>
-              <a:t>. Manifesto for </a:t>
-            </a:r>
-            <a:r>
-              <a:rPr lang="pt-BR" sz="1800" dirty="0" err="1">
+                <a:cs typeface="Times New Roman" panose="02020603050405020304" pitchFamily="18" charset="0"/>
+              </a:rPr>
+              <a:t>cursos</a:t>
+            </a:r>
+            <a:r>
+              <a:rPr lang="en-US" sz="1800" dirty="0">
                 <a:effectLst/>
                 <a:latin typeface="Times New Roman" panose="02020603050405020304" pitchFamily="18" charset="0"/>
                 <a:ea typeface="Times New Roman" panose="02020603050405020304" pitchFamily="18" charset="0"/>
-              </a:rPr>
-              <a:t>agile</a:t>
-            </a:r>
-            <a:r>
-              <a:rPr lang="pt-BR" sz="1800" dirty="0">
+                <a:cs typeface="Times New Roman" panose="02020603050405020304" pitchFamily="18" charset="0"/>
+              </a:rPr>
+              <a:t> de </a:t>
+            </a:r>
+            <a:r>
+              <a:rPr lang="en-US" sz="1800" dirty="0" err="1">
                 <a:effectLst/>
                 <a:latin typeface="Times New Roman" panose="02020603050405020304" pitchFamily="18" charset="0"/>
                 <a:ea typeface="Times New Roman" panose="02020603050405020304" pitchFamily="18" charset="0"/>
-              </a:rPr>
-              <a:t> software </a:t>
-            </a:r>
-            <a:r>
-              <a:rPr lang="pt-BR" sz="1800" dirty="0" err="1">
+                <a:cs typeface="Times New Roman" panose="02020603050405020304" pitchFamily="18" charset="0"/>
+              </a:rPr>
+              <a:t>Graduação</a:t>
+            </a:r>
+            <a:r>
+              <a:rPr lang="en-US" sz="1800" dirty="0">
                 <a:effectLst/>
                 <a:latin typeface="Times New Roman" panose="02020603050405020304" pitchFamily="18" charset="0"/>
                 <a:ea typeface="Times New Roman" panose="02020603050405020304" pitchFamily="18" charset="0"/>
-              </a:rPr>
-              <a:t>development</a:t>
-            </a:r>
-            <a:r>
-              <a:rPr lang="pt-BR" sz="1800" dirty="0">
+                <a:cs typeface="Times New Roman" panose="02020603050405020304" pitchFamily="18" charset="0"/>
+              </a:rPr>
+              <a:t> </a:t>
+            </a:r>
+            <a:r>
+              <a:rPr lang="en-US" sz="1800" dirty="0" err="1">
                 <a:effectLst/>
                 <a:latin typeface="Times New Roman" panose="02020603050405020304" pitchFamily="18" charset="0"/>
                 <a:ea typeface="Times New Roman" panose="02020603050405020304" pitchFamily="18" charset="0"/>
-              </a:rPr>
-              <a:t>. </a:t>
-            </a:r>
-            <a:r>
-              <a:rPr lang="pt-BR" sz="1800" i="1" dirty="0">
+                <a:cs typeface="Times New Roman" panose="02020603050405020304" pitchFamily="18" charset="0"/>
+              </a:rPr>
+              <a:t>em</a:t>
+            </a:r>
+            <a:r>
+              <a:rPr lang="en-US" sz="1800" dirty="0">
                 <a:effectLst/>
                 <a:latin typeface="Times New Roman" panose="02020603050405020304" pitchFamily="18" charset="0"/>
                 <a:ea typeface="Times New Roman" panose="02020603050405020304" pitchFamily="18" charset="0"/>
-              </a:rPr>
-              <a:t>[S. l.]</a:t>
-            </a:r>
-            <a:r>
-              <a:rPr lang="pt-BR" sz="1800" dirty="0">
+                <a:cs typeface="Times New Roman" panose="02020603050405020304" pitchFamily="18" charset="0"/>
+              </a:rPr>
+              <a:t> </a:t>
+            </a:r>
+            <a:r>
+              <a:rPr lang="en-US" sz="1800" dirty="0" err="1">
                 <a:effectLst/>
                 <a:latin typeface="Times New Roman" panose="02020603050405020304" pitchFamily="18" charset="0"/>
                 <a:ea typeface="Times New Roman" panose="02020603050405020304" pitchFamily="18" charset="0"/>
-              </a:rPr>
-              <a:t>,  2001.</a:t>
-            </a:r>
-          </a:p>
-          <a:p>
+                <a:cs typeface="Times New Roman" panose="02020603050405020304" pitchFamily="18" charset="0"/>
+              </a:rPr>
+              <a:t>Computação</a:t>
+            </a:r>
             <a:r>
               <a:rPr lang="en-US" sz="1800" dirty="0">
                 <a:effectLst/>
                 <a:latin typeface="Times New Roman" panose="02020603050405020304" pitchFamily="18" charset="0"/>
                 <a:ea typeface="Times New Roman" panose="02020603050405020304" pitchFamily="18" charset="0"/>
-              </a:rPr>
-              <a:t>PLOYHART, R. E.; BLIESE, P. D. Individual Adaptability (I-ADAPT) Theory: Conceptualizing the Antecedents, Consequences, and Measurement of Individual Differences in Adaptability Robert. </a:t>
-            </a:r>
-            <a:r>
-              <a:rPr lang="en-US" sz="1800" b="1" dirty="0">
+                <a:cs typeface="Times New Roman" panose="02020603050405020304" pitchFamily="18" charset="0"/>
+              </a:rPr>
+              <a:t> (DCN16). </a:t>
+            </a:r>
+            <a:r>
+              <a:rPr lang="en-US" sz="1800" dirty="0" err="1">
                 <a:effectLst/>
                 <a:latin typeface="Times New Roman" panose="02020603050405020304" pitchFamily="18" charset="0"/>
                 <a:ea typeface="Times New Roman" panose="02020603050405020304" pitchFamily="18" charset="0"/>
-              </a:rPr>
-              <a:t>Advances in Human Performance and Cognitive Engineering Research</a:t>
+                <a:cs typeface="Times New Roman" panose="02020603050405020304" pitchFamily="18" charset="0"/>
+              </a:rPr>
+              <a:t>Resolução</a:t>
             </a:r>
             <a:r>
               <a:rPr lang="en-US" sz="1800" dirty="0">
                 <a:effectLst/>
                 <a:latin typeface="Times New Roman" panose="02020603050405020304" pitchFamily="18" charset="0"/>
                 <a:ea typeface="Times New Roman" panose="02020603050405020304" pitchFamily="18" charset="0"/>
-              </a:rPr>
-              <a:t>, </a:t>
-            </a:r>
-            <a:r>
-              <a:rPr lang="en-US" sz="1800" i="1" dirty="0">
+                <a:cs typeface="Times New Roman" panose="02020603050405020304" pitchFamily="18" charset="0"/>
+              </a:rPr>
+              <a:t> CNE/CES no 5, de 16 de </a:t>
+            </a:r>
+            <a:r>
+              <a:rPr lang="en-US" sz="1800" dirty="0" err="1">
                 <a:effectLst/>
                 <a:latin typeface="Times New Roman" panose="02020603050405020304" pitchFamily="18" charset="0"/>
                 <a:ea typeface="Times New Roman" panose="02020603050405020304" pitchFamily="18" charset="0"/>
-              </a:rPr>
-              <a:t>[S. l.]</a:t>
+                <a:cs typeface="Times New Roman" panose="02020603050405020304" pitchFamily="18" charset="0"/>
+              </a:rPr>
+              <a:t>novembro</a:t>
             </a:r>
             <a:r>
               <a:rPr lang="en-US" sz="1800" dirty="0">
                 <a:effectLst/>
                 <a:latin typeface="Times New Roman" panose="02020603050405020304" pitchFamily="18" charset="0"/>
                 <a:ea typeface="Times New Roman" panose="02020603050405020304" pitchFamily="18" charset="0"/>
-              </a:rPr>
-              <a:t>, v. 6, p. 3–39, 2006 a. </a:t>
+                <a:cs typeface="Times New Roman" panose="02020603050405020304" pitchFamily="18" charset="0"/>
+              </a:rPr>
+              <a:t> de 2016, [S. l.], v. 2016, p. 9, 2016. </a:t>
             </a:r>
             <a:r>
               <a:rPr lang="en-US" sz="1800" dirty="0" err="1">
                 <a:effectLst/>
                 <a:latin typeface="Times New Roman" panose="02020603050405020304" pitchFamily="18" charset="0"/>
                 <a:ea typeface="Times New Roman" panose="02020603050405020304" pitchFamily="18" charset="0"/>
+                <a:cs typeface="Times New Roman" panose="02020603050405020304" pitchFamily="18" charset="0"/>
               </a:rPr>
               <a:t>Disponível</a:t>
             </a:r>
@@ -26838,6 +26667,7 @@
                 <a:effectLst/>
                 <a:latin typeface="Times New Roman" panose="02020603050405020304" pitchFamily="18" charset="0"/>
                 <a:ea typeface="Times New Roman" panose="02020603050405020304" pitchFamily="18" charset="0"/>
+                <a:cs typeface="Times New Roman" panose="02020603050405020304" pitchFamily="18" charset="0"/>
               </a:rPr>
               <a:t> </a:t>
             </a:r>
@@ -26846,6 +26676,7 @@
                 <a:effectLst/>
                 <a:latin typeface="Times New Roman" panose="02020603050405020304" pitchFamily="18" charset="0"/>
                 <a:ea typeface="Times New Roman" panose="02020603050405020304" pitchFamily="18" charset="0"/>
+                <a:cs typeface="Times New Roman" panose="02020603050405020304" pitchFamily="18" charset="0"/>
               </a:rPr>
               <a:t>em</a:t>
             </a:r>
@@ -26854,17 +26685,209 @@
                 <a:effectLst/>
                 <a:latin typeface="Times New Roman" panose="02020603050405020304" pitchFamily="18" charset="0"/>
                 <a:ea typeface="Times New Roman" panose="02020603050405020304" pitchFamily="18" charset="0"/>
-              </a:rPr>
-              <a:t>: http://www.scopus.com/inward/record.url?eid=2-s2.0-33645845680&amp;partnerID=tZOtx3y</a:t>
-            </a:r>
-            <a:endParaRPr lang="pt-BR" dirty="0"/>
+                <a:cs typeface="Times New Roman" panose="02020603050405020304" pitchFamily="18" charset="0"/>
+              </a:rPr>
+              <a:t>: http://portal.mec.gov.br/index.php?option=com_docman&amp;view=download&amp;alias=52101-rces005-16-pdf&amp;category_slug=novembro-2016-pdf&amp;Itemid=30192</a:t>
+            </a:r>
+          </a:p>
+          <a:p>
+            <a:endParaRPr lang="en-US" sz="1800" dirty="0">
+              <a:effectLst/>
+              <a:latin typeface="Times New Roman" panose="02020603050405020304" pitchFamily="18" charset="0"/>
+              <a:ea typeface="Times New Roman" panose="02020603050405020304" pitchFamily="18" charset="0"/>
+              <a:cs typeface="Times New Roman" panose="02020603050405020304" pitchFamily="18" charset="0"/>
+            </a:endParaRPr>
+          </a:p>
+          <a:p>
+            <a:r>
+              <a:rPr lang="en-US" sz="1800" dirty="0">
+                <a:effectLst/>
+                <a:latin typeface="Times New Roman" panose="02020603050405020304" pitchFamily="18" charset="0"/>
+                <a:ea typeface="Times New Roman" panose="02020603050405020304" pitchFamily="18" charset="0"/>
+                <a:cs typeface="Times New Roman" panose="02020603050405020304" pitchFamily="18" charset="0"/>
+              </a:rPr>
+              <a:t>FRANCA, Cesar; DA SILVA, Fabio </a:t>
+            </a:r>
+            <a:r>
+              <a:rPr lang="en-US" sz="1800" dirty="0" err="1">
+                <a:effectLst/>
+                <a:latin typeface="Times New Roman" panose="02020603050405020304" pitchFamily="18" charset="0"/>
+                <a:ea typeface="Times New Roman" panose="02020603050405020304" pitchFamily="18" charset="0"/>
+                <a:cs typeface="Times New Roman" panose="02020603050405020304" pitchFamily="18" charset="0"/>
+              </a:rPr>
+              <a:t>Fabio</a:t>
+            </a:r>
+            <a:r>
+              <a:rPr lang="en-US" sz="1800" dirty="0">
+                <a:effectLst/>
+                <a:latin typeface="Times New Roman" panose="02020603050405020304" pitchFamily="18" charset="0"/>
+                <a:ea typeface="Times New Roman" panose="02020603050405020304" pitchFamily="18" charset="0"/>
+                <a:cs typeface="Times New Roman" panose="02020603050405020304" pitchFamily="18" charset="0"/>
+              </a:rPr>
+              <a:t> </a:t>
+            </a:r>
+            <a:r>
+              <a:rPr lang="en-US" sz="1800" dirty="0" err="1">
+                <a:effectLst/>
+                <a:latin typeface="Times New Roman" panose="02020603050405020304" pitchFamily="18" charset="0"/>
+                <a:ea typeface="Times New Roman" panose="02020603050405020304" pitchFamily="18" charset="0"/>
+                <a:cs typeface="Times New Roman" panose="02020603050405020304" pitchFamily="18" charset="0"/>
+              </a:rPr>
+              <a:t>Queda</a:t>
+            </a:r>
+            <a:r>
+              <a:rPr lang="en-US" sz="1800" dirty="0">
+                <a:effectLst/>
+                <a:latin typeface="Times New Roman" panose="02020603050405020304" pitchFamily="18" charset="0"/>
+                <a:ea typeface="Times New Roman" panose="02020603050405020304" pitchFamily="18" charset="0"/>
+                <a:cs typeface="Times New Roman" panose="02020603050405020304" pitchFamily="18" charset="0"/>
+              </a:rPr>
+              <a:t> Bueno; SHARP, Helen. Motivation and Satisfaction of Software Engineers. IEEE Transactions on Software Engineering, [S. l.], p. 1–27, 2018.</a:t>
+            </a:r>
+          </a:p>
+          <a:p>
+            <a:endParaRPr lang="en-US" sz="1800" dirty="0">
+              <a:effectLst/>
+              <a:latin typeface="Times New Roman" panose="02020603050405020304" pitchFamily="18" charset="0"/>
+              <a:ea typeface="Times New Roman" panose="02020603050405020304" pitchFamily="18" charset="0"/>
+              <a:cs typeface="Times New Roman" panose="02020603050405020304" pitchFamily="18" charset="0"/>
+            </a:endParaRPr>
+          </a:p>
+          <a:p>
+            <a:r>
+              <a:rPr lang="en-US" sz="1800" dirty="0">
+                <a:effectLst/>
+                <a:latin typeface="Times New Roman" panose="02020603050405020304" pitchFamily="18" charset="0"/>
+                <a:ea typeface="Times New Roman" panose="02020603050405020304" pitchFamily="18" charset="0"/>
+                <a:cs typeface="Times New Roman" panose="02020603050405020304" pitchFamily="18" charset="0"/>
+              </a:rPr>
+              <a:t>LENBERG, Per; FELDT, Robert; WALLGREN, Lars </a:t>
+            </a:r>
+            <a:r>
+              <a:rPr lang="en-US" sz="1800" dirty="0" err="1">
+                <a:effectLst/>
+                <a:latin typeface="Times New Roman" panose="02020603050405020304" pitchFamily="18" charset="0"/>
+                <a:ea typeface="Times New Roman" panose="02020603050405020304" pitchFamily="18" charset="0"/>
+                <a:cs typeface="Times New Roman" panose="02020603050405020304" pitchFamily="18" charset="0"/>
+              </a:rPr>
+              <a:t>Göran</a:t>
+            </a:r>
+            <a:r>
+              <a:rPr lang="en-US" sz="1800" dirty="0">
+                <a:effectLst/>
+                <a:latin typeface="Times New Roman" panose="02020603050405020304" pitchFamily="18" charset="0"/>
+                <a:ea typeface="Times New Roman" panose="02020603050405020304" pitchFamily="18" charset="0"/>
+                <a:cs typeface="Times New Roman" panose="02020603050405020304" pitchFamily="18" charset="0"/>
+              </a:rPr>
+              <a:t>. Behavioral software engineering: A definition and systematic literature review. Journal of Systems and Software, [S. l.], v. 107, p. 15–37, 2015. </a:t>
+            </a:r>
+          </a:p>
+          <a:p>
+            <a:endParaRPr lang="en-US" sz="1800" dirty="0">
+              <a:effectLst/>
+              <a:latin typeface="Times New Roman" panose="02020603050405020304" pitchFamily="18" charset="0"/>
+              <a:ea typeface="Times New Roman" panose="02020603050405020304" pitchFamily="18" charset="0"/>
+              <a:cs typeface="Times New Roman" panose="02020603050405020304" pitchFamily="18" charset="0"/>
+            </a:endParaRPr>
+          </a:p>
+          <a:p>
+            <a:r>
+              <a:rPr lang="en-US" sz="1800" dirty="0">
+                <a:effectLst/>
+                <a:latin typeface="Times New Roman" panose="02020603050405020304" pitchFamily="18" charset="0"/>
+                <a:ea typeface="Times New Roman" panose="02020603050405020304" pitchFamily="18" charset="0"/>
+                <a:cs typeface="Times New Roman" panose="02020603050405020304" pitchFamily="18" charset="0"/>
+              </a:rPr>
+              <a:t>BURK, Lisa; RICHARDSON, Jean; LATIN, Lisa. Conflict Management in Software Development Environments. Eighteenth Annual Pacific Northwest Software Quality Conference, [S. l.], p. 1–65, 2000. </a:t>
+            </a:r>
+            <a:r>
+              <a:rPr lang="en-US" sz="1800" dirty="0" err="1">
+                <a:effectLst/>
+                <a:latin typeface="Times New Roman" panose="02020603050405020304" pitchFamily="18" charset="0"/>
+                <a:ea typeface="Times New Roman" panose="02020603050405020304" pitchFamily="18" charset="0"/>
+                <a:cs typeface="Times New Roman" panose="02020603050405020304" pitchFamily="18" charset="0"/>
+              </a:rPr>
+              <a:t>Disponível</a:t>
+            </a:r>
+            <a:r>
+              <a:rPr lang="en-US" sz="1800" dirty="0">
+                <a:effectLst/>
+                <a:latin typeface="Times New Roman" panose="02020603050405020304" pitchFamily="18" charset="0"/>
+                <a:ea typeface="Times New Roman" panose="02020603050405020304" pitchFamily="18" charset="0"/>
+                <a:cs typeface="Times New Roman" panose="02020603050405020304" pitchFamily="18" charset="0"/>
+              </a:rPr>
+              <a:t> </a:t>
+            </a:r>
+            <a:r>
+              <a:rPr lang="en-US" sz="1800" dirty="0" err="1">
+                <a:effectLst/>
+                <a:latin typeface="Times New Roman" panose="02020603050405020304" pitchFamily="18" charset="0"/>
+                <a:ea typeface="Times New Roman" panose="02020603050405020304" pitchFamily="18" charset="0"/>
+                <a:cs typeface="Times New Roman" panose="02020603050405020304" pitchFamily="18" charset="0"/>
+              </a:rPr>
+              <a:t>em</a:t>
+            </a:r>
+            <a:r>
+              <a:rPr lang="en-US" sz="1800" dirty="0">
+                <a:effectLst/>
+                <a:latin typeface="Times New Roman" panose="02020603050405020304" pitchFamily="18" charset="0"/>
+                <a:ea typeface="Times New Roman" panose="02020603050405020304" pitchFamily="18" charset="0"/>
+                <a:cs typeface="Times New Roman" panose="02020603050405020304" pitchFamily="18" charset="0"/>
+              </a:rPr>
+              <a:t>: https://www.researchgate.net/publication/318987959_Conflict_Management_in_Software_Development_Environments</a:t>
+            </a:r>
+          </a:p>
+          <a:p>
+            <a:endParaRPr lang="en-US" sz="1800" dirty="0">
+              <a:effectLst/>
+              <a:latin typeface="Times New Roman" panose="02020603050405020304" pitchFamily="18" charset="0"/>
+              <a:ea typeface="Times New Roman" panose="02020603050405020304" pitchFamily="18" charset="0"/>
+              <a:cs typeface="Times New Roman" panose="02020603050405020304" pitchFamily="18" charset="0"/>
+            </a:endParaRPr>
+          </a:p>
+          <a:p>
+            <a:r>
+              <a:rPr lang="en-US" sz="1800" dirty="0">
+                <a:effectLst/>
+                <a:latin typeface="Times New Roman" panose="02020603050405020304" pitchFamily="18" charset="0"/>
+                <a:ea typeface="Times New Roman" panose="02020603050405020304" pitchFamily="18" charset="0"/>
+                <a:cs typeface="Times New Roman" panose="02020603050405020304" pitchFamily="18" charset="0"/>
+              </a:rPr>
+              <a:t>MASLACH, Christina; SCHAUFELI, Wilmar B.; LEITER, Michael P. JOB BURNOUT. </a:t>
+            </a:r>
+            <a:r>
+              <a:rPr lang="en-US" sz="1800" dirty="0" err="1">
+                <a:effectLst/>
+                <a:latin typeface="Times New Roman" panose="02020603050405020304" pitchFamily="18" charset="0"/>
+                <a:ea typeface="Times New Roman" panose="02020603050405020304" pitchFamily="18" charset="0"/>
+                <a:cs typeface="Times New Roman" panose="02020603050405020304" pitchFamily="18" charset="0"/>
+              </a:rPr>
+              <a:t>Annu</a:t>
+            </a:r>
+            <a:r>
+              <a:rPr lang="en-US" sz="1800" dirty="0">
+                <a:effectLst/>
+                <a:latin typeface="Times New Roman" panose="02020603050405020304" pitchFamily="18" charset="0"/>
+                <a:ea typeface="Times New Roman" panose="02020603050405020304" pitchFamily="18" charset="0"/>
+                <a:cs typeface="Times New Roman" panose="02020603050405020304" pitchFamily="18" charset="0"/>
+              </a:rPr>
+              <a:t>. Rev. Psychol., [S. l.], v. 52, p. 397–422, 2001</a:t>
+            </a:r>
+          </a:p>
+          <a:p>
+            <a:endParaRPr lang="en-US" sz="1800" dirty="0">
+              <a:effectLst/>
+              <a:latin typeface="Times New Roman" panose="02020603050405020304" pitchFamily="18" charset="0"/>
+              <a:ea typeface="Times New Roman" panose="02020603050405020304" pitchFamily="18" charset="0"/>
+              <a:cs typeface="Times New Roman" panose="02020603050405020304" pitchFamily="18" charset="0"/>
+            </a:endParaRPr>
           </a:p>
         </p:txBody>
       </p:sp>
     </p:spTree>
     <p:extLst>
       <p:ext uri="{BB962C8B-B14F-4D97-AF65-F5344CB8AC3E}">
-        <p14:creationId xmlns:p14="http://schemas.microsoft.com/office/powerpoint/2010/main" val="4205859704"/>
+        <p14:creationId xmlns:p14="http://schemas.microsoft.com/office/powerpoint/2010/main" val="4245776506"/>
       </p:ext>
     </p:extLst>
   </p:cSld>
@@ -26938,40 +26961,58 @@
         <p:spPr/>
         <p:txBody>
           <a:bodyPr>
-            <a:normAutofit fontScale="47500" lnSpcReduction="20000"/>
+            <a:normAutofit fontScale="55000" lnSpcReduction="20000"/>
           </a:bodyPr>
           <a:lstStyle/>
           <a:p>
             <a:r>
-              <a:rPr lang="en-US" sz="1800" dirty="0">
+              <a:rPr lang="en-US" sz="2400" dirty="0">
                 <a:effectLst/>
                 <a:latin typeface="Times New Roman" panose="02020603050405020304" pitchFamily="18" charset="0"/>
                 <a:ea typeface="Times New Roman" panose="02020603050405020304" pitchFamily="18" charset="0"/>
                 <a:cs typeface="Times New Roman" panose="02020603050405020304" pitchFamily="18" charset="0"/>
               </a:rPr>
-              <a:t>LI, Paul Luo; KO, Andrew J.; ZHU, </a:t>
-            </a:r>
-            <a:r>
-              <a:rPr lang="en-US" sz="1800" dirty="0" err="1">
+              <a:t>SWIDER, Brian W.; ZIMMERMAN, Ryan D. Born to burnout: A meta-analytic path model of personality, job burnout, and work outcomes. Journal of Vocational Behavior, [S. l.], v. 76, n. 3, p. 487–506, 2010. </a:t>
+            </a:r>
+            <a:r>
+              <a:rPr lang="en-US" sz="2400" dirty="0" err="1">
                 <a:effectLst/>
                 <a:latin typeface="Times New Roman" panose="02020603050405020304" pitchFamily="18" charset="0"/>
                 <a:ea typeface="Times New Roman" panose="02020603050405020304" pitchFamily="18" charset="0"/>
                 <a:cs typeface="Times New Roman" panose="02020603050405020304" pitchFamily="18" charset="0"/>
               </a:rPr>
-              <a:t>Jiamin</a:t>
-            </a:r>
-            <a:r>
-              <a:rPr lang="en-US" sz="1800" dirty="0">
+              <a:t>Disponível</a:t>
+            </a:r>
+            <a:r>
+              <a:rPr lang="en-US" sz="2400" dirty="0">
                 <a:effectLst/>
                 <a:latin typeface="Times New Roman" panose="02020603050405020304" pitchFamily="18" charset="0"/>
                 <a:ea typeface="Times New Roman" panose="02020603050405020304" pitchFamily="18" charset="0"/>
                 <a:cs typeface="Times New Roman" panose="02020603050405020304" pitchFamily="18" charset="0"/>
               </a:rPr>
-              <a:t>. What makes a great software engineer? In:  2015, Proceedings - International Conference on Software Engineering. [S. l.: s. n.] p. 700–710.</a:t>
-            </a:r>
-          </a:p>
-          <a:p>
-            <a:endParaRPr lang="en-US" sz="1800" dirty="0">
+              <a:t> </a:t>
+            </a:r>
+            <a:r>
+              <a:rPr lang="en-US" sz="2400" dirty="0" err="1">
+                <a:effectLst/>
+                <a:latin typeface="Times New Roman" panose="02020603050405020304" pitchFamily="18" charset="0"/>
+                <a:ea typeface="Times New Roman" panose="02020603050405020304" pitchFamily="18" charset="0"/>
+                <a:cs typeface="Times New Roman" panose="02020603050405020304" pitchFamily="18" charset="0"/>
+              </a:rPr>
+              <a:t>em</a:t>
+            </a:r>
+            <a:r>
+              <a:rPr lang="en-US" sz="2400" dirty="0">
+                <a:effectLst/>
+                <a:latin typeface="Times New Roman" panose="02020603050405020304" pitchFamily="18" charset="0"/>
+                <a:ea typeface="Times New Roman" panose="02020603050405020304" pitchFamily="18" charset="0"/>
+                <a:cs typeface="Times New Roman" panose="02020603050405020304" pitchFamily="18" charset="0"/>
+              </a:rPr>
+              <a:t>: http://dx.doi.org/10.1016/j.jvb.2010.01.003</a:t>
+            </a:r>
+          </a:p>
+          <a:p>
+            <a:endParaRPr lang="en-US" sz="2400" dirty="0">
               <a:effectLst/>
               <a:latin typeface="Times New Roman" panose="02020603050405020304" pitchFamily="18" charset="0"/>
               <a:ea typeface="Times New Roman" panose="02020603050405020304" pitchFamily="18" charset="0"/>
@@ -26980,17 +27021,17 @@
           </a:p>
           <a:p>
             <a:r>
-              <a:rPr lang="en-US" sz="1800" dirty="0">
+              <a:rPr lang="en-US" sz="2400" dirty="0">
                 <a:effectLst/>
                 <a:latin typeface="Times New Roman" panose="02020603050405020304" pitchFamily="18" charset="0"/>
                 <a:ea typeface="Times New Roman" panose="02020603050405020304" pitchFamily="18" charset="0"/>
                 <a:cs typeface="Times New Roman" panose="02020603050405020304" pitchFamily="18" charset="0"/>
               </a:rPr>
-              <a:t>AHMED, Faheem et al. Soft skills requirements in software development jobs : a cross-cultural empirical study. Journal of Systems and Information Technology, [S. l.], v. 14, n. 1, p. 58–81, 2017. </a:t>
-            </a:r>
-          </a:p>
-          <a:p>
-            <a:endParaRPr lang="en-US" sz="1800" dirty="0">
+              <a:t>BAARD, Samantha K.; RENCH, Tara A.; KOZLOWSKI, Steve W. J. Performance Adaptation: A Theoretical Integration and Review. [S. l.: s. n.]. v. 40</a:t>
+            </a:r>
+          </a:p>
+          <a:p>
+            <a:endParaRPr lang="en-US" sz="2400" dirty="0">
               <a:effectLst/>
               <a:latin typeface="Times New Roman" panose="02020603050405020304" pitchFamily="18" charset="0"/>
               <a:ea typeface="Times New Roman" panose="02020603050405020304" pitchFamily="18" charset="0"/>
@@ -26999,17 +27040,17 @@
           </a:p>
           <a:p>
             <a:r>
-              <a:rPr lang="en-US" sz="1800" dirty="0">
+              <a:rPr lang="en-US" sz="2400" dirty="0">
                 <a:effectLst/>
                 <a:latin typeface="Times New Roman" panose="02020603050405020304" pitchFamily="18" charset="0"/>
                 <a:ea typeface="Times New Roman" panose="02020603050405020304" pitchFamily="18" charset="0"/>
                 <a:cs typeface="Times New Roman" panose="02020603050405020304" pitchFamily="18" charset="0"/>
               </a:rPr>
-              <a:t>INVERARDI, Paola; JAZAYERI, Mehdi. Software Engineering Education in the Modern Age: Software Education and Training Sessions at the International Conference, on Software Engineering, ICSE 2005, St. Louis, MO, USA, May 15-21, 2005, Revised Lectures. [S. l.]: Springer, 2006. v. 4309</a:t>
-            </a:r>
-          </a:p>
-          <a:p>
-            <a:endParaRPr lang="en-US" sz="1800" dirty="0">
+              <a:t>PULAKOS, Elaine D. et al. Adaptability in the workplace: Development of a taxonomy of adaptive performance. Journal of Applied Psychology, [S. l.], v. 85, n. 4, p. 612–624, 2000.</a:t>
+            </a:r>
+          </a:p>
+          <a:p>
+            <a:endParaRPr lang="en-US" sz="2400" dirty="0">
               <a:effectLst/>
               <a:latin typeface="Times New Roman" panose="02020603050405020304" pitchFamily="18" charset="0"/>
               <a:ea typeface="Times New Roman" panose="02020603050405020304" pitchFamily="18" charset="0"/>
@@ -27018,233 +27059,17 @@
           </a:p>
           <a:p>
             <a:r>
-              <a:rPr lang="en-US" sz="1800" dirty="0">
+              <a:rPr lang="en-US" sz="2400" dirty="0">
                 <a:effectLst/>
                 <a:latin typeface="Times New Roman" panose="02020603050405020304" pitchFamily="18" charset="0"/>
                 <a:ea typeface="Times New Roman" panose="02020603050405020304" pitchFamily="18" charset="0"/>
                 <a:cs typeface="Times New Roman" panose="02020603050405020304" pitchFamily="18" charset="0"/>
               </a:rPr>
-              <a:t>MINISTÉRIO DA EDUCAÇÃO. </a:t>
-            </a:r>
-            <a:r>
-              <a:rPr lang="en-US" sz="1800" dirty="0" err="1">
-                <a:effectLst/>
-                <a:latin typeface="Times New Roman" panose="02020603050405020304" pitchFamily="18" charset="0"/>
-                <a:ea typeface="Times New Roman" panose="02020603050405020304" pitchFamily="18" charset="0"/>
-                <a:cs typeface="Times New Roman" panose="02020603050405020304" pitchFamily="18" charset="0"/>
-              </a:rPr>
-              <a:t>Diretrizes</a:t>
-            </a:r>
-            <a:r>
-              <a:rPr lang="en-US" sz="1800" dirty="0">
-                <a:effectLst/>
-                <a:latin typeface="Times New Roman" panose="02020603050405020304" pitchFamily="18" charset="0"/>
-                <a:ea typeface="Times New Roman" panose="02020603050405020304" pitchFamily="18" charset="0"/>
-                <a:cs typeface="Times New Roman" panose="02020603050405020304" pitchFamily="18" charset="0"/>
-              </a:rPr>
-              <a:t> </a:t>
-            </a:r>
-            <a:r>
-              <a:rPr lang="en-US" sz="1800" dirty="0" err="1">
-                <a:effectLst/>
-                <a:latin typeface="Times New Roman" panose="02020603050405020304" pitchFamily="18" charset="0"/>
-                <a:ea typeface="Times New Roman" panose="02020603050405020304" pitchFamily="18" charset="0"/>
-                <a:cs typeface="Times New Roman" panose="02020603050405020304" pitchFamily="18" charset="0"/>
-              </a:rPr>
-              <a:t>Curriculares</a:t>
-            </a:r>
-            <a:r>
-              <a:rPr lang="en-US" sz="1800" dirty="0">
-                <a:effectLst/>
-                <a:latin typeface="Times New Roman" panose="02020603050405020304" pitchFamily="18" charset="0"/>
-                <a:ea typeface="Times New Roman" panose="02020603050405020304" pitchFamily="18" charset="0"/>
-                <a:cs typeface="Times New Roman" panose="02020603050405020304" pitchFamily="18" charset="0"/>
-              </a:rPr>
-              <a:t> </a:t>
-            </a:r>
-            <a:r>
-              <a:rPr lang="en-US" sz="1800" dirty="0" err="1">
-                <a:effectLst/>
-                <a:latin typeface="Times New Roman" panose="02020603050405020304" pitchFamily="18" charset="0"/>
-                <a:ea typeface="Times New Roman" panose="02020603050405020304" pitchFamily="18" charset="0"/>
-                <a:cs typeface="Times New Roman" panose="02020603050405020304" pitchFamily="18" charset="0"/>
-              </a:rPr>
-              <a:t>Nacionais</a:t>
-            </a:r>
-            <a:r>
-              <a:rPr lang="en-US" sz="1800" dirty="0">
-                <a:effectLst/>
-                <a:latin typeface="Times New Roman" panose="02020603050405020304" pitchFamily="18" charset="0"/>
-                <a:ea typeface="Times New Roman" panose="02020603050405020304" pitchFamily="18" charset="0"/>
-                <a:cs typeface="Times New Roman" panose="02020603050405020304" pitchFamily="18" charset="0"/>
-              </a:rPr>
-              <a:t> para </a:t>
-            </a:r>
-            <a:r>
-              <a:rPr lang="en-US" sz="1800" dirty="0" err="1">
-                <a:effectLst/>
-                <a:latin typeface="Times New Roman" panose="02020603050405020304" pitchFamily="18" charset="0"/>
-                <a:ea typeface="Times New Roman" panose="02020603050405020304" pitchFamily="18" charset="0"/>
-                <a:cs typeface="Times New Roman" panose="02020603050405020304" pitchFamily="18" charset="0"/>
-              </a:rPr>
-              <a:t>os</a:t>
-            </a:r>
-            <a:r>
-              <a:rPr lang="en-US" sz="1800" dirty="0">
-                <a:effectLst/>
-                <a:latin typeface="Times New Roman" panose="02020603050405020304" pitchFamily="18" charset="0"/>
-                <a:ea typeface="Times New Roman" panose="02020603050405020304" pitchFamily="18" charset="0"/>
-                <a:cs typeface="Times New Roman" panose="02020603050405020304" pitchFamily="18" charset="0"/>
-              </a:rPr>
-              <a:t> </a:t>
-            </a:r>
-            <a:r>
-              <a:rPr lang="en-US" sz="1800" dirty="0" err="1">
-                <a:effectLst/>
-                <a:latin typeface="Times New Roman" panose="02020603050405020304" pitchFamily="18" charset="0"/>
-                <a:ea typeface="Times New Roman" panose="02020603050405020304" pitchFamily="18" charset="0"/>
-                <a:cs typeface="Times New Roman" panose="02020603050405020304" pitchFamily="18" charset="0"/>
-              </a:rPr>
-              <a:t>cursos</a:t>
-            </a:r>
-            <a:r>
-              <a:rPr lang="en-US" sz="1800" dirty="0">
-                <a:effectLst/>
-                <a:latin typeface="Times New Roman" panose="02020603050405020304" pitchFamily="18" charset="0"/>
-                <a:ea typeface="Times New Roman" panose="02020603050405020304" pitchFamily="18" charset="0"/>
-                <a:cs typeface="Times New Roman" panose="02020603050405020304" pitchFamily="18" charset="0"/>
-              </a:rPr>
-              <a:t> de </a:t>
-            </a:r>
-            <a:r>
-              <a:rPr lang="en-US" sz="1800" dirty="0" err="1">
-                <a:effectLst/>
-                <a:latin typeface="Times New Roman" panose="02020603050405020304" pitchFamily="18" charset="0"/>
-                <a:ea typeface="Times New Roman" panose="02020603050405020304" pitchFamily="18" charset="0"/>
-                <a:cs typeface="Times New Roman" panose="02020603050405020304" pitchFamily="18" charset="0"/>
-              </a:rPr>
-              <a:t>Graduação</a:t>
-            </a:r>
-            <a:r>
-              <a:rPr lang="en-US" sz="1800" dirty="0">
-                <a:effectLst/>
-                <a:latin typeface="Times New Roman" panose="02020603050405020304" pitchFamily="18" charset="0"/>
-                <a:ea typeface="Times New Roman" panose="02020603050405020304" pitchFamily="18" charset="0"/>
-                <a:cs typeface="Times New Roman" panose="02020603050405020304" pitchFamily="18" charset="0"/>
-              </a:rPr>
-              <a:t> </a:t>
-            </a:r>
-            <a:r>
-              <a:rPr lang="en-US" sz="1800" dirty="0" err="1">
-                <a:effectLst/>
-                <a:latin typeface="Times New Roman" panose="02020603050405020304" pitchFamily="18" charset="0"/>
-                <a:ea typeface="Times New Roman" panose="02020603050405020304" pitchFamily="18" charset="0"/>
-                <a:cs typeface="Times New Roman" panose="02020603050405020304" pitchFamily="18" charset="0"/>
-              </a:rPr>
-              <a:t>em</a:t>
-            </a:r>
-            <a:r>
-              <a:rPr lang="en-US" sz="1800" dirty="0">
-                <a:effectLst/>
-                <a:latin typeface="Times New Roman" panose="02020603050405020304" pitchFamily="18" charset="0"/>
-                <a:ea typeface="Times New Roman" panose="02020603050405020304" pitchFamily="18" charset="0"/>
-                <a:cs typeface="Times New Roman" panose="02020603050405020304" pitchFamily="18" charset="0"/>
-              </a:rPr>
-              <a:t> </a:t>
-            </a:r>
-            <a:r>
-              <a:rPr lang="en-US" sz="1800" dirty="0" err="1">
-                <a:effectLst/>
-                <a:latin typeface="Times New Roman" panose="02020603050405020304" pitchFamily="18" charset="0"/>
-                <a:ea typeface="Times New Roman" panose="02020603050405020304" pitchFamily="18" charset="0"/>
-                <a:cs typeface="Times New Roman" panose="02020603050405020304" pitchFamily="18" charset="0"/>
-              </a:rPr>
-              <a:t>Computação</a:t>
-            </a:r>
-            <a:r>
-              <a:rPr lang="en-US" sz="1800" dirty="0">
-                <a:effectLst/>
-                <a:latin typeface="Times New Roman" panose="02020603050405020304" pitchFamily="18" charset="0"/>
-                <a:ea typeface="Times New Roman" panose="02020603050405020304" pitchFamily="18" charset="0"/>
-                <a:cs typeface="Times New Roman" panose="02020603050405020304" pitchFamily="18" charset="0"/>
-              </a:rPr>
-              <a:t> (DCN16). </a:t>
-            </a:r>
-            <a:r>
-              <a:rPr lang="en-US" sz="1800" dirty="0" err="1">
-                <a:effectLst/>
-                <a:latin typeface="Times New Roman" panose="02020603050405020304" pitchFamily="18" charset="0"/>
-                <a:ea typeface="Times New Roman" panose="02020603050405020304" pitchFamily="18" charset="0"/>
-                <a:cs typeface="Times New Roman" panose="02020603050405020304" pitchFamily="18" charset="0"/>
-              </a:rPr>
-              <a:t>Resolução</a:t>
-            </a:r>
-            <a:r>
-              <a:rPr lang="en-US" sz="1800" dirty="0">
-                <a:effectLst/>
-                <a:latin typeface="Times New Roman" panose="02020603050405020304" pitchFamily="18" charset="0"/>
-                <a:ea typeface="Times New Roman" panose="02020603050405020304" pitchFamily="18" charset="0"/>
-                <a:cs typeface="Times New Roman" panose="02020603050405020304" pitchFamily="18" charset="0"/>
-              </a:rPr>
-              <a:t> CNE/CES no 5, de 16 de </a:t>
-            </a:r>
-            <a:r>
-              <a:rPr lang="en-US" sz="1800" dirty="0" err="1">
-                <a:effectLst/>
-                <a:latin typeface="Times New Roman" panose="02020603050405020304" pitchFamily="18" charset="0"/>
-                <a:ea typeface="Times New Roman" panose="02020603050405020304" pitchFamily="18" charset="0"/>
-                <a:cs typeface="Times New Roman" panose="02020603050405020304" pitchFamily="18" charset="0"/>
-              </a:rPr>
-              <a:t>novembro</a:t>
-            </a:r>
-            <a:r>
-              <a:rPr lang="en-US" sz="1800" dirty="0">
-                <a:effectLst/>
-                <a:latin typeface="Times New Roman" panose="02020603050405020304" pitchFamily="18" charset="0"/>
-                <a:ea typeface="Times New Roman" panose="02020603050405020304" pitchFamily="18" charset="0"/>
-                <a:cs typeface="Times New Roman" panose="02020603050405020304" pitchFamily="18" charset="0"/>
-              </a:rPr>
-              <a:t> de 2016, [S. l.], v. 2016, p. 9, 2016. </a:t>
-            </a:r>
-            <a:r>
-              <a:rPr lang="en-US" sz="1800" dirty="0" err="1">
-                <a:effectLst/>
-                <a:latin typeface="Times New Roman" panose="02020603050405020304" pitchFamily="18" charset="0"/>
-                <a:ea typeface="Times New Roman" panose="02020603050405020304" pitchFamily="18" charset="0"/>
-                <a:cs typeface="Times New Roman" panose="02020603050405020304" pitchFamily="18" charset="0"/>
-              </a:rPr>
-              <a:t>Disponível</a:t>
-            </a:r>
-            <a:r>
-              <a:rPr lang="en-US" sz="1800" dirty="0">
-                <a:effectLst/>
-                <a:latin typeface="Times New Roman" panose="02020603050405020304" pitchFamily="18" charset="0"/>
-                <a:ea typeface="Times New Roman" panose="02020603050405020304" pitchFamily="18" charset="0"/>
-                <a:cs typeface="Times New Roman" panose="02020603050405020304" pitchFamily="18" charset="0"/>
-              </a:rPr>
-              <a:t> </a:t>
-            </a:r>
-            <a:r>
-              <a:rPr lang="en-US" sz="1800" dirty="0" err="1">
-                <a:effectLst/>
-                <a:latin typeface="Times New Roman" panose="02020603050405020304" pitchFamily="18" charset="0"/>
-                <a:ea typeface="Times New Roman" panose="02020603050405020304" pitchFamily="18" charset="0"/>
-                <a:cs typeface="Times New Roman" panose="02020603050405020304" pitchFamily="18" charset="0"/>
-              </a:rPr>
-              <a:t>em</a:t>
-            </a:r>
-            <a:r>
-              <a:rPr lang="en-US" sz="1800" dirty="0">
-                <a:effectLst/>
-                <a:latin typeface="Times New Roman" panose="02020603050405020304" pitchFamily="18" charset="0"/>
-                <a:ea typeface="Times New Roman" panose="02020603050405020304" pitchFamily="18" charset="0"/>
-                <a:cs typeface="Times New Roman" panose="02020603050405020304" pitchFamily="18" charset="0"/>
-              </a:rPr>
-              <a:t>: http://portal.mec.gov.br/index.php?option=com_docman&amp;view=download&amp;alias=52101-rces005-16-pdf&amp;category_slug=novembro-2016-pdf&amp;Itemid=30192</a:t>
-            </a:r>
-          </a:p>
-          <a:p>
-            <a:endParaRPr lang="en-US" sz="1800" dirty="0">
+              <a:t>CHARBONNIER-VOIRIN, Audrey; ROUSSEL, Patrice. Adaptive performance: A new scale to measure individual performance in organizations. Canadian Journal of Administrative Sciences, [S. l.], v. 29, n. 3, p. 280–293, 2012</a:t>
+            </a:r>
+          </a:p>
+          <a:p>
+            <a:endParaRPr lang="en-US" sz="2400" dirty="0">
               <a:effectLst/>
               <a:latin typeface="Times New Roman" panose="02020603050405020304" pitchFamily="18" charset="0"/>
               <a:ea typeface="Times New Roman" panose="02020603050405020304" pitchFamily="18" charset="0"/>
@@ -27253,53 +27078,35 @@
           </a:p>
           <a:p>
             <a:r>
-              <a:rPr lang="en-US" sz="1800" dirty="0">
+              <a:rPr lang="en-US" sz="2400" dirty="0">
                 <a:effectLst/>
                 <a:latin typeface="Times New Roman" panose="02020603050405020304" pitchFamily="18" charset="0"/>
                 <a:ea typeface="Times New Roman" panose="02020603050405020304" pitchFamily="18" charset="0"/>
                 <a:cs typeface="Times New Roman" panose="02020603050405020304" pitchFamily="18" charset="0"/>
               </a:rPr>
-              <a:t>FRANCA, Cesar; DA SILVA, Fabio </a:t>
-            </a:r>
-            <a:r>
-              <a:rPr lang="en-US" sz="1800" dirty="0" err="1">
+              <a:t>DIAS-JR, Jose </a:t>
+            </a:r>
+            <a:r>
+              <a:rPr lang="en-US" sz="2400" dirty="0" err="1">
                 <a:effectLst/>
                 <a:latin typeface="Times New Roman" panose="02020603050405020304" pitchFamily="18" charset="0"/>
                 <a:ea typeface="Times New Roman" panose="02020603050405020304" pitchFamily="18" charset="0"/>
                 <a:cs typeface="Times New Roman" panose="02020603050405020304" pitchFamily="18" charset="0"/>
               </a:rPr>
-              <a:t>Fabio</a:t>
-            </a:r>
-            <a:r>
-              <a:rPr lang="en-US" sz="1800" dirty="0">
+              <a:t>jorge</a:t>
+            </a:r>
+            <a:r>
+              <a:rPr lang="en-US" sz="2400" dirty="0">
                 <a:effectLst/>
                 <a:latin typeface="Times New Roman" panose="02020603050405020304" pitchFamily="18" charset="0"/>
                 <a:ea typeface="Times New Roman" panose="02020603050405020304" pitchFamily="18" charset="0"/>
                 <a:cs typeface="Times New Roman" panose="02020603050405020304" pitchFamily="18" charset="0"/>
               </a:rPr>
-              <a:t> </a:t>
-            </a:r>
-            <a:r>
-              <a:rPr lang="en-US" sz="1800" dirty="0" err="1">
-                <a:effectLst/>
-                <a:latin typeface="Times New Roman" panose="02020603050405020304" pitchFamily="18" charset="0"/>
-                <a:ea typeface="Times New Roman" panose="02020603050405020304" pitchFamily="18" charset="0"/>
-                <a:cs typeface="Times New Roman" panose="02020603050405020304" pitchFamily="18" charset="0"/>
-              </a:rPr>
-              <a:t>Queda</a:t>
-            </a:r>
-            <a:r>
-              <a:rPr lang="en-US" sz="1800" dirty="0">
-                <a:effectLst/>
-                <a:latin typeface="Times New Roman" panose="02020603050405020304" pitchFamily="18" charset="0"/>
-                <a:ea typeface="Times New Roman" panose="02020603050405020304" pitchFamily="18" charset="0"/>
-                <a:cs typeface="Times New Roman" panose="02020603050405020304" pitchFamily="18" charset="0"/>
-              </a:rPr>
-              <a:t> Bueno; SHARP, Helen. Motivation and Satisfaction of Software Engineers. IEEE Transactions on Software Engineering, [S. l.], p. 1–27, 2018.</a:t>
-            </a:r>
-          </a:p>
-          <a:p>
-            <a:endParaRPr lang="en-US" sz="1800" dirty="0">
+              <a:t> lima. MODELO DE COMPETÊNCIAS À LUZ DA ADAPTABILIDADE PARA ANÁLISE DA ATUAÇÃO EM EQUIPES DE SOFTWARE. 2018. - UFPB, [s. l.], 2018</a:t>
+            </a:r>
+          </a:p>
+          <a:p>
+            <a:endParaRPr lang="en-US" sz="2400" dirty="0">
               <a:effectLst/>
               <a:latin typeface="Times New Roman" panose="02020603050405020304" pitchFamily="18" charset="0"/>
               <a:ea typeface="Times New Roman" panose="02020603050405020304" pitchFamily="18" charset="0"/>
@@ -27308,35 +27115,35 @@
           </a:p>
           <a:p>
             <a:r>
-              <a:rPr lang="en-US" sz="1800" dirty="0">
+              <a:rPr lang="en-US" sz="2400" dirty="0">
                 <a:effectLst/>
                 <a:latin typeface="Times New Roman" panose="02020603050405020304" pitchFamily="18" charset="0"/>
                 <a:ea typeface="Times New Roman" panose="02020603050405020304" pitchFamily="18" charset="0"/>
                 <a:cs typeface="Times New Roman" panose="02020603050405020304" pitchFamily="18" charset="0"/>
               </a:rPr>
-              <a:t>LENBERG, Per; FELDT, Robert; WALLGREN, Lars </a:t>
-            </a:r>
-            <a:r>
-              <a:rPr lang="en-US" sz="1800" dirty="0" err="1">
+              <a:t>KUDE, Thomas et al. Adaptation Patterns in Agile Information Systems Development Teams. </a:t>
+            </a:r>
+            <a:r>
+              <a:rPr lang="en-US" sz="2400" dirty="0" err="1">
                 <a:effectLst/>
                 <a:latin typeface="Times New Roman" panose="02020603050405020304" pitchFamily="18" charset="0"/>
                 <a:ea typeface="Times New Roman" panose="02020603050405020304" pitchFamily="18" charset="0"/>
                 <a:cs typeface="Times New Roman" panose="02020603050405020304" pitchFamily="18" charset="0"/>
               </a:rPr>
-              <a:t>Göran</a:t>
-            </a:r>
-            <a:r>
-              <a:rPr lang="en-US" sz="1800" dirty="0">
+              <a:t>Ecis</a:t>
+            </a:r>
+            <a:r>
+              <a:rPr lang="en-US" sz="2400" dirty="0">
                 <a:effectLst/>
                 <a:latin typeface="Times New Roman" panose="02020603050405020304" pitchFamily="18" charset="0"/>
                 <a:ea typeface="Times New Roman" panose="02020603050405020304" pitchFamily="18" charset="0"/>
                 <a:cs typeface="Times New Roman" panose="02020603050405020304" pitchFamily="18" charset="0"/>
               </a:rPr>
-              <a:t>. Behavioral software engineering: A definition and systematic literature review. Journal of Systems and Software, [S. l.], v. 107, p. 15–37, 2015. </a:t>
-            </a:r>
-          </a:p>
-          <a:p>
-            <a:endParaRPr lang="en-US" sz="1800" dirty="0">
+              <a:t>, [S. l.], p. 1–15, 2014. </a:t>
+            </a:r>
+          </a:p>
+          <a:p>
+            <a:endParaRPr lang="en-US" sz="2400" dirty="0">
               <a:effectLst/>
               <a:latin typeface="Times New Roman" panose="02020603050405020304" pitchFamily="18" charset="0"/>
               <a:ea typeface="Times New Roman" panose="02020603050405020304" pitchFamily="18" charset="0"/>
@@ -27344,103 +27151,14 @@
             </a:endParaRPr>
           </a:p>
           <a:p>
-            <a:r>
-              <a:rPr lang="en-US" sz="1800" dirty="0">
-                <a:effectLst/>
-                <a:latin typeface="Times New Roman" panose="02020603050405020304" pitchFamily="18" charset="0"/>
-                <a:ea typeface="Times New Roman" panose="02020603050405020304" pitchFamily="18" charset="0"/>
-                <a:cs typeface="Times New Roman" panose="02020603050405020304" pitchFamily="18" charset="0"/>
-              </a:rPr>
-              <a:t>BURK, Lisa; RICHARDSON, Jean; LATIN, Lisa. Conflict Management in Software Development Environments. Eighteenth Annual Pacific Northwest Software Quality Conference, [S. l.], p. 1–65, 2000. </a:t>
-            </a:r>
-            <a:r>
-              <a:rPr lang="en-US" sz="1800" dirty="0" err="1">
-                <a:effectLst/>
-                <a:latin typeface="Times New Roman" panose="02020603050405020304" pitchFamily="18" charset="0"/>
-                <a:ea typeface="Times New Roman" panose="02020603050405020304" pitchFamily="18" charset="0"/>
-                <a:cs typeface="Times New Roman" panose="02020603050405020304" pitchFamily="18" charset="0"/>
-              </a:rPr>
-              <a:t>Disponível</a:t>
-            </a:r>
-            <a:r>
-              <a:rPr lang="en-US" sz="1800" dirty="0">
-                <a:effectLst/>
-                <a:latin typeface="Times New Roman" panose="02020603050405020304" pitchFamily="18" charset="0"/>
-                <a:ea typeface="Times New Roman" panose="02020603050405020304" pitchFamily="18" charset="0"/>
-                <a:cs typeface="Times New Roman" panose="02020603050405020304" pitchFamily="18" charset="0"/>
-              </a:rPr>
-              <a:t> </a:t>
-            </a:r>
-            <a:r>
-              <a:rPr lang="en-US" sz="1800" dirty="0" err="1">
-                <a:effectLst/>
-                <a:latin typeface="Times New Roman" panose="02020603050405020304" pitchFamily="18" charset="0"/>
-                <a:ea typeface="Times New Roman" panose="02020603050405020304" pitchFamily="18" charset="0"/>
-                <a:cs typeface="Times New Roman" panose="02020603050405020304" pitchFamily="18" charset="0"/>
-              </a:rPr>
-              <a:t>em</a:t>
-            </a:r>
-            <a:r>
-              <a:rPr lang="en-US" sz="1800" dirty="0">
-                <a:effectLst/>
-                <a:latin typeface="Times New Roman" panose="02020603050405020304" pitchFamily="18" charset="0"/>
-                <a:ea typeface="Times New Roman" panose="02020603050405020304" pitchFamily="18" charset="0"/>
-                <a:cs typeface="Times New Roman" panose="02020603050405020304" pitchFamily="18" charset="0"/>
-              </a:rPr>
-              <a:t>: https://www.researchgate.net/publication/318987959_Conflict_Management_in_Software_Development_Environments</a:t>
-            </a:r>
-          </a:p>
-          <a:p>
-            <a:endParaRPr lang="en-US" sz="1800" dirty="0">
-              <a:effectLst/>
-              <a:latin typeface="Times New Roman" panose="02020603050405020304" pitchFamily="18" charset="0"/>
-              <a:ea typeface="Times New Roman" panose="02020603050405020304" pitchFamily="18" charset="0"/>
-              <a:cs typeface="Times New Roman" panose="02020603050405020304" pitchFamily="18" charset="0"/>
-            </a:endParaRPr>
-          </a:p>
-          <a:p>
-            <a:r>
-              <a:rPr lang="en-US" sz="1800" dirty="0">
-                <a:effectLst/>
-                <a:latin typeface="Times New Roman" panose="02020603050405020304" pitchFamily="18" charset="0"/>
-                <a:ea typeface="Times New Roman" panose="02020603050405020304" pitchFamily="18" charset="0"/>
-                <a:cs typeface="Times New Roman" panose="02020603050405020304" pitchFamily="18" charset="0"/>
-              </a:rPr>
-              <a:t>MASLACH, Christina; SCHAUFELI, Wilmar B.; LEITER, Michael P. JOB BURNOUT. </a:t>
-            </a:r>
-            <a:r>
-              <a:rPr lang="en-US" sz="1800" dirty="0" err="1">
-                <a:effectLst/>
-                <a:latin typeface="Times New Roman" panose="02020603050405020304" pitchFamily="18" charset="0"/>
-                <a:ea typeface="Times New Roman" panose="02020603050405020304" pitchFamily="18" charset="0"/>
-                <a:cs typeface="Times New Roman" panose="02020603050405020304" pitchFamily="18" charset="0"/>
-              </a:rPr>
-              <a:t>Annu</a:t>
-            </a:r>
-            <a:r>
-              <a:rPr lang="en-US" sz="1800" dirty="0">
-                <a:effectLst/>
-                <a:latin typeface="Times New Roman" panose="02020603050405020304" pitchFamily="18" charset="0"/>
-                <a:ea typeface="Times New Roman" panose="02020603050405020304" pitchFamily="18" charset="0"/>
-                <a:cs typeface="Times New Roman" panose="02020603050405020304" pitchFamily="18" charset="0"/>
-              </a:rPr>
-              <a:t>. Rev. Psychol., [S. l.], v. 52, p. 397–422, 2001</a:t>
-            </a:r>
-          </a:p>
-          <a:p>
-            <a:endParaRPr lang="en-US" sz="1800" dirty="0">
-              <a:effectLst/>
-              <a:latin typeface="Times New Roman" panose="02020603050405020304" pitchFamily="18" charset="0"/>
-              <a:ea typeface="Times New Roman" panose="02020603050405020304" pitchFamily="18" charset="0"/>
-              <a:cs typeface="Times New Roman" panose="02020603050405020304" pitchFamily="18" charset="0"/>
-            </a:endParaRPr>
+            <a:endParaRPr lang="pt-BR" dirty="0"/>
           </a:p>
         </p:txBody>
       </p:sp>
     </p:spTree>
     <p:extLst>
       <p:ext uri="{BB962C8B-B14F-4D97-AF65-F5344CB8AC3E}">
-        <p14:creationId xmlns:p14="http://schemas.microsoft.com/office/powerpoint/2010/main" val="4245776506"/>
+        <p14:creationId xmlns:p14="http://schemas.microsoft.com/office/powerpoint/2010/main" val="289051604"/>
       </p:ext>
     </p:extLst>
   </p:cSld>
@@ -27514,277 +27232,6 @@
         <p:spPr/>
         <p:txBody>
           <a:bodyPr>
-            <a:normAutofit fontScale="55000" lnSpcReduction="20000"/>
-          </a:bodyPr>
-          <a:lstStyle/>
-          <a:p>
-            <a:r>
-              <a:rPr lang="en-US" sz="2400" dirty="0">
-                <a:effectLst/>
-                <a:latin typeface="Times New Roman" panose="02020603050405020304" pitchFamily="18" charset="0"/>
-                <a:ea typeface="Times New Roman" panose="02020603050405020304" pitchFamily="18" charset="0"/>
-                <a:cs typeface="Times New Roman" panose="02020603050405020304" pitchFamily="18" charset="0"/>
-              </a:rPr>
-              <a:t>SWIDER, Brian W.; ZIMMERMAN, Ryan D. Born to burnout: A meta-analytic path model of personality, job burnout, and work outcomes. Journal of Vocational Behavior, [S. l.], v. 76, n. 3, p. 487–506, 2010. </a:t>
-            </a:r>
-            <a:r>
-              <a:rPr lang="en-US" sz="2400" dirty="0" err="1">
-                <a:effectLst/>
-                <a:latin typeface="Times New Roman" panose="02020603050405020304" pitchFamily="18" charset="0"/>
-                <a:ea typeface="Times New Roman" panose="02020603050405020304" pitchFamily="18" charset="0"/>
-                <a:cs typeface="Times New Roman" panose="02020603050405020304" pitchFamily="18" charset="0"/>
-              </a:rPr>
-              <a:t>Disponível</a:t>
-            </a:r>
-            <a:r>
-              <a:rPr lang="en-US" sz="2400" dirty="0">
-                <a:effectLst/>
-                <a:latin typeface="Times New Roman" panose="02020603050405020304" pitchFamily="18" charset="0"/>
-                <a:ea typeface="Times New Roman" panose="02020603050405020304" pitchFamily="18" charset="0"/>
-                <a:cs typeface="Times New Roman" panose="02020603050405020304" pitchFamily="18" charset="0"/>
-              </a:rPr>
-              <a:t> </a:t>
-            </a:r>
-            <a:r>
-              <a:rPr lang="en-US" sz="2400" dirty="0" err="1">
-                <a:effectLst/>
-                <a:latin typeface="Times New Roman" panose="02020603050405020304" pitchFamily="18" charset="0"/>
-                <a:ea typeface="Times New Roman" panose="02020603050405020304" pitchFamily="18" charset="0"/>
-                <a:cs typeface="Times New Roman" panose="02020603050405020304" pitchFamily="18" charset="0"/>
-              </a:rPr>
-              <a:t>em</a:t>
-            </a:r>
-            <a:r>
-              <a:rPr lang="en-US" sz="2400" dirty="0">
-                <a:effectLst/>
-                <a:latin typeface="Times New Roman" panose="02020603050405020304" pitchFamily="18" charset="0"/>
-                <a:ea typeface="Times New Roman" panose="02020603050405020304" pitchFamily="18" charset="0"/>
-                <a:cs typeface="Times New Roman" panose="02020603050405020304" pitchFamily="18" charset="0"/>
-              </a:rPr>
-              <a:t>: http://dx.doi.org/10.1016/j.jvb.2010.01.003</a:t>
-            </a:r>
-          </a:p>
-          <a:p>
-            <a:endParaRPr lang="en-US" sz="2400" dirty="0">
-              <a:effectLst/>
-              <a:latin typeface="Times New Roman" panose="02020603050405020304" pitchFamily="18" charset="0"/>
-              <a:ea typeface="Times New Roman" panose="02020603050405020304" pitchFamily="18" charset="0"/>
-              <a:cs typeface="Times New Roman" panose="02020603050405020304" pitchFamily="18" charset="0"/>
-            </a:endParaRPr>
-          </a:p>
-          <a:p>
-            <a:r>
-              <a:rPr lang="en-US" sz="2400" dirty="0">
-                <a:effectLst/>
-                <a:latin typeface="Times New Roman" panose="02020603050405020304" pitchFamily="18" charset="0"/>
-                <a:ea typeface="Times New Roman" panose="02020603050405020304" pitchFamily="18" charset="0"/>
-                <a:cs typeface="Times New Roman" panose="02020603050405020304" pitchFamily="18" charset="0"/>
-              </a:rPr>
-              <a:t>BAARD, Samantha K.; RENCH, Tara A.; KOZLOWSKI, Steve W. J. Performance Adaptation: A Theoretical Integration and Review. [S. l.: s. n.]. v. 40</a:t>
-            </a:r>
-          </a:p>
-          <a:p>
-            <a:endParaRPr lang="en-US" sz="2400" dirty="0">
-              <a:effectLst/>
-              <a:latin typeface="Times New Roman" panose="02020603050405020304" pitchFamily="18" charset="0"/>
-              <a:ea typeface="Times New Roman" panose="02020603050405020304" pitchFamily="18" charset="0"/>
-              <a:cs typeface="Times New Roman" panose="02020603050405020304" pitchFamily="18" charset="0"/>
-            </a:endParaRPr>
-          </a:p>
-          <a:p>
-            <a:r>
-              <a:rPr lang="en-US" sz="2400" dirty="0">
-                <a:effectLst/>
-                <a:latin typeface="Times New Roman" panose="02020603050405020304" pitchFamily="18" charset="0"/>
-                <a:ea typeface="Times New Roman" panose="02020603050405020304" pitchFamily="18" charset="0"/>
-                <a:cs typeface="Times New Roman" panose="02020603050405020304" pitchFamily="18" charset="0"/>
-              </a:rPr>
-              <a:t>PULAKOS, Elaine D. et al. Adaptability in the workplace: Development of a taxonomy of adaptive performance. Journal of Applied Psychology, [S. l.], v. 85, n. 4, p. 612–624, 2000.</a:t>
-            </a:r>
-          </a:p>
-          <a:p>
-            <a:endParaRPr lang="en-US" sz="2400" dirty="0">
-              <a:effectLst/>
-              <a:latin typeface="Times New Roman" panose="02020603050405020304" pitchFamily="18" charset="0"/>
-              <a:ea typeface="Times New Roman" panose="02020603050405020304" pitchFamily="18" charset="0"/>
-              <a:cs typeface="Times New Roman" panose="02020603050405020304" pitchFamily="18" charset="0"/>
-            </a:endParaRPr>
-          </a:p>
-          <a:p>
-            <a:r>
-              <a:rPr lang="en-US" sz="2400" dirty="0">
-                <a:effectLst/>
-                <a:latin typeface="Times New Roman" panose="02020603050405020304" pitchFamily="18" charset="0"/>
-                <a:ea typeface="Times New Roman" panose="02020603050405020304" pitchFamily="18" charset="0"/>
-                <a:cs typeface="Times New Roman" panose="02020603050405020304" pitchFamily="18" charset="0"/>
-              </a:rPr>
-              <a:t>CHARBONNIER-VOIRIN, Audrey; ROUSSEL, Patrice. Adaptive performance: A new scale to measure individual performance in organizations. Canadian Journal of Administrative Sciences, [S. l.], v. 29, n. 3, p. 280–293, 2012</a:t>
-            </a:r>
-          </a:p>
-          <a:p>
-            <a:endParaRPr lang="en-US" sz="2400" dirty="0">
-              <a:effectLst/>
-              <a:latin typeface="Times New Roman" panose="02020603050405020304" pitchFamily="18" charset="0"/>
-              <a:ea typeface="Times New Roman" panose="02020603050405020304" pitchFamily="18" charset="0"/>
-              <a:cs typeface="Times New Roman" panose="02020603050405020304" pitchFamily="18" charset="0"/>
-            </a:endParaRPr>
-          </a:p>
-          <a:p>
-            <a:r>
-              <a:rPr lang="en-US" sz="2400" dirty="0">
-                <a:effectLst/>
-                <a:latin typeface="Times New Roman" panose="02020603050405020304" pitchFamily="18" charset="0"/>
-                <a:ea typeface="Times New Roman" panose="02020603050405020304" pitchFamily="18" charset="0"/>
-                <a:cs typeface="Times New Roman" panose="02020603050405020304" pitchFamily="18" charset="0"/>
-              </a:rPr>
-              <a:t>DIAS-JR, Jose </a:t>
-            </a:r>
-            <a:r>
-              <a:rPr lang="en-US" sz="2400" dirty="0" err="1">
-                <a:effectLst/>
-                <a:latin typeface="Times New Roman" panose="02020603050405020304" pitchFamily="18" charset="0"/>
-                <a:ea typeface="Times New Roman" panose="02020603050405020304" pitchFamily="18" charset="0"/>
-                <a:cs typeface="Times New Roman" panose="02020603050405020304" pitchFamily="18" charset="0"/>
-              </a:rPr>
-              <a:t>jorge</a:t>
-            </a:r>
-            <a:r>
-              <a:rPr lang="en-US" sz="2400" dirty="0">
-                <a:effectLst/>
-                <a:latin typeface="Times New Roman" panose="02020603050405020304" pitchFamily="18" charset="0"/>
-                <a:ea typeface="Times New Roman" panose="02020603050405020304" pitchFamily="18" charset="0"/>
-                <a:cs typeface="Times New Roman" panose="02020603050405020304" pitchFamily="18" charset="0"/>
-              </a:rPr>
-              <a:t> lima. MODELO DE COMPETÊNCIAS À LUZ DA ADAPTABILIDADE PARA ANÁLISE DA ATUAÇÃO EM EQUIPES DE SOFTWARE. 2018. - UFPB, [s. l.], 2018</a:t>
-            </a:r>
-          </a:p>
-          <a:p>
-            <a:endParaRPr lang="en-US" sz="2400" dirty="0">
-              <a:effectLst/>
-              <a:latin typeface="Times New Roman" panose="02020603050405020304" pitchFamily="18" charset="0"/>
-              <a:ea typeface="Times New Roman" panose="02020603050405020304" pitchFamily="18" charset="0"/>
-              <a:cs typeface="Times New Roman" panose="02020603050405020304" pitchFamily="18" charset="0"/>
-            </a:endParaRPr>
-          </a:p>
-          <a:p>
-            <a:r>
-              <a:rPr lang="en-US" sz="2400" dirty="0">
-                <a:effectLst/>
-                <a:latin typeface="Times New Roman" panose="02020603050405020304" pitchFamily="18" charset="0"/>
-                <a:ea typeface="Times New Roman" panose="02020603050405020304" pitchFamily="18" charset="0"/>
-                <a:cs typeface="Times New Roman" panose="02020603050405020304" pitchFamily="18" charset="0"/>
-              </a:rPr>
-              <a:t>KUDE, Thomas et al. Adaptation Patterns in Agile Information Systems Development Teams. </a:t>
-            </a:r>
-            <a:r>
-              <a:rPr lang="en-US" sz="2400" dirty="0" err="1">
-                <a:effectLst/>
-                <a:latin typeface="Times New Roman" panose="02020603050405020304" pitchFamily="18" charset="0"/>
-                <a:ea typeface="Times New Roman" panose="02020603050405020304" pitchFamily="18" charset="0"/>
-                <a:cs typeface="Times New Roman" panose="02020603050405020304" pitchFamily="18" charset="0"/>
-              </a:rPr>
-              <a:t>Ecis</a:t>
-            </a:r>
-            <a:r>
-              <a:rPr lang="en-US" sz="2400" dirty="0">
-                <a:effectLst/>
-                <a:latin typeface="Times New Roman" panose="02020603050405020304" pitchFamily="18" charset="0"/>
-                <a:ea typeface="Times New Roman" panose="02020603050405020304" pitchFamily="18" charset="0"/>
-                <a:cs typeface="Times New Roman" panose="02020603050405020304" pitchFamily="18" charset="0"/>
-              </a:rPr>
-              <a:t>, [S. l.], p. 1–15, 2014. </a:t>
-            </a:r>
-          </a:p>
-          <a:p>
-            <a:endParaRPr lang="en-US" sz="2400" dirty="0">
-              <a:effectLst/>
-              <a:latin typeface="Times New Roman" panose="02020603050405020304" pitchFamily="18" charset="0"/>
-              <a:ea typeface="Times New Roman" panose="02020603050405020304" pitchFamily="18" charset="0"/>
-              <a:cs typeface="Times New Roman" panose="02020603050405020304" pitchFamily="18" charset="0"/>
-            </a:endParaRPr>
-          </a:p>
-          <a:p>
-            <a:endParaRPr lang="pt-BR" dirty="0"/>
-          </a:p>
-        </p:txBody>
-      </p:sp>
-    </p:spTree>
-    <p:extLst>
-      <p:ext uri="{BB962C8B-B14F-4D97-AF65-F5344CB8AC3E}">
-        <p14:creationId xmlns:p14="http://schemas.microsoft.com/office/powerpoint/2010/main" val="289051604"/>
-      </p:ext>
-    </p:extLst>
-  </p:cSld>
-  <p:clrMapOvr>
-    <a:masterClrMapping/>
-  </p:clrMapOvr>
-</p:sld>
-</file>
-
-<file path=ppt/slides/slide97.xml><?xml version="1.0" encoding="utf-8"?>
-<p:sld xmlns:a="http://schemas.openxmlformats.org/drawingml/2006/main" xmlns:r="http://schemas.openxmlformats.org/officeDocument/2006/relationships" xmlns:p="http://schemas.openxmlformats.org/presentationml/2006/main">
-  <p:cSld>
-    <p:spTree>
-      <p:nvGrpSpPr>
-        <p:cNvPr id="1" name=""/>
-        <p:cNvGrpSpPr/>
-        <p:nvPr/>
-      </p:nvGrpSpPr>
-      <p:grpSpPr>
-        <a:xfrm>
-          <a:off x="0" y="0"/>
-          <a:ext cx="0" cy="0"/>
-          <a:chOff x="0" y="0"/>
-          <a:chExt cx="0" cy="0"/>
-        </a:xfrm>
-      </p:grpSpPr>
-      <p:sp>
-        <p:nvSpPr>
-          <p:cNvPr id="2" name="Título 1">
-            <a:extLst>
-              <a:ext uri="{FF2B5EF4-FFF2-40B4-BE49-F238E27FC236}">
-                <a16:creationId xmlns:a16="http://schemas.microsoft.com/office/drawing/2014/main" id="{955B7A71-0AE6-4842-8500-FF5159312A34}"/>
-              </a:ext>
-            </a:extLst>
-          </p:cNvPr>
-          <p:cNvSpPr>
-            <a:spLocks noGrp="1"/>
-          </p:cNvSpPr>
-          <p:nvPr>
-            <p:ph type="title"/>
-          </p:nvPr>
-        </p:nvSpPr>
-        <p:spPr/>
-        <p:txBody>
-          <a:bodyPr/>
-          <a:lstStyle/>
-          <a:p>
-            <a:r>
-              <a:rPr lang="pt-BR" dirty="0"/>
-              <a:t>Referências</a:t>
-            </a:r>
-          </a:p>
-        </p:txBody>
-      </p:sp>
-      <p:sp>
-        <p:nvSpPr>
-          <p:cNvPr id="3" name="Espaço Reservado para Conteúdo 2">
-            <a:extLst>
-              <a:ext uri="{FF2B5EF4-FFF2-40B4-BE49-F238E27FC236}">
-                <a16:creationId xmlns:a16="http://schemas.microsoft.com/office/drawing/2014/main" id="{EBBB26C3-F96E-4074-AC85-D845AA1F466A}"/>
-              </a:ext>
-            </a:extLst>
-          </p:cNvPr>
-          <p:cNvSpPr>
-            <a:spLocks noGrp="1"/>
-          </p:cNvSpPr>
-          <p:nvPr>
-            <p:ph idx="1"/>
-          </p:nvPr>
-        </p:nvSpPr>
-        <p:spPr/>
-        <p:txBody>
-          <a:bodyPr>
             <a:normAutofit fontScale="47500" lnSpcReduction="20000"/>
           </a:bodyPr>
           <a:lstStyle/>
@@ -28010,7 +27457,7 @@
 </p:sld>
 </file>
 
-<file path=ppt/slides/slide98.xml><?xml version="1.0" encoding="utf-8"?>
+<file path=ppt/slides/slide97.xml><?xml version="1.0" encoding="utf-8"?>
 <p:sld xmlns:a="http://schemas.openxmlformats.org/drawingml/2006/main" xmlns:r="http://schemas.openxmlformats.org/officeDocument/2006/relationships" xmlns:p="http://schemas.openxmlformats.org/presentationml/2006/main">
   <p:cSld>
     <p:spTree>

--- a/apresentacao doutorado.pptx
+++ b/apresentacao doutorado.pptx
@@ -5,7 +5,7 @@
     <p:sldMasterId id="2147483648" r:id="rId1"/>
   </p:sldMasterIdLst>
   <p:notesMasterIdLst>
-    <p:notesMasterId r:id="rId99"/>
+    <p:notesMasterId r:id="rId106"/>
   </p:notesMasterIdLst>
   <p:sldIdLst>
     <p:sldId id="256" r:id="rId2"/>
@@ -77,34 +77,41 @@
     <p:sldId id="319" r:id="rId68"/>
     <p:sldId id="320" r:id="rId69"/>
     <p:sldId id="321" r:id="rId70"/>
-    <p:sldId id="322" r:id="rId71"/>
-    <p:sldId id="274" r:id="rId72"/>
-    <p:sldId id="315" r:id="rId73"/>
-    <p:sldId id="316" r:id="rId74"/>
-    <p:sldId id="317" r:id="rId75"/>
-    <p:sldId id="318" r:id="rId76"/>
-    <p:sldId id="275" r:id="rId77"/>
-    <p:sldId id="324" r:id="rId78"/>
-    <p:sldId id="325" r:id="rId79"/>
-    <p:sldId id="326" r:id="rId80"/>
-    <p:sldId id="327" r:id="rId81"/>
-    <p:sldId id="328" r:id="rId82"/>
-    <p:sldId id="358" r:id="rId83"/>
-    <p:sldId id="359" r:id="rId84"/>
-    <p:sldId id="329" r:id="rId85"/>
-    <p:sldId id="330" r:id="rId86"/>
-    <p:sldId id="279" r:id="rId87"/>
-    <p:sldId id="331" r:id="rId88"/>
-    <p:sldId id="332" r:id="rId89"/>
-    <p:sldId id="278" r:id="rId90"/>
-    <p:sldId id="333" r:id="rId91"/>
-    <p:sldId id="334" r:id="rId92"/>
-    <p:sldId id="335" r:id="rId93"/>
-    <p:sldId id="280" r:id="rId94"/>
-    <p:sldId id="360" r:id="rId95"/>
-    <p:sldId id="361" r:id="rId96"/>
-    <p:sldId id="362" r:id="rId97"/>
-    <p:sldId id="363" r:id="rId98"/>
+    <p:sldId id="367" r:id="rId71"/>
+    <p:sldId id="322" r:id="rId72"/>
+    <p:sldId id="274" r:id="rId73"/>
+    <p:sldId id="315" r:id="rId74"/>
+    <p:sldId id="316" r:id="rId75"/>
+    <p:sldId id="317" r:id="rId76"/>
+    <p:sldId id="318" r:id="rId77"/>
+    <p:sldId id="275" r:id="rId78"/>
+    <p:sldId id="324" r:id="rId79"/>
+    <p:sldId id="325" r:id="rId80"/>
+    <p:sldId id="326" r:id="rId81"/>
+    <p:sldId id="327" r:id="rId82"/>
+    <p:sldId id="368" r:id="rId83"/>
+    <p:sldId id="369" r:id="rId84"/>
+    <p:sldId id="371" r:id="rId85"/>
+    <p:sldId id="372" r:id="rId86"/>
+    <p:sldId id="328" r:id="rId87"/>
+    <p:sldId id="358" r:id="rId88"/>
+    <p:sldId id="359" r:id="rId89"/>
+    <p:sldId id="373" r:id="rId90"/>
+    <p:sldId id="374" r:id="rId91"/>
+    <p:sldId id="329" r:id="rId92"/>
+    <p:sldId id="330" r:id="rId93"/>
+    <p:sldId id="279" r:id="rId94"/>
+    <p:sldId id="331" r:id="rId95"/>
+    <p:sldId id="332" r:id="rId96"/>
+    <p:sldId id="278" r:id="rId97"/>
+    <p:sldId id="333" r:id="rId98"/>
+    <p:sldId id="334" r:id="rId99"/>
+    <p:sldId id="335" r:id="rId100"/>
+    <p:sldId id="280" r:id="rId101"/>
+    <p:sldId id="360" r:id="rId102"/>
+    <p:sldId id="361" r:id="rId103"/>
+    <p:sldId id="362" r:id="rId104"/>
+    <p:sldId id="363" r:id="rId105"/>
   </p:sldIdLst>
   <p:sldSz cx="9144000" cy="6858000" type="screen4x3"/>
   <p:notesSz cx="6858000" cy="9144000"/>
@@ -733,6 +740,58 @@
           <a:bodyPr/>
           <a:lstStyle/>
           <a:p>
+            <a:pPr marL="0" marR="0" lvl="0" indent="0" algn="l" defTabSz="914400" rtl="0" eaLnBrk="1" fontAlgn="auto" latinLnBrk="0" hangingPunct="1">
+              <a:lnSpc>
+                <a:spcPct val="100000"/>
+              </a:lnSpc>
+              <a:spcBef>
+                <a:spcPts val="0"/>
+              </a:spcBef>
+              <a:spcAft>
+                <a:spcPts val="0"/>
+              </a:spcAft>
+              <a:buClrTx/>
+              <a:buSzTx/>
+              <a:buFontTx/>
+              <a:buNone/>
+              <a:tabLst/>
+              <a:defRPr/>
+            </a:pPr>
+            <a:r>
+              <a:rPr lang="pt-BR" sz="1200" dirty="0">
+                <a:effectLst/>
+                <a:latin typeface="Arial" panose="020B0604020202020204" pitchFamily="34" charset="0"/>
+                <a:ea typeface="Times New Roman" panose="02020603050405020304" pitchFamily="18" charset="0"/>
+                <a:cs typeface="Times New Roman" panose="02020603050405020304" pitchFamily="18" charset="0"/>
+              </a:rPr>
+              <a:t>A deixa é um fator primordial dentro da adaptação, pois é um processo individual de reconhecimento de informações em que cada membro da equipe busca por situações no ambiente que podem ter o potencial de afetar o sucesso da missão da equipe (BURKE </a:t>
+            </a:r>
+            <a:r>
+              <a:rPr lang="pt-BR" sz="1200" i="1" dirty="0">
+                <a:effectLst/>
+                <a:latin typeface="Arial" panose="020B0604020202020204" pitchFamily="34" charset="0"/>
+                <a:ea typeface="Times New Roman" panose="02020603050405020304" pitchFamily="18" charset="0"/>
+                <a:cs typeface="Times New Roman" panose="02020603050405020304" pitchFamily="18" charset="0"/>
+              </a:rPr>
+              <a:t>et al.</a:t>
+            </a:r>
+            <a:r>
+              <a:rPr lang="pt-BR" sz="1200" dirty="0">
+                <a:effectLst/>
+                <a:latin typeface="Arial" panose="020B0604020202020204" pitchFamily="34" charset="0"/>
+                <a:ea typeface="Times New Roman" panose="02020603050405020304" pitchFamily="18" charset="0"/>
+                <a:cs typeface="Times New Roman" panose="02020603050405020304" pitchFamily="18" charset="0"/>
+              </a:rPr>
+              <a:t>, 2006). </a:t>
+            </a:r>
+            <a:endParaRPr lang="pt-BR" sz="1200" dirty="0">
+              <a:effectLst/>
+              <a:latin typeface="Times" panose="02020603050405020304" pitchFamily="18" charset="0"/>
+              <a:ea typeface="Times New Roman" panose="02020603050405020304" pitchFamily="18" charset="0"/>
+              <a:cs typeface="Times New Roman" panose="02020603050405020304" pitchFamily="18" charset="0"/>
+            </a:endParaRPr>
+          </a:p>
+          <a:p>
             <a:endParaRPr lang="pt-BR" dirty="0"/>
           </a:p>
         </p:txBody>
@@ -754,7 +813,7 @@
           <a:p>
             <a:fld id="{8D0A50E8-F985-49B9-B26F-7854039BF0DF}" type="slidenum">
               <a:rPr lang="pt-BR" smtClean="0"/>
-              <a:t>36</a:t>
+              <a:t>30</a:t>
             </a:fld>
             <a:endParaRPr lang="pt-BR"/>
           </a:p>
@@ -763,7 +822,7 @@
     </p:spTree>
     <p:extLst>
       <p:ext uri="{BB962C8B-B14F-4D97-AF65-F5344CB8AC3E}">
-        <p14:creationId xmlns:p14="http://schemas.microsoft.com/office/powerpoint/2010/main" val="975076264"/>
+        <p14:creationId xmlns:p14="http://schemas.microsoft.com/office/powerpoint/2010/main" val="3687962062"/>
       </p:ext>
     </p:extLst>
   </p:cSld>
@@ -817,154 +876,6 @@
           <a:bodyPr/>
           <a:lstStyle/>
           <a:p>
-            <a:pPr marL="0" marR="0" lvl="0" indent="0" algn="l" defTabSz="914400" rtl="0" eaLnBrk="1" fontAlgn="auto" latinLnBrk="0" hangingPunct="1">
-              <a:lnSpc>
-                <a:spcPct val="100000"/>
-              </a:lnSpc>
-              <a:spcBef>
-                <a:spcPts val="0"/>
-              </a:spcBef>
-              <a:spcAft>
-                <a:spcPts val="0"/>
-              </a:spcAft>
-              <a:buClrTx/>
-              <a:buSzTx/>
-              <a:buFontTx/>
-              <a:buNone/>
-              <a:tabLst/>
-              <a:defRPr/>
-            </a:pPr>
-            <a:r>
-              <a:rPr lang="en-US" sz="1200" dirty="0">
-                <a:effectLst/>
-                <a:latin typeface="Arial" panose="020B0604020202020204" pitchFamily="34" charset="0"/>
-                <a:ea typeface="Times New Roman" panose="02020603050405020304" pitchFamily="18" charset="0"/>
-              </a:rPr>
-              <a:t>Para Maslach, Schaufeli, Leiter (2001), o burnout é </a:t>
-            </a:r>
-            <a:r>
-              <a:rPr lang="pt-BR" sz="1200" dirty="0">
-                <a:effectLst/>
-                <a:latin typeface="Arial" panose="020B0604020202020204" pitchFamily="34" charset="0"/>
-                <a:ea typeface="Times New Roman" panose="02020603050405020304" pitchFamily="18" charset="0"/>
-              </a:rPr>
-              <a:t>constituído</a:t>
-            </a:r>
-            <a:r>
-              <a:rPr lang="en-US" sz="1200" dirty="0">
-                <a:effectLst/>
-                <a:latin typeface="Arial" panose="020B0604020202020204" pitchFamily="34" charset="0"/>
-                <a:ea typeface="Times New Roman" panose="02020603050405020304" pitchFamily="18" charset="0"/>
-              </a:rPr>
-              <a:t> por </a:t>
-            </a:r>
-            <a:r>
-              <a:rPr lang="pt-BR" sz="1200" dirty="0">
-                <a:effectLst/>
-                <a:latin typeface="Arial" panose="020B0604020202020204" pitchFamily="34" charset="0"/>
-                <a:ea typeface="Times New Roman" panose="02020603050405020304" pitchFamily="18" charset="0"/>
-              </a:rPr>
-              <a:t>três</a:t>
-            </a:r>
-            <a:r>
-              <a:rPr lang="en-US" sz="1200" dirty="0">
-                <a:effectLst/>
-                <a:latin typeface="Arial" panose="020B0604020202020204" pitchFamily="34" charset="0"/>
-                <a:ea typeface="Times New Roman" panose="02020603050405020304" pitchFamily="18" charset="0"/>
-              </a:rPr>
-              <a:t> </a:t>
-            </a:r>
-            <a:r>
-              <a:rPr lang="en-US" sz="1200" dirty="0" err="1">
-                <a:effectLst/>
-                <a:latin typeface="Arial" panose="020B0604020202020204" pitchFamily="34" charset="0"/>
-                <a:ea typeface="Times New Roman" panose="02020603050405020304" pitchFamily="18" charset="0"/>
-              </a:rPr>
-              <a:t>dimensões</a:t>
-            </a:r>
-            <a:r>
-              <a:rPr lang="en-US" sz="1200" dirty="0">
-                <a:effectLst/>
-                <a:latin typeface="Arial" panose="020B0604020202020204" pitchFamily="34" charset="0"/>
-                <a:ea typeface="Times New Roman" panose="02020603050405020304" pitchFamily="18" charset="0"/>
-              </a:rPr>
-              <a:t> que </a:t>
-            </a:r>
-            <a:r>
-              <a:rPr lang="en-US" sz="1200" dirty="0" err="1">
-                <a:effectLst/>
-                <a:latin typeface="Arial" panose="020B0604020202020204" pitchFamily="34" charset="0"/>
-                <a:ea typeface="Times New Roman" panose="02020603050405020304" pitchFamily="18" charset="0"/>
-              </a:rPr>
-              <a:t>estão</a:t>
-            </a:r>
-            <a:r>
-              <a:rPr lang="en-US" sz="1200" dirty="0">
-                <a:effectLst/>
-                <a:latin typeface="Arial" panose="020B0604020202020204" pitchFamily="34" charset="0"/>
-                <a:ea typeface="Times New Roman" panose="02020603050405020304" pitchFamily="18" charset="0"/>
-              </a:rPr>
-              <a:t> </a:t>
-            </a:r>
-            <a:r>
-              <a:rPr lang="en-US" sz="1200" dirty="0" err="1">
-                <a:effectLst/>
-                <a:latin typeface="Arial" panose="020B0604020202020204" pitchFamily="34" charset="0"/>
-                <a:ea typeface="Times New Roman" panose="02020603050405020304" pitchFamily="18" charset="0"/>
-              </a:rPr>
-              <a:t>relacionadas</a:t>
-            </a:r>
-            <a:r>
-              <a:rPr lang="en-US" sz="1200" dirty="0">
-                <a:effectLst/>
-                <a:latin typeface="Arial" panose="020B0604020202020204" pitchFamily="34" charset="0"/>
-                <a:ea typeface="Times New Roman" panose="02020603050405020304" pitchFamily="18" charset="0"/>
-              </a:rPr>
-              <a:t>, mas </a:t>
-            </a:r>
-            <a:r>
-              <a:rPr lang="en-US" sz="1200" dirty="0" err="1">
-                <a:effectLst/>
-                <a:latin typeface="Arial" panose="020B0604020202020204" pitchFamily="34" charset="0"/>
-                <a:ea typeface="Times New Roman" panose="02020603050405020304" pitchFamily="18" charset="0"/>
-              </a:rPr>
-              <a:t>atuam</a:t>
-            </a:r>
-            <a:r>
-              <a:rPr lang="en-US" sz="1200" dirty="0">
-                <a:effectLst/>
-                <a:latin typeface="Arial" panose="020B0604020202020204" pitchFamily="34" charset="0"/>
-                <a:ea typeface="Times New Roman" panose="02020603050405020304" pitchFamily="18" charset="0"/>
-              </a:rPr>
-              <a:t> de forma </a:t>
-            </a:r>
-            <a:r>
-              <a:rPr lang="en-US" sz="1200" dirty="0" err="1">
-                <a:effectLst/>
-                <a:latin typeface="Arial" panose="020B0604020202020204" pitchFamily="34" charset="0"/>
-                <a:ea typeface="Times New Roman" panose="02020603050405020304" pitchFamily="18" charset="0"/>
-              </a:rPr>
-              <a:t>independente</a:t>
-            </a:r>
-            <a:r>
-              <a:rPr lang="en-US" sz="1200" dirty="0">
-                <a:effectLst/>
-                <a:latin typeface="Arial" panose="020B0604020202020204" pitchFamily="34" charset="0"/>
-                <a:ea typeface="Times New Roman" panose="02020603050405020304" pitchFamily="18" charset="0"/>
-              </a:rPr>
-              <a:t>. </a:t>
-            </a:r>
-            <a:r>
-              <a:rPr lang="pt-BR" sz="1200" dirty="0">
-                <a:effectLst/>
-                <a:latin typeface="Arial" panose="020B0604020202020204" pitchFamily="34" charset="0"/>
-                <a:ea typeface="Times New Roman" panose="02020603050405020304" pitchFamily="18" charset="0"/>
-              </a:rPr>
-              <a:t>A primeira dimensão é a de exaustão emocional que tem como principal característica a ausência ou carência de entusiasmo e energia, além de sentimento de esgotamento de recursos pelo indivíduo.</a:t>
-            </a:r>
-            <a:endParaRPr lang="pt-BR" dirty="0"/>
-          </a:p>
-          <a:p>
             <a:endParaRPr lang="pt-BR" dirty="0"/>
           </a:p>
         </p:txBody>
@@ -986,7 +897,7 @@
           <a:p>
             <a:fld id="{8D0A50E8-F985-49B9-B26F-7854039BF0DF}" type="slidenum">
               <a:rPr lang="pt-BR" smtClean="0"/>
-              <a:t>40</a:t>
+              <a:t>36</a:t>
             </a:fld>
             <a:endParaRPr lang="pt-BR"/>
           </a:p>
@@ -995,7 +906,7 @@
     </p:spTree>
     <p:extLst>
       <p:ext uri="{BB962C8B-B14F-4D97-AF65-F5344CB8AC3E}">
-        <p14:creationId xmlns:p14="http://schemas.microsoft.com/office/powerpoint/2010/main" val="2534824765"/>
+        <p14:creationId xmlns:p14="http://schemas.microsoft.com/office/powerpoint/2010/main" val="975076264"/>
       </p:ext>
     </p:extLst>
   </p:cSld>
@@ -1049,56 +960,164 @@
           <a:bodyPr/>
           <a:lstStyle/>
           <a:p>
-            <a:pPr indent="270510" algn="just">
+            <a:pPr marL="0" marR="0" lvl="0" indent="0" algn="l" defTabSz="914400" rtl="0" eaLnBrk="1" fontAlgn="auto" latinLnBrk="0" hangingPunct="1">
               <a:lnSpc>
-                <a:spcPct val="150000"/>
+                <a:spcPct val="100000"/>
               </a:lnSpc>
+              <a:spcBef>
+                <a:spcPts val="0"/>
+              </a:spcBef>
               <a:spcAft>
-                <a:spcPts val="600"/>
+                <a:spcPts val="0"/>
               </a:spcAft>
+              <a:buClrTx/>
+              <a:buSzTx/>
+              <a:buFontTx/>
+              <a:buNone/>
+              <a:tabLst/>
+              <a:defRPr/>
             </a:pPr>
             <a:r>
+              <a:rPr lang="en-US" sz="1200" dirty="0">
+                <a:effectLst/>
+                <a:latin typeface="Arial" panose="020B0604020202020204" pitchFamily="34" charset="0"/>
+                <a:ea typeface="Times New Roman" panose="02020603050405020304" pitchFamily="18" charset="0"/>
+              </a:rPr>
+              <a:t>Para Maslach, Schaufeli, Leiter (2001), o burnout é </a:t>
+            </a:r>
+            <a:r>
               <a:rPr lang="pt-BR" sz="1200" dirty="0">
                 <a:effectLst/>
                 <a:latin typeface="Arial" panose="020B0604020202020204" pitchFamily="34" charset="0"/>
                 <a:ea typeface="Times New Roman" panose="02020603050405020304" pitchFamily="18" charset="0"/>
-                <a:cs typeface="Times New Roman" panose="02020603050405020304" pitchFamily="18" charset="0"/>
-              </a:rPr>
-              <a:t>Os indivíduos se sentem insatisfeitos com seu desenvolvimento profissional e, infelizes consigo, experimentando um sentimento de que são incompetentes ao realizar seu trabalho, o</a:t>
+              </a:rPr>
+              <a:t>constituído</a:t>
+            </a:r>
+            <a:r>
+              <a:rPr lang="en-US" sz="1200" dirty="0">
+                <a:effectLst/>
+                <a:latin typeface="Arial" panose="020B0604020202020204" pitchFamily="34" charset="0"/>
+                <a:ea typeface="Times New Roman" panose="02020603050405020304" pitchFamily="18" charset="0"/>
+              </a:rPr>
+              <a:t> por </a:t>
             </a:r>
             <a:r>
               <a:rPr lang="pt-BR" sz="1200" dirty="0">
                 <a:effectLst/>
                 <a:latin typeface="Arial" panose="020B0604020202020204" pitchFamily="34" charset="0"/>
-                <a:ea typeface="Calibri" panose="020F0502020204030204" pitchFamily="34" charset="0"/>
-                <a:cs typeface="Times New Roman" panose="02020603050405020304" pitchFamily="18" charset="0"/>
-              </a:rPr>
-              <a:t>u seja, as pessoas experimentam um sentimento crescente de que não têm habilidades e capacidades para realizar adequadamente seu trabalho. </a:t>
-            </a:r>
-            <a:endParaRPr lang="pt-BR" sz="1200" dirty="0">
-              <a:effectLst/>
-              <a:latin typeface="Times" panose="02020603050405020304" pitchFamily="18" charset="0"/>
-              <a:ea typeface="Times New Roman" panose="02020603050405020304" pitchFamily="18" charset="0"/>
-              <a:cs typeface="Times New Roman" panose="02020603050405020304" pitchFamily="18" charset="0"/>
-            </a:endParaRPr>
-          </a:p>
-          <a:p>
-            <a:pPr indent="270510" algn="just">
-              <a:lnSpc>
-                <a:spcPct val="150000"/>
-              </a:lnSpc>
-              <a:spcAft>
-                <a:spcPts val="600"/>
-              </a:spcAft>
-            </a:pPr>
-            <a:endParaRPr lang="pt-BR" sz="1200" dirty="0">
-              <a:effectLst/>
-              <a:latin typeface="Times" panose="02020603050405020304" pitchFamily="18" charset="0"/>
-              <a:ea typeface="Times New Roman" panose="02020603050405020304" pitchFamily="18" charset="0"/>
-              <a:cs typeface="Times New Roman" panose="02020603050405020304" pitchFamily="18" charset="0"/>
-            </a:endParaRPr>
-          </a:p>
-          <a:p>
+                <a:ea typeface="Times New Roman" panose="02020603050405020304" pitchFamily="18" charset="0"/>
+              </a:rPr>
+              <a:t>três</a:t>
+            </a:r>
+            <a:r>
+              <a:rPr lang="en-US" sz="1200" dirty="0">
+                <a:effectLst/>
+                <a:latin typeface="Arial" panose="020B0604020202020204" pitchFamily="34" charset="0"/>
+                <a:ea typeface="Times New Roman" panose="02020603050405020304" pitchFamily="18" charset="0"/>
+              </a:rPr>
+              <a:t> </a:t>
+            </a:r>
+            <a:r>
+              <a:rPr lang="en-US" sz="1200" dirty="0" err="1">
+                <a:effectLst/>
+                <a:latin typeface="Arial" panose="020B0604020202020204" pitchFamily="34" charset="0"/>
+                <a:ea typeface="Times New Roman" panose="02020603050405020304" pitchFamily="18" charset="0"/>
+              </a:rPr>
+              <a:t>dimensões</a:t>
+            </a:r>
+            <a:r>
+              <a:rPr lang="en-US" sz="1200" dirty="0">
+                <a:effectLst/>
+                <a:latin typeface="Arial" panose="020B0604020202020204" pitchFamily="34" charset="0"/>
+                <a:ea typeface="Times New Roman" panose="02020603050405020304" pitchFamily="18" charset="0"/>
+              </a:rPr>
+              <a:t> que </a:t>
+            </a:r>
+            <a:r>
+              <a:rPr lang="en-US" sz="1200" dirty="0" err="1">
+                <a:effectLst/>
+                <a:latin typeface="Arial" panose="020B0604020202020204" pitchFamily="34" charset="0"/>
+                <a:ea typeface="Times New Roman" panose="02020603050405020304" pitchFamily="18" charset="0"/>
+              </a:rPr>
+              <a:t>estão</a:t>
+            </a:r>
+            <a:r>
+              <a:rPr lang="en-US" sz="1200" dirty="0">
+                <a:effectLst/>
+                <a:latin typeface="Arial" panose="020B0604020202020204" pitchFamily="34" charset="0"/>
+                <a:ea typeface="Times New Roman" panose="02020603050405020304" pitchFamily="18" charset="0"/>
+              </a:rPr>
+              <a:t> </a:t>
+            </a:r>
+            <a:r>
+              <a:rPr lang="en-US" sz="1200" dirty="0" err="1">
+                <a:effectLst/>
+                <a:latin typeface="Arial" panose="020B0604020202020204" pitchFamily="34" charset="0"/>
+                <a:ea typeface="Times New Roman" panose="02020603050405020304" pitchFamily="18" charset="0"/>
+              </a:rPr>
+              <a:t>relacionadas</a:t>
+            </a:r>
+            <a:r>
+              <a:rPr lang="en-US" sz="1200" dirty="0">
+                <a:effectLst/>
+                <a:latin typeface="Arial" panose="020B0604020202020204" pitchFamily="34" charset="0"/>
+                <a:ea typeface="Times New Roman" panose="02020603050405020304" pitchFamily="18" charset="0"/>
+              </a:rPr>
+              <a:t>, mas </a:t>
+            </a:r>
+            <a:r>
+              <a:rPr lang="en-US" sz="1200" dirty="0" err="1">
+                <a:effectLst/>
+                <a:latin typeface="Arial" panose="020B0604020202020204" pitchFamily="34" charset="0"/>
+                <a:ea typeface="Times New Roman" panose="02020603050405020304" pitchFamily="18" charset="0"/>
+              </a:rPr>
+              <a:t>atuam</a:t>
+            </a:r>
+            <a:r>
+              <a:rPr lang="en-US" sz="1200" dirty="0">
+                <a:effectLst/>
+                <a:latin typeface="Arial" panose="020B0604020202020204" pitchFamily="34" charset="0"/>
+                <a:ea typeface="Times New Roman" panose="02020603050405020304" pitchFamily="18" charset="0"/>
+              </a:rPr>
+              <a:t> de forma </a:t>
+            </a:r>
+            <a:r>
+              <a:rPr lang="en-US" sz="1200" dirty="0" err="1">
+                <a:effectLst/>
+                <a:latin typeface="Arial" panose="020B0604020202020204" pitchFamily="34" charset="0"/>
+                <a:ea typeface="Times New Roman" panose="02020603050405020304" pitchFamily="18" charset="0"/>
+              </a:rPr>
+              <a:t>independente</a:t>
+            </a:r>
+            <a:r>
+              <a:rPr lang="en-US" sz="1200" dirty="0">
+                <a:effectLst/>
+                <a:latin typeface="Arial" panose="020B0604020202020204" pitchFamily="34" charset="0"/>
+                <a:ea typeface="Times New Roman" panose="02020603050405020304" pitchFamily="18" charset="0"/>
+              </a:rPr>
+              <a:t>. </a:t>
+            </a:r>
+            <a:r>
+              <a:rPr lang="pt-BR" sz="1200" dirty="0">
+                <a:effectLst/>
+                <a:latin typeface="Arial" panose="020B0604020202020204" pitchFamily="34" charset="0"/>
+                <a:ea typeface="Times New Roman" panose="02020603050405020304" pitchFamily="18" charset="0"/>
+              </a:rPr>
+              <a:t>A primeira dimensão é a de exaustão emocional que tem como principal característica a ausência ou carência de entusiasmo e energia, além de sentimento de esgotamento de recursos pelo indivíduo.</a:t>
+            </a:r>
+            <a:endParaRPr lang="pt-BR" dirty="0"/>
+          </a:p>
+          <a:p>
+            <a:r>
+              <a:rPr lang="pt-BR" b="0" i="0" dirty="0">
+                <a:solidFill>
+                  <a:srgbClr val="000000"/>
+                </a:solidFill>
+                <a:effectLst/>
+                <a:latin typeface="merriweather"/>
+              </a:rPr>
+              <a:t>Por não mais conseguir lidar com os sentimentos vividos nas relações interpessoais no trabalho, o profissional, desenvolve uma insensibilidade emocional, sendo que o mesmo passa a tratar seus clientes/alunos/pacientes e colegas de trabalho como objetos e de forma fria, impessoal e massificada.</a:t>
+            </a:r>
             <a:endParaRPr lang="pt-BR" dirty="0"/>
           </a:p>
         </p:txBody>
@@ -1120,7 +1139,7 @@
           <a:p>
             <a:fld id="{8D0A50E8-F985-49B9-B26F-7854039BF0DF}" type="slidenum">
               <a:rPr lang="pt-BR" smtClean="0"/>
-              <a:t>42</a:t>
+              <a:t>40</a:t>
             </a:fld>
             <a:endParaRPr lang="pt-BR"/>
           </a:p>
@@ -1129,7 +1148,7 @@
     </p:spTree>
     <p:extLst>
       <p:ext uri="{BB962C8B-B14F-4D97-AF65-F5344CB8AC3E}">
-        <p14:creationId xmlns:p14="http://schemas.microsoft.com/office/powerpoint/2010/main" val="3200180500"/>
+        <p14:creationId xmlns:p14="http://schemas.microsoft.com/office/powerpoint/2010/main" val="2534824765"/>
       </p:ext>
     </p:extLst>
   </p:cSld>
@@ -1183,22 +1202,13 @@
           <a:bodyPr/>
           <a:lstStyle/>
           <a:p>
-            <a:pPr marL="0" marR="0" lvl="0" indent="0" algn="l" defTabSz="914400" rtl="0" eaLnBrk="1" fontAlgn="auto" latinLnBrk="0" hangingPunct="1">
+            <a:pPr indent="270510" algn="just">
               <a:lnSpc>
-                <a:spcPct val="100000"/>
+                <a:spcPct val="150000"/>
               </a:lnSpc>
-              <a:spcBef>
-                <a:spcPts val="0"/>
-              </a:spcBef>
               <a:spcAft>
-                <a:spcPts val="0"/>
+                <a:spcPts val="600"/>
               </a:spcAft>
-              <a:buClrTx/>
-              <a:buSzTx/>
-              <a:buFontTx/>
-              <a:buNone/>
-              <a:tabLst/>
-              <a:defRPr/>
             </a:pPr>
             <a:r>
               <a:rPr lang="pt-BR" sz="1200" dirty="0">
@@ -1207,7 +1217,7 @@
                 <a:ea typeface="Times New Roman" panose="02020603050405020304" pitchFamily="18" charset="0"/>
                 <a:cs typeface="Times New Roman" panose="02020603050405020304" pitchFamily="18" charset="0"/>
               </a:rPr>
-              <a:t>Isso significa que </a:t>
+              <a:t>Os indivíduos se sentem insatisfeitos com seu desenvolvimento profissional e, infelizes consigo, experimentando um sentimento de que são incompetentes ao realizar seu trabalho, o</a:t>
             </a:r>
             <a:r>
               <a:rPr lang="pt-BR" sz="1200" dirty="0">
@@ -1216,8 +1226,24 @@
                 <a:ea typeface="Calibri" panose="020F0502020204030204" pitchFamily="34" charset="0"/>
                 <a:cs typeface="Times New Roman" panose="02020603050405020304" pitchFamily="18" charset="0"/>
               </a:rPr>
-              <a:t>pode existir uma discrepância entre as habilidades dos funcionários e as expectativas de trabalho, necessitando, assim, que o indivíduo mude. </a:t>
-            </a:r>
+              <a:t>u seja, as pessoas experimentam um sentimento crescente de que não têm habilidades e capacidades para realizar adequadamente seu trabalho. </a:t>
+            </a:r>
+            <a:endParaRPr lang="pt-BR" sz="1200" dirty="0">
+              <a:effectLst/>
+              <a:latin typeface="Times" panose="02020603050405020304" pitchFamily="18" charset="0"/>
+              <a:ea typeface="Times New Roman" panose="02020603050405020304" pitchFamily="18" charset="0"/>
+              <a:cs typeface="Times New Roman" panose="02020603050405020304" pitchFamily="18" charset="0"/>
+            </a:endParaRPr>
+          </a:p>
+          <a:p>
+            <a:pPr indent="270510" algn="just">
+              <a:lnSpc>
+                <a:spcPct val="150000"/>
+              </a:lnSpc>
+              <a:spcAft>
+                <a:spcPts val="600"/>
+              </a:spcAft>
+            </a:pPr>
             <a:endParaRPr lang="pt-BR" sz="1200" dirty="0">
               <a:effectLst/>
               <a:latin typeface="Times" panose="02020603050405020304" pitchFamily="18" charset="0"/>
@@ -1247,7 +1273,7 @@
           <a:p>
             <a:fld id="{8D0A50E8-F985-49B9-B26F-7854039BF0DF}" type="slidenum">
               <a:rPr lang="pt-BR" smtClean="0"/>
-              <a:t>43</a:t>
+              <a:t>42</a:t>
             </a:fld>
             <a:endParaRPr lang="pt-BR"/>
           </a:p>
@@ -1256,7 +1282,7 @@
     </p:spTree>
     <p:extLst>
       <p:ext uri="{BB962C8B-B14F-4D97-AF65-F5344CB8AC3E}">
-        <p14:creationId xmlns:p14="http://schemas.microsoft.com/office/powerpoint/2010/main" val="335368930"/>
+        <p14:creationId xmlns:p14="http://schemas.microsoft.com/office/powerpoint/2010/main" val="3200180500"/>
       </p:ext>
     </p:extLst>
   </p:cSld>
@@ -1332,26 +1358,25 @@
                 <a:effectLst/>
                 <a:latin typeface="Arial" panose="020B0604020202020204" pitchFamily="34" charset="0"/>
                 <a:ea typeface="Times New Roman" panose="02020603050405020304" pitchFamily="18" charset="0"/>
-              </a:rPr>
-              <a:t>. De acordo com </a:t>
-            </a:r>
-            <a:r>
-              <a:rPr lang="pt-BR" sz="1200" dirty="0" err="1">
+                <a:cs typeface="Times New Roman" panose="02020603050405020304" pitchFamily="18" charset="0"/>
+              </a:rPr>
+              <a:t>Isso significa que </a:t>
+            </a:r>
+            <a:r>
+              <a:rPr lang="pt-BR" sz="1200" dirty="0">
                 <a:effectLst/>
                 <a:latin typeface="Arial" panose="020B0604020202020204" pitchFamily="34" charset="0"/>
-                <a:ea typeface="Times New Roman" panose="02020603050405020304" pitchFamily="18" charset="0"/>
-              </a:rPr>
-              <a:t>Cullen</a:t>
-            </a:r>
-            <a:r>
-              <a:rPr lang="pt-BR" sz="1200" dirty="0">
-                <a:effectLst/>
-                <a:latin typeface="Arial" panose="020B0604020202020204" pitchFamily="34" charset="0"/>
-                <a:ea typeface="Times New Roman" panose="02020603050405020304" pitchFamily="18" charset="0"/>
-              </a:rPr>
-              <a:t> et al. (2014), adaptabilidade individual influencia a maneira como os indivíduos interpretam e respondem a uma situação. Para os autores, indivíduos mais adaptáveis são mais propensos a perceber as situações de maneira positiva. Por exemplo, os indivíduos visualizam o fato de aprender algo novo como um desafio e não como algo estressante ou negativo (CULLEN et al. 2014). </a:t>
-            </a:r>
-            <a:endParaRPr lang="pt-BR" dirty="0"/>
+                <a:ea typeface="Calibri" panose="020F0502020204030204" pitchFamily="34" charset="0"/>
+                <a:cs typeface="Times New Roman" panose="02020603050405020304" pitchFamily="18" charset="0"/>
+              </a:rPr>
+              <a:t>pode existir uma discrepância entre as habilidades dos funcionários e as expectativas de trabalho, necessitando, assim, que o indivíduo mude. </a:t>
+            </a:r>
+            <a:endParaRPr lang="pt-BR" sz="1200" dirty="0">
+              <a:effectLst/>
+              <a:latin typeface="Times" panose="02020603050405020304" pitchFamily="18" charset="0"/>
+              <a:ea typeface="Times New Roman" panose="02020603050405020304" pitchFamily="18" charset="0"/>
+              <a:cs typeface="Times New Roman" panose="02020603050405020304" pitchFamily="18" charset="0"/>
+            </a:endParaRPr>
           </a:p>
           <a:p>
             <a:endParaRPr lang="pt-BR" dirty="0"/>
@@ -1375,7 +1400,7 @@
           <a:p>
             <a:fld id="{8D0A50E8-F985-49B9-B26F-7854039BF0DF}" type="slidenum">
               <a:rPr lang="pt-BR" smtClean="0"/>
-              <a:t>46</a:t>
+              <a:t>43</a:t>
             </a:fld>
             <a:endParaRPr lang="pt-BR"/>
           </a:p>
@@ -1384,7 +1409,7 @@
     </p:spTree>
     <p:extLst>
       <p:ext uri="{BB962C8B-B14F-4D97-AF65-F5344CB8AC3E}">
-        <p14:creationId xmlns:p14="http://schemas.microsoft.com/office/powerpoint/2010/main" val="3388615841"/>
+        <p14:creationId xmlns:p14="http://schemas.microsoft.com/office/powerpoint/2010/main" val="335368930"/>
       </p:ext>
     </p:extLst>
   </p:cSld>
@@ -1459,89 +1484,27 @@
               <a:rPr lang="pt-BR" sz="1200" dirty="0">
                 <a:effectLst/>
                 <a:latin typeface="Arial" panose="020B0604020202020204" pitchFamily="34" charset="0"/>
-                <a:ea typeface="Calibri" panose="020F0502020204030204" pitchFamily="34" charset="0"/>
-                <a:cs typeface="Times New Roman" panose="02020603050405020304" pitchFamily="18" charset="0"/>
-              </a:rPr>
-              <a:t>Para </a:t>
+                <a:ea typeface="Times New Roman" panose="02020603050405020304" pitchFamily="18" charset="0"/>
+              </a:rPr>
+              <a:t>. De acordo com </a:t>
             </a:r>
             <a:r>
               <a:rPr lang="pt-BR" sz="1200" dirty="0" err="1">
                 <a:effectLst/>
                 <a:latin typeface="Arial" panose="020B0604020202020204" pitchFamily="34" charset="0"/>
-                <a:ea typeface="Calibri" panose="020F0502020204030204" pitchFamily="34" charset="0"/>
-                <a:cs typeface="Times New Roman" panose="02020603050405020304" pitchFamily="18" charset="0"/>
-              </a:rPr>
-              <a:t>Maslach</a:t>
+                <a:ea typeface="Times New Roman" panose="02020603050405020304" pitchFamily="18" charset="0"/>
+              </a:rPr>
+              <a:t>Cullen</a:t>
             </a:r>
             <a:r>
               <a:rPr lang="pt-BR" sz="1200" dirty="0">
                 <a:effectLst/>
                 <a:latin typeface="Arial" panose="020B0604020202020204" pitchFamily="34" charset="0"/>
-                <a:ea typeface="Calibri" panose="020F0502020204030204" pitchFamily="34" charset="0"/>
-                <a:cs typeface="Times New Roman" panose="02020603050405020304" pitchFamily="18" charset="0"/>
-              </a:rPr>
-              <a:t> e </a:t>
-            </a:r>
-            <a:r>
-              <a:rPr lang="pt-BR" sz="1200" dirty="0" err="1">
-                <a:effectLst/>
-                <a:latin typeface="Arial" panose="020B0604020202020204" pitchFamily="34" charset="0"/>
-                <a:ea typeface="Calibri" panose="020F0502020204030204" pitchFamily="34" charset="0"/>
-                <a:cs typeface="Times New Roman" panose="02020603050405020304" pitchFamily="18" charset="0"/>
-              </a:rPr>
-              <a:t>Leiter</a:t>
-            </a:r>
-            <a:r>
-              <a:rPr lang="pt-BR" sz="1200" dirty="0">
-                <a:effectLst/>
-                <a:latin typeface="Arial" panose="020B0604020202020204" pitchFamily="34" charset="0"/>
-                <a:ea typeface="Calibri" panose="020F0502020204030204" pitchFamily="34" charset="0"/>
-                <a:cs typeface="Times New Roman" panose="02020603050405020304" pitchFamily="18" charset="0"/>
-              </a:rPr>
-              <a:t> (2016), o burnout reflete uma incompatibilidade do design do trabalho com as preferências dos padrões de trabalho dos indivíduos e esse conflito é exaustivo, levando à retirada cínica e ao desânimo. Além disso, para </a:t>
-            </a:r>
-            <a:r>
-              <a:rPr lang="pt-BR" sz="1200" dirty="0" err="1">
-                <a:effectLst/>
-                <a:latin typeface="Arial" panose="020B0604020202020204" pitchFamily="34" charset="0"/>
-                <a:ea typeface="Calibri" panose="020F0502020204030204" pitchFamily="34" charset="0"/>
-                <a:cs typeface="Times New Roman" panose="02020603050405020304" pitchFamily="18" charset="0"/>
-              </a:rPr>
-              <a:t>Maslach</a:t>
-            </a:r>
-            <a:r>
-              <a:rPr lang="pt-BR" sz="1200" dirty="0">
-                <a:effectLst/>
-                <a:latin typeface="Arial" panose="020B0604020202020204" pitchFamily="34" charset="0"/>
-                <a:ea typeface="Calibri" panose="020F0502020204030204" pitchFamily="34" charset="0"/>
-                <a:cs typeface="Times New Roman" panose="02020603050405020304" pitchFamily="18" charset="0"/>
-              </a:rPr>
-              <a:t> e </a:t>
-            </a:r>
-            <a:r>
-              <a:rPr lang="pt-BR" sz="1200" dirty="0" err="1">
-                <a:effectLst/>
-                <a:latin typeface="Arial" panose="020B0604020202020204" pitchFamily="34" charset="0"/>
-                <a:ea typeface="Calibri" panose="020F0502020204030204" pitchFamily="34" charset="0"/>
-                <a:cs typeface="Times New Roman" panose="02020603050405020304" pitchFamily="18" charset="0"/>
-              </a:rPr>
-              <a:t>Leiter</a:t>
-            </a:r>
-            <a:r>
-              <a:rPr lang="pt-BR" sz="1200" dirty="0">
-                <a:effectLst/>
-                <a:latin typeface="Arial" panose="020B0604020202020204" pitchFamily="34" charset="0"/>
-                <a:ea typeface="Calibri" panose="020F0502020204030204" pitchFamily="34" charset="0"/>
-                <a:cs typeface="Times New Roman" panose="02020603050405020304" pitchFamily="18" charset="0"/>
-              </a:rPr>
-              <a:t> (2016), existem duas maneiras gerais de atacar o burnout do trabalho. A primeira é ajustar o design de trabalho para os indivíduos. Já a segunda consiste em desenvolver alternativas para que os membros da equipe possam tolerar as incompatibilidades do design do trabalho. É possível supor então que os membros precisem se adaptar ao design do trabalho. </a:t>
-            </a:r>
-            <a:endParaRPr lang="pt-BR" sz="1200" dirty="0">
-              <a:effectLst/>
-              <a:latin typeface="Times" panose="02020603050405020304" pitchFamily="18" charset="0"/>
-              <a:ea typeface="Times New Roman" panose="02020603050405020304" pitchFamily="18" charset="0"/>
-              <a:cs typeface="Times New Roman" panose="02020603050405020304" pitchFamily="18" charset="0"/>
-            </a:endParaRPr>
+                <a:ea typeface="Times New Roman" panose="02020603050405020304" pitchFamily="18" charset="0"/>
+              </a:rPr>
+              <a:t> et al. (2014), adaptabilidade individual influencia a maneira como os indivíduos interpretam e respondem a uma situação. Para os autores, indivíduos mais adaptáveis são mais propensos a perceber as situações de maneira positiva. Por exemplo, os indivíduos visualizam o fato de aprender algo novo como um desafio e não como algo estressante ou negativo (CULLEN et al. 2014). </a:t>
+            </a:r>
+            <a:endParaRPr lang="pt-BR" dirty="0"/>
           </a:p>
           <a:p>
             <a:endParaRPr lang="pt-BR" dirty="0"/>
@@ -1565,7 +1528,7 @@
           <a:p>
             <a:fld id="{8D0A50E8-F985-49B9-B26F-7854039BF0DF}" type="slidenum">
               <a:rPr lang="pt-BR" smtClean="0"/>
-              <a:t>47</a:t>
+              <a:t>46</a:t>
             </a:fld>
             <a:endParaRPr lang="pt-BR"/>
           </a:p>
@@ -1574,7 +1537,7 @@
     </p:spTree>
     <p:extLst>
       <p:ext uri="{BB962C8B-B14F-4D97-AF65-F5344CB8AC3E}">
-        <p14:creationId xmlns:p14="http://schemas.microsoft.com/office/powerpoint/2010/main" val="1345043657"/>
+        <p14:creationId xmlns:p14="http://schemas.microsoft.com/office/powerpoint/2010/main" val="3388615841"/>
       </p:ext>
     </p:extLst>
   </p:cSld>
@@ -1755,7 +1718,7 @@
           <a:p>
             <a:fld id="{8D0A50E8-F985-49B9-B26F-7854039BF0DF}" type="slidenum">
               <a:rPr lang="pt-BR" smtClean="0"/>
-              <a:t>48</a:t>
+              <a:t>47</a:t>
             </a:fld>
             <a:endParaRPr lang="pt-BR"/>
           </a:p>
@@ -1764,7 +1727,7 @@
     </p:spTree>
     <p:extLst>
       <p:ext uri="{BB962C8B-B14F-4D97-AF65-F5344CB8AC3E}">
-        <p14:creationId xmlns:p14="http://schemas.microsoft.com/office/powerpoint/2010/main" val="2805288971"/>
+        <p14:creationId xmlns:p14="http://schemas.microsoft.com/office/powerpoint/2010/main" val="1345043657"/>
       </p:ext>
     </p:extLst>
   </p:cSld>
@@ -1945,7 +1908,7 @@
           <a:p>
             <a:fld id="{8D0A50E8-F985-49B9-B26F-7854039BF0DF}" type="slidenum">
               <a:rPr lang="pt-BR" smtClean="0"/>
-              <a:t>49</a:t>
+              <a:t>48</a:t>
             </a:fld>
             <a:endParaRPr lang="pt-BR"/>
           </a:p>
@@ -1954,7 +1917,7 @@
     </p:spTree>
     <p:extLst>
       <p:ext uri="{BB962C8B-B14F-4D97-AF65-F5344CB8AC3E}">
-        <p14:creationId xmlns:p14="http://schemas.microsoft.com/office/powerpoint/2010/main" val="3605552685"/>
+        <p14:creationId xmlns:p14="http://schemas.microsoft.com/office/powerpoint/2010/main" val="2805288971"/>
       </p:ext>
     </p:extLst>
   </p:cSld>
@@ -2135,7 +2098,7 @@
           <a:p>
             <a:fld id="{8D0A50E8-F985-49B9-B26F-7854039BF0DF}" type="slidenum">
               <a:rPr lang="pt-BR" smtClean="0"/>
-              <a:t>50</a:t>
+              <a:t>49</a:t>
             </a:fld>
             <a:endParaRPr lang="pt-BR"/>
           </a:p>
@@ -2144,7 +2107,7 @@
     </p:spTree>
     <p:extLst>
       <p:ext uri="{BB962C8B-B14F-4D97-AF65-F5344CB8AC3E}">
-        <p14:creationId xmlns:p14="http://schemas.microsoft.com/office/powerpoint/2010/main" val="3440896949"/>
+        <p14:creationId xmlns:p14="http://schemas.microsoft.com/office/powerpoint/2010/main" val="3605552685"/>
       </p:ext>
     </p:extLst>
   </p:cSld>
@@ -2198,6 +2161,112 @@
           <a:bodyPr/>
           <a:lstStyle/>
           <a:p>
+            <a:pPr marL="0" marR="0" lvl="0" indent="0" algn="l" defTabSz="914400" rtl="0" eaLnBrk="1" fontAlgn="auto" latinLnBrk="0" hangingPunct="1">
+              <a:lnSpc>
+                <a:spcPct val="100000"/>
+              </a:lnSpc>
+              <a:spcBef>
+                <a:spcPts val="0"/>
+              </a:spcBef>
+              <a:spcAft>
+                <a:spcPts val="0"/>
+              </a:spcAft>
+              <a:buClrTx/>
+              <a:buSzTx/>
+              <a:buFontTx/>
+              <a:buNone/>
+              <a:tabLst/>
+              <a:defRPr/>
+            </a:pPr>
+            <a:r>
+              <a:rPr lang="pt-BR" sz="1200" dirty="0">
+                <a:effectLst/>
+                <a:latin typeface="Arial" panose="020B0604020202020204" pitchFamily="34" charset="0"/>
+                <a:ea typeface="Calibri" panose="020F0502020204030204" pitchFamily="34" charset="0"/>
+                <a:cs typeface="Times New Roman" panose="02020603050405020304" pitchFamily="18" charset="0"/>
+              </a:rPr>
+              <a:t>Para </a:t>
+            </a:r>
+            <a:r>
+              <a:rPr lang="pt-BR" sz="1200" dirty="0" err="1">
+                <a:effectLst/>
+                <a:latin typeface="Arial" panose="020B0604020202020204" pitchFamily="34" charset="0"/>
+                <a:ea typeface="Calibri" panose="020F0502020204030204" pitchFamily="34" charset="0"/>
+                <a:cs typeface="Times New Roman" panose="02020603050405020304" pitchFamily="18" charset="0"/>
+              </a:rPr>
+              <a:t>Maslach</a:t>
+            </a:r>
+            <a:r>
+              <a:rPr lang="pt-BR" sz="1200" dirty="0">
+                <a:effectLst/>
+                <a:latin typeface="Arial" panose="020B0604020202020204" pitchFamily="34" charset="0"/>
+                <a:ea typeface="Calibri" panose="020F0502020204030204" pitchFamily="34" charset="0"/>
+                <a:cs typeface="Times New Roman" panose="02020603050405020304" pitchFamily="18" charset="0"/>
+              </a:rPr>
+              <a:t> e </a:t>
+            </a:r>
+            <a:r>
+              <a:rPr lang="pt-BR" sz="1200" dirty="0" err="1">
+                <a:effectLst/>
+                <a:latin typeface="Arial" panose="020B0604020202020204" pitchFamily="34" charset="0"/>
+                <a:ea typeface="Calibri" panose="020F0502020204030204" pitchFamily="34" charset="0"/>
+                <a:cs typeface="Times New Roman" panose="02020603050405020304" pitchFamily="18" charset="0"/>
+              </a:rPr>
+              <a:t>Leiter</a:t>
+            </a:r>
+            <a:r>
+              <a:rPr lang="pt-BR" sz="1200" dirty="0">
+                <a:effectLst/>
+                <a:latin typeface="Arial" panose="020B0604020202020204" pitchFamily="34" charset="0"/>
+                <a:ea typeface="Calibri" panose="020F0502020204030204" pitchFamily="34" charset="0"/>
+                <a:cs typeface="Times New Roman" panose="02020603050405020304" pitchFamily="18" charset="0"/>
+              </a:rPr>
+              <a:t> (2016), o burnout reflete uma incompatibilidade do design do trabalho com as preferências dos padrões de trabalho dos indivíduos e esse conflito é exaustivo, levando à retirada cínica e ao desânimo. Além disso, para </a:t>
+            </a:r>
+            <a:r>
+              <a:rPr lang="pt-BR" sz="1200" dirty="0" err="1">
+                <a:effectLst/>
+                <a:latin typeface="Arial" panose="020B0604020202020204" pitchFamily="34" charset="0"/>
+                <a:ea typeface="Calibri" panose="020F0502020204030204" pitchFamily="34" charset="0"/>
+                <a:cs typeface="Times New Roman" panose="02020603050405020304" pitchFamily="18" charset="0"/>
+              </a:rPr>
+              <a:t>Maslach</a:t>
+            </a:r>
+            <a:r>
+              <a:rPr lang="pt-BR" sz="1200" dirty="0">
+                <a:effectLst/>
+                <a:latin typeface="Arial" panose="020B0604020202020204" pitchFamily="34" charset="0"/>
+                <a:ea typeface="Calibri" panose="020F0502020204030204" pitchFamily="34" charset="0"/>
+                <a:cs typeface="Times New Roman" panose="02020603050405020304" pitchFamily="18" charset="0"/>
+              </a:rPr>
+              <a:t> e </a:t>
+            </a:r>
+            <a:r>
+              <a:rPr lang="pt-BR" sz="1200" dirty="0" err="1">
+                <a:effectLst/>
+                <a:latin typeface="Arial" panose="020B0604020202020204" pitchFamily="34" charset="0"/>
+                <a:ea typeface="Calibri" panose="020F0502020204030204" pitchFamily="34" charset="0"/>
+                <a:cs typeface="Times New Roman" panose="02020603050405020304" pitchFamily="18" charset="0"/>
+              </a:rPr>
+              <a:t>Leiter</a:t>
+            </a:r>
+            <a:r>
+              <a:rPr lang="pt-BR" sz="1200" dirty="0">
+                <a:effectLst/>
+                <a:latin typeface="Arial" panose="020B0604020202020204" pitchFamily="34" charset="0"/>
+                <a:ea typeface="Calibri" panose="020F0502020204030204" pitchFamily="34" charset="0"/>
+                <a:cs typeface="Times New Roman" panose="02020603050405020304" pitchFamily="18" charset="0"/>
+              </a:rPr>
+              <a:t> (2016), existem duas maneiras gerais de atacar o burnout do trabalho. A primeira é ajustar o design de trabalho para os indivíduos. Já a segunda consiste em desenvolver alternativas para que os membros da equipe possam tolerar as incompatibilidades do design do trabalho. É possível supor então que os membros precisem se adaptar ao design do trabalho. </a:t>
+            </a:r>
+            <a:endParaRPr lang="pt-BR" sz="1200" dirty="0">
+              <a:effectLst/>
+              <a:latin typeface="Times" panose="02020603050405020304" pitchFamily="18" charset="0"/>
+              <a:ea typeface="Times New Roman" panose="02020603050405020304" pitchFamily="18" charset="0"/>
+              <a:cs typeface="Times New Roman" panose="02020603050405020304" pitchFamily="18" charset="0"/>
+            </a:endParaRPr>
+          </a:p>
+          <a:p>
             <a:endParaRPr lang="pt-BR" dirty="0"/>
           </a:p>
         </p:txBody>
@@ -2219,7 +2288,7 @@
           <a:p>
             <a:fld id="{8D0A50E8-F985-49B9-B26F-7854039BF0DF}" type="slidenum">
               <a:rPr lang="pt-BR" smtClean="0"/>
-              <a:t>61</a:t>
+              <a:t>50</a:t>
             </a:fld>
             <a:endParaRPr lang="pt-BR"/>
           </a:p>
@@ -2228,7 +2297,7 @@
     </p:spTree>
     <p:extLst>
       <p:ext uri="{BB962C8B-B14F-4D97-AF65-F5344CB8AC3E}">
-        <p14:creationId xmlns:p14="http://schemas.microsoft.com/office/powerpoint/2010/main" val="3327415469"/>
+        <p14:creationId xmlns:p14="http://schemas.microsoft.com/office/powerpoint/2010/main" val="3440896949"/>
       </p:ext>
     </p:extLst>
   </p:cSld>
@@ -2387,6 +2456,90 @@
           <a:p>
             <a:fld id="{8D0A50E8-F985-49B9-B26F-7854039BF0DF}" type="slidenum">
               <a:rPr lang="pt-BR" smtClean="0"/>
+              <a:t>61</a:t>
+            </a:fld>
+            <a:endParaRPr lang="pt-BR"/>
+          </a:p>
+        </p:txBody>
+      </p:sp>
+    </p:spTree>
+    <p:extLst>
+      <p:ext uri="{BB962C8B-B14F-4D97-AF65-F5344CB8AC3E}">
+        <p14:creationId xmlns:p14="http://schemas.microsoft.com/office/powerpoint/2010/main" val="3327415469"/>
+      </p:ext>
+    </p:extLst>
+  </p:cSld>
+  <p:clrMapOvr>
+    <a:masterClrMapping/>
+  </p:clrMapOvr>
+</p:notes>
+</file>
+
+<file path=ppt/notesSlides/notesSlide21.xml><?xml version="1.0" encoding="utf-8"?>
+<p:notes xmlns:a="http://schemas.openxmlformats.org/drawingml/2006/main" xmlns:r="http://schemas.openxmlformats.org/officeDocument/2006/relationships" xmlns:p="http://schemas.openxmlformats.org/presentationml/2006/main">
+  <p:cSld>
+    <p:spTree>
+      <p:nvGrpSpPr>
+        <p:cNvPr id="1" name=""/>
+        <p:cNvGrpSpPr/>
+        <p:nvPr/>
+      </p:nvGrpSpPr>
+      <p:grpSpPr>
+        <a:xfrm>
+          <a:off x="0" y="0"/>
+          <a:ext cx="0" cy="0"/>
+          <a:chOff x="0" y="0"/>
+          <a:chExt cx="0" cy="0"/>
+        </a:xfrm>
+      </p:grpSpPr>
+      <p:sp>
+        <p:nvSpPr>
+          <p:cNvPr id="2" name="Espaço Reservado para Imagem de Slide 1"/>
+          <p:cNvSpPr>
+            <a:spLocks noGrp="1" noRot="1" noChangeAspect="1"/>
+          </p:cNvSpPr>
+          <p:nvPr>
+            <p:ph type="sldImg"/>
+          </p:nvPr>
+        </p:nvSpPr>
+        <p:spPr/>
+      </p:sp>
+      <p:sp>
+        <p:nvSpPr>
+          <p:cNvPr id="3" name="Espaço Reservado para Anotações 2"/>
+          <p:cNvSpPr>
+            <a:spLocks noGrp="1"/>
+          </p:cNvSpPr>
+          <p:nvPr>
+            <p:ph type="body" idx="1"/>
+          </p:nvPr>
+        </p:nvSpPr>
+        <p:spPr/>
+        <p:txBody>
+          <a:bodyPr/>
+          <a:lstStyle/>
+          <a:p>
+            <a:endParaRPr lang="pt-BR" dirty="0"/>
+          </a:p>
+        </p:txBody>
+      </p:sp>
+      <p:sp>
+        <p:nvSpPr>
+          <p:cNvPr id="4" name="Espaço Reservado para Número de Slide 3"/>
+          <p:cNvSpPr>
+            <a:spLocks noGrp="1"/>
+          </p:cNvSpPr>
+          <p:nvPr>
+            <p:ph type="sldNum" sz="quarter" idx="5"/>
+          </p:nvPr>
+        </p:nvSpPr>
+        <p:spPr/>
+        <p:txBody>
+          <a:bodyPr/>
+          <a:lstStyle/>
+          <a:p>
+            <a:fld id="{8D0A50E8-F985-49B9-B26F-7854039BF0DF}" type="slidenum">
+              <a:rPr lang="pt-BR" smtClean="0"/>
               <a:t>62</a:t>
             </a:fld>
             <a:endParaRPr lang="pt-BR"/>
@@ -2397,6 +2550,501 @@
     <p:extLst>
       <p:ext uri="{BB962C8B-B14F-4D97-AF65-F5344CB8AC3E}">
         <p14:creationId xmlns:p14="http://schemas.microsoft.com/office/powerpoint/2010/main" val="3045299647"/>
+      </p:ext>
+    </p:extLst>
+  </p:cSld>
+  <p:clrMapOvr>
+    <a:masterClrMapping/>
+  </p:clrMapOvr>
+</p:notes>
+</file>
+
+<file path=ppt/notesSlides/notesSlide22.xml><?xml version="1.0" encoding="utf-8"?>
+<p:notes xmlns:a="http://schemas.openxmlformats.org/drawingml/2006/main" xmlns:r="http://schemas.openxmlformats.org/officeDocument/2006/relationships" xmlns:p="http://schemas.openxmlformats.org/presentationml/2006/main">
+  <p:cSld>
+    <p:spTree>
+      <p:nvGrpSpPr>
+        <p:cNvPr id="1" name=""/>
+        <p:cNvGrpSpPr/>
+        <p:nvPr/>
+      </p:nvGrpSpPr>
+      <p:grpSpPr>
+        <a:xfrm>
+          <a:off x="0" y="0"/>
+          <a:ext cx="0" cy="0"/>
+          <a:chOff x="0" y="0"/>
+          <a:chExt cx="0" cy="0"/>
+        </a:xfrm>
+      </p:grpSpPr>
+      <p:sp>
+        <p:nvSpPr>
+          <p:cNvPr id="2" name="Espaço Reservado para Imagem de Slide 1"/>
+          <p:cNvSpPr>
+            <a:spLocks noGrp="1" noRot="1" noChangeAspect="1"/>
+          </p:cNvSpPr>
+          <p:nvPr>
+            <p:ph type="sldImg"/>
+          </p:nvPr>
+        </p:nvSpPr>
+        <p:spPr/>
+      </p:sp>
+      <p:sp>
+        <p:nvSpPr>
+          <p:cNvPr id="3" name="Espaço Reservado para Anotações 2"/>
+          <p:cNvSpPr>
+            <a:spLocks noGrp="1"/>
+          </p:cNvSpPr>
+          <p:nvPr>
+            <p:ph type="body" idx="1"/>
+          </p:nvPr>
+        </p:nvSpPr>
+        <p:spPr/>
+        <p:txBody>
+          <a:bodyPr/>
+          <a:lstStyle/>
+          <a:p>
+            <a:endParaRPr lang="pt-BR" dirty="0"/>
+          </a:p>
+        </p:txBody>
+      </p:sp>
+      <p:sp>
+        <p:nvSpPr>
+          <p:cNvPr id="4" name="Espaço Reservado para Número de Slide 3"/>
+          <p:cNvSpPr>
+            <a:spLocks noGrp="1"/>
+          </p:cNvSpPr>
+          <p:nvPr>
+            <p:ph type="sldNum" sz="quarter" idx="5"/>
+          </p:nvPr>
+        </p:nvSpPr>
+        <p:spPr/>
+        <p:txBody>
+          <a:bodyPr/>
+          <a:lstStyle/>
+          <a:p>
+            <a:fld id="{8D0A50E8-F985-49B9-B26F-7854039BF0DF}" type="slidenum">
+              <a:rPr lang="pt-BR" smtClean="0"/>
+              <a:t>70</a:t>
+            </a:fld>
+            <a:endParaRPr lang="pt-BR"/>
+          </a:p>
+        </p:txBody>
+      </p:sp>
+    </p:spTree>
+    <p:extLst>
+      <p:ext uri="{BB962C8B-B14F-4D97-AF65-F5344CB8AC3E}">
+        <p14:creationId xmlns:p14="http://schemas.microsoft.com/office/powerpoint/2010/main" val="2485741613"/>
+      </p:ext>
+    </p:extLst>
+  </p:cSld>
+  <p:clrMapOvr>
+    <a:masterClrMapping/>
+  </p:clrMapOvr>
+</p:notes>
+</file>
+
+<file path=ppt/notesSlides/notesSlide23.xml><?xml version="1.0" encoding="utf-8"?>
+<p:notes xmlns:a="http://schemas.openxmlformats.org/drawingml/2006/main" xmlns:r="http://schemas.openxmlformats.org/officeDocument/2006/relationships" xmlns:p="http://schemas.openxmlformats.org/presentationml/2006/main">
+  <p:cSld>
+    <p:spTree>
+      <p:nvGrpSpPr>
+        <p:cNvPr id="1" name=""/>
+        <p:cNvGrpSpPr/>
+        <p:nvPr/>
+      </p:nvGrpSpPr>
+      <p:grpSpPr>
+        <a:xfrm>
+          <a:off x="0" y="0"/>
+          <a:ext cx="0" cy="0"/>
+          <a:chOff x="0" y="0"/>
+          <a:chExt cx="0" cy="0"/>
+        </a:xfrm>
+      </p:grpSpPr>
+      <p:sp>
+        <p:nvSpPr>
+          <p:cNvPr id="2" name="Espaço Reservado para Imagem de Slide 1"/>
+          <p:cNvSpPr>
+            <a:spLocks noGrp="1" noRot="1" noChangeAspect="1"/>
+          </p:cNvSpPr>
+          <p:nvPr>
+            <p:ph type="sldImg"/>
+          </p:nvPr>
+        </p:nvSpPr>
+        <p:spPr/>
+      </p:sp>
+      <p:sp>
+        <p:nvSpPr>
+          <p:cNvPr id="3" name="Espaço Reservado para Anotações 2"/>
+          <p:cNvSpPr>
+            <a:spLocks noGrp="1"/>
+          </p:cNvSpPr>
+          <p:nvPr>
+            <p:ph type="body" idx="1"/>
+          </p:nvPr>
+        </p:nvSpPr>
+        <p:spPr/>
+        <p:txBody>
+          <a:bodyPr/>
+          <a:lstStyle/>
+          <a:p>
+            <a:pPr marL="0" marR="0" lvl="0" indent="0" algn="l" defTabSz="914400" rtl="0" eaLnBrk="1" fontAlgn="auto" latinLnBrk="0" hangingPunct="1">
+              <a:lnSpc>
+                <a:spcPct val="100000"/>
+              </a:lnSpc>
+              <a:spcBef>
+                <a:spcPts val="0"/>
+              </a:spcBef>
+              <a:spcAft>
+                <a:spcPts val="0"/>
+              </a:spcAft>
+              <a:buClrTx/>
+              <a:buSzTx/>
+              <a:buFontTx/>
+              <a:buNone/>
+              <a:tabLst/>
+              <a:defRPr/>
+            </a:pPr>
+            <a:r>
+              <a:rPr lang="pt-BR" sz="1800" dirty="0">
+                <a:effectLst/>
+                <a:latin typeface="Arial" panose="020B0604020202020204" pitchFamily="34" charset="0"/>
+                <a:ea typeface="Times New Roman" panose="02020603050405020304" pitchFamily="18" charset="0"/>
+                <a:cs typeface="Times New Roman" panose="02020603050405020304" pitchFamily="18" charset="0"/>
+              </a:rPr>
+              <a:t>Pode-se observar que os valores da variância média extraída estão abaixo do valor de referência. Todavia, se a AVE for menor que 0,5, mas a confiabilidade composta for superior a 0,6, a validade convergente do constructo ainda é adequada (FORNELL; LARCKER, 1981; LAM, 2012; SALKIND, 2010). </a:t>
+            </a:r>
+            <a:endParaRPr lang="pt-BR" sz="1800" dirty="0">
+              <a:effectLst/>
+              <a:latin typeface="Times" panose="02020603050405020304" pitchFamily="18" charset="0"/>
+              <a:ea typeface="Times New Roman" panose="02020603050405020304" pitchFamily="18" charset="0"/>
+              <a:cs typeface="Times New Roman" panose="02020603050405020304" pitchFamily="18" charset="0"/>
+            </a:endParaRPr>
+          </a:p>
+          <a:p>
+            <a:endParaRPr lang="pt-BR" dirty="0"/>
+          </a:p>
+        </p:txBody>
+      </p:sp>
+      <p:sp>
+        <p:nvSpPr>
+          <p:cNvPr id="4" name="Espaço Reservado para Número de Slide 3"/>
+          <p:cNvSpPr>
+            <a:spLocks noGrp="1"/>
+          </p:cNvSpPr>
+          <p:nvPr>
+            <p:ph type="sldNum" sz="quarter" idx="5"/>
+          </p:nvPr>
+        </p:nvSpPr>
+        <p:spPr/>
+        <p:txBody>
+          <a:bodyPr/>
+          <a:lstStyle/>
+          <a:p>
+            <a:fld id="{8D0A50E8-F985-49B9-B26F-7854039BF0DF}" type="slidenum">
+              <a:rPr lang="pt-BR" smtClean="0"/>
+              <a:t>74</a:t>
+            </a:fld>
+            <a:endParaRPr lang="pt-BR"/>
+          </a:p>
+        </p:txBody>
+      </p:sp>
+    </p:spTree>
+    <p:extLst>
+      <p:ext uri="{BB962C8B-B14F-4D97-AF65-F5344CB8AC3E}">
+        <p14:creationId xmlns:p14="http://schemas.microsoft.com/office/powerpoint/2010/main" val="3853497751"/>
+      </p:ext>
+    </p:extLst>
+  </p:cSld>
+  <p:clrMapOvr>
+    <a:masterClrMapping/>
+  </p:clrMapOvr>
+</p:notes>
+</file>
+
+<file path=ppt/notesSlides/notesSlide24.xml><?xml version="1.0" encoding="utf-8"?>
+<p:notes xmlns:a="http://schemas.openxmlformats.org/drawingml/2006/main" xmlns:r="http://schemas.openxmlformats.org/officeDocument/2006/relationships" xmlns:p="http://schemas.openxmlformats.org/presentationml/2006/main">
+  <p:cSld>
+    <p:spTree>
+      <p:nvGrpSpPr>
+        <p:cNvPr id="1" name=""/>
+        <p:cNvGrpSpPr/>
+        <p:nvPr/>
+      </p:nvGrpSpPr>
+      <p:grpSpPr>
+        <a:xfrm>
+          <a:off x="0" y="0"/>
+          <a:ext cx="0" cy="0"/>
+          <a:chOff x="0" y="0"/>
+          <a:chExt cx="0" cy="0"/>
+        </a:xfrm>
+      </p:grpSpPr>
+      <p:sp>
+        <p:nvSpPr>
+          <p:cNvPr id="2" name="Espaço Reservado para Imagem de Slide 1"/>
+          <p:cNvSpPr>
+            <a:spLocks noGrp="1" noRot="1" noChangeAspect="1"/>
+          </p:cNvSpPr>
+          <p:nvPr>
+            <p:ph type="sldImg"/>
+          </p:nvPr>
+        </p:nvSpPr>
+        <p:spPr/>
+      </p:sp>
+      <p:sp>
+        <p:nvSpPr>
+          <p:cNvPr id="3" name="Espaço Reservado para Anotações 2"/>
+          <p:cNvSpPr>
+            <a:spLocks noGrp="1"/>
+          </p:cNvSpPr>
+          <p:nvPr>
+            <p:ph type="body" idx="1"/>
+          </p:nvPr>
+        </p:nvSpPr>
+        <p:spPr/>
+        <p:txBody>
+          <a:bodyPr/>
+          <a:lstStyle/>
+          <a:p>
+            <a:r>
+              <a:rPr lang="pt-BR" sz="1800" dirty="0">
+                <a:solidFill>
+                  <a:srgbClr val="111111"/>
+                </a:solidFill>
+                <a:effectLst/>
+                <a:latin typeface="Arial" panose="020B0604020202020204" pitchFamily="34" charset="0"/>
+                <a:ea typeface="Times New Roman" panose="02020603050405020304" pitchFamily="18" charset="0"/>
+              </a:rPr>
+              <a:t>Para a análise de validade discriminante, utilizamos o critério de </a:t>
+            </a:r>
+            <a:r>
+              <a:rPr lang="pt-BR" sz="1800" dirty="0" err="1">
+                <a:solidFill>
+                  <a:srgbClr val="111111"/>
+                </a:solidFill>
+                <a:effectLst/>
+                <a:latin typeface="Arial" panose="020B0604020202020204" pitchFamily="34" charset="0"/>
+                <a:ea typeface="Times New Roman" panose="02020603050405020304" pitchFamily="18" charset="0"/>
+              </a:rPr>
+              <a:t>Fornell</a:t>
+            </a:r>
+            <a:r>
+              <a:rPr lang="pt-BR" sz="1800" dirty="0">
+                <a:solidFill>
+                  <a:srgbClr val="111111"/>
+                </a:solidFill>
+                <a:effectLst/>
+                <a:latin typeface="Arial" panose="020B0604020202020204" pitchFamily="34" charset="0"/>
+                <a:ea typeface="Times New Roman" panose="02020603050405020304" pitchFamily="18" charset="0"/>
+              </a:rPr>
+              <a:t> &amp; </a:t>
+            </a:r>
+            <a:r>
+              <a:rPr lang="pt-BR" sz="1800" dirty="0" err="1">
+                <a:solidFill>
+                  <a:srgbClr val="111111"/>
+                </a:solidFill>
+                <a:effectLst/>
+                <a:latin typeface="Arial" panose="020B0604020202020204" pitchFamily="34" charset="0"/>
+                <a:ea typeface="Times New Roman" panose="02020603050405020304" pitchFamily="18" charset="0"/>
+              </a:rPr>
+              <a:t>Larcker</a:t>
+            </a:r>
+            <a:r>
+              <a:rPr lang="pt-BR" sz="1800" dirty="0">
+                <a:solidFill>
+                  <a:srgbClr val="111111"/>
+                </a:solidFill>
+                <a:effectLst/>
+                <a:latin typeface="Arial" panose="020B0604020202020204" pitchFamily="34" charset="0"/>
+                <a:ea typeface="Times New Roman" panose="02020603050405020304" pitchFamily="18" charset="0"/>
+              </a:rPr>
+              <a:t> (1981) em que se avalia se a raiz quadrada das VME (diagonal com valores em negrito na </a:t>
+            </a:r>
+            <a:r>
+              <a:rPr lang="pt-BR" sz="1800" dirty="0">
+                <a:effectLst/>
+                <a:latin typeface="Arial" panose="020B0604020202020204" pitchFamily="34" charset="0"/>
+                <a:ea typeface="Times New Roman" panose="02020603050405020304" pitchFamily="18" charset="0"/>
+              </a:rPr>
+              <a:t>Tabela 15</a:t>
+            </a:r>
+            <a:r>
+              <a:rPr lang="pt-BR" sz="1800" dirty="0">
+                <a:solidFill>
+                  <a:srgbClr val="111111"/>
+                </a:solidFill>
+                <a:effectLst/>
+                <a:latin typeface="Arial" panose="020B0604020202020204" pitchFamily="34" charset="0"/>
+                <a:ea typeface="Times New Roman" panose="02020603050405020304" pitchFamily="18" charset="0"/>
+              </a:rPr>
+              <a:t>) de cada fator é maior do que as correlações entre os fatores. Como pode ser verificado, quase todas as correlações são maiores que a raiz da VME, o que não evidenciaria a validade discriminante</a:t>
+            </a:r>
+          </a:p>
+          <a:p>
+            <a:pPr marL="0" marR="0" lvl="0" indent="0" algn="l" defTabSz="914400" rtl="0" eaLnBrk="1" fontAlgn="auto" latinLnBrk="0" hangingPunct="1">
+              <a:lnSpc>
+                <a:spcPct val="100000"/>
+              </a:lnSpc>
+              <a:spcBef>
+                <a:spcPts val="0"/>
+              </a:spcBef>
+              <a:spcAft>
+                <a:spcPts val="0"/>
+              </a:spcAft>
+              <a:buClrTx/>
+              <a:buSzTx/>
+              <a:buFontTx/>
+              <a:buNone/>
+              <a:tabLst/>
+              <a:defRPr/>
+            </a:pPr>
+            <a:r>
+              <a:rPr lang="pt-BR" sz="1800" dirty="0">
+                <a:solidFill>
+                  <a:srgbClr val="111111"/>
+                </a:solidFill>
+                <a:effectLst/>
+                <a:latin typeface="Arial" panose="020B0604020202020204" pitchFamily="34" charset="0"/>
+                <a:ea typeface="Times New Roman" panose="02020603050405020304" pitchFamily="18" charset="0"/>
+                <a:cs typeface="Times New Roman" panose="02020603050405020304" pitchFamily="18" charset="0"/>
+              </a:rPr>
+              <a:t>Por esta razão, uma análise complementar, utilizando o critério de Anderson &amp; </a:t>
+            </a:r>
+            <a:r>
+              <a:rPr lang="pt-BR" sz="1800" dirty="0" err="1">
+                <a:solidFill>
+                  <a:srgbClr val="111111"/>
+                </a:solidFill>
+                <a:effectLst/>
+                <a:latin typeface="Arial" panose="020B0604020202020204" pitchFamily="34" charset="0"/>
+                <a:ea typeface="Times New Roman" panose="02020603050405020304" pitchFamily="18" charset="0"/>
+                <a:cs typeface="Times New Roman" panose="02020603050405020304" pitchFamily="18" charset="0"/>
+              </a:rPr>
+              <a:t>Gerbin</a:t>
+            </a:r>
+            <a:r>
+              <a:rPr lang="pt-BR" sz="1800" dirty="0">
+                <a:solidFill>
+                  <a:srgbClr val="111111"/>
+                </a:solidFill>
+                <a:effectLst/>
+                <a:latin typeface="Arial" panose="020B0604020202020204" pitchFamily="34" charset="0"/>
+                <a:ea typeface="Times New Roman" panose="02020603050405020304" pitchFamily="18" charset="0"/>
+                <a:cs typeface="Times New Roman" panose="02020603050405020304" pitchFamily="18" charset="0"/>
+              </a:rPr>
+              <a:t> (1988), foi realizada para a validade discriminante, em que se compara dois modelos: o modelo livre e um modelo fixando a correlação de dois fatores como sendo um. O objetivo é verificar se o modelo livre possui um melhor ajuste, bem como refutar a hipótese de que os modelos são iguais. Nesse sentido, analisamos o modelo livre e o modelo fixando a correlação entre Gerenciamento do estresse no trabalho e Reatividade diante de emergências, por ser a maior correlação identificada no modelo. Os dois modelos apresentaram diferença significativa (p &lt; 0,001), por meio da </a:t>
+            </a:r>
+            <a:r>
+              <a:rPr lang="pt-BR" sz="1800" i="1" dirty="0">
+                <a:solidFill>
+                  <a:srgbClr val="111111"/>
+                </a:solidFill>
+                <a:effectLst/>
+                <a:latin typeface="Arial" panose="020B0604020202020204" pitchFamily="34" charset="0"/>
+                <a:ea typeface="Times New Roman" panose="02020603050405020304" pitchFamily="18" charset="0"/>
+                <a:cs typeface="Times New Roman" panose="02020603050405020304" pitchFamily="18" charset="0"/>
+              </a:rPr>
+              <a:t>anova </a:t>
+            </a:r>
+            <a:r>
+              <a:rPr lang="pt-BR" sz="1800" dirty="0">
+                <a:solidFill>
+                  <a:srgbClr val="111111"/>
+                </a:solidFill>
+                <a:effectLst/>
+                <a:latin typeface="Arial" panose="020B0604020202020204" pitchFamily="34" charset="0"/>
+                <a:ea typeface="Times New Roman" panose="02020603050405020304" pitchFamily="18" charset="0"/>
+                <a:cs typeface="Times New Roman" panose="02020603050405020304" pitchFamily="18" charset="0"/>
+              </a:rPr>
+              <a:t>do teste </a:t>
+            </a:r>
+            <a:r>
+              <a:rPr lang="pt-BR" sz="1800" dirty="0" err="1">
+                <a:solidFill>
+                  <a:srgbClr val="111111"/>
+                </a:solidFill>
+                <a:effectLst/>
+                <a:latin typeface="Arial" panose="020B0604020202020204" pitchFamily="34" charset="0"/>
+                <a:ea typeface="Times New Roman" panose="02020603050405020304" pitchFamily="18" charset="0"/>
+                <a:cs typeface="Times New Roman" panose="02020603050405020304" pitchFamily="18" charset="0"/>
+              </a:rPr>
+              <a:t>qui</a:t>
+            </a:r>
+            <a:r>
+              <a:rPr lang="pt-BR" sz="1800" dirty="0">
+                <a:solidFill>
+                  <a:srgbClr val="111111"/>
+                </a:solidFill>
+                <a:effectLst/>
+                <a:latin typeface="Arial" panose="020B0604020202020204" pitchFamily="34" charset="0"/>
+                <a:ea typeface="Times New Roman" panose="02020603050405020304" pitchFamily="18" charset="0"/>
+                <a:cs typeface="Times New Roman" panose="02020603050405020304" pitchFamily="18" charset="0"/>
+              </a:rPr>
+              <a:t>-quadrado, sendo o modelo livre (ꭓ²  = 569.77) com melhor ajuste do que o modelo fixado (ꭓ² = </a:t>
+            </a:r>
+            <a:r>
+              <a:rPr lang="pt-BR" sz="1800" dirty="0">
+                <a:solidFill>
+                  <a:srgbClr val="3C4043"/>
+                </a:solidFill>
+                <a:effectLst/>
+                <a:latin typeface="Arial" panose="020B0604020202020204" pitchFamily="34" charset="0"/>
+                <a:ea typeface="Times New Roman" panose="02020603050405020304" pitchFamily="18" charset="0"/>
+                <a:cs typeface="Times New Roman" panose="02020603050405020304" pitchFamily="18" charset="0"/>
+              </a:rPr>
+              <a:t>641.93</a:t>
+            </a:r>
+            <a:r>
+              <a:rPr lang="pt-BR" sz="1800" dirty="0">
+                <a:solidFill>
+                  <a:srgbClr val="111111"/>
+                </a:solidFill>
+                <a:effectLst/>
+                <a:latin typeface="Arial" panose="020B0604020202020204" pitchFamily="34" charset="0"/>
+                <a:ea typeface="Times New Roman" panose="02020603050405020304" pitchFamily="18" charset="0"/>
+                <a:cs typeface="Times New Roman" panose="02020603050405020304" pitchFamily="18" charset="0"/>
+              </a:rPr>
+              <a:t>) para p&lt;0,001. Assim, há evidência de validade discriminante no modelo.</a:t>
+            </a:r>
+            <a:endParaRPr lang="pt-BR" sz="1800" dirty="0">
+              <a:effectLst/>
+              <a:latin typeface="Times" panose="02020603050405020304" pitchFamily="18" charset="0"/>
+              <a:ea typeface="Times New Roman" panose="02020603050405020304" pitchFamily="18" charset="0"/>
+              <a:cs typeface="Times New Roman" panose="02020603050405020304" pitchFamily="18" charset="0"/>
+            </a:endParaRPr>
+          </a:p>
+          <a:p>
+            <a:endParaRPr lang="pt-BR" dirty="0"/>
+          </a:p>
+        </p:txBody>
+      </p:sp>
+      <p:sp>
+        <p:nvSpPr>
+          <p:cNvPr id="4" name="Espaço Reservado para Número de Slide 3"/>
+          <p:cNvSpPr>
+            <a:spLocks noGrp="1"/>
+          </p:cNvSpPr>
+          <p:nvPr>
+            <p:ph type="sldNum" sz="quarter" idx="5"/>
+          </p:nvPr>
+        </p:nvSpPr>
+        <p:spPr/>
+        <p:txBody>
+          <a:bodyPr/>
+          <a:lstStyle/>
+          <a:p>
+            <a:fld id="{8D0A50E8-F985-49B9-B26F-7854039BF0DF}" type="slidenum">
+              <a:rPr lang="pt-BR" smtClean="0"/>
+              <a:t>75</a:t>
+            </a:fld>
+            <a:endParaRPr lang="pt-BR"/>
+          </a:p>
+        </p:txBody>
+      </p:sp>
+    </p:spTree>
+    <p:extLst>
+      <p:ext uri="{BB962C8B-B14F-4D97-AF65-F5344CB8AC3E}">
+        <p14:creationId xmlns:p14="http://schemas.microsoft.com/office/powerpoint/2010/main" val="1544650525"/>
       </p:ext>
     </p:extLst>
   </p:cSld>
@@ -2836,31 +3484,489 @@
           <a:bodyPr/>
           <a:lstStyle/>
           <a:p>
-            <a:r>
-              <a:rPr lang="pt-BR" sz="1600" dirty="0">
+            <a:pPr algn="l"/>
+            <a:r>
+              <a:rPr lang="en-US" b="0" i="0" dirty="0">
                 <a:solidFill>
-                  <a:srgbClr val="8A2626"/>
+                  <a:srgbClr val="231F20"/>
                 </a:solidFill>
-                <a:latin typeface="Swis721 Cn BT" panose="020B0506020202030204" pitchFamily="34" charset="0"/>
-              </a:rPr>
-              <a:t>(I) resolver problemas criativamente;</a:t>
-            </a:r>
-          </a:p>
-          <a:p>
-            <a:r>
-              <a:rPr lang="pt-BR" sz="1200" dirty="0">
-                <a:effectLst/>
-                <a:latin typeface="Arial" panose="020B0604020202020204" pitchFamily="34" charset="0"/>
-                <a:ea typeface="Times New Roman" panose="02020603050405020304" pitchFamily="18" charset="0"/>
-              </a:rPr>
-              <a:t>percepção que os profissionais têm sobre sua eficácia em resolver problemas atípicos, mal definidos e complexos </a:t>
-            </a:r>
-            <a:endParaRPr lang="pt-BR" sz="1600" dirty="0">
+                <a:effectLst/>
+                <a:latin typeface="ff6"/>
+              </a:rPr>
+              <a:t>domain-general</a:t>
+            </a:r>
+            <a:r>
+              <a:rPr lang="en-US" b="0" i="0" dirty="0">
+                <a:solidFill>
+                  <a:srgbClr val="231F20"/>
+                </a:solidFill>
+                <a:effectLst/>
+                <a:latin typeface="ff5"/>
+              </a:rPr>
+              <a:t> approach takes a situation-spanning perspective that views </a:t>
+            </a:r>
+          </a:p>
+          <a:p>
+            <a:pPr algn="l"/>
+            <a:r>
+              <a:rPr lang="en-US" b="0" i="0" dirty="0">
+                <a:solidFill>
+                  <a:srgbClr val="231F20"/>
+                </a:solidFill>
+                <a:effectLst/>
+                <a:latin typeface="ff5"/>
+              </a:rPr>
+              <a:t>adaptive capabilities as generic. This work is based in the individual differences </a:t>
+            </a:r>
+            <a:r>
+              <a:rPr lang="en-US" b="0" i="0" dirty="0" err="1">
+                <a:solidFill>
+                  <a:srgbClr val="231F20"/>
+                </a:solidFill>
+                <a:effectLst/>
+                <a:latin typeface="ff6"/>
+              </a:rPr>
+              <a:t>litera</a:t>
+            </a:r>
+            <a:r>
+              <a:rPr lang="en-US" b="0" i="0" dirty="0">
+                <a:solidFill>
+                  <a:srgbClr val="231F20"/>
+                </a:solidFill>
+                <a:effectLst/>
+                <a:latin typeface="ff6"/>
+              </a:rPr>
+              <a:t>-</a:t>
+            </a:r>
+            <a:endParaRPr lang="en-US" b="0" i="0" dirty="0">
               <a:solidFill>
-                <a:srgbClr val="8A2626"/>
+                <a:srgbClr val="231F20"/>
               </a:solidFill>
-              <a:latin typeface="Swis721 Cn BT" panose="020B0506020202030204" pitchFamily="34" charset="0"/>
+              <a:effectLst/>
+              <a:latin typeface="ff5"/>
             </a:endParaRPr>
+          </a:p>
+          <a:p>
+            <a:pPr algn="l"/>
+            <a:r>
+              <a:rPr lang="en-US" b="0" i="0" dirty="0" err="1">
+                <a:solidFill>
+                  <a:srgbClr val="231F20"/>
+                </a:solidFill>
+                <a:effectLst/>
+                <a:latin typeface="ff6"/>
+              </a:rPr>
+              <a:t>ture</a:t>
+            </a:r>
+            <a:r>
+              <a:rPr lang="en-US" b="0" i="0" dirty="0">
+                <a:solidFill>
+                  <a:srgbClr val="231F20"/>
+                </a:solidFill>
+                <a:effectLst/>
+                <a:latin typeface="ff5"/>
+              </a:rPr>
+              <a:t>, characterized by the key underlying </a:t>
+            </a:r>
+            <a:r>
+              <a:rPr lang="en-US" b="0" i="0" dirty="0">
+                <a:solidFill>
+                  <a:srgbClr val="231F20"/>
+                </a:solidFill>
+                <a:effectLst/>
+                <a:latin typeface="ff6"/>
+              </a:rPr>
+              <a:t>assumption</a:t>
+            </a:r>
+            <a:r>
+              <a:rPr lang="en-US" b="0" i="0" dirty="0">
+                <a:solidFill>
+                  <a:srgbClr val="231F20"/>
+                </a:solidFill>
+                <a:effectLst/>
+                <a:latin typeface="ff5"/>
+              </a:rPr>
+              <a:t> that adaptation can be captured as </a:t>
+            </a:r>
+            <a:endParaRPr lang="en-US" b="0" i="0" dirty="0">
+              <a:solidFill>
+                <a:srgbClr val="231F20"/>
+              </a:solidFill>
+              <a:effectLst/>
+              <a:latin typeface="ff6"/>
+            </a:endParaRPr>
+          </a:p>
+          <a:p>
+            <a:pPr algn="l"/>
+            <a:r>
+              <a:rPr lang="en-US" b="0" i="0" dirty="0">
+                <a:solidFill>
+                  <a:srgbClr val="231F20"/>
+                </a:solidFill>
+                <a:effectLst/>
+                <a:latin typeface="ff5"/>
+              </a:rPr>
+              <a:t>a relatively stable (set of) trait(s) and related performance constructs that can be </a:t>
+            </a:r>
+            <a:r>
+              <a:rPr lang="en-US" b="0" i="0" dirty="0" err="1">
+                <a:solidFill>
+                  <a:srgbClr val="231F20"/>
+                </a:solidFill>
+                <a:effectLst/>
+                <a:latin typeface="ff5"/>
+              </a:rPr>
+              <a:t>gener</a:t>
+            </a:r>
+            <a:r>
+              <a:rPr lang="en-US" b="0" i="0" dirty="0">
+                <a:solidFill>
+                  <a:srgbClr val="231F20"/>
+                </a:solidFill>
+                <a:effectLst/>
+                <a:latin typeface="ff5"/>
+              </a:rPr>
+              <a:t>-</a:t>
+            </a:r>
+          </a:p>
+          <a:p>
+            <a:pPr algn="l"/>
+            <a:r>
+              <a:rPr lang="en-US" b="0" i="0" dirty="0" err="1">
+                <a:solidFill>
+                  <a:srgbClr val="231F20"/>
+                </a:solidFill>
+                <a:effectLst/>
+                <a:latin typeface="ff5"/>
+              </a:rPr>
+              <a:t>alized</a:t>
+            </a:r>
+            <a:r>
+              <a:rPr lang="en-US" b="0" i="0" dirty="0">
+                <a:solidFill>
+                  <a:srgbClr val="231F20"/>
+                </a:solidFill>
+                <a:effectLst/>
+                <a:latin typeface="ff5"/>
+              </a:rPr>
+              <a:t> across domains  a performance construct (i.e., a set of dimensions that </a:t>
+            </a:r>
+          </a:p>
+          <a:p>
+            <a:pPr algn="l"/>
+            <a:r>
+              <a:rPr lang="en-US" b="0" i="0" dirty="0">
+                <a:solidFill>
+                  <a:srgbClr val="231F20"/>
+                </a:solidFill>
+                <a:effectLst/>
+                <a:latin typeface="ff5"/>
+              </a:rPr>
+              <a:t>characterize adaptive job performance; see </a:t>
+            </a:r>
+            <a:r>
+              <a:rPr lang="en-US" b="0" i="0" dirty="0" err="1">
+                <a:solidFill>
+                  <a:srgbClr val="231F20"/>
+                </a:solidFill>
+                <a:effectLst/>
+                <a:latin typeface="ff5"/>
+              </a:rPr>
+              <a:t>Pulakos</a:t>
+            </a:r>
+            <a:r>
+              <a:rPr lang="en-US" b="0" i="0" dirty="0">
+                <a:solidFill>
+                  <a:srgbClr val="231F20"/>
+                </a:solidFill>
+                <a:effectLst/>
+                <a:latin typeface="ff5"/>
+              </a:rPr>
+              <a:t> et al., 2000) or an individual differ-</a:t>
+            </a:r>
+          </a:p>
+          <a:p>
+            <a:pPr algn="l"/>
+            <a:r>
+              <a:rPr lang="en-US" b="0" i="0" dirty="0" err="1">
+                <a:solidFill>
+                  <a:srgbClr val="231F20"/>
+                </a:solidFill>
+                <a:effectLst/>
+                <a:latin typeface="ff5"/>
+              </a:rPr>
+              <a:t>ence</a:t>
+            </a:r>
+            <a:r>
+              <a:rPr lang="en-US" b="0" i="0" dirty="0">
+                <a:solidFill>
+                  <a:srgbClr val="231F20"/>
+                </a:solidFill>
+                <a:effectLst/>
+                <a:latin typeface="ff5"/>
+              </a:rPr>
+              <a:t> construct (i.e., a set of broadband, relatively stable traits; see </a:t>
+            </a:r>
+            <a:r>
+              <a:rPr lang="en-US" b="0" i="0" dirty="0" err="1">
+                <a:solidFill>
+                  <a:srgbClr val="231F20"/>
+                </a:solidFill>
+                <a:effectLst/>
+                <a:latin typeface="ff5"/>
+              </a:rPr>
+              <a:t>Ployhart</a:t>
+            </a:r>
+            <a:r>
+              <a:rPr lang="en-US" b="0" i="0" dirty="0">
+                <a:solidFill>
+                  <a:srgbClr val="231F20"/>
+                </a:solidFill>
+                <a:effectLst/>
+                <a:latin typeface="ff5"/>
+              </a:rPr>
+              <a:t> &amp; </a:t>
+            </a:r>
+            <a:r>
+              <a:rPr lang="en-US" b="0" i="0" dirty="0" err="1">
+                <a:solidFill>
+                  <a:srgbClr val="231F20"/>
+                </a:solidFill>
+                <a:effectLst/>
+                <a:latin typeface="ff5"/>
+              </a:rPr>
+              <a:t>Bliese</a:t>
+            </a:r>
+            <a:r>
+              <a:rPr lang="en-US" b="0" i="0" dirty="0">
+                <a:solidFill>
+                  <a:srgbClr val="231F20"/>
+                </a:solidFill>
+                <a:effectLst/>
+                <a:latin typeface="ff5"/>
+              </a:rPr>
+              <a:t>, </a:t>
+            </a:r>
+          </a:p>
+          <a:p>
+            <a:pPr algn="l"/>
+            <a:r>
+              <a:rPr lang="en-US" b="0" i="0" dirty="0">
+                <a:solidFill>
+                  <a:srgbClr val="231F20"/>
+                </a:solidFill>
+                <a:effectLst/>
+                <a:latin typeface="ff5"/>
+              </a:rPr>
+              <a:t>2006). Conversely, the </a:t>
+            </a:r>
+            <a:r>
+              <a:rPr lang="en-US" b="0" i="0" dirty="0">
+                <a:solidFill>
+                  <a:srgbClr val="231F20"/>
+                </a:solidFill>
+                <a:effectLst/>
+                <a:latin typeface="ff6"/>
+              </a:rPr>
+              <a:t>domain-specific</a:t>
+            </a:r>
+            <a:r>
+              <a:rPr lang="en-US" b="0" i="0" dirty="0">
+                <a:solidFill>
+                  <a:srgbClr val="231F20"/>
+                </a:solidFill>
+                <a:effectLst/>
+                <a:latin typeface="ff5"/>
+              </a:rPr>
+              <a:t> approach focuses on key skills and/or processes </a:t>
+            </a:r>
+          </a:p>
+          <a:p>
+            <a:pPr algn="l"/>
+            <a:r>
+              <a:rPr lang="en-US" b="0" i="0" dirty="0">
+                <a:solidFill>
+                  <a:srgbClr val="231F20"/>
+                </a:solidFill>
+                <a:effectLst/>
+                <a:latin typeface="ff5"/>
+              </a:rPr>
+              <a:t>relevant to adaptation for domain-specific knowledge and skills. A key </a:t>
+            </a:r>
+            <a:r>
+              <a:rPr lang="en-US" b="0" i="0" dirty="0">
+                <a:solidFill>
+                  <a:srgbClr val="231F20"/>
+                </a:solidFill>
+                <a:effectLst/>
+                <a:latin typeface="ff6"/>
+              </a:rPr>
+              <a:t>assumption</a:t>
+            </a:r>
+            <a:r>
+              <a:rPr lang="en-US" b="0" i="0" dirty="0">
+                <a:solidFill>
+                  <a:srgbClr val="231F20"/>
+                </a:solidFill>
+                <a:effectLst/>
+                <a:latin typeface="ff5"/>
+              </a:rPr>
+              <a:t> of this approach is that specific capabilities under-</a:t>
+            </a:r>
+          </a:p>
+          <a:p>
+            <a:pPr algn="l"/>
+            <a:r>
+              <a:rPr lang="en-US" b="0" i="0" dirty="0">
+                <a:solidFill>
+                  <a:srgbClr val="231F20"/>
+                </a:solidFill>
+                <a:effectLst/>
+                <a:latin typeface="ff5"/>
+              </a:rPr>
+              <a:t>lying performance adaptation can be learned and that their application is specific to a </a:t>
+            </a:r>
+          </a:p>
+          <a:p>
+            <a:pPr algn="l"/>
+            <a:r>
+              <a:rPr lang="en-US" b="0" i="0" dirty="0">
+                <a:solidFill>
+                  <a:srgbClr val="231F20"/>
+                </a:solidFill>
+                <a:effectLst/>
+                <a:latin typeface="ff5"/>
+              </a:rPr>
+              <a:t>knowledge and skill domain rather than general across a range of work situations. The </a:t>
+            </a:r>
+          </a:p>
+          <a:p>
+            <a:pPr algn="l"/>
+            <a:r>
+              <a:rPr lang="en-US" b="0" i="0" dirty="0">
+                <a:solidFill>
+                  <a:srgbClr val="231F20"/>
+                </a:solidFill>
+                <a:effectLst/>
+                <a:latin typeface="ff5"/>
+              </a:rPr>
+              <a:t>primary </a:t>
+            </a:r>
+            <a:r>
+              <a:rPr lang="en-US" b="0" i="0" dirty="0">
+                <a:solidFill>
+                  <a:srgbClr val="231F20"/>
+                </a:solidFill>
+                <a:effectLst/>
+                <a:latin typeface="ff6"/>
+              </a:rPr>
+              <a:t>target</a:t>
+            </a:r>
+            <a:r>
+              <a:rPr lang="en-US" b="0" i="0" dirty="0">
+                <a:solidFill>
+                  <a:srgbClr val="231F20"/>
+                </a:solidFill>
+                <a:effectLst/>
+                <a:latin typeface="ff5"/>
+              </a:rPr>
+              <a:t> for this work is to develop knowledge, skills, and capabilities via training </a:t>
+            </a:r>
+          </a:p>
+          <a:p>
+            <a:pPr algn="l"/>
+            <a:r>
+              <a:rPr lang="en-US" b="0" i="0" dirty="0">
+                <a:solidFill>
+                  <a:srgbClr val="231F20"/>
+                </a:solidFill>
+                <a:effectLst/>
+                <a:latin typeface="ff5"/>
+              </a:rPr>
+              <a:t>or other developmental experiences that can increase performance in a task context that </a:t>
+            </a:r>
+          </a:p>
+          <a:p>
+            <a:pPr algn="l"/>
+            <a:r>
+              <a:rPr lang="en-US" b="0" i="0" dirty="0">
+                <a:solidFill>
+                  <a:srgbClr val="231F20"/>
+                </a:solidFill>
+                <a:effectLst/>
+                <a:latin typeface="ff5"/>
+              </a:rPr>
+              <a:t>shifts in novelty, difficulty, and/or complexity. Within this approach, researchers have</a:t>
+            </a:r>
+          </a:p>
+          <a:p>
+            <a:pPr algn="l"/>
+            <a:r>
+              <a:rPr lang="en-US" b="0" i="0" dirty="0" err="1">
+                <a:solidFill>
+                  <a:srgbClr val="231F20"/>
+                </a:solidFill>
+                <a:effectLst/>
+                <a:latin typeface="ff5"/>
+              </a:rPr>
+              <a:t>pically</a:t>
+            </a:r>
+            <a:r>
+              <a:rPr lang="en-US" b="0" i="0" dirty="0">
+                <a:solidFill>
+                  <a:srgbClr val="231F20"/>
+                </a:solidFill>
+                <a:effectLst/>
+                <a:latin typeface="ff5"/>
+              </a:rPr>
+              <a:t> adopted one of two general </a:t>
+            </a:r>
+            <a:r>
+              <a:rPr lang="en-US" b="0" i="0" dirty="0">
+                <a:solidFill>
+                  <a:srgbClr val="231F20"/>
+                </a:solidFill>
+                <a:effectLst/>
+                <a:latin typeface="ff6"/>
+              </a:rPr>
+              <a:t>conceptualizations</a:t>
+            </a:r>
+            <a:r>
+              <a:rPr lang="en-US" b="0" i="0" dirty="0">
+                <a:solidFill>
+                  <a:srgbClr val="231F20"/>
+                </a:solidFill>
+                <a:effectLst/>
+                <a:latin typeface="ff5"/>
+              </a:rPr>
+              <a:t> of performance adaptation—a </a:t>
+            </a:r>
+          </a:p>
+          <a:p>
+            <a:pPr algn="l"/>
+            <a:r>
+              <a:rPr lang="en-US" b="0" i="0" dirty="0">
+                <a:solidFill>
+                  <a:srgbClr val="231F20"/>
+                </a:solidFill>
+                <a:effectLst/>
+                <a:latin typeface="ff5"/>
+              </a:rPr>
+              <a:t>domain-specific performance change (i.e., a change in performance from a routine to </a:t>
+            </a:r>
+          </a:p>
+          <a:p>
+            <a:pPr algn="l"/>
+            <a:r>
+              <a:rPr lang="en-US" b="0" i="0" dirty="0">
+                <a:solidFill>
+                  <a:srgbClr val="231F20"/>
+                </a:solidFill>
+                <a:effectLst/>
+                <a:latin typeface="ff5"/>
+              </a:rPr>
+              <a:t>novel task;</a:t>
+            </a:r>
           </a:p>
           <a:p>
             <a:endParaRPr lang="pt-BR" dirty="0"/>
@@ -2884,7 +3990,7 @@
           <a:p>
             <a:fld id="{8D0A50E8-F985-49B9-B26F-7854039BF0DF}" type="slidenum">
               <a:rPr lang="pt-BR" smtClean="0"/>
-              <a:t>21</a:t>
+              <a:t>20</a:t>
             </a:fld>
             <a:endParaRPr lang="pt-BR"/>
           </a:p>
@@ -2893,7 +3999,7 @@
     </p:spTree>
     <p:extLst>
       <p:ext uri="{BB962C8B-B14F-4D97-AF65-F5344CB8AC3E}">
-        <p14:creationId xmlns:p14="http://schemas.microsoft.com/office/powerpoint/2010/main" val="2566203432"/>
+        <p14:creationId xmlns:p14="http://schemas.microsoft.com/office/powerpoint/2010/main" val="2947549904"/>
       </p:ext>
     </p:extLst>
   </p:cSld>
@@ -2995,7 +4101,7 @@
           <a:p>
             <a:fld id="{8D0A50E8-F985-49B9-B26F-7854039BF0DF}" type="slidenum">
               <a:rPr lang="pt-BR" smtClean="0"/>
-              <a:t>22</a:t>
+              <a:t>21</a:t>
             </a:fld>
             <a:endParaRPr lang="pt-BR"/>
           </a:p>
@@ -3004,7 +4110,7 @@
     </p:spTree>
     <p:extLst>
       <p:ext uri="{BB962C8B-B14F-4D97-AF65-F5344CB8AC3E}">
-        <p14:creationId xmlns:p14="http://schemas.microsoft.com/office/powerpoint/2010/main" val="2927840576"/>
+        <p14:creationId xmlns:p14="http://schemas.microsoft.com/office/powerpoint/2010/main" val="2566203432"/>
       </p:ext>
     </p:extLst>
   </p:cSld>
@@ -3058,6 +4164,33 @@
           <a:bodyPr/>
           <a:lstStyle/>
           <a:p>
+            <a:r>
+              <a:rPr lang="pt-BR" sz="1600" dirty="0">
+                <a:solidFill>
+                  <a:srgbClr val="8A2626"/>
+                </a:solidFill>
+                <a:latin typeface="Swis721 Cn BT" panose="020B0506020202030204" pitchFamily="34" charset="0"/>
+              </a:rPr>
+              <a:t>(I) resolver problemas criativamente;</a:t>
+            </a:r>
+          </a:p>
+          <a:p>
+            <a:r>
+              <a:rPr lang="pt-BR" sz="1200" dirty="0">
+                <a:effectLst/>
+                <a:latin typeface="Arial" panose="020B0604020202020204" pitchFamily="34" charset="0"/>
+                <a:ea typeface="Times New Roman" panose="02020603050405020304" pitchFamily="18" charset="0"/>
+              </a:rPr>
+              <a:t>percepção que os profissionais têm sobre sua eficácia em resolver problemas atípicos, mal definidos e complexos </a:t>
+            </a:r>
+            <a:endParaRPr lang="pt-BR" sz="1600" dirty="0">
+              <a:solidFill>
+                <a:srgbClr val="8A2626"/>
+              </a:solidFill>
+              <a:latin typeface="Swis721 Cn BT" panose="020B0506020202030204" pitchFamily="34" charset="0"/>
+            </a:endParaRPr>
+          </a:p>
+          <a:p>
             <a:endParaRPr lang="pt-BR" dirty="0"/>
           </a:p>
         </p:txBody>
@@ -3079,7 +4212,7 @@
           <a:p>
             <a:fld id="{8D0A50E8-F985-49B9-B26F-7854039BF0DF}" type="slidenum">
               <a:rPr lang="pt-BR" smtClean="0"/>
-              <a:t>28</a:t>
+              <a:t>22</a:t>
             </a:fld>
             <a:endParaRPr lang="pt-BR"/>
           </a:p>
@@ -3088,7 +4221,7 @@
     </p:spTree>
     <p:extLst>
       <p:ext uri="{BB962C8B-B14F-4D97-AF65-F5344CB8AC3E}">
-        <p14:creationId xmlns:p14="http://schemas.microsoft.com/office/powerpoint/2010/main" val="1677444053"/>
+        <p14:creationId xmlns:p14="http://schemas.microsoft.com/office/powerpoint/2010/main" val="2927840576"/>
       </p:ext>
     </p:extLst>
   </p:cSld>
@@ -3142,58 +4275,6 @@
           <a:bodyPr/>
           <a:lstStyle/>
           <a:p>
-            <a:pPr marL="0" marR="0" lvl="0" indent="0" algn="l" defTabSz="914400" rtl="0" eaLnBrk="1" fontAlgn="auto" latinLnBrk="0" hangingPunct="1">
-              <a:lnSpc>
-                <a:spcPct val="100000"/>
-              </a:lnSpc>
-              <a:spcBef>
-                <a:spcPts val="0"/>
-              </a:spcBef>
-              <a:spcAft>
-                <a:spcPts val="0"/>
-              </a:spcAft>
-              <a:buClrTx/>
-              <a:buSzTx/>
-              <a:buFontTx/>
-              <a:buNone/>
-              <a:tabLst/>
-              <a:defRPr/>
-            </a:pPr>
-            <a:r>
-              <a:rPr lang="pt-BR" sz="1200" dirty="0">
-                <a:effectLst/>
-                <a:latin typeface="Arial" panose="020B0604020202020204" pitchFamily="34" charset="0"/>
-                <a:ea typeface="Times New Roman" panose="02020603050405020304" pitchFamily="18" charset="0"/>
-                <a:cs typeface="Times New Roman" panose="02020603050405020304" pitchFamily="18" charset="0"/>
-              </a:rPr>
-              <a:t>A deixa é um fator primordial dentro da adaptação, pois é um processo individual de reconhecimento de informações em que cada membro da equipe busca por situações no ambiente que podem ter o potencial de afetar o sucesso da missão da equipe (BURKE </a:t>
-            </a:r>
-            <a:r>
-              <a:rPr lang="pt-BR" sz="1200" i="1" dirty="0">
-                <a:effectLst/>
-                <a:latin typeface="Arial" panose="020B0604020202020204" pitchFamily="34" charset="0"/>
-                <a:ea typeface="Times New Roman" panose="02020603050405020304" pitchFamily="18" charset="0"/>
-                <a:cs typeface="Times New Roman" panose="02020603050405020304" pitchFamily="18" charset="0"/>
-              </a:rPr>
-              <a:t>et al.</a:t>
-            </a:r>
-            <a:r>
-              <a:rPr lang="pt-BR" sz="1200" dirty="0">
-                <a:effectLst/>
-                <a:latin typeface="Arial" panose="020B0604020202020204" pitchFamily="34" charset="0"/>
-                <a:ea typeface="Times New Roman" panose="02020603050405020304" pitchFamily="18" charset="0"/>
-                <a:cs typeface="Times New Roman" panose="02020603050405020304" pitchFamily="18" charset="0"/>
-              </a:rPr>
-              <a:t>, 2006). </a:t>
-            </a:r>
-            <a:endParaRPr lang="pt-BR" sz="1200" dirty="0">
-              <a:effectLst/>
-              <a:latin typeface="Times" panose="02020603050405020304" pitchFamily="18" charset="0"/>
-              <a:ea typeface="Times New Roman" panose="02020603050405020304" pitchFamily="18" charset="0"/>
-              <a:cs typeface="Times New Roman" panose="02020603050405020304" pitchFamily="18" charset="0"/>
-            </a:endParaRPr>
-          </a:p>
-          <a:p>
             <a:endParaRPr lang="pt-BR" dirty="0"/>
           </a:p>
         </p:txBody>
@@ -3215,7 +4296,7 @@
           <a:p>
             <a:fld id="{8D0A50E8-F985-49B9-B26F-7854039BF0DF}" type="slidenum">
               <a:rPr lang="pt-BR" smtClean="0"/>
-              <a:t>30</a:t>
+              <a:t>28</a:t>
             </a:fld>
             <a:endParaRPr lang="pt-BR"/>
           </a:p>
@@ -3224,7 +4305,7 @@
     </p:spTree>
     <p:extLst>
       <p:ext uri="{BB962C8B-B14F-4D97-AF65-F5344CB8AC3E}">
-        <p14:creationId xmlns:p14="http://schemas.microsoft.com/office/powerpoint/2010/main" val="3687962062"/>
+        <p14:creationId xmlns:p14="http://schemas.microsoft.com/office/powerpoint/2010/main" val="1677444053"/>
       </p:ext>
     </p:extLst>
   </p:cSld>
@@ -4739,6 +5820,2071 @@
 </p:sld>
 </file>
 
+<file path=ppt/slides/slide100.xml><?xml version="1.0" encoding="utf-8"?>
+<p:sld xmlns:a="http://schemas.openxmlformats.org/drawingml/2006/main" xmlns:r="http://schemas.openxmlformats.org/officeDocument/2006/relationships" xmlns:p="http://schemas.openxmlformats.org/presentationml/2006/main">
+  <p:cSld>
+    <p:spTree>
+      <p:nvGrpSpPr>
+        <p:cNvPr id="1" name=""/>
+        <p:cNvGrpSpPr/>
+        <p:nvPr/>
+      </p:nvGrpSpPr>
+      <p:grpSpPr>
+        <a:xfrm>
+          <a:off x="0" y="0"/>
+          <a:ext cx="0" cy="0"/>
+          <a:chOff x="0" y="0"/>
+          <a:chExt cx="0" cy="0"/>
+        </a:xfrm>
+      </p:grpSpPr>
+      <p:sp>
+        <p:nvSpPr>
+          <p:cNvPr id="2" name="Título 1">
+            <a:extLst>
+              <a:ext uri="{FF2B5EF4-FFF2-40B4-BE49-F238E27FC236}">
+                <a16:creationId xmlns:a16="http://schemas.microsoft.com/office/drawing/2014/main" id="{955B7A71-0AE6-4842-8500-FF5159312A34}"/>
+              </a:ext>
+            </a:extLst>
+          </p:cNvPr>
+          <p:cNvSpPr>
+            <a:spLocks noGrp="1"/>
+          </p:cNvSpPr>
+          <p:nvPr>
+            <p:ph type="title"/>
+          </p:nvPr>
+        </p:nvSpPr>
+        <p:spPr/>
+        <p:txBody>
+          <a:bodyPr/>
+          <a:lstStyle/>
+          <a:p>
+            <a:r>
+              <a:rPr lang="pt-BR" dirty="0"/>
+              <a:t>Referências</a:t>
+            </a:r>
+          </a:p>
+        </p:txBody>
+      </p:sp>
+      <p:sp>
+        <p:nvSpPr>
+          <p:cNvPr id="3" name="Espaço Reservado para Conteúdo 2">
+            <a:extLst>
+              <a:ext uri="{FF2B5EF4-FFF2-40B4-BE49-F238E27FC236}">
+                <a16:creationId xmlns:a16="http://schemas.microsoft.com/office/drawing/2014/main" id="{EBBB26C3-F96E-4074-AC85-D845AA1F466A}"/>
+              </a:ext>
+            </a:extLst>
+          </p:cNvPr>
+          <p:cNvSpPr>
+            <a:spLocks noGrp="1"/>
+          </p:cNvSpPr>
+          <p:nvPr>
+            <p:ph idx="1"/>
+          </p:nvPr>
+        </p:nvSpPr>
+        <p:spPr/>
+        <p:txBody>
+          <a:bodyPr>
+            <a:normAutofit fontScale="85000" lnSpcReduction="10000"/>
+          </a:bodyPr>
+          <a:lstStyle/>
+          <a:p>
+            <a:r>
+              <a:rPr lang="en-US" sz="1800" dirty="0">
+                <a:effectLst/>
+                <a:latin typeface="Times New Roman" panose="02020603050405020304" pitchFamily="18" charset="0"/>
+                <a:ea typeface="Times New Roman" panose="02020603050405020304" pitchFamily="18" charset="0"/>
+                <a:cs typeface="Times New Roman" panose="02020603050405020304" pitchFamily="18" charset="0"/>
+              </a:rPr>
+              <a:t>WILLIAMS, Laurie; COCKBURN, Alistair. Agile software development: it’s about feedback and change. </a:t>
+            </a:r>
+            <a:r>
+              <a:rPr lang="en-US" sz="1800" b="1" dirty="0">
+                <a:effectLst/>
+                <a:latin typeface="Times New Roman" panose="02020603050405020304" pitchFamily="18" charset="0"/>
+                <a:ea typeface="Times New Roman" panose="02020603050405020304" pitchFamily="18" charset="0"/>
+                <a:cs typeface="Times New Roman" panose="02020603050405020304" pitchFamily="18" charset="0"/>
+              </a:rPr>
+              <a:t>IEEE computer</a:t>
+            </a:r>
+            <a:r>
+              <a:rPr lang="en-US" sz="1800" dirty="0">
+                <a:effectLst/>
+                <a:latin typeface="Times New Roman" panose="02020603050405020304" pitchFamily="18" charset="0"/>
+                <a:ea typeface="Times New Roman" panose="02020603050405020304" pitchFamily="18" charset="0"/>
+                <a:cs typeface="Times New Roman" panose="02020603050405020304" pitchFamily="18" charset="0"/>
+              </a:rPr>
+              <a:t>, </a:t>
+            </a:r>
+            <a:r>
+              <a:rPr lang="en-US" sz="1800" i="1" dirty="0">
+                <a:effectLst/>
+                <a:latin typeface="Times New Roman" panose="02020603050405020304" pitchFamily="18" charset="0"/>
+                <a:ea typeface="Times New Roman" panose="02020603050405020304" pitchFamily="18" charset="0"/>
+                <a:cs typeface="Times New Roman" panose="02020603050405020304" pitchFamily="18" charset="0"/>
+              </a:rPr>
+              <a:t>[S. l.]</a:t>
+            </a:r>
+            <a:r>
+              <a:rPr lang="en-US" sz="1800" dirty="0">
+                <a:effectLst/>
+                <a:latin typeface="Times New Roman" panose="02020603050405020304" pitchFamily="18" charset="0"/>
+                <a:ea typeface="Times New Roman" panose="02020603050405020304" pitchFamily="18" charset="0"/>
+                <a:cs typeface="Times New Roman" panose="02020603050405020304" pitchFamily="18" charset="0"/>
+              </a:rPr>
+              <a:t>, v. 36, n. 6, p. 39–43, 2003. </a:t>
+            </a:r>
+            <a:endParaRPr lang="pt-BR" sz="1800" dirty="0">
+              <a:effectLst/>
+              <a:latin typeface="Times" panose="02020603050405020304" pitchFamily="18" charset="0"/>
+              <a:ea typeface="Times New Roman" panose="02020603050405020304" pitchFamily="18" charset="0"/>
+              <a:cs typeface="Times New Roman" panose="02020603050405020304" pitchFamily="18" charset="0"/>
+            </a:endParaRPr>
+          </a:p>
+          <a:p>
+            <a:r>
+              <a:rPr lang="en-US" sz="1800" dirty="0">
+                <a:effectLst/>
+                <a:latin typeface="Times New Roman" panose="02020603050405020304" pitchFamily="18" charset="0"/>
+                <a:ea typeface="Times New Roman" panose="02020603050405020304" pitchFamily="18" charset="0"/>
+                <a:cs typeface="Times New Roman" panose="02020603050405020304" pitchFamily="18" charset="0"/>
+              </a:rPr>
+              <a:t>MELNIK, Grigori; MAURER, Frank. Comparative Analysis of Job Satisfaction in Agile and Non-agile Software Development Teams. </a:t>
+            </a:r>
+            <a:r>
+              <a:rPr lang="en-US" sz="1800" b="1" dirty="0">
+                <a:effectLst/>
+                <a:latin typeface="Times New Roman" panose="02020603050405020304" pitchFamily="18" charset="0"/>
+                <a:ea typeface="Times New Roman" panose="02020603050405020304" pitchFamily="18" charset="0"/>
+                <a:cs typeface="Times New Roman" panose="02020603050405020304" pitchFamily="18" charset="0"/>
+              </a:rPr>
+              <a:t>XP’06 Proceedings of the 7th international conference on Extreme Programming and Agile Processes in Software Engineering</a:t>
+            </a:r>
+            <a:r>
+              <a:rPr lang="en-US" sz="1800" dirty="0">
+                <a:effectLst/>
+                <a:latin typeface="Times New Roman" panose="02020603050405020304" pitchFamily="18" charset="0"/>
+                <a:ea typeface="Times New Roman" panose="02020603050405020304" pitchFamily="18" charset="0"/>
+                <a:cs typeface="Times New Roman" panose="02020603050405020304" pitchFamily="18" charset="0"/>
+              </a:rPr>
+              <a:t>, </a:t>
+            </a:r>
+            <a:r>
+              <a:rPr lang="en-US" sz="1800" i="1" dirty="0">
+                <a:effectLst/>
+                <a:latin typeface="Times New Roman" panose="02020603050405020304" pitchFamily="18" charset="0"/>
+                <a:ea typeface="Times New Roman" panose="02020603050405020304" pitchFamily="18" charset="0"/>
+                <a:cs typeface="Times New Roman" panose="02020603050405020304" pitchFamily="18" charset="0"/>
+              </a:rPr>
+              <a:t>[S. l.]</a:t>
+            </a:r>
+            <a:r>
+              <a:rPr lang="en-US" sz="1800" dirty="0">
+                <a:effectLst/>
+                <a:latin typeface="Times New Roman" panose="02020603050405020304" pitchFamily="18" charset="0"/>
+                <a:ea typeface="Times New Roman" panose="02020603050405020304" pitchFamily="18" charset="0"/>
+                <a:cs typeface="Times New Roman" panose="02020603050405020304" pitchFamily="18" charset="0"/>
+              </a:rPr>
+              <a:t>, p. 32–42, 2006. </a:t>
+            </a:r>
+            <a:r>
+              <a:rPr lang="pt-BR" sz="1800" dirty="0">
+                <a:effectLst/>
+                <a:latin typeface="Times New Roman" panose="02020603050405020304" pitchFamily="18" charset="0"/>
+                <a:ea typeface="Times New Roman" panose="02020603050405020304" pitchFamily="18" charset="0"/>
+                <a:cs typeface="Times New Roman" panose="02020603050405020304" pitchFamily="18" charset="0"/>
+              </a:rPr>
+              <a:t>Disponível em: http://www.springerlink.com/index/V556H4T270612011.pdf</a:t>
+            </a:r>
+            <a:endParaRPr lang="pt-BR" sz="1800" dirty="0">
+              <a:effectLst/>
+              <a:latin typeface="Times" panose="02020603050405020304" pitchFamily="18" charset="0"/>
+              <a:ea typeface="Times New Roman" panose="02020603050405020304" pitchFamily="18" charset="0"/>
+              <a:cs typeface="Times New Roman" panose="02020603050405020304" pitchFamily="18" charset="0"/>
+            </a:endParaRPr>
+          </a:p>
+          <a:p>
+            <a:r>
+              <a:rPr lang="en-US" sz="1800" dirty="0">
+                <a:effectLst/>
+                <a:latin typeface="Times New Roman" panose="02020603050405020304" pitchFamily="18" charset="0"/>
+                <a:ea typeface="Times New Roman" panose="02020603050405020304" pitchFamily="18" charset="0"/>
+              </a:rPr>
+              <a:t>BOEHM, Barry W. Get ready for agile methods, with care. </a:t>
+            </a:r>
+            <a:r>
+              <a:rPr lang="en-US" sz="1800" b="1" dirty="0">
+                <a:effectLst/>
+                <a:latin typeface="Times New Roman" panose="02020603050405020304" pitchFamily="18" charset="0"/>
+                <a:ea typeface="Times New Roman" panose="02020603050405020304" pitchFamily="18" charset="0"/>
+              </a:rPr>
+              <a:t>Software Engineering: Barry W. </a:t>
+            </a:r>
+            <a:r>
+              <a:rPr lang="en-US" sz="1800" b="1" dirty="0" err="1">
+                <a:effectLst/>
+                <a:latin typeface="Times New Roman" panose="02020603050405020304" pitchFamily="18" charset="0"/>
+                <a:ea typeface="Times New Roman" panose="02020603050405020304" pitchFamily="18" charset="0"/>
+              </a:rPr>
+              <a:t>Boehm’S</a:t>
+            </a:r>
+            <a:r>
+              <a:rPr lang="en-US" sz="1800" b="1" dirty="0">
+                <a:effectLst/>
+                <a:latin typeface="Times New Roman" panose="02020603050405020304" pitchFamily="18" charset="0"/>
+                <a:ea typeface="Times New Roman" panose="02020603050405020304" pitchFamily="18" charset="0"/>
+              </a:rPr>
+              <a:t> Lifetime Contributions to Software Development, Management, and Research</a:t>
+            </a:r>
+            <a:r>
+              <a:rPr lang="en-US" sz="1800" dirty="0">
+                <a:effectLst/>
+                <a:latin typeface="Times New Roman" panose="02020603050405020304" pitchFamily="18" charset="0"/>
+                <a:ea typeface="Times New Roman" panose="02020603050405020304" pitchFamily="18" charset="0"/>
+              </a:rPr>
+              <a:t>, </a:t>
+            </a:r>
+            <a:r>
+              <a:rPr lang="en-US" sz="1800" i="1" dirty="0">
+                <a:effectLst/>
+                <a:latin typeface="Times New Roman" panose="02020603050405020304" pitchFamily="18" charset="0"/>
+                <a:ea typeface="Times New Roman" panose="02020603050405020304" pitchFamily="18" charset="0"/>
+              </a:rPr>
+              <a:t>[S. l.]</a:t>
+            </a:r>
+            <a:r>
+              <a:rPr lang="en-US" sz="1800" dirty="0">
+                <a:effectLst/>
+                <a:latin typeface="Times New Roman" panose="02020603050405020304" pitchFamily="18" charset="0"/>
+                <a:ea typeface="Times New Roman" panose="02020603050405020304" pitchFamily="18" charset="0"/>
+              </a:rPr>
+              <a:t>, p. 535–543, 2007.</a:t>
+            </a:r>
+          </a:p>
+          <a:p>
+            <a:r>
+              <a:rPr lang="pt-BR" sz="1800" dirty="0">
+                <a:effectLst/>
+                <a:latin typeface="Times New Roman" panose="02020603050405020304" pitchFamily="18" charset="0"/>
+                <a:ea typeface="Times New Roman" panose="02020603050405020304" pitchFamily="18" charset="0"/>
+              </a:rPr>
+              <a:t>MANIFESTO, </a:t>
+            </a:r>
+            <a:r>
+              <a:rPr lang="pt-BR" sz="1800" dirty="0" err="1">
+                <a:effectLst/>
+                <a:latin typeface="Times New Roman" panose="02020603050405020304" pitchFamily="18" charset="0"/>
+                <a:ea typeface="Times New Roman" panose="02020603050405020304" pitchFamily="18" charset="0"/>
+              </a:rPr>
+              <a:t>Agile</a:t>
+            </a:r>
+            <a:r>
+              <a:rPr lang="pt-BR" sz="1800" dirty="0">
+                <a:effectLst/>
+                <a:latin typeface="Times New Roman" panose="02020603050405020304" pitchFamily="18" charset="0"/>
+                <a:ea typeface="Times New Roman" panose="02020603050405020304" pitchFamily="18" charset="0"/>
+              </a:rPr>
+              <a:t>. Manifesto for </a:t>
+            </a:r>
+            <a:r>
+              <a:rPr lang="pt-BR" sz="1800" dirty="0" err="1">
+                <a:effectLst/>
+                <a:latin typeface="Times New Roman" panose="02020603050405020304" pitchFamily="18" charset="0"/>
+                <a:ea typeface="Times New Roman" panose="02020603050405020304" pitchFamily="18" charset="0"/>
+              </a:rPr>
+              <a:t>agile</a:t>
+            </a:r>
+            <a:r>
+              <a:rPr lang="pt-BR" sz="1800" dirty="0">
+                <a:effectLst/>
+                <a:latin typeface="Times New Roman" panose="02020603050405020304" pitchFamily="18" charset="0"/>
+                <a:ea typeface="Times New Roman" panose="02020603050405020304" pitchFamily="18" charset="0"/>
+              </a:rPr>
+              <a:t> software </a:t>
+            </a:r>
+            <a:r>
+              <a:rPr lang="pt-BR" sz="1800" dirty="0" err="1">
+                <a:effectLst/>
+                <a:latin typeface="Times New Roman" panose="02020603050405020304" pitchFamily="18" charset="0"/>
+                <a:ea typeface="Times New Roman" panose="02020603050405020304" pitchFamily="18" charset="0"/>
+              </a:rPr>
+              <a:t>development</a:t>
+            </a:r>
+            <a:r>
+              <a:rPr lang="pt-BR" sz="1800" dirty="0">
+                <a:effectLst/>
+                <a:latin typeface="Times New Roman" panose="02020603050405020304" pitchFamily="18" charset="0"/>
+                <a:ea typeface="Times New Roman" panose="02020603050405020304" pitchFamily="18" charset="0"/>
+              </a:rPr>
+              <a:t>. </a:t>
+            </a:r>
+            <a:r>
+              <a:rPr lang="pt-BR" sz="1800" i="1" dirty="0">
+                <a:effectLst/>
+                <a:latin typeface="Times New Roman" panose="02020603050405020304" pitchFamily="18" charset="0"/>
+                <a:ea typeface="Times New Roman" panose="02020603050405020304" pitchFamily="18" charset="0"/>
+              </a:rPr>
+              <a:t>[S. l.]</a:t>
+            </a:r>
+            <a:r>
+              <a:rPr lang="pt-BR" sz="1800" dirty="0">
+                <a:effectLst/>
+                <a:latin typeface="Times New Roman" panose="02020603050405020304" pitchFamily="18" charset="0"/>
+                <a:ea typeface="Times New Roman" panose="02020603050405020304" pitchFamily="18" charset="0"/>
+              </a:rPr>
+              <a:t>,  2001.</a:t>
+            </a:r>
+          </a:p>
+          <a:p>
+            <a:r>
+              <a:rPr lang="en-US" sz="1800" dirty="0">
+                <a:effectLst/>
+                <a:latin typeface="Times New Roman" panose="02020603050405020304" pitchFamily="18" charset="0"/>
+                <a:ea typeface="Times New Roman" panose="02020603050405020304" pitchFamily="18" charset="0"/>
+              </a:rPr>
+              <a:t>PLOYHART, R. E.; BLIESE, P. D. Individual Adaptability (I-ADAPT) Theory: Conceptualizing the Antecedents, Consequences, and Measurement of Individual Differences in Adaptability Robert. </a:t>
+            </a:r>
+            <a:r>
+              <a:rPr lang="en-US" sz="1800" b="1" dirty="0">
+                <a:effectLst/>
+                <a:latin typeface="Times New Roman" panose="02020603050405020304" pitchFamily="18" charset="0"/>
+                <a:ea typeface="Times New Roman" panose="02020603050405020304" pitchFamily="18" charset="0"/>
+              </a:rPr>
+              <a:t>Advances in Human Performance and Cognitive Engineering Research</a:t>
+            </a:r>
+            <a:r>
+              <a:rPr lang="en-US" sz="1800" dirty="0">
+                <a:effectLst/>
+                <a:latin typeface="Times New Roman" panose="02020603050405020304" pitchFamily="18" charset="0"/>
+                <a:ea typeface="Times New Roman" panose="02020603050405020304" pitchFamily="18" charset="0"/>
+              </a:rPr>
+              <a:t>, </a:t>
+            </a:r>
+            <a:r>
+              <a:rPr lang="en-US" sz="1800" i="1" dirty="0">
+                <a:effectLst/>
+                <a:latin typeface="Times New Roman" panose="02020603050405020304" pitchFamily="18" charset="0"/>
+                <a:ea typeface="Times New Roman" panose="02020603050405020304" pitchFamily="18" charset="0"/>
+              </a:rPr>
+              <a:t>[S. l.]</a:t>
+            </a:r>
+            <a:r>
+              <a:rPr lang="en-US" sz="1800" dirty="0">
+                <a:effectLst/>
+                <a:latin typeface="Times New Roman" panose="02020603050405020304" pitchFamily="18" charset="0"/>
+                <a:ea typeface="Times New Roman" panose="02020603050405020304" pitchFamily="18" charset="0"/>
+              </a:rPr>
+              <a:t>, v. 6, p. 3–39, 2006 a. </a:t>
+            </a:r>
+            <a:r>
+              <a:rPr lang="en-US" sz="1800" dirty="0" err="1">
+                <a:effectLst/>
+                <a:latin typeface="Times New Roman" panose="02020603050405020304" pitchFamily="18" charset="0"/>
+                <a:ea typeface="Times New Roman" panose="02020603050405020304" pitchFamily="18" charset="0"/>
+              </a:rPr>
+              <a:t>Disponível</a:t>
+            </a:r>
+            <a:r>
+              <a:rPr lang="en-US" sz="1800" dirty="0">
+                <a:effectLst/>
+                <a:latin typeface="Times New Roman" panose="02020603050405020304" pitchFamily="18" charset="0"/>
+                <a:ea typeface="Times New Roman" panose="02020603050405020304" pitchFamily="18" charset="0"/>
+              </a:rPr>
+              <a:t> </a:t>
+            </a:r>
+            <a:r>
+              <a:rPr lang="en-US" sz="1800" dirty="0" err="1">
+                <a:effectLst/>
+                <a:latin typeface="Times New Roman" panose="02020603050405020304" pitchFamily="18" charset="0"/>
+                <a:ea typeface="Times New Roman" panose="02020603050405020304" pitchFamily="18" charset="0"/>
+              </a:rPr>
+              <a:t>em</a:t>
+            </a:r>
+            <a:r>
+              <a:rPr lang="en-US" sz="1800" dirty="0">
+                <a:effectLst/>
+                <a:latin typeface="Times New Roman" panose="02020603050405020304" pitchFamily="18" charset="0"/>
+                <a:ea typeface="Times New Roman" panose="02020603050405020304" pitchFamily="18" charset="0"/>
+              </a:rPr>
+              <a:t>: http://www.scopus.com/inward/record.url?eid=2-s2.0-33645845680&amp;partnerID=tZOtx3y</a:t>
+            </a:r>
+            <a:endParaRPr lang="pt-BR" dirty="0"/>
+          </a:p>
+        </p:txBody>
+      </p:sp>
+    </p:spTree>
+    <p:extLst>
+      <p:ext uri="{BB962C8B-B14F-4D97-AF65-F5344CB8AC3E}">
+        <p14:creationId xmlns:p14="http://schemas.microsoft.com/office/powerpoint/2010/main" val="4205859704"/>
+      </p:ext>
+    </p:extLst>
+  </p:cSld>
+  <p:clrMapOvr>
+    <a:masterClrMapping/>
+  </p:clrMapOvr>
+</p:sld>
+</file>
+
+<file path=ppt/slides/slide101.xml><?xml version="1.0" encoding="utf-8"?>
+<p:sld xmlns:a="http://schemas.openxmlformats.org/drawingml/2006/main" xmlns:r="http://schemas.openxmlformats.org/officeDocument/2006/relationships" xmlns:p="http://schemas.openxmlformats.org/presentationml/2006/main">
+  <p:cSld>
+    <p:spTree>
+      <p:nvGrpSpPr>
+        <p:cNvPr id="1" name=""/>
+        <p:cNvGrpSpPr/>
+        <p:nvPr/>
+      </p:nvGrpSpPr>
+      <p:grpSpPr>
+        <a:xfrm>
+          <a:off x="0" y="0"/>
+          <a:ext cx="0" cy="0"/>
+          <a:chOff x="0" y="0"/>
+          <a:chExt cx="0" cy="0"/>
+        </a:xfrm>
+      </p:grpSpPr>
+      <p:sp>
+        <p:nvSpPr>
+          <p:cNvPr id="2" name="Título 1">
+            <a:extLst>
+              <a:ext uri="{FF2B5EF4-FFF2-40B4-BE49-F238E27FC236}">
+                <a16:creationId xmlns:a16="http://schemas.microsoft.com/office/drawing/2014/main" id="{955B7A71-0AE6-4842-8500-FF5159312A34}"/>
+              </a:ext>
+            </a:extLst>
+          </p:cNvPr>
+          <p:cNvSpPr>
+            <a:spLocks noGrp="1"/>
+          </p:cNvSpPr>
+          <p:nvPr>
+            <p:ph type="title"/>
+          </p:nvPr>
+        </p:nvSpPr>
+        <p:spPr/>
+        <p:txBody>
+          <a:bodyPr/>
+          <a:lstStyle/>
+          <a:p>
+            <a:r>
+              <a:rPr lang="pt-BR" dirty="0"/>
+              <a:t>Referências</a:t>
+            </a:r>
+          </a:p>
+        </p:txBody>
+      </p:sp>
+      <p:sp>
+        <p:nvSpPr>
+          <p:cNvPr id="3" name="Espaço Reservado para Conteúdo 2">
+            <a:extLst>
+              <a:ext uri="{FF2B5EF4-FFF2-40B4-BE49-F238E27FC236}">
+                <a16:creationId xmlns:a16="http://schemas.microsoft.com/office/drawing/2014/main" id="{EBBB26C3-F96E-4074-AC85-D845AA1F466A}"/>
+              </a:ext>
+            </a:extLst>
+          </p:cNvPr>
+          <p:cNvSpPr>
+            <a:spLocks noGrp="1"/>
+          </p:cNvSpPr>
+          <p:nvPr>
+            <p:ph idx="1"/>
+          </p:nvPr>
+        </p:nvSpPr>
+        <p:spPr/>
+        <p:txBody>
+          <a:bodyPr>
+            <a:normAutofit fontScale="47500" lnSpcReduction="20000"/>
+          </a:bodyPr>
+          <a:lstStyle/>
+          <a:p>
+            <a:r>
+              <a:rPr lang="en-US" sz="1800" dirty="0">
+                <a:effectLst/>
+                <a:latin typeface="Times New Roman" panose="02020603050405020304" pitchFamily="18" charset="0"/>
+                <a:ea typeface="Times New Roman" panose="02020603050405020304" pitchFamily="18" charset="0"/>
+                <a:cs typeface="Times New Roman" panose="02020603050405020304" pitchFamily="18" charset="0"/>
+              </a:rPr>
+              <a:t>LI, Paul Luo; KO, Andrew J.; ZHU, </a:t>
+            </a:r>
+            <a:r>
+              <a:rPr lang="en-US" sz="1800" dirty="0" err="1">
+                <a:effectLst/>
+                <a:latin typeface="Times New Roman" panose="02020603050405020304" pitchFamily="18" charset="0"/>
+                <a:ea typeface="Times New Roman" panose="02020603050405020304" pitchFamily="18" charset="0"/>
+                <a:cs typeface="Times New Roman" panose="02020603050405020304" pitchFamily="18" charset="0"/>
+              </a:rPr>
+              <a:t>Jiamin</a:t>
+            </a:r>
+            <a:r>
+              <a:rPr lang="en-US" sz="1800" dirty="0">
+                <a:effectLst/>
+                <a:latin typeface="Times New Roman" panose="02020603050405020304" pitchFamily="18" charset="0"/>
+                <a:ea typeface="Times New Roman" panose="02020603050405020304" pitchFamily="18" charset="0"/>
+                <a:cs typeface="Times New Roman" panose="02020603050405020304" pitchFamily="18" charset="0"/>
+              </a:rPr>
+              <a:t>. What makes a great software engineer? In:  2015, Proceedings - International Conference on Software Engineering. [S. l.: s. n.] p. 700–710.</a:t>
+            </a:r>
+          </a:p>
+          <a:p>
+            <a:endParaRPr lang="en-US" sz="1800" dirty="0">
+              <a:effectLst/>
+              <a:latin typeface="Times New Roman" panose="02020603050405020304" pitchFamily="18" charset="0"/>
+              <a:ea typeface="Times New Roman" panose="02020603050405020304" pitchFamily="18" charset="0"/>
+              <a:cs typeface="Times New Roman" panose="02020603050405020304" pitchFamily="18" charset="0"/>
+            </a:endParaRPr>
+          </a:p>
+          <a:p>
+            <a:r>
+              <a:rPr lang="en-US" sz="1800" dirty="0">
+                <a:effectLst/>
+                <a:latin typeface="Times New Roman" panose="02020603050405020304" pitchFamily="18" charset="0"/>
+                <a:ea typeface="Times New Roman" panose="02020603050405020304" pitchFamily="18" charset="0"/>
+                <a:cs typeface="Times New Roman" panose="02020603050405020304" pitchFamily="18" charset="0"/>
+              </a:rPr>
+              <a:t>AHMED, Faheem et al. Soft skills requirements in software development jobs : a cross-cultural empirical study. Journal of Systems and Information Technology, [S. l.], v. 14, n. 1, p. 58–81, 2017. </a:t>
+            </a:r>
+          </a:p>
+          <a:p>
+            <a:endParaRPr lang="en-US" sz="1800" dirty="0">
+              <a:effectLst/>
+              <a:latin typeface="Times New Roman" panose="02020603050405020304" pitchFamily="18" charset="0"/>
+              <a:ea typeface="Times New Roman" panose="02020603050405020304" pitchFamily="18" charset="0"/>
+              <a:cs typeface="Times New Roman" panose="02020603050405020304" pitchFamily="18" charset="0"/>
+            </a:endParaRPr>
+          </a:p>
+          <a:p>
+            <a:r>
+              <a:rPr lang="en-US" sz="1800" dirty="0">
+                <a:effectLst/>
+                <a:latin typeface="Times New Roman" panose="02020603050405020304" pitchFamily="18" charset="0"/>
+                <a:ea typeface="Times New Roman" panose="02020603050405020304" pitchFamily="18" charset="0"/>
+                <a:cs typeface="Times New Roman" panose="02020603050405020304" pitchFamily="18" charset="0"/>
+              </a:rPr>
+              <a:t>INVERARDI, Paola; JAZAYERI, Mehdi. Software Engineering Education in the Modern Age: Software Education and Training Sessions at the International Conference, on Software Engineering, ICSE 2005, St. Louis, MO, USA, May 15-21, 2005, Revised Lectures. [S. l.]: Springer, 2006. v. 4309</a:t>
+            </a:r>
+          </a:p>
+          <a:p>
+            <a:endParaRPr lang="en-US" sz="1800" dirty="0">
+              <a:effectLst/>
+              <a:latin typeface="Times New Roman" panose="02020603050405020304" pitchFamily="18" charset="0"/>
+              <a:ea typeface="Times New Roman" panose="02020603050405020304" pitchFamily="18" charset="0"/>
+              <a:cs typeface="Times New Roman" panose="02020603050405020304" pitchFamily="18" charset="0"/>
+            </a:endParaRPr>
+          </a:p>
+          <a:p>
+            <a:r>
+              <a:rPr lang="en-US" sz="1800" dirty="0">
+                <a:effectLst/>
+                <a:latin typeface="Times New Roman" panose="02020603050405020304" pitchFamily="18" charset="0"/>
+                <a:ea typeface="Times New Roman" panose="02020603050405020304" pitchFamily="18" charset="0"/>
+                <a:cs typeface="Times New Roman" panose="02020603050405020304" pitchFamily="18" charset="0"/>
+              </a:rPr>
+              <a:t>MINISTÉRIO DA EDUCAÇÃO. </a:t>
+            </a:r>
+            <a:r>
+              <a:rPr lang="en-US" sz="1800" dirty="0" err="1">
+                <a:effectLst/>
+                <a:latin typeface="Times New Roman" panose="02020603050405020304" pitchFamily="18" charset="0"/>
+                <a:ea typeface="Times New Roman" panose="02020603050405020304" pitchFamily="18" charset="0"/>
+                <a:cs typeface="Times New Roman" panose="02020603050405020304" pitchFamily="18" charset="0"/>
+              </a:rPr>
+              <a:t>Diretrizes</a:t>
+            </a:r>
+            <a:r>
+              <a:rPr lang="en-US" sz="1800" dirty="0">
+                <a:effectLst/>
+                <a:latin typeface="Times New Roman" panose="02020603050405020304" pitchFamily="18" charset="0"/>
+                <a:ea typeface="Times New Roman" panose="02020603050405020304" pitchFamily="18" charset="0"/>
+                <a:cs typeface="Times New Roman" panose="02020603050405020304" pitchFamily="18" charset="0"/>
+              </a:rPr>
+              <a:t> </a:t>
+            </a:r>
+            <a:r>
+              <a:rPr lang="en-US" sz="1800" dirty="0" err="1">
+                <a:effectLst/>
+                <a:latin typeface="Times New Roman" panose="02020603050405020304" pitchFamily="18" charset="0"/>
+                <a:ea typeface="Times New Roman" panose="02020603050405020304" pitchFamily="18" charset="0"/>
+                <a:cs typeface="Times New Roman" panose="02020603050405020304" pitchFamily="18" charset="0"/>
+              </a:rPr>
+              <a:t>Curriculares</a:t>
+            </a:r>
+            <a:r>
+              <a:rPr lang="en-US" sz="1800" dirty="0">
+                <a:effectLst/>
+                <a:latin typeface="Times New Roman" panose="02020603050405020304" pitchFamily="18" charset="0"/>
+                <a:ea typeface="Times New Roman" panose="02020603050405020304" pitchFamily="18" charset="0"/>
+                <a:cs typeface="Times New Roman" panose="02020603050405020304" pitchFamily="18" charset="0"/>
+              </a:rPr>
+              <a:t> </a:t>
+            </a:r>
+            <a:r>
+              <a:rPr lang="en-US" sz="1800" dirty="0" err="1">
+                <a:effectLst/>
+                <a:latin typeface="Times New Roman" panose="02020603050405020304" pitchFamily="18" charset="0"/>
+                <a:ea typeface="Times New Roman" panose="02020603050405020304" pitchFamily="18" charset="0"/>
+                <a:cs typeface="Times New Roman" panose="02020603050405020304" pitchFamily="18" charset="0"/>
+              </a:rPr>
+              <a:t>Nacionais</a:t>
+            </a:r>
+            <a:r>
+              <a:rPr lang="en-US" sz="1800" dirty="0">
+                <a:effectLst/>
+                <a:latin typeface="Times New Roman" panose="02020603050405020304" pitchFamily="18" charset="0"/>
+                <a:ea typeface="Times New Roman" panose="02020603050405020304" pitchFamily="18" charset="0"/>
+                <a:cs typeface="Times New Roman" panose="02020603050405020304" pitchFamily="18" charset="0"/>
+              </a:rPr>
+              <a:t> para </a:t>
+            </a:r>
+            <a:r>
+              <a:rPr lang="en-US" sz="1800" dirty="0" err="1">
+                <a:effectLst/>
+                <a:latin typeface="Times New Roman" panose="02020603050405020304" pitchFamily="18" charset="0"/>
+                <a:ea typeface="Times New Roman" panose="02020603050405020304" pitchFamily="18" charset="0"/>
+                <a:cs typeface="Times New Roman" panose="02020603050405020304" pitchFamily="18" charset="0"/>
+              </a:rPr>
+              <a:t>os</a:t>
+            </a:r>
+            <a:r>
+              <a:rPr lang="en-US" sz="1800" dirty="0">
+                <a:effectLst/>
+                <a:latin typeface="Times New Roman" panose="02020603050405020304" pitchFamily="18" charset="0"/>
+                <a:ea typeface="Times New Roman" panose="02020603050405020304" pitchFamily="18" charset="0"/>
+                <a:cs typeface="Times New Roman" panose="02020603050405020304" pitchFamily="18" charset="0"/>
+              </a:rPr>
+              <a:t> </a:t>
+            </a:r>
+            <a:r>
+              <a:rPr lang="en-US" sz="1800" dirty="0" err="1">
+                <a:effectLst/>
+                <a:latin typeface="Times New Roman" panose="02020603050405020304" pitchFamily="18" charset="0"/>
+                <a:ea typeface="Times New Roman" panose="02020603050405020304" pitchFamily="18" charset="0"/>
+                <a:cs typeface="Times New Roman" panose="02020603050405020304" pitchFamily="18" charset="0"/>
+              </a:rPr>
+              <a:t>cursos</a:t>
+            </a:r>
+            <a:r>
+              <a:rPr lang="en-US" sz="1800" dirty="0">
+                <a:effectLst/>
+                <a:latin typeface="Times New Roman" panose="02020603050405020304" pitchFamily="18" charset="0"/>
+                <a:ea typeface="Times New Roman" panose="02020603050405020304" pitchFamily="18" charset="0"/>
+                <a:cs typeface="Times New Roman" panose="02020603050405020304" pitchFamily="18" charset="0"/>
+              </a:rPr>
+              <a:t> de </a:t>
+            </a:r>
+            <a:r>
+              <a:rPr lang="en-US" sz="1800" dirty="0" err="1">
+                <a:effectLst/>
+                <a:latin typeface="Times New Roman" panose="02020603050405020304" pitchFamily="18" charset="0"/>
+                <a:ea typeface="Times New Roman" panose="02020603050405020304" pitchFamily="18" charset="0"/>
+                <a:cs typeface="Times New Roman" panose="02020603050405020304" pitchFamily="18" charset="0"/>
+              </a:rPr>
+              <a:t>Graduação</a:t>
+            </a:r>
+            <a:r>
+              <a:rPr lang="en-US" sz="1800" dirty="0">
+                <a:effectLst/>
+                <a:latin typeface="Times New Roman" panose="02020603050405020304" pitchFamily="18" charset="0"/>
+                <a:ea typeface="Times New Roman" panose="02020603050405020304" pitchFamily="18" charset="0"/>
+                <a:cs typeface="Times New Roman" panose="02020603050405020304" pitchFamily="18" charset="0"/>
+              </a:rPr>
+              <a:t> </a:t>
+            </a:r>
+            <a:r>
+              <a:rPr lang="en-US" sz="1800" dirty="0" err="1">
+                <a:effectLst/>
+                <a:latin typeface="Times New Roman" panose="02020603050405020304" pitchFamily="18" charset="0"/>
+                <a:ea typeface="Times New Roman" panose="02020603050405020304" pitchFamily="18" charset="0"/>
+                <a:cs typeface="Times New Roman" panose="02020603050405020304" pitchFamily="18" charset="0"/>
+              </a:rPr>
+              <a:t>em</a:t>
+            </a:r>
+            <a:r>
+              <a:rPr lang="en-US" sz="1800" dirty="0">
+                <a:effectLst/>
+                <a:latin typeface="Times New Roman" panose="02020603050405020304" pitchFamily="18" charset="0"/>
+                <a:ea typeface="Times New Roman" panose="02020603050405020304" pitchFamily="18" charset="0"/>
+                <a:cs typeface="Times New Roman" panose="02020603050405020304" pitchFamily="18" charset="0"/>
+              </a:rPr>
+              <a:t> </a:t>
+            </a:r>
+            <a:r>
+              <a:rPr lang="en-US" sz="1800" dirty="0" err="1">
+                <a:effectLst/>
+                <a:latin typeface="Times New Roman" panose="02020603050405020304" pitchFamily="18" charset="0"/>
+                <a:ea typeface="Times New Roman" panose="02020603050405020304" pitchFamily="18" charset="0"/>
+                <a:cs typeface="Times New Roman" panose="02020603050405020304" pitchFamily="18" charset="0"/>
+              </a:rPr>
+              <a:t>Computação</a:t>
+            </a:r>
+            <a:r>
+              <a:rPr lang="en-US" sz="1800" dirty="0">
+                <a:effectLst/>
+                <a:latin typeface="Times New Roman" panose="02020603050405020304" pitchFamily="18" charset="0"/>
+                <a:ea typeface="Times New Roman" panose="02020603050405020304" pitchFamily="18" charset="0"/>
+                <a:cs typeface="Times New Roman" panose="02020603050405020304" pitchFamily="18" charset="0"/>
+              </a:rPr>
+              <a:t> (DCN16). </a:t>
+            </a:r>
+            <a:r>
+              <a:rPr lang="en-US" sz="1800" dirty="0" err="1">
+                <a:effectLst/>
+                <a:latin typeface="Times New Roman" panose="02020603050405020304" pitchFamily="18" charset="0"/>
+                <a:ea typeface="Times New Roman" panose="02020603050405020304" pitchFamily="18" charset="0"/>
+                <a:cs typeface="Times New Roman" panose="02020603050405020304" pitchFamily="18" charset="0"/>
+              </a:rPr>
+              <a:t>Resolução</a:t>
+            </a:r>
+            <a:r>
+              <a:rPr lang="en-US" sz="1800" dirty="0">
+                <a:effectLst/>
+                <a:latin typeface="Times New Roman" panose="02020603050405020304" pitchFamily="18" charset="0"/>
+                <a:ea typeface="Times New Roman" panose="02020603050405020304" pitchFamily="18" charset="0"/>
+                <a:cs typeface="Times New Roman" panose="02020603050405020304" pitchFamily="18" charset="0"/>
+              </a:rPr>
+              <a:t> CNE/CES no 5, de 16 de </a:t>
+            </a:r>
+            <a:r>
+              <a:rPr lang="en-US" sz="1800" dirty="0" err="1">
+                <a:effectLst/>
+                <a:latin typeface="Times New Roman" panose="02020603050405020304" pitchFamily="18" charset="0"/>
+                <a:ea typeface="Times New Roman" panose="02020603050405020304" pitchFamily="18" charset="0"/>
+                <a:cs typeface="Times New Roman" panose="02020603050405020304" pitchFamily="18" charset="0"/>
+              </a:rPr>
+              <a:t>novembro</a:t>
+            </a:r>
+            <a:r>
+              <a:rPr lang="en-US" sz="1800" dirty="0">
+                <a:effectLst/>
+                <a:latin typeface="Times New Roman" panose="02020603050405020304" pitchFamily="18" charset="0"/>
+                <a:ea typeface="Times New Roman" panose="02020603050405020304" pitchFamily="18" charset="0"/>
+                <a:cs typeface="Times New Roman" panose="02020603050405020304" pitchFamily="18" charset="0"/>
+              </a:rPr>
+              <a:t> de 2016, [S. l.], v. 2016, p. 9, 2016. </a:t>
+            </a:r>
+            <a:r>
+              <a:rPr lang="en-US" sz="1800" dirty="0" err="1">
+                <a:effectLst/>
+                <a:latin typeface="Times New Roman" panose="02020603050405020304" pitchFamily="18" charset="0"/>
+                <a:ea typeface="Times New Roman" panose="02020603050405020304" pitchFamily="18" charset="0"/>
+                <a:cs typeface="Times New Roman" panose="02020603050405020304" pitchFamily="18" charset="0"/>
+              </a:rPr>
+              <a:t>Disponível</a:t>
+            </a:r>
+            <a:r>
+              <a:rPr lang="en-US" sz="1800" dirty="0">
+                <a:effectLst/>
+                <a:latin typeface="Times New Roman" panose="02020603050405020304" pitchFamily="18" charset="0"/>
+                <a:ea typeface="Times New Roman" panose="02020603050405020304" pitchFamily="18" charset="0"/>
+                <a:cs typeface="Times New Roman" panose="02020603050405020304" pitchFamily="18" charset="0"/>
+              </a:rPr>
+              <a:t> </a:t>
+            </a:r>
+            <a:r>
+              <a:rPr lang="en-US" sz="1800" dirty="0" err="1">
+                <a:effectLst/>
+                <a:latin typeface="Times New Roman" panose="02020603050405020304" pitchFamily="18" charset="0"/>
+                <a:ea typeface="Times New Roman" panose="02020603050405020304" pitchFamily="18" charset="0"/>
+                <a:cs typeface="Times New Roman" panose="02020603050405020304" pitchFamily="18" charset="0"/>
+              </a:rPr>
+              <a:t>em</a:t>
+            </a:r>
+            <a:r>
+              <a:rPr lang="en-US" sz="1800" dirty="0">
+                <a:effectLst/>
+                <a:latin typeface="Times New Roman" panose="02020603050405020304" pitchFamily="18" charset="0"/>
+                <a:ea typeface="Times New Roman" panose="02020603050405020304" pitchFamily="18" charset="0"/>
+                <a:cs typeface="Times New Roman" panose="02020603050405020304" pitchFamily="18" charset="0"/>
+              </a:rPr>
+              <a:t>: http://portal.mec.gov.br/index.php?option=com_docman&amp;view=download&amp;alias=52101-rces005-16-pdf&amp;category_slug=novembro-2016-pdf&amp;Itemid=30192</a:t>
+            </a:r>
+          </a:p>
+          <a:p>
+            <a:endParaRPr lang="en-US" sz="1800" dirty="0">
+              <a:effectLst/>
+              <a:latin typeface="Times New Roman" panose="02020603050405020304" pitchFamily="18" charset="0"/>
+              <a:ea typeface="Times New Roman" panose="02020603050405020304" pitchFamily="18" charset="0"/>
+              <a:cs typeface="Times New Roman" panose="02020603050405020304" pitchFamily="18" charset="0"/>
+            </a:endParaRPr>
+          </a:p>
+          <a:p>
+            <a:r>
+              <a:rPr lang="en-US" sz="1800" dirty="0">
+                <a:effectLst/>
+                <a:latin typeface="Times New Roman" panose="02020603050405020304" pitchFamily="18" charset="0"/>
+                <a:ea typeface="Times New Roman" panose="02020603050405020304" pitchFamily="18" charset="0"/>
+                <a:cs typeface="Times New Roman" panose="02020603050405020304" pitchFamily="18" charset="0"/>
+              </a:rPr>
+              <a:t>FRANCA, Cesar; DA SILVA, Fabio </a:t>
+            </a:r>
+            <a:r>
+              <a:rPr lang="en-US" sz="1800" dirty="0" err="1">
+                <a:effectLst/>
+                <a:latin typeface="Times New Roman" panose="02020603050405020304" pitchFamily="18" charset="0"/>
+                <a:ea typeface="Times New Roman" panose="02020603050405020304" pitchFamily="18" charset="0"/>
+                <a:cs typeface="Times New Roman" panose="02020603050405020304" pitchFamily="18" charset="0"/>
+              </a:rPr>
+              <a:t>Fabio</a:t>
+            </a:r>
+            <a:r>
+              <a:rPr lang="en-US" sz="1800" dirty="0">
+                <a:effectLst/>
+                <a:latin typeface="Times New Roman" panose="02020603050405020304" pitchFamily="18" charset="0"/>
+                <a:ea typeface="Times New Roman" panose="02020603050405020304" pitchFamily="18" charset="0"/>
+                <a:cs typeface="Times New Roman" panose="02020603050405020304" pitchFamily="18" charset="0"/>
+              </a:rPr>
+              <a:t> </a:t>
+            </a:r>
+            <a:r>
+              <a:rPr lang="en-US" sz="1800" dirty="0" err="1">
+                <a:effectLst/>
+                <a:latin typeface="Times New Roman" panose="02020603050405020304" pitchFamily="18" charset="0"/>
+                <a:ea typeface="Times New Roman" panose="02020603050405020304" pitchFamily="18" charset="0"/>
+                <a:cs typeface="Times New Roman" panose="02020603050405020304" pitchFamily="18" charset="0"/>
+              </a:rPr>
+              <a:t>Queda</a:t>
+            </a:r>
+            <a:r>
+              <a:rPr lang="en-US" sz="1800" dirty="0">
+                <a:effectLst/>
+                <a:latin typeface="Times New Roman" panose="02020603050405020304" pitchFamily="18" charset="0"/>
+                <a:ea typeface="Times New Roman" panose="02020603050405020304" pitchFamily="18" charset="0"/>
+                <a:cs typeface="Times New Roman" panose="02020603050405020304" pitchFamily="18" charset="0"/>
+              </a:rPr>
+              <a:t> Bueno; SHARP, Helen. Motivation and Satisfaction of Software Engineers. IEEE Transactions on Software Engineering, [S. l.], p. 1–27, 2018.</a:t>
+            </a:r>
+          </a:p>
+          <a:p>
+            <a:endParaRPr lang="en-US" sz="1800" dirty="0">
+              <a:effectLst/>
+              <a:latin typeface="Times New Roman" panose="02020603050405020304" pitchFamily="18" charset="0"/>
+              <a:ea typeface="Times New Roman" panose="02020603050405020304" pitchFamily="18" charset="0"/>
+              <a:cs typeface="Times New Roman" panose="02020603050405020304" pitchFamily="18" charset="0"/>
+            </a:endParaRPr>
+          </a:p>
+          <a:p>
+            <a:r>
+              <a:rPr lang="en-US" sz="1800" dirty="0">
+                <a:effectLst/>
+                <a:latin typeface="Times New Roman" panose="02020603050405020304" pitchFamily="18" charset="0"/>
+                <a:ea typeface="Times New Roman" panose="02020603050405020304" pitchFamily="18" charset="0"/>
+                <a:cs typeface="Times New Roman" panose="02020603050405020304" pitchFamily="18" charset="0"/>
+              </a:rPr>
+              <a:t>LENBERG, Per; FELDT, Robert; WALLGREN, Lars </a:t>
+            </a:r>
+            <a:r>
+              <a:rPr lang="en-US" sz="1800" dirty="0" err="1">
+                <a:effectLst/>
+                <a:latin typeface="Times New Roman" panose="02020603050405020304" pitchFamily="18" charset="0"/>
+                <a:ea typeface="Times New Roman" panose="02020603050405020304" pitchFamily="18" charset="0"/>
+                <a:cs typeface="Times New Roman" panose="02020603050405020304" pitchFamily="18" charset="0"/>
+              </a:rPr>
+              <a:t>Göran</a:t>
+            </a:r>
+            <a:r>
+              <a:rPr lang="en-US" sz="1800" dirty="0">
+                <a:effectLst/>
+                <a:latin typeface="Times New Roman" panose="02020603050405020304" pitchFamily="18" charset="0"/>
+                <a:ea typeface="Times New Roman" panose="02020603050405020304" pitchFamily="18" charset="0"/>
+                <a:cs typeface="Times New Roman" panose="02020603050405020304" pitchFamily="18" charset="0"/>
+              </a:rPr>
+              <a:t>. Behavioral software engineering: A definition and systematic literature review. Journal of Systems and Software, [S. l.], v. 107, p. 15–37, 2015. </a:t>
+            </a:r>
+          </a:p>
+          <a:p>
+            <a:endParaRPr lang="en-US" sz="1800" dirty="0">
+              <a:effectLst/>
+              <a:latin typeface="Times New Roman" panose="02020603050405020304" pitchFamily="18" charset="0"/>
+              <a:ea typeface="Times New Roman" panose="02020603050405020304" pitchFamily="18" charset="0"/>
+              <a:cs typeface="Times New Roman" panose="02020603050405020304" pitchFamily="18" charset="0"/>
+            </a:endParaRPr>
+          </a:p>
+          <a:p>
+            <a:r>
+              <a:rPr lang="en-US" sz="1800" dirty="0">
+                <a:effectLst/>
+                <a:latin typeface="Times New Roman" panose="02020603050405020304" pitchFamily="18" charset="0"/>
+                <a:ea typeface="Times New Roman" panose="02020603050405020304" pitchFamily="18" charset="0"/>
+                <a:cs typeface="Times New Roman" panose="02020603050405020304" pitchFamily="18" charset="0"/>
+              </a:rPr>
+              <a:t>BURK, Lisa; RICHARDSON, Jean; LATIN, Lisa. Conflict Management in Software Development Environments. Eighteenth Annual Pacific Northwest Software Quality Conference, [S. l.], p. 1–65, 2000. </a:t>
+            </a:r>
+            <a:r>
+              <a:rPr lang="en-US" sz="1800" dirty="0" err="1">
+                <a:effectLst/>
+                <a:latin typeface="Times New Roman" panose="02020603050405020304" pitchFamily="18" charset="0"/>
+                <a:ea typeface="Times New Roman" panose="02020603050405020304" pitchFamily="18" charset="0"/>
+                <a:cs typeface="Times New Roman" panose="02020603050405020304" pitchFamily="18" charset="0"/>
+              </a:rPr>
+              <a:t>Disponível</a:t>
+            </a:r>
+            <a:r>
+              <a:rPr lang="en-US" sz="1800" dirty="0">
+                <a:effectLst/>
+                <a:latin typeface="Times New Roman" panose="02020603050405020304" pitchFamily="18" charset="0"/>
+                <a:ea typeface="Times New Roman" panose="02020603050405020304" pitchFamily="18" charset="0"/>
+                <a:cs typeface="Times New Roman" panose="02020603050405020304" pitchFamily="18" charset="0"/>
+              </a:rPr>
+              <a:t> </a:t>
+            </a:r>
+            <a:r>
+              <a:rPr lang="en-US" sz="1800" dirty="0" err="1">
+                <a:effectLst/>
+                <a:latin typeface="Times New Roman" panose="02020603050405020304" pitchFamily="18" charset="0"/>
+                <a:ea typeface="Times New Roman" panose="02020603050405020304" pitchFamily="18" charset="0"/>
+                <a:cs typeface="Times New Roman" panose="02020603050405020304" pitchFamily="18" charset="0"/>
+              </a:rPr>
+              <a:t>em</a:t>
+            </a:r>
+            <a:r>
+              <a:rPr lang="en-US" sz="1800" dirty="0">
+                <a:effectLst/>
+                <a:latin typeface="Times New Roman" panose="02020603050405020304" pitchFamily="18" charset="0"/>
+                <a:ea typeface="Times New Roman" panose="02020603050405020304" pitchFamily="18" charset="0"/>
+                <a:cs typeface="Times New Roman" panose="02020603050405020304" pitchFamily="18" charset="0"/>
+              </a:rPr>
+              <a:t>: https://www.researchgate.net/publication/318987959_Conflict_Management_in_Software_Development_Environments</a:t>
+            </a:r>
+          </a:p>
+          <a:p>
+            <a:endParaRPr lang="en-US" sz="1800" dirty="0">
+              <a:effectLst/>
+              <a:latin typeface="Times New Roman" panose="02020603050405020304" pitchFamily="18" charset="0"/>
+              <a:ea typeface="Times New Roman" panose="02020603050405020304" pitchFamily="18" charset="0"/>
+              <a:cs typeface="Times New Roman" panose="02020603050405020304" pitchFamily="18" charset="0"/>
+            </a:endParaRPr>
+          </a:p>
+          <a:p>
+            <a:r>
+              <a:rPr lang="en-US" sz="1800" dirty="0">
+                <a:effectLst/>
+                <a:latin typeface="Times New Roman" panose="02020603050405020304" pitchFamily="18" charset="0"/>
+                <a:ea typeface="Times New Roman" panose="02020603050405020304" pitchFamily="18" charset="0"/>
+                <a:cs typeface="Times New Roman" panose="02020603050405020304" pitchFamily="18" charset="0"/>
+              </a:rPr>
+              <a:t>MASLACH, Christina; SCHAUFELI, Wilmar B.; LEITER, Michael P. JOB BURNOUT. </a:t>
+            </a:r>
+            <a:r>
+              <a:rPr lang="en-US" sz="1800" dirty="0" err="1">
+                <a:effectLst/>
+                <a:latin typeface="Times New Roman" panose="02020603050405020304" pitchFamily="18" charset="0"/>
+                <a:ea typeface="Times New Roman" panose="02020603050405020304" pitchFamily="18" charset="0"/>
+                <a:cs typeface="Times New Roman" panose="02020603050405020304" pitchFamily="18" charset="0"/>
+              </a:rPr>
+              <a:t>Annu</a:t>
+            </a:r>
+            <a:r>
+              <a:rPr lang="en-US" sz="1800" dirty="0">
+                <a:effectLst/>
+                <a:latin typeface="Times New Roman" panose="02020603050405020304" pitchFamily="18" charset="0"/>
+                <a:ea typeface="Times New Roman" panose="02020603050405020304" pitchFamily="18" charset="0"/>
+                <a:cs typeface="Times New Roman" panose="02020603050405020304" pitchFamily="18" charset="0"/>
+              </a:rPr>
+              <a:t>. Rev. Psychol., [S. l.], v. 52, p. 397–422, 2001</a:t>
+            </a:r>
+          </a:p>
+          <a:p>
+            <a:endParaRPr lang="en-US" sz="1800" dirty="0">
+              <a:effectLst/>
+              <a:latin typeface="Times New Roman" panose="02020603050405020304" pitchFamily="18" charset="0"/>
+              <a:ea typeface="Times New Roman" panose="02020603050405020304" pitchFamily="18" charset="0"/>
+              <a:cs typeface="Times New Roman" panose="02020603050405020304" pitchFamily="18" charset="0"/>
+            </a:endParaRPr>
+          </a:p>
+        </p:txBody>
+      </p:sp>
+    </p:spTree>
+    <p:extLst>
+      <p:ext uri="{BB962C8B-B14F-4D97-AF65-F5344CB8AC3E}">
+        <p14:creationId xmlns:p14="http://schemas.microsoft.com/office/powerpoint/2010/main" val="4245776506"/>
+      </p:ext>
+    </p:extLst>
+  </p:cSld>
+  <p:clrMapOvr>
+    <a:masterClrMapping/>
+  </p:clrMapOvr>
+</p:sld>
+</file>
+
+<file path=ppt/slides/slide102.xml><?xml version="1.0" encoding="utf-8"?>
+<p:sld xmlns:a="http://schemas.openxmlformats.org/drawingml/2006/main" xmlns:r="http://schemas.openxmlformats.org/officeDocument/2006/relationships" xmlns:p="http://schemas.openxmlformats.org/presentationml/2006/main">
+  <p:cSld>
+    <p:spTree>
+      <p:nvGrpSpPr>
+        <p:cNvPr id="1" name=""/>
+        <p:cNvGrpSpPr/>
+        <p:nvPr/>
+      </p:nvGrpSpPr>
+      <p:grpSpPr>
+        <a:xfrm>
+          <a:off x="0" y="0"/>
+          <a:ext cx="0" cy="0"/>
+          <a:chOff x="0" y="0"/>
+          <a:chExt cx="0" cy="0"/>
+        </a:xfrm>
+      </p:grpSpPr>
+      <p:sp>
+        <p:nvSpPr>
+          <p:cNvPr id="2" name="Título 1">
+            <a:extLst>
+              <a:ext uri="{FF2B5EF4-FFF2-40B4-BE49-F238E27FC236}">
+                <a16:creationId xmlns:a16="http://schemas.microsoft.com/office/drawing/2014/main" id="{955B7A71-0AE6-4842-8500-FF5159312A34}"/>
+              </a:ext>
+            </a:extLst>
+          </p:cNvPr>
+          <p:cNvSpPr>
+            <a:spLocks noGrp="1"/>
+          </p:cNvSpPr>
+          <p:nvPr>
+            <p:ph type="title"/>
+          </p:nvPr>
+        </p:nvSpPr>
+        <p:spPr/>
+        <p:txBody>
+          <a:bodyPr/>
+          <a:lstStyle/>
+          <a:p>
+            <a:r>
+              <a:rPr lang="pt-BR" dirty="0"/>
+              <a:t>Referências</a:t>
+            </a:r>
+          </a:p>
+        </p:txBody>
+      </p:sp>
+      <p:sp>
+        <p:nvSpPr>
+          <p:cNvPr id="3" name="Espaço Reservado para Conteúdo 2">
+            <a:extLst>
+              <a:ext uri="{FF2B5EF4-FFF2-40B4-BE49-F238E27FC236}">
+                <a16:creationId xmlns:a16="http://schemas.microsoft.com/office/drawing/2014/main" id="{EBBB26C3-F96E-4074-AC85-D845AA1F466A}"/>
+              </a:ext>
+            </a:extLst>
+          </p:cNvPr>
+          <p:cNvSpPr>
+            <a:spLocks noGrp="1"/>
+          </p:cNvSpPr>
+          <p:nvPr>
+            <p:ph idx="1"/>
+          </p:nvPr>
+        </p:nvSpPr>
+        <p:spPr/>
+        <p:txBody>
+          <a:bodyPr>
+            <a:normAutofit fontScale="55000" lnSpcReduction="20000"/>
+          </a:bodyPr>
+          <a:lstStyle/>
+          <a:p>
+            <a:r>
+              <a:rPr lang="en-US" sz="2400" dirty="0">
+                <a:effectLst/>
+                <a:latin typeface="Times New Roman" panose="02020603050405020304" pitchFamily="18" charset="0"/>
+                <a:ea typeface="Times New Roman" panose="02020603050405020304" pitchFamily="18" charset="0"/>
+                <a:cs typeface="Times New Roman" panose="02020603050405020304" pitchFamily="18" charset="0"/>
+              </a:rPr>
+              <a:t>SWIDER, Brian W.; ZIMMERMAN, Ryan D. Born to burnout: A meta-analytic path model of personality, job burnout, and work outcomes. Journal of Vocational Behavior, [S. l.], v. 76, n. 3, p. 487–506, 2010. </a:t>
+            </a:r>
+            <a:r>
+              <a:rPr lang="en-US" sz="2400" dirty="0" err="1">
+                <a:effectLst/>
+                <a:latin typeface="Times New Roman" panose="02020603050405020304" pitchFamily="18" charset="0"/>
+                <a:ea typeface="Times New Roman" panose="02020603050405020304" pitchFamily="18" charset="0"/>
+                <a:cs typeface="Times New Roman" panose="02020603050405020304" pitchFamily="18" charset="0"/>
+              </a:rPr>
+              <a:t>Disponível</a:t>
+            </a:r>
+            <a:r>
+              <a:rPr lang="en-US" sz="2400" dirty="0">
+                <a:effectLst/>
+                <a:latin typeface="Times New Roman" panose="02020603050405020304" pitchFamily="18" charset="0"/>
+                <a:ea typeface="Times New Roman" panose="02020603050405020304" pitchFamily="18" charset="0"/>
+                <a:cs typeface="Times New Roman" panose="02020603050405020304" pitchFamily="18" charset="0"/>
+              </a:rPr>
+              <a:t> </a:t>
+            </a:r>
+            <a:r>
+              <a:rPr lang="en-US" sz="2400" dirty="0" err="1">
+                <a:effectLst/>
+                <a:latin typeface="Times New Roman" panose="02020603050405020304" pitchFamily="18" charset="0"/>
+                <a:ea typeface="Times New Roman" panose="02020603050405020304" pitchFamily="18" charset="0"/>
+                <a:cs typeface="Times New Roman" panose="02020603050405020304" pitchFamily="18" charset="0"/>
+              </a:rPr>
+              <a:t>em</a:t>
+            </a:r>
+            <a:r>
+              <a:rPr lang="en-US" sz="2400" dirty="0">
+                <a:effectLst/>
+                <a:latin typeface="Times New Roman" panose="02020603050405020304" pitchFamily="18" charset="0"/>
+                <a:ea typeface="Times New Roman" panose="02020603050405020304" pitchFamily="18" charset="0"/>
+                <a:cs typeface="Times New Roman" panose="02020603050405020304" pitchFamily="18" charset="0"/>
+              </a:rPr>
+              <a:t>: http://dx.doi.org/10.1016/j.jvb.2010.01.003</a:t>
+            </a:r>
+          </a:p>
+          <a:p>
+            <a:endParaRPr lang="en-US" sz="2400" dirty="0">
+              <a:effectLst/>
+              <a:latin typeface="Times New Roman" panose="02020603050405020304" pitchFamily="18" charset="0"/>
+              <a:ea typeface="Times New Roman" panose="02020603050405020304" pitchFamily="18" charset="0"/>
+              <a:cs typeface="Times New Roman" panose="02020603050405020304" pitchFamily="18" charset="0"/>
+            </a:endParaRPr>
+          </a:p>
+          <a:p>
+            <a:r>
+              <a:rPr lang="en-US" sz="2400" dirty="0">
+                <a:effectLst/>
+                <a:latin typeface="Times New Roman" panose="02020603050405020304" pitchFamily="18" charset="0"/>
+                <a:ea typeface="Times New Roman" panose="02020603050405020304" pitchFamily="18" charset="0"/>
+                <a:cs typeface="Times New Roman" panose="02020603050405020304" pitchFamily="18" charset="0"/>
+              </a:rPr>
+              <a:t>BAARD, Samantha K.; RENCH, Tara A.; KOZLOWSKI, Steve W. J. Performance Adaptation: A Theoretical Integration and Review. [S. l.: s. n.]. v. 40</a:t>
+            </a:r>
+          </a:p>
+          <a:p>
+            <a:endParaRPr lang="en-US" sz="2400" dirty="0">
+              <a:effectLst/>
+              <a:latin typeface="Times New Roman" panose="02020603050405020304" pitchFamily="18" charset="0"/>
+              <a:ea typeface="Times New Roman" panose="02020603050405020304" pitchFamily="18" charset="0"/>
+              <a:cs typeface="Times New Roman" panose="02020603050405020304" pitchFamily="18" charset="0"/>
+            </a:endParaRPr>
+          </a:p>
+          <a:p>
+            <a:r>
+              <a:rPr lang="en-US" sz="2400" dirty="0">
+                <a:effectLst/>
+                <a:latin typeface="Times New Roman" panose="02020603050405020304" pitchFamily="18" charset="0"/>
+                <a:ea typeface="Times New Roman" panose="02020603050405020304" pitchFamily="18" charset="0"/>
+                <a:cs typeface="Times New Roman" panose="02020603050405020304" pitchFamily="18" charset="0"/>
+              </a:rPr>
+              <a:t>PULAKOS, Elaine D. et al. Adaptability in the workplace: Development of a taxonomy of adaptive performance. Journal of Applied Psychology, [S. l.], v. 85, n. 4, p. 612–624, 2000.</a:t>
+            </a:r>
+          </a:p>
+          <a:p>
+            <a:endParaRPr lang="en-US" sz="2400" dirty="0">
+              <a:effectLst/>
+              <a:latin typeface="Times New Roman" panose="02020603050405020304" pitchFamily="18" charset="0"/>
+              <a:ea typeface="Times New Roman" panose="02020603050405020304" pitchFamily="18" charset="0"/>
+              <a:cs typeface="Times New Roman" panose="02020603050405020304" pitchFamily="18" charset="0"/>
+            </a:endParaRPr>
+          </a:p>
+          <a:p>
+            <a:r>
+              <a:rPr lang="en-US" sz="2400" dirty="0">
+                <a:effectLst/>
+                <a:latin typeface="Times New Roman" panose="02020603050405020304" pitchFamily="18" charset="0"/>
+                <a:ea typeface="Times New Roman" panose="02020603050405020304" pitchFamily="18" charset="0"/>
+                <a:cs typeface="Times New Roman" panose="02020603050405020304" pitchFamily="18" charset="0"/>
+              </a:rPr>
+              <a:t>CHARBONNIER-VOIRIN, Audrey; ROUSSEL, Patrice. Adaptive performance: A new scale to measure individual performance in organizations. Canadian Journal of Administrative Sciences, [S. l.], v. 29, n. 3, p. 280–293, 2012</a:t>
+            </a:r>
+          </a:p>
+          <a:p>
+            <a:endParaRPr lang="en-US" sz="2400" dirty="0">
+              <a:effectLst/>
+              <a:latin typeface="Times New Roman" panose="02020603050405020304" pitchFamily="18" charset="0"/>
+              <a:ea typeface="Times New Roman" panose="02020603050405020304" pitchFamily="18" charset="0"/>
+              <a:cs typeface="Times New Roman" panose="02020603050405020304" pitchFamily="18" charset="0"/>
+            </a:endParaRPr>
+          </a:p>
+          <a:p>
+            <a:r>
+              <a:rPr lang="en-US" sz="2400" dirty="0">
+                <a:effectLst/>
+                <a:latin typeface="Times New Roman" panose="02020603050405020304" pitchFamily="18" charset="0"/>
+                <a:ea typeface="Times New Roman" panose="02020603050405020304" pitchFamily="18" charset="0"/>
+                <a:cs typeface="Times New Roman" panose="02020603050405020304" pitchFamily="18" charset="0"/>
+              </a:rPr>
+              <a:t>DIAS-JR, Jose </a:t>
+            </a:r>
+            <a:r>
+              <a:rPr lang="en-US" sz="2400" dirty="0" err="1">
+                <a:effectLst/>
+                <a:latin typeface="Times New Roman" panose="02020603050405020304" pitchFamily="18" charset="0"/>
+                <a:ea typeface="Times New Roman" panose="02020603050405020304" pitchFamily="18" charset="0"/>
+                <a:cs typeface="Times New Roman" panose="02020603050405020304" pitchFamily="18" charset="0"/>
+              </a:rPr>
+              <a:t>jorge</a:t>
+            </a:r>
+            <a:r>
+              <a:rPr lang="en-US" sz="2400" dirty="0">
+                <a:effectLst/>
+                <a:latin typeface="Times New Roman" panose="02020603050405020304" pitchFamily="18" charset="0"/>
+                <a:ea typeface="Times New Roman" panose="02020603050405020304" pitchFamily="18" charset="0"/>
+                <a:cs typeface="Times New Roman" panose="02020603050405020304" pitchFamily="18" charset="0"/>
+              </a:rPr>
+              <a:t> lima. MODELO DE COMPETÊNCIAS À LUZ DA ADAPTABILIDADE PARA ANÁLISE DA ATUAÇÃO EM EQUIPES DE SOFTWARE. 2018. - UFPB, [s. l.], 2018</a:t>
+            </a:r>
+          </a:p>
+          <a:p>
+            <a:endParaRPr lang="en-US" sz="2400" dirty="0">
+              <a:effectLst/>
+              <a:latin typeface="Times New Roman" panose="02020603050405020304" pitchFamily="18" charset="0"/>
+              <a:ea typeface="Times New Roman" panose="02020603050405020304" pitchFamily="18" charset="0"/>
+              <a:cs typeface="Times New Roman" panose="02020603050405020304" pitchFamily="18" charset="0"/>
+            </a:endParaRPr>
+          </a:p>
+          <a:p>
+            <a:r>
+              <a:rPr lang="en-US" sz="2400" dirty="0">
+                <a:effectLst/>
+                <a:latin typeface="Times New Roman" panose="02020603050405020304" pitchFamily="18" charset="0"/>
+                <a:ea typeface="Times New Roman" panose="02020603050405020304" pitchFamily="18" charset="0"/>
+                <a:cs typeface="Times New Roman" panose="02020603050405020304" pitchFamily="18" charset="0"/>
+              </a:rPr>
+              <a:t>KUDE, Thomas et al. Adaptation Patterns in Agile Information Systems Development Teams. </a:t>
+            </a:r>
+            <a:r>
+              <a:rPr lang="en-US" sz="2400" dirty="0" err="1">
+                <a:effectLst/>
+                <a:latin typeface="Times New Roman" panose="02020603050405020304" pitchFamily="18" charset="0"/>
+                <a:ea typeface="Times New Roman" panose="02020603050405020304" pitchFamily="18" charset="0"/>
+                <a:cs typeface="Times New Roman" panose="02020603050405020304" pitchFamily="18" charset="0"/>
+              </a:rPr>
+              <a:t>Ecis</a:t>
+            </a:r>
+            <a:r>
+              <a:rPr lang="en-US" sz="2400" dirty="0">
+                <a:effectLst/>
+                <a:latin typeface="Times New Roman" panose="02020603050405020304" pitchFamily="18" charset="0"/>
+                <a:ea typeface="Times New Roman" panose="02020603050405020304" pitchFamily="18" charset="0"/>
+                <a:cs typeface="Times New Roman" panose="02020603050405020304" pitchFamily="18" charset="0"/>
+              </a:rPr>
+              <a:t>, [S. l.], p. 1–15, 2014. </a:t>
+            </a:r>
+          </a:p>
+          <a:p>
+            <a:endParaRPr lang="en-US" sz="2400" dirty="0">
+              <a:effectLst/>
+              <a:latin typeface="Times New Roman" panose="02020603050405020304" pitchFamily="18" charset="0"/>
+              <a:ea typeface="Times New Roman" panose="02020603050405020304" pitchFamily="18" charset="0"/>
+              <a:cs typeface="Times New Roman" panose="02020603050405020304" pitchFamily="18" charset="0"/>
+            </a:endParaRPr>
+          </a:p>
+          <a:p>
+            <a:endParaRPr lang="pt-BR" dirty="0"/>
+          </a:p>
+        </p:txBody>
+      </p:sp>
+    </p:spTree>
+    <p:extLst>
+      <p:ext uri="{BB962C8B-B14F-4D97-AF65-F5344CB8AC3E}">
+        <p14:creationId xmlns:p14="http://schemas.microsoft.com/office/powerpoint/2010/main" val="289051604"/>
+      </p:ext>
+    </p:extLst>
+  </p:cSld>
+  <p:clrMapOvr>
+    <a:masterClrMapping/>
+  </p:clrMapOvr>
+</p:sld>
+</file>
+
+<file path=ppt/slides/slide103.xml><?xml version="1.0" encoding="utf-8"?>
+<p:sld xmlns:a="http://schemas.openxmlformats.org/drawingml/2006/main" xmlns:r="http://schemas.openxmlformats.org/officeDocument/2006/relationships" xmlns:p="http://schemas.openxmlformats.org/presentationml/2006/main">
+  <p:cSld>
+    <p:spTree>
+      <p:nvGrpSpPr>
+        <p:cNvPr id="1" name=""/>
+        <p:cNvGrpSpPr/>
+        <p:nvPr/>
+      </p:nvGrpSpPr>
+      <p:grpSpPr>
+        <a:xfrm>
+          <a:off x="0" y="0"/>
+          <a:ext cx="0" cy="0"/>
+          <a:chOff x="0" y="0"/>
+          <a:chExt cx="0" cy="0"/>
+        </a:xfrm>
+      </p:grpSpPr>
+      <p:sp>
+        <p:nvSpPr>
+          <p:cNvPr id="2" name="Título 1">
+            <a:extLst>
+              <a:ext uri="{FF2B5EF4-FFF2-40B4-BE49-F238E27FC236}">
+                <a16:creationId xmlns:a16="http://schemas.microsoft.com/office/drawing/2014/main" id="{955B7A71-0AE6-4842-8500-FF5159312A34}"/>
+              </a:ext>
+            </a:extLst>
+          </p:cNvPr>
+          <p:cNvSpPr>
+            <a:spLocks noGrp="1"/>
+          </p:cNvSpPr>
+          <p:nvPr>
+            <p:ph type="title"/>
+          </p:nvPr>
+        </p:nvSpPr>
+        <p:spPr/>
+        <p:txBody>
+          <a:bodyPr/>
+          <a:lstStyle/>
+          <a:p>
+            <a:r>
+              <a:rPr lang="pt-BR" dirty="0"/>
+              <a:t>Referências</a:t>
+            </a:r>
+          </a:p>
+        </p:txBody>
+      </p:sp>
+      <p:sp>
+        <p:nvSpPr>
+          <p:cNvPr id="3" name="Espaço Reservado para Conteúdo 2">
+            <a:extLst>
+              <a:ext uri="{FF2B5EF4-FFF2-40B4-BE49-F238E27FC236}">
+                <a16:creationId xmlns:a16="http://schemas.microsoft.com/office/drawing/2014/main" id="{EBBB26C3-F96E-4074-AC85-D845AA1F466A}"/>
+              </a:ext>
+            </a:extLst>
+          </p:cNvPr>
+          <p:cNvSpPr>
+            <a:spLocks noGrp="1"/>
+          </p:cNvSpPr>
+          <p:nvPr>
+            <p:ph idx="1"/>
+          </p:nvPr>
+        </p:nvSpPr>
+        <p:spPr/>
+        <p:txBody>
+          <a:bodyPr>
+            <a:normAutofit fontScale="47500" lnSpcReduction="20000"/>
+          </a:bodyPr>
+          <a:lstStyle/>
+          <a:p>
+            <a:r>
+              <a:rPr lang="en-US" sz="2400" dirty="0">
+                <a:effectLst/>
+                <a:latin typeface="Times New Roman" panose="02020603050405020304" pitchFamily="18" charset="0"/>
+                <a:ea typeface="Times New Roman" panose="02020603050405020304" pitchFamily="18" charset="0"/>
+                <a:cs typeface="Times New Roman" panose="02020603050405020304" pitchFamily="18" charset="0"/>
+              </a:rPr>
+              <a:t>LOUIS, Meryl Reis; SUTTON, Robert I. Switching Cognitive Gears: From Habits of Mind to Active Thinking. Human Relations, [S. l.], v. 44, n. 1, p. 55–76, 1991.</a:t>
+            </a:r>
+          </a:p>
+          <a:p>
+            <a:endParaRPr lang="en-US" sz="2400" dirty="0">
+              <a:effectLst/>
+              <a:latin typeface="Times New Roman" panose="02020603050405020304" pitchFamily="18" charset="0"/>
+              <a:ea typeface="Times New Roman" panose="02020603050405020304" pitchFamily="18" charset="0"/>
+              <a:cs typeface="Times New Roman" panose="02020603050405020304" pitchFamily="18" charset="0"/>
+            </a:endParaRPr>
+          </a:p>
+          <a:p>
+            <a:r>
+              <a:rPr lang="en-US" sz="2400" dirty="0">
+                <a:effectLst/>
+                <a:latin typeface="Times New Roman" panose="02020603050405020304" pitchFamily="18" charset="0"/>
+                <a:ea typeface="Times New Roman" panose="02020603050405020304" pitchFamily="18" charset="0"/>
+                <a:cs typeface="Times New Roman" panose="02020603050405020304" pitchFamily="18" charset="0"/>
+              </a:rPr>
+              <a:t>LIU, Julie Yu-</a:t>
+            </a:r>
+            <a:r>
+              <a:rPr lang="en-US" sz="2400" dirty="0" err="1">
+                <a:effectLst/>
+                <a:latin typeface="Times New Roman" panose="02020603050405020304" pitchFamily="18" charset="0"/>
+                <a:ea typeface="Times New Roman" panose="02020603050405020304" pitchFamily="18" charset="0"/>
+                <a:cs typeface="Times New Roman" panose="02020603050405020304" pitchFamily="18" charset="0"/>
+              </a:rPr>
+              <a:t>chih</a:t>
+            </a:r>
+            <a:r>
+              <a:rPr lang="en-US" sz="2400" dirty="0">
+                <a:effectLst/>
+                <a:latin typeface="Times New Roman" panose="02020603050405020304" pitchFamily="18" charset="0"/>
+                <a:ea typeface="Times New Roman" panose="02020603050405020304" pitchFamily="18" charset="0"/>
+                <a:cs typeface="Times New Roman" panose="02020603050405020304" pitchFamily="18" charset="0"/>
+              </a:rPr>
+              <a:t> et al. Relationships among interpersonal conflict , requirements uncertainty , and software project performance. International Journal of Project Management, [S. l.], v. 29, n. 5, p. 547–556, 2011. </a:t>
+            </a:r>
+            <a:r>
+              <a:rPr lang="en-US" sz="2400" dirty="0" err="1">
+                <a:effectLst/>
+                <a:latin typeface="Times New Roman" panose="02020603050405020304" pitchFamily="18" charset="0"/>
+                <a:ea typeface="Times New Roman" panose="02020603050405020304" pitchFamily="18" charset="0"/>
+                <a:cs typeface="Times New Roman" panose="02020603050405020304" pitchFamily="18" charset="0"/>
+              </a:rPr>
+              <a:t>Disponível</a:t>
+            </a:r>
+            <a:r>
+              <a:rPr lang="en-US" sz="2400" dirty="0">
+                <a:effectLst/>
+                <a:latin typeface="Times New Roman" panose="02020603050405020304" pitchFamily="18" charset="0"/>
+                <a:ea typeface="Times New Roman" panose="02020603050405020304" pitchFamily="18" charset="0"/>
+                <a:cs typeface="Times New Roman" panose="02020603050405020304" pitchFamily="18" charset="0"/>
+              </a:rPr>
+              <a:t> </a:t>
+            </a:r>
+            <a:r>
+              <a:rPr lang="en-US" sz="2400" dirty="0" err="1">
+                <a:effectLst/>
+                <a:latin typeface="Times New Roman" panose="02020603050405020304" pitchFamily="18" charset="0"/>
+                <a:ea typeface="Times New Roman" panose="02020603050405020304" pitchFamily="18" charset="0"/>
+                <a:cs typeface="Times New Roman" panose="02020603050405020304" pitchFamily="18" charset="0"/>
+              </a:rPr>
+              <a:t>em</a:t>
+            </a:r>
+            <a:r>
+              <a:rPr lang="en-US" sz="2400" dirty="0">
+                <a:effectLst/>
+                <a:latin typeface="Times New Roman" panose="02020603050405020304" pitchFamily="18" charset="0"/>
+                <a:ea typeface="Times New Roman" panose="02020603050405020304" pitchFamily="18" charset="0"/>
+                <a:cs typeface="Times New Roman" panose="02020603050405020304" pitchFamily="18" charset="0"/>
+              </a:rPr>
+              <a:t>: http://dx.doi.org/10.1016/j.ijproman.2010.04.007</a:t>
+            </a:r>
+          </a:p>
+          <a:p>
+            <a:endParaRPr lang="en-US" sz="2400" dirty="0">
+              <a:effectLst/>
+              <a:latin typeface="Times New Roman" panose="02020603050405020304" pitchFamily="18" charset="0"/>
+              <a:ea typeface="Times New Roman" panose="02020603050405020304" pitchFamily="18" charset="0"/>
+              <a:cs typeface="Times New Roman" panose="02020603050405020304" pitchFamily="18" charset="0"/>
+            </a:endParaRPr>
+          </a:p>
+          <a:p>
+            <a:r>
+              <a:rPr lang="en-US" sz="2400" dirty="0">
+                <a:effectLst/>
+                <a:latin typeface="Times New Roman" panose="02020603050405020304" pitchFamily="18" charset="0"/>
+                <a:ea typeface="Times New Roman" panose="02020603050405020304" pitchFamily="18" charset="0"/>
+                <a:cs typeface="Times New Roman" panose="02020603050405020304" pitchFamily="18" charset="0"/>
+              </a:rPr>
+              <a:t>ZOWGHI, Didar; NURMULIANI, N. A Study of the Impact of Requirements Volatility on Software Project Performance. In:  2002, Proceedings of the Ninth Asia-Pacific Software Engineering Conference. [S. l.: s. n.] p. 1–9</a:t>
+            </a:r>
+          </a:p>
+          <a:p>
+            <a:endParaRPr lang="en-US" sz="2400" dirty="0">
+              <a:effectLst/>
+              <a:latin typeface="Times New Roman" panose="02020603050405020304" pitchFamily="18" charset="0"/>
+              <a:ea typeface="Times New Roman" panose="02020603050405020304" pitchFamily="18" charset="0"/>
+              <a:cs typeface="Times New Roman" panose="02020603050405020304" pitchFamily="18" charset="0"/>
+            </a:endParaRPr>
+          </a:p>
+          <a:p>
+            <a:r>
+              <a:rPr lang="en-US" sz="2400" dirty="0">
+                <a:effectLst/>
+                <a:latin typeface="Times New Roman" panose="02020603050405020304" pitchFamily="18" charset="0"/>
+                <a:ea typeface="Times New Roman" panose="02020603050405020304" pitchFamily="18" charset="0"/>
+                <a:cs typeface="Times New Roman" panose="02020603050405020304" pitchFamily="18" charset="0"/>
+              </a:rPr>
+              <a:t>SONNETAG, Sabine; BRODBECK, Felix C.; JRT, Dt. Stressor-burnout </a:t>
+            </a:r>
+            <a:r>
+              <a:rPr lang="en-US" sz="2400" dirty="0" err="1">
+                <a:effectLst/>
+                <a:latin typeface="Times New Roman" panose="02020603050405020304" pitchFamily="18" charset="0"/>
+                <a:ea typeface="Times New Roman" panose="02020603050405020304" pitchFamily="18" charset="0"/>
+                <a:cs typeface="Times New Roman" panose="02020603050405020304" pitchFamily="18" charset="0"/>
+              </a:rPr>
+              <a:t>Stressor-burnout</a:t>
+            </a:r>
+            <a:r>
+              <a:rPr lang="en-US" sz="2400" dirty="0">
+                <a:effectLst/>
+                <a:latin typeface="Times New Roman" panose="02020603050405020304" pitchFamily="18" charset="0"/>
+                <a:ea typeface="Times New Roman" panose="02020603050405020304" pitchFamily="18" charset="0"/>
+                <a:cs typeface="Times New Roman" panose="02020603050405020304" pitchFamily="18" charset="0"/>
+              </a:rPr>
+              <a:t> relationship in software development teams development. Journal of Occupational and Organizational Psychology, [S. l.], v. 67, p. 327–341, 1994</a:t>
+            </a:r>
+          </a:p>
+          <a:p>
+            <a:endParaRPr lang="en-US" sz="2400" dirty="0">
+              <a:effectLst/>
+              <a:latin typeface="Times New Roman" panose="02020603050405020304" pitchFamily="18" charset="0"/>
+              <a:ea typeface="Times New Roman" panose="02020603050405020304" pitchFamily="18" charset="0"/>
+              <a:cs typeface="Times New Roman" panose="02020603050405020304" pitchFamily="18" charset="0"/>
+            </a:endParaRPr>
+          </a:p>
+          <a:p>
+            <a:r>
+              <a:rPr lang="en-US" sz="2400" dirty="0">
+                <a:effectLst/>
+                <a:latin typeface="Times New Roman" panose="02020603050405020304" pitchFamily="18" charset="0"/>
+                <a:ea typeface="Times New Roman" panose="02020603050405020304" pitchFamily="18" charset="0"/>
+                <a:cs typeface="Times New Roman" panose="02020603050405020304" pitchFamily="18" charset="0"/>
+              </a:rPr>
+              <a:t>AKGÜN, Ali E. et al. Knowledge networks in new product development projects: A transactive memory perspective. Information and Management, [S. l.], v. 42, n. 8, p. 1105–1120, 2005</a:t>
+            </a:r>
+          </a:p>
+          <a:p>
+            <a:endParaRPr lang="en-US" sz="2400" dirty="0">
+              <a:effectLst/>
+              <a:latin typeface="Times New Roman" panose="02020603050405020304" pitchFamily="18" charset="0"/>
+              <a:ea typeface="Times New Roman" panose="02020603050405020304" pitchFamily="18" charset="0"/>
+              <a:cs typeface="Times New Roman" panose="02020603050405020304" pitchFamily="18" charset="0"/>
+            </a:endParaRPr>
+          </a:p>
+          <a:p>
+            <a:r>
+              <a:rPr lang="en-US" sz="2400" dirty="0">
+                <a:effectLst/>
+                <a:latin typeface="Times New Roman" panose="02020603050405020304" pitchFamily="18" charset="0"/>
+                <a:ea typeface="Times New Roman" panose="02020603050405020304" pitchFamily="18" charset="0"/>
+                <a:cs typeface="Times New Roman" panose="02020603050405020304" pitchFamily="18" charset="0"/>
+              </a:rPr>
+              <a:t>ROBBES, Romain; LUNGU, Mircea; RÖTHLISBERGER, David. How do developers react to API deprecation? The case of a </a:t>
+            </a:r>
+            <a:r>
+              <a:rPr lang="en-US" sz="2400" dirty="0" err="1">
+                <a:effectLst/>
+                <a:latin typeface="Times New Roman" panose="02020603050405020304" pitchFamily="18" charset="0"/>
+                <a:ea typeface="Times New Roman" panose="02020603050405020304" pitchFamily="18" charset="0"/>
+                <a:cs typeface="Times New Roman" panose="02020603050405020304" pitchFamily="18" charset="0"/>
+              </a:rPr>
+              <a:t>smalltalk</a:t>
+            </a:r>
+            <a:r>
+              <a:rPr lang="en-US" sz="2400" dirty="0">
+                <a:effectLst/>
+                <a:latin typeface="Times New Roman" panose="02020603050405020304" pitchFamily="18" charset="0"/>
+                <a:ea typeface="Times New Roman" panose="02020603050405020304" pitchFamily="18" charset="0"/>
+                <a:cs typeface="Times New Roman" panose="02020603050405020304" pitchFamily="18" charset="0"/>
+              </a:rPr>
+              <a:t> ecosystem. Proceedings of the ACM SIGSOFT 20th International Symposium on the Foundations of Software Engineering, FSE 2012, [S. l.],  2012</a:t>
+            </a:r>
+          </a:p>
+          <a:p>
+            <a:endParaRPr lang="en-US" sz="2400" dirty="0">
+              <a:effectLst/>
+              <a:latin typeface="Times New Roman" panose="02020603050405020304" pitchFamily="18" charset="0"/>
+              <a:ea typeface="Times New Roman" panose="02020603050405020304" pitchFamily="18" charset="0"/>
+              <a:cs typeface="Times New Roman" panose="02020603050405020304" pitchFamily="18" charset="0"/>
+            </a:endParaRPr>
+          </a:p>
+          <a:p>
+            <a:endParaRPr lang="pt-BR" dirty="0"/>
+          </a:p>
+        </p:txBody>
+      </p:sp>
+    </p:spTree>
+    <p:extLst>
+      <p:ext uri="{BB962C8B-B14F-4D97-AF65-F5344CB8AC3E}">
+        <p14:creationId xmlns:p14="http://schemas.microsoft.com/office/powerpoint/2010/main" val="4154162344"/>
+      </p:ext>
+    </p:extLst>
+  </p:cSld>
+  <p:clrMapOvr>
+    <a:masterClrMapping/>
+  </p:clrMapOvr>
+</p:sld>
+</file>
+
+<file path=ppt/slides/slide104.xml><?xml version="1.0" encoding="utf-8"?>
+<p:sld xmlns:a="http://schemas.openxmlformats.org/drawingml/2006/main" xmlns:r="http://schemas.openxmlformats.org/officeDocument/2006/relationships" xmlns:p="http://schemas.openxmlformats.org/presentationml/2006/main">
+  <p:cSld>
+    <p:spTree>
+      <p:nvGrpSpPr>
+        <p:cNvPr id="1" name=""/>
+        <p:cNvGrpSpPr/>
+        <p:nvPr/>
+      </p:nvGrpSpPr>
+      <p:grpSpPr>
+        <a:xfrm>
+          <a:off x="0" y="0"/>
+          <a:ext cx="0" cy="0"/>
+          <a:chOff x="0" y="0"/>
+          <a:chExt cx="0" cy="0"/>
+        </a:xfrm>
+      </p:grpSpPr>
+      <p:sp>
+        <p:nvSpPr>
+          <p:cNvPr id="2" name="Título 1">
+            <a:extLst>
+              <a:ext uri="{FF2B5EF4-FFF2-40B4-BE49-F238E27FC236}">
+                <a16:creationId xmlns:a16="http://schemas.microsoft.com/office/drawing/2014/main" id="{955B7A71-0AE6-4842-8500-FF5159312A34}"/>
+              </a:ext>
+            </a:extLst>
+          </p:cNvPr>
+          <p:cNvSpPr>
+            <a:spLocks noGrp="1"/>
+          </p:cNvSpPr>
+          <p:nvPr>
+            <p:ph type="title"/>
+          </p:nvPr>
+        </p:nvSpPr>
+        <p:spPr/>
+        <p:txBody>
+          <a:bodyPr/>
+          <a:lstStyle/>
+          <a:p>
+            <a:r>
+              <a:rPr lang="pt-BR" dirty="0"/>
+              <a:t>Referências</a:t>
+            </a:r>
+          </a:p>
+        </p:txBody>
+      </p:sp>
+      <p:sp>
+        <p:nvSpPr>
+          <p:cNvPr id="3" name="Espaço Reservado para Conteúdo 2">
+            <a:extLst>
+              <a:ext uri="{FF2B5EF4-FFF2-40B4-BE49-F238E27FC236}">
+                <a16:creationId xmlns:a16="http://schemas.microsoft.com/office/drawing/2014/main" id="{EBBB26C3-F96E-4074-AC85-D845AA1F466A}"/>
+              </a:ext>
+            </a:extLst>
+          </p:cNvPr>
+          <p:cNvSpPr>
+            <a:spLocks noGrp="1"/>
+          </p:cNvSpPr>
+          <p:nvPr>
+            <p:ph idx="1"/>
+          </p:nvPr>
+        </p:nvSpPr>
+        <p:spPr/>
+        <p:txBody>
+          <a:bodyPr>
+            <a:normAutofit fontScale="40000" lnSpcReduction="20000"/>
+          </a:bodyPr>
+          <a:lstStyle/>
+          <a:p>
+            <a:r>
+              <a:rPr lang="en-US" sz="2400" dirty="0">
+                <a:effectLst/>
+                <a:latin typeface="Times New Roman" panose="02020603050405020304" pitchFamily="18" charset="0"/>
+                <a:ea typeface="Times New Roman" panose="02020603050405020304" pitchFamily="18" charset="0"/>
+                <a:cs typeface="Times New Roman" panose="02020603050405020304" pitchFamily="18" charset="0"/>
+              </a:rPr>
+              <a:t>BAVOTA, Gabriele et al. The evolution of project inter-dependencies in a software ecosystem: The case of apache. IEEE International Conference on Software Maintenance, ICSM, [S. l.], p. 280–289, 2013.</a:t>
+            </a:r>
+          </a:p>
+          <a:p>
+            <a:endParaRPr lang="en-US" sz="2400" dirty="0">
+              <a:effectLst/>
+              <a:latin typeface="Times New Roman" panose="02020603050405020304" pitchFamily="18" charset="0"/>
+              <a:ea typeface="Times New Roman" panose="02020603050405020304" pitchFamily="18" charset="0"/>
+              <a:cs typeface="Times New Roman" panose="02020603050405020304" pitchFamily="18" charset="0"/>
+            </a:endParaRPr>
+          </a:p>
+          <a:p>
+            <a:r>
+              <a:rPr lang="en-US" sz="2400" dirty="0">
+                <a:effectLst/>
+                <a:latin typeface="Times New Roman" panose="02020603050405020304" pitchFamily="18" charset="0"/>
+                <a:ea typeface="Times New Roman" panose="02020603050405020304" pitchFamily="18" charset="0"/>
+                <a:cs typeface="Times New Roman" panose="02020603050405020304" pitchFamily="18" charset="0"/>
+              </a:rPr>
+              <a:t>LOCKE, Edwin A. What is Job Satisfaction ? Organizational Behavior an Human Performance, [S. l.], v. 4, p. 309–336, 1969.</a:t>
+            </a:r>
+          </a:p>
+          <a:p>
+            <a:endParaRPr lang="en-US" sz="2400" dirty="0">
+              <a:effectLst/>
+              <a:latin typeface="Times New Roman" panose="02020603050405020304" pitchFamily="18" charset="0"/>
+              <a:ea typeface="Times New Roman" panose="02020603050405020304" pitchFamily="18" charset="0"/>
+              <a:cs typeface="Times New Roman" panose="02020603050405020304" pitchFamily="18" charset="0"/>
+            </a:endParaRPr>
+          </a:p>
+          <a:p>
+            <a:endParaRPr lang="en-US" sz="2400" dirty="0">
+              <a:effectLst/>
+              <a:latin typeface="Times New Roman" panose="02020603050405020304" pitchFamily="18" charset="0"/>
+              <a:ea typeface="Times New Roman" panose="02020603050405020304" pitchFamily="18" charset="0"/>
+              <a:cs typeface="Times New Roman" panose="02020603050405020304" pitchFamily="18" charset="0"/>
+            </a:endParaRPr>
+          </a:p>
+          <a:p>
+            <a:r>
+              <a:rPr lang="en-US" sz="2400" dirty="0">
+                <a:effectLst/>
+                <a:latin typeface="Times New Roman" panose="02020603050405020304" pitchFamily="18" charset="0"/>
+                <a:ea typeface="Times New Roman" panose="02020603050405020304" pitchFamily="18" charset="0"/>
+                <a:cs typeface="Times New Roman" panose="02020603050405020304" pitchFamily="18" charset="0"/>
+              </a:rPr>
+              <a:t>MASLACH, C.; LEITER, M. .. Burnout. Stress: Concepts, Cognition, Emotion, and Behavior, [S. l.], p. 351–357, 2016. </a:t>
+            </a:r>
+          </a:p>
+          <a:p>
+            <a:endParaRPr lang="en-US" sz="2400" dirty="0">
+              <a:effectLst/>
+              <a:latin typeface="Times New Roman" panose="02020603050405020304" pitchFamily="18" charset="0"/>
+              <a:ea typeface="Times New Roman" panose="02020603050405020304" pitchFamily="18" charset="0"/>
+              <a:cs typeface="Times New Roman" panose="02020603050405020304" pitchFamily="18" charset="0"/>
+            </a:endParaRPr>
+          </a:p>
+          <a:p>
+            <a:r>
+              <a:rPr lang="en-US" sz="2400" dirty="0">
+                <a:effectLst/>
+                <a:latin typeface="Times New Roman" panose="02020603050405020304" pitchFamily="18" charset="0"/>
+                <a:ea typeface="Times New Roman" panose="02020603050405020304" pitchFamily="18" charset="0"/>
+                <a:cs typeface="Times New Roman" panose="02020603050405020304" pitchFamily="18" charset="0"/>
+              </a:rPr>
+              <a:t>FREUDENBERGER, Herbert J. Staff Burn-Out. [S. l.], v. 90, n. 1, p. 159–165, 1974.</a:t>
+            </a:r>
+          </a:p>
+          <a:p>
+            <a:endParaRPr lang="en-US" sz="2400" dirty="0">
+              <a:effectLst/>
+              <a:latin typeface="Times New Roman" panose="02020603050405020304" pitchFamily="18" charset="0"/>
+              <a:ea typeface="Times New Roman" panose="02020603050405020304" pitchFamily="18" charset="0"/>
+              <a:cs typeface="Times New Roman" panose="02020603050405020304" pitchFamily="18" charset="0"/>
+            </a:endParaRPr>
+          </a:p>
+          <a:p>
+            <a:r>
+              <a:rPr lang="en-US" sz="2400" dirty="0">
+                <a:effectLst/>
+                <a:latin typeface="Times New Roman" panose="02020603050405020304" pitchFamily="18" charset="0"/>
+                <a:ea typeface="Times New Roman" panose="02020603050405020304" pitchFamily="18" charset="0"/>
+                <a:cs typeface="Times New Roman" panose="02020603050405020304" pitchFamily="18" charset="0"/>
+              </a:rPr>
+              <a:t>TOPPINEN-TANNER, Salla. Process of burnout: structure, antecedents, and consequences. [S. l.: s. n.]. v. 34</a:t>
+            </a:r>
+          </a:p>
+          <a:p>
+            <a:endParaRPr lang="en-US" sz="2400" dirty="0">
+              <a:effectLst/>
+              <a:latin typeface="Times New Roman" panose="02020603050405020304" pitchFamily="18" charset="0"/>
+              <a:ea typeface="Times New Roman" panose="02020603050405020304" pitchFamily="18" charset="0"/>
+              <a:cs typeface="Times New Roman" panose="02020603050405020304" pitchFamily="18" charset="0"/>
+            </a:endParaRPr>
+          </a:p>
+          <a:p>
+            <a:r>
+              <a:rPr lang="en-US" sz="2400" dirty="0">
+                <a:effectLst/>
+                <a:latin typeface="Times New Roman" panose="02020603050405020304" pitchFamily="18" charset="0"/>
+                <a:ea typeface="Times New Roman" panose="02020603050405020304" pitchFamily="18" charset="0"/>
+                <a:cs typeface="Times New Roman" panose="02020603050405020304" pitchFamily="18" charset="0"/>
+              </a:rPr>
+              <a:t>PASQUALI, Luiz. </a:t>
+            </a:r>
+            <a:r>
+              <a:rPr lang="en-US" sz="2400" dirty="0" err="1">
+                <a:effectLst/>
+                <a:latin typeface="Times New Roman" panose="02020603050405020304" pitchFamily="18" charset="0"/>
+                <a:ea typeface="Times New Roman" panose="02020603050405020304" pitchFamily="18" charset="0"/>
+                <a:cs typeface="Times New Roman" panose="02020603050405020304" pitchFamily="18" charset="0"/>
+              </a:rPr>
+              <a:t>Psicometria</a:t>
+            </a:r>
+            <a:r>
+              <a:rPr lang="en-US" sz="2400" dirty="0">
+                <a:effectLst/>
+                <a:latin typeface="Times New Roman" panose="02020603050405020304" pitchFamily="18" charset="0"/>
+                <a:ea typeface="Times New Roman" panose="02020603050405020304" pitchFamily="18" charset="0"/>
+                <a:cs typeface="Times New Roman" panose="02020603050405020304" pitchFamily="18" charset="0"/>
+              </a:rPr>
+              <a:t>: </a:t>
+            </a:r>
+            <a:r>
+              <a:rPr lang="en-US" sz="2400" dirty="0" err="1">
+                <a:effectLst/>
+                <a:latin typeface="Times New Roman" panose="02020603050405020304" pitchFamily="18" charset="0"/>
+                <a:ea typeface="Times New Roman" panose="02020603050405020304" pitchFamily="18" charset="0"/>
+                <a:cs typeface="Times New Roman" panose="02020603050405020304" pitchFamily="18" charset="0"/>
+              </a:rPr>
+              <a:t>teoria</a:t>
+            </a:r>
+            <a:r>
+              <a:rPr lang="en-US" sz="2400" dirty="0">
+                <a:effectLst/>
+                <a:latin typeface="Times New Roman" panose="02020603050405020304" pitchFamily="18" charset="0"/>
+                <a:ea typeface="Times New Roman" panose="02020603050405020304" pitchFamily="18" charset="0"/>
+                <a:cs typeface="Times New Roman" panose="02020603050405020304" pitchFamily="18" charset="0"/>
+              </a:rPr>
+              <a:t> e </a:t>
+            </a:r>
+            <a:r>
+              <a:rPr lang="en-US" sz="2400" dirty="0" err="1">
+                <a:effectLst/>
+                <a:latin typeface="Times New Roman" panose="02020603050405020304" pitchFamily="18" charset="0"/>
+                <a:ea typeface="Times New Roman" panose="02020603050405020304" pitchFamily="18" charset="0"/>
+                <a:cs typeface="Times New Roman" panose="02020603050405020304" pitchFamily="18" charset="0"/>
+              </a:rPr>
+              <a:t>aplicações</a:t>
+            </a:r>
+            <a:r>
+              <a:rPr lang="en-US" sz="2400" dirty="0">
+                <a:effectLst/>
+                <a:latin typeface="Times New Roman" panose="02020603050405020304" pitchFamily="18" charset="0"/>
+                <a:ea typeface="Times New Roman" panose="02020603050405020304" pitchFamily="18" charset="0"/>
+                <a:cs typeface="Times New Roman" panose="02020603050405020304" pitchFamily="18" charset="0"/>
+              </a:rPr>
+              <a:t>: a </a:t>
+            </a:r>
+            <a:r>
+              <a:rPr lang="en-US" sz="2400" dirty="0" err="1">
+                <a:effectLst/>
+                <a:latin typeface="Times New Roman" panose="02020603050405020304" pitchFamily="18" charset="0"/>
+                <a:ea typeface="Times New Roman" panose="02020603050405020304" pitchFamily="18" charset="0"/>
+                <a:cs typeface="Times New Roman" panose="02020603050405020304" pitchFamily="18" charset="0"/>
+              </a:rPr>
+              <a:t>teoria</a:t>
+            </a:r>
+            <a:r>
+              <a:rPr lang="en-US" sz="2400" dirty="0">
+                <a:effectLst/>
+                <a:latin typeface="Times New Roman" panose="02020603050405020304" pitchFamily="18" charset="0"/>
+                <a:ea typeface="Times New Roman" panose="02020603050405020304" pitchFamily="18" charset="0"/>
+                <a:cs typeface="Times New Roman" panose="02020603050405020304" pitchFamily="18" charset="0"/>
+              </a:rPr>
+              <a:t> </a:t>
+            </a:r>
+            <a:r>
+              <a:rPr lang="en-US" sz="2400" dirty="0" err="1">
+                <a:effectLst/>
+                <a:latin typeface="Times New Roman" panose="02020603050405020304" pitchFamily="18" charset="0"/>
+                <a:ea typeface="Times New Roman" panose="02020603050405020304" pitchFamily="18" charset="0"/>
+                <a:cs typeface="Times New Roman" panose="02020603050405020304" pitchFamily="18" charset="0"/>
+              </a:rPr>
+              <a:t>clássica</a:t>
+            </a:r>
+            <a:r>
+              <a:rPr lang="en-US" sz="2400" dirty="0">
+                <a:effectLst/>
+                <a:latin typeface="Times New Roman" panose="02020603050405020304" pitchFamily="18" charset="0"/>
+                <a:ea typeface="Times New Roman" panose="02020603050405020304" pitchFamily="18" charset="0"/>
+                <a:cs typeface="Times New Roman" panose="02020603050405020304" pitchFamily="18" charset="0"/>
+              </a:rPr>
+              <a:t> dos testes </a:t>
+            </a:r>
+            <a:r>
+              <a:rPr lang="en-US" sz="2400" dirty="0" err="1">
+                <a:effectLst/>
+                <a:latin typeface="Times New Roman" panose="02020603050405020304" pitchFamily="18" charset="0"/>
+                <a:ea typeface="Times New Roman" panose="02020603050405020304" pitchFamily="18" charset="0"/>
+                <a:cs typeface="Times New Roman" panose="02020603050405020304" pitchFamily="18" charset="0"/>
+              </a:rPr>
+              <a:t>psicológicos</a:t>
+            </a:r>
+            <a:r>
+              <a:rPr lang="en-US" sz="2400" dirty="0">
+                <a:effectLst/>
+                <a:latin typeface="Times New Roman" panose="02020603050405020304" pitchFamily="18" charset="0"/>
+                <a:ea typeface="Times New Roman" panose="02020603050405020304" pitchFamily="18" charset="0"/>
+                <a:cs typeface="Times New Roman" panose="02020603050405020304" pitchFamily="18" charset="0"/>
+              </a:rPr>
+              <a:t>. [S. l.]: Ed. da </a:t>
+            </a:r>
+            <a:r>
+              <a:rPr lang="en-US" sz="2400" dirty="0" err="1">
+                <a:effectLst/>
+                <a:latin typeface="Times New Roman" panose="02020603050405020304" pitchFamily="18" charset="0"/>
+                <a:ea typeface="Times New Roman" panose="02020603050405020304" pitchFamily="18" charset="0"/>
+                <a:cs typeface="Times New Roman" panose="02020603050405020304" pitchFamily="18" charset="0"/>
+              </a:rPr>
+              <a:t>UnB</a:t>
+            </a:r>
+            <a:r>
+              <a:rPr lang="en-US" sz="2400" dirty="0">
+                <a:effectLst/>
+                <a:latin typeface="Times New Roman" panose="02020603050405020304" pitchFamily="18" charset="0"/>
+                <a:ea typeface="Times New Roman" panose="02020603050405020304" pitchFamily="18" charset="0"/>
+                <a:cs typeface="Times New Roman" panose="02020603050405020304" pitchFamily="18" charset="0"/>
+              </a:rPr>
+              <a:t>, 1997.</a:t>
+            </a:r>
+          </a:p>
+          <a:p>
+            <a:endParaRPr lang="en-US" sz="2400" dirty="0">
+              <a:effectLst/>
+              <a:latin typeface="Times New Roman" panose="02020603050405020304" pitchFamily="18" charset="0"/>
+              <a:ea typeface="Times New Roman" panose="02020603050405020304" pitchFamily="18" charset="0"/>
+              <a:cs typeface="Times New Roman" panose="02020603050405020304" pitchFamily="18" charset="0"/>
+            </a:endParaRPr>
+          </a:p>
+          <a:p>
+            <a:r>
+              <a:rPr lang="en-US" sz="2400" dirty="0">
+                <a:effectLst/>
+                <a:latin typeface="Times New Roman" panose="02020603050405020304" pitchFamily="18" charset="0"/>
+                <a:ea typeface="Times New Roman" panose="02020603050405020304" pitchFamily="18" charset="0"/>
+                <a:cs typeface="Times New Roman" panose="02020603050405020304" pitchFamily="18" charset="0"/>
+              </a:rPr>
+              <a:t>DEVELLIS, Robert F. Scale development: Theory and applications. [S. l.]: Sage publications, 2016. v. 26</a:t>
+            </a:r>
+          </a:p>
+          <a:p>
+            <a:endParaRPr lang="en-US" sz="2400" dirty="0">
+              <a:effectLst/>
+              <a:latin typeface="Times New Roman" panose="02020603050405020304" pitchFamily="18" charset="0"/>
+              <a:ea typeface="Times New Roman" panose="02020603050405020304" pitchFamily="18" charset="0"/>
+              <a:cs typeface="Times New Roman" panose="02020603050405020304" pitchFamily="18" charset="0"/>
+            </a:endParaRPr>
+          </a:p>
+          <a:p>
+            <a:r>
+              <a:rPr lang="en-US" sz="2400" dirty="0">
+                <a:effectLst/>
+                <a:latin typeface="Times New Roman" panose="02020603050405020304" pitchFamily="18" charset="0"/>
+                <a:ea typeface="Times New Roman" panose="02020603050405020304" pitchFamily="18" charset="0"/>
+                <a:cs typeface="Times New Roman" panose="02020603050405020304" pitchFamily="18" charset="0"/>
+              </a:rPr>
+              <a:t>KANTEN, </a:t>
+            </a:r>
+            <a:r>
+              <a:rPr lang="en-US" sz="2400" dirty="0" err="1">
+                <a:effectLst/>
+                <a:latin typeface="Times New Roman" panose="02020603050405020304" pitchFamily="18" charset="0"/>
+                <a:ea typeface="Times New Roman" panose="02020603050405020304" pitchFamily="18" charset="0"/>
+                <a:cs typeface="Times New Roman" panose="02020603050405020304" pitchFamily="18" charset="0"/>
+              </a:rPr>
+              <a:t>Pelin</a:t>
+            </a:r>
+            <a:r>
+              <a:rPr lang="en-US" sz="2400" dirty="0">
+                <a:effectLst/>
+                <a:latin typeface="Times New Roman" panose="02020603050405020304" pitchFamily="18" charset="0"/>
+                <a:ea typeface="Times New Roman" panose="02020603050405020304" pitchFamily="18" charset="0"/>
+                <a:cs typeface="Times New Roman" panose="02020603050405020304" pitchFamily="18" charset="0"/>
+              </a:rPr>
+              <a:t>; KANTEN, </a:t>
+            </a:r>
+            <a:r>
+              <a:rPr lang="en-US" sz="2400" dirty="0" err="1">
+                <a:effectLst/>
+                <a:latin typeface="Times New Roman" panose="02020603050405020304" pitchFamily="18" charset="0"/>
+                <a:ea typeface="Times New Roman" panose="02020603050405020304" pitchFamily="18" charset="0"/>
+                <a:cs typeface="Times New Roman" panose="02020603050405020304" pitchFamily="18" charset="0"/>
+              </a:rPr>
+              <a:t>Selahattin</a:t>
+            </a:r>
+            <a:r>
+              <a:rPr lang="en-US" sz="2400" dirty="0">
+                <a:effectLst/>
+                <a:latin typeface="Times New Roman" panose="02020603050405020304" pitchFamily="18" charset="0"/>
+                <a:ea typeface="Times New Roman" panose="02020603050405020304" pitchFamily="18" charset="0"/>
+                <a:cs typeface="Times New Roman" panose="02020603050405020304" pitchFamily="18" charset="0"/>
+              </a:rPr>
+              <a:t>; GURLEK, </a:t>
+            </a:r>
+            <a:r>
+              <a:rPr lang="en-US" sz="2400" dirty="0" err="1">
+                <a:effectLst/>
+                <a:latin typeface="Times New Roman" panose="02020603050405020304" pitchFamily="18" charset="0"/>
+                <a:ea typeface="Times New Roman" panose="02020603050405020304" pitchFamily="18" charset="0"/>
+                <a:cs typeface="Times New Roman" panose="02020603050405020304" pitchFamily="18" charset="0"/>
+              </a:rPr>
+              <a:t>Mert</a:t>
+            </a:r>
+            <a:r>
+              <a:rPr lang="en-US" sz="2400" dirty="0">
+                <a:effectLst/>
+                <a:latin typeface="Times New Roman" panose="02020603050405020304" pitchFamily="18" charset="0"/>
+                <a:ea typeface="Times New Roman" panose="02020603050405020304" pitchFamily="18" charset="0"/>
+                <a:cs typeface="Times New Roman" panose="02020603050405020304" pitchFamily="18" charset="0"/>
+              </a:rPr>
+              <a:t>. The Effects of Organizational Structures and Learning Organization on Job Embeddedness and Individual Adaptive Performance. Procedia Economics and Finance, [S. l.], v. 23, n. December, p. 1358–1366, 2015. </a:t>
+            </a:r>
+            <a:r>
+              <a:rPr lang="en-US" sz="2400" dirty="0" err="1">
+                <a:effectLst/>
+                <a:latin typeface="Times New Roman" panose="02020603050405020304" pitchFamily="18" charset="0"/>
+                <a:ea typeface="Times New Roman" panose="02020603050405020304" pitchFamily="18" charset="0"/>
+                <a:cs typeface="Times New Roman" panose="02020603050405020304" pitchFamily="18" charset="0"/>
+              </a:rPr>
+              <a:t>Disponível</a:t>
+            </a:r>
+            <a:r>
+              <a:rPr lang="en-US" sz="2400" dirty="0">
+                <a:effectLst/>
+                <a:latin typeface="Times New Roman" panose="02020603050405020304" pitchFamily="18" charset="0"/>
+                <a:ea typeface="Times New Roman" panose="02020603050405020304" pitchFamily="18" charset="0"/>
+                <a:cs typeface="Times New Roman" panose="02020603050405020304" pitchFamily="18" charset="0"/>
+              </a:rPr>
+              <a:t> </a:t>
+            </a:r>
+            <a:r>
+              <a:rPr lang="en-US" sz="2400" dirty="0" err="1">
+                <a:effectLst/>
+                <a:latin typeface="Times New Roman" panose="02020603050405020304" pitchFamily="18" charset="0"/>
+                <a:ea typeface="Times New Roman" panose="02020603050405020304" pitchFamily="18" charset="0"/>
+                <a:cs typeface="Times New Roman" panose="02020603050405020304" pitchFamily="18" charset="0"/>
+              </a:rPr>
+              <a:t>em</a:t>
+            </a:r>
+            <a:r>
+              <a:rPr lang="en-US" sz="2400" dirty="0">
+                <a:effectLst/>
+                <a:latin typeface="Times New Roman" panose="02020603050405020304" pitchFamily="18" charset="0"/>
+                <a:ea typeface="Times New Roman" panose="02020603050405020304" pitchFamily="18" charset="0"/>
+                <a:cs typeface="Times New Roman" panose="02020603050405020304" pitchFamily="18" charset="0"/>
+              </a:rPr>
+              <a:t>: http://dx.doi.org/10.1016/S2212-5671(15)00523-7</a:t>
+            </a:r>
+          </a:p>
+          <a:p>
+            <a:endParaRPr lang="en-US" sz="2400" dirty="0">
+              <a:effectLst/>
+              <a:latin typeface="Times New Roman" panose="02020603050405020304" pitchFamily="18" charset="0"/>
+              <a:ea typeface="Times New Roman" panose="02020603050405020304" pitchFamily="18" charset="0"/>
+              <a:cs typeface="Times New Roman" panose="02020603050405020304" pitchFamily="18" charset="0"/>
+            </a:endParaRPr>
+          </a:p>
+          <a:p>
+            <a:r>
+              <a:rPr lang="en-US" sz="2400" dirty="0">
+                <a:effectLst/>
+                <a:latin typeface="Times New Roman" panose="02020603050405020304" pitchFamily="18" charset="0"/>
+                <a:ea typeface="Times New Roman" panose="02020603050405020304" pitchFamily="18" charset="0"/>
+                <a:cs typeface="Times New Roman" panose="02020603050405020304" pitchFamily="18" charset="0"/>
+              </a:rPr>
+              <a:t>PRADHAN, Rabindra Kumar; JENA, </a:t>
+            </a:r>
+            <a:r>
+              <a:rPr lang="en-US" sz="2400" dirty="0" err="1">
+                <a:effectLst/>
+                <a:latin typeface="Times New Roman" panose="02020603050405020304" pitchFamily="18" charset="0"/>
+                <a:ea typeface="Times New Roman" panose="02020603050405020304" pitchFamily="18" charset="0"/>
+                <a:cs typeface="Times New Roman" panose="02020603050405020304" pitchFamily="18" charset="0"/>
+              </a:rPr>
+              <a:t>Lalatendu</a:t>
+            </a:r>
+            <a:r>
+              <a:rPr lang="en-US" sz="2400" dirty="0">
+                <a:effectLst/>
+                <a:latin typeface="Times New Roman" panose="02020603050405020304" pitchFamily="18" charset="0"/>
+                <a:ea typeface="Times New Roman" panose="02020603050405020304" pitchFamily="18" charset="0"/>
+                <a:cs typeface="Times New Roman" panose="02020603050405020304" pitchFamily="18" charset="0"/>
+              </a:rPr>
+              <a:t> </a:t>
+            </a:r>
+            <a:r>
+              <a:rPr lang="en-US" sz="2400" dirty="0" err="1">
+                <a:effectLst/>
+                <a:latin typeface="Times New Roman" panose="02020603050405020304" pitchFamily="18" charset="0"/>
+                <a:ea typeface="Times New Roman" panose="02020603050405020304" pitchFamily="18" charset="0"/>
+                <a:cs typeface="Times New Roman" panose="02020603050405020304" pitchFamily="18" charset="0"/>
+              </a:rPr>
+              <a:t>Kesari</a:t>
+            </a:r>
+            <a:r>
+              <a:rPr lang="en-US" sz="2400" dirty="0">
+                <a:effectLst/>
+                <a:latin typeface="Times New Roman" panose="02020603050405020304" pitchFamily="18" charset="0"/>
+                <a:ea typeface="Times New Roman" panose="02020603050405020304" pitchFamily="18" charset="0"/>
+                <a:cs typeface="Times New Roman" panose="02020603050405020304" pitchFamily="18" charset="0"/>
+              </a:rPr>
+              <a:t>; SINGH, Sanjay Kumar. Examining the role of emotional intelligence between organizational learning and adaptive performance in Indian manufacturing industries. Journal of Workplace Learning, [S. l.], v. 29, n. 3, p. 235–247, 2017.</a:t>
+            </a:r>
+            <a:endParaRPr lang="pt-BR" dirty="0"/>
+          </a:p>
+          <a:p>
+            <a:endParaRPr lang="en-US" sz="2400" dirty="0">
+              <a:effectLst/>
+              <a:latin typeface="Times New Roman" panose="02020603050405020304" pitchFamily="18" charset="0"/>
+              <a:ea typeface="Times New Roman" panose="02020603050405020304" pitchFamily="18" charset="0"/>
+              <a:cs typeface="Times New Roman" panose="02020603050405020304" pitchFamily="18" charset="0"/>
+            </a:endParaRPr>
+          </a:p>
+          <a:p>
+            <a:endParaRPr lang="en-US" sz="2400" dirty="0">
+              <a:effectLst/>
+              <a:latin typeface="Times New Roman" panose="02020603050405020304" pitchFamily="18" charset="0"/>
+              <a:ea typeface="Times New Roman" panose="02020603050405020304" pitchFamily="18" charset="0"/>
+              <a:cs typeface="Times New Roman" panose="02020603050405020304" pitchFamily="18" charset="0"/>
+            </a:endParaRPr>
+          </a:p>
+          <a:p>
+            <a:endParaRPr lang="pt-BR" dirty="0"/>
+          </a:p>
+        </p:txBody>
+      </p:sp>
+    </p:spTree>
+    <p:extLst>
+      <p:ext uri="{BB962C8B-B14F-4D97-AF65-F5344CB8AC3E}">
+        <p14:creationId xmlns:p14="http://schemas.microsoft.com/office/powerpoint/2010/main" val="2092405931"/>
+      </p:ext>
+    </p:extLst>
+  </p:cSld>
+  <p:clrMapOvr>
+    <a:masterClrMapping/>
+  </p:clrMapOvr>
+</p:sld>
+</file>
+
 <file path=ppt/slides/slide11.xml><?xml version="1.0" encoding="utf-8"?>
 <p:sld xmlns:a="http://schemas.openxmlformats.org/drawingml/2006/main" xmlns:r="http://schemas.openxmlformats.org/officeDocument/2006/relationships" xmlns:p="http://schemas.openxmlformats.org/presentationml/2006/main">
   <p:cSld>
@@ -6362,7 +9508,7 @@
               <a:t> (2014) afirmam que o fenômeno do desempenho adaptativo pode ser considerado como </a:t>
             </a:r>
             <a:r>
-              <a:rPr lang="pt-BR" sz="2800" u="sng" dirty="0">
+              <a:rPr lang="pt-BR" sz="2800" b="1" dirty="0">
                 <a:solidFill>
                   <a:srgbClr val="8A2626"/>
                 </a:solidFill>
@@ -6584,7 +9730,7 @@
           <p:nvPr/>
         </p:nvPicPr>
         <p:blipFill>
-          <a:blip r:embed="rId2"/>
+          <a:blip r:embed="rId3"/>
           <a:stretch>
             <a:fillRect/>
           </a:stretch>
@@ -7775,7 +10921,7 @@
                 <a:latin typeface="Swis721 Cn BT" panose="020B0506020202030204"/>
                 <a:ea typeface="Times New Roman" panose="02020603050405020304" pitchFamily="18" charset="0"/>
               </a:rPr>
-              <a:t>, (2006)</a:t>
+              <a:t> (2006)</a:t>
             </a:r>
             <a:endParaRPr lang="pt-BR" dirty="0"/>
           </a:p>
@@ -8105,27 +11251,6 @@
               </a:rPr>
               <a:t>Controle emocional, busca por ajuda, resiliência, autoaprendizagem liderança para cooperação, resolução de problemas e liderança para coordenação.</a:t>
             </a:r>
-          </a:p>
-          <a:p>
-            <a:r>
-              <a:rPr lang="pt-BR" dirty="0">
-                <a:effectLst/>
-                <a:latin typeface="Swis721 Cn BT" panose="020B0506020202030204"/>
-                <a:ea typeface="Times New Roman" panose="02020603050405020304" pitchFamily="18" charset="0"/>
-                <a:cs typeface="Times New Roman" panose="02020603050405020304" pitchFamily="18" charset="0"/>
-              </a:rPr>
-              <a:t>Agente reativo, limitador e adaptador. </a:t>
-            </a:r>
-          </a:p>
-          <a:p>
-            <a:endParaRPr lang="pt-BR" sz="2400" dirty="0">
-              <a:effectLst/>
-              <a:latin typeface="Swis721 Cn BT" panose="020B0506020202030204"/>
-              <a:ea typeface="Times New Roman" panose="02020603050405020304" pitchFamily="18" charset="0"/>
-              <a:cs typeface="Times New Roman" panose="02020603050405020304" pitchFamily="18" charset="0"/>
-            </a:endParaRPr>
-          </a:p>
-          <a:p>
             <a:endParaRPr lang="pt-BR" dirty="0"/>
           </a:p>
         </p:txBody>
@@ -8419,80 +11544,12 @@
             </a:r>
           </a:p>
           <a:p>
-            <a:pPr indent="449580" algn="just">
-              <a:lnSpc>
-                <a:spcPct val="150000"/>
-              </a:lnSpc>
-              <a:spcAft>
-                <a:spcPts val="600"/>
-              </a:spcAft>
-            </a:pPr>
-            <a:r>
-              <a:rPr lang="pt-BR" sz="1800" b="1" dirty="0">
-                <a:effectLst/>
+            <a:r>
+              <a:rPr lang="pt-BR" dirty="0">
                 <a:latin typeface="Swis721 Cn BT" panose="020B0506020202030204"/>
-                <a:ea typeface="Times New Roman" panose="02020603050405020304" pitchFamily="18" charset="0"/>
-                <a:cs typeface="Times New Roman" panose="02020603050405020304" pitchFamily="18" charset="0"/>
-              </a:rPr>
-              <a:t>Deixa ou pista </a:t>
-            </a:r>
-            <a:r>
-              <a:rPr lang="pt-BR" sz="1800" b="1" i="1" dirty="0">
-                <a:effectLst/>
-                <a:latin typeface="Swis721 Cn BT" panose="020B0506020202030204"/>
-                <a:ea typeface="Times New Roman" panose="02020603050405020304" pitchFamily="18" charset="0"/>
-                <a:cs typeface="Times New Roman" panose="02020603050405020304" pitchFamily="18" charset="0"/>
-              </a:rPr>
-              <a:t>(</a:t>
-            </a:r>
-            <a:r>
-              <a:rPr lang="pt-BR" sz="1800" b="1" i="1" dirty="0" err="1">
-                <a:effectLst/>
-                <a:latin typeface="Swis721 Cn BT" panose="020B0506020202030204"/>
-                <a:ea typeface="Times New Roman" panose="02020603050405020304" pitchFamily="18" charset="0"/>
-                <a:cs typeface="Times New Roman" panose="02020603050405020304" pitchFamily="18" charset="0"/>
-              </a:rPr>
-              <a:t>cue</a:t>
-            </a:r>
-            <a:r>
-              <a:rPr lang="pt-BR" sz="1800" b="1" dirty="0">
-                <a:effectLst/>
-                <a:latin typeface="Swis721 Cn BT" panose="020B0506020202030204"/>
-                <a:ea typeface="Times New Roman" panose="02020603050405020304" pitchFamily="18" charset="0"/>
-                <a:cs typeface="Times New Roman" panose="02020603050405020304" pitchFamily="18" charset="0"/>
-              </a:rPr>
-              <a:t>).</a:t>
-            </a:r>
-            <a:r>
-              <a:rPr lang="pt-BR" sz="1800" dirty="0">
-                <a:effectLst/>
-                <a:latin typeface="Swis721 Cn BT" panose="020B0506020202030204"/>
-                <a:ea typeface="Times New Roman" panose="02020603050405020304" pitchFamily="18" charset="0"/>
-                <a:cs typeface="Times New Roman" panose="02020603050405020304" pitchFamily="18" charset="0"/>
-              </a:rPr>
-              <a:t> Uma deixa é conceituada como qualquer tipo de evento não rotineiro que pode ser previamente conhecido ou não, que tem potencial para perturbar e afetar o processo atual (LOUIS; SUTTON, 1991). </a:t>
-            </a:r>
-          </a:p>
-          <a:p>
-            <a:pPr indent="449580" algn="just">
-              <a:lnSpc>
-                <a:spcPct val="150000"/>
-              </a:lnSpc>
-              <a:spcAft>
-                <a:spcPts val="600"/>
-              </a:spcAft>
-            </a:pPr>
-            <a:endParaRPr lang="pt-BR" sz="1800" dirty="0">
-              <a:effectLst/>
-              <a:latin typeface="Swis721 Cn BT" panose="020B0506020202030204"/>
-              <a:ea typeface="Times New Roman" panose="02020603050405020304" pitchFamily="18" charset="0"/>
-              <a:cs typeface="Times New Roman" panose="02020603050405020304" pitchFamily="18" charset="0"/>
-            </a:endParaRPr>
-          </a:p>
-          <a:p>
-            <a:endParaRPr lang="pt-BR" dirty="0">
-              <a:latin typeface="Swis721 Cn BT" panose="020B0506020202030204"/>
-            </a:endParaRPr>
+              </a:rPr>
+              <a:t>Padrões de adaptação para os times</a:t>
+            </a:r>
           </a:p>
         </p:txBody>
       </p:sp>
@@ -8707,7 +11764,26 @@
           <a:bodyPr/>
           <a:lstStyle/>
           <a:p>
+            <a:r>
+              <a:rPr lang="pt-BR" dirty="0" err="1">
+                <a:latin typeface="Swis721 Cn BT" panose="020B0506020202030204"/>
+                <a:ea typeface="Calibri" panose="020F0502020204030204" pitchFamily="34" charset="0"/>
+                <a:cs typeface="Times New Roman" panose="02020603050405020304" pitchFamily="18" charset="0"/>
+              </a:rPr>
+              <a:t>Kude</a:t>
+            </a:r>
+            <a:r>
+              <a:rPr lang="pt-BR" dirty="0">
+                <a:latin typeface="Swis721 Cn BT" panose="020B0506020202030204"/>
+                <a:ea typeface="Calibri" panose="020F0502020204030204" pitchFamily="34" charset="0"/>
+                <a:cs typeface="Times New Roman" panose="02020603050405020304" pitchFamily="18" charset="0"/>
+              </a:rPr>
+              <a:t> et al. (2014)</a:t>
+            </a:r>
+          </a:p>
+          <a:p>
             <a:endParaRPr lang="pt-BR" dirty="0">
+              <a:effectLst/>
               <a:latin typeface="Swis721 Cn BT" panose="020B0506020202030204"/>
               <a:ea typeface="Calibri" panose="020F0502020204030204" pitchFamily="34" charset="0"/>
               <a:cs typeface="Times New Roman" panose="02020603050405020304" pitchFamily="18" charset="0"/>
@@ -8960,11 +12036,18 @@
             </a:pPr>
             <a:r>
               <a:rPr lang="pt-BR" sz="2800" dirty="0">
-                <a:effectLst/>
                 <a:latin typeface="Swis721 Cn BT" panose="020B0506020202030204"/>
                 <a:ea typeface="Calibri" panose="020F0502020204030204" pitchFamily="34" charset="0"/>
               </a:rPr>
-              <a:t>instabilidade tecnológica é</a:t>
+              <a:t>I</a:t>
+            </a:r>
+            <a:r>
+              <a:rPr lang="pt-BR" sz="2800" dirty="0">
+                <a:effectLst/>
+                <a:latin typeface="Swis721 Cn BT" panose="020B0506020202030204"/>
+                <a:ea typeface="Calibri" panose="020F0502020204030204" pitchFamily="34" charset="0"/>
+              </a:rPr>
+              <a:t>nstabilidade tecnológica é</a:t>
             </a:r>
             <a:r>
               <a:rPr lang="pt-BR" sz="2800" dirty="0">
@@ -10292,12 +13375,20 @@
             </a:pPr>
             <a:r>
               <a:rPr lang="pt-BR" sz="1800" dirty="0">
-                <a:effectLst/>
                 <a:latin typeface="Arial" panose="020B0604020202020204" pitchFamily="34" charset="0"/>
                 <a:ea typeface="Times New Roman" panose="02020603050405020304" pitchFamily="18" charset="0"/>
                 <a:cs typeface="Times New Roman" panose="02020603050405020304" pitchFamily="18" charset="0"/>
               </a:rPr>
-              <a:t>despersonalização ou cinismo, </a:t>
+              <a:t>D</a:t>
+            </a:r>
+            <a:r>
+              <a:rPr lang="pt-BR" sz="1800" dirty="0">
+                <a:effectLst/>
+                <a:latin typeface="Arial" panose="020B0604020202020204" pitchFamily="34" charset="0"/>
+                <a:ea typeface="Times New Roman" panose="02020603050405020304" pitchFamily="18" charset="0"/>
+                <a:cs typeface="Times New Roman" panose="02020603050405020304" pitchFamily="18" charset="0"/>
+              </a:rPr>
+              <a:t>espersonalização ou cinismo, </a:t>
             </a:r>
           </a:p>
           <a:p>
@@ -13960,6 +17051,10 @@
           </a:bodyPr>
           <a:lstStyle/>
           <a:p>
+            <a:pPr marL="342900" indent="-342900">
+              <a:buFont typeface="Arial" panose="020B0604020202020204" pitchFamily="34" charset="0"/>
+              <a:buChar char="•"/>
+            </a:pPr>
             <a:r>
               <a:rPr lang="pt-BR" sz="2400" dirty="0">
                 <a:latin typeface="Swis721 Cn BT" panose="020B0506020202030204"/>
@@ -13976,8 +17071,22 @@
               <a:rPr lang="pt-BR" sz="2400" dirty="0">
                 <a:latin typeface="Swis721 Cn BT" panose="020B0506020202030204"/>
               </a:rPr>
-              <a:t> 0.81</a:t>
-            </a:r>
+              <a:t> 0.</a:t>
+            </a:r>
+            <a:r>
+              <a:rPr lang="pt-BR" sz="2400" dirty="0">
+                <a:solidFill>
+                  <a:srgbClr val="222222"/>
+                </a:solidFill>
+                <a:effectLst/>
+                <a:latin typeface="Swis721 Cn BT" panose="020B0506020202030204"/>
+                <a:ea typeface="Times New Roman" panose="02020603050405020304" pitchFamily="18" charset="0"/>
+              </a:rPr>
+              <a:t>823</a:t>
+            </a:r>
+            <a:endParaRPr lang="pt-BR" sz="2400" dirty="0">
+              <a:latin typeface="Swis721 Cn BT" panose="020B0506020202030204"/>
+            </a:endParaRPr>
           </a:p>
         </p:txBody>
       </p:sp>
@@ -19176,6 +22285,987 @@
           <a:chExt cx="0" cy="0"/>
         </a:xfrm>
       </p:grpSpPr>
+      <p:sp>
+        <p:nvSpPr>
+          <p:cNvPr id="2" name="Título 1">
+            <a:extLst>
+              <a:ext uri="{FF2B5EF4-FFF2-40B4-BE49-F238E27FC236}">
+                <a16:creationId xmlns:a16="http://schemas.microsoft.com/office/drawing/2014/main" id="{B25E910A-1BFD-4CDB-96B0-F4DE4FEA3045}"/>
+              </a:ext>
+            </a:extLst>
+          </p:cNvPr>
+          <p:cNvSpPr>
+            <a:spLocks noGrp="1"/>
+          </p:cNvSpPr>
+          <p:nvPr>
+            <p:ph type="title"/>
+          </p:nvPr>
+        </p:nvSpPr>
+        <p:spPr/>
+        <p:txBody>
+          <a:bodyPr/>
+          <a:lstStyle/>
+          <a:p>
+            <a:endParaRPr lang="pt-BR"/>
+          </a:p>
+        </p:txBody>
+      </p:sp>
+      <p:graphicFrame>
+        <p:nvGraphicFramePr>
+          <p:cNvPr id="4" name="Espaço Reservado para Conteúdo 3">
+            <a:extLst>
+              <a:ext uri="{FF2B5EF4-FFF2-40B4-BE49-F238E27FC236}">
+                <a16:creationId xmlns:a16="http://schemas.microsoft.com/office/drawing/2014/main" id="{5D9EBF49-8152-43F7-8365-3E489941211B}"/>
+              </a:ext>
+            </a:extLst>
+          </p:cNvPr>
+          <p:cNvGraphicFramePr>
+            <a:graphicFrameLocks noGrp="1"/>
+          </p:cNvGraphicFramePr>
+          <p:nvPr>
+            <p:ph idx="1"/>
+            <p:extLst>
+              <p:ext uri="{D42A27DB-BD31-4B8C-83A1-F6EECF244321}">
+                <p14:modId xmlns:p14="http://schemas.microsoft.com/office/powerpoint/2010/main" val="2516007007"/>
+              </p:ext>
+            </p:extLst>
+          </p:nvPr>
+        </p:nvGraphicFramePr>
+        <p:xfrm>
+          <a:off x="1695450" y="3291681"/>
+          <a:ext cx="5753100" cy="2362200"/>
+        </p:xfrm>
+        <a:graphic>
+          <a:graphicData uri="http://schemas.openxmlformats.org/drawingml/2006/table">
+            <a:tbl>
+              <a:tblPr firstRow="1" firstCol="1" bandRow="1">
+                <a:tableStyleId>{5C22544A-7EE6-4342-B048-85BDC9FD1C3A}</a:tableStyleId>
+              </a:tblPr>
+              <a:tblGrid>
+                <a:gridCol w="1438275">
+                  <a:extLst>
+                    <a:ext uri="{9D8B030D-6E8A-4147-A177-3AD203B41FA5}">
+                      <a16:colId xmlns:a16="http://schemas.microsoft.com/office/drawing/2014/main" val="3672528801"/>
+                    </a:ext>
+                  </a:extLst>
+                </a:gridCol>
+                <a:gridCol w="1438275">
+                  <a:extLst>
+                    <a:ext uri="{9D8B030D-6E8A-4147-A177-3AD203B41FA5}">
+                      <a16:colId xmlns:a16="http://schemas.microsoft.com/office/drawing/2014/main" val="3853923113"/>
+                    </a:ext>
+                  </a:extLst>
+                </a:gridCol>
+                <a:gridCol w="1438275">
+                  <a:extLst>
+                    <a:ext uri="{9D8B030D-6E8A-4147-A177-3AD203B41FA5}">
+                      <a16:colId xmlns:a16="http://schemas.microsoft.com/office/drawing/2014/main" val="1898261001"/>
+                    </a:ext>
+                  </a:extLst>
+                </a:gridCol>
+                <a:gridCol w="1438275">
+                  <a:extLst>
+                    <a:ext uri="{9D8B030D-6E8A-4147-A177-3AD203B41FA5}">
+                      <a16:colId xmlns:a16="http://schemas.microsoft.com/office/drawing/2014/main" val="3670742354"/>
+                    </a:ext>
+                  </a:extLst>
+                </a:gridCol>
+              </a:tblGrid>
+              <a:tr h="0">
+                <a:tc>
+                  <a:txBody>
+                    <a:bodyPr/>
+                    <a:lstStyle/>
+                    <a:p>
+                      <a:pPr algn="l">
+                        <a:spcAft>
+                          <a:spcPts val="600"/>
+                        </a:spcAft>
+                      </a:pPr>
+                      <a:r>
+                        <a:rPr lang="pt-BR" sz="1200">
+                          <a:solidFill>
+                            <a:schemeClr val="bg1"/>
+                          </a:solidFill>
+                          <a:effectLst/>
+                        </a:rPr>
+                        <a:t>Dimensões</a:t>
+                      </a:r>
+                      <a:endParaRPr lang="pt-BR" sz="1100">
+                        <a:solidFill>
+                          <a:schemeClr val="bg1"/>
+                        </a:solidFill>
+                        <a:effectLst/>
+                        <a:latin typeface="Times" panose="02020603050405020304" pitchFamily="18" charset="0"/>
+                        <a:ea typeface="Times New Roman" panose="02020603050405020304" pitchFamily="18" charset="0"/>
+                        <a:cs typeface="Times New Roman" panose="02020603050405020304" pitchFamily="18" charset="0"/>
+                      </a:endParaRPr>
+                    </a:p>
+                  </a:txBody>
+                  <a:tcPr marL="68580" marR="68580" marT="0" marB="0">
+                    <a:solidFill>
+                      <a:schemeClr val="accent5"/>
+                    </a:solidFill>
+                  </a:tcPr>
+                </a:tc>
+                <a:tc>
+                  <a:txBody>
+                    <a:bodyPr/>
+                    <a:lstStyle/>
+                    <a:p>
+                      <a:pPr algn="l">
+                        <a:spcAft>
+                          <a:spcPts val="600"/>
+                        </a:spcAft>
+                      </a:pPr>
+                      <a:r>
+                        <a:rPr lang="pt-BR" sz="1200">
+                          <a:solidFill>
+                            <a:schemeClr val="bg1"/>
+                          </a:solidFill>
+                          <a:effectLst/>
+                        </a:rPr>
+                        <a:t>Variância média extraída</a:t>
+                      </a:r>
+                      <a:endParaRPr lang="pt-BR" sz="1100">
+                        <a:solidFill>
+                          <a:schemeClr val="bg1"/>
+                        </a:solidFill>
+                        <a:effectLst/>
+                        <a:latin typeface="Times" panose="02020603050405020304" pitchFamily="18" charset="0"/>
+                        <a:ea typeface="Times New Roman" panose="02020603050405020304" pitchFamily="18" charset="0"/>
+                        <a:cs typeface="Times New Roman" panose="02020603050405020304" pitchFamily="18" charset="0"/>
+                      </a:endParaRPr>
+                    </a:p>
+                  </a:txBody>
+                  <a:tcPr marL="68580" marR="68580" marT="0" marB="0">
+                    <a:solidFill>
+                      <a:schemeClr val="accent5"/>
+                    </a:solidFill>
+                  </a:tcPr>
+                </a:tc>
+                <a:tc>
+                  <a:txBody>
+                    <a:bodyPr/>
+                    <a:lstStyle/>
+                    <a:p>
+                      <a:pPr algn="l">
+                        <a:spcAft>
+                          <a:spcPts val="600"/>
+                        </a:spcAft>
+                      </a:pPr>
+                      <a:r>
+                        <a:rPr lang="pt-BR" sz="1200">
+                          <a:solidFill>
+                            <a:schemeClr val="bg1"/>
+                          </a:solidFill>
+                          <a:effectLst/>
+                        </a:rPr>
+                        <a:t>Confiabilidade Composta</a:t>
+                      </a:r>
+                      <a:endParaRPr lang="pt-BR" sz="1100">
+                        <a:solidFill>
+                          <a:schemeClr val="bg1"/>
+                        </a:solidFill>
+                        <a:effectLst/>
+                        <a:latin typeface="Times" panose="02020603050405020304" pitchFamily="18" charset="0"/>
+                        <a:ea typeface="Times New Roman" panose="02020603050405020304" pitchFamily="18" charset="0"/>
+                        <a:cs typeface="Times New Roman" panose="02020603050405020304" pitchFamily="18" charset="0"/>
+                      </a:endParaRPr>
+                    </a:p>
+                  </a:txBody>
+                  <a:tcPr marL="68580" marR="68580" marT="0" marB="0">
+                    <a:solidFill>
+                      <a:schemeClr val="accent5"/>
+                    </a:solidFill>
+                  </a:tcPr>
+                </a:tc>
+                <a:tc>
+                  <a:txBody>
+                    <a:bodyPr/>
+                    <a:lstStyle/>
+                    <a:p>
+                      <a:pPr algn="l">
+                        <a:spcAft>
+                          <a:spcPts val="600"/>
+                        </a:spcAft>
+                      </a:pPr>
+                      <a:r>
+                        <a:rPr lang="pt-BR" sz="1200" dirty="0">
+                          <a:solidFill>
+                            <a:schemeClr val="bg1"/>
+                          </a:solidFill>
+                          <a:effectLst/>
+                        </a:rPr>
+                        <a:t>Alfa de </a:t>
+                      </a:r>
+                      <a:r>
+                        <a:rPr lang="pt-BR" sz="1200" dirty="0" err="1">
+                          <a:solidFill>
+                            <a:schemeClr val="bg1"/>
+                          </a:solidFill>
+                          <a:effectLst/>
+                        </a:rPr>
+                        <a:t>Cronbach</a:t>
+                      </a:r>
+                      <a:endParaRPr lang="pt-BR" sz="1100" dirty="0">
+                        <a:solidFill>
+                          <a:schemeClr val="bg1"/>
+                        </a:solidFill>
+                        <a:effectLst/>
+                        <a:latin typeface="Times" panose="02020603050405020304" pitchFamily="18" charset="0"/>
+                        <a:ea typeface="Times New Roman" panose="02020603050405020304" pitchFamily="18" charset="0"/>
+                        <a:cs typeface="Times New Roman" panose="02020603050405020304" pitchFamily="18" charset="0"/>
+                      </a:endParaRPr>
+                    </a:p>
+                  </a:txBody>
+                  <a:tcPr marL="68580" marR="68580" marT="0" marB="0">
+                    <a:solidFill>
+                      <a:schemeClr val="accent5"/>
+                    </a:solidFill>
+                  </a:tcPr>
+                </a:tc>
+                <a:extLst>
+                  <a:ext uri="{0D108BD9-81ED-4DB2-BD59-A6C34878D82A}">
+                    <a16:rowId xmlns:a16="http://schemas.microsoft.com/office/drawing/2014/main" val="3111597849"/>
+                  </a:ext>
+                </a:extLst>
+              </a:tr>
+              <a:tr h="0">
+                <a:tc>
+                  <a:txBody>
+                    <a:bodyPr/>
+                    <a:lstStyle/>
+                    <a:p>
+                      <a:pPr algn="l">
+                        <a:spcAft>
+                          <a:spcPts val="600"/>
+                        </a:spcAft>
+                      </a:pPr>
+                      <a:r>
+                        <a:rPr lang="pt-BR" sz="1200">
+                          <a:solidFill>
+                            <a:schemeClr val="tx1"/>
+                          </a:solidFill>
+                          <a:effectLst/>
+                        </a:rPr>
+                        <a:t>Tecnológica</a:t>
+                      </a:r>
+                      <a:endParaRPr lang="pt-BR" sz="1100">
+                        <a:solidFill>
+                          <a:schemeClr val="tx1"/>
+                        </a:solidFill>
+                        <a:effectLst/>
+                      </a:endParaRPr>
+                    </a:p>
+                    <a:p>
+                      <a:pPr algn="l">
+                        <a:spcAft>
+                          <a:spcPts val="600"/>
+                        </a:spcAft>
+                      </a:pPr>
+                      <a:r>
+                        <a:rPr lang="pt-BR" sz="1200">
+                          <a:solidFill>
+                            <a:schemeClr val="tx1"/>
+                          </a:solidFill>
+                          <a:effectLst/>
+                        </a:rPr>
+                        <a:t> </a:t>
+                      </a:r>
+                      <a:endParaRPr lang="pt-BR" sz="1100">
+                        <a:solidFill>
+                          <a:schemeClr val="tx1"/>
+                        </a:solidFill>
+                        <a:effectLst/>
+                      </a:endParaRPr>
+                    </a:p>
+                    <a:p>
+                      <a:pPr algn="l">
+                        <a:spcAft>
+                          <a:spcPts val="600"/>
+                        </a:spcAft>
+                      </a:pPr>
+                      <a:r>
+                        <a:rPr lang="pt-BR" sz="1200">
+                          <a:solidFill>
+                            <a:schemeClr val="tx1"/>
+                          </a:solidFill>
+                          <a:effectLst/>
+                        </a:rPr>
+                        <a:t>Equipe</a:t>
+                      </a:r>
+                      <a:endParaRPr lang="pt-BR" sz="1100">
+                        <a:solidFill>
+                          <a:schemeClr val="tx1"/>
+                        </a:solidFill>
+                        <a:effectLst/>
+                      </a:endParaRPr>
+                    </a:p>
+                    <a:p>
+                      <a:pPr algn="l">
+                        <a:spcAft>
+                          <a:spcPts val="600"/>
+                        </a:spcAft>
+                      </a:pPr>
+                      <a:r>
+                        <a:rPr lang="pt-BR" sz="1200">
+                          <a:solidFill>
+                            <a:schemeClr val="tx1"/>
+                          </a:solidFill>
+                          <a:effectLst/>
+                        </a:rPr>
+                        <a:t> </a:t>
+                      </a:r>
+                      <a:endParaRPr lang="pt-BR" sz="1100">
+                        <a:solidFill>
+                          <a:schemeClr val="tx1"/>
+                        </a:solidFill>
+                        <a:effectLst/>
+                      </a:endParaRPr>
+                    </a:p>
+                    <a:p>
+                      <a:pPr algn="l">
+                        <a:spcAft>
+                          <a:spcPts val="600"/>
+                        </a:spcAft>
+                      </a:pPr>
+                      <a:r>
+                        <a:rPr lang="pt-BR" sz="1200">
+                          <a:solidFill>
+                            <a:schemeClr val="tx1"/>
+                          </a:solidFill>
+                          <a:effectLst/>
+                        </a:rPr>
+                        <a:t>Tarefa</a:t>
+                      </a:r>
+                      <a:endParaRPr lang="pt-BR" sz="1100">
+                        <a:solidFill>
+                          <a:schemeClr val="tx1"/>
+                        </a:solidFill>
+                        <a:effectLst/>
+                      </a:endParaRPr>
+                    </a:p>
+                    <a:p>
+                      <a:pPr algn="l">
+                        <a:spcAft>
+                          <a:spcPts val="600"/>
+                        </a:spcAft>
+                      </a:pPr>
+                      <a:r>
+                        <a:rPr lang="pt-BR" sz="1200">
+                          <a:solidFill>
+                            <a:schemeClr val="tx1"/>
+                          </a:solidFill>
+                          <a:effectLst/>
+                        </a:rPr>
+                        <a:t> </a:t>
+                      </a:r>
+                      <a:endParaRPr lang="pt-BR" sz="1100">
+                        <a:solidFill>
+                          <a:schemeClr val="tx1"/>
+                        </a:solidFill>
+                        <a:effectLst/>
+                      </a:endParaRPr>
+                    </a:p>
+                    <a:p>
+                      <a:pPr algn="l">
+                        <a:spcAft>
+                          <a:spcPts val="600"/>
+                        </a:spcAft>
+                      </a:pPr>
+                      <a:r>
+                        <a:rPr lang="pt-BR" sz="1200">
+                          <a:solidFill>
+                            <a:schemeClr val="tx1"/>
+                          </a:solidFill>
+                          <a:effectLst/>
+                        </a:rPr>
+                        <a:t>Escala completa</a:t>
+                      </a:r>
+                      <a:endParaRPr lang="pt-BR" sz="1100">
+                        <a:solidFill>
+                          <a:schemeClr val="tx1"/>
+                        </a:solidFill>
+                        <a:effectLst/>
+                        <a:latin typeface="Times" panose="02020603050405020304" pitchFamily="18" charset="0"/>
+                        <a:ea typeface="Times New Roman" panose="02020603050405020304" pitchFamily="18" charset="0"/>
+                        <a:cs typeface="Times New Roman" panose="02020603050405020304" pitchFamily="18" charset="0"/>
+                      </a:endParaRPr>
+                    </a:p>
+                  </a:txBody>
+                  <a:tcPr marL="68580" marR="68580" marT="0" marB="0">
+                    <a:solidFill>
+                      <a:schemeClr val="bg1"/>
+                    </a:solidFill>
+                  </a:tcPr>
+                </a:tc>
+                <a:tc>
+                  <a:txBody>
+                    <a:bodyPr/>
+                    <a:lstStyle/>
+                    <a:p>
+                      <a:pPr algn="l">
+                        <a:spcAft>
+                          <a:spcPts val="600"/>
+                        </a:spcAft>
+                      </a:pPr>
+                      <a:r>
+                        <a:rPr lang="pt-BR" sz="1200">
+                          <a:solidFill>
+                            <a:schemeClr val="tx1"/>
+                          </a:solidFill>
+                          <a:effectLst/>
+                        </a:rPr>
+                        <a:t>0.361</a:t>
+                      </a:r>
+                      <a:endParaRPr lang="pt-BR" sz="1100">
+                        <a:solidFill>
+                          <a:schemeClr val="tx1"/>
+                        </a:solidFill>
+                        <a:effectLst/>
+                      </a:endParaRPr>
+                    </a:p>
+                    <a:p>
+                      <a:pPr algn="l">
+                        <a:spcAft>
+                          <a:spcPts val="600"/>
+                        </a:spcAft>
+                      </a:pPr>
+                      <a:r>
+                        <a:rPr lang="pt-BR" sz="1200">
+                          <a:solidFill>
+                            <a:schemeClr val="tx1"/>
+                          </a:solidFill>
+                          <a:effectLst/>
+                        </a:rPr>
+                        <a:t> </a:t>
+                      </a:r>
+                      <a:endParaRPr lang="pt-BR" sz="1100">
+                        <a:solidFill>
+                          <a:schemeClr val="tx1"/>
+                        </a:solidFill>
+                        <a:effectLst/>
+                      </a:endParaRPr>
+                    </a:p>
+                    <a:p>
+                      <a:pPr algn="l">
+                        <a:spcAft>
+                          <a:spcPts val="600"/>
+                        </a:spcAft>
+                      </a:pPr>
+                      <a:r>
+                        <a:rPr lang="pt-BR" sz="1200">
+                          <a:solidFill>
+                            <a:schemeClr val="tx1"/>
+                          </a:solidFill>
+                          <a:effectLst/>
+                        </a:rPr>
+                        <a:t>0. 457</a:t>
+                      </a:r>
+                      <a:endParaRPr lang="pt-BR" sz="1100">
+                        <a:solidFill>
+                          <a:schemeClr val="tx1"/>
+                        </a:solidFill>
+                        <a:effectLst/>
+                      </a:endParaRPr>
+                    </a:p>
+                    <a:p>
+                      <a:pPr algn="l">
+                        <a:spcAft>
+                          <a:spcPts val="600"/>
+                        </a:spcAft>
+                      </a:pPr>
+                      <a:r>
+                        <a:rPr lang="pt-BR" sz="1200">
+                          <a:solidFill>
+                            <a:schemeClr val="tx1"/>
+                          </a:solidFill>
+                          <a:effectLst/>
+                        </a:rPr>
+                        <a:t> </a:t>
+                      </a:r>
+                      <a:endParaRPr lang="pt-BR" sz="1100">
+                        <a:solidFill>
+                          <a:schemeClr val="tx1"/>
+                        </a:solidFill>
+                        <a:effectLst/>
+                      </a:endParaRPr>
+                    </a:p>
+                    <a:p>
+                      <a:pPr algn="l">
+                        <a:spcAft>
+                          <a:spcPts val="600"/>
+                        </a:spcAft>
+                      </a:pPr>
+                      <a:r>
+                        <a:rPr lang="pt-BR" sz="1200">
+                          <a:solidFill>
+                            <a:schemeClr val="tx1"/>
+                          </a:solidFill>
+                          <a:effectLst/>
+                        </a:rPr>
+                        <a:t>0. 535</a:t>
+                      </a:r>
+                      <a:endParaRPr lang="pt-BR" sz="1100">
+                        <a:solidFill>
+                          <a:schemeClr val="tx1"/>
+                        </a:solidFill>
+                        <a:effectLst/>
+                      </a:endParaRPr>
+                    </a:p>
+                    <a:p>
+                      <a:pPr algn="l">
+                        <a:spcAft>
+                          <a:spcPts val="600"/>
+                        </a:spcAft>
+                      </a:pPr>
+                      <a:r>
+                        <a:rPr lang="pt-BR" sz="1200">
+                          <a:solidFill>
+                            <a:schemeClr val="tx1"/>
+                          </a:solidFill>
+                          <a:effectLst/>
+                        </a:rPr>
+                        <a:t> </a:t>
+                      </a:r>
+                      <a:endParaRPr lang="pt-BR" sz="1100">
+                        <a:solidFill>
+                          <a:schemeClr val="tx1"/>
+                        </a:solidFill>
+                        <a:effectLst/>
+                      </a:endParaRPr>
+                    </a:p>
+                    <a:p>
+                      <a:pPr algn="l">
+                        <a:spcAft>
+                          <a:spcPts val="600"/>
+                        </a:spcAft>
+                      </a:pPr>
+                      <a:r>
+                        <a:rPr lang="pt-BR" sz="1200">
+                          <a:solidFill>
+                            <a:schemeClr val="tx1"/>
+                          </a:solidFill>
+                          <a:effectLst/>
+                        </a:rPr>
+                        <a:t>0. 421</a:t>
+                      </a:r>
+                      <a:endParaRPr lang="pt-BR" sz="1100">
+                        <a:solidFill>
+                          <a:schemeClr val="tx1"/>
+                        </a:solidFill>
+                        <a:effectLst/>
+                      </a:endParaRPr>
+                    </a:p>
+                    <a:p>
+                      <a:pPr algn="l">
+                        <a:spcAft>
+                          <a:spcPts val="600"/>
+                        </a:spcAft>
+                      </a:pPr>
+                      <a:r>
+                        <a:rPr lang="pt-BR" sz="1200">
+                          <a:solidFill>
+                            <a:schemeClr val="tx1"/>
+                          </a:solidFill>
+                          <a:effectLst/>
+                        </a:rPr>
+                        <a:t> </a:t>
+                      </a:r>
+                      <a:endParaRPr lang="pt-BR" sz="1100">
+                        <a:solidFill>
+                          <a:schemeClr val="tx1"/>
+                        </a:solidFill>
+                        <a:effectLst/>
+                        <a:latin typeface="Times" panose="02020603050405020304" pitchFamily="18" charset="0"/>
+                        <a:ea typeface="Times New Roman" panose="02020603050405020304" pitchFamily="18" charset="0"/>
+                        <a:cs typeface="Times New Roman" panose="02020603050405020304" pitchFamily="18" charset="0"/>
+                      </a:endParaRPr>
+                    </a:p>
+                  </a:txBody>
+                  <a:tcPr marL="68580" marR="68580" marT="0" marB="0">
+                    <a:solidFill>
+                      <a:schemeClr val="bg1"/>
+                    </a:solidFill>
+                  </a:tcPr>
+                </a:tc>
+                <a:tc>
+                  <a:txBody>
+                    <a:bodyPr/>
+                    <a:lstStyle/>
+                    <a:p>
+                      <a:pPr algn="l">
+                        <a:spcAft>
+                          <a:spcPts val="600"/>
+                        </a:spcAft>
+                      </a:pPr>
+                      <a:r>
+                        <a:rPr lang="pt-BR" sz="1200">
+                          <a:solidFill>
+                            <a:schemeClr val="tx1"/>
+                          </a:solidFill>
+                          <a:effectLst/>
+                        </a:rPr>
+                        <a:t>0.564</a:t>
+                      </a:r>
+                      <a:endParaRPr lang="pt-BR" sz="1100">
+                        <a:solidFill>
+                          <a:schemeClr val="tx1"/>
+                        </a:solidFill>
+                        <a:effectLst/>
+                      </a:endParaRPr>
+                    </a:p>
+                    <a:p>
+                      <a:pPr algn="l">
+                        <a:spcAft>
+                          <a:spcPts val="600"/>
+                        </a:spcAft>
+                      </a:pPr>
+                      <a:r>
+                        <a:rPr lang="pt-BR" sz="1200">
+                          <a:solidFill>
+                            <a:schemeClr val="tx1"/>
+                          </a:solidFill>
+                          <a:effectLst/>
+                        </a:rPr>
+                        <a:t> </a:t>
+                      </a:r>
+                      <a:endParaRPr lang="pt-BR" sz="1100">
+                        <a:solidFill>
+                          <a:schemeClr val="tx1"/>
+                        </a:solidFill>
+                        <a:effectLst/>
+                      </a:endParaRPr>
+                    </a:p>
+                    <a:p>
+                      <a:pPr algn="l">
+                        <a:spcAft>
+                          <a:spcPts val="600"/>
+                        </a:spcAft>
+                      </a:pPr>
+                      <a:r>
+                        <a:rPr lang="pt-BR" sz="1200">
+                          <a:solidFill>
+                            <a:schemeClr val="tx1"/>
+                          </a:solidFill>
+                          <a:effectLst/>
+                        </a:rPr>
+                        <a:t>0.624</a:t>
+                      </a:r>
+                      <a:endParaRPr lang="pt-BR" sz="1100">
+                        <a:solidFill>
+                          <a:schemeClr val="tx1"/>
+                        </a:solidFill>
+                        <a:effectLst/>
+                      </a:endParaRPr>
+                    </a:p>
+                    <a:p>
+                      <a:pPr algn="l">
+                        <a:spcAft>
+                          <a:spcPts val="600"/>
+                        </a:spcAft>
+                      </a:pPr>
+                      <a:r>
+                        <a:rPr lang="pt-BR" sz="1200">
+                          <a:solidFill>
+                            <a:schemeClr val="tx1"/>
+                          </a:solidFill>
+                          <a:effectLst/>
+                        </a:rPr>
+                        <a:t> </a:t>
+                      </a:r>
+                      <a:endParaRPr lang="pt-BR" sz="1100">
+                        <a:solidFill>
+                          <a:schemeClr val="tx1"/>
+                        </a:solidFill>
+                        <a:effectLst/>
+                      </a:endParaRPr>
+                    </a:p>
+                    <a:p>
+                      <a:pPr algn="l">
+                        <a:spcAft>
+                          <a:spcPts val="600"/>
+                        </a:spcAft>
+                      </a:pPr>
+                      <a:r>
+                        <a:rPr lang="pt-BR" sz="1200">
+                          <a:solidFill>
+                            <a:schemeClr val="tx1"/>
+                          </a:solidFill>
+                          <a:effectLst/>
+                        </a:rPr>
+                        <a:t>0.828</a:t>
+                      </a:r>
+                      <a:endParaRPr lang="pt-BR" sz="1100">
+                        <a:solidFill>
+                          <a:schemeClr val="tx1"/>
+                        </a:solidFill>
+                        <a:effectLst/>
+                      </a:endParaRPr>
+                    </a:p>
+                    <a:p>
+                      <a:pPr algn="l">
+                        <a:spcAft>
+                          <a:spcPts val="600"/>
+                        </a:spcAft>
+                      </a:pPr>
+                      <a:r>
+                        <a:rPr lang="pt-BR" sz="1200">
+                          <a:solidFill>
+                            <a:schemeClr val="tx1"/>
+                          </a:solidFill>
+                          <a:effectLst/>
+                        </a:rPr>
+                        <a:t> </a:t>
+                      </a:r>
+                      <a:endParaRPr lang="pt-BR" sz="1100">
+                        <a:solidFill>
+                          <a:schemeClr val="tx1"/>
+                        </a:solidFill>
+                        <a:effectLst/>
+                      </a:endParaRPr>
+                    </a:p>
+                    <a:p>
+                      <a:pPr algn="l">
+                        <a:spcAft>
+                          <a:spcPts val="600"/>
+                        </a:spcAft>
+                      </a:pPr>
+                      <a:r>
+                        <a:rPr lang="pt-BR" sz="1200">
+                          <a:solidFill>
+                            <a:schemeClr val="tx1"/>
+                          </a:solidFill>
+                          <a:effectLst/>
+                        </a:rPr>
+                        <a:t>0.859</a:t>
+                      </a:r>
+                      <a:endParaRPr lang="pt-BR" sz="1100">
+                        <a:solidFill>
+                          <a:schemeClr val="tx1"/>
+                        </a:solidFill>
+                        <a:effectLst/>
+                        <a:latin typeface="Times" panose="02020603050405020304" pitchFamily="18" charset="0"/>
+                        <a:ea typeface="Times New Roman" panose="02020603050405020304" pitchFamily="18" charset="0"/>
+                        <a:cs typeface="Times New Roman" panose="02020603050405020304" pitchFamily="18" charset="0"/>
+                      </a:endParaRPr>
+                    </a:p>
+                  </a:txBody>
+                  <a:tcPr marL="68580" marR="68580" marT="0" marB="0">
+                    <a:solidFill>
+                      <a:schemeClr val="bg1"/>
+                    </a:solidFill>
+                  </a:tcPr>
+                </a:tc>
+                <a:tc>
+                  <a:txBody>
+                    <a:bodyPr/>
+                    <a:lstStyle/>
+                    <a:p>
+                      <a:pPr algn="l">
+                        <a:spcAft>
+                          <a:spcPts val="600"/>
+                        </a:spcAft>
+                      </a:pPr>
+                      <a:r>
+                        <a:rPr lang="pt-BR" sz="1200" dirty="0">
+                          <a:solidFill>
+                            <a:schemeClr val="tx1"/>
+                          </a:solidFill>
+                          <a:effectLst/>
+                        </a:rPr>
+                        <a:t>0.590</a:t>
+                      </a:r>
+                      <a:endParaRPr lang="pt-BR" sz="1100" dirty="0">
+                        <a:solidFill>
+                          <a:schemeClr val="tx1"/>
+                        </a:solidFill>
+                        <a:effectLst/>
+                      </a:endParaRPr>
+                    </a:p>
+                    <a:p>
+                      <a:pPr algn="l">
+                        <a:spcAft>
+                          <a:spcPts val="600"/>
+                        </a:spcAft>
+                      </a:pPr>
+                      <a:r>
+                        <a:rPr lang="pt-BR" sz="1200" dirty="0">
+                          <a:solidFill>
+                            <a:schemeClr val="tx1"/>
+                          </a:solidFill>
+                          <a:effectLst/>
+                        </a:rPr>
+                        <a:t> </a:t>
+                      </a:r>
+                      <a:endParaRPr lang="pt-BR" sz="1100" dirty="0">
+                        <a:solidFill>
+                          <a:schemeClr val="tx1"/>
+                        </a:solidFill>
+                        <a:effectLst/>
+                      </a:endParaRPr>
+                    </a:p>
+                    <a:p>
+                      <a:pPr algn="l">
+                        <a:spcAft>
+                          <a:spcPts val="600"/>
+                        </a:spcAft>
+                      </a:pPr>
+                      <a:r>
+                        <a:rPr lang="pt-BR" sz="1200" dirty="0">
+                          <a:solidFill>
+                            <a:schemeClr val="tx1"/>
+                          </a:solidFill>
+                          <a:effectLst/>
+                        </a:rPr>
+                        <a:t>0.638</a:t>
+                      </a:r>
+                      <a:endParaRPr lang="pt-BR" sz="1100" dirty="0">
+                        <a:solidFill>
+                          <a:schemeClr val="tx1"/>
+                        </a:solidFill>
+                        <a:effectLst/>
+                      </a:endParaRPr>
+                    </a:p>
+                    <a:p>
+                      <a:pPr algn="l">
+                        <a:spcAft>
+                          <a:spcPts val="600"/>
+                        </a:spcAft>
+                      </a:pPr>
+                      <a:r>
+                        <a:rPr lang="pt-BR" sz="1200" dirty="0">
+                          <a:solidFill>
+                            <a:schemeClr val="tx1"/>
+                          </a:solidFill>
+                          <a:effectLst/>
+                        </a:rPr>
+                        <a:t> </a:t>
+                      </a:r>
+                      <a:endParaRPr lang="pt-BR" sz="1100" dirty="0">
+                        <a:solidFill>
+                          <a:schemeClr val="tx1"/>
+                        </a:solidFill>
+                        <a:effectLst/>
+                      </a:endParaRPr>
+                    </a:p>
+                    <a:p>
+                      <a:pPr algn="l">
+                        <a:spcAft>
+                          <a:spcPts val="600"/>
+                        </a:spcAft>
+                      </a:pPr>
+                      <a:r>
+                        <a:rPr lang="pt-BR" sz="1200" dirty="0">
+                          <a:solidFill>
+                            <a:schemeClr val="tx1"/>
+                          </a:solidFill>
+                          <a:effectLst/>
+                        </a:rPr>
+                        <a:t>0.843</a:t>
+                      </a:r>
+                      <a:endParaRPr lang="pt-BR" sz="1100" dirty="0">
+                        <a:solidFill>
+                          <a:schemeClr val="tx1"/>
+                        </a:solidFill>
+                        <a:effectLst/>
+                      </a:endParaRPr>
+                    </a:p>
+                    <a:p>
+                      <a:pPr algn="l">
+                        <a:spcAft>
+                          <a:spcPts val="600"/>
+                        </a:spcAft>
+                      </a:pPr>
+                      <a:r>
+                        <a:rPr lang="pt-BR" sz="1200" dirty="0">
+                          <a:solidFill>
+                            <a:schemeClr val="tx1"/>
+                          </a:solidFill>
+                          <a:effectLst/>
+                        </a:rPr>
+                        <a:t> </a:t>
+                      </a:r>
+                      <a:endParaRPr lang="pt-BR" sz="1100" dirty="0">
+                        <a:solidFill>
+                          <a:schemeClr val="tx1"/>
+                        </a:solidFill>
+                        <a:effectLst/>
+                      </a:endParaRPr>
+                    </a:p>
+                    <a:p>
+                      <a:pPr algn="l">
+                        <a:spcAft>
+                          <a:spcPts val="600"/>
+                        </a:spcAft>
+                      </a:pPr>
+                      <a:r>
+                        <a:rPr lang="pt-BR" sz="1200" dirty="0">
+                          <a:solidFill>
+                            <a:schemeClr val="tx1"/>
+                          </a:solidFill>
+                          <a:effectLst/>
+                        </a:rPr>
+                        <a:t>0.850</a:t>
+                      </a:r>
+                      <a:endParaRPr lang="pt-BR" sz="1100" dirty="0">
+                        <a:solidFill>
+                          <a:schemeClr val="tx1"/>
+                        </a:solidFill>
+                        <a:effectLst/>
+                        <a:latin typeface="Times" panose="02020603050405020304" pitchFamily="18" charset="0"/>
+                        <a:ea typeface="Times New Roman" panose="02020603050405020304" pitchFamily="18" charset="0"/>
+                        <a:cs typeface="Times New Roman" panose="02020603050405020304" pitchFamily="18" charset="0"/>
+                      </a:endParaRPr>
+                    </a:p>
+                  </a:txBody>
+                  <a:tcPr marL="68580" marR="68580" marT="0" marB="0">
+                    <a:solidFill>
+                      <a:schemeClr val="bg1"/>
+                    </a:solidFill>
+                  </a:tcPr>
+                </a:tc>
+                <a:extLst>
+                  <a:ext uri="{0D108BD9-81ED-4DB2-BD59-A6C34878D82A}">
+                    <a16:rowId xmlns:a16="http://schemas.microsoft.com/office/drawing/2014/main" val="155649503"/>
+                  </a:ext>
+                </a:extLst>
+              </a:tr>
+            </a:tbl>
+          </a:graphicData>
+        </a:graphic>
+      </p:graphicFrame>
+    </p:spTree>
+    <p:extLst>
+      <p:ext uri="{BB962C8B-B14F-4D97-AF65-F5344CB8AC3E}">
+        <p14:creationId xmlns:p14="http://schemas.microsoft.com/office/powerpoint/2010/main" val="284673428"/>
+      </p:ext>
+    </p:extLst>
+  </p:cSld>
+  <p:clrMapOvr>
+    <a:masterClrMapping/>
+  </p:clrMapOvr>
+</p:sld>
+</file>
+
+<file path=ppt/slides/slide71.xml><?xml version="1.0" encoding="utf-8"?>
+<p:sld xmlns:a="http://schemas.openxmlformats.org/drawingml/2006/main" xmlns:r="http://schemas.openxmlformats.org/officeDocument/2006/relationships" xmlns:p="http://schemas.openxmlformats.org/presentationml/2006/main">
+  <p:cSld>
+    <p:spTree>
+      <p:nvGrpSpPr>
+        <p:cNvPr id="1" name=""/>
+        <p:cNvGrpSpPr/>
+        <p:nvPr/>
+      </p:nvGrpSpPr>
+      <p:grpSpPr>
+        <a:xfrm>
+          <a:off x="0" y="0"/>
+          <a:ext cx="0" cy="0"/>
+          <a:chOff x="0" y="0"/>
+          <a:chExt cx="0" cy="0"/>
+        </a:xfrm>
+      </p:grpSpPr>
       <p:pic>
         <p:nvPicPr>
           <p:cNvPr id="5" name="Espaço Reservado para Conteúdo 4">
@@ -19269,7 +23359,7 @@
 </p:sld>
 </file>
 
-<file path=ppt/slides/slide71.xml><?xml version="1.0" encoding="utf-8"?>
+<file path=ppt/slides/slide72.xml><?xml version="1.0" encoding="utf-8"?>
 <p:sld xmlns:a="http://schemas.openxmlformats.org/drawingml/2006/main" xmlns:r="http://schemas.openxmlformats.org/officeDocument/2006/relationships" xmlns:p="http://schemas.openxmlformats.org/presentationml/2006/main">
   <p:cSld>
     <p:spTree>
@@ -20004,7 +24094,7 @@
 </p:sld>
 </file>
 
-<file path=ppt/slides/slide72.xml><?xml version="1.0" encoding="utf-8"?>
+<file path=ppt/slides/slide73.xml><?xml version="1.0" encoding="utf-8"?>
 <p:sld xmlns:a="http://schemas.openxmlformats.org/drawingml/2006/main" xmlns:r="http://schemas.openxmlformats.org/officeDocument/2006/relationships" xmlns:p="http://schemas.openxmlformats.org/presentationml/2006/main">
   <p:cSld>
     <p:spTree>
@@ -21182,119 +25272,6 @@
 </p:sld>
 </file>
 
-<file path=ppt/slides/slide73.xml><?xml version="1.0" encoding="utf-8"?>
-<p:sld xmlns:a="http://schemas.openxmlformats.org/drawingml/2006/main" xmlns:r="http://schemas.openxmlformats.org/officeDocument/2006/relationships" xmlns:p="http://schemas.openxmlformats.org/presentationml/2006/main">
-  <p:cSld>
-    <p:spTree>
-      <p:nvGrpSpPr>
-        <p:cNvPr id="1" name=""/>
-        <p:cNvGrpSpPr/>
-        <p:nvPr/>
-      </p:nvGrpSpPr>
-      <p:grpSpPr>
-        <a:xfrm>
-          <a:off x="0" y="0"/>
-          <a:ext cx="0" cy="0"/>
-          <a:chOff x="0" y="0"/>
-          <a:chExt cx="0" cy="0"/>
-        </a:xfrm>
-      </p:grpSpPr>
-      <p:sp>
-        <p:nvSpPr>
-          <p:cNvPr id="2" name="Título 1">
-            <a:extLst>
-              <a:ext uri="{FF2B5EF4-FFF2-40B4-BE49-F238E27FC236}">
-                <a16:creationId xmlns:a16="http://schemas.microsoft.com/office/drawing/2014/main" id="{1AC5E6FF-D9E3-41C4-9A2E-BA1B07FD1BB3}"/>
-              </a:ext>
-            </a:extLst>
-          </p:cNvPr>
-          <p:cNvSpPr>
-            <a:spLocks noGrp="1"/>
-          </p:cNvSpPr>
-          <p:nvPr>
-            <p:ph type="title"/>
-          </p:nvPr>
-        </p:nvSpPr>
-        <p:spPr/>
-        <p:txBody>
-          <a:bodyPr/>
-          <a:lstStyle/>
-          <a:p>
-            <a:r>
-              <a:rPr lang="pt-BR" dirty="0"/>
-              <a:t>Resultados AVE – Adaptabilidade Individual</a:t>
-            </a:r>
-          </a:p>
-        </p:txBody>
-      </p:sp>
-      <p:sp>
-        <p:nvSpPr>
-          <p:cNvPr id="7" name="Espaço Reservado para Conteúdo 6">
-            <a:extLst>
-              <a:ext uri="{FF2B5EF4-FFF2-40B4-BE49-F238E27FC236}">
-                <a16:creationId xmlns:a16="http://schemas.microsoft.com/office/drawing/2014/main" id="{793A6A21-E3FF-454D-9E26-FC54DC624A65}"/>
-              </a:ext>
-            </a:extLst>
-          </p:cNvPr>
-          <p:cNvSpPr>
-            <a:spLocks noGrp="1"/>
-          </p:cNvSpPr>
-          <p:nvPr>
-            <p:ph idx="1"/>
-          </p:nvPr>
-        </p:nvSpPr>
-        <p:spPr/>
-        <p:txBody>
-          <a:bodyPr/>
-          <a:lstStyle/>
-          <a:p>
-            <a:endParaRPr lang="pt-BR"/>
-          </a:p>
-        </p:txBody>
-      </p:sp>
-      <p:pic>
-        <p:nvPicPr>
-          <p:cNvPr id="4" name="Imagem 3">
-            <a:extLst>
-              <a:ext uri="{FF2B5EF4-FFF2-40B4-BE49-F238E27FC236}">
-                <a16:creationId xmlns:a16="http://schemas.microsoft.com/office/drawing/2014/main" id="{2BD2D18F-AAF0-4F96-9631-9225014B7B54}"/>
-              </a:ext>
-            </a:extLst>
-          </p:cNvPr>
-          <p:cNvPicPr>
-            <a:picLocks noChangeAspect="1"/>
-          </p:cNvPicPr>
-          <p:nvPr/>
-        </p:nvPicPr>
-        <p:blipFill>
-          <a:blip r:embed="rId2"/>
-          <a:stretch>
-            <a:fillRect/>
-          </a:stretch>
-        </p:blipFill>
-        <p:spPr>
-          <a:xfrm>
-            <a:off x="457200" y="2420888"/>
-            <a:ext cx="8408956" cy="4095209"/>
-          </a:xfrm>
-          <a:prstGeom prst="rect">
-            <a:avLst/>
-          </a:prstGeom>
-        </p:spPr>
-      </p:pic>
-    </p:spTree>
-    <p:extLst>
-      <p:ext uri="{BB962C8B-B14F-4D97-AF65-F5344CB8AC3E}">
-        <p14:creationId xmlns:p14="http://schemas.microsoft.com/office/powerpoint/2010/main" val="2341762583"/>
-      </p:ext>
-    </p:extLst>
-  </p:cSld>
-  <p:clrMapOvr>
-    <a:masterClrMapping/>
-  </p:clrMapOvr>
-</p:sld>
-</file>
-
 <file path=ppt/slides/slide74.xml><?xml version="1.0" encoding="utf-8"?>
 <p:sld xmlns:a="http://schemas.openxmlformats.org/drawingml/2006/main" xmlns:r="http://schemas.openxmlformats.org/officeDocument/2006/relationships" xmlns:p="http://schemas.openxmlformats.org/presentationml/2006/main">
   <p:cSld>
@@ -21335,17 +25312,42 @@
           <a:p>
             <a:r>
               <a:rPr lang="pt-BR" dirty="0"/>
-              <a:t>Resultados Correlação – Adaptabilidade Individual</a:t>
-            </a:r>
+              <a:t>Resultados AVE – Adaptabilidade Individual</a:t>
+            </a:r>
+          </a:p>
+        </p:txBody>
+      </p:sp>
+      <p:sp>
+        <p:nvSpPr>
+          <p:cNvPr id="7" name="Espaço Reservado para Conteúdo 6">
+            <a:extLst>
+              <a:ext uri="{FF2B5EF4-FFF2-40B4-BE49-F238E27FC236}">
+                <a16:creationId xmlns:a16="http://schemas.microsoft.com/office/drawing/2014/main" id="{793A6A21-E3FF-454D-9E26-FC54DC624A65}"/>
+              </a:ext>
+            </a:extLst>
+          </p:cNvPr>
+          <p:cNvSpPr>
+            <a:spLocks noGrp="1"/>
+          </p:cNvSpPr>
+          <p:nvPr>
+            <p:ph idx="1"/>
+          </p:nvPr>
+        </p:nvSpPr>
+        <p:spPr/>
+        <p:txBody>
+          <a:bodyPr/>
+          <a:lstStyle/>
+          <a:p>
+            <a:endParaRPr lang="pt-BR"/>
           </a:p>
         </p:txBody>
       </p:sp>
       <p:pic>
         <p:nvPicPr>
-          <p:cNvPr id="5" name="Imagem 4">
+          <p:cNvPr id="4" name="Imagem 3">
             <a:extLst>
               <a:ext uri="{FF2B5EF4-FFF2-40B4-BE49-F238E27FC236}">
-                <a16:creationId xmlns:a16="http://schemas.microsoft.com/office/drawing/2014/main" id="{0F62D989-EA10-47F5-A2BF-CB9D1C073174}"/>
+                <a16:creationId xmlns:a16="http://schemas.microsoft.com/office/drawing/2014/main" id="{2BD2D18F-AAF0-4F96-9631-9225014B7B54}"/>
               </a:ext>
             </a:extLst>
           </p:cNvPr>
@@ -21355,15 +25357,15 @@
           <p:nvPr/>
         </p:nvPicPr>
         <p:blipFill>
-          <a:blip r:embed="rId2"/>
+          <a:blip r:embed="rId3"/>
           <a:stretch>
             <a:fillRect/>
           </a:stretch>
         </p:blipFill>
         <p:spPr>
           <a:xfrm>
-            <a:off x="323528" y="2708920"/>
-            <a:ext cx="9001000" cy="3096344"/>
+            <a:off x="457200" y="2420888"/>
+            <a:ext cx="8408956" cy="4095209"/>
           </a:xfrm>
           <a:prstGeom prst="rect">
             <a:avLst/>
@@ -21373,7 +25375,7 @@
     </p:spTree>
     <p:extLst>
       <p:ext uri="{BB962C8B-B14F-4D97-AF65-F5344CB8AC3E}">
-        <p14:creationId xmlns:p14="http://schemas.microsoft.com/office/powerpoint/2010/main" val="1645984542"/>
+        <p14:creationId xmlns:p14="http://schemas.microsoft.com/office/powerpoint/2010/main" val="2341762583"/>
       </p:ext>
     </p:extLst>
   </p:cSld>
@@ -21423,6 +25425,94 @@
           <a:p>
             <a:r>
               <a:rPr lang="pt-BR" dirty="0"/>
+              <a:t>Resultados Correlação – Adaptabilidade Individual</a:t>
+            </a:r>
+          </a:p>
+        </p:txBody>
+      </p:sp>
+      <p:pic>
+        <p:nvPicPr>
+          <p:cNvPr id="5" name="Imagem 4">
+            <a:extLst>
+              <a:ext uri="{FF2B5EF4-FFF2-40B4-BE49-F238E27FC236}">
+                <a16:creationId xmlns:a16="http://schemas.microsoft.com/office/drawing/2014/main" id="{0F62D989-EA10-47F5-A2BF-CB9D1C073174}"/>
+              </a:ext>
+            </a:extLst>
+          </p:cNvPr>
+          <p:cNvPicPr>
+            <a:picLocks noChangeAspect="1"/>
+          </p:cNvPicPr>
+          <p:nvPr/>
+        </p:nvPicPr>
+        <p:blipFill>
+          <a:blip r:embed="rId3"/>
+          <a:stretch>
+            <a:fillRect/>
+          </a:stretch>
+        </p:blipFill>
+        <p:spPr>
+          <a:xfrm>
+            <a:off x="323528" y="2708920"/>
+            <a:ext cx="9001000" cy="3096344"/>
+          </a:xfrm>
+          <a:prstGeom prst="rect">
+            <a:avLst/>
+          </a:prstGeom>
+        </p:spPr>
+      </p:pic>
+    </p:spTree>
+    <p:extLst>
+      <p:ext uri="{BB962C8B-B14F-4D97-AF65-F5344CB8AC3E}">
+        <p14:creationId xmlns:p14="http://schemas.microsoft.com/office/powerpoint/2010/main" val="1645984542"/>
+      </p:ext>
+    </p:extLst>
+  </p:cSld>
+  <p:clrMapOvr>
+    <a:masterClrMapping/>
+  </p:clrMapOvr>
+</p:sld>
+</file>
+
+<file path=ppt/slides/slide76.xml><?xml version="1.0" encoding="utf-8"?>
+<p:sld xmlns:a="http://schemas.openxmlformats.org/drawingml/2006/main" xmlns:r="http://schemas.openxmlformats.org/officeDocument/2006/relationships" xmlns:p="http://schemas.openxmlformats.org/presentationml/2006/main">
+  <p:cSld>
+    <p:spTree>
+      <p:nvGrpSpPr>
+        <p:cNvPr id="1" name=""/>
+        <p:cNvGrpSpPr/>
+        <p:nvPr/>
+      </p:nvGrpSpPr>
+      <p:grpSpPr>
+        <a:xfrm>
+          <a:off x="0" y="0"/>
+          <a:ext cx="0" cy="0"/>
+          <a:chOff x="0" y="0"/>
+          <a:chExt cx="0" cy="0"/>
+        </a:xfrm>
+      </p:grpSpPr>
+      <p:sp>
+        <p:nvSpPr>
+          <p:cNvPr id="2" name="Título 1">
+            <a:extLst>
+              <a:ext uri="{FF2B5EF4-FFF2-40B4-BE49-F238E27FC236}">
+                <a16:creationId xmlns:a16="http://schemas.microsoft.com/office/drawing/2014/main" id="{1AC5E6FF-D9E3-41C4-9A2E-BA1B07FD1BB3}"/>
+              </a:ext>
+            </a:extLst>
+          </p:cNvPr>
+          <p:cNvSpPr>
+            <a:spLocks noGrp="1"/>
+          </p:cNvSpPr>
+          <p:nvPr>
+            <p:ph type="title"/>
+          </p:nvPr>
+        </p:nvSpPr>
+        <p:spPr/>
+        <p:txBody>
+          <a:bodyPr/>
+          <a:lstStyle/>
+          <a:p>
+            <a:r>
+              <a:rPr lang="pt-BR" dirty="0"/>
               <a:t>Resultados Confiabilidade – Adaptabilidade Individual</a:t>
             </a:r>
           </a:p>
@@ -21471,7 +25561,7 @@
 </p:sld>
 </file>
 
-<file path=ppt/slides/slide76.xml><?xml version="1.0" encoding="utf-8"?>
+<file path=ppt/slides/slide77.xml><?xml version="1.0" encoding="utf-8"?>
 <p:sld xmlns:a="http://schemas.openxmlformats.org/drawingml/2006/main" xmlns:r="http://schemas.openxmlformats.org/officeDocument/2006/relationships" xmlns:p="http://schemas.openxmlformats.org/presentationml/2006/main">
   <p:cSld>
     <p:spTree>
@@ -22881,7 +26971,7 @@
 </p:sld>
 </file>
 
-<file path=ppt/slides/slide77.xml><?xml version="1.0" encoding="utf-8"?>
+<file path=ppt/slides/slide78.xml><?xml version="1.0" encoding="utf-8"?>
 <p:sld xmlns:a="http://schemas.openxmlformats.org/drawingml/2006/main" xmlns:r="http://schemas.openxmlformats.org/officeDocument/2006/relationships" xmlns:p="http://schemas.openxmlformats.org/presentationml/2006/main">
   <p:cSld>
     <p:spTree>
@@ -22965,99 +27055,6 @@
     <p:extLst>
       <p:ext uri="{BB962C8B-B14F-4D97-AF65-F5344CB8AC3E}">
         <p14:creationId xmlns:p14="http://schemas.microsoft.com/office/powerpoint/2010/main" val="2692672644"/>
-      </p:ext>
-    </p:extLst>
-  </p:cSld>
-  <p:clrMapOvr>
-    <a:masterClrMapping/>
-  </p:clrMapOvr>
-</p:sld>
-</file>
-
-<file path=ppt/slides/slide78.xml><?xml version="1.0" encoding="utf-8"?>
-<p:sld xmlns:a="http://schemas.openxmlformats.org/drawingml/2006/main" xmlns:r="http://schemas.openxmlformats.org/officeDocument/2006/relationships" xmlns:p="http://schemas.openxmlformats.org/presentationml/2006/main">
-  <p:cSld>
-    <p:spTree>
-      <p:nvGrpSpPr>
-        <p:cNvPr id="1" name=""/>
-        <p:cNvGrpSpPr/>
-        <p:nvPr/>
-      </p:nvGrpSpPr>
-      <p:grpSpPr>
-        <a:xfrm>
-          <a:off x="0" y="0"/>
-          <a:ext cx="0" cy="0"/>
-          <a:chOff x="0" y="0"/>
-          <a:chExt cx="0" cy="0"/>
-        </a:xfrm>
-      </p:grpSpPr>
-      <p:sp>
-        <p:nvSpPr>
-          <p:cNvPr id="2" name="Título 1">
-            <a:extLst>
-              <a:ext uri="{FF2B5EF4-FFF2-40B4-BE49-F238E27FC236}">
-                <a16:creationId xmlns:a16="http://schemas.microsoft.com/office/drawing/2014/main" id="{1AC5E6FF-D9E3-41C4-9A2E-BA1B07FD1BB3}"/>
-              </a:ext>
-            </a:extLst>
-          </p:cNvPr>
-          <p:cNvSpPr>
-            <a:spLocks noGrp="1"/>
-          </p:cNvSpPr>
-          <p:nvPr>
-            <p:ph type="title"/>
-          </p:nvPr>
-        </p:nvSpPr>
-        <p:spPr/>
-        <p:txBody>
-          <a:bodyPr/>
-          <a:lstStyle/>
-          <a:p>
-            <a:r>
-              <a:rPr lang="pt-BR" dirty="0"/>
-              <a:t>Relações entre adaptabilidade, instabilidade, satisfação e </a:t>
-            </a:r>
-            <a:r>
-              <a:rPr lang="pt-BR" dirty="0" err="1"/>
-              <a:t>burnout</a:t>
-            </a:r>
-            <a:endParaRPr lang="pt-BR" dirty="0"/>
-          </a:p>
-        </p:txBody>
-      </p:sp>
-      <p:pic>
-        <p:nvPicPr>
-          <p:cNvPr id="6" name="Imagem 5">
-            <a:extLst>
-              <a:ext uri="{FF2B5EF4-FFF2-40B4-BE49-F238E27FC236}">
-                <a16:creationId xmlns:a16="http://schemas.microsoft.com/office/drawing/2014/main" id="{6C6285B3-96D9-4D5C-9B80-5333E1F704C9}"/>
-              </a:ext>
-            </a:extLst>
-          </p:cNvPr>
-          <p:cNvPicPr>
-            <a:picLocks noChangeAspect="1"/>
-          </p:cNvPicPr>
-          <p:nvPr/>
-        </p:nvPicPr>
-        <p:blipFill>
-          <a:blip r:embed="rId2"/>
-          <a:stretch>
-            <a:fillRect/>
-          </a:stretch>
-        </p:blipFill>
-        <p:spPr>
-          <a:xfrm>
-            <a:off x="300362" y="3074970"/>
-            <a:ext cx="8543275" cy="2436254"/>
-          </a:xfrm>
-          <a:prstGeom prst="rect">
-            <a:avLst/>
-          </a:prstGeom>
-        </p:spPr>
-      </p:pic>
-    </p:spTree>
-    <p:extLst>
-      <p:ext uri="{BB962C8B-B14F-4D97-AF65-F5344CB8AC3E}">
-        <p14:creationId xmlns:p14="http://schemas.microsoft.com/office/powerpoint/2010/main" val="3110932114"/>
       </p:ext>
     </p:extLst>
   </p:cSld>
@@ -23107,17 +27104,22 @@
           <a:p>
             <a:r>
               <a:rPr lang="pt-BR" dirty="0"/>
-              <a:t>Relações entre instabilidade e burnout</a:t>
-            </a:r>
+              <a:t>Relações entre adaptabilidade, instabilidade, satisfação e </a:t>
+            </a:r>
+            <a:r>
+              <a:rPr lang="pt-BR" dirty="0" err="1"/>
+              <a:t>burnout</a:t>
+            </a:r>
+            <a:endParaRPr lang="pt-BR" dirty="0"/>
           </a:p>
         </p:txBody>
       </p:sp>
       <p:pic>
         <p:nvPicPr>
-          <p:cNvPr id="4" name="Imagem 3">
+          <p:cNvPr id="6" name="Imagem 5">
             <a:extLst>
               <a:ext uri="{FF2B5EF4-FFF2-40B4-BE49-F238E27FC236}">
-                <a16:creationId xmlns:a16="http://schemas.microsoft.com/office/drawing/2014/main" id="{1AA0BFC4-18C8-4295-A176-56B0504ECC62}"/>
+                <a16:creationId xmlns:a16="http://schemas.microsoft.com/office/drawing/2014/main" id="{6C6285B3-96D9-4D5C-9B80-5333E1F704C9}"/>
               </a:ext>
             </a:extLst>
           </p:cNvPr>
@@ -23134,8 +27136,8 @@
         </p:blipFill>
         <p:spPr>
           <a:xfrm>
-            <a:off x="749924" y="2564904"/>
-            <a:ext cx="7644152" cy="3509767"/>
+            <a:off x="300362" y="3074970"/>
+            <a:ext cx="8543275" cy="2436254"/>
           </a:xfrm>
           <a:prstGeom prst="rect">
             <a:avLst/>
@@ -23145,7 +27147,7 @@
     </p:spTree>
     <p:extLst>
       <p:ext uri="{BB962C8B-B14F-4D97-AF65-F5344CB8AC3E}">
-        <p14:creationId xmlns:p14="http://schemas.microsoft.com/office/powerpoint/2010/main" val="1254599646"/>
+        <p14:creationId xmlns:p14="http://schemas.microsoft.com/office/powerpoint/2010/main" val="3110932114"/>
       </p:ext>
     </p:extLst>
   </p:cSld>
@@ -23322,6 +27324,94 @@
           <a:p>
             <a:r>
               <a:rPr lang="pt-BR" dirty="0"/>
+              <a:t>Relações entre instabilidade e burnout</a:t>
+            </a:r>
+          </a:p>
+        </p:txBody>
+      </p:sp>
+      <p:pic>
+        <p:nvPicPr>
+          <p:cNvPr id="4" name="Imagem 3">
+            <a:extLst>
+              <a:ext uri="{FF2B5EF4-FFF2-40B4-BE49-F238E27FC236}">
+                <a16:creationId xmlns:a16="http://schemas.microsoft.com/office/drawing/2014/main" id="{1AA0BFC4-18C8-4295-A176-56B0504ECC62}"/>
+              </a:ext>
+            </a:extLst>
+          </p:cNvPr>
+          <p:cNvPicPr>
+            <a:picLocks noChangeAspect="1"/>
+          </p:cNvPicPr>
+          <p:nvPr/>
+        </p:nvPicPr>
+        <p:blipFill>
+          <a:blip r:embed="rId2"/>
+          <a:stretch>
+            <a:fillRect/>
+          </a:stretch>
+        </p:blipFill>
+        <p:spPr>
+          <a:xfrm>
+            <a:off x="749924" y="2564904"/>
+            <a:ext cx="7644152" cy="3509767"/>
+          </a:xfrm>
+          <a:prstGeom prst="rect">
+            <a:avLst/>
+          </a:prstGeom>
+        </p:spPr>
+      </p:pic>
+    </p:spTree>
+    <p:extLst>
+      <p:ext uri="{BB962C8B-B14F-4D97-AF65-F5344CB8AC3E}">
+        <p14:creationId xmlns:p14="http://schemas.microsoft.com/office/powerpoint/2010/main" val="1254599646"/>
+      </p:ext>
+    </p:extLst>
+  </p:cSld>
+  <p:clrMapOvr>
+    <a:masterClrMapping/>
+  </p:clrMapOvr>
+</p:sld>
+</file>
+
+<file path=ppt/slides/slide81.xml><?xml version="1.0" encoding="utf-8"?>
+<p:sld xmlns:a="http://schemas.openxmlformats.org/drawingml/2006/main" xmlns:r="http://schemas.openxmlformats.org/officeDocument/2006/relationships" xmlns:p="http://schemas.openxmlformats.org/presentationml/2006/main">
+  <p:cSld>
+    <p:spTree>
+      <p:nvGrpSpPr>
+        <p:cNvPr id="1" name=""/>
+        <p:cNvGrpSpPr/>
+        <p:nvPr/>
+      </p:nvGrpSpPr>
+      <p:grpSpPr>
+        <a:xfrm>
+          <a:off x="0" y="0"/>
+          <a:ext cx="0" cy="0"/>
+          <a:chOff x="0" y="0"/>
+          <a:chExt cx="0" cy="0"/>
+        </a:xfrm>
+      </p:grpSpPr>
+      <p:sp>
+        <p:nvSpPr>
+          <p:cNvPr id="2" name="Título 1">
+            <a:extLst>
+              <a:ext uri="{FF2B5EF4-FFF2-40B4-BE49-F238E27FC236}">
+                <a16:creationId xmlns:a16="http://schemas.microsoft.com/office/drawing/2014/main" id="{1AC5E6FF-D9E3-41C4-9A2E-BA1B07FD1BB3}"/>
+              </a:ext>
+            </a:extLst>
+          </p:cNvPr>
+          <p:cNvSpPr>
+            <a:spLocks noGrp="1"/>
+          </p:cNvSpPr>
+          <p:nvPr>
+            <p:ph type="title"/>
+          </p:nvPr>
+        </p:nvSpPr>
+        <p:spPr/>
+        <p:txBody>
+          <a:bodyPr/>
+          <a:lstStyle/>
+          <a:p>
+            <a:r>
+              <a:rPr lang="pt-BR" dirty="0"/>
               <a:t>Relações entre instabilidade e satisfação</a:t>
             </a:r>
           </a:p>
@@ -23370,7 +27460,767 @@
 </p:sld>
 </file>
 
-<file path=ppt/slides/slide81.xml><?xml version="1.0" encoding="utf-8"?>
+<file path=ppt/slides/slide82.xml><?xml version="1.0" encoding="utf-8"?>
+<p:sld xmlns:a="http://schemas.openxmlformats.org/drawingml/2006/main" xmlns:r="http://schemas.openxmlformats.org/officeDocument/2006/relationships" xmlns:p="http://schemas.openxmlformats.org/presentationml/2006/main">
+  <p:cSld>
+    <p:spTree>
+      <p:nvGrpSpPr>
+        <p:cNvPr id="1" name=""/>
+        <p:cNvGrpSpPr/>
+        <p:nvPr/>
+      </p:nvGrpSpPr>
+      <p:grpSpPr>
+        <a:xfrm>
+          <a:off x="0" y="0"/>
+          <a:ext cx="0" cy="0"/>
+          <a:chOff x="0" y="0"/>
+          <a:chExt cx="0" cy="0"/>
+        </a:xfrm>
+      </p:grpSpPr>
+      <p:sp>
+        <p:nvSpPr>
+          <p:cNvPr id="2" name="Título 1">
+            <a:extLst>
+              <a:ext uri="{FF2B5EF4-FFF2-40B4-BE49-F238E27FC236}">
+                <a16:creationId xmlns:a16="http://schemas.microsoft.com/office/drawing/2014/main" id="{CBFDFDED-F579-4C9D-B6A7-ABE3737E2081}"/>
+              </a:ext>
+            </a:extLst>
+          </p:cNvPr>
+          <p:cNvSpPr>
+            <a:spLocks noGrp="1"/>
+          </p:cNvSpPr>
+          <p:nvPr>
+            <p:ph type="title"/>
+          </p:nvPr>
+        </p:nvSpPr>
+        <p:spPr/>
+        <p:txBody>
+          <a:bodyPr/>
+          <a:lstStyle/>
+          <a:p>
+            <a:r>
+              <a:rPr lang="pt-BR" dirty="0"/>
+              <a:t>Discussões </a:t>
+            </a:r>
+          </a:p>
+        </p:txBody>
+      </p:sp>
+      <p:sp>
+        <p:nvSpPr>
+          <p:cNvPr id="3" name="Espaço Reservado para Conteúdo 2">
+            <a:extLst>
+              <a:ext uri="{FF2B5EF4-FFF2-40B4-BE49-F238E27FC236}">
+                <a16:creationId xmlns:a16="http://schemas.microsoft.com/office/drawing/2014/main" id="{4564904E-0464-41A6-87A2-6C3716761D84}"/>
+              </a:ext>
+            </a:extLst>
+          </p:cNvPr>
+          <p:cNvSpPr>
+            <a:spLocks noGrp="1"/>
+          </p:cNvSpPr>
+          <p:nvPr>
+            <p:ph idx="1"/>
+          </p:nvPr>
+        </p:nvSpPr>
+        <p:spPr/>
+        <p:txBody>
+          <a:bodyPr/>
+          <a:lstStyle/>
+          <a:p>
+            <a:r>
+              <a:rPr lang="pt-BR" sz="1800">
+                <a:effectLst/>
+                <a:latin typeface="Arial" panose="020B0604020202020204" pitchFamily="34" charset="0"/>
+                <a:ea typeface="Times New Roman" panose="02020603050405020304" pitchFamily="18" charset="0"/>
+                <a:cs typeface="Times New Roman" panose="02020603050405020304" pitchFamily="18" charset="0"/>
+              </a:rPr>
+              <a:t>A adaptabilidade </a:t>
+            </a:r>
+            <a:r>
+              <a:rPr lang="pt-BR" sz="1800" dirty="0">
+                <a:effectLst/>
+                <a:latin typeface="Arial" panose="020B0604020202020204" pitchFamily="34" charset="0"/>
+                <a:ea typeface="Times New Roman" panose="02020603050405020304" pitchFamily="18" charset="0"/>
+                <a:cs typeface="Times New Roman" panose="02020603050405020304" pitchFamily="18" charset="0"/>
+              </a:rPr>
+              <a:t>dos indivíduos tem uma relação positiva com a satisfação. (</a:t>
+            </a:r>
+            <a:r>
+              <a:rPr lang="pt-BR" sz="1800" dirty="0" err="1">
+                <a:effectLst/>
+                <a:latin typeface="Arial" panose="020B0604020202020204" pitchFamily="34" charset="0"/>
+                <a:ea typeface="Times New Roman" panose="02020603050405020304" pitchFamily="18" charset="0"/>
+                <a:cs typeface="Times New Roman" panose="02020603050405020304" pitchFamily="18" charset="0"/>
+              </a:rPr>
+              <a:t>Calarco</a:t>
+            </a:r>
+            <a:r>
+              <a:rPr lang="pt-BR" sz="1800" dirty="0">
+                <a:effectLst/>
+                <a:latin typeface="Arial" panose="020B0604020202020204" pitchFamily="34" charset="0"/>
+                <a:ea typeface="Times New Roman" panose="02020603050405020304" pitchFamily="18" charset="0"/>
+                <a:cs typeface="Times New Roman" panose="02020603050405020304" pitchFamily="18" charset="0"/>
+              </a:rPr>
+              <a:t> 2016, </a:t>
+            </a:r>
+            <a:r>
+              <a:rPr lang="pt-BR" sz="1800" dirty="0" err="1">
+                <a:effectLst/>
+                <a:latin typeface="Arial" panose="020B0604020202020204" pitchFamily="34" charset="0"/>
+                <a:ea typeface="Times New Roman" panose="02020603050405020304" pitchFamily="18" charset="0"/>
+                <a:cs typeface="Times New Roman" panose="02020603050405020304" pitchFamily="18" charset="0"/>
+              </a:rPr>
+              <a:t>Cullen</a:t>
+            </a:r>
+            <a:r>
+              <a:rPr lang="pt-BR" sz="1800" dirty="0">
+                <a:effectLst/>
+                <a:latin typeface="Arial" panose="020B0604020202020204" pitchFamily="34" charset="0"/>
+                <a:ea typeface="Times New Roman" panose="02020603050405020304" pitchFamily="18" charset="0"/>
+                <a:cs typeface="Times New Roman" panose="02020603050405020304" pitchFamily="18" charset="0"/>
+              </a:rPr>
+              <a:t> et al. 2014, Hussein, </a:t>
+            </a:r>
+            <a:r>
+              <a:rPr lang="pt-BR" sz="1800" dirty="0" err="1">
+                <a:effectLst/>
+                <a:latin typeface="Arial" panose="020B0604020202020204" pitchFamily="34" charset="0"/>
+                <a:ea typeface="Times New Roman" panose="02020603050405020304" pitchFamily="18" charset="0"/>
+                <a:cs typeface="Times New Roman" panose="02020603050405020304" pitchFamily="18" charset="0"/>
+              </a:rPr>
+              <a:t>Talal</a:t>
+            </a:r>
+            <a:r>
+              <a:rPr lang="pt-BR" sz="1800" dirty="0">
+                <a:effectLst/>
+                <a:latin typeface="Arial" panose="020B0604020202020204" pitchFamily="34" charset="0"/>
+                <a:ea typeface="Times New Roman" panose="02020603050405020304" pitchFamily="18" charset="0"/>
+                <a:cs typeface="Times New Roman" panose="02020603050405020304" pitchFamily="18" charset="0"/>
+              </a:rPr>
+              <a:t> e </a:t>
+            </a:r>
+            <a:r>
+              <a:rPr lang="pt-BR" sz="1800" dirty="0" err="1">
+                <a:effectLst/>
+                <a:latin typeface="Arial" panose="020B0604020202020204" pitchFamily="34" charset="0"/>
+                <a:ea typeface="Times New Roman" panose="02020603050405020304" pitchFamily="18" charset="0"/>
+                <a:cs typeface="Times New Roman" panose="02020603050405020304" pitchFamily="18" charset="0"/>
+              </a:rPr>
+              <a:t>Mcadams</a:t>
+            </a:r>
+            <a:r>
+              <a:rPr lang="pt-BR" sz="1800" dirty="0">
+                <a:effectLst/>
+                <a:latin typeface="Arial" panose="020B0604020202020204" pitchFamily="34" charset="0"/>
+                <a:ea typeface="Times New Roman" panose="02020603050405020304" pitchFamily="18" charset="0"/>
+                <a:cs typeface="Times New Roman" panose="02020603050405020304" pitchFamily="18" charset="0"/>
+              </a:rPr>
+              <a:t> 2010, Sony e </a:t>
+            </a:r>
+            <a:r>
+              <a:rPr lang="pt-BR" sz="1800" dirty="0" err="1">
+                <a:effectLst/>
+                <a:latin typeface="Arial" panose="020B0604020202020204" pitchFamily="34" charset="0"/>
+                <a:ea typeface="Times New Roman" panose="02020603050405020304" pitchFamily="18" charset="0"/>
+                <a:cs typeface="Times New Roman" panose="02020603050405020304" pitchFamily="18" charset="0"/>
+              </a:rPr>
+              <a:t>Mekoth</a:t>
+            </a:r>
+            <a:r>
+              <a:rPr lang="pt-BR" sz="1800" dirty="0">
+                <a:effectLst/>
+                <a:latin typeface="Arial" panose="020B0604020202020204" pitchFamily="34" charset="0"/>
+                <a:ea typeface="Times New Roman" panose="02020603050405020304" pitchFamily="18" charset="0"/>
+                <a:cs typeface="Times New Roman" panose="02020603050405020304" pitchFamily="18" charset="0"/>
+              </a:rPr>
+              <a:t> 2016 e </a:t>
+            </a:r>
+            <a:r>
+              <a:rPr lang="pt-BR" sz="1800" dirty="0" err="1">
+                <a:effectLst/>
+                <a:latin typeface="Arial" panose="020B0604020202020204" pitchFamily="34" charset="0"/>
+                <a:ea typeface="Times New Roman" panose="02020603050405020304" pitchFamily="18" charset="0"/>
+                <a:cs typeface="Times New Roman" panose="02020603050405020304" pitchFamily="18" charset="0"/>
+              </a:rPr>
+              <a:t>Zamir</a:t>
+            </a:r>
+            <a:r>
+              <a:rPr lang="pt-BR" sz="1800" dirty="0">
+                <a:effectLst/>
+                <a:latin typeface="Arial" panose="020B0604020202020204" pitchFamily="34" charset="0"/>
+                <a:ea typeface="Times New Roman" panose="02020603050405020304" pitchFamily="18" charset="0"/>
+                <a:cs typeface="Times New Roman" panose="02020603050405020304" pitchFamily="18" charset="0"/>
+              </a:rPr>
+              <a:t> 2017 )</a:t>
+            </a:r>
+            <a:endParaRPr lang="pt-BR" sz="1800" dirty="0">
+              <a:effectLst/>
+              <a:latin typeface="Times" panose="02020603050405020304" pitchFamily="18" charset="0"/>
+              <a:ea typeface="Times New Roman" panose="02020603050405020304" pitchFamily="18" charset="0"/>
+              <a:cs typeface="Times New Roman" panose="02020603050405020304" pitchFamily="18" charset="0"/>
+            </a:endParaRPr>
+          </a:p>
+          <a:p>
+            <a:r>
+              <a:rPr lang="pt-BR" sz="1800" dirty="0">
+                <a:effectLst/>
+                <a:latin typeface="Arial" panose="020B0604020202020204" pitchFamily="34" charset="0"/>
+                <a:ea typeface="Times New Roman" panose="02020603050405020304" pitchFamily="18" charset="0"/>
+              </a:rPr>
+              <a:t>Existe relação negativa entre a percepção do burnout e a percepção da adaptabilidade individual. Esses resultados são consistentes com os apresentados por </a:t>
+            </a:r>
+            <a:r>
+              <a:rPr lang="pt-BR" sz="1800" dirty="0">
+                <a:effectLst/>
+                <a:latin typeface="Arial" panose="020B0604020202020204" pitchFamily="34" charset="0"/>
+                <a:ea typeface="Calibri" panose="020F0502020204030204" pitchFamily="34" charset="0"/>
+              </a:rPr>
+              <a:t>Garner, Knight e Simpson (2007), por </a:t>
+            </a:r>
+            <a:r>
+              <a:rPr lang="en-US" sz="1800" dirty="0" err="1">
+                <a:effectLst/>
+                <a:latin typeface="Arial" panose="020B0604020202020204" pitchFamily="34" charset="0"/>
+                <a:ea typeface="Calibri" panose="020F0502020204030204" pitchFamily="34" charset="0"/>
+              </a:rPr>
+              <a:t>Bemiller</a:t>
+            </a:r>
+            <a:r>
+              <a:rPr lang="en-US" sz="1800" dirty="0">
+                <a:effectLst/>
+                <a:latin typeface="Arial" panose="020B0604020202020204" pitchFamily="34" charset="0"/>
+                <a:ea typeface="Calibri" panose="020F0502020204030204" pitchFamily="34" charset="0"/>
+              </a:rPr>
+              <a:t> e Williams (2011), Young e Young (2016), Monteiro (2015 ), </a:t>
+            </a:r>
+            <a:r>
+              <a:rPr lang="en-US" sz="1800" dirty="0" err="1">
+                <a:effectLst/>
+                <a:latin typeface="Arial" panose="020B0604020202020204" pitchFamily="34" charset="0"/>
+                <a:ea typeface="Calibri" panose="020F0502020204030204" pitchFamily="34" charset="0"/>
+              </a:rPr>
+              <a:t>em</a:t>
+            </a:r>
+            <a:r>
+              <a:rPr lang="en-US" sz="1800" dirty="0">
+                <a:effectLst/>
+                <a:latin typeface="Arial" panose="020B0604020202020204" pitchFamily="34" charset="0"/>
+                <a:ea typeface="Calibri" panose="020F0502020204030204" pitchFamily="34" charset="0"/>
+              </a:rPr>
+              <a:t> </a:t>
+            </a:r>
+            <a:r>
+              <a:rPr lang="en-US" sz="1800" dirty="0" err="1">
+                <a:effectLst/>
+                <a:latin typeface="Arial" panose="020B0604020202020204" pitchFamily="34" charset="0"/>
+                <a:ea typeface="Calibri" panose="020F0502020204030204" pitchFamily="34" charset="0"/>
+              </a:rPr>
+              <a:t>outras</a:t>
+            </a:r>
+            <a:r>
+              <a:rPr lang="en-US" sz="1800" dirty="0">
+                <a:effectLst/>
+                <a:latin typeface="Arial" panose="020B0604020202020204" pitchFamily="34" charset="0"/>
+                <a:ea typeface="Calibri" panose="020F0502020204030204" pitchFamily="34" charset="0"/>
+              </a:rPr>
+              <a:t> </a:t>
+            </a:r>
+            <a:r>
+              <a:rPr lang="en-US" sz="1800" dirty="0" err="1">
+                <a:effectLst/>
+                <a:latin typeface="Arial" panose="020B0604020202020204" pitchFamily="34" charset="0"/>
+                <a:ea typeface="Calibri" panose="020F0502020204030204" pitchFamily="34" charset="0"/>
+              </a:rPr>
+              <a:t>áreas</a:t>
+            </a:r>
+            <a:r>
+              <a:rPr lang="en-US" sz="1800" dirty="0">
+                <a:effectLst/>
+                <a:latin typeface="Arial" panose="020B0604020202020204" pitchFamily="34" charset="0"/>
+                <a:ea typeface="Calibri" panose="020F0502020204030204" pitchFamily="34" charset="0"/>
+              </a:rPr>
+              <a:t> do </a:t>
+            </a:r>
+            <a:r>
+              <a:rPr lang="en-US" sz="1800" dirty="0" err="1">
+                <a:effectLst/>
+                <a:latin typeface="Arial" panose="020B0604020202020204" pitchFamily="34" charset="0"/>
+                <a:ea typeface="Calibri" panose="020F0502020204030204" pitchFamily="34" charset="0"/>
+              </a:rPr>
+              <a:t>conhecimento</a:t>
+            </a:r>
+            <a:r>
+              <a:rPr lang="en-US" sz="1800" dirty="0">
+                <a:effectLst/>
+                <a:latin typeface="Arial" panose="020B0604020202020204" pitchFamily="34" charset="0"/>
+                <a:ea typeface="Calibri" panose="020F0502020204030204" pitchFamily="34" charset="0"/>
+              </a:rPr>
+              <a:t>. </a:t>
+            </a:r>
+          </a:p>
+          <a:p>
+            <a:endParaRPr lang="pt-BR" dirty="0"/>
+          </a:p>
+        </p:txBody>
+      </p:sp>
+    </p:spTree>
+    <p:extLst>
+      <p:ext uri="{BB962C8B-B14F-4D97-AF65-F5344CB8AC3E}">
+        <p14:creationId xmlns:p14="http://schemas.microsoft.com/office/powerpoint/2010/main" val="2715809306"/>
+      </p:ext>
+    </p:extLst>
+  </p:cSld>
+  <p:clrMapOvr>
+    <a:masterClrMapping/>
+  </p:clrMapOvr>
+</p:sld>
+</file>
+
+<file path=ppt/slides/slide83.xml><?xml version="1.0" encoding="utf-8"?>
+<p:sld xmlns:a="http://schemas.openxmlformats.org/drawingml/2006/main" xmlns:r="http://schemas.openxmlformats.org/officeDocument/2006/relationships" xmlns:p="http://schemas.openxmlformats.org/presentationml/2006/main">
+  <p:cSld>
+    <p:spTree>
+      <p:nvGrpSpPr>
+        <p:cNvPr id="1" name=""/>
+        <p:cNvGrpSpPr/>
+        <p:nvPr/>
+      </p:nvGrpSpPr>
+      <p:grpSpPr>
+        <a:xfrm>
+          <a:off x="0" y="0"/>
+          <a:ext cx="0" cy="0"/>
+          <a:chOff x="0" y="0"/>
+          <a:chExt cx="0" cy="0"/>
+        </a:xfrm>
+      </p:grpSpPr>
+      <p:sp>
+        <p:nvSpPr>
+          <p:cNvPr id="2" name="Título 1">
+            <a:extLst>
+              <a:ext uri="{FF2B5EF4-FFF2-40B4-BE49-F238E27FC236}">
+                <a16:creationId xmlns:a16="http://schemas.microsoft.com/office/drawing/2014/main" id="{CBFDFDED-F579-4C9D-B6A7-ABE3737E2081}"/>
+              </a:ext>
+            </a:extLst>
+          </p:cNvPr>
+          <p:cNvSpPr>
+            <a:spLocks noGrp="1"/>
+          </p:cNvSpPr>
+          <p:nvPr>
+            <p:ph type="title"/>
+          </p:nvPr>
+        </p:nvSpPr>
+        <p:spPr/>
+        <p:txBody>
+          <a:bodyPr/>
+          <a:lstStyle/>
+          <a:p>
+            <a:r>
+              <a:rPr lang="pt-BR" dirty="0"/>
+              <a:t>Discussões </a:t>
+            </a:r>
+          </a:p>
+        </p:txBody>
+      </p:sp>
+      <p:sp>
+        <p:nvSpPr>
+          <p:cNvPr id="3" name="Espaço Reservado para Conteúdo 2">
+            <a:extLst>
+              <a:ext uri="{FF2B5EF4-FFF2-40B4-BE49-F238E27FC236}">
+                <a16:creationId xmlns:a16="http://schemas.microsoft.com/office/drawing/2014/main" id="{4564904E-0464-41A6-87A2-6C3716761D84}"/>
+              </a:ext>
+            </a:extLst>
+          </p:cNvPr>
+          <p:cNvSpPr>
+            <a:spLocks noGrp="1"/>
+          </p:cNvSpPr>
+          <p:nvPr>
+            <p:ph idx="1"/>
+          </p:nvPr>
+        </p:nvSpPr>
+        <p:spPr/>
+        <p:txBody>
+          <a:bodyPr>
+            <a:normAutofit/>
+          </a:bodyPr>
+          <a:lstStyle/>
+          <a:p>
+            <a:pPr indent="0" algn="just">
+              <a:lnSpc>
+                <a:spcPct val="150000"/>
+              </a:lnSpc>
+              <a:spcAft>
+                <a:spcPts val="600"/>
+              </a:spcAft>
+              <a:buNone/>
+            </a:pPr>
+            <a:r>
+              <a:rPr lang="pt-BR" sz="1800" dirty="0">
+                <a:effectLst/>
+                <a:latin typeface="Arial" panose="020B0604020202020204" pitchFamily="34" charset="0"/>
+                <a:ea typeface="Times New Roman" panose="02020603050405020304" pitchFamily="18" charset="0"/>
+                <a:cs typeface="Times New Roman" panose="02020603050405020304" pitchFamily="18" charset="0"/>
+              </a:rPr>
+              <a:t> Foi observado, em conformidade com o modelo proposto por Franca, Da Silva e Sharp (2018), que uma característica do trabalho (as percepções da instabilidades da equipe e da tarefa) está relacionada de maneira negativa e significativa com a satisfação. </a:t>
+            </a:r>
+          </a:p>
+          <a:p>
+            <a:pPr indent="0" algn="just">
+              <a:lnSpc>
+                <a:spcPct val="150000"/>
+              </a:lnSpc>
+              <a:spcAft>
+                <a:spcPts val="600"/>
+              </a:spcAft>
+              <a:buNone/>
+            </a:pPr>
+            <a:r>
+              <a:rPr lang="pt-BR" sz="1800" dirty="0">
+                <a:effectLst/>
+                <a:latin typeface="Arial" panose="020B0604020202020204" pitchFamily="34" charset="0"/>
+                <a:ea typeface="Times New Roman" panose="02020603050405020304" pitchFamily="18" charset="0"/>
+                <a:cs typeface="Times New Roman" panose="02020603050405020304" pitchFamily="18" charset="0"/>
+              </a:rPr>
+              <a:t>Além disso, as percepções da instabilidade da equipe e da tarefa também estão relacionadas positivamente e de maneira significativa com o burnout.</a:t>
+            </a:r>
+            <a:endParaRPr lang="pt-BR" sz="1800" dirty="0">
+              <a:effectLst/>
+              <a:latin typeface="Times" panose="02020603050405020304" pitchFamily="18" charset="0"/>
+              <a:ea typeface="Times New Roman" panose="02020603050405020304" pitchFamily="18" charset="0"/>
+              <a:cs typeface="Times New Roman" panose="02020603050405020304" pitchFamily="18" charset="0"/>
+            </a:endParaRPr>
+          </a:p>
+          <a:p>
+            <a:pPr indent="270510" algn="just">
+              <a:lnSpc>
+                <a:spcPct val="150000"/>
+              </a:lnSpc>
+              <a:spcAft>
+                <a:spcPts val="600"/>
+              </a:spcAft>
+            </a:pPr>
+            <a:endParaRPr lang="pt-BR" sz="1800" dirty="0">
+              <a:effectLst/>
+              <a:latin typeface="Times" panose="02020603050405020304" pitchFamily="18" charset="0"/>
+              <a:ea typeface="Times New Roman" panose="02020603050405020304" pitchFamily="18" charset="0"/>
+              <a:cs typeface="Times New Roman" panose="02020603050405020304" pitchFamily="18" charset="0"/>
+            </a:endParaRPr>
+          </a:p>
+        </p:txBody>
+      </p:sp>
+    </p:spTree>
+    <p:extLst>
+      <p:ext uri="{BB962C8B-B14F-4D97-AF65-F5344CB8AC3E}">
+        <p14:creationId xmlns:p14="http://schemas.microsoft.com/office/powerpoint/2010/main" val="1685934829"/>
+      </p:ext>
+    </p:extLst>
+  </p:cSld>
+  <p:clrMapOvr>
+    <a:masterClrMapping/>
+  </p:clrMapOvr>
+</p:sld>
+</file>
+
+<file path=ppt/slides/slide84.xml><?xml version="1.0" encoding="utf-8"?>
+<p:sld xmlns:a="http://schemas.openxmlformats.org/drawingml/2006/main" xmlns:r="http://schemas.openxmlformats.org/officeDocument/2006/relationships" xmlns:p="http://schemas.openxmlformats.org/presentationml/2006/main">
+  <p:cSld>
+    <p:spTree>
+      <p:nvGrpSpPr>
+        <p:cNvPr id="1" name=""/>
+        <p:cNvGrpSpPr/>
+        <p:nvPr/>
+      </p:nvGrpSpPr>
+      <p:grpSpPr>
+        <a:xfrm>
+          <a:off x="0" y="0"/>
+          <a:ext cx="0" cy="0"/>
+          <a:chOff x="0" y="0"/>
+          <a:chExt cx="0" cy="0"/>
+        </a:xfrm>
+      </p:grpSpPr>
+      <p:sp>
+        <p:nvSpPr>
+          <p:cNvPr id="2" name="Título 1">
+            <a:extLst>
+              <a:ext uri="{FF2B5EF4-FFF2-40B4-BE49-F238E27FC236}">
+                <a16:creationId xmlns:a16="http://schemas.microsoft.com/office/drawing/2014/main" id="{CBFDFDED-F579-4C9D-B6A7-ABE3737E2081}"/>
+              </a:ext>
+            </a:extLst>
+          </p:cNvPr>
+          <p:cNvSpPr>
+            <a:spLocks noGrp="1"/>
+          </p:cNvSpPr>
+          <p:nvPr>
+            <p:ph type="title"/>
+          </p:nvPr>
+        </p:nvSpPr>
+        <p:spPr/>
+        <p:txBody>
+          <a:bodyPr/>
+          <a:lstStyle/>
+          <a:p>
+            <a:r>
+              <a:rPr lang="pt-BR" dirty="0"/>
+              <a:t>Discussões </a:t>
+            </a:r>
+          </a:p>
+        </p:txBody>
+      </p:sp>
+      <p:sp>
+        <p:nvSpPr>
+          <p:cNvPr id="3" name="Espaço Reservado para Conteúdo 2">
+            <a:extLst>
+              <a:ext uri="{FF2B5EF4-FFF2-40B4-BE49-F238E27FC236}">
+                <a16:creationId xmlns:a16="http://schemas.microsoft.com/office/drawing/2014/main" id="{4564904E-0464-41A6-87A2-6C3716761D84}"/>
+              </a:ext>
+            </a:extLst>
+          </p:cNvPr>
+          <p:cNvSpPr>
+            <a:spLocks noGrp="1"/>
+          </p:cNvSpPr>
+          <p:nvPr>
+            <p:ph idx="1"/>
+          </p:nvPr>
+        </p:nvSpPr>
+        <p:spPr/>
+        <p:txBody>
+          <a:bodyPr>
+            <a:normAutofit fontScale="92500" lnSpcReduction="20000"/>
+          </a:bodyPr>
+          <a:lstStyle/>
+          <a:p>
+            <a:pPr marL="628650" indent="-285750" algn="just">
+              <a:lnSpc>
+                <a:spcPct val="150000"/>
+              </a:lnSpc>
+              <a:spcAft>
+                <a:spcPts val="600"/>
+              </a:spcAft>
+            </a:pPr>
+            <a:r>
+              <a:rPr lang="pt-BR" sz="1800" dirty="0">
+                <a:effectLst/>
+                <a:latin typeface="Arial" panose="020B0604020202020204" pitchFamily="34" charset="0"/>
+                <a:ea typeface="Times New Roman" panose="02020603050405020304" pitchFamily="18" charset="0"/>
+                <a:cs typeface="Times New Roman" panose="02020603050405020304" pitchFamily="18" charset="0"/>
+              </a:rPr>
+              <a:t>A escala de burnout passou por mais uma validação dentro da área de Engenharia de Software onde foi realizada uma análise fatorial confirmatória.</a:t>
+            </a:r>
+          </a:p>
+          <a:p>
+            <a:pPr marL="628650" indent="-285750" algn="just">
+              <a:lnSpc>
+                <a:spcPct val="150000"/>
+              </a:lnSpc>
+              <a:spcAft>
+                <a:spcPts val="600"/>
+              </a:spcAft>
+            </a:pPr>
+            <a:r>
+              <a:rPr lang="pt-BR" sz="1800" dirty="0">
+                <a:effectLst/>
+                <a:latin typeface="Arial" panose="020B0604020202020204" pitchFamily="34" charset="0"/>
+                <a:ea typeface="Times New Roman" panose="02020603050405020304" pitchFamily="18" charset="0"/>
+                <a:cs typeface="Times New Roman" panose="02020603050405020304" pitchFamily="18" charset="0"/>
+              </a:rPr>
+              <a:t> Os dois itens que tiveram problemas foram explicitados e podem ser levados em consideração em futuras pesquisas. </a:t>
+            </a:r>
+          </a:p>
+          <a:p>
+            <a:pPr marL="628650" indent="-285750" algn="just">
+              <a:lnSpc>
+                <a:spcPct val="150000"/>
+              </a:lnSpc>
+              <a:spcAft>
+                <a:spcPts val="600"/>
+              </a:spcAft>
+            </a:pPr>
+            <a:r>
+              <a:rPr lang="pt-BR" sz="1800" dirty="0">
+                <a:effectLst/>
+                <a:latin typeface="Arial" panose="020B0604020202020204" pitchFamily="34" charset="0"/>
+                <a:ea typeface="Times New Roman" panose="02020603050405020304" pitchFamily="18" charset="0"/>
+                <a:cs typeface="Times New Roman" panose="02020603050405020304" pitchFamily="18" charset="0"/>
+              </a:rPr>
+              <a:t>Outros estudos apontam problemas com a escala do burnout na Engenharia de Software ao realizar AFC, por exemplo, Singh e Suar (2013), em seu trabalho, tiveram que retirar um item da dimensão eficácia, pois ele estava abaixo de 0,3 (ponto de corte utilizado pelos autores, que é inferior ao utilizado nesta tese). Infelizmente, o item retirado não foi especificado. </a:t>
+            </a:r>
+            <a:endParaRPr lang="pt-BR" sz="1800" dirty="0">
+              <a:effectLst/>
+              <a:latin typeface="Times" panose="02020603050405020304" pitchFamily="18" charset="0"/>
+              <a:ea typeface="Times New Roman" panose="02020603050405020304" pitchFamily="18" charset="0"/>
+              <a:cs typeface="Times New Roman" panose="02020603050405020304" pitchFamily="18" charset="0"/>
+            </a:endParaRPr>
+          </a:p>
+          <a:p>
+            <a:pPr indent="270510" algn="just">
+              <a:lnSpc>
+                <a:spcPct val="150000"/>
+              </a:lnSpc>
+              <a:spcAft>
+                <a:spcPts val="600"/>
+              </a:spcAft>
+            </a:pPr>
+            <a:endParaRPr lang="pt-BR" sz="1800" dirty="0">
+              <a:effectLst/>
+              <a:latin typeface="Times" panose="02020603050405020304" pitchFamily="18" charset="0"/>
+              <a:ea typeface="Times New Roman" panose="02020603050405020304" pitchFamily="18" charset="0"/>
+              <a:cs typeface="Times New Roman" panose="02020603050405020304" pitchFamily="18" charset="0"/>
+            </a:endParaRPr>
+          </a:p>
+        </p:txBody>
+      </p:sp>
+    </p:spTree>
+    <p:extLst>
+      <p:ext uri="{BB962C8B-B14F-4D97-AF65-F5344CB8AC3E}">
+        <p14:creationId xmlns:p14="http://schemas.microsoft.com/office/powerpoint/2010/main" val="2726072352"/>
+      </p:ext>
+    </p:extLst>
+  </p:cSld>
+  <p:clrMapOvr>
+    <a:masterClrMapping/>
+  </p:clrMapOvr>
+</p:sld>
+</file>
+
+<file path=ppt/slides/slide85.xml><?xml version="1.0" encoding="utf-8"?>
+<p:sld xmlns:a="http://schemas.openxmlformats.org/drawingml/2006/main" xmlns:r="http://schemas.openxmlformats.org/officeDocument/2006/relationships" xmlns:p="http://schemas.openxmlformats.org/presentationml/2006/main">
+  <p:cSld>
+    <p:spTree>
+      <p:nvGrpSpPr>
+        <p:cNvPr id="1" name=""/>
+        <p:cNvGrpSpPr/>
+        <p:nvPr/>
+      </p:nvGrpSpPr>
+      <p:grpSpPr>
+        <a:xfrm>
+          <a:off x="0" y="0"/>
+          <a:ext cx="0" cy="0"/>
+          <a:chOff x="0" y="0"/>
+          <a:chExt cx="0" cy="0"/>
+        </a:xfrm>
+      </p:grpSpPr>
+      <p:sp>
+        <p:nvSpPr>
+          <p:cNvPr id="2" name="Título 1">
+            <a:extLst>
+              <a:ext uri="{FF2B5EF4-FFF2-40B4-BE49-F238E27FC236}">
+                <a16:creationId xmlns:a16="http://schemas.microsoft.com/office/drawing/2014/main" id="{CBFDFDED-F579-4C9D-B6A7-ABE3737E2081}"/>
+              </a:ext>
+            </a:extLst>
+          </p:cNvPr>
+          <p:cNvSpPr>
+            <a:spLocks noGrp="1"/>
+          </p:cNvSpPr>
+          <p:nvPr>
+            <p:ph type="title"/>
+          </p:nvPr>
+        </p:nvSpPr>
+        <p:spPr/>
+        <p:txBody>
+          <a:bodyPr/>
+          <a:lstStyle/>
+          <a:p>
+            <a:r>
+              <a:rPr lang="pt-BR" dirty="0"/>
+              <a:t>Discussões </a:t>
+            </a:r>
+          </a:p>
+        </p:txBody>
+      </p:sp>
+      <p:sp>
+        <p:nvSpPr>
+          <p:cNvPr id="3" name="Espaço Reservado para Conteúdo 2">
+            <a:extLst>
+              <a:ext uri="{FF2B5EF4-FFF2-40B4-BE49-F238E27FC236}">
+                <a16:creationId xmlns:a16="http://schemas.microsoft.com/office/drawing/2014/main" id="{4564904E-0464-41A6-87A2-6C3716761D84}"/>
+              </a:ext>
+            </a:extLst>
+          </p:cNvPr>
+          <p:cNvSpPr>
+            <a:spLocks noGrp="1"/>
+          </p:cNvSpPr>
+          <p:nvPr>
+            <p:ph idx="1"/>
+          </p:nvPr>
+        </p:nvSpPr>
+        <p:spPr/>
+        <p:txBody>
+          <a:bodyPr>
+            <a:normAutofit/>
+          </a:bodyPr>
+          <a:lstStyle/>
+          <a:p>
+            <a:pPr indent="274320" algn="just">
+              <a:lnSpc>
+                <a:spcPct val="150000"/>
+              </a:lnSpc>
+              <a:spcAft>
+                <a:spcPts val="600"/>
+              </a:spcAft>
+            </a:pPr>
+            <a:r>
+              <a:rPr lang="pt-BR" sz="1800" dirty="0">
+                <a:effectLst/>
+                <a:latin typeface="Arial" panose="020B0604020202020204" pitchFamily="34" charset="0"/>
+                <a:ea typeface="Times New Roman" panose="02020603050405020304" pitchFamily="18" charset="0"/>
+              </a:rPr>
+              <a:t>Foram observados maiores médias nas dimensões de exaustão e menores médias de baixa eficácia. Esse resultado é diferente do apresentado por </a:t>
+            </a:r>
+            <a:r>
+              <a:rPr lang="pt-BR" sz="1800" dirty="0">
+                <a:effectLst/>
+                <a:latin typeface="Arial" panose="020B0604020202020204" pitchFamily="34" charset="0"/>
+                <a:ea typeface="Calibri" panose="020F0502020204030204" pitchFamily="34" charset="0"/>
+              </a:rPr>
+              <a:t>Cook (2015), onde o nível de cinismo foi maior que o burnout, mas que também apresentou a eficácia como o fator menos preocupante.</a:t>
+            </a:r>
+          </a:p>
+          <a:p>
+            <a:pPr indent="274320" algn="just">
+              <a:lnSpc>
+                <a:spcPct val="150000"/>
+              </a:lnSpc>
+              <a:spcAft>
+                <a:spcPts val="600"/>
+              </a:spcAft>
+            </a:pPr>
+            <a:r>
+              <a:rPr lang="pt-BR" sz="1800" dirty="0">
+                <a:effectLst/>
+                <a:latin typeface="Arial" panose="020B0604020202020204" pitchFamily="34" charset="0"/>
+                <a:ea typeface="Calibri" panose="020F0502020204030204" pitchFamily="34" charset="0"/>
+              </a:rPr>
+              <a:t> Em outro estudo, </a:t>
+            </a:r>
+            <a:r>
+              <a:rPr lang="pt-BR" sz="1800" dirty="0">
+                <a:effectLst/>
+                <a:latin typeface="Arial" panose="020B0604020202020204" pitchFamily="34" charset="0"/>
+                <a:ea typeface="Times New Roman" panose="02020603050405020304" pitchFamily="18" charset="0"/>
+              </a:rPr>
+              <a:t>Moore (2000) já alertava para níveis altos de exaustão na Engenharia de Software.</a:t>
+            </a:r>
+            <a:endParaRPr lang="pt-BR" sz="1800" dirty="0">
+              <a:effectLst/>
+              <a:latin typeface="Times" panose="02020603050405020304" pitchFamily="18" charset="0"/>
+              <a:ea typeface="Times New Roman" panose="02020603050405020304" pitchFamily="18" charset="0"/>
+              <a:cs typeface="Times New Roman" panose="02020603050405020304" pitchFamily="18" charset="0"/>
+            </a:endParaRPr>
+          </a:p>
+        </p:txBody>
+      </p:sp>
+    </p:spTree>
+    <p:extLst>
+      <p:ext uri="{BB962C8B-B14F-4D97-AF65-F5344CB8AC3E}">
+        <p14:creationId xmlns:p14="http://schemas.microsoft.com/office/powerpoint/2010/main" val="1911674615"/>
+      </p:ext>
+    </p:extLst>
+  </p:cSld>
+  <p:clrMapOvr>
+    <a:masterClrMapping/>
+  </p:clrMapOvr>
+</p:sld>
+</file>
+
+<file path=ppt/slides/slide86.xml><?xml version="1.0" encoding="utf-8"?>
 <p:sld xmlns:a="http://schemas.openxmlformats.org/drawingml/2006/main" xmlns:r="http://schemas.openxmlformats.org/officeDocument/2006/relationships" xmlns:p="http://schemas.openxmlformats.org/presentationml/2006/main">
   <p:cSld>
     <p:spTree>
@@ -23463,7 +28313,7 @@
 </p:sld>
 </file>
 
-<file path=ppt/slides/slide82.xml><?xml version="1.0" encoding="utf-8"?>
+<file path=ppt/slides/slide87.xml><?xml version="1.0" encoding="utf-8"?>
 <p:sld xmlns:a="http://schemas.openxmlformats.org/drawingml/2006/main" xmlns:r="http://schemas.openxmlformats.org/officeDocument/2006/relationships" xmlns:p="http://schemas.openxmlformats.org/presentationml/2006/main">
   <p:cSld>
     <p:spTree>
@@ -23780,7 +28630,7 @@
 </p:sld>
 </file>
 
-<file path=ppt/slides/slide83.xml><?xml version="1.0" encoding="utf-8"?>
+<file path=ppt/slides/slide88.xml><?xml version="1.0" encoding="utf-8"?>
 <p:sld xmlns:a="http://schemas.openxmlformats.org/drawingml/2006/main" xmlns:r="http://schemas.openxmlformats.org/officeDocument/2006/relationships" xmlns:p="http://schemas.openxmlformats.org/presentationml/2006/main">
   <p:cSld>
     <p:spTree>
@@ -23921,8 +28771,373 @@
 </p:sld>
 </file>
 
-<file path=ppt/slides/slide84.xml><?xml version="1.0" encoding="utf-8"?>
+<file path=ppt/slides/slide89.xml><?xml version="1.0" encoding="utf-8"?>
 <p:sld xmlns:a="http://schemas.openxmlformats.org/drawingml/2006/main" xmlns:r="http://schemas.openxmlformats.org/officeDocument/2006/relationships" xmlns:p="http://schemas.openxmlformats.org/presentationml/2006/main">
+  <p:cSld>
+    <p:spTree>
+      <p:nvGrpSpPr>
+        <p:cNvPr id="1" name=""/>
+        <p:cNvGrpSpPr/>
+        <p:nvPr/>
+      </p:nvGrpSpPr>
+      <p:grpSpPr>
+        <a:xfrm>
+          <a:off x="0" y="0"/>
+          <a:ext cx="0" cy="0"/>
+          <a:chOff x="0" y="0"/>
+          <a:chExt cx="0" cy="0"/>
+        </a:xfrm>
+      </p:grpSpPr>
+      <p:sp>
+        <p:nvSpPr>
+          <p:cNvPr id="2" name="Título 1">
+            <a:extLst>
+              <a:ext uri="{FF2B5EF4-FFF2-40B4-BE49-F238E27FC236}">
+                <a16:creationId xmlns:a16="http://schemas.microsoft.com/office/drawing/2014/main" id="{FF9308EC-E1EA-4F23-8C1E-79AB9319528C}"/>
+              </a:ext>
+            </a:extLst>
+          </p:cNvPr>
+          <p:cNvSpPr>
+            <a:spLocks noGrp="1"/>
+          </p:cNvSpPr>
+          <p:nvPr>
+            <p:ph type="title"/>
+          </p:nvPr>
+        </p:nvSpPr>
+        <p:spPr/>
+        <p:txBody>
+          <a:bodyPr/>
+          <a:lstStyle/>
+          <a:p>
+            <a:r>
+              <a:rPr lang="pt-BR" dirty="0"/>
+              <a:t>Implicações</a:t>
+            </a:r>
+          </a:p>
+        </p:txBody>
+      </p:sp>
+      <p:sp>
+        <p:nvSpPr>
+          <p:cNvPr id="3" name="Espaço Reservado para Conteúdo 2">
+            <a:extLst>
+              <a:ext uri="{FF2B5EF4-FFF2-40B4-BE49-F238E27FC236}">
+                <a16:creationId xmlns:a16="http://schemas.microsoft.com/office/drawing/2014/main" id="{B2E2D8C0-4CA1-4AEC-A27C-1270DA763BAC}"/>
+              </a:ext>
+            </a:extLst>
+          </p:cNvPr>
+          <p:cNvSpPr>
+            <a:spLocks noGrp="1"/>
+          </p:cNvSpPr>
+          <p:nvPr>
+            <p:ph idx="1"/>
+          </p:nvPr>
+        </p:nvSpPr>
+        <p:spPr/>
+        <p:txBody>
+          <a:bodyPr/>
+          <a:lstStyle/>
+          <a:p>
+            <a:r>
+              <a:rPr lang="pt-BR" sz="1800" dirty="0">
+                <a:effectLst/>
+                <a:latin typeface="Arial" panose="020B0604020202020204" pitchFamily="34" charset="0"/>
+                <a:ea typeface="Calibri" panose="020F0502020204030204" pitchFamily="34" charset="0"/>
+              </a:rPr>
+              <a:t>Para a indústria, quando os gerentes/líderes observarem que os seus liderados estão percebendo o ambiente muito instável, eles devem ficar em alerta e monitorar também a percepção do burnout desses indivíduos para que não tenham problemas como o absenteísmo (NASSER, 2018; SWIDER; ZIMMERMAN, 2010) ou turnover do trabalho (MASLACH; LEITER, 2016), entre outros que são consequências do burnout.</a:t>
+            </a:r>
+            <a:endParaRPr lang="pt-BR" dirty="0">
+              <a:latin typeface="Arial" panose="020B0604020202020204" pitchFamily="34" charset="0"/>
+            </a:endParaRPr>
+          </a:p>
+        </p:txBody>
+      </p:sp>
+    </p:spTree>
+    <p:extLst>
+      <p:ext uri="{BB962C8B-B14F-4D97-AF65-F5344CB8AC3E}">
+        <p14:creationId xmlns:p14="http://schemas.microsoft.com/office/powerpoint/2010/main" val="4127675402"/>
+      </p:ext>
+    </p:extLst>
+  </p:cSld>
+  <p:clrMapOvr>
+    <a:masterClrMapping/>
+  </p:clrMapOvr>
+</p:sld>
+</file>
+
+<file path=ppt/slides/slide9.xml><?xml version="1.0" encoding="utf-8"?>
+<p:sld xmlns:a="http://schemas.openxmlformats.org/drawingml/2006/main" xmlns:r="http://schemas.openxmlformats.org/officeDocument/2006/relationships" xmlns:p="http://schemas.openxmlformats.org/presentationml/2006/main">
+  <p:cSld>
+    <p:spTree>
+      <p:nvGrpSpPr>
+        <p:cNvPr id="1" name=""/>
+        <p:cNvGrpSpPr/>
+        <p:nvPr/>
+      </p:nvGrpSpPr>
+      <p:grpSpPr>
+        <a:xfrm>
+          <a:off x="0" y="0"/>
+          <a:ext cx="0" cy="0"/>
+          <a:chOff x="0" y="0"/>
+          <a:chExt cx="0" cy="0"/>
+        </a:xfrm>
+      </p:grpSpPr>
+      <p:sp>
+        <p:nvSpPr>
+          <p:cNvPr id="2" name="Título 1"/>
+          <p:cNvSpPr>
+            <a:spLocks noGrp="1"/>
+          </p:cNvSpPr>
+          <p:nvPr>
+            <p:ph type="title"/>
+          </p:nvPr>
+        </p:nvSpPr>
+        <p:spPr/>
+        <p:txBody>
+          <a:bodyPr/>
+          <a:lstStyle/>
+          <a:p>
+            <a:r>
+              <a:rPr lang="pt-BR" dirty="0"/>
+              <a:t>Introdução - Satisfação</a:t>
+            </a:r>
+          </a:p>
+        </p:txBody>
+      </p:sp>
+      <p:sp>
+        <p:nvSpPr>
+          <p:cNvPr id="3" name="Espaço Reservado para Conteúdo 2"/>
+          <p:cNvSpPr>
+            <a:spLocks noGrp="1"/>
+          </p:cNvSpPr>
+          <p:nvPr>
+            <p:ph idx="1"/>
+          </p:nvPr>
+        </p:nvSpPr>
+        <p:spPr/>
+        <p:txBody>
+          <a:bodyPr>
+            <a:normAutofit lnSpcReduction="10000"/>
+          </a:bodyPr>
+          <a:lstStyle/>
+          <a:p>
+            <a:pPr marL="628650" indent="-285750" algn="just">
+              <a:lnSpc>
+                <a:spcPct val="150000"/>
+              </a:lnSpc>
+              <a:spcAft>
+                <a:spcPts val="600"/>
+              </a:spcAft>
+            </a:pPr>
+            <a:r>
+              <a:rPr lang="pt-BR" sz="2800" dirty="0">
+                <a:effectLst/>
+                <a:latin typeface="Swis721 Cn BT" panose="020B0506020202030204"/>
+                <a:ea typeface="Times New Roman" panose="02020603050405020304" pitchFamily="18" charset="0"/>
+                <a:cs typeface="Times New Roman" panose="02020603050405020304" pitchFamily="18" charset="0"/>
+              </a:rPr>
+              <a:t>França,  Da Silva e Sharp (2018) afirmam que a satisfação com o trabalho pode ser expressa pela felicidade dos indivíduos com o trabalho. </a:t>
+            </a:r>
+          </a:p>
+          <a:p>
+            <a:pPr marL="628650" indent="-285750" algn="just">
+              <a:lnSpc>
+                <a:spcPct val="150000"/>
+              </a:lnSpc>
+              <a:spcAft>
+                <a:spcPts val="600"/>
+              </a:spcAft>
+            </a:pPr>
+            <a:r>
+              <a:rPr lang="pt-BR" sz="2800" dirty="0">
+                <a:effectLst/>
+                <a:latin typeface="Swis721 Cn BT" panose="020B0506020202030204"/>
+                <a:ea typeface="Times New Roman" panose="02020603050405020304" pitchFamily="18" charset="0"/>
+                <a:cs typeface="Times New Roman" panose="02020603050405020304" pitchFamily="18" charset="0"/>
+              </a:rPr>
+              <a:t>A satisfação com o trabalho na Engenharia de Software (LENBERG; FELDT e WALLGREN, 2015).</a:t>
+            </a:r>
+          </a:p>
+          <a:p>
+            <a:pPr indent="0" algn="just">
+              <a:lnSpc>
+                <a:spcPct val="150000"/>
+              </a:lnSpc>
+              <a:spcAft>
+                <a:spcPts val="600"/>
+              </a:spcAft>
+              <a:buNone/>
+            </a:pPr>
+            <a:endParaRPr lang="pt-BR" dirty="0"/>
+          </a:p>
+        </p:txBody>
+      </p:sp>
+      <p:pic>
+        <p:nvPicPr>
+          <p:cNvPr id="11266" name="Picture 2" descr="Customer Satisfaction - Perception">
+            <a:extLst>
+              <a:ext uri="{FF2B5EF4-FFF2-40B4-BE49-F238E27FC236}">
+                <a16:creationId xmlns:a16="http://schemas.microsoft.com/office/drawing/2014/main" id="{2260DDF2-D32C-4882-8DD4-A9F6D5ECE9F1}"/>
+              </a:ext>
+            </a:extLst>
+          </p:cNvPr>
+          <p:cNvPicPr>
+            <a:picLocks noChangeAspect="1" noChangeArrowheads="1"/>
+          </p:cNvPicPr>
+          <p:nvPr/>
+        </p:nvPicPr>
+        <p:blipFill>
+          <a:blip r:embed="rId3">
+            <a:extLst>
+              <a:ext uri="{28A0092B-C50C-407E-A947-70E740481C1C}">
+                <a14:useLocalDpi xmlns:a14="http://schemas.microsoft.com/office/drawing/2010/main" val="0"/>
+              </a:ext>
+            </a:extLst>
+          </a:blip>
+          <a:srcRect/>
+          <a:stretch>
+            <a:fillRect/>
+          </a:stretch>
+        </p:blipFill>
+        <p:spPr bwMode="auto">
+          <a:xfrm>
+            <a:off x="5652120" y="431304"/>
+            <a:ext cx="2924175" cy="1562100"/>
+          </a:xfrm>
+          <a:prstGeom prst="rect">
+            <a:avLst/>
+          </a:prstGeom>
+          <a:noFill/>
+          <a:extLst>
+            <a:ext uri="{909E8E84-426E-40DD-AFC4-6F175D3DCCD1}">
+              <a14:hiddenFill xmlns:a14="http://schemas.microsoft.com/office/drawing/2010/main">
+                <a:solidFill>
+                  <a:srgbClr val="FFFFFF"/>
+                </a:solidFill>
+              </a14:hiddenFill>
+            </a:ext>
+          </a:extLst>
+        </p:spPr>
+      </p:pic>
+    </p:spTree>
+    <p:extLst>
+      <p:ext uri="{BB962C8B-B14F-4D97-AF65-F5344CB8AC3E}">
+        <p14:creationId xmlns:p14="http://schemas.microsoft.com/office/powerpoint/2010/main" val="3887008828"/>
+      </p:ext>
+    </p:extLst>
+  </p:cSld>
+  <p:clrMapOvr>
+    <a:masterClrMapping/>
+  </p:clrMapOvr>
+</p:sld>
+</file>
+
+<file path=ppt/slides/slide90.xml><?xml version="1.0" encoding="utf-8"?>
+<p:sld xmlns:a="http://schemas.openxmlformats.org/drawingml/2006/main" xmlns:r="http://schemas.openxmlformats.org/officeDocument/2006/relationships" xmlns:p="http://schemas.openxmlformats.org/presentationml/2006/main">
+  <p:cSld>
+    <p:spTree>
+      <p:nvGrpSpPr>
+        <p:cNvPr id="1" name=""/>
+        <p:cNvGrpSpPr/>
+        <p:nvPr/>
+      </p:nvGrpSpPr>
+      <p:grpSpPr>
+        <a:xfrm>
+          <a:off x="0" y="0"/>
+          <a:ext cx="0" cy="0"/>
+          <a:chOff x="0" y="0"/>
+          <a:chExt cx="0" cy="0"/>
+        </a:xfrm>
+      </p:grpSpPr>
+      <p:sp>
+        <p:nvSpPr>
+          <p:cNvPr id="2" name="Título 1">
+            <a:extLst>
+              <a:ext uri="{FF2B5EF4-FFF2-40B4-BE49-F238E27FC236}">
+                <a16:creationId xmlns:a16="http://schemas.microsoft.com/office/drawing/2014/main" id="{FF9308EC-E1EA-4F23-8C1E-79AB9319528C}"/>
+              </a:ext>
+            </a:extLst>
+          </p:cNvPr>
+          <p:cNvSpPr>
+            <a:spLocks noGrp="1"/>
+          </p:cNvSpPr>
+          <p:nvPr>
+            <p:ph type="title"/>
+          </p:nvPr>
+        </p:nvSpPr>
+        <p:spPr/>
+        <p:txBody>
+          <a:bodyPr/>
+          <a:lstStyle/>
+          <a:p>
+            <a:r>
+              <a:rPr lang="pt-BR" dirty="0"/>
+              <a:t>Implicações</a:t>
+            </a:r>
+          </a:p>
+        </p:txBody>
+      </p:sp>
+      <p:sp>
+        <p:nvSpPr>
+          <p:cNvPr id="3" name="Espaço Reservado para Conteúdo 2">
+            <a:extLst>
+              <a:ext uri="{FF2B5EF4-FFF2-40B4-BE49-F238E27FC236}">
+                <a16:creationId xmlns:a16="http://schemas.microsoft.com/office/drawing/2014/main" id="{B2E2D8C0-4CA1-4AEC-A27C-1270DA763BAC}"/>
+              </a:ext>
+            </a:extLst>
+          </p:cNvPr>
+          <p:cNvSpPr>
+            <a:spLocks noGrp="1"/>
+          </p:cNvSpPr>
+          <p:nvPr>
+            <p:ph idx="1"/>
+          </p:nvPr>
+        </p:nvSpPr>
+        <p:spPr/>
+        <p:txBody>
+          <a:bodyPr/>
+          <a:lstStyle/>
+          <a:p>
+            <a:pPr indent="270510" algn="just">
+              <a:lnSpc>
+                <a:spcPct val="150000"/>
+              </a:lnSpc>
+              <a:spcAft>
+                <a:spcPts val="600"/>
+              </a:spcAft>
+            </a:pPr>
+            <a:r>
+              <a:rPr lang="pt-BR" sz="1800" dirty="0">
+                <a:effectLst/>
+                <a:latin typeface="Arial" panose="020B0604020202020204" pitchFamily="34" charset="0"/>
+                <a:ea typeface="Times New Roman" panose="02020603050405020304" pitchFamily="18" charset="0"/>
+                <a:cs typeface="Times New Roman" panose="02020603050405020304" pitchFamily="18" charset="0"/>
+              </a:rPr>
+              <a:t>Indivíduos que percebem o ambiente instável tendem a se perceber menos satisfeitos. Este é mais um argumento para que os gerentes/líderes busquem monitorar a percepção da instabilidade e, se possível, minimizá-la.</a:t>
+            </a:r>
+            <a:endParaRPr lang="pt-BR" sz="1800" dirty="0">
+              <a:effectLst/>
+              <a:latin typeface="Times" panose="02020603050405020304" pitchFamily="18" charset="0"/>
+              <a:ea typeface="Times New Roman" panose="02020603050405020304" pitchFamily="18" charset="0"/>
+              <a:cs typeface="Times New Roman" panose="02020603050405020304" pitchFamily="18" charset="0"/>
+            </a:endParaRPr>
+          </a:p>
+        </p:txBody>
+      </p:sp>
+    </p:spTree>
+    <p:extLst>
+      <p:ext uri="{BB962C8B-B14F-4D97-AF65-F5344CB8AC3E}">
+        <p14:creationId xmlns:p14="http://schemas.microsoft.com/office/powerpoint/2010/main" val="1240450397"/>
+      </p:ext>
+    </p:extLst>
+  </p:cSld>
+  <p:clrMapOvr>
+    <a:masterClrMapping/>
+  </p:clrMapOvr>
+</p:sld>
+</file>
+
+<file path=ppt/slides/slide91.xml><?xml version="1.0" encoding="utf-8"?>
+<p:sld xmlns:a="http://schemas.openxmlformats.org/drawingml/2006/main" xmlns:r="http://schemas.openxmlformats.org/officeDocument/2006/relationships" xmlns:p="http://schemas.openxmlformats.org/presentationml/2006/main" show="0">
   <p:cSld>
     <p:spTree>
       <p:nvGrpSpPr>
@@ -24238,8 +29453,8 @@
 </p:sld>
 </file>
 
-<file path=ppt/slides/slide85.xml><?xml version="1.0" encoding="utf-8"?>
-<p:sld xmlns:a="http://schemas.openxmlformats.org/drawingml/2006/main" xmlns:r="http://schemas.openxmlformats.org/officeDocument/2006/relationships" xmlns:p="http://schemas.openxmlformats.org/presentationml/2006/main">
+<file path=ppt/slides/slide92.xml><?xml version="1.0" encoding="utf-8"?>
+<p:sld xmlns:a="http://schemas.openxmlformats.org/drawingml/2006/main" xmlns:r="http://schemas.openxmlformats.org/officeDocument/2006/relationships" xmlns:p="http://schemas.openxmlformats.org/presentationml/2006/main" show="0">
   <p:cSld>
     <p:spTree>
       <p:nvGrpSpPr>
@@ -24487,7 +29702,7 @@
 </p:sld>
 </file>
 
-<file path=ppt/slides/slide86.xml><?xml version="1.0" encoding="utf-8"?>
+<file path=ppt/slides/slide93.xml><?xml version="1.0" encoding="utf-8"?>
 <p:sld xmlns:a="http://schemas.openxmlformats.org/drawingml/2006/main" xmlns:r="http://schemas.openxmlformats.org/officeDocument/2006/relationships" xmlns:p="http://schemas.openxmlformats.org/presentationml/2006/main">
   <p:cSld>
     <p:spTree>
@@ -24663,7 +29878,7 @@
 </p:sld>
 </file>
 
-<file path=ppt/slides/slide87.xml><?xml version="1.0" encoding="utf-8"?>
+<file path=ppt/slides/slide94.xml><?xml version="1.0" encoding="utf-8"?>
 <p:sld xmlns:a="http://schemas.openxmlformats.org/drawingml/2006/main" xmlns:r="http://schemas.openxmlformats.org/officeDocument/2006/relationships" xmlns:p="http://schemas.openxmlformats.org/presentationml/2006/main">
   <p:cSld>
     <p:spTree>
@@ -24842,7 +30057,7 @@
 </p:sld>
 </file>
 
-<file path=ppt/slides/slide88.xml><?xml version="1.0" encoding="utf-8"?>
+<file path=ppt/slides/slide95.xml><?xml version="1.0" encoding="utf-8"?>
 <p:sld xmlns:a="http://schemas.openxmlformats.org/drawingml/2006/main" xmlns:r="http://schemas.openxmlformats.org/officeDocument/2006/relationships" xmlns:p="http://schemas.openxmlformats.org/presentationml/2006/main">
   <p:cSld>
     <p:spTree>
@@ -25091,7 +30306,7 @@
 </p:sld>
 </file>
 
-<file path=ppt/slides/slide89.xml><?xml version="1.0" encoding="utf-8"?>
+<file path=ppt/slides/slide96.xml><?xml version="1.0" encoding="utf-8"?>
 <p:sld xmlns:a="http://schemas.openxmlformats.org/drawingml/2006/main" xmlns:r="http://schemas.openxmlformats.org/officeDocument/2006/relationships" xmlns:p="http://schemas.openxmlformats.org/presentationml/2006/main">
   <p:cSld>
     <p:spTree>
@@ -25255,174 +30470,7 @@
 </p:sld>
 </file>
 
-<file path=ppt/slides/slide9.xml><?xml version="1.0" encoding="utf-8"?>
-<p:sld xmlns:a="http://schemas.openxmlformats.org/drawingml/2006/main" xmlns:r="http://schemas.openxmlformats.org/officeDocument/2006/relationships" xmlns:p="http://schemas.openxmlformats.org/presentationml/2006/main">
-  <p:cSld>
-    <p:spTree>
-      <p:nvGrpSpPr>
-        <p:cNvPr id="1" name=""/>
-        <p:cNvGrpSpPr/>
-        <p:nvPr/>
-      </p:nvGrpSpPr>
-      <p:grpSpPr>
-        <a:xfrm>
-          <a:off x="0" y="0"/>
-          <a:ext cx="0" cy="0"/>
-          <a:chOff x="0" y="0"/>
-          <a:chExt cx="0" cy="0"/>
-        </a:xfrm>
-      </p:grpSpPr>
-      <p:sp>
-        <p:nvSpPr>
-          <p:cNvPr id="2" name="Título 1"/>
-          <p:cNvSpPr>
-            <a:spLocks noGrp="1"/>
-          </p:cNvSpPr>
-          <p:nvPr>
-            <p:ph type="title"/>
-          </p:nvPr>
-        </p:nvSpPr>
-        <p:spPr/>
-        <p:txBody>
-          <a:bodyPr/>
-          <a:lstStyle/>
-          <a:p>
-            <a:r>
-              <a:rPr lang="pt-BR" dirty="0"/>
-              <a:t>Introdução - Satisfação</a:t>
-            </a:r>
-          </a:p>
-        </p:txBody>
-      </p:sp>
-      <p:sp>
-        <p:nvSpPr>
-          <p:cNvPr id="3" name="Espaço Reservado para Conteúdo 2"/>
-          <p:cNvSpPr>
-            <a:spLocks noGrp="1"/>
-          </p:cNvSpPr>
-          <p:nvPr>
-            <p:ph idx="1"/>
-          </p:nvPr>
-        </p:nvSpPr>
-        <p:spPr/>
-        <p:txBody>
-          <a:bodyPr>
-            <a:normAutofit lnSpcReduction="10000"/>
-          </a:bodyPr>
-          <a:lstStyle/>
-          <a:p>
-            <a:pPr marL="628650" indent="-285750" algn="just">
-              <a:lnSpc>
-                <a:spcPct val="150000"/>
-              </a:lnSpc>
-              <a:spcAft>
-                <a:spcPts val="600"/>
-              </a:spcAft>
-            </a:pPr>
-            <a:r>
-              <a:rPr lang="pt-BR" sz="2800" dirty="0">
-                <a:effectLst/>
-                <a:latin typeface="Swis721 Cn BT" panose="020B0506020202030204"/>
-                <a:ea typeface="Times New Roman" panose="02020603050405020304" pitchFamily="18" charset="0"/>
-                <a:cs typeface="Times New Roman" panose="02020603050405020304" pitchFamily="18" charset="0"/>
-              </a:rPr>
-              <a:t>França,  Da Silva e Sharp (2018) afirmam que a satisfação com o trabalho pode ser expressa pela felicidade dos indivíduos com o trabalho. </a:t>
-            </a:r>
-          </a:p>
-          <a:p>
-            <a:pPr marL="628650" indent="-285750" algn="just">
-              <a:lnSpc>
-                <a:spcPct val="150000"/>
-              </a:lnSpc>
-              <a:spcAft>
-                <a:spcPts val="600"/>
-              </a:spcAft>
-            </a:pPr>
-            <a:r>
-              <a:rPr lang="pt-BR" sz="2800" dirty="0">
-                <a:effectLst/>
-                <a:latin typeface="Swis721 Cn BT" panose="020B0506020202030204"/>
-                <a:ea typeface="Times New Roman" panose="02020603050405020304" pitchFamily="18" charset="0"/>
-                <a:cs typeface="Times New Roman" panose="02020603050405020304" pitchFamily="18" charset="0"/>
-              </a:rPr>
-              <a:t>A satisfação com o trabalho na Engenharia de Software (LENBERG; FELDT e WALLGREN, 2015).</a:t>
-            </a:r>
-          </a:p>
-          <a:p>
-            <a:pPr indent="0" algn="just">
-              <a:lnSpc>
-                <a:spcPct val="150000"/>
-              </a:lnSpc>
-              <a:spcAft>
-                <a:spcPts val="600"/>
-              </a:spcAft>
-              <a:buNone/>
-            </a:pPr>
-            <a:endParaRPr lang="pt-BR" dirty="0"/>
-          </a:p>
-        </p:txBody>
-      </p:sp>
-      <p:pic>
-        <p:nvPicPr>
-          <p:cNvPr id="11266" name="Picture 2" descr="Customer Satisfaction - Perception">
-            <a:extLst>
-              <a:ext uri="{FF2B5EF4-FFF2-40B4-BE49-F238E27FC236}">
-                <a16:creationId xmlns:a16="http://schemas.microsoft.com/office/drawing/2014/main" id="{2260DDF2-D32C-4882-8DD4-A9F6D5ECE9F1}"/>
-              </a:ext>
-            </a:extLst>
-          </p:cNvPr>
-          <p:cNvPicPr>
-            <a:picLocks noChangeAspect="1" noChangeArrowheads="1"/>
-          </p:cNvPicPr>
-          <p:nvPr/>
-        </p:nvPicPr>
-        <p:blipFill>
-          <a:blip r:embed="rId3">
-            <a:extLst>
-              <a:ext uri="{28A0092B-C50C-407E-A947-70E740481C1C}">
-                <a14:useLocalDpi xmlns:a14="http://schemas.microsoft.com/office/drawing/2010/main" val="0"/>
-              </a:ext>
-            </a:extLst>
-          </a:blip>
-          <a:srcRect/>
-          <a:stretch>
-            <a:fillRect/>
-          </a:stretch>
-        </p:blipFill>
-        <p:spPr bwMode="auto">
-          <a:xfrm>
-            <a:off x="5652120" y="431304"/>
-            <a:ext cx="2924175" cy="1562100"/>
-          </a:xfrm>
-          <a:prstGeom prst="rect">
-            <a:avLst/>
-          </a:prstGeom>
-          <a:noFill/>
-          <a:extLst>
-            <a:ext uri="{909E8E84-426E-40DD-AFC4-6F175D3DCCD1}">
-              <a14:hiddenFill xmlns:a14="http://schemas.microsoft.com/office/drawing/2010/main">
-                <a:solidFill>
-                  <a:srgbClr val="FFFFFF"/>
-                </a:solidFill>
-              </a14:hiddenFill>
-            </a:ext>
-          </a:extLst>
-        </p:spPr>
-      </p:pic>
-    </p:spTree>
-    <p:extLst>
-      <p:ext uri="{BB962C8B-B14F-4D97-AF65-F5344CB8AC3E}">
-        <p14:creationId xmlns:p14="http://schemas.microsoft.com/office/powerpoint/2010/main" val="3887008828"/>
-      </p:ext>
-    </p:extLst>
-  </p:cSld>
-  <p:clrMapOvr>
-    <a:masterClrMapping/>
-  </p:clrMapOvr>
-</p:sld>
-</file>
-
-<file path=ppt/slides/slide90.xml><?xml version="1.0" encoding="utf-8"?>
+<file path=ppt/slides/slide97.xml><?xml version="1.0" encoding="utf-8"?>
 <p:sld xmlns:a="http://schemas.openxmlformats.org/drawingml/2006/main" xmlns:r="http://schemas.openxmlformats.org/officeDocument/2006/relationships" xmlns:p="http://schemas.openxmlformats.org/presentationml/2006/main">
   <p:cSld>
     <p:spTree>
@@ -25577,7 +30625,7 @@
 </p:sld>
 </file>
 
-<file path=ppt/slides/slide91.xml><?xml version="1.0" encoding="utf-8"?>
+<file path=ppt/slides/slide98.xml><?xml version="1.0" encoding="utf-8"?>
 <p:sld xmlns:a="http://schemas.openxmlformats.org/drawingml/2006/main" xmlns:r="http://schemas.openxmlformats.org/officeDocument/2006/relationships" xmlns:p="http://schemas.openxmlformats.org/presentationml/2006/main">
   <p:cSld>
     <p:spTree>
@@ -25723,7 +30771,7 @@
 </p:sld>
 </file>
 
-<file path=ppt/slides/slide92.xml><?xml version="1.0" encoding="utf-8"?>
+<file path=ppt/slides/slide99.xml><?xml version="1.0" encoding="utf-8"?>
 <p:sld xmlns:a="http://schemas.openxmlformats.org/drawingml/2006/main" xmlns:r="http://schemas.openxmlformats.org/officeDocument/2006/relationships" xmlns:p="http://schemas.openxmlformats.org/presentationml/2006/main">
   <p:cSld>
     <p:spTree>
@@ -25908,2071 +30956,6 @@
     <p:extLst>
       <p:ext uri="{BB962C8B-B14F-4D97-AF65-F5344CB8AC3E}">
         <p14:creationId xmlns:p14="http://schemas.microsoft.com/office/powerpoint/2010/main" val="3945958157"/>
-      </p:ext>
-    </p:extLst>
-  </p:cSld>
-  <p:clrMapOvr>
-    <a:masterClrMapping/>
-  </p:clrMapOvr>
-</p:sld>
-</file>
-
-<file path=ppt/slides/slide93.xml><?xml version="1.0" encoding="utf-8"?>
-<p:sld xmlns:a="http://schemas.openxmlformats.org/drawingml/2006/main" xmlns:r="http://schemas.openxmlformats.org/officeDocument/2006/relationships" xmlns:p="http://schemas.openxmlformats.org/presentationml/2006/main">
-  <p:cSld>
-    <p:spTree>
-      <p:nvGrpSpPr>
-        <p:cNvPr id="1" name=""/>
-        <p:cNvGrpSpPr/>
-        <p:nvPr/>
-      </p:nvGrpSpPr>
-      <p:grpSpPr>
-        <a:xfrm>
-          <a:off x="0" y="0"/>
-          <a:ext cx="0" cy="0"/>
-          <a:chOff x="0" y="0"/>
-          <a:chExt cx="0" cy="0"/>
-        </a:xfrm>
-      </p:grpSpPr>
-      <p:sp>
-        <p:nvSpPr>
-          <p:cNvPr id="2" name="Título 1">
-            <a:extLst>
-              <a:ext uri="{FF2B5EF4-FFF2-40B4-BE49-F238E27FC236}">
-                <a16:creationId xmlns:a16="http://schemas.microsoft.com/office/drawing/2014/main" id="{955B7A71-0AE6-4842-8500-FF5159312A34}"/>
-              </a:ext>
-            </a:extLst>
-          </p:cNvPr>
-          <p:cNvSpPr>
-            <a:spLocks noGrp="1"/>
-          </p:cNvSpPr>
-          <p:nvPr>
-            <p:ph type="title"/>
-          </p:nvPr>
-        </p:nvSpPr>
-        <p:spPr/>
-        <p:txBody>
-          <a:bodyPr/>
-          <a:lstStyle/>
-          <a:p>
-            <a:r>
-              <a:rPr lang="pt-BR" dirty="0"/>
-              <a:t>Referências</a:t>
-            </a:r>
-          </a:p>
-        </p:txBody>
-      </p:sp>
-      <p:sp>
-        <p:nvSpPr>
-          <p:cNvPr id="3" name="Espaço Reservado para Conteúdo 2">
-            <a:extLst>
-              <a:ext uri="{FF2B5EF4-FFF2-40B4-BE49-F238E27FC236}">
-                <a16:creationId xmlns:a16="http://schemas.microsoft.com/office/drawing/2014/main" id="{EBBB26C3-F96E-4074-AC85-D845AA1F466A}"/>
-              </a:ext>
-            </a:extLst>
-          </p:cNvPr>
-          <p:cNvSpPr>
-            <a:spLocks noGrp="1"/>
-          </p:cNvSpPr>
-          <p:nvPr>
-            <p:ph idx="1"/>
-          </p:nvPr>
-        </p:nvSpPr>
-        <p:spPr/>
-        <p:txBody>
-          <a:bodyPr>
-            <a:normAutofit fontScale="85000" lnSpcReduction="10000"/>
-          </a:bodyPr>
-          <a:lstStyle/>
-          <a:p>
-            <a:r>
-              <a:rPr lang="en-US" sz="1800" dirty="0">
-                <a:effectLst/>
-                <a:latin typeface="Times New Roman" panose="02020603050405020304" pitchFamily="18" charset="0"/>
-                <a:ea typeface="Times New Roman" panose="02020603050405020304" pitchFamily="18" charset="0"/>
-                <a:cs typeface="Times New Roman" panose="02020603050405020304" pitchFamily="18" charset="0"/>
-              </a:rPr>
-              <a:t>WILLIAMS, Laurie; COCKBURN, Alistair. Agile software development: it’s about feedback and change. </a:t>
-            </a:r>
-            <a:r>
-              <a:rPr lang="en-US" sz="1800" b="1" dirty="0">
-                <a:effectLst/>
-                <a:latin typeface="Times New Roman" panose="02020603050405020304" pitchFamily="18" charset="0"/>
-                <a:ea typeface="Times New Roman" panose="02020603050405020304" pitchFamily="18" charset="0"/>
-                <a:cs typeface="Times New Roman" panose="02020603050405020304" pitchFamily="18" charset="0"/>
-              </a:rPr>
-              <a:t>IEEE computer</a:t>
-            </a:r>
-            <a:r>
-              <a:rPr lang="en-US" sz="1800" dirty="0">
-                <a:effectLst/>
-                <a:latin typeface="Times New Roman" panose="02020603050405020304" pitchFamily="18" charset="0"/>
-                <a:ea typeface="Times New Roman" panose="02020603050405020304" pitchFamily="18" charset="0"/>
-                <a:cs typeface="Times New Roman" panose="02020603050405020304" pitchFamily="18" charset="0"/>
-              </a:rPr>
-              <a:t>, </a:t>
-            </a:r>
-            <a:r>
-              <a:rPr lang="en-US" sz="1800" i="1" dirty="0">
-                <a:effectLst/>
-                <a:latin typeface="Times New Roman" panose="02020603050405020304" pitchFamily="18" charset="0"/>
-                <a:ea typeface="Times New Roman" panose="02020603050405020304" pitchFamily="18" charset="0"/>
-                <a:cs typeface="Times New Roman" panose="02020603050405020304" pitchFamily="18" charset="0"/>
-              </a:rPr>
-              <a:t>[S. l.]</a:t>
-            </a:r>
-            <a:r>
-              <a:rPr lang="en-US" sz="1800" dirty="0">
-                <a:effectLst/>
-                <a:latin typeface="Times New Roman" panose="02020603050405020304" pitchFamily="18" charset="0"/>
-                <a:ea typeface="Times New Roman" panose="02020603050405020304" pitchFamily="18" charset="0"/>
-                <a:cs typeface="Times New Roman" panose="02020603050405020304" pitchFamily="18" charset="0"/>
-              </a:rPr>
-              <a:t>, v. 36, n. 6, p. 39–43, 2003. </a:t>
-            </a:r>
-            <a:endParaRPr lang="pt-BR" sz="1800" dirty="0">
-              <a:effectLst/>
-              <a:latin typeface="Times" panose="02020603050405020304" pitchFamily="18" charset="0"/>
-              <a:ea typeface="Times New Roman" panose="02020603050405020304" pitchFamily="18" charset="0"/>
-              <a:cs typeface="Times New Roman" panose="02020603050405020304" pitchFamily="18" charset="0"/>
-            </a:endParaRPr>
-          </a:p>
-          <a:p>
-            <a:r>
-              <a:rPr lang="en-US" sz="1800" dirty="0">
-                <a:effectLst/>
-                <a:latin typeface="Times New Roman" panose="02020603050405020304" pitchFamily="18" charset="0"/>
-                <a:ea typeface="Times New Roman" panose="02020603050405020304" pitchFamily="18" charset="0"/>
-                <a:cs typeface="Times New Roman" panose="02020603050405020304" pitchFamily="18" charset="0"/>
-              </a:rPr>
-              <a:t>MELNIK, Grigori; MAURER, Frank. Comparative Analysis of Job Satisfaction in Agile and Non-agile Software Development Teams. </a:t>
-            </a:r>
-            <a:r>
-              <a:rPr lang="en-US" sz="1800" b="1" dirty="0">
-                <a:effectLst/>
-                <a:latin typeface="Times New Roman" panose="02020603050405020304" pitchFamily="18" charset="0"/>
-                <a:ea typeface="Times New Roman" panose="02020603050405020304" pitchFamily="18" charset="0"/>
-                <a:cs typeface="Times New Roman" panose="02020603050405020304" pitchFamily="18" charset="0"/>
-              </a:rPr>
-              <a:t>XP’06 Proceedings of the 7th international conference on Extreme Programming and Agile Processes in Software Engineering</a:t>
-            </a:r>
-            <a:r>
-              <a:rPr lang="en-US" sz="1800" dirty="0">
-                <a:effectLst/>
-                <a:latin typeface="Times New Roman" panose="02020603050405020304" pitchFamily="18" charset="0"/>
-                <a:ea typeface="Times New Roman" panose="02020603050405020304" pitchFamily="18" charset="0"/>
-                <a:cs typeface="Times New Roman" panose="02020603050405020304" pitchFamily="18" charset="0"/>
-              </a:rPr>
-              <a:t>, </a:t>
-            </a:r>
-            <a:r>
-              <a:rPr lang="en-US" sz="1800" i="1" dirty="0">
-                <a:effectLst/>
-                <a:latin typeface="Times New Roman" panose="02020603050405020304" pitchFamily="18" charset="0"/>
-                <a:ea typeface="Times New Roman" panose="02020603050405020304" pitchFamily="18" charset="0"/>
-                <a:cs typeface="Times New Roman" panose="02020603050405020304" pitchFamily="18" charset="0"/>
-              </a:rPr>
-              <a:t>[S. l.]</a:t>
-            </a:r>
-            <a:r>
-              <a:rPr lang="en-US" sz="1800" dirty="0">
-                <a:effectLst/>
-                <a:latin typeface="Times New Roman" panose="02020603050405020304" pitchFamily="18" charset="0"/>
-                <a:ea typeface="Times New Roman" panose="02020603050405020304" pitchFamily="18" charset="0"/>
-                <a:cs typeface="Times New Roman" panose="02020603050405020304" pitchFamily="18" charset="0"/>
-              </a:rPr>
-              <a:t>, p. 32–42, 2006. </a:t>
-            </a:r>
-            <a:r>
-              <a:rPr lang="pt-BR" sz="1800" dirty="0">
-                <a:effectLst/>
-                <a:latin typeface="Times New Roman" panose="02020603050405020304" pitchFamily="18" charset="0"/>
-                <a:ea typeface="Times New Roman" panose="02020603050405020304" pitchFamily="18" charset="0"/>
-                <a:cs typeface="Times New Roman" panose="02020603050405020304" pitchFamily="18" charset="0"/>
-              </a:rPr>
-              <a:t>Disponível em: http://www.springerlink.com/index/V556H4T270612011.pdf</a:t>
-            </a:r>
-            <a:endParaRPr lang="pt-BR" sz="1800" dirty="0">
-              <a:effectLst/>
-              <a:latin typeface="Times" panose="02020603050405020304" pitchFamily="18" charset="0"/>
-              <a:ea typeface="Times New Roman" panose="02020603050405020304" pitchFamily="18" charset="0"/>
-              <a:cs typeface="Times New Roman" panose="02020603050405020304" pitchFamily="18" charset="0"/>
-            </a:endParaRPr>
-          </a:p>
-          <a:p>
-            <a:r>
-              <a:rPr lang="en-US" sz="1800" dirty="0">
-                <a:effectLst/>
-                <a:latin typeface="Times New Roman" panose="02020603050405020304" pitchFamily="18" charset="0"/>
-                <a:ea typeface="Times New Roman" panose="02020603050405020304" pitchFamily="18" charset="0"/>
-              </a:rPr>
-              <a:t>BOEHM, Barry W. Get ready for agile methods, with care. </a:t>
-            </a:r>
-            <a:r>
-              <a:rPr lang="en-US" sz="1800" b="1" dirty="0">
-                <a:effectLst/>
-                <a:latin typeface="Times New Roman" panose="02020603050405020304" pitchFamily="18" charset="0"/>
-                <a:ea typeface="Times New Roman" panose="02020603050405020304" pitchFamily="18" charset="0"/>
-              </a:rPr>
-              <a:t>Software Engineering: Barry W. </a:t>
-            </a:r>
-            <a:r>
-              <a:rPr lang="en-US" sz="1800" b="1" dirty="0" err="1">
-                <a:effectLst/>
-                <a:latin typeface="Times New Roman" panose="02020603050405020304" pitchFamily="18" charset="0"/>
-                <a:ea typeface="Times New Roman" panose="02020603050405020304" pitchFamily="18" charset="0"/>
-              </a:rPr>
-              <a:t>Boehm’S</a:t>
-            </a:r>
-            <a:r>
-              <a:rPr lang="en-US" sz="1800" b="1" dirty="0">
-                <a:effectLst/>
-                <a:latin typeface="Times New Roman" panose="02020603050405020304" pitchFamily="18" charset="0"/>
-                <a:ea typeface="Times New Roman" panose="02020603050405020304" pitchFamily="18" charset="0"/>
-              </a:rPr>
-              <a:t> Lifetime Contributions to Software Development, Management, and Research</a:t>
-            </a:r>
-            <a:r>
-              <a:rPr lang="en-US" sz="1800" dirty="0">
-                <a:effectLst/>
-                <a:latin typeface="Times New Roman" panose="02020603050405020304" pitchFamily="18" charset="0"/>
-                <a:ea typeface="Times New Roman" panose="02020603050405020304" pitchFamily="18" charset="0"/>
-              </a:rPr>
-              <a:t>, </a:t>
-            </a:r>
-            <a:r>
-              <a:rPr lang="en-US" sz="1800" i="1" dirty="0">
-                <a:effectLst/>
-                <a:latin typeface="Times New Roman" panose="02020603050405020304" pitchFamily="18" charset="0"/>
-                <a:ea typeface="Times New Roman" panose="02020603050405020304" pitchFamily="18" charset="0"/>
-              </a:rPr>
-              <a:t>[S. l.]</a:t>
-            </a:r>
-            <a:r>
-              <a:rPr lang="en-US" sz="1800" dirty="0">
-                <a:effectLst/>
-                <a:latin typeface="Times New Roman" panose="02020603050405020304" pitchFamily="18" charset="0"/>
-                <a:ea typeface="Times New Roman" panose="02020603050405020304" pitchFamily="18" charset="0"/>
-              </a:rPr>
-              <a:t>, p. 535–543, 2007.</a:t>
-            </a:r>
-          </a:p>
-          <a:p>
-            <a:r>
-              <a:rPr lang="pt-BR" sz="1800" dirty="0">
-                <a:effectLst/>
-                <a:latin typeface="Times New Roman" panose="02020603050405020304" pitchFamily="18" charset="0"/>
-                <a:ea typeface="Times New Roman" panose="02020603050405020304" pitchFamily="18" charset="0"/>
-              </a:rPr>
-              <a:t>MANIFESTO, </a:t>
-            </a:r>
-            <a:r>
-              <a:rPr lang="pt-BR" sz="1800" dirty="0" err="1">
-                <a:effectLst/>
-                <a:latin typeface="Times New Roman" panose="02020603050405020304" pitchFamily="18" charset="0"/>
-                <a:ea typeface="Times New Roman" panose="02020603050405020304" pitchFamily="18" charset="0"/>
-              </a:rPr>
-              <a:t>Agile</a:t>
-            </a:r>
-            <a:r>
-              <a:rPr lang="pt-BR" sz="1800" dirty="0">
-                <a:effectLst/>
-                <a:latin typeface="Times New Roman" panose="02020603050405020304" pitchFamily="18" charset="0"/>
-                <a:ea typeface="Times New Roman" panose="02020603050405020304" pitchFamily="18" charset="0"/>
-              </a:rPr>
-              <a:t>. Manifesto for </a:t>
-            </a:r>
-            <a:r>
-              <a:rPr lang="pt-BR" sz="1800" dirty="0" err="1">
-                <a:effectLst/>
-                <a:latin typeface="Times New Roman" panose="02020603050405020304" pitchFamily="18" charset="0"/>
-                <a:ea typeface="Times New Roman" panose="02020603050405020304" pitchFamily="18" charset="0"/>
-              </a:rPr>
-              <a:t>agile</a:t>
-            </a:r>
-            <a:r>
-              <a:rPr lang="pt-BR" sz="1800" dirty="0">
-                <a:effectLst/>
-                <a:latin typeface="Times New Roman" panose="02020603050405020304" pitchFamily="18" charset="0"/>
-                <a:ea typeface="Times New Roman" panose="02020603050405020304" pitchFamily="18" charset="0"/>
-              </a:rPr>
-              <a:t> software </a:t>
-            </a:r>
-            <a:r>
-              <a:rPr lang="pt-BR" sz="1800" dirty="0" err="1">
-                <a:effectLst/>
-                <a:latin typeface="Times New Roman" panose="02020603050405020304" pitchFamily="18" charset="0"/>
-                <a:ea typeface="Times New Roman" panose="02020603050405020304" pitchFamily="18" charset="0"/>
-              </a:rPr>
-              <a:t>development</a:t>
-            </a:r>
-            <a:r>
-              <a:rPr lang="pt-BR" sz="1800" dirty="0">
-                <a:effectLst/>
-                <a:latin typeface="Times New Roman" panose="02020603050405020304" pitchFamily="18" charset="0"/>
-                <a:ea typeface="Times New Roman" panose="02020603050405020304" pitchFamily="18" charset="0"/>
-              </a:rPr>
-              <a:t>. </a:t>
-            </a:r>
-            <a:r>
-              <a:rPr lang="pt-BR" sz="1800" i="1" dirty="0">
-                <a:effectLst/>
-                <a:latin typeface="Times New Roman" panose="02020603050405020304" pitchFamily="18" charset="0"/>
-                <a:ea typeface="Times New Roman" panose="02020603050405020304" pitchFamily="18" charset="0"/>
-              </a:rPr>
-              <a:t>[S. l.]</a:t>
-            </a:r>
-            <a:r>
-              <a:rPr lang="pt-BR" sz="1800" dirty="0">
-                <a:effectLst/>
-                <a:latin typeface="Times New Roman" panose="02020603050405020304" pitchFamily="18" charset="0"/>
-                <a:ea typeface="Times New Roman" panose="02020603050405020304" pitchFamily="18" charset="0"/>
-              </a:rPr>
-              <a:t>,  2001.</a:t>
-            </a:r>
-          </a:p>
-          <a:p>
-            <a:r>
-              <a:rPr lang="en-US" sz="1800" dirty="0">
-                <a:effectLst/>
-                <a:latin typeface="Times New Roman" panose="02020603050405020304" pitchFamily="18" charset="0"/>
-                <a:ea typeface="Times New Roman" panose="02020603050405020304" pitchFamily="18" charset="0"/>
-              </a:rPr>
-              <a:t>PLOYHART, R. E.; BLIESE, P. D. Individual Adaptability (I-ADAPT) Theory: Conceptualizing the Antecedents, Consequences, and Measurement of Individual Differences in Adaptability Robert. </a:t>
-            </a:r>
-            <a:r>
-              <a:rPr lang="en-US" sz="1800" b="1" dirty="0">
-                <a:effectLst/>
-                <a:latin typeface="Times New Roman" panose="02020603050405020304" pitchFamily="18" charset="0"/>
-                <a:ea typeface="Times New Roman" panose="02020603050405020304" pitchFamily="18" charset="0"/>
-              </a:rPr>
-              <a:t>Advances in Human Performance and Cognitive Engineering Research</a:t>
-            </a:r>
-            <a:r>
-              <a:rPr lang="en-US" sz="1800" dirty="0">
-                <a:effectLst/>
-                <a:latin typeface="Times New Roman" panose="02020603050405020304" pitchFamily="18" charset="0"/>
-                <a:ea typeface="Times New Roman" panose="02020603050405020304" pitchFamily="18" charset="0"/>
-              </a:rPr>
-              <a:t>, </a:t>
-            </a:r>
-            <a:r>
-              <a:rPr lang="en-US" sz="1800" i="1" dirty="0">
-                <a:effectLst/>
-                <a:latin typeface="Times New Roman" panose="02020603050405020304" pitchFamily="18" charset="0"/>
-                <a:ea typeface="Times New Roman" panose="02020603050405020304" pitchFamily="18" charset="0"/>
-              </a:rPr>
-              <a:t>[S. l.]</a:t>
-            </a:r>
-            <a:r>
-              <a:rPr lang="en-US" sz="1800" dirty="0">
-                <a:effectLst/>
-                <a:latin typeface="Times New Roman" panose="02020603050405020304" pitchFamily="18" charset="0"/>
-                <a:ea typeface="Times New Roman" panose="02020603050405020304" pitchFamily="18" charset="0"/>
-              </a:rPr>
-              <a:t>, v. 6, p. 3–39, 2006 a. </a:t>
-            </a:r>
-            <a:r>
-              <a:rPr lang="en-US" sz="1800" dirty="0" err="1">
-                <a:effectLst/>
-                <a:latin typeface="Times New Roman" panose="02020603050405020304" pitchFamily="18" charset="0"/>
-                <a:ea typeface="Times New Roman" panose="02020603050405020304" pitchFamily="18" charset="0"/>
-              </a:rPr>
-              <a:t>Disponível</a:t>
-            </a:r>
-            <a:r>
-              <a:rPr lang="en-US" sz="1800" dirty="0">
-                <a:effectLst/>
-                <a:latin typeface="Times New Roman" panose="02020603050405020304" pitchFamily="18" charset="0"/>
-                <a:ea typeface="Times New Roman" panose="02020603050405020304" pitchFamily="18" charset="0"/>
-              </a:rPr>
-              <a:t> </a:t>
-            </a:r>
-            <a:r>
-              <a:rPr lang="en-US" sz="1800" dirty="0" err="1">
-                <a:effectLst/>
-                <a:latin typeface="Times New Roman" panose="02020603050405020304" pitchFamily="18" charset="0"/>
-                <a:ea typeface="Times New Roman" panose="02020603050405020304" pitchFamily="18" charset="0"/>
-              </a:rPr>
-              <a:t>em</a:t>
-            </a:r>
-            <a:r>
-              <a:rPr lang="en-US" sz="1800" dirty="0">
-                <a:effectLst/>
-                <a:latin typeface="Times New Roman" panose="02020603050405020304" pitchFamily="18" charset="0"/>
-                <a:ea typeface="Times New Roman" panose="02020603050405020304" pitchFamily="18" charset="0"/>
-              </a:rPr>
-              <a:t>: http://www.scopus.com/inward/record.url?eid=2-s2.0-33645845680&amp;partnerID=tZOtx3y</a:t>
-            </a:r>
-            <a:endParaRPr lang="pt-BR" dirty="0"/>
-          </a:p>
-        </p:txBody>
-      </p:sp>
-    </p:spTree>
-    <p:extLst>
-      <p:ext uri="{BB962C8B-B14F-4D97-AF65-F5344CB8AC3E}">
-        <p14:creationId xmlns:p14="http://schemas.microsoft.com/office/powerpoint/2010/main" val="4205859704"/>
-      </p:ext>
-    </p:extLst>
-  </p:cSld>
-  <p:clrMapOvr>
-    <a:masterClrMapping/>
-  </p:clrMapOvr>
-</p:sld>
-</file>
-
-<file path=ppt/slides/slide94.xml><?xml version="1.0" encoding="utf-8"?>
-<p:sld xmlns:a="http://schemas.openxmlformats.org/drawingml/2006/main" xmlns:r="http://schemas.openxmlformats.org/officeDocument/2006/relationships" xmlns:p="http://schemas.openxmlformats.org/presentationml/2006/main">
-  <p:cSld>
-    <p:spTree>
-      <p:nvGrpSpPr>
-        <p:cNvPr id="1" name=""/>
-        <p:cNvGrpSpPr/>
-        <p:nvPr/>
-      </p:nvGrpSpPr>
-      <p:grpSpPr>
-        <a:xfrm>
-          <a:off x="0" y="0"/>
-          <a:ext cx="0" cy="0"/>
-          <a:chOff x="0" y="0"/>
-          <a:chExt cx="0" cy="0"/>
-        </a:xfrm>
-      </p:grpSpPr>
-      <p:sp>
-        <p:nvSpPr>
-          <p:cNvPr id="2" name="Título 1">
-            <a:extLst>
-              <a:ext uri="{FF2B5EF4-FFF2-40B4-BE49-F238E27FC236}">
-                <a16:creationId xmlns:a16="http://schemas.microsoft.com/office/drawing/2014/main" id="{955B7A71-0AE6-4842-8500-FF5159312A34}"/>
-              </a:ext>
-            </a:extLst>
-          </p:cNvPr>
-          <p:cNvSpPr>
-            <a:spLocks noGrp="1"/>
-          </p:cNvSpPr>
-          <p:nvPr>
-            <p:ph type="title"/>
-          </p:nvPr>
-        </p:nvSpPr>
-        <p:spPr/>
-        <p:txBody>
-          <a:bodyPr/>
-          <a:lstStyle/>
-          <a:p>
-            <a:r>
-              <a:rPr lang="pt-BR" dirty="0"/>
-              <a:t>Referências</a:t>
-            </a:r>
-          </a:p>
-        </p:txBody>
-      </p:sp>
-      <p:sp>
-        <p:nvSpPr>
-          <p:cNvPr id="3" name="Espaço Reservado para Conteúdo 2">
-            <a:extLst>
-              <a:ext uri="{FF2B5EF4-FFF2-40B4-BE49-F238E27FC236}">
-                <a16:creationId xmlns:a16="http://schemas.microsoft.com/office/drawing/2014/main" id="{EBBB26C3-F96E-4074-AC85-D845AA1F466A}"/>
-              </a:ext>
-            </a:extLst>
-          </p:cNvPr>
-          <p:cNvSpPr>
-            <a:spLocks noGrp="1"/>
-          </p:cNvSpPr>
-          <p:nvPr>
-            <p:ph idx="1"/>
-          </p:nvPr>
-        </p:nvSpPr>
-        <p:spPr/>
-        <p:txBody>
-          <a:bodyPr>
-            <a:normAutofit fontScale="47500" lnSpcReduction="20000"/>
-          </a:bodyPr>
-          <a:lstStyle/>
-          <a:p>
-            <a:r>
-              <a:rPr lang="en-US" sz="1800" dirty="0">
-                <a:effectLst/>
-                <a:latin typeface="Times New Roman" panose="02020603050405020304" pitchFamily="18" charset="0"/>
-                <a:ea typeface="Times New Roman" panose="02020603050405020304" pitchFamily="18" charset="0"/>
-                <a:cs typeface="Times New Roman" panose="02020603050405020304" pitchFamily="18" charset="0"/>
-              </a:rPr>
-              <a:t>LI, Paul Luo; KO, Andrew J.; ZHU, </a:t>
-            </a:r>
-            <a:r>
-              <a:rPr lang="en-US" sz="1800" dirty="0" err="1">
-                <a:effectLst/>
-                <a:latin typeface="Times New Roman" panose="02020603050405020304" pitchFamily="18" charset="0"/>
-                <a:ea typeface="Times New Roman" panose="02020603050405020304" pitchFamily="18" charset="0"/>
-                <a:cs typeface="Times New Roman" panose="02020603050405020304" pitchFamily="18" charset="0"/>
-              </a:rPr>
-              <a:t>Jiamin</a:t>
-            </a:r>
-            <a:r>
-              <a:rPr lang="en-US" sz="1800" dirty="0">
-                <a:effectLst/>
-                <a:latin typeface="Times New Roman" panose="02020603050405020304" pitchFamily="18" charset="0"/>
-                <a:ea typeface="Times New Roman" panose="02020603050405020304" pitchFamily="18" charset="0"/>
-                <a:cs typeface="Times New Roman" panose="02020603050405020304" pitchFamily="18" charset="0"/>
-              </a:rPr>
-              <a:t>. What makes a great software engineer? In:  2015, Proceedings - International Conference on Software Engineering. [S. l.: s. n.] p. 700–710.</a:t>
-            </a:r>
-          </a:p>
-          <a:p>
-            <a:endParaRPr lang="en-US" sz="1800" dirty="0">
-              <a:effectLst/>
-              <a:latin typeface="Times New Roman" panose="02020603050405020304" pitchFamily="18" charset="0"/>
-              <a:ea typeface="Times New Roman" panose="02020603050405020304" pitchFamily="18" charset="0"/>
-              <a:cs typeface="Times New Roman" panose="02020603050405020304" pitchFamily="18" charset="0"/>
-            </a:endParaRPr>
-          </a:p>
-          <a:p>
-            <a:r>
-              <a:rPr lang="en-US" sz="1800" dirty="0">
-                <a:effectLst/>
-                <a:latin typeface="Times New Roman" panose="02020603050405020304" pitchFamily="18" charset="0"/>
-                <a:ea typeface="Times New Roman" panose="02020603050405020304" pitchFamily="18" charset="0"/>
-                <a:cs typeface="Times New Roman" panose="02020603050405020304" pitchFamily="18" charset="0"/>
-              </a:rPr>
-              <a:t>AHMED, Faheem et al. Soft skills requirements in software development jobs : a cross-cultural empirical study. Journal of Systems and Information Technology, [S. l.], v. 14, n. 1, p. 58–81, 2017. </a:t>
-            </a:r>
-          </a:p>
-          <a:p>
-            <a:endParaRPr lang="en-US" sz="1800" dirty="0">
-              <a:effectLst/>
-              <a:latin typeface="Times New Roman" panose="02020603050405020304" pitchFamily="18" charset="0"/>
-              <a:ea typeface="Times New Roman" panose="02020603050405020304" pitchFamily="18" charset="0"/>
-              <a:cs typeface="Times New Roman" panose="02020603050405020304" pitchFamily="18" charset="0"/>
-            </a:endParaRPr>
-          </a:p>
-          <a:p>
-            <a:r>
-              <a:rPr lang="en-US" sz="1800" dirty="0">
-                <a:effectLst/>
-                <a:latin typeface="Times New Roman" panose="02020603050405020304" pitchFamily="18" charset="0"/>
-                <a:ea typeface="Times New Roman" panose="02020603050405020304" pitchFamily="18" charset="0"/>
-                <a:cs typeface="Times New Roman" panose="02020603050405020304" pitchFamily="18" charset="0"/>
-              </a:rPr>
-              <a:t>INVERARDI, Paola; JAZAYERI, Mehdi. Software Engineering Education in the Modern Age: Software Education and Training Sessions at the International Conference, on Software Engineering, ICSE 2005, St. Louis, MO, USA, May 15-21, 2005, Revised Lectures. [S. l.]: Springer, 2006. v. 4309</a:t>
-            </a:r>
-          </a:p>
-          <a:p>
-            <a:endParaRPr lang="en-US" sz="1800" dirty="0">
-              <a:effectLst/>
-              <a:latin typeface="Times New Roman" panose="02020603050405020304" pitchFamily="18" charset="0"/>
-              <a:ea typeface="Times New Roman" panose="02020603050405020304" pitchFamily="18" charset="0"/>
-              <a:cs typeface="Times New Roman" panose="02020603050405020304" pitchFamily="18" charset="0"/>
-            </a:endParaRPr>
-          </a:p>
-          <a:p>
-            <a:r>
-              <a:rPr lang="en-US" sz="1800" dirty="0">
-                <a:effectLst/>
-                <a:latin typeface="Times New Roman" panose="02020603050405020304" pitchFamily="18" charset="0"/>
-                <a:ea typeface="Times New Roman" panose="02020603050405020304" pitchFamily="18" charset="0"/>
-                <a:cs typeface="Times New Roman" panose="02020603050405020304" pitchFamily="18" charset="0"/>
-              </a:rPr>
-              <a:t>MINISTÉRIO DA EDUCAÇÃO. </a:t>
-            </a:r>
-            <a:r>
-              <a:rPr lang="en-US" sz="1800" dirty="0" err="1">
-                <a:effectLst/>
-                <a:latin typeface="Times New Roman" panose="02020603050405020304" pitchFamily="18" charset="0"/>
-                <a:ea typeface="Times New Roman" panose="02020603050405020304" pitchFamily="18" charset="0"/>
-                <a:cs typeface="Times New Roman" panose="02020603050405020304" pitchFamily="18" charset="0"/>
-              </a:rPr>
-              <a:t>Diretrizes</a:t>
-            </a:r>
-            <a:r>
-              <a:rPr lang="en-US" sz="1800" dirty="0">
-                <a:effectLst/>
-                <a:latin typeface="Times New Roman" panose="02020603050405020304" pitchFamily="18" charset="0"/>
-                <a:ea typeface="Times New Roman" panose="02020603050405020304" pitchFamily="18" charset="0"/>
-                <a:cs typeface="Times New Roman" panose="02020603050405020304" pitchFamily="18" charset="0"/>
-              </a:rPr>
-              <a:t> </a:t>
-            </a:r>
-            <a:r>
-              <a:rPr lang="en-US" sz="1800" dirty="0" err="1">
-                <a:effectLst/>
-                <a:latin typeface="Times New Roman" panose="02020603050405020304" pitchFamily="18" charset="0"/>
-                <a:ea typeface="Times New Roman" panose="02020603050405020304" pitchFamily="18" charset="0"/>
-                <a:cs typeface="Times New Roman" panose="02020603050405020304" pitchFamily="18" charset="0"/>
-              </a:rPr>
-              <a:t>Curriculares</a:t>
-            </a:r>
-            <a:r>
-              <a:rPr lang="en-US" sz="1800" dirty="0">
-                <a:effectLst/>
-                <a:latin typeface="Times New Roman" panose="02020603050405020304" pitchFamily="18" charset="0"/>
-                <a:ea typeface="Times New Roman" panose="02020603050405020304" pitchFamily="18" charset="0"/>
-                <a:cs typeface="Times New Roman" panose="02020603050405020304" pitchFamily="18" charset="0"/>
-              </a:rPr>
-              <a:t> </a:t>
-            </a:r>
-            <a:r>
-              <a:rPr lang="en-US" sz="1800" dirty="0" err="1">
-                <a:effectLst/>
-                <a:latin typeface="Times New Roman" panose="02020603050405020304" pitchFamily="18" charset="0"/>
-                <a:ea typeface="Times New Roman" panose="02020603050405020304" pitchFamily="18" charset="0"/>
-                <a:cs typeface="Times New Roman" panose="02020603050405020304" pitchFamily="18" charset="0"/>
-              </a:rPr>
-              <a:t>Nacionais</a:t>
-            </a:r>
-            <a:r>
-              <a:rPr lang="en-US" sz="1800" dirty="0">
-                <a:effectLst/>
-                <a:latin typeface="Times New Roman" panose="02020603050405020304" pitchFamily="18" charset="0"/>
-                <a:ea typeface="Times New Roman" panose="02020603050405020304" pitchFamily="18" charset="0"/>
-                <a:cs typeface="Times New Roman" panose="02020603050405020304" pitchFamily="18" charset="0"/>
-              </a:rPr>
-              <a:t> para </a:t>
-            </a:r>
-            <a:r>
-              <a:rPr lang="en-US" sz="1800" dirty="0" err="1">
-                <a:effectLst/>
-                <a:latin typeface="Times New Roman" panose="02020603050405020304" pitchFamily="18" charset="0"/>
-                <a:ea typeface="Times New Roman" panose="02020603050405020304" pitchFamily="18" charset="0"/>
-                <a:cs typeface="Times New Roman" panose="02020603050405020304" pitchFamily="18" charset="0"/>
-              </a:rPr>
-              <a:t>os</a:t>
-            </a:r>
-            <a:r>
-              <a:rPr lang="en-US" sz="1800" dirty="0">
-                <a:effectLst/>
-                <a:latin typeface="Times New Roman" panose="02020603050405020304" pitchFamily="18" charset="0"/>
-                <a:ea typeface="Times New Roman" panose="02020603050405020304" pitchFamily="18" charset="0"/>
-                <a:cs typeface="Times New Roman" panose="02020603050405020304" pitchFamily="18" charset="0"/>
-              </a:rPr>
-              <a:t> </a:t>
-            </a:r>
-            <a:r>
-              <a:rPr lang="en-US" sz="1800" dirty="0" err="1">
-                <a:effectLst/>
-                <a:latin typeface="Times New Roman" panose="02020603050405020304" pitchFamily="18" charset="0"/>
-                <a:ea typeface="Times New Roman" panose="02020603050405020304" pitchFamily="18" charset="0"/>
-                <a:cs typeface="Times New Roman" panose="02020603050405020304" pitchFamily="18" charset="0"/>
-              </a:rPr>
-              <a:t>cursos</a:t>
-            </a:r>
-            <a:r>
-              <a:rPr lang="en-US" sz="1800" dirty="0">
-                <a:effectLst/>
-                <a:latin typeface="Times New Roman" panose="02020603050405020304" pitchFamily="18" charset="0"/>
-                <a:ea typeface="Times New Roman" panose="02020603050405020304" pitchFamily="18" charset="0"/>
-                <a:cs typeface="Times New Roman" panose="02020603050405020304" pitchFamily="18" charset="0"/>
-              </a:rPr>
-              <a:t> de </a:t>
-            </a:r>
-            <a:r>
-              <a:rPr lang="en-US" sz="1800" dirty="0" err="1">
-                <a:effectLst/>
-                <a:latin typeface="Times New Roman" panose="02020603050405020304" pitchFamily="18" charset="0"/>
-                <a:ea typeface="Times New Roman" panose="02020603050405020304" pitchFamily="18" charset="0"/>
-                <a:cs typeface="Times New Roman" panose="02020603050405020304" pitchFamily="18" charset="0"/>
-              </a:rPr>
-              <a:t>Graduação</a:t>
-            </a:r>
-            <a:r>
-              <a:rPr lang="en-US" sz="1800" dirty="0">
-                <a:effectLst/>
-                <a:latin typeface="Times New Roman" panose="02020603050405020304" pitchFamily="18" charset="0"/>
-                <a:ea typeface="Times New Roman" panose="02020603050405020304" pitchFamily="18" charset="0"/>
-                <a:cs typeface="Times New Roman" panose="02020603050405020304" pitchFamily="18" charset="0"/>
-              </a:rPr>
-              <a:t> </a:t>
-            </a:r>
-            <a:r>
-              <a:rPr lang="en-US" sz="1800" dirty="0" err="1">
-                <a:effectLst/>
-                <a:latin typeface="Times New Roman" panose="02020603050405020304" pitchFamily="18" charset="0"/>
-                <a:ea typeface="Times New Roman" panose="02020603050405020304" pitchFamily="18" charset="0"/>
-                <a:cs typeface="Times New Roman" panose="02020603050405020304" pitchFamily="18" charset="0"/>
-              </a:rPr>
-              <a:t>em</a:t>
-            </a:r>
-            <a:r>
-              <a:rPr lang="en-US" sz="1800" dirty="0">
-                <a:effectLst/>
-                <a:latin typeface="Times New Roman" panose="02020603050405020304" pitchFamily="18" charset="0"/>
-                <a:ea typeface="Times New Roman" panose="02020603050405020304" pitchFamily="18" charset="0"/>
-                <a:cs typeface="Times New Roman" panose="02020603050405020304" pitchFamily="18" charset="0"/>
-              </a:rPr>
-              <a:t> </a:t>
-            </a:r>
-            <a:r>
-              <a:rPr lang="en-US" sz="1800" dirty="0" err="1">
-                <a:effectLst/>
-                <a:latin typeface="Times New Roman" panose="02020603050405020304" pitchFamily="18" charset="0"/>
-                <a:ea typeface="Times New Roman" panose="02020603050405020304" pitchFamily="18" charset="0"/>
-                <a:cs typeface="Times New Roman" panose="02020603050405020304" pitchFamily="18" charset="0"/>
-              </a:rPr>
-              <a:t>Computação</a:t>
-            </a:r>
-            <a:r>
-              <a:rPr lang="en-US" sz="1800" dirty="0">
-                <a:effectLst/>
-                <a:latin typeface="Times New Roman" panose="02020603050405020304" pitchFamily="18" charset="0"/>
-                <a:ea typeface="Times New Roman" panose="02020603050405020304" pitchFamily="18" charset="0"/>
-                <a:cs typeface="Times New Roman" panose="02020603050405020304" pitchFamily="18" charset="0"/>
-              </a:rPr>
-              <a:t> (DCN16). </a:t>
-            </a:r>
-            <a:r>
-              <a:rPr lang="en-US" sz="1800" dirty="0" err="1">
-                <a:effectLst/>
-                <a:latin typeface="Times New Roman" panose="02020603050405020304" pitchFamily="18" charset="0"/>
-                <a:ea typeface="Times New Roman" panose="02020603050405020304" pitchFamily="18" charset="0"/>
-                <a:cs typeface="Times New Roman" panose="02020603050405020304" pitchFamily="18" charset="0"/>
-              </a:rPr>
-              <a:t>Resolução</a:t>
-            </a:r>
-            <a:r>
-              <a:rPr lang="en-US" sz="1800" dirty="0">
-                <a:effectLst/>
-                <a:latin typeface="Times New Roman" panose="02020603050405020304" pitchFamily="18" charset="0"/>
-                <a:ea typeface="Times New Roman" panose="02020603050405020304" pitchFamily="18" charset="0"/>
-                <a:cs typeface="Times New Roman" panose="02020603050405020304" pitchFamily="18" charset="0"/>
-              </a:rPr>
-              <a:t> CNE/CES no 5, de 16 de </a:t>
-            </a:r>
-            <a:r>
-              <a:rPr lang="en-US" sz="1800" dirty="0" err="1">
-                <a:effectLst/>
-                <a:latin typeface="Times New Roman" panose="02020603050405020304" pitchFamily="18" charset="0"/>
-                <a:ea typeface="Times New Roman" panose="02020603050405020304" pitchFamily="18" charset="0"/>
-                <a:cs typeface="Times New Roman" panose="02020603050405020304" pitchFamily="18" charset="0"/>
-              </a:rPr>
-              <a:t>novembro</a:t>
-            </a:r>
-            <a:r>
-              <a:rPr lang="en-US" sz="1800" dirty="0">
-                <a:effectLst/>
-                <a:latin typeface="Times New Roman" panose="02020603050405020304" pitchFamily="18" charset="0"/>
-                <a:ea typeface="Times New Roman" panose="02020603050405020304" pitchFamily="18" charset="0"/>
-                <a:cs typeface="Times New Roman" panose="02020603050405020304" pitchFamily="18" charset="0"/>
-              </a:rPr>
-              <a:t> de 2016, [S. l.], v. 2016, p. 9, 2016. </a:t>
-            </a:r>
-            <a:r>
-              <a:rPr lang="en-US" sz="1800" dirty="0" err="1">
-                <a:effectLst/>
-                <a:latin typeface="Times New Roman" panose="02020603050405020304" pitchFamily="18" charset="0"/>
-                <a:ea typeface="Times New Roman" panose="02020603050405020304" pitchFamily="18" charset="0"/>
-                <a:cs typeface="Times New Roman" panose="02020603050405020304" pitchFamily="18" charset="0"/>
-              </a:rPr>
-              <a:t>Disponível</a:t>
-            </a:r>
-            <a:r>
-              <a:rPr lang="en-US" sz="1800" dirty="0">
-                <a:effectLst/>
-                <a:latin typeface="Times New Roman" panose="02020603050405020304" pitchFamily="18" charset="0"/>
-                <a:ea typeface="Times New Roman" panose="02020603050405020304" pitchFamily="18" charset="0"/>
-                <a:cs typeface="Times New Roman" panose="02020603050405020304" pitchFamily="18" charset="0"/>
-              </a:rPr>
-              <a:t> </a:t>
-            </a:r>
-            <a:r>
-              <a:rPr lang="en-US" sz="1800" dirty="0" err="1">
-                <a:effectLst/>
-                <a:latin typeface="Times New Roman" panose="02020603050405020304" pitchFamily="18" charset="0"/>
-                <a:ea typeface="Times New Roman" panose="02020603050405020304" pitchFamily="18" charset="0"/>
-                <a:cs typeface="Times New Roman" panose="02020603050405020304" pitchFamily="18" charset="0"/>
-              </a:rPr>
-              <a:t>em</a:t>
-            </a:r>
-            <a:r>
-              <a:rPr lang="en-US" sz="1800" dirty="0">
-                <a:effectLst/>
-                <a:latin typeface="Times New Roman" panose="02020603050405020304" pitchFamily="18" charset="0"/>
-                <a:ea typeface="Times New Roman" panose="02020603050405020304" pitchFamily="18" charset="0"/>
-                <a:cs typeface="Times New Roman" panose="02020603050405020304" pitchFamily="18" charset="0"/>
-              </a:rPr>
-              <a:t>: http://portal.mec.gov.br/index.php?option=com_docman&amp;view=download&amp;alias=52101-rces005-16-pdf&amp;category_slug=novembro-2016-pdf&amp;Itemid=30192</a:t>
-            </a:r>
-          </a:p>
-          <a:p>
-            <a:endParaRPr lang="en-US" sz="1800" dirty="0">
-              <a:effectLst/>
-              <a:latin typeface="Times New Roman" panose="02020603050405020304" pitchFamily="18" charset="0"/>
-              <a:ea typeface="Times New Roman" panose="02020603050405020304" pitchFamily="18" charset="0"/>
-              <a:cs typeface="Times New Roman" panose="02020603050405020304" pitchFamily="18" charset="0"/>
-            </a:endParaRPr>
-          </a:p>
-          <a:p>
-            <a:r>
-              <a:rPr lang="en-US" sz="1800" dirty="0">
-                <a:effectLst/>
-                <a:latin typeface="Times New Roman" panose="02020603050405020304" pitchFamily="18" charset="0"/>
-                <a:ea typeface="Times New Roman" panose="02020603050405020304" pitchFamily="18" charset="0"/>
-                <a:cs typeface="Times New Roman" panose="02020603050405020304" pitchFamily="18" charset="0"/>
-              </a:rPr>
-              <a:t>FRANCA, Cesar; DA SILVA, Fabio </a:t>
-            </a:r>
-            <a:r>
-              <a:rPr lang="en-US" sz="1800" dirty="0" err="1">
-                <a:effectLst/>
-                <a:latin typeface="Times New Roman" panose="02020603050405020304" pitchFamily="18" charset="0"/>
-                <a:ea typeface="Times New Roman" panose="02020603050405020304" pitchFamily="18" charset="0"/>
-                <a:cs typeface="Times New Roman" panose="02020603050405020304" pitchFamily="18" charset="0"/>
-              </a:rPr>
-              <a:t>Fabio</a:t>
-            </a:r>
-            <a:r>
-              <a:rPr lang="en-US" sz="1800" dirty="0">
-                <a:effectLst/>
-                <a:latin typeface="Times New Roman" panose="02020603050405020304" pitchFamily="18" charset="0"/>
-                <a:ea typeface="Times New Roman" panose="02020603050405020304" pitchFamily="18" charset="0"/>
-                <a:cs typeface="Times New Roman" panose="02020603050405020304" pitchFamily="18" charset="0"/>
-              </a:rPr>
-              <a:t> </a:t>
-            </a:r>
-            <a:r>
-              <a:rPr lang="en-US" sz="1800" dirty="0" err="1">
-                <a:effectLst/>
-                <a:latin typeface="Times New Roman" panose="02020603050405020304" pitchFamily="18" charset="0"/>
-                <a:ea typeface="Times New Roman" panose="02020603050405020304" pitchFamily="18" charset="0"/>
-                <a:cs typeface="Times New Roman" panose="02020603050405020304" pitchFamily="18" charset="0"/>
-              </a:rPr>
-              <a:t>Queda</a:t>
-            </a:r>
-            <a:r>
-              <a:rPr lang="en-US" sz="1800" dirty="0">
-                <a:effectLst/>
-                <a:latin typeface="Times New Roman" panose="02020603050405020304" pitchFamily="18" charset="0"/>
-                <a:ea typeface="Times New Roman" panose="02020603050405020304" pitchFamily="18" charset="0"/>
-                <a:cs typeface="Times New Roman" panose="02020603050405020304" pitchFamily="18" charset="0"/>
-              </a:rPr>
-              <a:t> Bueno; SHARP, Helen. Motivation and Satisfaction of Software Engineers. IEEE Transactions on Software Engineering, [S. l.], p. 1–27, 2018.</a:t>
-            </a:r>
-          </a:p>
-          <a:p>
-            <a:endParaRPr lang="en-US" sz="1800" dirty="0">
-              <a:effectLst/>
-              <a:latin typeface="Times New Roman" panose="02020603050405020304" pitchFamily="18" charset="0"/>
-              <a:ea typeface="Times New Roman" panose="02020603050405020304" pitchFamily="18" charset="0"/>
-              <a:cs typeface="Times New Roman" panose="02020603050405020304" pitchFamily="18" charset="0"/>
-            </a:endParaRPr>
-          </a:p>
-          <a:p>
-            <a:r>
-              <a:rPr lang="en-US" sz="1800" dirty="0">
-                <a:effectLst/>
-                <a:latin typeface="Times New Roman" panose="02020603050405020304" pitchFamily="18" charset="0"/>
-                <a:ea typeface="Times New Roman" panose="02020603050405020304" pitchFamily="18" charset="0"/>
-                <a:cs typeface="Times New Roman" panose="02020603050405020304" pitchFamily="18" charset="0"/>
-              </a:rPr>
-              <a:t>LENBERG, Per; FELDT, Robert; WALLGREN, Lars </a:t>
-            </a:r>
-            <a:r>
-              <a:rPr lang="en-US" sz="1800" dirty="0" err="1">
-                <a:effectLst/>
-                <a:latin typeface="Times New Roman" panose="02020603050405020304" pitchFamily="18" charset="0"/>
-                <a:ea typeface="Times New Roman" panose="02020603050405020304" pitchFamily="18" charset="0"/>
-                <a:cs typeface="Times New Roman" panose="02020603050405020304" pitchFamily="18" charset="0"/>
-              </a:rPr>
-              <a:t>Göran</a:t>
-            </a:r>
-            <a:r>
-              <a:rPr lang="en-US" sz="1800" dirty="0">
-                <a:effectLst/>
-                <a:latin typeface="Times New Roman" panose="02020603050405020304" pitchFamily="18" charset="0"/>
-                <a:ea typeface="Times New Roman" panose="02020603050405020304" pitchFamily="18" charset="0"/>
-                <a:cs typeface="Times New Roman" panose="02020603050405020304" pitchFamily="18" charset="0"/>
-              </a:rPr>
-              <a:t>. Behavioral software engineering: A definition and systematic literature review. Journal of Systems and Software, [S. l.], v. 107, p. 15–37, 2015. </a:t>
-            </a:r>
-          </a:p>
-          <a:p>
-            <a:endParaRPr lang="en-US" sz="1800" dirty="0">
-              <a:effectLst/>
-              <a:latin typeface="Times New Roman" panose="02020603050405020304" pitchFamily="18" charset="0"/>
-              <a:ea typeface="Times New Roman" panose="02020603050405020304" pitchFamily="18" charset="0"/>
-              <a:cs typeface="Times New Roman" panose="02020603050405020304" pitchFamily="18" charset="0"/>
-            </a:endParaRPr>
-          </a:p>
-          <a:p>
-            <a:r>
-              <a:rPr lang="en-US" sz="1800" dirty="0">
-                <a:effectLst/>
-                <a:latin typeface="Times New Roman" panose="02020603050405020304" pitchFamily="18" charset="0"/>
-                <a:ea typeface="Times New Roman" panose="02020603050405020304" pitchFamily="18" charset="0"/>
-                <a:cs typeface="Times New Roman" panose="02020603050405020304" pitchFamily="18" charset="0"/>
-              </a:rPr>
-              <a:t>BURK, Lisa; RICHARDSON, Jean; LATIN, Lisa. Conflict Management in Software Development Environments. Eighteenth Annual Pacific Northwest Software Quality Conference, [S. l.], p. 1–65, 2000. </a:t>
-            </a:r>
-            <a:r>
-              <a:rPr lang="en-US" sz="1800" dirty="0" err="1">
-                <a:effectLst/>
-                <a:latin typeface="Times New Roman" panose="02020603050405020304" pitchFamily="18" charset="0"/>
-                <a:ea typeface="Times New Roman" panose="02020603050405020304" pitchFamily="18" charset="0"/>
-                <a:cs typeface="Times New Roman" panose="02020603050405020304" pitchFamily="18" charset="0"/>
-              </a:rPr>
-              <a:t>Disponível</a:t>
-            </a:r>
-            <a:r>
-              <a:rPr lang="en-US" sz="1800" dirty="0">
-                <a:effectLst/>
-                <a:latin typeface="Times New Roman" panose="02020603050405020304" pitchFamily="18" charset="0"/>
-                <a:ea typeface="Times New Roman" panose="02020603050405020304" pitchFamily="18" charset="0"/>
-                <a:cs typeface="Times New Roman" panose="02020603050405020304" pitchFamily="18" charset="0"/>
-              </a:rPr>
-              <a:t> </a:t>
-            </a:r>
-            <a:r>
-              <a:rPr lang="en-US" sz="1800" dirty="0" err="1">
-                <a:effectLst/>
-                <a:latin typeface="Times New Roman" panose="02020603050405020304" pitchFamily="18" charset="0"/>
-                <a:ea typeface="Times New Roman" panose="02020603050405020304" pitchFamily="18" charset="0"/>
-                <a:cs typeface="Times New Roman" panose="02020603050405020304" pitchFamily="18" charset="0"/>
-              </a:rPr>
-              <a:t>em</a:t>
-            </a:r>
-            <a:r>
-              <a:rPr lang="en-US" sz="1800" dirty="0">
-                <a:effectLst/>
-                <a:latin typeface="Times New Roman" panose="02020603050405020304" pitchFamily="18" charset="0"/>
-                <a:ea typeface="Times New Roman" panose="02020603050405020304" pitchFamily="18" charset="0"/>
-                <a:cs typeface="Times New Roman" panose="02020603050405020304" pitchFamily="18" charset="0"/>
-              </a:rPr>
-              <a:t>: https://www.researchgate.net/publication/318987959_Conflict_Management_in_Software_Development_Environments</a:t>
-            </a:r>
-          </a:p>
-          <a:p>
-            <a:endParaRPr lang="en-US" sz="1800" dirty="0">
-              <a:effectLst/>
-              <a:latin typeface="Times New Roman" panose="02020603050405020304" pitchFamily="18" charset="0"/>
-              <a:ea typeface="Times New Roman" panose="02020603050405020304" pitchFamily="18" charset="0"/>
-              <a:cs typeface="Times New Roman" panose="02020603050405020304" pitchFamily="18" charset="0"/>
-            </a:endParaRPr>
-          </a:p>
-          <a:p>
-            <a:r>
-              <a:rPr lang="en-US" sz="1800" dirty="0">
-                <a:effectLst/>
-                <a:latin typeface="Times New Roman" panose="02020603050405020304" pitchFamily="18" charset="0"/>
-                <a:ea typeface="Times New Roman" panose="02020603050405020304" pitchFamily="18" charset="0"/>
-                <a:cs typeface="Times New Roman" panose="02020603050405020304" pitchFamily="18" charset="0"/>
-              </a:rPr>
-              <a:t>MASLACH, Christina; SCHAUFELI, Wilmar B.; LEITER, Michael P. JOB BURNOUT. </a:t>
-            </a:r>
-            <a:r>
-              <a:rPr lang="en-US" sz="1800" dirty="0" err="1">
-                <a:effectLst/>
-                <a:latin typeface="Times New Roman" panose="02020603050405020304" pitchFamily="18" charset="0"/>
-                <a:ea typeface="Times New Roman" panose="02020603050405020304" pitchFamily="18" charset="0"/>
-                <a:cs typeface="Times New Roman" panose="02020603050405020304" pitchFamily="18" charset="0"/>
-              </a:rPr>
-              <a:t>Annu</a:t>
-            </a:r>
-            <a:r>
-              <a:rPr lang="en-US" sz="1800" dirty="0">
-                <a:effectLst/>
-                <a:latin typeface="Times New Roman" panose="02020603050405020304" pitchFamily="18" charset="0"/>
-                <a:ea typeface="Times New Roman" panose="02020603050405020304" pitchFamily="18" charset="0"/>
-                <a:cs typeface="Times New Roman" panose="02020603050405020304" pitchFamily="18" charset="0"/>
-              </a:rPr>
-              <a:t>. Rev. Psychol., [S. l.], v. 52, p. 397–422, 2001</a:t>
-            </a:r>
-          </a:p>
-          <a:p>
-            <a:endParaRPr lang="en-US" sz="1800" dirty="0">
-              <a:effectLst/>
-              <a:latin typeface="Times New Roman" panose="02020603050405020304" pitchFamily="18" charset="0"/>
-              <a:ea typeface="Times New Roman" panose="02020603050405020304" pitchFamily="18" charset="0"/>
-              <a:cs typeface="Times New Roman" panose="02020603050405020304" pitchFamily="18" charset="0"/>
-            </a:endParaRPr>
-          </a:p>
-        </p:txBody>
-      </p:sp>
-    </p:spTree>
-    <p:extLst>
-      <p:ext uri="{BB962C8B-B14F-4D97-AF65-F5344CB8AC3E}">
-        <p14:creationId xmlns:p14="http://schemas.microsoft.com/office/powerpoint/2010/main" val="4245776506"/>
-      </p:ext>
-    </p:extLst>
-  </p:cSld>
-  <p:clrMapOvr>
-    <a:masterClrMapping/>
-  </p:clrMapOvr>
-</p:sld>
-</file>
-
-<file path=ppt/slides/slide95.xml><?xml version="1.0" encoding="utf-8"?>
-<p:sld xmlns:a="http://schemas.openxmlformats.org/drawingml/2006/main" xmlns:r="http://schemas.openxmlformats.org/officeDocument/2006/relationships" xmlns:p="http://schemas.openxmlformats.org/presentationml/2006/main">
-  <p:cSld>
-    <p:spTree>
-      <p:nvGrpSpPr>
-        <p:cNvPr id="1" name=""/>
-        <p:cNvGrpSpPr/>
-        <p:nvPr/>
-      </p:nvGrpSpPr>
-      <p:grpSpPr>
-        <a:xfrm>
-          <a:off x="0" y="0"/>
-          <a:ext cx="0" cy="0"/>
-          <a:chOff x="0" y="0"/>
-          <a:chExt cx="0" cy="0"/>
-        </a:xfrm>
-      </p:grpSpPr>
-      <p:sp>
-        <p:nvSpPr>
-          <p:cNvPr id="2" name="Título 1">
-            <a:extLst>
-              <a:ext uri="{FF2B5EF4-FFF2-40B4-BE49-F238E27FC236}">
-                <a16:creationId xmlns:a16="http://schemas.microsoft.com/office/drawing/2014/main" id="{955B7A71-0AE6-4842-8500-FF5159312A34}"/>
-              </a:ext>
-            </a:extLst>
-          </p:cNvPr>
-          <p:cNvSpPr>
-            <a:spLocks noGrp="1"/>
-          </p:cNvSpPr>
-          <p:nvPr>
-            <p:ph type="title"/>
-          </p:nvPr>
-        </p:nvSpPr>
-        <p:spPr/>
-        <p:txBody>
-          <a:bodyPr/>
-          <a:lstStyle/>
-          <a:p>
-            <a:r>
-              <a:rPr lang="pt-BR" dirty="0"/>
-              <a:t>Referências</a:t>
-            </a:r>
-          </a:p>
-        </p:txBody>
-      </p:sp>
-      <p:sp>
-        <p:nvSpPr>
-          <p:cNvPr id="3" name="Espaço Reservado para Conteúdo 2">
-            <a:extLst>
-              <a:ext uri="{FF2B5EF4-FFF2-40B4-BE49-F238E27FC236}">
-                <a16:creationId xmlns:a16="http://schemas.microsoft.com/office/drawing/2014/main" id="{EBBB26C3-F96E-4074-AC85-D845AA1F466A}"/>
-              </a:ext>
-            </a:extLst>
-          </p:cNvPr>
-          <p:cNvSpPr>
-            <a:spLocks noGrp="1"/>
-          </p:cNvSpPr>
-          <p:nvPr>
-            <p:ph idx="1"/>
-          </p:nvPr>
-        </p:nvSpPr>
-        <p:spPr/>
-        <p:txBody>
-          <a:bodyPr>
-            <a:normAutofit fontScale="55000" lnSpcReduction="20000"/>
-          </a:bodyPr>
-          <a:lstStyle/>
-          <a:p>
-            <a:r>
-              <a:rPr lang="en-US" sz="2400" dirty="0">
-                <a:effectLst/>
-                <a:latin typeface="Times New Roman" panose="02020603050405020304" pitchFamily="18" charset="0"/>
-                <a:ea typeface="Times New Roman" panose="02020603050405020304" pitchFamily="18" charset="0"/>
-                <a:cs typeface="Times New Roman" panose="02020603050405020304" pitchFamily="18" charset="0"/>
-              </a:rPr>
-              <a:t>SWIDER, Brian W.; ZIMMERMAN, Ryan D. Born to burnout: A meta-analytic path model of personality, job burnout, and work outcomes. Journal of Vocational Behavior, [S. l.], v. 76, n. 3, p. 487–506, 2010. </a:t>
-            </a:r>
-            <a:r>
-              <a:rPr lang="en-US" sz="2400" dirty="0" err="1">
-                <a:effectLst/>
-                <a:latin typeface="Times New Roman" panose="02020603050405020304" pitchFamily="18" charset="0"/>
-                <a:ea typeface="Times New Roman" panose="02020603050405020304" pitchFamily="18" charset="0"/>
-                <a:cs typeface="Times New Roman" panose="02020603050405020304" pitchFamily="18" charset="0"/>
-              </a:rPr>
-              <a:t>Disponível</a:t>
-            </a:r>
-            <a:r>
-              <a:rPr lang="en-US" sz="2400" dirty="0">
-                <a:effectLst/>
-                <a:latin typeface="Times New Roman" panose="02020603050405020304" pitchFamily="18" charset="0"/>
-                <a:ea typeface="Times New Roman" panose="02020603050405020304" pitchFamily="18" charset="0"/>
-                <a:cs typeface="Times New Roman" panose="02020603050405020304" pitchFamily="18" charset="0"/>
-              </a:rPr>
-              <a:t> </a:t>
-            </a:r>
-            <a:r>
-              <a:rPr lang="en-US" sz="2400" dirty="0" err="1">
-                <a:effectLst/>
-                <a:latin typeface="Times New Roman" panose="02020603050405020304" pitchFamily="18" charset="0"/>
-                <a:ea typeface="Times New Roman" panose="02020603050405020304" pitchFamily="18" charset="0"/>
-                <a:cs typeface="Times New Roman" panose="02020603050405020304" pitchFamily="18" charset="0"/>
-              </a:rPr>
-              <a:t>em</a:t>
-            </a:r>
-            <a:r>
-              <a:rPr lang="en-US" sz="2400" dirty="0">
-                <a:effectLst/>
-                <a:latin typeface="Times New Roman" panose="02020603050405020304" pitchFamily="18" charset="0"/>
-                <a:ea typeface="Times New Roman" panose="02020603050405020304" pitchFamily="18" charset="0"/>
-                <a:cs typeface="Times New Roman" panose="02020603050405020304" pitchFamily="18" charset="0"/>
-              </a:rPr>
-              <a:t>: http://dx.doi.org/10.1016/j.jvb.2010.01.003</a:t>
-            </a:r>
-          </a:p>
-          <a:p>
-            <a:endParaRPr lang="en-US" sz="2400" dirty="0">
-              <a:effectLst/>
-              <a:latin typeface="Times New Roman" panose="02020603050405020304" pitchFamily="18" charset="0"/>
-              <a:ea typeface="Times New Roman" panose="02020603050405020304" pitchFamily="18" charset="0"/>
-              <a:cs typeface="Times New Roman" panose="02020603050405020304" pitchFamily="18" charset="0"/>
-            </a:endParaRPr>
-          </a:p>
-          <a:p>
-            <a:r>
-              <a:rPr lang="en-US" sz="2400" dirty="0">
-                <a:effectLst/>
-                <a:latin typeface="Times New Roman" panose="02020603050405020304" pitchFamily="18" charset="0"/>
-                <a:ea typeface="Times New Roman" panose="02020603050405020304" pitchFamily="18" charset="0"/>
-                <a:cs typeface="Times New Roman" panose="02020603050405020304" pitchFamily="18" charset="0"/>
-              </a:rPr>
-              <a:t>BAARD, Samantha K.; RENCH, Tara A.; KOZLOWSKI, Steve W. J. Performance Adaptation: A Theoretical Integration and Review. [S. l.: s. n.]. v. 40</a:t>
-            </a:r>
-          </a:p>
-          <a:p>
-            <a:endParaRPr lang="en-US" sz="2400" dirty="0">
-              <a:effectLst/>
-              <a:latin typeface="Times New Roman" panose="02020603050405020304" pitchFamily="18" charset="0"/>
-              <a:ea typeface="Times New Roman" panose="02020603050405020304" pitchFamily="18" charset="0"/>
-              <a:cs typeface="Times New Roman" panose="02020603050405020304" pitchFamily="18" charset="0"/>
-            </a:endParaRPr>
-          </a:p>
-          <a:p>
-            <a:r>
-              <a:rPr lang="en-US" sz="2400" dirty="0">
-                <a:effectLst/>
-                <a:latin typeface="Times New Roman" panose="02020603050405020304" pitchFamily="18" charset="0"/>
-                <a:ea typeface="Times New Roman" panose="02020603050405020304" pitchFamily="18" charset="0"/>
-                <a:cs typeface="Times New Roman" panose="02020603050405020304" pitchFamily="18" charset="0"/>
-              </a:rPr>
-              <a:t>PULAKOS, Elaine D. et al. Adaptability in the workplace: Development of a taxonomy of adaptive performance. Journal of Applied Psychology, [S. l.], v. 85, n. 4, p. 612–624, 2000.</a:t>
-            </a:r>
-          </a:p>
-          <a:p>
-            <a:endParaRPr lang="en-US" sz="2400" dirty="0">
-              <a:effectLst/>
-              <a:latin typeface="Times New Roman" panose="02020603050405020304" pitchFamily="18" charset="0"/>
-              <a:ea typeface="Times New Roman" panose="02020603050405020304" pitchFamily="18" charset="0"/>
-              <a:cs typeface="Times New Roman" panose="02020603050405020304" pitchFamily="18" charset="0"/>
-            </a:endParaRPr>
-          </a:p>
-          <a:p>
-            <a:r>
-              <a:rPr lang="en-US" sz="2400" dirty="0">
-                <a:effectLst/>
-                <a:latin typeface="Times New Roman" panose="02020603050405020304" pitchFamily="18" charset="0"/>
-                <a:ea typeface="Times New Roman" panose="02020603050405020304" pitchFamily="18" charset="0"/>
-                <a:cs typeface="Times New Roman" panose="02020603050405020304" pitchFamily="18" charset="0"/>
-              </a:rPr>
-              <a:t>CHARBONNIER-VOIRIN, Audrey; ROUSSEL, Patrice. Adaptive performance: A new scale to measure individual performance in organizations. Canadian Journal of Administrative Sciences, [S. l.], v. 29, n. 3, p. 280–293, 2012</a:t>
-            </a:r>
-          </a:p>
-          <a:p>
-            <a:endParaRPr lang="en-US" sz="2400" dirty="0">
-              <a:effectLst/>
-              <a:latin typeface="Times New Roman" panose="02020603050405020304" pitchFamily="18" charset="0"/>
-              <a:ea typeface="Times New Roman" panose="02020603050405020304" pitchFamily="18" charset="0"/>
-              <a:cs typeface="Times New Roman" panose="02020603050405020304" pitchFamily="18" charset="0"/>
-            </a:endParaRPr>
-          </a:p>
-          <a:p>
-            <a:r>
-              <a:rPr lang="en-US" sz="2400" dirty="0">
-                <a:effectLst/>
-                <a:latin typeface="Times New Roman" panose="02020603050405020304" pitchFamily="18" charset="0"/>
-                <a:ea typeface="Times New Roman" panose="02020603050405020304" pitchFamily="18" charset="0"/>
-                <a:cs typeface="Times New Roman" panose="02020603050405020304" pitchFamily="18" charset="0"/>
-              </a:rPr>
-              <a:t>DIAS-JR, Jose </a:t>
-            </a:r>
-            <a:r>
-              <a:rPr lang="en-US" sz="2400" dirty="0" err="1">
-                <a:effectLst/>
-                <a:latin typeface="Times New Roman" panose="02020603050405020304" pitchFamily="18" charset="0"/>
-                <a:ea typeface="Times New Roman" panose="02020603050405020304" pitchFamily="18" charset="0"/>
-                <a:cs typeface="Times New Roman" panose="02020603050405020304" pitchFamily="18" charset="0"/>
-              </a:rPr>
-              <a:t>jorge</a:t>
-            </a:r>
-            <a:r>
-              <a:rPr lang="en-US" sz="2400" dirty="0">
-                <a:effectLst/>
-                <a:latin typeface="Times New Roman" panose="02020603050405020304" pitchFamily="18" charset="0"/>
-                <a:ea typeface="Times New Roman" panose="02020603050405020304" pitchFamily="18" charset="0"/>
-                <a:cs typeface="Times New Roman" panose="02020603050405020304" pitchFamily="18" charset="0"/>
-              </a:rPr>
-              <a:t> lima. MODELO DE COMPETÊNCIAS À LUZ DA ADAPTABILIDADE PARA ANÁLISE DA ATUAÇÃO EM EQUIPES DE SOFTWARE. 2018. - UFPB, [s. l.], 2018</a:t>
-            </a:r>
-          </a:p>
-          <a:p>
-            <a:endParaRPr lang="en-US" sz="2400" dirty="0">
-              <a:effectLst/>
-              <a:latin typeface="Times New Roman" panose="02020603050405020304" pitchFamily="18" charset="0"/>
-              <a:ea typeface="Times New Roman" panose="02020603050405020304" pitchFamily="18" charset="0"/>
-              <a:cs typeface="Times New Roman" panose="02020603050405020304" pitchFamily="18" charset="0"/>
-            </a:endParaRPr>
-          </a:p>
-          <a:p>
-            <a:r>
-              <a:rPr lang="en-US" sz="2400" dirty="0">
-                <a:effectLst/>
-                <a:latin typeface="Times New Roman" panose="02020603050405020304" pitchFamily="18" charset="0"/>
-                <a:ea typeface="Times New Roman" panose="02020603050405020304" pitchFamily="18" charset="0"/>
-                <a:cs typeface="Times New Roman" panose="02020603050405020304" pitchFamily="18" charset="0"/>
-              </a:rPr>
-              <a:t>KUDE, Thomas et al. Adaptation Patterns in Agile Information Systems Development Teams. </a:t>
-            </a:r>
-            <a:r>
-              <a:rPr lang="en-US" sz="2400" dirty="0" err="1">
-                <a:effectLst/>
-                <a:latin typeface="Times New Roman" panose="02020603050405020304" pitchFamily="18" charset="0"/>
-                <a:ea typeface="Times New Roman" panose="02020603050405020304" pitchFamily="18" charset="0"/>
-                <a:cs typeface="Times New Roman" panose="02020603050405020304" pitchFamily="18" charset="0"/>
-              </a:rPr>
-              <a:t>Ecis</a:t>
-            </a:r>
-            <a:r>
-              <a:rPr lang="en-US" sz="2400" dirty="0">
-                <a:effectLst/>
-                <a:latin typeface="Times New Roman" panose="02020603050405020304" pitchFamily="18" charset="0"/>
-                <a:ea typeface="Times New Roman" panose="02020603050405020304" pitchFamily="18" charset="0"/>
-                <a:cs typeface="Times New Roman" panose="02020603050405020304" pitchFamily="18" charset="0"/>
-              </a:rPr>
-              <a:t>, [S. l.], p. 1–15, 2014. </a:t>
-            </a:r>
-          </a:p>
-          <a:p>
-            <a:endParaRPr lang="en-US" sz="2400" dirty="0">
-              <a:effectLst/>
-              <a:latin typeface="Times New Roman" panose="02020603050405020304" pitchFamily="18" charset="0"/>
-              <a:ea typeface="Times New Roman" panose="02020603050405020304" pitchFamily="18" charset="0"/>
-              <a:cs typeface="Times New Roman" panose="02020603050405020304" pitchFamily="18" charset="0"/>
-            </a:endParaRPr>
-          </a:p>
-          <a:p>
-            <a:endParaRPr lang="pt-BR" dirty="0"/>
-          </a:p>
-        </p:txBody>
-      </p:sp>
-    </p:spTree>
-    <p:extLst>
-      <p:ext uri="{BB962C8B-B14F-4D97-AF65-F5344CB8AC3E}">
-        <p14:creationId xmlns:p14="http://schemas.microsoft.com/office/powerpoint/2010/main" val="289051604"/>
-      </p:ext>
-    </p:extLst>
-  </p:cSld>
-  <p:clrMapOvr>
-    <a:masterClrMapping/>
-  </p:clrMapOvr>
-</p:sld>
-</file>
-
-<file path=ppt/slides/slide96.xml><?xml version="1.0" encoding="utf-8"?>
-<p:sld xmlns:a="http://schemas.openxmlformats.org/drawingml/2006/main" xmlns:r="http://schemas.openxmlformats.org/officeDocument/2006/relationships" xmlns:p="http://schemas.openxmlformats.org/presentationml/2006/main">
-  <p:cSld>
-    <p:spTree>
-      <p:nvGrpSpPr>
-        <p:cNvPr id="1" name=""/>
-        <p:cNvGrpSpPr/>
-        <p:nvPr/>
-      </p:nvGrpSpPr>
-      <p:grpSpPr>
-        <a:xfrm>
-          <a:off x="0" y="0"/>
-          <a:ext cx="0" cy="0"/>
-          <a:chOff x="0" y="0"/>
-          <a:chExt cx="0" cy="0"/>
-        </a:xfrm>
-      </p:grpSpPr>
-      <p:sp>
-        <p:nvSpPr>
-          <p:cNvPr id="2" name="Título 1">
-            <a:extLst>
-              <a:ext uri="{FF2B5EF4-FFF2-40B4-BE49-F238E27FC236}">
-                <a16:creationId xmlns:a16="http://schemas.microsoft.com/office/drawing/2014/main" id="{955B7A71-0AE6-4842-8500-FF5159312A34}"/>
-              </a:ext>
-            </a:extLst>
-          </p:cNvPr>
-          <p:cNvSpPr>
-            <a:spLocks noGrp="1"/>
-          </p:cNvSpPr>
-          <p:nvPr>
-            <p:ph type="title"/>
-          </p:nvPr>
-        </p:nvSpPr>
-        <p:spPr/>
-        <p:txBody>
-          <a:bodyPr/>
-          <a:lstStyle/>
-          <a:p>
-            <a:r>
-              <a:rPr lang="pt-BR" dirty="0"/>
-              <a:t>Referências</a:t>
-            </a:r>
-          </a:p>
-        </p:txBody>
-      </p:sp>
-      <p:sp>
-        <p:nvSpPr>
-          <p:cNvPr id="3" name="Espaço Reservado para Conteúdo 2">
-            <a:extLst>
-              <a:ext uri="{FF2B5EF4-FFF2-40B4-BE49-F238E27FC236}">
-                <a16:creationId xmlns:a16="http://schemas.microsoft.com/office/drawing/2014/main" id="{EBBB26C3-F96E-4074-AC85-D845AA1F466A}"/>
-              </a:ext>
-            </a:extLst>
-          </p:cNvPr>
-          <p:cNvSpPr>
-            <a:spLocks noGrp="1"/>
-          </p:cNvSpPr>
-          <p:nvPr>
-            <p:ph idx="1"/>
-          </p:nvPr>
-        </p:nvSpPr>
-        <p:spPr/>
-        <p:txBody>
-          <a:bodyPr>
-            <a:normAutofit fontScale="47500" lnSpcReduction="20000"/>
-          </a:bodyPr>
-          <a:lstStyle/>
-          <a:p>
-            <a:r>
-              <a:rPr lang="en-US" sz="2400" dirty="0">
-                <a:effectLst/>
-                <a:latin typeface="Times New Roman" panose="02020603050405020304" pitchFamily="18" charset="0"/>
-                <a:ea typeface="Times New Roman" panose="02020603050405020304" pitchFamily="18" charset="0"/>
-                <a:cs typeface="Times New Roman" panose="02020603050405020304" pitchFamily="18" charset="0"/>
-              </a:rPr>
-              <a:t>LOUIS, Meryl Reis; SUTTON, Robert I. Switching Cognitive Gears: From Habits of Mind to Active Thinking. Human Relations, [S. l.], v. 44, n. 1, p. 55–76, 1991.</a:t>
-            </a:r>
-          </a:p>
-          <a:p>
-            <a:endParaRPr lang="en-US" sz="2400" dirty="0">
-              <a:effectLst/>
-              <a:latin typeface="Times New Roman" panose="02020603050405020304" pitchFamily="18" charset="0"/>
-              <a:ea typeface="Times New Roman" panose="02020603050405020304" pitchFamily="18" charset="0"/>
-              <a:cs typeface="Times New Roman" panose="02020603050405020304" pitchFamily="18" charset="0"/>
-            </a:endParaRPr>
-          </a:p>
-          <a:p>
-            <a:r>
-              <a:rPr lang="en-US" sz="2400" dirty="0">
-                <a:effectLst/>
-                <a:latin typeface="Times New Roman" panose="02020603050405020304" pitchFamily="18" charset="0"/>
-                <a:ea typeface="Times New Roman" panose="02020603050405020304" pitchFamily="18" charset="0"/>
-                <a:cs typeface="Times New Roman" panose="02020603050405020304" pitchFamily="18" charset="0"/>
-              </a:rPr>
-              <a:t>LIU, Julie Yu-</a:t>
-            </a:r>
-            <a:r>
-              <a:rPr lang="en-US" sz="2400" dirty="0" err="1">
-                <a:effectLst/>
-                <a:latin typeface="Times New Roman" panose="02020603050405020304" pitchFamily="18" charset="0"/>
-                <a:ea typeface="Times New Roman" panose="02020603050405020304" pitchFamily="18" charset="0"/>
-                <a:cs typeface="Times New Roman" panose="02020603050405020304" pitchFamily="18" charset="0"/>
-              </a:rPr>
-              <a:t>chih</a:t>
-            </a:r>
-            <a:r>
-              <a:rPr lang="en-US" sz="2400" dirty="0">
-                <a:effectLst/>
-                <a:latin typeface="Times New Roman" panose="02020603050405020304" pitchFamily="18" charset="0"/>
-                <a:ea typeface="Times New Roman" panose="02020603050405020304" pitchFamily="18" charset="0"/>
-                <a:cs typeface="Times New Roman" panose="02020603050405020304" pitchFamily="18" charset="0"/>
-              </a:rPr>
-              <a:t> et al. Relationships among interpersonal conflict , requirements uncertainty , and software project performance. International Journal of Project Management, [S. l.], v. 29, n. 5, p. 547–556, 2011. </a:t>
-            </a:r>
-            <a:r>
-              <a:rPr lang="en-US" sz="2400" dirty="0" err="1">
-                <a:effectLst/>
-                <a:latin typeface="Times New Roman" panose="02020603050405020304" pitchFamily="18" charset="0"/>
-                <a:ea typeface="Times New Roman" panose="02020603050405020304" pitchFamily="18" charset="0"/>
-                <a:cs typeface="Times New Roman" panose="02020603050405020304" pitchFamily="18" charset="0"/>
-              </a:rPr>
-              <a:t>Disponível</a:t>
-            </a:r>
-            <a:r>
-              <a:rPr lang="en-US" sz="2400" dirty="0">
-                <a:effectLst/>
-                <a:latin typeface="Times New Roman" panose="02020603050405020304" pitchFamily="18" charset="0"/>
-                <a:ea typeface="Times New Roman" panose="02020603050405020304" pitchFamily="18" charset="0"/>
-                <a:cs typeface="Times New Roman" panose="02020603050405020304" pitchFamily="18" charset="0"/>
-              </a:rPr>
-              <a:t> </a:t>
-            </a:r>
-            <a:r>
-              <a:rPr lang="en-US" sz="2400" dirty="0" err="1">
-                <a:effectLst/>
-                <a:latin typeface="Times New Roman" panose="02020603050405020304" pitchFamily="18" charset="0"/>
-                <a:ea typeface="Times New Roman" panose="02020603050405020304" pitchFamily="18" charset="0"/>
-                <a:cs typeface="Times New Roman" panose="02020603050405020304" pitchFamily="18" charset="0"/>
-              </a:rPr>
-              <a:t>em</a:t>
-            </a:r>
-            <a:r>
-              <a:rPr lang="en-US" sz="2400" dirty="0">
-                <a:effectLst/>
-                <a:latin typeface="Times New Roman" panose="02020603050405020304" pitchFamily="18" charset="0"/>
-                <a:ea typeface="Times New Roman" panose="02020603050405020304" pitchFamily="18" charset="0"/>
-                <a:cs typeface="Times New Roman" panose="02020603050405020304" pitchFamily="18" charset="0"/>
-              </a:rPr>
-              <a:t>: http://dx.doi.org/10.1016/j.ijproman.2010.04.007</a:t>
-            </a:r>
-          </a:p>
-          <a:p>
-            <a:endParaRPr lang="en-US" sz="2400" dirty="0">
-              <a:effectLst/>
-              <a:latin typeface="Times New Roman" panose="02020603050405020304" pitchFamily="18" charset="0"/>
-              <a:ea typeface="Times New Roman" panose="02020603050405020304" pitchFamily="18" charset="0"/>
-              <a:cs typeface="Times New Roman" panose="02020603050405020304" pitchFamily="18" charset="0"/>
-            </a:endParaRPr>
-          </a:p>
-          <a:p>
-            <a:r>
-              <a:rPr lang="en-US" sz="2400" dirty="0">
-                <a:effectLst/>
-                <a:latin typeface="Times New Roman" panose="02020603050405020304" pitchFamily="18" charset="0"/>
-                <a:ea typeface="Times New Roman" panose="02020603050405020304" pitchFamily="18" charset="0"/>
-                <a:cs typeface="Times New Roman" panose="02020603050405020304" pitchFamily="18" charset="0"/>
-              </a:rPr>
-              <a:t>ZOWGHI, Didar; NURMULIANI, N. A Study of the Impact of Requirements Volatility on Software Project Performance. In:  2002, Proceedings of the Ninth Asia-Pacific Software Engineering Conference. [S. l.: s. n.] p. 1–9</a:t>
-            </a:r>
-          </a:p>
-          <a:p>
-            <a:endParaRPr lang="en-US" sz="2400" dirty="0">
-              <a:effectLst/>
-              <a:latin typeface="Times New Roman" panose="02020603050405020304" pitchFamily="18" charset="0"/>
-              <a:ea typeface="Times New Roman" panose="02020603050405020304" pitchFamily="18" charset="0"/>
-              <a:cs typeface="Times New Roman" panose="02020603050405020304" pitchFamily="18" charset="0"/>
-            </a:endParaRPr>
-          </a:p>
-          <a:p>
-            <a:r>
-              <a:rPr lang="en-US" sz="2400" dirty="0">
-                <a:effectLst/>
-                <a:latin typeface="Times New Roman" panose="02020603050405020304" pitchFamily="18" charset="0"/>
-                <a:ea typeface="Times New Roman" panose="02020603050405020304" pitchFamily="18" charset="0"/>
-                <a:cs typeface="Times New Roman" panose="02020603050405020304" pitchFamily="18" charset="0"/>
-              </a:rPr>
-              <a:t>SONNETAG, Sabine; BRODBECK, Felix C.; JRT, Dt. Stressor-burnout </a:t>
-            </a:r>
-            <a:r>
-              <a:rPr lang="en-US" sz="2400" dirty="0" err="1">
-                <a:effectLst/>
-                <a:latin typeface="Times New Roman" panose="02020603050405020304" pitchFamily="18" charset="0"/>
-                <a:ea typeface="Times New Roman" panose="02020603050405020304" pitchFamily="18" charset="0"/>
-                <a:cs typeface="Times New Roman" panose="02020603050405020304" pitchFamily="18" charset="0"/>
-              </a:rPr>
-              <a:t>Stressor-burnout</a:t>
-            </a:r>
-            <a:r>
-              <a:rPr lang="en-US" sz="2400" dirty="0">
-                <a:effectLst/>
-                <a:latin typeface="Times New Roman" panose="02020603050405020304" pitchFamily="18" charset="0"/>
-                <a:ea typeface="Times New Roman" panose="02020603050405020304" pitchFamily="18" charset="0"/>
-                <a:cs typeface="Times New Roman" panose="02020603050405020304" pitchFamily="18" charset="0"/>
-              </a:rPr>
-              <a:t> relationship in software development teams development. Journal of Occupational and Organizational Psychology, [S. l.], v. 67, p. 327–341, 1994</a:t>
-            </a:r>
-          </a:p>
-          <a:p>
-            <a:endParaRPr lang="en-US" sz="2400" dirty="0">
-              <a:effectLst/>
-              <a:latin typeface="Times New Roman" panose="02020603050405020304" pitchFamily="18" charset="0"/>
-              <a:ea typeface="Times New Roman" panose="02020603050405020304" pitchFamily="18" charset="0"/>
-              <a:cs typeface="Times New Roman" panose="02020603050405020304" pitchFamily="18" charset="0"/>
-            </a:endParaRPr>
-          </a:p>
-          <a:p>
-            <a:r>
-              <a:rPr lang="en-US" sz="2400" dirty="0">
-                <a:effectLst/>
-                <a:latin typeface="Times New Roman" panose="02020603050405020304" pitchFamily="18" charset="0"/>
-                <a:ea typeface="Times New Roman" panose="02020603050405020304" pitchFamily="18" charset="0"/>
-                <a:cs typeface="Times New Roman" panose="02020603050405020304" pitchFamily="18" charset="0"/>
-              </a:rPr>
-              <a:t>AKGÜN, Ali E. et al. Knowledge networks in new product development projects: A transactive memory perspective. Information and Management, [S. l.], v. 42, n. 8, p. 1105–1120, 2005</a:t>
-            </a:r>
-          </a:p>
-          <a:p>
-            <a:endParaRPr lang="en-US" sz="2400" dirty="0">
-              <a:effectLst/>
-              <a:latin typeface="Times New Roman" panose="02020603050405020304" pitchFamily="18" charset="0"/>
-              <a:ea typeface="Times New Roman" panose="02020603050405020304" pitchFamily="18" charset="0"/>
-              <a:cs typeface="Times New Roman" panose="02020603050405020304" pitchFamily="18" charset="0"/>
-            </a:endParaRPr>
-          </a:p>
-          <a:p>
-            <a:r>
-              <a:rPr lang="en-US" sz="2400" dirty="0">
-                <a:effectLst/>
-                <a:latin typeface="Times New Roman" panose="02020603050405020304" pitchFamily="18" charset="0"/>
-                <a:ea typeface="Times New Roman" panose="02020603050405020304" pitchFamily="18" charset="0"/>
-                <a:cs typeface="Times New Roman" panose="02020603050405020304" pitchFamily="18" charset="0"/>
-              </a:rPr>
-              <a:t>ROBBES, Romain; LUNGU, Mircea; RÖTHLISBERGER, David. How do developers react to API deprecation? The case of a </a:t>
-            </a:r>
-            <a:r>
-              <a:rPr lang="en-US" sz="2400" dirty="0" err="1">
-                <a:effectLst/>
-                <a:latin typeface="Times New Roman" panose="02020603050405020304" pitchFamily="18" charset="0"/>
-                <a:ea typeface="Times New Roman" panose="02020603050405020304" pitchFamily="18" charset="0"/>
-                <a:cs typeface="Times New Roman" panose="02020603050405020304" pitchFamily="18" charset="0"/>
-              </a:rPr>
-              <a:t>smalltalk</a:t>
-            </a:r>
-            <a:r>
-              <a:rPr lang="en-US" sz="2400" dirty="0">
-                <a:effectLst/>
-                <a:latin typeface="Times New Roman" panose="02020603050405020304" pitchFamily="18" charset="0"/>
-                <a:ea typeface="Times New Roman" panose="02020603050405020304" pitchFamily="18" charset="0"/>
-                <a:cs typeface="Times New Roman" panose="02020603050405020304" pitchFamily="18" charset="0"/>
-              </a:rPr>
-              <a:t> ecosystem. Proceedings of the ACM SIGSOFT 20th International Symposium on the Foundations of Software Engineering, FSE 2012, [S. l.],  2012</a:t>
-            </a:r>
-          </a:p>
-          <a:p>
-            <a:endParaRPr lang="en-US" sz="2400" dirty="0">
-              <a:effectLst/>
-              <a:latin typeface="Times New Roman" panose="02020603050405020304" pitchFamily="18" charset="0"/>
-              <a:ea typeface="Times New Roman" panose="02020603050405020304" pitchFamily="18" charset="0"/>
-              <a:cs typeface="Times New Roman" panose="02020603050405020304" pitchFamily="18" charset="0"/>
-            </a:endParaRPr>
-          </a:p>
-          <a:p>
-            <a:endParaRPr lang="pt-BR" dirty="0"/>
-          </a:p>
-        </p:txBody>
-      </p:sp>
-    </p:spTree>
-    <p:extLst>
-      <p:ext uri="{BB962C8B-B14F-4D97-AF65-F5344CB8AC3E}">
-        <p14:creationId xmlns:p14="http://schemas.microsoft.com/office/powerpoint/2010/main" val="4154162344"/>
-      </p:ext>
-    </p:extLst>
-  </p:cSld>
-  <p:clrMapOvr>
-    <a:masterClrMapping/>
-  </p:clrMapOvr>
-</p:sld>
-</file>
-
-<file path=ppt/slides/slide97.xml><?xml version="1.0" encoding="utf-8"?>
-<p:sld xmlns:a="http://schemas.openxmlformats.org/drawingml/2006/main" xmlns:r="http://schemas.openxmlformats.org/officeDocument/2006/relationships" xmlns:p="http://schemas.openxmlformats.org/presentationml/2006/main">
-  <p:cSld>
-    <p:spTree>
-      <p:nvGrpSpPr>
-        <p:cNvPr id="1" name=""/>
-        <p:cNvGrpSpPr/>
-        <p:nvPr/>
-      </p:nvGrpSpPr>
-      <p:grpSpPr>
-        <a:xfrm>
-          <a:off x="0" y="0"/>
-          <a:ext cx="0" cy="0"/>
-          <a:chOff x="0" y="0"/>
-          <a:chExt cx="0" cy="0"/>
-        </a:xfrm>
-      </p:grpSpPr>
-      <p:sp>
-        <p:nvSpPr>
-          <p:cNvPr id="2" name="Título 1">
-            <a:extLst>
-              <a:ext uri="{FF2B5EF4-FFF2-40B4-BE49-F238E27FC236}">
-                <a16:creationId xmlns:a16="http://schemas.microsoft.com/office/drawing/2014/main" id="{955B7A71-0AE6-4842-8500-FF5159312A34}"/>
-              </a:ext>
-            </a:extLst>
-          </p:cNvPr>
-          <p:cNvSpPr>
-            <a:spLocks noGrp="1"/>
-          </p:cNvSpPr>
-          <p:nvPr>
-            <p:ph type="title"/>
-          </p:nvPr>
-        </p:nvSpPr>
-        <p:spPr/>
-        <p:txBody>
-          <a:bodyPr/>
-          <a:lstStyle/>
-          <a:p>
-            <a:r>
-              <a:rPr lang="pt-BR" dirty="0"/>
-              <a:t>Referências</a:t>
-            </a:r>
-          </a:p>
-        </p:txBody>
-      </p:sp>
-      <p:sp>
-        <p:nvSpPr>
-          <p:cNvPr id="3" name="Espaço Reservado para Conteúdo 2">
-            <a:extLst>
-              <a:ext uri="{FF2B5EF4-FFF2-40B4-BE49-F238E27FC236}">
-                <a16:creationId xmlns:a16="http://schemas.microsoft.com/office/drawing/2014/main" id="{EBBB26C3-F96E-4074-AC85-D845AA1F466A}"/>
-              </a:ext>
-            </a:extLst>
-          </p:cNvPr>
-          <p:cNvSpPr>
-            <a:spLocks noGrp="1"/>
-          </p:cNvSpPr>
-          <p:nvPr>
-            <p:ph idx="1"/>
-          </p:nvPr>
-        </p:nvSpPr>
-        <p:spPr/>
-        <p:txBody>
-          <a:bodyPr>
-            <a:normAutofit fontScale="40000" lnSpcReduction="20000"/>
-          </a:bodyPr>
-          <a:lstStyle/>
-          <a:p>
-            <a:r>
-              <a:rPr lang="en-US" sz="2400" dirty="0">
-                <a:effectLst/>
-                <a:latin typeface="Times New Roman" panose="02020603050405020304" pitchFamily="18" charset="0"/>
-                <a:ea typeface="Times New Roman" panose="02020603050405020304" pitchFamily="18" charset="0"/>
-                <a:cs typeface="Times New Roman" panose="02020603050405020304" pitchFamily="18" charset="0"/>
-              </a:rPr>
-              <a:t>BAVOTA, Gabriele et al. The evolution of project inter-dependencies in a software ecosystem: The case of apache. IEEE International Conference on Software Maintenance, ICSM, [S. l.], p. 280–289, 2013.</a:t>
-            </a:r>
-          </a:p>
-          <a:p>
-            <a:endParaRPr lang="en-US" sz="2400" dirty="0">
-              <a:effectLst/>
-              <a:latin typeface="Times New Roman" panose="02020603050405020304" pitchFamily="18" charset="0"/>
-              <a:ea typeface="Times New Roman" panose="02020603050405020304" pitchFamily="18" charset="0"/>
-              <a:cs typeface="Times New Roman" panose="02020603050405020304" pitchFamily="18" charset="0"/>
-            </a:endParaRPr>
-          </a:p>
-          <a:p>
-            <a:r>
-              <a:rPr lang="en-US" sz="2400" dirty="0">
-                <a:effectLst/>
-                <a:latin typeface="Times New Roman" panose="02020603050405020304" pitchFamily="18" charset="0"/>
-                <a:ea typeface="Times New Roman" panose="02020603050405020304" pitchFamily="18" charset="0"/>
-                <a:cs typeface="Times New Roman" panose="02020603050405020304" pitchFamily="18" charset="0"/>
-              </a:rPr>
-              <a:t>LOCKE, Edwin A. What is Job Satisfaction ? Organizational Behavior an Human Performance, [S. l.], v. 4, p. 309–336, 1969.</a:t>
-            </a:r>
-          </a:p>
-          <a:p>
-            <a:endParaRPr lang="en-US" sz="2400" dirty="0">
-              <a:effectLst/>
-              <a:latin typeface="Times New Roman" panose="02020603050405020304" pitchFamily="18" charset="0"/>
-              <a:ea typeface="Times New Roman" panose="02020603050405020304" pitchFamily="18" charset="0"/>
-              <a:cs typeface="Times New Roman" panose="02020603050405020304" pitchFamily="18" charset="0"/>
-            </a:endParaRPr>
-          </a:p>
-          <a:p>
-            <a:endParaRPr lang="en-US" sz="2400" dirty="0">
-              <a:effectLst/>
-              <a:latin typeface="Times New Roman" panose="02020603050405020304" pitchFamily="18" charset="0"/>
-              <a:ea typeface="Times New Roman" panose="02020603050405020304" pitchFamily="18" charset="0"/>
-              <a:cs typeface="Times New Roman" panose="02020603050405020304" pitchFamily="18" charset="0"/>
-            </a:endParaRPr>
-          </a:p>
-          <a:p>
-            <a:r>
-              <a:rPr lang="en-US" sz="2400" dirty="0">
-                <a:effectLst/>
-                <a:latin typeface="Times New Roman" panose="02020603050405020304" pitchFamily="18" charset="0"/>
-                <a:ea typeface="Times New Roman" panose="02020603050405020304" pitchFamily="18" charset="0"/>
-                <a:cs typeface="Times New Roman" panose="02020603050405020304" pitchFamily="18" charset="0"/>
-              </a:rPr>
-              <a:t>MASLACH, C.; LEITER, M. .. Burnout. Stress: Concepts, Cognition, Emotion, and Behavior, [S. l.], p. 351–357, 2016. </a:t>
-            </a:r>
-          </a:p>
-          <a:p>
-            <a:endParaRPr lang="en-US" sz="2400" dirty="0">
-              <a:effectLst/>
-              <a:latin typeface="Times New Roman" panose="02020603050405020304" pitchFamily="18" charset="0"/>
-              <a:ea typeface="Times New Roman" panose="02020603050405020304" pitchFamily="18" charset="0"/>
-              <a:cs typeface="Times New Roman" panose="02020603050405020304" pitchFamily="18" charset="0"/>
-            </a:endParaRPr>
-          </a:p>
-          <a:p>
-            <a:r>
-              <a:rPr lang="en-US" sz="2400" dirty="0">
-                <a:effectLst/>
-                <a:latin typeface="Times New Roman" panose="02020603050405020304" pitchFamily="18" charset="0"/>
-                <a:ea typeface="Times New Roman" panose="02020603050405020304" pitchFamily="18" charset="0"/>
-                <a:cs typeface="Times New Roman" panose="02020603050405020304" pitchFamily="18" charset="0"/>
-              </a:rPr>
-              <a:t>FREUDENBERGER, Herbert J. Staff Burn-Out. [S. l.], v. 90, n. 1, p. 159–165, 1974.</a:t>
-            </a:r>
-          </a:p>
-          <a:p>
-            <a:endParaRPr lang="en-US" sz="2400" dirty="0">
-              <a:effectLst/>
-              <a:latin typeface="Times New Roman" panose="02020603050405020304" pitchFamily="18" charset="0"/>
-              <a:ea typeface="Times New Roman" panose="02020603050405020304" pitchFamily="18" charset="0"/>
-              <a:cs typeface="Times New Roman" panose="02020603050405020304" pitchFamily="18" charset="0"/>
-            </a:endParaRPr>
-          </a:p>
-          <a:p>
-            <a:r>
-              <a:rPr lang="en-US" sz="2400" dirty="0">
-                <a:effectLst/>
-                <a:latin typeface="Times New Roman" panose="02020603050405020304" pitchFamily="18" charset="0"/>
-                <a:ea typeface="Times New Roman" panose="02020603050405020304" pitchFamily="18" charset="0"/>
-                <a:cs typeface="Times New Roman" panose="02020603050405020304" pitchFamily="18" charset="0"/>
-              </a:rPr>
-              <a:t>TOPPINEN-TANNER, Salla. Process of burnout: structure, antecedents, and consequences. [S. l.: s. n.]. v. 34</a:t>
-            </a:r>
-          </a:p>
-          <a:p>
-            <a:endParaRPr lang="en-US" sz="2400" dirty="0">
-              <a:effectLst/>
-              <a:latin typeface="Times New Roman" panose="02020603050405020304" pitchFamily="18" charset="0"/>
-              <a:ea typeface="Times New Roman" panose="02020603050405020304" pitchFamily="18" charset="0"/>
-              <a:cs typeface="Times New Roman" panose="02020603050405020304" pitchFamily="18" charset="0"/>
-            </a:endParaRPr>
-          </a:p>
-          <a:p>
-            <a:r>
-              <a:rPr lang="en-US" sz="2400" dirty="0">
-                <a:effectLst/>
-                <a:latin typeface="Times New Roman" panose="02020603050405020304" pitchFamily="18" charset="0"/>
-                <a:ea typeface="Times New Roman" panose="02020603050405020304" pitchFamily="18" charset="0"/>
-                <a:cs typeface="Times New Roman" panose="02020603050405020304" pitchFamily="18" charset="0"/>
-              </a:rPr>
-              <a:t>PASQUALI, Luiz. </a:t>
-            </a:r>
-            <a:r>
-              <a:rPr lang="en-US" sz="2400" dirty="0" err="1">
-                <a:effectLst/>
-                <a:latin typeface="Times New Roman" panose="02020603050405020304" pitchFamily="18" charset="0"/>
-                <a:ea typeface="Times New Roman" panose="02020603050405020304" pitchFamily="18" charset="0"/>
-                <a:cs typeface="Times New Roman" panose="02020603050405020304" pitchFamily="18" charset="0"/>
-              </a:rPr>
-              <a:t>Psicometria</a:t>
-            </a:r>
-            <a:r>
-              <a:rPr lang="en-US" sz="2400" dirty="0">
-                <a:effectLst/>
-                <a:latin typeface="Times New Roman" panose="02020603050405020304" pitchFamily="18" charset="0"/>
-                <a:ea typeface="Times New Roman" panose="02020603050405020304" pitchFamily="18" charset="0"/>
-                <a:cs typeface="Times New Roman" panose="02020603050405020304" pitchFamily="18" charset="0"/>
-              </a:rPr>
-              <a:t>: </a:t>
-            </a:r>
-            <a:r>
-              <a:rPr lang="en-US" sz="2400" dirty="0" err="1">
-                <a:effectLst/>
-                <a:latin typeface="Times New Roman" panose="02020603050405020304" pitchFamily="18" charset="0"/>
-                <a:ea typeface="Times New Roman" panose="02020603050405020304" pitchFamily="18" charset="0"/>
-                <a:cs typeface="Times New Roman" panose="02020603050405020304" pitchFamily="18" charset="0"/>
-              </a:rPr>
-              <a:t>teoria</a:t>
-            </a:r>
-            <a:r>
-              <a:rPr lang="en-US" sz="2400" dirty="0">
-                <a:effectLst/>
-                <a:latin typeface="Times New Roman" panose="02020603050405020304" pitchFamily="18" charset="0"/>
-                <a:ea typeface="Times New Roman" panose="02020603050405020304" pitchFamily="18" charset="0"/>
-                <a:cs typeface="Times New Roman" panose="02020603050405020304" pitchFamily="18" charset="0"/>
-              </a:rPr>
-              <a:t> e </a:t>
-            </a:r>
-            <a:r>
-              <a:rPr lang="en-US" sz="2400" dirty="0" err="1">
-                <a:effectLst/>
-                <a:latin typeface="Times New Roman" panose="02020603050405020304" pitchFamily="18" charset="0"/>
-                <a:ea typeface="Times New Roman" panose="02020603050405020304" pitchFamily="18" charset="0"/>
-                <a:cs typeface="Times New Roman" panose="02020603050405020304" pitchFamily="18" charset="0"/>
-              </a:rPr>
-              <a:t>aplicações</a:t>
-            </a:r>
-            <a:r>
-              <a:rPr lang="en-US" sz="2400" dirty="0">
-                <a:effectLst/>
-                <a:latin typeface="Times New Roman" panose="02020603050405020304" pitchFamily="18" charset="0"/>
-                <a:ea typeface="Times New Roman" panose="02020603050405020304" pitchFamily="18" charset="0"/>
-                <a:cs typeface="Times New Roman" panose="02020603050405020304" pitchFamily="18" charset="0"/>
-              </a:rPr>
-              <a:t>: a </a:t>
-            </a:r>
-            <a:r>
-              <a:rPr lang="en-US" sz="2400" dirty="0" err="1">
-                <a:effectLst/>
-                <a:latin typeface="Times New Roman" panose="02020603050405020304" pitchFamily="18" charset="0"/>
-                <a:ea typeface="Times New Roman" panose="02020603050405020304" pitchFamily="18" charset="0"/>
-                <a:cs typeface="Times New Roman" panose="02020603050405020304" pitchFamily="18" charset="0"/>
-              </a:rPr>
-              <a:t>teoria</a:t>
-            </a:r>
-            <a:r>
-              <a:rPr lang="en-US" sz="2400" dirty="0">
-                <a:effectLst/>
-                <a:latin typeface="Times New Roman" panose="02020603050405020304" pitchFamily="18" charset="0"/>
-                <a:ea typeface="Times New Roman" panose="02020603050405020304" pitchFamily="18" charset="0"/>
-                <a:cs typeface="Times New Roman" panose="02020603050405020304" pitchFamily="18" charset="0"/>
-              </a:rPr>
-              <a:t> </a:t>
-            </a:r>
-            <a:r>
-              <a:rPr lang="en-US" sz="2400" dirty="0" err="1">
-                <a:effectLst/>
-                <a:latin typeface="Times New Roman" panose="02020603050405020304" pitchFamily="18" charset="0"/>
-                <a:ea typeface="Times New Roman" panose="02020603050405020304" pitchFamily="18" charset="0"/>
-                <a:cs typeface="Times New Roman" panose="02020603050405020304" pitchFamily="18" charset="0"/>
-              </a:rPr>
-              <a:t>clássica</a:t>
-            </a:r>
-            <a:r>
-              <a:rPr lang="en-US" sz="2400" dirty="0">
-                <a:effectLst/>
-                <a:latin typeface="Times New Roman" panose="02020603050405020304" pitchFamily="18" charset="0"/>
-                <a:ea typeface="Times New Roman" panose="02020603050405020304" pitchFamily="18" charset="0"/>
-                <a:cs typeface="Times New Roman" panose="02020603050405020304" pitchFamily="18" charset="0"/>
-              </a:rPr>
-              <a:t> dos testes </a:t>
-            </a:r>
-            <a:r>
-              <a:rPr lang="en-US" sz="2400" dirty="0" err="1">
-                <a:effectLst/>
-                <a:latin typeface="Times New Roman" panose="02020603050405020304" pitchFamily="18" charset="0"/>
-                <a:ea typeface="Times New Roman" panose="02020603050405020304" pitchFamily="18" charset="0"/>
-                <a:cs typeface="Times New Roman" panose="02020603050405020304" pitchFamily="18" charset="0"/>
-              </a:rPr>
-              <a:t>psicológicos</a:t>
-            </a:r>
-            <a:r>
-              <a:rPr lang="en-US" sz="2400" dirty="0">
-                <a:effectLst/>
-                <a:latin typeface="Times New Roman" panose="02020603050405020304" pitchFamily="18" charset="0"/>
-                <a:ea typeface="Times New Roman" panose="02020603050405020304" pitchFamily="18" charset="0"/>
-                <a:cs typeface="Times New Roman" panose="02020603050405020304" pitchFamily="18" charset="0"/>
-              </a:rPr>
-              <a:t>. [S. l.]: Ed. da </a:t>
-            </a:r>
-            <a:r>
-              <a:rPr lang="en-US" sz="2400" dirty="0" err="1">
-                <a:effectLst/>
-                <a:latin typeface="Times New Roman" panose="02020603050405020304" pitchFamily="18" charset="0"/>
-                <a:ea typeface="Times New Roman" panose="02020603050405020304" pitchFamily="18" charset="0"/>
-                <a:cs typeface="Times New Roman" panose="02020603050405020304" pitchFamily="18" charset="0"/>
-              </a:rPr>
-              <a:t>UnB</a:t>
-            </a:r>
-            <a:r>
-              <a:rPr lang="en-US" sz="2400" dirty="0">
-                <a:effectLst/>
-                <a:latin typeface="Times New Roman" panose="02020603050405020304" pitchFamily="18" charset="0"/>
-                <a:ea typeface="Times New Roman" panose="02020603050405020304" pitchFamily="18" charset="0"/>
-                <a:cs typeface="Times New Roman" panose="02020603050405020304" pitchFamily="18" charset="0"/>
-              </a:rPr>
-              <a:t>, 1997.</a:t>
-            </a:r>
-          </a:p>
-          <a:p>
-            <a:endParaRPr lang="en-US" sz="2400" dirty="0">
-              <a:effectLst/>
-              <a:latin typeface="Times New Roman" panose="02020603050405020304" pitchFamily="18" charset="0"/>
-              <a:ea typeface="Times New Roman" panose="02020603050405020304" pitchFamily="18" charset="0"/>
-              <a:cs typeface="Times New Roman" panose="02020603050405020304" pitchFamily="18" charset="0"/>
-            </a:endParaRPr>
-          </a:p>
-          <a:p>
-            <a:r>
-              <a:rPr lang="en-US" sz="2400" dirty="0">
-                <a:effectLst/>
-                <a:latin typeface="Times New Roman" panose="02020603050405020304" pitchFamily="18" charset="0"/>
-                <a:ea typeface="Times New Roman" panose="02020603050405020304" pitchFamily="18" charset="0"/>
-                <a:cs typeface="Times New Roman" panose="02020603050405020304" pitchFamily="18" charset="0"/>
-              </a:rPr>
-              <a:t>DEVELLIS, Robert F. Scale development: Theory and applications. [S. l.]: Sage publications, 2016. v. 26</a:t>
-            </a:r>
-          </a:p>
-          <a:p>
-            <a:endParaRPr lang="en-US" sz="2400" dirty="0">
-              <a:effectLst/>
-              <a:latin typeface="Times New Roman" panose="02020603050405020304" pitchFamily="18" charset="0"/>
-              <a:ea typeface="Times New Roman" panose="02020603050405020304" pitchFamily="18" charset="0"/>
-              <a:cs typeface="Times New Roman" panose="02020603050405020304" pitchFamily="18" charset="0"/>
-            </a:endParaRPr>
-          </a:p>
-          <a:p>
-            <a:r>
-              <a:rPr lang="en-US" sz="2400" dirty="0">
-                <a:effectLst/>
-                <a:latin typeface="Times New Roman" panose="02020603050405020304" pitchFamily="18" charset="0"/>
-                <a:ea typeface="Times New Roman" panose="02020603050405020304" pitchFamily="18" charset="0"/>
-                <a:cs typeface="Times New Roman" panose="02020603050405020304" pitchFamily="18" charset="0"/>
-              </a:rPr>
-              <a:t>KANTEN, </a:t>
-            </a:r>
-            <a:r>
-              <a:rPr lang="en-US" sz="2400" dirty="0" err="1">
-                <a:effectLst/>
-                <a:latin typeface="Times New Roman" panose="02020603050405020304" pitchFamily="18" charset="0"/>
-                <a:ea typeface="Times New Roman" panose="02020603050405020304" pitchFamily="18" charset="0"/>
-                <a:cs typeface="Times New Roman" panose="02020603050405020304" pitchFamily="18" charset="0"/>
-              </a:rPr>
-              <a:t>Pelin</a:t>
-            </a:r>
-            <a:r>
-              <a:rPr lang="en-US" sz="2400" dirty="0">
-                <a:effectLst/>
-                <a:latin typeface="Times New Roman" panose="02020603050405020304" pitchFamily="18" charset="0"/>
-                <a:ea typeface="Times New Roman" panose="02020603050405020304" pitchFamily="18" charset="0"/>
-                <a:cs typeface="Times New Roman" panose="02020603050405020304" pitchFamily="18" charset="0"/>
-              </a:rPr>
-              <a:t>; KANTEN, </a:t>
-            </a:r>
-            <a:r>
-              <a:rPr lang="en-US" sz="2400" dirty="0" err="1">
-                <a:effectLst/>
-                <a:latin typeface="Times New Roman" panose="02020603050405020304" pitchFamily="18" charset="0"/>
-                <a:ea typeface="Times New Roman" panose="02020603050405020304" pitchFamily="18" charset="0"/>
-                <a:cs typeface="Times New Roman" panose="02020603050405020304" pitchFamily="18" charset="0"/>
-              </a:rPr>
-              <a:t>Selahattin</a:t>
-            </a:r>
-            <a:r>
-              <a:rPr lang="en-US" sz="2400" dirty="0">
-                <a:effectLst/>
-                <a:latin typeface="Times New Roman" panose="02020603050405020304" pitchFamily="18" charset="0"/>
-                <a:ea typeface="Times New Roman" panose="02020603050405020304" pitchFamily="18" charset="0"/>
-                <a:cs typeface="Times New Roman" panose="02020603050405020304" pitchFamily="18" charset="0"/>
-              </a:rPr>
-              <a:t>; GURLEK, </a:t>
-            </a:r>
-            <a:r>
-              <a:rPr lang="en-US" sz="2400" dirty="0" err="1">
-                <a:effectLst/>
-                <a:latin typeface="Times New Roman" panose="02020603050405020304" pitchFamily="18" charset="0"/>
-                <a:ea typeface="Times New Roman" panose="02020603050405020304" pitchFamily="18" charset="0"/>
-                <a:cs typeface="Times New Roman" panose="02020603050405020304" pitchFamily="18" charset="0"/>
-              </a:rPr>
-              <a:t>Mert</a:t>
-            </a:r>
-            <a:r>
-              <a:rPr lang="en-US" sz="2400" dirty="0">
-                <a:effectLst/>
-                <a:latin typeface="Times New Roman" panose="02020603050405020304" pitchFamily="18" charset="0"/>
-                <a:ea typeface="Times New Roman" panose="02020603050405020304" pitchFamily="18" charset="0"/>
-                <a:cs typeface="Times New Roman" panose="02020603050405020304" pitchFamily="18" charset="0"/>
-              </a:rPr>
-              <a:t>. The Effects of Organizational Structures and Learning Organization on Job Embeddedness and Individual Adaptive Performance. Procedia Economics and Finance, [S. l.], v. 23, n. December, p. 1358–1366, 2015. </a:t>
-            </a:r>
-            <a:r>
-              <a:rPr lang="en-US" sz="2400" dirty="0" err="1">
-                <a:effectLst/>
-                <a:latin typeface="Times New Roman" panose="02020603050405020304" pitchFamily="18" charset="0"/>
-                <a:ea typeface="Times New Roman" panose="02020603050405020304" pitchFamily="18" charset="0"/>
-                <a:cs typeface="Times New Roman" panose="02020603050405020304" pitchFamily="18" charset="0"/>
-              </a:rPr>
-              <a:t>Disponível</a:t>
-            </a:r>
-            <a:r>
-              <a:rPr lang="en-US" sz="2400" dirty="0">
-                <a:effectLst/>
-                <a:latin typeface="Times New Roman" panose="02020603050405020304" pitchFamily="18" charset="0"/>
-                <a:ea typeface="Times New Roman" panose="02020603050405020304" pitchFamily="18" charset="0"/>
-                <a:cs typeface="Times New Roman" panose="02020603050405020304" pitchFamily="18" charset="0"/>
-              </a:rPr>
-              <a:t> </a:t>
-            </a:r>
-            <a:r>
-              <a:rPr lang="en-US" sz="2400" dirty="0" err="1">
-                <a:effectLst/>
-                <a:latin typeface="Times New Roman" panose="02020603050405020304" pitchFamily="18" charset="0"/>
-                <a:ea typeface="Times New Roman" panose="02020603050405020304" pitchFamily="18" charset="0"/>
-                <a:cs typeface="Times New Roman" panose="02020603050405020304" pitchFamily="18" charset="0"/>
-              </a:rPr>
-              <a:t>em</a:t>
-            </a:r>
-            <a:r>
-              <a:rPr lang="en-US" sz="2400" dirty="0">
-                <a:effectLst/>
-                <a:latin typeface="Times New Roman" panose="02020603050405020304" pitchFamily="18" charset="0"/>
-                <a:ea typeface="Times New Roman" panose="02020603050405020304" pitchFamily="18" charset="0"/>
-                <a:cs typeface="Times New Roman" panose="02020603050405020304" pitchFamily="18" charset="0"/>
-              </a:rPr>
-              <a:t>: http://dx.doi.org/10.1016/S2212-5671(15)00523-7</a:t>
-            </a:r>
-          </a:p>
-          <a:p>
-            <a:endParaRPr lang="en-US" sz="2400" dirty="0">
-              <a:effectLst/>
-              <a:latin typeface="Times New Roman" panose="02020603050405020304" pitchFamily="18" charset="0"/>
-              <a:ea typeface="Times New Roman" panose="02020603050405020304" pitchFamily="18" charset="0"/>
-              <a:cs typeface="Times New Roman" panose="02020603050405020304" pitchFamily="18" charset="0"/>
-            </a:endParaRPr>
-          </a:p>
-          <a:p>
-            <a:r>
-              <a:rPr lang="en-US" sz="2400" dirty="0">
-                <a:effectLst/>
-                <a:latin typeface="Times New Roman" panose="02020603050405020304" pitchFamily="18" charset="0"/>
-                <a:ea typeface="Times New Roman" panose="02020603050405020304" pitchFamily="18" charset="0"/>
-                <a:cs typeface="Times New Roman" panose="02020603050405020304" pitchFamily="18" charset="0"/>
-              </a:rPr>
-              <a:t>PRADHAN, Rabindra Kumar; JENA, </a:t>
-            </a:r>
-            <a:r>
-              <a:rPr lang="en-US" sz="2400" dirty="0" err="1">
-                <a:effectLst/>
-                <a:latin typeface="Times New Roman" panose="02020603050405020304" pitchFamily="18" charset="0"/>
-                <a:ea typeface="Times New Roman" panose="02020603050405020304" pitchFamily="18" charset="0"/>
-                <a:cs typeface="Times New Roman" panose="02020603050405020304" pitchFamily="18" charset="0"/>
-              </a:rPr>
-              <a:t>Lalatendu</a:t>
-            </a:r>
-            <a:r>
-              <a:rPr lang="en-US" sz="2400" dirty="0">
-                <a:effectLst/>
-                <a:latin typeface="Times New Roman" panose="02020603050405020304" pitchFamily="18" charset="0"/>
-                <a:ea typeface="Times New Roman" panose="02020603050405020304" pitchFamily="18" charset="0"/>
-                <a:cs typeface="Times New Roman" panose="02020603050405020304" pitchFamily="18" charset="0"/>
-              </a:rPr>
-              <a:t> </a:t>
-            </a:r>
-            <a:r>
-              <a:rPr lang="en-US" sz="2400" dirty="0" err="1">
-                <a:effectLst/>
-                <a:latin typeface="Times New Roman" panose="02020603050405020304" pitchFamily="18" charset="0"/>
-                <a:ea typeface="Times New Roman" panose="02020603050405020304" pitchFamily="18" charset="0"/>
-                <a:cs typeface="Times New Roman" panose="02020603050405020304" pitchFamily="18" charset="0"/>
-              </a:rPr>
-              <a:t>Kesari</a:t>
-            </a:r>
-            <a:r>
-              <a:rPr lang="en-US" sz="2400" dirty="0">
-                <a:effectLst/>
-                <a:latin typeface="Times New Roman" panose="02020603050405020304" pitchFamily="18" charset="0"/>
-                <a:ea typeface="Times New Roman" panose="02020603050405020304" pitchFamily="18" charset="0"/>
-                <a:cs typeface="Times New Roman" panose="02020603050405020304" pitchFamily="18" charset="0"/>
-              </a:rPr>
-              <a:t>; SINGH, Sanjay Kumar. Examining the role of emotional intelligence between organizational learning and adaptive performance in Indian manufacturing industries. Journal of Workplace Learning, [S. l.], v. 29, n. 3, p. 235–247, 2017.</a:t>
-            </a:r>
-            <a:endParaRPr lang="pt-BR" dirty="0"/>
-          </a:p>
-          <a:p>
-            <a:endParaRPr lang="en-US" sz="2400" dirty="0">
-              <a:effectLst/>
-              <a:latin typeface="Times New Roman" panose="02020603050405020304" pitchFamily="18" charset="0"/>
-              <a:ea typeface="Times New Roman" panose="02020603050405020304" pitchFamily="18" charset="0"/>
-              <a:cs typeface="Times New Roman" panose="02020603050405020304" pitchFamily="18" charset="0"/>
-            </a:endParaRPr>
-          </a:p>
-          <a:p>
-            <a:endParaRPr lang="en-US" sz="2400" dirty="0">
-              <a:effectLst/>
-              <a:latin typeface="Times New Roman" panose="02020603050405020304" pitchFamily="18" charset="0"/>
-              <a:ea typeface="Times New Roman" panose="02020603050405020304" pitchFamily="18" charset="0"/>
-              <a:cs typeface="Times New Roman" panose="02020603050405020304" pitchFamily="18" charset="0"/>
-            </a:endParaRPr>
-          </a:p>
-          <a:p>
-            <a:endParaRPr lang="pt-BR" dirty="0"/>
-          </a:p>
-        </p:txBody>
-      </p:sp>
-    </p:spTree>
-    <p:extLst>
-      <p:ext uri="{BB962C8B-B14F-4D97-AF65-F5344CB8AC3E}">
-        <p14:creationId xmlns:p14="http://schemas.microsoft.com/office/powerpoint/2010/main" val="2092405931"/>
       </p:ext>
     </p:extLst>
   </p:cSld>

--- a/apresentacao doutorado.pptx
+++ b/apresentacao doutorado.pptx
@@ -311,7 +311,7 @@
           <a:p>
             <a:fld id="{4FBCF2B5-875D-4003-895D-F40CEBB778A9}" type="datetimeFigureOut">
               <a:rPr lang="pt-BR" smtClean="0"/>
-              <a:t>06/12/2020</a:t>
+              <a:t>07/12/2020</a:t>
             </a:fld>
             <a:endParaRPr lang="pt-BR"/>
           </a:p>
@@ -5145,7 +5145,7 @@
           <a:p>
             <a:fld id="{32E3DEF6-3213-4E1F-BF11-F9A2367C79DC}" type="datetimeFigureOut">
               <a:rPr lang="pt-BR" smtClean="0"/>
-              <a:t>06/12/2020</a:t>
+              <a:t>07/12/2020</a:t>
             </a:fld>
             <a:endParaRPr lang="pt-BR"/>
           </a:p>
@@ -27523,17 +27523,45 @@
         </p:nvSpPr>
         <p:spPr/>
         <p:txBody>
-          <a:bodyPr/>
+          <a:bodyPr>
+            <a:normAutofit lnSpcReduction="10000"/>
+          </a:bodyPr>
           <a:lstStyle/>
           <a:p>
-            <a:r>
-              <a:rPr lang="pt-BR" sz="1800">
-                <a:effectLst/>
+            <a:endParaRPr lang="pt-BR" sz="1800" b="1" dirty="0">
+              <a:effectLst/>
+              <a:latin typeface="Arial" panose="020B0604020202020204" pitchFamily="34" charset="0"/>
+              <a:ea typeface="Times New Roman" panose="02020603050405020304" pitchFamily="18" charset="0"/>
+              <a:cs typeface="Times New Roman" panose="02020603050405020304" pitchFamily="18" charset="0"/>
+            </a:endParaRPr>
+          </a:p>
+          <a:p>
+            <a:r>
+              <a:rPr lang="pt-BR" sz="1800" b="1" dirty="0">
                 <a:latin typeface="Arial" panose="020B0604020202020204" pitchFamily="34" charset="0"/>
                 <a:ea typeface="Times New Roman" panose="02020603050405020304" pitchFamily="18" charset="0"/>
                 <a:cs typeface="Times New Roman" panose="02020603050405020304" pitchFamily="18" charset="0"/>
               </a:rPr>
-              <a:t>A adaptabilidade </a:t>
+              <a:t>Primeiro trabalho na ES que foca na Adaptabilidade como característica individual no domínio geral;</a:t>
+            </a:r>
+          </a:p>
+          <a:p>
+            <a:endParaRPr lang="pt-BR" sz="1800" b="1" dirty="0">
+              <a:effectLst/>
+              <a:latin typeface="Arial" panose="020B0604020202020204" pitchFamily="34" charset="0"/>
+              <a:ea typeface="Times New Roman" panose="02020603050405020304" pitchFamily="18" charset="0"/>
+              <a:cs typeface="Times New Roman" panose="02020603050405020304" pitchFamily="18" charset="0"/>
+            </a:endParaRPr>
+          </a:p>
+          <a:p>
+            <a:r>
+              <a:rPr lang="pt-BR" sz="1800" b="1" dirty="0">
+                <a:effectLst/>
+                <a:latin typeface="Arial" panose="020B0604020202020204" pitchFamily="34" charset="0"/>
+                <a:ea typeface="Times New Roman" panose="02020603050405020304" pitchFamily="18" charset="0"/>
+                <a:cs typeface="Times New Roman" panose="02020603050405020304" pitchFamily="18" charset="0"/>
+              </a:rPr>
+              <a:t>A adaptabilidade dos indivíduos tem uma relação positiva com a satisfação. </a:t>
             </a:r>
             <a:r>
               <a:rPr lang="pt-BR" sz="1800" dirty="0">
@@ -27542,7 +27570,7 @@
                 <a:ea typeface="Times New Roman" panose="02020603050405020304" pitchFamily="18" charset="0"/>
                 <a:cs typeface="Times New Roman" panose="02020603050405020304" pitchFamily="18" charset="0"/>
               </a:rPr>
-              <a:t>dos indivíduos tem uma relação positiva com a satisfação. (</a:t>
+              <a:t>(</a:t>
             </a:r>
             <a:r>
               <a:rPr lang="pt-BR" sz="1800" dirty="0" err="1">
@@ -27661,12 +27689,20 @@
           </a:p>
           <a:p>
             <a:r>
+              <a:rPr lang="pt-BR" sz="1800" b="1" dirty="0">
+                <a:effectLst/>
+                <a:latin typeface="Arial" panose="020B0604020202020204" pitchFamily="34" charset="0"/>
+                <a:ea typeface="Times New Roman" panose="02020603050405020304" pitchFamily="18" charset="0"/>
+              </a:rPr>
+              <a:t>Existe relação negativa entre a percepção do burnout e a percepção da adaptabilidade individual. </a:t>
+            </a:r>
+            <a:r>
               <a:rPr lang="pt-BR" sz="1800" dirty="0">
                 <a:effectLst/>
                 <a:latin typeface="Arial" panose="020B0604020202020204" pitchFamily="34" charset="0"/>
                 <a:ea typeface="Times New Roman" panose="02020603050405020304" pitchFamily="18" charset="0"/>
               </a:rPr>
-              <a:t>Existe relação negativa entre a percepção do burnout e a percepção da adaptabilidade individual. Esses resultados são consistentes com os apresentados por </a:t>
+              <a:t>Esses resultados são consistentes com os apresentados por </a:t>
             </a:r>
             <a:r>
               <a:rPr lang="pt-BR" sz="1800" dirty="0">
@@ -27859,7 +27895,43 @@
                 <a:ea typeface="Times New Roman" panose="02020603050405020304" pitchFamily="18" charset="0"/>
                 <a:cs typeface="Times New Roman" panose="02020603050405020304" pitchFamily="18" charset="0"/>
               </a:rPr>
-              <a:t> Foi observado, em conformidade com o modelo proposto por Franca, Da Silva e Sharp (2018), que uma característica do trabalho (as percepções da instabilidades da equipe e da tarefa) está relacionada de maneira negativa e significativa com a satisfação. </a:t>
+              <a:t>Uma característica do trabalho (as percepções da </a:t>
+            </a:r>
+            <a:r>
+              <a:rPr lang="pt-BR" sz="1800" b="1" dirty="0">
+                <a:effectLst/>
+                <a:latin typeface="Arial" panose="020B0604020202020204" pitchFamily="34" charset="0"/>
+                <a:ea typeface="Times New Roman" panose="02020603050405020304" pitchFamily="18" charset="0"/>
+                <a:cs typeface="Times New Roman" panose="02020603050405020304" pitchFamily="18" charset="0"/>
+              </a:rPr>
+              <a:t>instabilidades da equipe </a:t>
+            </a:r>
+            <a:r>
+              <a:rPr lang="pt-BR" sz="1800" dirty="0">
+                <a:effectLst/>
+                <a:latin typeface="Arial" panose="020B0604020202020204" pitchFamily="34" charset="0"/>
+                <a:ea typeface="Times New Roman" panose="02020603050405020304" pitchFamily="18" charset="0"/>
+                <a:cs typeface="Times New Roman" panose="02020603050405020304" pitchFamily="18" charset="0"/>
+              </a:rPr>
+              <a:t>e da tarefa) está </a:t>
+            </a:r>
+            <a:r>
+              <a:rPr lang="pt-BR" sz="1800" b="1" dirty="0">
+                <a:effectLst/>
+                <a:latin typeface="Arial" panose="020B0604020202020204" pitchFamily="34" charset="0"/>
+                <a:ea typeface="Times New Roman" panose="02020603050405020304" pitchFamily="18" charset="0"/>
+                <a:cs typeface="Times New Roman" panose="02020603050405020304" pitchFamily="18" charset="0"/>
+              </a:rPr>
+              <a:t>relacionada de maneira negativa e significativa com a satisfação.</a:t>
+            </a:r>
+            <a:r>
+              <a:rPr lang="pt-BR" sz="1800" dirty="0">
+                <a:effectLst/>
+                <a:latin typeface="Arial" panose="020B0604020202020204" pitchFamily="34" charset="0"/>
+                <a:ea typeface="Times New Roman" panose="02020603050405020304" pitchFamily="18" charset="0"/>
+                <a:cs typeface="Times New Roman" panose="02020603050405020304" pitchFamily="18" charset="0"/>
+              </a:rPr>
+              <a:t> (Franca, Da Silva e Sharp 2018),</a:t>
             </a:r>
           </a:p>
           <a:p>
@@ -27873,15 +27945,15 @@
               <a:buNone/>
             </a:pPr>
             <a:r>
-              <a:rPr lang="pt-BR" sz="1800" dirty="0">
+              <a:rPr lang="pt-BR" sz="1800" b="1" dirty="0">
                 <a:effectLst/>
                 <a:latin typeface="Arial" panose="020B0604020202020204" pitchFamily="34" charset="0"/>
                 <a:ea typeface="Times New Roman" panose="02020603050405020304" pitchFamily="18" charset="0"/>
                 <a:cs typeface="Times New Roman" panose="02020603050405020304" pitchFamily="18" charset="0"/>
               </a:rPr>
-              <a:t>Além disso, as percepções da instabilidade da equipe e da tarefa também estão relacionadas positivamente e de maneira significativa com o burnout.</a:t>
-            </a:r>
-            <a:endParaRPr lang="pt-BR" sz="1800" dirty="0">
+              <a:t>As percepções da instabilidade da equipe e da tarefa também estão relacionadas positivamente e de maneira significativa com o burnout.</a:t>
+            </a:r>
+            <a:endParaRPr lang="pt-BR" sz="1800" b="1" dirty="0">
               <a:effectLst/>
               <a:latin typeface="Times" panose="02020603050405020304" pitchFamily="18" charset="0"/>
               <a:ea typeface="Times New Roman" panose="02020603050405020304" pitchFamily="18" charset="0"/>
@@ -27983,7 +28055,7 @@
         <p:spPr/>
         <p:txBody>
           <a:bodyPr>
-            <a:normAutofit fontScale="92500" lnSpcReduction="20000"/>
+            <a:normAutofit fontScale="85000" lnSpcReduction="10000"/>
           </a:bodyPr>
           <a:lstStyle/>
           <a:p>
@@ -27996,13 +28068,58 @@
               </a:spcAft>
             </a:pPr>
             <a:r>
+              <a:rPr lang="pt-BR" sz="1800" b="1" dirty="0">
+                <a:effectLst/>
+                <a:latin typeface="Arial" panose="020B0604020202020204" pitchFamily="34" charset="0"/>
+                <a:ea typeface="Times New Roman" panose="02020603050405020304" pitchFamily="18" charset="0"/>
+                <a:cs typeface="Times New Roman" panose="02020603050405020304" pitchFamily="18" charset="0"/>
+              </a:rPr>
+              <a:t>A escala de burnout </a:t>
+            </a:r>
+            <a:r>
               <a:rPr lang="pt-BR" sz="1800" dirty="0">
                 <a:effectLst/>
                 <a:latin typeface="Arial" panose="020B0604020202020204" pitchFamily="34" charset="0"/>
                 <a:ea typeface="Times New Roman" panose="02020603050405020304" pitchFamily="18" charset="0"/>
                 <a:cs typeface="Times New Roman" panose="02020603050405020304" pitchFamily="18" charset="0"/>
               </a:rPr>
-              <a:t>A escala de burnout passou por mais uma validação dentro da área de Engenharia de Software onde foi realizada uma análise fatorial confirmatória.</a:t>
+              <a:t>passou por mais uma </a:t>
+            </a:r>
+            <a:r>
+              <a:rPr lang="pt-BR" sz="1800" b="1" dirty="0">
+                <a:effectLst/>
+                <a:latin typeface="Arial" panose="020B0604020202020204" pitchFamily="34" charset="0"/>
+                <a:ea typeface="Times New Roman" panose="02020603050405020304" pitchFamily="18" charset="0"/>
+                <a:cs typeface="Times New Roman" panose="02020603050405020304" pitchFamily="18" charset="0"/>
+              </a:rPr>
+              <a:t>validação  da tradução </a:t>
+            </a:r>
+            <a:r>
+              <a:rPr lang="pt-BR" sz="1800" dirty="0">
+                <a:effectLst/>
+                <a:latin typeface="Arial" panose="020B0604020202020204" pitchFamily="34" charset="0"/>
+                <a:ea typeface="Times New Roman" panose="02020603050405020304" pitchFamily="18" charset="0"/>
+                <a:cs typeface="Times New Roman" panose="02020603050405020304" pitchFamily="18" charset="0"/>
+              </a:rPr>
+              <a:t>dentro da área de </a:t>
+            </a:r>
+            <a:r>
+              <a:rPr lang="pt-BR" sz="1800" b="1" dirty="0">
+                <a:effectLst/>
+                <a:latin typeface="Arial" panose="020B0604020202020204" pitchFamily="34" charset="0"/>
+                <a:ea typeface="Times New Roman" panose="02020603050405020304" pitchFamily="18" charset="0"/>
+                <a:cs typeface="Times New Roman" panose="02020603050405020304" pitchFamily="18" charset="0"/>
+              </a:rPr>
+              <a:t>Engenharia de Software onde foi realizada uma análise fatorial confirmatória</a:t>
+            </a:r>
+            <a:r>
+              <a:rPr lang="pt-BR" sz="1800" dirty="0">
+                <a:effectLst/>
+                <a:latin typeface="Arial" panose="020B0604020202020204" pitchFamily="34" charset="0"/>
+                <a:ea typeface="Times New Roman" panose="02020603050405020304" pitchFamily="18" charset="0"/>
+                <a:cs typeface="Times New Roman" panose="02020603050405020304" pitchFamily="18" charset="0"/>
+              </a:rPr>
+              <a:t>.</a:t>
             </a:r>
           </a:p>
           <a:p>
@@ -28040,7 +28157,25 @@
                 <a:ea typeface="Times New Roman" panose="02020603050405020304" pitchFamily="18" charset="0"/>
                 <a:cs typeface="Times New Roman" panose="02020603050405020304" pitchFamily="18" charset="0"/>
               </a:rPr>
-              <a:t>Outros estudos apontam problemas com a escala do burnout na Engenharia de Software ao realizar AFC, por exemplo, Singh e Suar (2013), em seu trabalho, tiveram que retirar um item da dimensão eficácia, pois ele estava abaixo de 0,3 (ponto de corte utilizado pelos autores, que é inferior ao utilizado nesta tese). Infelizmente, o item retirado não foi especificado. </a:t>
+              <a:t>Outros estudos </a:t>
+            </a:r>
+            <a:r>
+              <a:rPr lang="pt-BR" sz="1800" b="1" dirty="0">
+                <a:effectLst/>
+                <a:latin typeface="Arial" panose="020B0604020202020204" pitchFamily="34" charset="0"/>
+                <a:ea typeface="Times New Roman" panose="02020603050405020304" pitchFamily="18" charset="0"/>
+                <a:cs typeface="Times New Roman" panose="02020603050405020304" pitchFamily="18" charset="0"/>
+              </a:rPr>
+              <a:t>apontam problemas com a escala do burnout</a:t>
+            </a:r>
+            <a:r>
+              <a:rPr lang="pt-BR" sz="1800" dirty="0">
+                <a:effectLst/>
+                <a:latin typeface="Arial" panose="020B0604020202020204" pitchFamily="34" charset="0"/>
+                <a:ea typeface="Times New Roman" panose="02020603050405020304" pitchFamily="18" charset="0"/>
+                <a:cs typeface="Times New Roman" panose="02020603050405020304" pitchFamily="18" charset="0"/>
+              </a:rPr>
+              <a:t> na Engenharia de Software ao realizar AFC, por exemplo, Singh e Suar (2013), em seu trabalho, tiveram que retirar um item da dimensão eficácia, pois ele estava abaixo de 0,3 (ponto de corte utilizado pelos autores, que é inferior ao utilizado nesta tese). Infelizmente, o item retirado não foi especificado. </a:t>
             </a:r>
             <a:endParaRPr lang="pt-BR" sz="1800" dirty="0">
               <a:effectLst/>
@@ -28157,12 +28292,20 @@
               </a:spcAft>
             </a:pPr>
             <a:r>
+              <a:rPr lang="pt-BR" sz="1800" b="1" dirty="0">
+                <a:effectLst/>
+                <a:latin typeface="Arial" panose="020B0604020202020204" pitchFamily="34" charset="0"/>
+                <a:ea typeface="Times New Roman" panose="02020603050405020304" pitchFamily="18" charset="0"/>
+              </a:rPr>
+              <a:t>Foram observados maiores médias nas dimensões de exaustão e menores médias de baixa eficácia. </a:t>
+            </a:r>
+            <a:r>
               <a:rPr lang="pt-BR" sz="1800" dirty="0">
                 <a:effectLst/>
                 <a:latin typeface="Arial" panose="020B0604020202020204" pitchFamily="34" charset="0"/>
                 <a:ea typeface="Times New Roman" panose="02020603050405020304" pitchFamily="18" charset="0"/>
               </a:rPr>
-              <a:t>Foram observados maiores médias nas dimensões de exaustão e menores médias de baixa eficácia. Esse resultado é diferente do apresentado por </a:t>
+              <a:t>Esse resultado é diferente do apresentado por </a:t>
             </a:r>
             <a:r>
               <a:rPr lang="pt-BR" sz="1800" dirty="0">
